--- a/doc/BAO_CAO-DO_AN_TOT_NGHIEP-SKILL_INVENTORY.pptx
+++ b/doc/BAO_CAO-DO_AN_TOT_NGHIEP-SKILL_INVENTORY.pptx
@@ -132,7 +132,7 @@
   </p:defaultTextStyle>
   <p:extLst>
     <p:ext uri="{EFAFB233-063F-42B5-8137-9DF3F51BA10A}">
-      <p15:sldGuideLst xmlns="" xmlns:p15="http://schemas.microsoft.com/office/powerpoint/2012/main">
+      <p15:sldGuideLst xmlns:p15="http://schemas.microsoft.com/office/powerpoint/2012/main" xmlns="">
         <p15:guide id="1" orient="horz" pos="2016">
           <p15:clr>
             <a:srgbClr val="A4A3A4"/>
@@ -231,7 +231,7 @@
           <a:p>
             <a:fld id="{A96E8428-2631-43B4-B7F6-00FB52B54726}" type="datetimeFigureOut">
               <a:rPr lang="en-US" smtClean="0"/>
-              <a:t>5/20/2019</a:t>
+              <a:t>5/27/2019</a:t>
             </a:fld>
             <a:endParaRPr lang="en-US"/>
           </a:p>
@@ -1389,7 +1389,7 @@
           <a:p>
             <a:fld id="{B02E4CE9-2204-4424-8ECC-44EC75ED47DE}" type="datetime1">
               <a:rPr lang="en-US" smtClean="0"/>
-              <a:t>5/20/2019</a:t>
+              <a:t>5/27/2019</a:t>
             </a:fld>
             <a:endParaRPr lang="en-US"/>
           </a:p>
@@ -1640,7 +1640,7 @@
           <a:p>
             <a:fld id="{22B9AB01-BCCF-4582-BF39-8D8F034C96D4}" type="datetime1">
               <a:rPr lang="en-US" smtClean="0"/>
-              <a:t>5/20/2019</a:t>
+              <a:t>5/27/2019</a:t>
             </a:fld>
             <a:endParaRPr lang="en-US"/>
           </a:p>
@@ -1955,7 +1955,7 @@
           <a:p>
             <a:fld id="{22B9AB01-BCCF-4582-BF39-8D8F034C96D4}" type="datetime1">
               <a:rPr lang="en-US" smtClean="0"/>
-              <a:t>5/20/2019</a:t>
+              <a:t>5/27/2019</a:t>
             </a:fld>
             <a:endParaRPr lang="en-US"/>
           </a:p>
@@ -2297,7 +2297,7 @@
           <a:p>
             <a:fld id="{22B9AB01-BCCF-4582-BF39-8D8F034C96D4}" type="datetime1">
               <a:rPr lang="en-US" smtClean="0"/>
-              <a:t>5/20/2019</a:t>
+              <a:t>5/27/2019</a:t>
             </a:fld>
             <a:endParaRPr lang="en-US"/>
           </a:p>
@@ -2612,7 +2612,7 @@
           <a:p>
             <a:fld id="{22B9AB01-BCCF-4582-BF39-8D8F034C96D4}" type="datetime1">
               <a:rPr lang="en-US" smtClean="0"/>
-              <a:t>5/20/2019</a:t>
+              <a:t>5/27/2019</a:t>
             </a:fld>
             <a:endParaRPr lang="en-US"/>
           </a:p>
@@ -3006,7 +3006,7 @@
           <a:p>
             <a:fld id="{22B9AB01-BCCF-4582-BF39-8D8F034C96D4}" type="datetime1">
               <a:rPr lang="en-US" smtClean="0"/>
-              <a:t>5/20/2019</a:t>
+              <a:t>5/27/2019</a:t>
             </a:fld>
             <a:endParaRPr lang="en-US"/>
           </a:p>
@@ -3177,7 +3177,7 @@
           <a:p>
             <a:fld id="{22B9AB01-BCCF-4582-BF39-8D8F034C96D4}" type="datetime1">
               <a:rPr lang="en-US" smtClean="0"/>
-              <a:t>5/20/2019</a:t>
+              <a:t>5/27/2019</a:t>
             </a:fld>
             <a:endParaRPr lang="en-US"/>
           </a:p>
@@ -3358,7 +3358,7 @@
           <a:p>
             <a:fld id="{22B9AB01-BCCF-4582-BF39-8D8F034C96D4}" type="datetime1">
               <a:rPr lang="en-US" smtClean="0"/>
-              <a:t>5/20/2019</a:t>
+              <a:t>5/27/2019</a:t>
             </a:fld>
             <a:endParaRPr lang="en-US"/>
           </a:p>
@@ -3535,7 +3535,7 @@
           <a:p>
             <a:fld id="{BBBFACBD-6CBD-41BD-899B-944D42A6308C}" type="datetime1">
               <a:rPr lang="en-US" smtClean="0"/>
-              <a:t>5/20/2019</a:t>
+              <a:t>5/27/2019</a:t>
             </a:fld>
             <a:endParaRPr lang="en-US"/>
           </a:p>
@@ -3783,7 +3783,7 @@
           <a:p>
             <a:fld id="{22B9AB01-BCCF-4582-BF39-8D8F034C96D4}" type="datetime1">
               <a:rPr lang="en-US" smtClean="0"/>
-              <a:t>5/20/2019</a:t>
+              <a:t>5/27/2019</a:t>
             </a:fld>
             <a:endParaRPr lang="en-US"/>
           </a:p>
@@ -4016,7 +4016,7 @@
           <a:p>
             <a:fld id="{22B9AB01-BCCF-4582-BF39-8D8F034C96D4}" type="datetime1">
               <a:rPr lang="en-US" smtClean="0"/>
-              <a:t>5/20/2019</a:t>
+              <a:t>5/27/2019</a:t>
             </a:fld>
             <a:endParaRPr lang="en-US"/>
           </a:p>
@@ -4391,7 +4391,7 @@
           <a:p>
             <a:fld id="{22B9AB01-BCCF-4582-BF39-8D8F034C96D4}" type="datetime1">
               <a:rPr lang="en-US" smtClean="0"/>
-              <a:t>5/20/2019</a:t>
+              <a:t>5/27/2019</a:t>
             </a:fld>
             <a:endParaRPr lang="en-US"/>
           </a:p>
@@ -4515,7 +4515,7 @@
           <a:p>
             <a:fld id="{22B9AB01-BCCF-4582-BF39-8D8F034C96D4}" type="datetime1">
               <a:rPr lang="en-US" smtClean="0"/>
-              <a:t>5/20/2019</a:t>
+              <a:t>5/27/2019</a:t>
             </a:fld>
             <a:endParaRPr lang="en-US"/>
           </a:p>
@@ -4611,7 +4611,7 @@
           <a:p>
             <a:fld id="{22B9AB01-BCCF-4582-BF39-8D8F034C96D4}" type="datetime1">
               <a:rPr lang="en-US" smtClean="0"/>
-              <a:t>5/20/2019</a:t>
+              <a:t>5/27/2019</a:t>
             </a:fld>
             <a:endParaRPr lang="en-US"/>
           </a:p>
@@ -4867,7 +4867,7 @@
           <a:p>
             <a:fld id="{22B9AB01-BCCF-4582-BF39-8D8F034C96D4}" type="datetime1">
               <a:rPr lang="en-US" smtClean="0"/>
-              <a:t>5/20/2019</a:t>
+              <a:t>5/27/2019</a:t>
             </a:fld>
             <a:endParaRPr lang="en-US"/>
           </a:p>
@@ -5131,7 +5131,7 @@
           <a:p>
             <a:fld id="{22B9AB01-BCCF-4582-BF39-8D8F034C96D4}" type="datetime1">
               <a:rPr lang="en-US" smtClean="0"/>
-              <a:t>5/20/2019</a:t>
+              <a:t>5/27/2019</a:t>
             </a:fld>
             <a:endParaRPr lang="en-US"/>
           </a:p>
@@ -5875,7 +5875,7 @@
           <a:p>
             <a:fld id="{22B9AB01-BCCF-4582-BF39-8D8F034C96D4}" type="datetime1">
               <a:rPr lang="en-US" smtClean="0"/>
-              <a:t>5/20/2019</a:t>
+              <a:t>5/27/2019</a:t>
             </a:fld>
             <a:endParaRPr lang="en-US"/>
           </a:p>
@@ -9918,11 +9918,25 @@
           <a:lstStyle/>
           <a:p>
             <a:r>
+              <a:rPr lang="en-US" sz="4000">
+                <a:latin typeface="Times New Roman" pitchFamily="18" charset="0"/>
+                <a:cs typeface="Times New Roman" pitchFamily="18" charset="0"/>
+              </a:rPr>
+              <a:t>6</a:t>
+            </a:r>
+            <a:r>
               <a:rPr lang="en-US" sz="4000" smtClean="0">
                 <a:latin typeface="Times New Roman" pitchFamily="18" charset="0"/>
                 <a:cs typeface="Times New Roman" pitchFamily="18" charset="0"/>
               </a:rPr>
-              <a:t>5. Kết luận – Hướng phát triển</a:t>
+              <a:t>. </a:t>
+            </a:r>
+            <a:r>
+              <a:rPr lang="en-US" sz="4000" smtClean="0">
+                <a:latin typeface="Times New Roman" pitchFamily="18" charset="0"/>
+                <a:cs typeface="Times New Roman" pitchFamily="18" charset="0"/>
+              </a:rPr>
+              <a:t>Kết luận – Hướng phát triển</a:t>
             </a:r>
             <a:endParaRPr lang="en-US" sz="4000">
               <a:latin typeface="Times New Roman" pitchFamily="18" charset="0"/>
@@ -10108,11 +10122,25 @@
           <a:lstStyle/>
           <a:p>
             <a:r>
+              <a:rPr lang="en-US" sz="4000">
+                <a:latin typeface="Times New Roman" pitchFamily="18" charset="0"/>
+                <a:cs typeface="Times New Roman" pitchFamily="18" charset="0"/>
+              </a:rPr>
+              <a:t>6</a:t>
+            </a:r>
+            <a:r>
               <a:rPr lang="en-US" sz="4000" smtClean="0">
                 <a:latin typeface="Times New Roman" pitchFamily="18" charset="0"/>
                 <a:cs typeface="Times New Roman" pitchFamily="18" charset="0"/>
               </a:rPr>
-              <a:t>5. Kết luận – Hướng phát triển(tt)</a:t>
+              <a:t>. </a:t>
+            </a:r>
+            <a:r>
+              <a:rPr lang="en-US" sz="4000" smtClean="0">
+                <a:latin typeface="Times New Roman" pitchFamily="18" charset="0"/>
+                <a:cs typeface="Times New Roman" pitchFamily="18" charset="0"/>
+              </a:rPr>
+              <a:t>Kết luận – Hướng phát triển(tt)</a:t>
             </a:r>
             <a:endParaRPr lang="en-US" sz="4000">
               <a:latin typeface="Times New Roman" pitchFamily="18" charset="0"/>
@@ -10284,11 +10312,25 @@
           <a:lstStyle/>
           <a:p>
             <a:r>
+              <a:rPr lang="en-US" sz="4000">
+                <a:latin typeface="Times New Roman" pitchFamily="18" charset="0"/>
+                <a:cs typeface="Times New Roman" pitchFamily="18" charset="0"/>
+              </a:rPr>
+              <a:t>6</a:t>
+            </a:r>
+            <a:r>
               <a:rPr lang="en-US" sz="4000" smtClean="0">
                 <a:latin typeface="Times New Roman" pitchFamily="18" charset="0"/>
                 <a:cs typeface="Times New Roman" pitchFamily="18" charset="0"/>
               </a:rPr>
-              <a:t>5. Kết luận – Hướng phát triển(tt)</a:t>
+              <a:t>. </a:t>
+            </a:r>
+            <a:r>
+              <a:rPr lang="en-US" sz="4000" smtClean="0">
+                <a:latin typeface="Times New Roman" pitchFamily="18" charset="0"/>
+                <a:cs typeface="Times New Roman" pitchFamily="18" charset="0"/>
+              </a:rPr>
+              <a:t>Kết luận – Hướng phát triển(tt)</a:t>
             </a:r>
             <a:endParaRPr lang="en-US" sz="4000">
               <a:latin typeface="Times New Roman" pitchFamily="18" charset="0"/>
@@ -12608,14 +12650,7 @@
                 <a:latin typeface="Times New Roman" pitchFamily="18" charset="0"/>
                 <a:cs typeface="Times New Roman" pitchFamily="18" charset="0"/>
               </a:rPr>
-              <a:t>quyết định </a:t>
-            </a:r>
-            <a:r>
-              <a:rPr lang="en-US" sz="2200" smtClean="0">
-                <a:latin typeface="Times New Roman" pitchFamily="18" charset="0"/>
-                <a:cs typeface="Times New Roman" pitchFamily="18" charset="0"/>
-              </a:rPr>
-              <a:t>tìm hiểu và xây dựng hệ thống quản lý kỹ năng của nhân viên để </a:t>
+              <a:t>quyết định tìm hiểu và xây dựng hệ thống quản lý kỹ năng của nhân viên để </a:t>
             </a:r>
             <a:r>
               <a:rPr lang="en-US" sz="2200" err="1" smtClean="0">
@@ -15360,7 +15395,7 @@
   <a:extraClrSchemeLst/>
   <a:extLst>
     <a:ext uri="{05A4C25C-085E-4340-85A3-A5531E510DB2}">
-      <thm15:themeFamily xmlns="" xmlns:thm15="http://schemas.microsoft.com/office/thememl/2012/main" name="Facet" id="{C0C680CD-088A-49FC-A102-D699147F32B2}" vid="{CFBC31BA-B70F-4F30-BCAA-4F3011E16C4D}"/>
+      <thm15:themeFamily xmlns:thm15="http://schemas.microsoft.com/office/thememl/2012/main" xmlns="" name="Facet" id="{C0C680CD-088A-49FC-A102-D699147F32B2}" vid="{CFBC31BA-B70F-4F30-BCAA-4F3011E16C4D}"/>
     </a:ext>
   </a:extLst>
 </a:theme>
@@ -15621,7 +15656,7 @@
   <a:extraClrSchemeLst/>
   <a:extLst>
     <a:ext uri="{05A4C25C-085E-4340-85A3-A5531E510DB2}">
-      <thm15:themeFamily xmlns="" xmlns:thm15="http://schemas.microsoft.com/office/thememl/2012/main" name="Office Theme" id="{62F939B6-93AF-4DB8-9C6B-D6C7DFDC589F}" vid="{4A3C46E8-61CC-4603-A589-7422A47A8E4A}"/>
+      <thm15:themeFamily xmlns:thm15="http://schemas.microsoft.com/office/thememl/2012/main" xmlns="" name="Office Theme" id="{62F939B6-93AF-4DB8-9C6B-D6C7DFDC589F}" vid="{4A3C46E8-61CC-4603-A589-7422A47A8E4A}"/>
     </a:ext>
   </a:extLst>
 </a:theme>

--- a/doc/BAO_CAO-DO_AN_TOT_NGHIEP-SKILL_INVENTORY.pptx
+++ b/doc/BAO_CAO-DO_AN_TOT_NGHIEP-SKILL_INVENTORY.pptx
@@ -5,7 +5,7 @@
     <p:sldMasterId id="2147484107" r:id="rId1"/>
   </p:sldMasterIdLst>
   <p:notesMasterIdLst>
-    <p:notesMasterId r:id="rId26"/>
+    <p:notesMasterId r:id="rId22"/>
   </p:notesMasterIdLst>
   <p:sldIdLst>
     <p:sldId id="256" r:id="rId2"/>
@@ -13,27 +13,23 @@
     <p:sldId id="258" r:id="rId4"/>
     <p:sldId id="259" r:id="rId5"/>
     <p:sldId id="279" r:id="rId6"/>
-    <p:sldId id="287" r:id="rId7"/>
-    <p:sldId id="285" r:id="rId8"/>
-    <p:sldId id="268" r:id="rId9"/>
-    <p:sldId id="274" r:id="rId10"/>
-    <p:sldId id="275" r:id="rId11"/>
-    <p:sldId id="277" r:id="rId12"/>
-    <p:sldId id="278" r:id="rId13"/>
-    <p:sldId id="281" r:id="rId14"/>
-    <p:sldId id="288" r:id="rId15"/>
-    <p:sldId id="289" r:id="rId16"/>
-    <p:sldId id="290" r:id="rId17"/>
-    <p:sldId id="262" r:id="rId18"/>
-    <p:sldId id="292" r:id="rId19"/>
-    <p:sldId id="293" r:id="rId20"/>
-    <p:sldId id="291" r:id="rId21"/>
-    <p:sldId id="294" r:id="rId22"/>
-    <p:sldId id="295" r:id="rId23"/>
-    <p:sldId id="263" r:id="rId24"/>
-    <p:sldId id="264" r:id="rId25"/>
+    <p:sldId id="268" r:id="rId7"/>
+    <p:sldId id="274" r:id="rId8"/>
+    <p:sldId id="275" r:id="rId9"/>
+    <p:sldId id="277" r:id="rId10"/>
+    <p:sldId id="278" r:id="rId11"/>
+    <p:sldId id="281" r:id="rId12"/>
+    <p:sldId id="288" r:id="rId13"/>
+    <p:sldId id="289" r:id="rId14"/>
+    <p:sldId id="262" r:id="rId15"/>
+    <p:sldId id="292" r:id="rId16"/>
+    <p:sldId id="291" r:id="rId17"/>
+    <p:sldId id="294" r:id="rId18"/>
+    <p:sldId id="295" r:id="rId19"/>
+    <p:sldId id="263" r:id="rId20"/>
+    <p:sldId id="264" r:id="rId21"/>
   </p:sldIdLst>
-  <p:sldSz cx="10515600" cy="6400800"/>
+  <p:sldSz cx="10058400" cy="6858000"/>
   <p:notesSz cx="6858000" cy="9144000"/>
   <p:defaultTextStyle>
     <a:defPPr>
@@ -132,7 +128,7 @@
   </p:defaultTextStyle>
   <p:extLst>
     <p:ext uri="{EFAFB233-063F-42B5-8137-9DF3F51BA10A}">
-      <p15:sldGuideLst xmlns:p15="http://schemas.microsoft.com/office/powerpoint/2012/main" xmlns="">
+      <p15:sldGuideLst xmlns="" xmlns:p15="http://schemas.microsoft.com/office/powerpoint/2012/main">
         <p15:guide id="1" orient="horz" pos="2016">
           <p15:clr>
             <a:srgbClr val="A4A3A4"/>
@@ -249,8 +245,8 @@
         </p:nvSpPr>
         <p:spPr>
           <a:xfrm>
-            <a:off x="893763" y="1143000"/>
-            <a:ext cx="5070475" cy="3086100"/>
+            <a:off x="1165225" y="1143000"/>
+            <a:ext cx="4527550" cy="3086100"/>
           </a:xfrm>
           <a:prstGeom prst="rect">
             <a:avLst/>
@@ -526,7 +522,12 @@
             <p:ph type="sldImg"/>
           </p:nvPr>
         </p:nvSpPr>
-        <p:spPr/>
+        <p:spPr>
+          <a:xfrm>
+            <a:off x="1166813" y="1143000"/>
+            <a:ext cx="4524375" cy="3086100"/>
+          </a:xfrm>
+        </p:spPr>
       </p:sp>
       <p:sp>
         <p:nvSpPr>
@@ -610,7 +611,12 @@
             <p:ph type="sldImg"/>
           </p:nvPr>
         </p:nvSpPr>
-        <p:spPr/>
+        <p:spPr>
+          <a:xfrm>
+            <a:off x="1166813" y="1143000"/>
+            <a:ext cx="4524375" cy="3086100"/>
+          </a:xfrm>
+        </p:spPr>
       </p:sp>
       <p:sp>
         <p:nvSpPr>
@@ -692,8 +698,8 @@
         </p:nvGrpSpPr>
         <p:grpSpPr>
           <a:xfrm>
-            <a:off x="0" y="-7902"/>
-            <a:ext cx="10515600" cy="6408703"/>
+            <a:off x="0" y="-8466"/>
+            <a:ext cx="10058400" cy="6866468"/>
             <a:chOff x="0" y="-8467"/>
             <a:chExt cx="12192000" cy="6866467"/>
           </a:xfrm>
@@ -1226,8 +1232,8 @@
         </p:nvSpPr>
         <p:spPr>
           <a:xfrm>
-            <a:off x="1299845" y="2244232"/>
-            <a:ext cx="6698982" cy="1536549"/>
+            <a:off x="1243331" y="2404536"/>
+            <a:ext cx="6407721" cy="1646303"/>
           </a:xfrm>
         </p:spPr>
         <p:txBody>
@@ -1264,8 +1270,8 @@
         </p:nvSpPr>
         <p:spPr>
           <a:xfrm>
-            <a:off x="1299845" y="3780778"/>
-            <a:ext cx="6698982" cy="1023772"/>
+            <a:off x="1243331" y="4050834"/>
+            <a:ext cx="6407721" cy="1096899"/>
           </a:xfrm>
         </p:spPr>
         <p:txBody>
@@ -1479,8 +1485,8 @@
         </p:nvSpPr>
         <p:spPr>
           <a:xfrm>
-            <a:off x="584202" y="568960"/>
-            <a:ext cx="7414626" cy="3176693"/>
+            <a:off x="558803" y="609600"/>
+            <a:ext cx="7092251" cy="3403600"/>
           </a:xfrm>
         </p:spPr>
         <p:txBody>
@@ -1513,8 +1519,8 @@
         </p:nvSpPr>
         <p:spPr>
           <a:xfrm>
-            <a:off x="584202" y="4172373"/>
-            <a:ext cx="7414626" cy="1466231"/>
+            <a:off x="558803" y="4470400"/>
+            <a:ext cx="7092251" cy="1570962"/>
           </a:xfrm>
         </p:spPr>
         <p:txBody>
@@ -1731,8 +1737,8 @@
         </p:nvSpPr>
         <p:spPr>
           <a:xfrm>
-            <a:off x="803275" y="568960"/>
-            <a:ext cx="6981191" cy="2821093"/>
+            <a:off x="768351" y="609600"/>
+            <a:ext cx="6677661" cy="3022600"/>
           </a:xfrm>
         </p:spPr>
         <p:txBody>
@@ -1765,8 +1771,8 @@
         </p:nvSpPr>
         <p:spPr>
           <a:xfrm>
-            <a:off x="1178295" y="3390053"/>
-            <a:ext cx="6231152" cy="355600"/>
+            <a:off x="1127065" y="3632200"/>
+            <a:ext cx="5960233" cy="381000"/>
           </a:xfrm>
         </p:spPr>
         <p:txBody>
@@ -1828,8 +1834,8 @@
         </p:nvSpPr>
         <p:spPr>
           <a:xfrm>
-            <a:off x="584202" y="4172373"/>
-            <a:ext cx="7414626" cy="1466231"/>
+            <a:off x="558803" y="4470400"/>
+            <a:ext cx="7092251" cy="1570962"/>
           </a:xfrm>
         </p:spPr>
         <p:txBody>
@@ -2011,8 +2017,8 @@
         </p:nvSpPr>
         <p:spPr>
           <a:xfrm>
-            <a:off x="467363" y="737686"/>
-            <a:ext cx="525780" cy="545791"/>
+            <a:off x="447043" y="790378"/>
+            <a:ext cx="502920" cy="584776"/>
           </a:xfrm>
           <a:prstGeom prst="rect">
             <a:avLst/>
@@ -2052,8 +2058,8 @@
         </p:nvSpPr>
         <p:spPr>
           <a:xfrm>
-            <a:off x="7670222" y="2694119"/>
-            <a:ext cx="525780" cy="545791"/>
+            <a:off x="7336735" y="2886557"/>
+            <a:ext cx="502920" cy="584776"/>
           </a:xfrm>
           <a:prstGeom prst="rect">
             <a:avLst/>
@@ -2136,8 +2142,8 @@
         </p:nvSpPr>
         <p:spPr>
           <a:xfrm>
-            <a:off x="584202" y="1803189"/>
-            <a:ext cx="7414626" cy="2422429"/>
+            <a:off x="558803" y="1931990"/>
+            <a:ext cx="7092251" cy="2595460"/>
           </a:xfrm>
         </p:spPr>
         <p:txBody>
@@ -2170,8 +2176,8 @@
         </p:nvSpPr>
         <p:spPr>
           <a:xfrm>
-            <a:off x="584202" y="4225618"/>
-            <a:ext cx="7414626" cy="1412986"/>
+            <a:off x="558803" y="4527448"/>
+            <a:ext cx="7092251" cy="1513914"/>
           </a:xfrm>
         </p:spPr>
         <p:txBody>
@@ -2388,8 +2394,8 @@
         </p:nvSpPr>
         <p:spPr>
           <a:xfrm>
-            <a:off x="803275" y="568960"/>
-            <a:ext cx="6981191" cy="2821093"/>
+            <a:off x="768351" y="609600"/>
+            <a:ext cx="6677661" cy="3022600"/>
           </a:xfrm>
         </p:spPr>
         <p:txBody>
@@ -2422,8 +2428,8 @@
         </p:nvSpPr>
         <p:spPr>
           <a:xfrm>
-            <a:off x="584199" y="3745653"/>
-            <a:ext cx="7414627" cy="479965"/>
+            <a:off x="558800" y="4013200"/>
+            <a:ext cx="7092251" cy="514248"/>
           </a:xfrm>
         </p:spPr>
         <p:txBody>
@@ -2485,8 +2491,8 @@
         </p:nvSpPr>
         <p:spPr>
           <a:xfrm>
-            <a:off x="584202" y="4225618"/>
-            <a:ext cx="7414626" cy="1412986"/>
+            <a:off x="558803" y="4527448"/>
+            <a:ext cx="7092251" cy="1513914"/>
           </a:xfrm>
         </p:spPr>
         <p:txBody>
@@ -2668,8 +2674,8 @@
         </p:nvSpPr>
         <p:spPr>
           <a:xfrm>
-            <a:off x="467363" y="737686"/>
-            <a:ext cx="525780" cy="545791"/>
+            <a:off x="447043" y="790378"/>
+            <a:ext cx="502920" cy="584776"/>
           </a:xfrm>
           <a:prstGeom prst="rect">
             <a:avLst/>
@@ -2709,8 +2715,8 @@
         </p:nvSpPr>
         <p:spPr>
           <a:xfrm>
-            <a:off x="7670222" y="2694119"/>
-            <a:ext cx="525780" cy="545791"/>
+            <a:off x="7336735" y="2886557"/>
+            <a:ext cx="502920" cy="584776"/>
           </a:xfrm>
           <a:prstGeom prst="rect">
             <a:avLst/>
@@ -2785,8 +2791,8 @@
         </p:nvSpPr>
         <p:spPr>
           <a:xfrm>
-            <a:off x="591502" y="568960"/>
-            <a:ext cx="7407325" cy="2821093"/>
+            <a:off x="565786" y="609600"/>
+            <a:ext cx="7085267" cy="3022600"/>
           </a:xfrm>
         </p:spPr>
         <p:txBody>
@@ -2819,8 +2825,8 @@
         </p:nvSpPr>
         <p:spPr>
           <a:xfrm>
-            <a:off x="584199" y="3745653"/>
-            <a:ext cx="7414627" cy="479965"/>
+            <a:off x="558800" y="4013200"/>
+            <a:ext cx="7092251" cy="514248"/>
           </a:xfrm>
         </p:spPr>
         <p:txBody>
@@ -2879,8 +2885,8 @@
         </p:nvSpPr>
         <p:spPr>
           <a:xfrm>
-            <a:off x="584202" y="4225618"/>
-            <a:ext cx="7414626" cy="1412986"/>
+            <a:off x="558803" y="4527448"/>
+            <a:ext cx="7092251" cy="1513914"/>
           </a:xfrm>
         </p:spPr>
         <p:txBody>
@@ -3268,8 +3274,8 @@
         </p:nvSpPr>
         <p:spPr>
           <a:xfrm>
-            <a:off x="6872118" y="568960"/>
-            <a:ext cx="1125341" cy="4901354"/>
+            <a:off x="6573332" y="609601"/>
+            <a:ext cx="1076413" cy="5251451"/>
           </a:xfrm>
         </p:spPr>
         <p:txBody>
@@ -3296,8 +3302,8 @@
         </p:nvSpPr>
         <p:spPr>
           <a:xfrm>
-            <a:off x="584202" y="568960"/>
-            <a:ext cx="6089379" cy="4901353"/>
+            <a:off x="558803" y="609600"/>
+            <a:ext cx="5824623" cy="5251450"/>
           </a:xfrm>
         </p:spPr>
         <p:txBody>
@@ -3626,8 +3632,8 @@
         </p:nvSpPr>
         <p:spPr>
           <a:xfrm>
-            <a:off x="584202" y="2520810"/>
-            <a:ext cx="7414626" cy="1704809"/>
+            <a:off x="558803" y="2700869"/>
+            <a:ext cx="7092251" cy="1826581"/>
           </a:xfrm>
         </p:spPr>
         <p:txBody>
@@ -3658,8 +3664,8 @@
         </p:nvSpPr>
         <p:spPr>
           <a:xfrm>
-            <a:off x="584202" y="4225618"/>
-            <a:ext cx="7414626" cy="803040"/>
+            <a:off x="558803" y="4527448"/>
+            <a:ext cx="7092251" cy="860400"/>
           </a:xfrm>
         </p:spPr>
         <p:txBody>
@@ -3897,8 +3903,8 @@
         </p:nvSpPr>
         <p:spPr>
           <a:xfrm>
-            <a:off x="584201" y="2016550"/>
-            <a:ext cx="3608730" cy="3622054"/>
+            <a:off x="558802" y="2160589"/>
+            <a:ext cx="3451829" cy="3880772"/>
           </a:xfrm>
         </p:spPr>
         <p:txBody>
@@ -3954,8 +3960,8 @@
         </p:nvSpPr>
         <p:spPr>
           <a:xfrm>
-            <a:off x="4390099" y="2016550"/>
-            <a:ext cx="3608729" cy="3622055"/>
+            <a:off x="4199226" y="2160590"/>
+            <a:ext cx="3451828" cy="3880773"/>
           </a:xfrm>
         </p:spPr>
         <p:txBody>
@@ -4134,8 +4140,8 @@
         </p:nvSpPr>
         <p:spPr>
           <a:xfrm>
-            <a:off x="582830" y="2016917"/>
-            <a:ext cx="3610100" cy="537845"/>
+            <a:off x="557491" y="2160983"/>
+            <a:ext cx="3453139" cy="576263"/>
           </a:xfrm>
         </p:spPr>
         <p:txBody>
@@ -4201,8 +4207,8 @@
         </p:nvSpPr>
         <p:spPr>
           <a:xfrm>
-            <a:off x="582830" y="2554762"/>
-            <a:ext cx="3610100" cy="3083843"/>
+            <a:off x="557491" y="2737245"/>
+            <a:ext cx="3453139" cy="3304118"/>
           </a:xfrm>
         </p:spPr>
         <p:txBody>
@@ -4260,8 +4266,8 @@
         </p:nvSpPr>
         <p:spPr>
           <a:xfrm>
-            <a:off x="4388730" y="2016917"/>
-            <a:ext cx="3610096" cy="537845"/>
+            <a:off x="4197917" y="2160983"/>
+            <a:ext cx="3453135" cy="576263"/>
           </a:xfrm>
         </p:spPr>
         <p:txBody>
@@ -4327,8 +4333,8 @@
         </p:nvSpPr>
         <p:spPr>
           <a:xfrm>
-            <a:off x="4388731" y="2554762"/>
-            <a:ext cx="3610095" cy="3083843"/>
+            <a:off x="4197917" y="2737245"/>
+            <a:ext cx="3453135" cy="3304118"/>
           </a:xfrm>
         </p:spPr>
         <p:txBody>
@@ -4482,8 +4488,8 @@
         </p:nvSpPr>
         <p:spPr>
           <a:xfrm>
-            <a:off x="584201" y="568960"/>
-            <a:ext cx="7414626" cy="1232747"/>
+            <a:off x="558802" y="609602"/>
+            <a:ext cx="7092251" cy="1320800"/>
           </a:xfrm>
         </p:spPr>
         <p:txBody>
@@ -4702,8 +4708,8 @@
         </p:nvSpPr>
         <p:spPr>
           <a:xfrm>
-            <a:off x="584201" y="1398697"/>
-            <a:ext cx="3324530" cy="1193235"/>
+            <a:off x="558801" y="1498605"/>
+            <a:ext cx="3179986" cy="1278466"/>
           </a:xfrm>
         </p:spPr>
         <p:txBody>
@@ -4736,8 +4742,8 @@
         </p:nvSpPr>
         <p:spPr>
           <a:xfrm>
-            <a:off x="4105898" y="480596"/>
-            <a:ext cx="3892929" cy="5158008"/>
+            <a:off x="3927382" y="514925"/>
+            <a:ext cx="3723672" cy="5526437"/>
           </a:xfrm>
         </p:spPr>
         <p:txBody>
@@ -4795,8 +4801,8 @@
         </p:nvSpPr>
         <p:spPr>
           <a:xfrm>
-            <a:off x="584201" y="2591932"/>
-            <a:ext cx="3324530" cy="2412152"/>
+            <a:off x="558801" y="2777071"/>
+            <a:ext cx="3179986" cy="2584449"/>
           </a:xfrm>
         </p:spPr>
         <p:txBody>
@@ -4958,8 +4964,8 @@
         </p:nvSpPr>
         <p:spPr>
           <a:xfrm>
-            <a:off x="584201" y="4480560"/>
-            <a:ext cx="7414625" cy="528955"/>
+            <a:off x="558802" y="4800600"/>
+            <a:ext cx="7092250" cy="566738"/>
           </a:xfrm>
         </p:spPr>
         <p:txBody>
@@ -4992,8 +4998,8 @@
         </p:nvSpPr>
         <p:spPr>
           <a:xfrm>
-            <a:off x="584201" y="568960"/>
-            <a:ext cx="7414626" cy="3589337"/>
+            <a:off x="558802" y="609601"/>
+            <a:ext cx="7092251" cy="3845718"/>
           </a:xfrm>
         </p:spPr>
         <p:txBody>
@@ -5059,8 +5065,8 @@
         </p:nvSpPr>
         <p:spPr>
           <a:xfrm>
-            <a:off x="584201" y="5009516"/>
-            <a:ext cx="7414625" cy="629089"/>
+            <a:off x="558802" y="5367339"/>
+            <a:ext cx="7092250" cy="674024"/>
           </a:xfrm>
         </p:spPr>
         <p:txBody>
@@ -5223,8 +5229,8 @@
         </p:nvGrpSpPr>
         <p:grpSpPr>
           <a:xfrm>
-            <a:off x="0" y="-7902"/>
-            <a:ext cx="10515600" cy="6408703"/>
+            <a:off x="0" y="-8466"/>
+            <a:ext cx="10058400" cy="6866468"/>
             <a:chOff x="0" y="-8467"/>
             <a:chExt cx="12192000" cy="6866467"/>
           </a:xfrm>
@@ -5757,8 +5763,8 @@
         </p:nvSpPr>
         <p:spPr>
           <a:xfrm>
-            <a:off x="584201" y="568960"/>
-            <a:ext cx="7414626" cy="1232747"/>
+            <a:off x="558802" y="609602"/>
+            <a:ext cx="7092251" cy="1320800"/>
           </a:xfrm>
           <a:prstGeom prst="rect">
             <a:avLst/>
@@ -5790,8 +5796,8 @@
         </p:nvSpPr>
         <p:spPr>
           <a:xfrm>
-            <a:off x="584201" y="2016550"/>
-            <a:ext cx="7414626" cy="3622055"/>
+            <a:off x="558802" y="2160590"/>
+            <a:ext cx="7092251" cy="3880773"/>
           </a:xfrm>
           <a:prstGeom prst="rect">
             <a:avLst/>
@@ -5852,8 +5858,8 @@
         </p:nvSpPr>
         <p:spPr>
           <a:xfrm>
-            <a:off x="6214428" y="5638605"/>
-            <a:ext cx="786547" cy="340783"/>
+            <a:off x="5944238" y="6041364"/>
+            <a:ext cx="752349" cy="365125"/>
           </a:xfrm>
           <a:prstGeom prst="rect">
             <a:avLst/>
@@ -5893,8 +5899,8 @@
         </p:nvSpPr>
         <p:spPr>
           <a:xfrm>
-            <a:off x="584201" y="5638605"/>
-            <a:ext cx="5431690" cy="340783"/>
+            <a:off x="558802" y="6041364"/>
+            <a:ext cx="5195530" cy="365125"/>
           </a:xfrm>
           <a:prstGeom prst="rect">
             <a:avLst/>
@@ -5930,8 +5936,8 @@
         </p:nvSpPr>
         <p:spPr>
           <a:xfrm>
-            <a:off x="7409447" y="5638605"/>
-            <a:ext cx="589380" cy="340783"/>
+            <a:off x="7087299" y="6041364"/>
+            <a:ext cx="563754" cy="365125"/>
           </a:xfrm>
           <a:prstGeom prst="rect">
             <a:avLst/>
@@ -6412,13 +6418,13 @@
         </p:nvSpPr>
         <p:spPr>
           <a:xfrm>
-            <a:off x="307457" y="1401108"/>
-            <a:ext cx="8607943" cy="4750354"/>
+            <a:off x="294090" y="1501188"/>
+            <a:ext cx="8233685" cy="5089665"/>
           </a:xfrm>
         </p:spPr>
         <p:txBody>
           <a:bodyPr>
-            <a:normAutofit lnSpcReduction="10000"/>
+            <a:normAutofit fontScale="92500"/>
           </a:bodyPr>
           <a:lstStyle/>
           <a:p>
@@ -7078,8 +7084,8 @@
         </p:nvSpPr>
         <p:spPr>
           <a:xfrm>
-            <a:off x="430848" y="0"/>
-            <a:ext cx="8027352" cy="1171576"/>
+            <a:off x="291549" y="231323"/>
+            <a:ext cx="7385877" cy="1036410"/>
           </a:xfrm>
         </p:spPr>
         <p:txBody>
@@ -7089,11 +7095,18 @@
           <a:lstStyle/>
           <a:p>
             <a:r>
+              <a:rPr lang="en-US" sz="3600">
+                <a:latin typeface="Times New Roman" pitchFamily="18" charset="0"/>
+                <a:cs typeface="Times New Roman" pitchFamily="18" charset="0"/>
+              </a:rPr>
+              <a:t>4</a:t>
+            </a:r>
+            <a:r>
               <a:rPr lang="en-US" sz="3600" smtClean="0">
                 <a:latin typeface="Times New Roman" pitchFamily="18" charset="0"/>
                 <a:cs typeface="Times New Roman" pitchFamily="18" charset="0"/>
               </a:rPr>
-              <a:t>4.2</a:t>
+              <a:t>.2</a:t>
             </a:r>
             <a:r>
               <a:rPr lang="en-US" sz="3600">
@@ -7159,60 +7172,74 @@
               <a:t> </a:t>
             </a:r>
             <a:r>
+              <a:rPr lang="en-US" sz="3600" err="1" smtClean="0">
+                <a:latin typeface="Times New Roman" pitchFamily="18" charset="0"/>
+                <a:cs typeface="Times New Roman" pitchFamily="18" charset="0"/>
+              </a:rPr>
+              <a:t>ứng</a:t>
+            </a:r>
+            <a:r>
+              <a:rPr lang="en-US" sz="3600" smtClean="0">
+                <a:latin typeface="Times New Roman" pitchFamily="18" charset="0"/>
+                <a:cs typeface="Times New Roman" pitchFamily="18" charset="0"/>
+              </a:rPr>
+              <a:t> </a:t>
+            </a:r>
+            <a:r>
+              <a:rPr lang="en-US" sz="3600" err="1" smtClean="0">
+                <a:latin typeface="Times New Roman" pitchFamily="18" charset="0"/>
+                <a:cs typeface="Times New Roman" pitchFamily="18" charset="0"/>
+              </a:rPr>
+              <a:t>dụng</a:t>
+            </a:r>
+            <a:r>
+              <a:rPr lang="en-US" sz="3600" smtClean="0">
+                <a:latin typeface="Times New Roman" pitchFamily="18" charset="0"/>
+                <a:cs typeface="Times New Roman" pitchFamily="18" charset="0"/>
+              </a:rPr>
+              <a:t> </a:t>
+            </a:r>
+            <a:r>
+              <a:rPr lang="en-US" sz="3600">
+                <a:latin typeface="Times New Roman" pitchFamily="18" charset="0"/>
+                <a:cs typeface="Times New Roman" pitchFamily="18" charset="0"/>
+              </a:rPr>
+              <a:t>– Activity </a:t>
+            </a:r>
+            <a:r>
               <a:rPr lang="en-US" sz="3600" err="1">
                 <a:latin typeface="Times New Roman" pitchFamily="18" charset="0"/>
                 <a:cs typeface="Times New Roman" pitchFamily="18" charset="0"/>
               </a:rPr>
-              <a:t>ứng</a:t>
+              <a:t>và</a:t>
             </a:r>
             <a:r>
               <a:rPr lang="en-US" sz="3600">
                 <a:latin typeface="Times New Roman" pitchFamily="18" charset="0"/>
                 <a:cs typeface="Times New Roman" pitchFamily="18" charset="0"/>
               </a:rPr>
-              <a:t> </a:t>
+              <a:t> Sequence </a:t>
+            </a:r>
+            <a:r>
+              <a:rPr lang="en-US" sz="3600" smtClean="0">
+                <a:latin typeface="Times New Roman" pitchFamily="18" charset="0"/>
+                <a:cs typeface="Times New Roman" pitchFamily="18" charset="0"/>
+              </a:rPr>
+              <a:t>Diagram(</a:t>
             </a:r>
             <a:r>
               <a:rPr lang="en-US" sz="3600" err="1" smtClean="0">
                 <a:latin typeface="Times New Roman" pitchFamily="18" charset="0"/>
                 <a:cs typeface="Times New Roman" pitchFamily="18" charset="0"/>
               </a:rPr>
-              <a:t>dụng</a:t>
-            </a:r>
-            <a:r>
-              <a:rPr lang="vi-VN" sz="3600" smtClean="0">
-                <a:latin typeface="Times New Roman" pitchFamily="18" charset="0"/>
-                <a:cs typeface="Times New Roman" pitchFamily="18" charset="0"/>
-              </a:rPr>
-              <a:t>,</a:t>
+              <a:t>tt</a:t>
             </a:r>
             <a:r>
               <a:rPr lang="en-US" sz="3600" smtClean="0">
                 <a:latin typeface="Times New Roman" pitchFamily="18" charset="0"/>
                 <a:cs typeface="Times New Roman" pitchFamily="18" charset="0"/>
               </a:rPr>
-              <a:t> Activity </a:t>
-            </a:r>
-            <a:r>
-              <a:rPr lang="en-US" sz="3600" err="1">
-                <a:latin typeface="Times New Roman" pitchFamily="18" charset="0"/>
-                <a:cs typeface="Times New Roman" pitchFamily="18" charset="0"/>
-              </a:rPr>
-              <a:t>và</a:t>
-            </a:r>
-            <a:r>
-              <a:rPr lang="en-US" sz="3600">
-                <a:latin typeface="Times New Roman" pitchFamily="18" charset="0"/>
-                <a:cs typeface="Times New Roman" pitchFamily="18" charset="0"/>
-              </a:rPr>
-              <a:t> Sequence </a:t>
-            </a:r>
-            <a:r>
-              <a:rPr lang="en-US" sz="3600" smtClean="0">
-                <a:latin typeface="Times New Roman" pitchFamily="18" charset="0"/>
-                <a:cs typeface="Times New Roman" pitchFamily="18" charset="0"/>
-              </a:rPr>
-              <a:t>Diagram</a:t>
+              <a:t>)</a:t>
             </a:r>
             <a:endParaRPr lang="en-US" sz="3600">
               <a:latin typeface="Times New Roman" pitchFamily="18" charset="0"/>
@@ -7233,13 +7260,13 @@
         </p:nvSpPr>
         <p:spPr>
           <a:xfrm>
-            <a:off x="0" y="1168400"/>
-            <a:ext cx="10095978" cy="5435600"/>
+            <a:off x="155926" y="1553482"/>
+            <a:ext cx="9657022" cy="5590268"/>
           </a:xfrm>
         </p:spPr>
         <p:txBody>
           <a:bodyPr>
-            <a:normAutofit/>
+            <a:noAutofit/>
           </a:bodyPr>
           <a:lstStyle/>
           <a:p>
@@ -7255,7 +7282,7 @@
                 <a:latin typeface="Times New Roman" pitchFamily="18" charset="0"/>
                 <a:cs typeface="Times New Roman" pitchFamily="18" charset="0"/>
               </a:rPr>
-              <a:t>Tình huống thêm kỹ năng kỹ thuật</a:t>
+              <a:t>Sequence Diagram</a:t>
             </a:r>
           </a:p>
           <a:p>
@@ -7296,9 +7323,7 @@
       <p:pic>
         <p:nvPicPr>
           <p:cNvPr id="5" name="Picture 4"/>
-          <p:cNvPicPr>
-            <a:picLocks noChangeAspect="1"/>
-          </p:cNvPicPr>
+          <p:cNvPicPr/>
           <p:nvPr/>
         </p:nvPicPr>
         <p:blipFill>
@@ -7309,24 +7334,29 @@
               </a:ext>
             </a:extLst>
           </a:blip>
+          <a:srcRect/>
           <a:stretch>
             <a:fillRect/>
           </a:stretch>
         </p:blipFill>
-        <p:spPr>
+        <p:spPr bwMode="auto">
           <a:xfrm>
-            <a:off x="1854337" y="1661375"/>
-            <a:ext cx="5460726" cy="4739425"/>
+            <a:off x="1349928" y="2027464"/>
+            <a:ext cx="5258491" cy="4830536"/>
           </a:xfrm>
           <a:prstGeom prst="rect">
             <a:avLst/>
           </a:prstGeom>
+          <a:noFill/>
+          <a:ln>
+            <a:noFill/>
+          </a:ln>
         </p:spPr>
       </p:pic>
     </p:spTree>
     <p:extLst>
       <p:ext uri="{BB962C8B-B14F-4D97-AF65-F5344CB8AC3E}">
-        <p14:creationId xmlns:p14="http://schemas.microsoft.com/office/powerpoint/2010/main" val="4263596024"/>
+        <p14:creationId xmlns:p14="http://schemas.microsoft.com/office/powerpoint/2010/main" val="3213868010"/>
       </p:ext>
     </p:extLst>
   </p:cSld>
@@ -7372,170 +7402,8 @@
         </p:nvSpPr>
         <p:spPr>
           <a:xfrm>
-            <a:off x="303848" y="50560"/>
-            <a:ext cx="8041662" cy="1237192"/>
-          </a:xfrm>
-        </p:spPr>
-        <p:txBody>
-          <a:bodyPr>
-            <a:noAutofit/>
-          </a:bodyPr>
-          <a:lstStyle/>
-          <a:p>
-            <a:r>
-              <a:rPr lang="en-US" sz="3600">
-                <a:latin typeface="Times New Roman" pitchFamily="18" charset="0"/>
-                <a:cs typeface="Times New Roman" pitchFamily="18" charset="0"/>
-              </a:rPr>
-              <a:t>4</a:t>
-            </a:r>
-            <a:r>
-              <a:rPr lang="en-US" sz="3600" smtClean="0">
-                <a:latin typeface="Times New Roman" pitchFamily="18" charset="0"/>
-                <a:cs typeface="Times New Roman" pitchFamily="18" charset="0"/>
-              </a:rPr>
-              <a:t>.2</a:t>
-            </a:r>
-            <a:r>
-              <a:rPr lang="en-US" sz="3600">
-                <a:latin typeface="Times New Roman" pitchFamily="18" charset="0"/>
-                <a:cs typeface="Times New Roman" pitchFamily="18" charset="0"/>
-              </a:rPr>
-              <a:t>. </a:t>
-            </a:r>
-            <a:r>
-              <a:rPr lang="en-US" sz="3600" err="1">
-                <a:latin typeface="Times New Roman" pitchFamily="18" charset="0"/>
-                <a:cs typeface="Times New Roman" pitchFamily="18" charset="0"/>
-              </a:rPr>
-              <a:t>Đặc</a:t>
-            </a:r>
-            <a:r>
-              <a:rPr lang="en-US" sz="3600">
-                <a:latin typeface="Times New Roman" pitchFamily="18" charset="0"/>
-                <a:cs typeface="Times New Roman" pitchFamily="18" charset="0"/>
-              </a:rPr>
-              <a:t> </a:t>
-            </a:r>
-            <a:r>
-              <a:rPr lang="en-US" sz="3600" err="1">
-                <a:latin typeface="Times New Roman" pitchFamily="18" charset="0"/>
-                <a:cs typeface="Times New Roman" pitchFamily="18" charset="0"/>
-              </a:rPr>
-              <a:t>tả</a:t>
-            </a:r>
-            <a:r>
-              <a:rPr lang="en-US" sz="3600">
-                <a:latin typeface="Times New Roman" pitchFamily="18" charset="0"/>
-                <a:cs typeface="Times New Roman" pitchFamily="18" charset="0"/>
-              </a:rPr>
-              <a:t> Use case </a:t>
-            </a:r>
-            <a:r>
-              <a:rPr lang="en-US" sz="3600" err="1">
-                <a:latin typeface="Times New Roman" pitchFamily="18" charset="0"/>
-                <a:cs typeface="Times New Roman" pitchFamily="18" charset="0"/>
-              </a:rPr>
-              <a:t>chính</a:t>
-            </a:r>
-            <a:r>
-              <a:rPr lang="en-US" sz="3600">
-                <a:latin typeface="Times New Roman" pitchFamily="18" charset="0"/>
-                <a:cs typeface="Times New Roman" pitchFamily="18" charset="0"/>
-              </a:rPr>
-              <a:t> </a:t>
-            </a:r>
-            <a:r>
-              <a:rPr lang="en-US" sz="3600" err="1">
-                <a:latin typeface="Times New Roman" pitchFamily="18" charset="0"/>
-                <a:cs typeface="Times New Roman" pitchFamily="18" charset="0"/>
-              </a:rPr>
-              <a:t>trong</a:t>
-            </a:r>
-            <a:r>
-              <a:rPr lang="en-US" sz="3600">
-                <a:latin typeface="Times New Roman" pitchFamily="18" charset="0"/>
-                <a:cs typeface="Times New Roman" pitchFamily="18" charset="0"/>
-              </a:rPr>
-              <a:t> </a:t>
-            </a:r>
-            <a:r>
-              <a:rPr lang="en-US" sz="3600" err="1">
-                <a:latin typeface="Times New Roman" pitchFamily="18" charset="0"/>
-                <a:cs typeface="Times New Roman" pitchFamily="18" charset="0"/>
-              </a:rPr>
-              <a:t>ứng</a:t>
-            </a:r>
-            <a:r>
-              <a:rPr lang="en-US" sz="3600">
-                <a:latin typeface="Times New Roman" pitchFamily="18" charset="0"/>
-                <a:cs typeface="Times New Roman" pitchFamily="18" charset="0"/>
-              </a:rPr>
-              <a:t> </a:t>
-            </a:r>
-            <a:r>
-              <a:rPr lang="en-US" sz="3600" smtClean="0">
-                <a:latin typeface="Times New Roman" pitchFamily="18" charset="0"/>
-                <a:cs typeface="Times New Roman" pitchFamily="18" charset="0"/>
-              </a:rPr>
-              <a:t>dụng, Activity </a:t>
-            </a:r>
-            <a:r>
-              <a:rPr lang="en-US" sz="3600" err="1">
-                <a:latin typeface="Times New Roman" pitchFamily="18" charset="0"/>
-                <a:cs typeface="Times New Roman" pitchFamily="18" charset="0"/>
-              </a:rPr>
-              <a:t>và</a:t>
-            </a:r>
-            <a:r>
-              <a:rPr lang="en-US" sz="3600">
-                <a:latin typeface="Times New Roman" pitchFamily="18" charset="0"/>
-                <a:cs typeface="Times New Roman" pitchFamily="18" charset="0"/>
-              </a:rPr>
-              <a:t> Sequence </a:t>
-            </a:r>
-            <a:r>
-              <a:rPr lang="en-US" sz="3600" smtClean="0">
-                <a:latin typeface="Times New Roman" pitchFamily="18" charset="0"/>
-                <a:cs typeface="Times New Roman" pitchFamily="18" charset="0"/>
-              </a:rPr>
-              <a:t>Diagram(</a:t>
-            </a:r>
-            <a:r>
-              <a:rPr lang="en-US" sz="3600" err="1" smtClean="0">
-                <a:latin typeface="Times New Roman" pitchFamily="18" charset="0"/>
-                <a:cs typeface="Times New Roman" pitchFamily="18" charset="0"/>
-              </a:rPr>
-              <a:t>tt</a:t>
-            </a:r>
-            <a:r>
-              <a:rPr lang="en-US" sz="3600" smtClean="0">
-                <a:latin typeface="Times New Roman" pitchFamily="18" charset="0"/>
-                <a:cs typeface="Times New Roman" pitchFamily="18" charset="0"/>
-              </a:rPr>
-              <a:t>)</a:t>
-            </a:r>
-            <a:endParaRPr lang="en-US" sz="3600">
-              <a:latin typeface="Times New Roman" pitchFamily="18" charset="0"/>
-              <a:cs typeface="Times New Roman" pitchFamily="18" charset="0"/>
-            </a:endParaRPr>
-          </a:p>
-        </p:txBody>
-      </p:sp>
-      <p:sp>
-        <p:nvSpPr>
-          <p:cNvPr id="3" name="Content Placeholder 2"/>
-          <p:cNvSpPr>
-            <a:spLocks noGrp="1"/>
-          </p:cNvSpPr>
-          <p:nvPr>
-            <p:ph idx="1"/>
-          </p:nvPr>
-        </p:nvSpPr>
-        <p:spPr>
-          <a:xfrm>
-            <a:off x="0" y="1324824"/>
-            <a:ext cx="10095978" cy="5075976"/>
+            <a:off x="290638" y="54172"/>
+            <a:ext cx="8675370" cy="1325563"/>
           </a:xfrm>
         </p:spPr>
         <p:txBody>
@@ -7544,6 +7412,161 @@
           </a:bodyPr>
           <a:lstStyle/>
           <a:p>
+            <a:r>
+              <a:rPr lang="en-US">
+                <a:latin typeface="Arial" panose="020B0604020202020204" pitchFamily="34" charset="0"/>
+                <a:cs typeface="Arial" panose="020B0604020202020204" pitchFamily="34" charset="0"/>
+              </a:rPr>
+              <a:t>3.2. </a:t>
+            </a:r>
+            <a:r>
+              <a:rPr lang="en-US" err="1">
+                <a:latin typeface="Arial" panose="020B0604020202020204" pitchFamily="34" charset="0"/>
+                <a:cs typeface="Arial" panose="020B0604020202020204" pitchFamily="34" charset="0"/>
+              </a:rPr>
+              <a:t>Đặc</a:t>
+            </a:r>
+            <a:r>
+              <a:rPr lang="en-US">
+                <a:latin typeface="Arial" panose="020B0604020202020204" pitchFamily="34" charset="0"/>
+                <a:cs typeface="Arial" panose="020B0604020202020204" pitchFamily="34" charset="0"/>
+              </a:rPr>
+              <a:t> </a:t>
+            </a:r>
+            <a:r>
+              <a:rPr lang="en-US" err="1">
+                <a:latin typeface="Arial" panose="020B0604020202020204" pitchFamily="34" charset="0"/>
+                <a:cs typeface="Arial" panose="020B0604020202020204" pitchFamily="34" charset="0"/>
+              </a:rPr>
+              <a:t>tả</a:t>
+            </a:r>
+            <a:r>
+              <a:rPr lang="en-US">
+                <a:latin typeface="Arial" panose="020B0604020202020204" pitchFamily="34" charset="0"/>
+                <a:cs typeface="Arial" panose="020B0604020202020204" pitchFamily="34" charset="0"/>
+              </a:rPr>
+              <a:t> Use case </a:t>
+            </a:r>
+            <a:r>
+              <a:rPr lang="en-US" err="1">
+                <a:latin typeface="Arial" panose="020B0604020202020204" pitchFamily="34" charset="0"/>
+                <a:cs typeface="Arial" panose="020B0604020202020204" pitchFamily="34" charset="0"/>
+              </a:rPr>
+              <a:t>chính</a:t>
+            </a:r>
+            <a:r>
+              <a:rPr lang="en-US">
+                <a:latin typeface="Arial" panose="020B0604020202020204" pitchFamily="34" charset="0"/>
+                <a:cs typeface="Arial" panose="020B0604020202020204" pitchFamily="34" charset="0"/>
+              </a:rPr>
+              <a:t> </a:t>
+            </a:r>
+            <a:r>
+              <a:rPr lang="en-US" err="1">
+                <a:latin typeface="Arial" panose="020B0604020202020204" pitchFamily="34" charset="0"/>
+                <a:cs typeface="Arial" panose="020B0604020202020204" pitchFamily="34" charset="0"/>
+              </a:rPr>
+              <a:t>trong</a:t>
+            </a:r>
+            <a:r>
+              <a:rPr lang="en-US">
+                <a:latin typeface="Arial" panose="020B0604020202020204" pitchFamily="34" charset="0"/>
+                <a:cs typeface="Arial" panose="020B0604020202020204" pitchFamily="34" charset="0"/>
+              </a:rPr>
+              <a:t> </a:t>
+            </a:r>
+            <a:r>
+              <a:rPr lang="en-US" err="1">
+                <a:latin typeface="Arial" panose="020B0604020202020204" pitchFamily="34" charset="0"/>
+                <a:cs typeface="Arial" panose="020B0604020202020204" pitchFamily="34" charset="0"/>
+              </a:rPr>
+              <a:t>ứng</a:t>
+            </a:r>
+            <a:r>
+              <a:rPr lang="en-US">
+                <a:latin typeface="Arial" panose="020B0604020202020204" pitchFamily="34" charset="0"/>
+                <a:cs typeface="Arial" panose="020B0604020202020204" pitchFamily="34" charset="0"/>
+              </a:rPr>
+              <a:t> </a:t>
+            </a:r>
+            <a:r>
+              <a:rPr lang="en-US" err="1">
+                <a:latin typeface="Arial" panose="020B0604020202020204" pitchFamily="34" charset="0"/>
+                <a:cs typeface="Arial" panose="020B0604020202020204" pitchFamily="34" charset="0"/>
+              </a:rPr>
+              <a:t>dụng</a:t>
+            </a:r>
+            <a:r>
+              <a:rPr lang="en-US">
+                <a:latin typeface="Arial" panose="020B0604020202020204" pitchFamily="34" charset="0"/>
+                <a:cs typeface="Arial" panose="020B0604020202020204" pitchFamily="34" charset="0"/>
+              </a:rPr>
+              <a:t> – Activity </a:t>
+            </a:r>
+            <a:r>
+              <a:rPr lang="en-US" err="1">
+                <a:latin typeface="Arial" panose="020B0604020202020204" pitchFamily="34" charset="0"/>
+                <a:cs typeface="Arial" panose="020B0604020202020204" pitchFamily="34" charset="0"/>
+              </a:rPr>
+              <a:t>và</a:t>
+            </a:r>
+            <a:r>
+              <a:rPr lang="en-US">
+                <a:latin typeface="Arial" panose="020B0604020202020204" pitchFamily="34" charset="0"/>
+                <a:cs typeface="Arial" panose="020B0604020202020204" pitchFamily="34" charset="0"/>
+              </a:rPr>
+              <a:t> Sequence </a:t>
+            </a:r>
+            <a:r>
+              <a:rPr lang="en-US" smtClean="0">
+                <a:latin typeface="Arial" panose="020B0604020202020204" pitchFamily="34" charset="0"/>
+                <a:cs typeface="Arial" panose="020B0604020202020204" pitchFamily="34" charset="0"/>
+              </a:rPr>
+              <a:t>Diagram(</a:t>
+            </a:r>
+            <a:r>
+              <a:rPr lang="en-US" err="1" smtClean="0">
+                <a:latin typeface="Arial" panose="020B0604020202020204" pitchFamily="34" charset="0"/>
+                <a:cs typeface="Arial" panose="020B0604020202020204" pitchFamily="34" charset="0"/>
+              </a:rPr>
+              <a:t>tt</a:t>
+            </a:r>
+            <a:r>
+              <a:rPr lang="en-US" smtClean="0">
+                <a:latin typeface="Arial" panose="020B0604020202020204" pitchFamily="34" charset="0"/>
+                <a:cs typeface="Arial" panose="020B0604020202020204" pitchFamily="34" charset="0"/>
+              </a:rPr>
+              <a:t>)</a:t>
+            </a:r>
+            <a:endParaRPr lang="en-US">
+              <a:latin typeface="Arial" panose="020B0604020202020204" pitchFamily="34" charset="0"/>
+              <a:cs typeface="Arial" panose="020B0604020202020204" pitchFamily="34" charset="0"/>
+            </a:endParaRPr>
+          </a:p>
+        </p:txBody>
+      </p:sp>
+      <p:sp>
+        <p:nvSpPr>
+          <p:cNvPr id="3" name="Content Placeholder 2"/>
+          <p:cNvSpPr>
+            <a:spLocks noGrp="1"/>
+          </p:cNvSpPr>
+          <p:nvPr>
+            <p:ph idx="1"/>
+          </p:nvPr>
+        </p:nvSpPr>
+        <p:spPr>
+          <a:xfrm>
+            <a:off x="143778" y="1265464"/>
+            <a:ext cx="9657022" cy="5438546"/>
+          </a:xfrm>
+        </p:spPr>
+        <p:txBody>
+          <a:bodyPr>
+            <a:normAutofit/>
+          </a:bodyPr>
+          <a:lstStyle/>
+          <a:p>
             <a:pPr>
               <a:buFont typeface="Wingdings" pitchFamily="2" charset="2"/>
               <a:buChar char="Ø"/>
@@ -7551,28 +7574,29 @@
             <a:r>
               <a:rPr lang="en-US" sz="2200" smtClean="0">
                 <a:solidFill>
-                  <a:schemeClr val="accent1"/>
-                </a:solidFill>
-                <a:latin typeface="Times New Roman" pitchFamily="18" charset="0"/>
-                <a:cs typeface="Times New Roman" pitchFamily="18" charset="0"/>
-              </a:rPr>
-              <a:t>Activity diagram</a:t>
+                  <a:schemeClr val="tx1"/>
+                </a:solidFill>
+                <a:latin typeface="Times New Roman" pitchFamily="18" charset="0"/>
+                <a:cs typeface="Times New Roman" pitchFamily="18" charset="0"/>
+              </a:rPr>
+              <a:t>Tình huống thêm dự án</a:t>
             </a:r>
             <a:endParaRPr lang="en-US" sz="2200">
               <a:solidFill>
-                <a:schemeClr val="accent1"/>
+                <a:schemeClr val="tx1"/>
               </a:solidFill>
               <a:latin typeface="Times New Roman" pitchFamily="18" charset="0"/>
               <a:cs typeface="Times New Roman" pitchFamily="18" charset="0"/>
             </a:endParaRPr>
           </a:p>
           <a:p>
-            <a:pPr marL="0" indent="0">
-              <a:buNone/>
+            <a:pPr>
+              <a:buFont typeface="Wingdings" pitchFamily="2" charset="2"/>
+              <a:buChar char="Ø"/>
             </a:pPr>
             <a:endParaRPr lang="en-US" sz="2200" smtClean="0">
               <a:solidFill>
-                <a:srgbClr val="FF0000"/>
+                <a:schemeClr val="tx1"/>
               </a:solidFill>
               <a:latin typeface="Times New Roman" pitchFamily="18" charset="0"/>
               <a:cs typeface="Times New Roman" pitchFamily="18" charset="0"/>
@@ -7607,7 +7631,9 @@
       <p:pic>
         <p:nvPicPr>
           <p:cNvPr id="5" name="Picture 4"/>
-          <p:cNvPicPr/>
+          <p:cNvPicPr>
+            <a:picLocks noChangeAspect="1"/>
+          </p:cNvPicPr>
           <p:nvPr/>
         </p:nvPicPr>
         <p:blipFill>
@@ -7618,29 +7644,24 @@
               </a:ext>
             </a:extLst>
           </a:blip>
-          <a:srcRect/>
           <a:stretch>
             <a:fillRect/>
           </a:stretch>
         </p:blipFill>
-        <p:spPr bwMode="auto">
+        <p:spPr>
           <a:xfrm>
-            <a:off x="2419148" y="1244689"/>
-            <a:ext cx="5861968" cy="5156111"/>
+            <a:off x="1154044" y="1660072"/>
+            <a:ext cx="6001027" cy="5197929"/>
           </a:xfrm>
           <a:prstGeom prst="rect">
             <a:avLst/>
           </a:prstGeom>
-          <a:noFill/>
-          <a:ln>
-            <a:noFill/>
-          </a:ln>
         </p:spPr>
       </p:pic>
     </p:spTree>
     <p:extLst>
       <p:ext uri="{BB962C8B-B14F-4D97-AF65-F5344CB8AC3E}">
-        <p14:creationId xmlns:p14="http://schemas.microsoft.com/office/powerpoint/2010/main" val="3328371881"/>
+        <p14:creationId xmlns:p14="http://schemas.microsoft.com/office/powerpoint/2010/main" val="2891973177"/>
       </p:ext>
     </p:extLst>
   </p:cSld>
@@ -7686,8 +7707,8 @@
         </p:nvSpPr>
         <p:spPr>
           <a:xfrm>
-            <a:off x="304800" y="215901"/>
-            <a:ext cx="7721599" cy="967316"/>
+            <a:off x="290638" y="54172"/>
+            <a:ext cx="7692026" cy="1325563"/>
           </a:xfrm>
         </p:spPr>
         <p:txBody>
@@ -7774,39 +7795,25 @@
               <a:t> </a:t>
             </a:r>
             <a:r>
-              <a:rPr lang="en-US" sz="3600" err="1" smtClean="0">
+              <a:rPr lang="en-US" sz="3600" err="1">
                 <a:latin typeface="Times New Roman" pitchFamily="18" charset="0"/>
                 <a:cs typeface="Times New Roman" pitchFamily="18" charset="0"/>
               </a:rPr>
               <a:t>ứng</a:t>
             </a:r>
             <a:r>
+              <a:rPr lang="en-US" sz="3600">
+                <a:latin typeface="Times New Roman" pitchFamily="18" charset="0"/>
+                <a:cs typeface="Times New Roman" pitchFamily="18" charset="0"/>
+              </a:rPr>
+              <a:t> </a:t>
+            </a:r>
+            <a:r>
               <a:rPr lang="en-US" sz="3600" smtClean="0">
                 <a:latin typeface="Times New Roman" pitchFamily="18" charset="0"/>
                 <a:cs typeface="Times New Roman" pitchFamily="18" charset="0"/>
               </a:rPr>
-              <a:t> </a:t>
-            </a:r>
-            <a:r>
-              <a:rPr lang="en-US" sz="3600" err="1" smtClean="0">
-                <a:latin typeface="Times New Roman" pitchFamily="18" charset="0"/>
-                <a:cs typeface="Times New Roman" pitchFamily="18" charset="0"/>
-              </a:rPr>
-              <a:t>dụng</a:t>
-            </a:r>
-            <a:r>
-              <a:rPr lang="en-US" sz="3600" smtClean="0">
-                <a:latin typeface="Times New Roman" pitchFamily="18" charset="0"/>
-                <a:cs typeface="Times New Roman" pitchFamily="18" charset="0"/>
-              </a:rPr>
-              <a:t> </a:t>
-            </a:r>
-            <a:r>
-              <a:rPr lang="en-US" sz="3600">
-                <a:latin typeface="Times New Roman" pitchFamily="18" charset="0"/>
-                <a:cs typeface="Times New Roman" pitchFamily="18" charset="0"/>
-              </a:rPr>
-              <a:t>– Activity </a:t>
+              <a:t>dụng, Activity </a:t>
             </a:r>
             <a:r>
               <a:rPr lang="en-US" sz="3600" err="1">
@@ -7862,13 +7869,13 @@
         </p:nvSpPr>
         <p:spPr>
           <a:xfrm>
-            <a:off x="163012" y="1449916"/>
-            <a:ext cx="10095978" cy="5217583"/>
+            <a:off x="1" y="1419454"/>
+            <a:ext cx="9657022" cy="5438546"/>
           </a:xfrm>
         </p:spPr>
         <p:txBody>
           <a:bodyPr>
-            <a:noAutofit/>
+            <a:normAutofit/>
           </a:bodyPr>
           <a:lstStyle/>
           <a:p>
@@ -7884,10 +7891,8 @@
                 <a:latin typeface="Times New Roman" pitchFamily="18" charset="0"/>
                 <a:cs typeface="Times New Roman" pitchFamily="18" charset="0"/>
               </a:rPr>
-              <a:t>Sequence Diagram</a:t>
-            </a:r>
-          </a:p>
-          <a:p>
+              <a:t>Activity diagram</a:t>
+            </a:r>
             <a:endParaRPr lang="en-US" sz="2200">
               <a:solidFill>
                 <a:schemeClr val="tx1"/>
@@ -7896,6 +7901,18 @@
               <a:cs typeface="Times New Roman" pitchFamily="18" charset="0"/>
             </a:endParaRPr>
           </a:p>
+          <a:p>
+            <a:pPr marL="0" indent="0">
+              <a:buNone/>
+            </a:pPr>
+            <a:endParaRPr lang="en-US" sz="2200" smtClean="0">
+              <a:solidFill>
+                <a:schemeClr val="tx1"/>
+              </a:solidFill>
+              <a:latin typeface="Times New Roman" pitchFamily="18" charset="0"/>
+              <a:cs typeface="Times New Roman" pitchFamily="18" charset="0"/>
+            </a:endParaRPr>
+          </a:p>
         </p:txBody>
       </p:sp>
       <p:sp>
@@ -7924,7 +7941,7 @@
       </p:sp>
       <p:pic>
         <p:nvPicPr>
-          <p:cNvPr id="5" name="Picture 4"/>
+          <p:cNvPr id="6" name="Picture 5"/>
           <p:cNvPicPr/>
           <p:nvPr/>
         </p:nvPicPr>
@@ -7943,8 +7960,8 @@
         </p:blipFill>
         <p:spPr bwMode="auto">
           <a:xfrm>
-            <a:off x="1411287" y="1892300"/>
-            <a:ext cx="5497513" cy="4508500"/>
+            <a:off x="2273468" y="1401536"/>
+            <a:ext cx="5147033" cy="5456465"/>
           </a:xfrm>
           <a:prstGeom prst="rect">
             <a:avLst/>
@@ -7958,7 +7975,7 @@
     </p:spTree>
     <p:extLst>
       <p:ext uri="{BB962C8B-B14F-4D97-AF65-F5344CB8AC3E}">
-        <p14:creationId xmlns:p14="http://schemas.microsoft.com/office/powerpoint/2010/main" val="3213868010"/>
+        <p14:creationId xmlns:p14="http://schemas.microsoft.com/office/powerpoint/2010/main" val="3639174188"/>
       </p:ext>
     </p:extLst>
   </p:cSld>
@@ -8004,145 +8021,166 @@
         </p:nvSpPr>
         <p:spPr>
           <a:xfrm>
-            <a:off x="303848" y="50560"/>
-            <a:ext cx="9069705" cy="1237192"/>
+            <a:off x="291549" y="231323"/>
+            <a:ext cx="7385877" cy="1036410"/>
           </a:xfrm>
         </p:spPr>
         <p:txBody>
           <a:bodyPr>
-            <a:normAutofit/>
+            <a:noAutofit/>
           </a:bodyPr>
           <a:lstStyle/>
           <a:p>
             <a:r>
-              <a:rPr lang="en-US">
-                <a:latin typeface="Arial" panose="020B0604020202020204" pitchFamily="34" charset="0"/>
-                <a:cs typeface="Arial" panose="020B0604020202020204" pitchFamily="34" charset="0"/>
-              </a:rPr>
-              <a:t>3.2. </a:t>
-            </a:r>
-            <a:r>
-              <a:rPr lang="en-US" err="1">
-                <a:latin typeface="Arial" panose="020B0604020202020204" pitchFamily="34" charset="0"/>
-                <a:cs typeface="Arial" panose="020B0604020202020204" pitchFamily="34" charset="0"/>
+              <a:rPr lang="en-US" sz="3600">
+                <a:latin typeface="Times New Roman" pitchFamily="18" charset="0"/>
+                <a:cs typeface="Times New Roman" pitchFamily="18" charset="0"/>
+              </a:rPr>
+              <a:t>4</a:t>
+            </a:r>
+            <a:r>
+              <a:rPr lang="en-US" sz="3600" smtClean="0">
+                <a:latin typeface="Times New Roman" pitchFamily="18" charset="0"/>
+                <a:cs typeface="Times New Roman" pitchFamily="18" charset="0"/>
+              </a:rPr>
+              <a:t>.2</a:t>
+            </a:r>
+            <a:r>
+              <a:rPr lang="en-US" sz="3600">
+                <a:latin typeface="Times New Roman" pitchFamily="18" charset="0"/>
+                <a:cs typeface="Times New Roman" pitchFamily="18" charset="0"/>
+              </a:rPr>
+              <a:t>. </a:t>
+            </a:r>
+            <a:r>
+              <a:rPr lang="en-US" sz="3600" err="1">
+                <a:latin typeface="Times New Roman" pitchFamily="18" charset="0"/>
+                <a:cs typeface="Times New Roman" pitchFamily="18" charset="0"/>
               </a:rPr>
               <a:t>Đặc</a:t>
             </a:r>
             <a:r>
-              <a:rPr lang="en-US">
-                <a:latin typeface="Arial" panose="020B0604020202020204" pitchFamily="34" charset="0"/>
-                <a:cs typeface="Arial" panose="020B0604020202020204" pitchFamily="34" charset="0"/>
+              <a:rPr lang="en-US" sz="3600">
+                <a:latin typeface="Times New Roman" pitchFamily="18" charset="0"/>
+                <a:cs typeface="Times New Roman" pitchFamily="18" charset="0"/>
               </a:rPr>
               <a:t> </a:t>
             </a:r>
             <a:r>
-              <a:rPr lang="en-US" err="1">
-                <a:latin typeface="Arial" panose="020B0604020202020204" pitchFamily="34" charset="0"/>
-                <a:cs typeface="Arial" panose="020B0604020202020204" pitchFamily="34" charset="0"/>
+              <a:rPr lang="en-US" sz="3600" err="1">
+                <a:latin typeface="Times New Roman" pitchFamily="18" charset="0"/>
+                <a:cs typeface="Times New Roman" pitchFamily="18" charset="0"/>
               </a:rPr>
               <a:t>tả</a:t>
             </a:r>
             <a:r>
-              <a:rPr lang="en-US">
-                <a:latin typeface="Arial" panose="020B0604020202020204" pitchFamily="34" charset="0"/>
-                <a:cs typeface="Arial" panose="020B0604020202020204" pitchFamily="34" charset="0"/>
+              <a:rPr lang="en-US" sz="3600">
+                <a:latin typeface="Times New Roman" pitchFamily="18" charset="0"/>
+                <a:cs typeface="Times New Roman" pitchFamily="18" charset="0"/>
               </a:rPr>
               <a:t> Use case </a:t>
             </a:r>
             <a:r>
-              <a:rPr lang="en-US" err="1">
-                <a:latin typeface="Arial" panose="020B0604020202020204" pitchFamily="34" charset="0"/>
-                <a:cs typeface="Arial" panose="020B0604020202020204" pitchFamily="34" charset="0"/>
+              <a:rPr lang="en-US" sz="3600" err="1">
+                <a:latin typeface="Times New Roman" pitchFamily="18" charset="0"/>
+                <a:cs typeface="Times New Roman" pitchFamily="18" charset="0"/>
               </a:rPr>
               <a:t>chính</a:t>
             </a:r>
             <a:r>
-              <a:rPr lang="en-US">
-                <a:latin typeface="Arial" panose="020B0604020202020204" pitchFamily="34" charset="0"/>
-                <a:cs typeface="Arial" panose="020B0604020202020204" pitchFamily="34" charset="0"/>
+              <a:rPr lang="en-US" sz="3600">
+                <a:latin typeface="Times New Roman" pitchFamily="18" charset="0"/>
+                <a:cs typeface="Times New Roman" pitchFamily="18" charset="0"/>
               </a:rPr>
               <a:t> </a:t>
             </a:r>
             <a:r>
-              <a:rPr lang="en-US" err="1">
-                <a:latin typeface="Arial" panose="020B0604020202020204" pitchFamily="34" charset="0"/>
-                <a:cs typeface="Arial" panose="020B0604020202020204" pitchFamily="34" charset="0"/>
+              <a:rPr lang="en-US" sz="3600" err="1">
+                <a:latin typeface="Times New Roman" pitchFamily="18" charset="0"/>
+                <a:cs typeface="Times New Roman" pitchFamily="18" charset="0"/>
               </a:rPr>
               <a:t>trong</a:t>
             </a:r>
             <a:r>
-              <a:rPr lang="en-US">
-                <a:latin typeface="Arial" panose="020B0604020202020204" pitchFamily="34" charset="0"/>
-                <a:cs typeface="Arial" panose="020B0604020202020204" pitchFamily="34" charset="0"/>
+              <a:rPr lang="en-US" sz="3600">
+                <a:latin typeface="Times New Roman" pitchFamily="18" charset="0"/>
+                <a:cs typeface="Times New Roman" pitchFamily="18" charset="0"/>
               </a:rPr>
               <a:t> </a:t>
             </a:r>
             <a:r>
-              <a:rPr lang="en-US" err="1">
-                <a:latin typeface="Arial" panose="020B0604020202020204" pitchFamily="34" charset="0"/>
-                <a:cs typeface="Arial" panose="020B0604020202020204" pitchFamily="34" charset="0"/>
+              <a:rPr lang="en-US" sz="3600" err="1" smtClean="0">
+                <a:latin typeface="Times New Roman" pitchFamily="18" charset="0"/>
+                <a:cs typeface="Times New Roman" pitchFamily="18" charset="0"/>
               </a:rPr>
               <a:t>ứng</a:t>
             </a:r>
             <a:r>
-              <a:rPr lang="en-US">
-                <a:latin typeface="Arial" panose="020B0604020202020204" pitchFamily="34" charset="0"/>
-                <a:cs typeface="Arial" panose="020B0604020202020204" pitchFamily="34" charset="0"/>
+              <a:rPr lang="en-US" sz="3600" smtClean="0">
+                <a:latin typeface="Times New Roman" pitchFamily="18" charset="0"/>
+                <a:cs typeface="Times New Roman" pitchFamily="18" charset="0"/>
               </a:rPr>
               <a:t> </a:t>
             </a:r>
             <a:r>
-              <a:rPr lang="en-US" err="1">
-                <a:latin typeface="Arial" panose="020B0604020202020204" pitchFamily="34" charset="0"/>
-                <a:cs typeface="Arial" panose="020B0604020202020204" pitchFamily="34" charset="0"/>
+              <a:rPr lang="en-US" sz="3600" err="1" smtClean="0">
+                <a:latin typeface="Times New Roman" pitchFamily="18" charset="0"/>
+                <a:cs typeface="Times New Roman" pitchFamily="18" charset="0"/>
               </a:rPr>
               <a:t>dụng</a:t>
             </a:r>
             <a:r>
-              <a:rPr lang="en-US">
-                <a:latin typeface="Arial" panose="020B0604020202020204" pitchFamily="34" charset="0"/>
-                <a:cs typeface="Arial" panose="020B0604020202020204" pitchFamily="34" charset="0"/>
-              </a:rPr>
-              <a:t> – Activity </a:t>
-            </a:r>
-            <a:r>
-              <a:rPr lang="en-US" err="1">
-                <a:latin typeface="Arial" panose="020B0604020202020204" pitchFamily="34" charset="0"/>
-                <a:cs typeface="Arial" panose="020B0604020202020204" pitchFamily="34" charset="0"/>
+              <a:rPr lang="en-US" sz="3600" smtClean="0">
+                <a:latin typeface="Times New Roman" pitchFamily="18" charset="0"/>
+                <a:cs typeface="Times New Roman" pitchFamily="18" charset="0"/>
+              </a:rPr>
+              <a:t> </a:t>
+            </a:r>
+            <a:r>
+              <a:rPr lang="en-US" sz="3600">
+                <a:latin typeface="Times New Roman" pitchFamily="18" charset="0"/>
+                <a:cs typeface="Times New Roman" pitchFamily="18" charset="0"/>
+              </a:rPr>
+              <a:t>– Activity </a:t>
+            </a:r>
+            <a:r>
+              <a:rPr lang="en-US" sz="3600" err="1">
+                <a:latin typeface="Times New Roman" pitchFamily="18" charset="0"/>
+                <a:cs typeface="Times New Roman" pitchFamily="18" charset="0"/>
               </a:rPr>
               <a:t>và</a:t>
             </a:r>
             <a:r>
-              <a:rPr lang="en-US">
-                <a:latin typeface="Arial" panose="020B0604020202020204" pitchFamily="34" charset="0"/>
-                <a:cs typeface="Arial" panose="020B0604020202020204" pitchFamily="34" charset="0"/>
+              <a:rPr lang="en-US" sz="3600">
+                <a:latin typeface="Times New Roman" pitchFamily="18" charset="0"/>
+                <a:cs typeface="Times New Roman" pitchFamily="18" charset="0"/>
               </a:rPr>
               <a:t> Sequence </a:t>
             </a:r>
             <a:r>
-              <a:rPr lang="en-US" smtClean="0">
-                <a:latin typeface="Arial" panose="020B0604020202020204" pitchFamily="34" charset="0"/>
-                <a:cs typeface="Arial" panose="020B0604020202020204" pitchFamily="34" charset="0"/>
+              <a:rPr lang="en-US" sz="3600" smtClean="0">
+                <a:latin typeface="Times New Roman" pitchFamily="18" charset="0"/>
+                <a:cs typeface="Times New Roman" pitchFamily="18" charset="0"/>
               </a:rPr>
               <a:t>Diagram(</a:t>
             </a:r>
             <a:r>
-              <a:rPr lang="en-US" err="1" smtClean="0">
-                <a:latin typeface="Arial" panose="020B0604020202020204" pitchFamily="34" charset="0"/>
-                <a:cs typeface="Arial" panose="020B0604020202020204" pitchFamily="34" charset="0"/>
+              <a:rPr lang="en-US" sz="3600" err="1" smtClean="0">
+                <a:latin typeface="Times New Roman" pitchFamily="18" charset="0"/>
+                <a:cs typeface="Times New Roman" pitchFamily="18" charset="0"/>
               </a:rPr>
               <a:t>tt</a:t>
             </a:r>
             <a:r>
-              <a:rPr lang="en-US" smtClean="0">
-                <a:latin typeface="Arial" panose="020B0604020202020204" pitchFamily="34" charset="0"/>
-                <a:cs typeface="Arial" panose="020B0604020202020204" pitchFamily="34" charset="0"/>
+              <a:rPr lang="en-US" sz="3600" smtClean="0">
+                <a:latin typeface="Times New Roman" pitchFamily="18" charset="0"/>
+                <a:cs typeface="Times New Roman" pitchFamily="18" charset="0"/>
               </a:rPr>
               <a:t>)</a:t>
             </a:r>
-            <a:endParaRPr lang="en-US">
-              <a:latin typeface="Arial" panose="020B0604020202020204" pitchFamily="34" charset="0"/>
-              <a:cs typeface="Arial" panose="020B0604020202020204" pitchFamily="34" charset="0"/>
+            <a:endParaRPr lang="en-US" sz="3600">
+              <a:latin typeface="Times New Roman" pitchFamily="18" charset="0"/>
+              <a:cs typeface="Times New Roman" pitchFamily="18" charset="0"/>
             </a:endParaRPr>
           </a:p>
         </p:txBody>
@@ -8159,13 +8197,13 @@
         </p:nvSpPr>
         <p:spPr>
           <a:xfrm>
-            <a:off x="150312" y="1181100"/>
-            <a:ext cx="10095978" cy="5075976"/>
+            <a:off x="401378" y="2105024"/>
+            <a:ext cx="9657022" cy="5590268"/>
           </a:xfrm>
         </p:spPr>
         <p:txBody>
           <a:bodyPr>
-            <a:normAutofit/>
+            <a:noAutofit/>
           </a:bodyPr>
           <a:lstStyle/>
           <a:p>
@@ -8181,8 +8219,10 @@
                 <a:latin typeface="Times New Roman" pitchFamily="18" charset="0"/>
                 <a:cs typeface="Times New Roman" pitchFamily="18" charset="0"/>
               </a:rPr>
-              <a:t>Tình huống thêm dự án</a:t>
-            </a:r>
+              <a:t>Sequence Diagram</a:t>
+            </a:r>
+          </a:p>
+          <a:p>
             <a:endParaRPr lang="en-US" sz="2200">
               <a:solidFill>
                 <a:schemeClr val="tx1"/>
@@ -8191,19 +8231,6 @@
               <a:cs typeface="Times New Roman" pitchFamily="18" charset="0"/>
             </a:endParaRPr>
           </a:p>
-          <a:p>
-            <a:pPr>
-              <a:buFont typeface="Wingdings" pitchFamily="2" charset="2"/>
-              <a:buChar char="Ø"/>
-            </a:pPr>
-            <a:endParaRPr lang="en-US" sz="2200" smtClean="0">
-              <a:solidFill>
-                <a:schemeClr val="tx1"/>
-              </a:solidFill>
-              <a:latin typeface="Times New Roman" pitchFamily="18" charset="0"/>
-              <a:cs typeface="Times New Roman" pitchFamily="18" charset="0"/>
-            </a:endParaRPr>
-          </a:p>
         </p:txBody>
       </p:sp>
       <p:sp>
@@ -8233,9 +8260,7 @@
       <p:pic>
         <p:nvPicPr>
           <p:cNvPr id="5" name="Picture 4"/>
-          <p:cNvPicPr>
-            <a:picLocks noChangeAspect="1"/>
-          </p:cNvPicPr>
+          <p:cNvPicPr/>
           <p:nvPr/>
         </p:nvPicPr>
         <p:blipFill>
@@ -8246,24 +8271,29 @@
               </a:ext>
             </a:extLst>
           </a:blip>
+          <a:srcRect/>
           <a:stretch>
             <a:fillRect/>
           </a:stretch>
         </p:blipFill>
-        <p:spPr>
+        <p:spPr bwMode="auto">
           <a:xfrm>
-            <a:off x="1206500" y="1549400"/>
-            <a:ext cx="6273800" cy="4851400"/>
+            <a:off x="1154734" y="0"/>
+            <a:ext cx="7205180" cy="6858000"/>
           </a:xfrm>
           <a:prstGeom prst="rect">
             <a:avLst/>
           </a:prstGeom>
+          <a:noFill/>
+          <a:ln>
+            <a:noFill/>
+          </a:ln>
         </p:spPr>
       </p:pic>
     </p:spTree>
     <p:extLst>
       <p:ext uri="{BB962C8B-B14F-4D97-AF65-F5344CB8AC3E}">
-        <p14:creationId xmlns:p14="http://schemas.microsoft.com/office/powerpoint/2010/main" val="2891973177"/>
+        <p14:creationId xmlns:p14="http://schemas.microsoft.com/office/powerpoint/2010/main" val="1302995496"/>
       </p:ext>
     </p:extLst>
   </p:cSld>
@@ -8309,170 +8339,8 @@
         </p:nvSpPr>
         <p:spPr>
           <a:xfrm>
-            <a:off x="303848" y="50560"/>
-            <a:ext cx="8041662" cy="1237192"/>
-          </a:xfrm>
-        </p:spPr>
-        <p:txBody>
-          <a:bodyPr>
-            <a:noAutofit/>
-          </a:bodyPr>
-          <a:lstStyle/>
-          <a:p>
-            <a:r>
-              <a:rPr lang="en-US" sz="3600">
-                <a:latin typeface="Times New Roman" pitchFamily="18" charset="0"/>
-                <a:cs typeface="Times New Roman" pitchFamily="18" charset="0"/>
-              </a:rPr>
-              <a:t>4</a:t>
-            </a:r>
-            <a:r>
-              <a:rPr lang="en-US" sz="3600" smtClean="0">
-                <a:latin typeface="Times New Roman" pitchFamily="18" charset="0"/>
-                <a:cs typeface="Times New Roman" pitchFamily="18" charset="0"/>
-              </a:rPr>
-              <a:t>.2</a:t>
-            </a:r>
-            <a:r>
-              <a:rPr lang="en-US" sz="3600">
-                <a:latin typeface="Times New Roman" pitchFamily="18" charset="0"/>
-                <a:cs typeface="Times New Roman" pitchFamily="18" charset="0"/>
-              </a:rPr>
-              <a:t>. </a:t>
-            </a:r>
-            <a:r>
-              <a:rPr lang="en-US" sz="3600" err="1">
-                <a:latin typeface="Times New Roman" pitchFamily="18" charset="0"/>
-                <a:cs typeface="Times New Roman" pitchFamily="18" charset="0"/>
-              </a:rPr>
-              <a:t>Đặc</a:t>
-            </a:r>
-            <a:r>
-              <a:rPr lang="en-US" sz="3600">
-                <a:latin typeface="Times New Roman" pitchFamily="18" charset="0"/>
-                <a:cs typeface="Times New Roman" pitchFamily="18" charset="0"/>
-              </a:rPr>
-              <a:t> </a:t>
-            </a:r>
-            <a:r>
-              <a:rPr lang="en-US" sz="3600" err="1">
-                <a:latin typeface="Times New Roman" pitchFamily="18" charset="0"/>
-                <a:cs typeface="Times New Roman" pitchFamily="18" charset="0"/>
-              </a:rPr>
-              <a:t>tả</a:t>
-            </a:r>
-            <a:r>
-              <a:rPr lang="en-US" sz="3600">
-                <a:latin typeface="Times New Roman" pitchFamily="18" charset="0"/>
-                <a:cs typeface="Times New Roman" pitchFamily="18" charset="0"/>
-              </a:rPr>
-              <a:t> Use case </a:t>
-            </a:r>
-            <a:r>
-              <a:rPr lang="en-US" sz="3600" err="1">
-                <a:latin typeface="Times New Roman" pitchFamily="18" charset="0"/>
-                <a:cs typeface="Times New Roman" pitchFamily="18" charset="0"/>
-              </a:rPr>
-              <a:t>chính</a:t>
-            </a:r>
-            <a:r>
-              <a:rPr lang="en-US" sz="3600">
-                <a:latin typeface="Times New Roman" pitchFamily="18" charset="0"/>
-                <a:cs typeface="Times New Roman" pitchFamily="18" charset="0"/>
-              </a:rPr>
-              <a:t> </a:t>
-            </a:r>
-            <a:r>
-              <a:rPr lang="en-US" sz="3600" err="1">
-                <a:latin typeface="Times New Roman" pitchFamily="18" charset="0"/>
-                <a:cs typeface="Times New Roman" pitchFamily="18" charset="0"/>
-              </a:rPr>
-              <a:t>trong</a:t>
-            </a:r>
-            <a:r>
-              <a:rPr lang="en-US" sz="3600">
-                <a:latin typeface="Times New Roman" pitchFamily="18" charset="0"/>
-                <a:cs typeface="Times New Roman" pitchFamily="18" charset="0"/>
-              </a:rPr>
-              <a:t> </a:t>
-            </a:r>
-            <a:r>
-              <a:rPr lang="en-US" sz="3600" err="1">
-                <a:latin typeface="Times New Roman" pitchFamily="18" charset="0"/>
-                <a:cs typeface="Times New Roman" pitchFamily="18" charset="0"/>
-              </a:rPr>
-              <a:t>ứng</a:t>
-            </a:r>
-            <a:r>
-              <a:rPr lang="en-US" sz="3600">
-                <a:latin typeface="Times New Roman" pitchFamily="18" charset="0"/>
-                <a:cs typeface="Times New Roman" pitchFamily="18" charset="0"/>
-              </a:rPr>
-              <a:t> </a:t>
-            </a:r>
-            <a:r>
-              <a:rPr lang="en-US" sz="3600" smtClean="0">
-                <a:latin typeface="Times New Roman" pitchFamily="18" charset="0"/>
-                <a:cs typeface="Times New Roman" pitchFamily="18" charset="0"/>
-              </a:rPr>
-              <a:t>dụng, Activity </a:t>
-            </a:r>
-            <a:r>
-              <a:rPr lang="en-US" sz="3600" err="1">
-                <a:latin typeface="Times New Roman" pitchFamily="18" charset="0"/>
-                <a:cs typeface="Times New Roman" pitchFamily="18" charset="0"/>
-              </a:rPr>
-              <a:t>và</a:t>
-            </a:r>
-            <a:r>
-              <a:rPr lang="en-US" sz="3600">
-                <a:latin typeface="Times New Roman" pitchFamily="18" charset="0"/>
-                <a:cs typeface="Times New Roman" pitchFamily="18" charset="0"/>
-              </a:rPr>
-              <a:t> Sequence </a:t>
-            </a:r>
-            <a:r>
-              <a:rPr lang="en-US" sz="3600" smtClean="0">
-                <a:latin typeface="Times New Roman" pitchFamily="18" charset="0"/>
-                <a:cs typeface="Times New Roman" pitchFamily="18" charset="0"/>
-              </a:rPr>
-              <a:t>Diagram(</a:t>
-            </a:r>
-            <a:r>
-              <a:rPr lang="en-US" sz="3600" err="1" smtClean="0">
-                <a:latin typeface="Times New Roman" pitchFamily="18" charset="0"/>
-                <a:cs typeface="Times New Roman" pitchFamily="18" charset="0"/>
-              </a:rPr>
-              <a:t>tt</a:t>
-            </a:r>
-            <a:r>
-              <a:rPr lang="en-US" sz="3600" smtClean="0">
-                <a:latin typeface="Times New Roman" pitchFamily="18" charset="0"/>
-                <a:cs typeface="Times New Roman" pitchFamily="18" charset="0"/>
-              </a:rPr>
-              <a:t>)</a:t>
-            </a:r>
-            <a:endParaRPr lang="en-US" sz="3600">
-              <a:latin typeface="Times New Roman" pitchFamily="18" charset="0"/>
-              <a:cs typeface="Times New Roman" pitchFamily="18" charset="0"/>
-            </a:endParaRPr>
-          </a:p>
-        </p:txBody>
-      </p:sp>
-      <p:sp>
-        <p:nvSpPr>
-          <p:cNvPr id="3" name="Content Placeholder 2"/>
-          <p:cNvSpPr>
-            <a:spLocks noGrp="1"/>
-          </p:cNvSpPr>
-          <p:nvPr>
-            <p:ph idx="1"/>
-          </p:nvPr>
-        </p:nvSpPr>
-        <p:spPr>
-          <a:xfrm>
-            <a:off x="0" y="1324824"/>
-            <a:ext cx="10095978" cy="5075976"/>
+            <a:off x="461820" y="0"/>
+            <a:ext cx="7092251" cy="1320800"/>
           </a:xfrm>
         </p:spPr>
         <p:txBody>
@@ -8481,36 +8349,56 @@
           </a:bodyPr>
           <a:lstStyle/>
           <a:p>
-            <a:pPr>
-              <a:buFont typeface="Wingdings" pitchFamily="2" charset="2"/>
-              <a:buChar char="Ø"/>
-            </a:pPr>
-            <a:r>
-              <a:rPr lang="en-US" sz="2200" smtClean="0">
-                <a:solidFill>
-                  <a:schemeClr val="tx1"/>
-                </a:solidFill>
-                <a:latin typeface="Times New Roman" pitchFamily="18" charset="0"/>
-                <a:cs typeface="Times New Roman" pitchFamily="18" charset="0"/>
-              </a:rPr>
-              <a:t>Activity diagram</a:t>
-            </a:r>
-            <a:endParaRPr lang="en-US" sz="2200">
-              <a:solidFill>
-                <a:schemeClr val="tx1"/>
-              </a:solidFill>
-              <a:latin typeface="Times New Roman" pitchFamily="18" charset="0"/>
-              <a:cs typeface="Times New Roman" pitchFamily="18" charset="0"/>
-            </a:endParaRPr>
-          </a:p>
-          <a:p>
-            <a:pPr marL="0" indent="0">
-              <a:buNone/>
-            </a:pPr>
-            <a:endParaRPr lang="en-US" sz="2200" smtClean="0">
-              <a:solidFill>
-                <a:schemeClr val="tx1"/>
-              </a:solidFill>
+            <a:r>
+              <a:rPr lang="en-US" sz="4000">
+                <a:latin typeface="Times New Roman" pitchFamily="18" charset="0"/>
+                <a:cs typeface="Times New Roman" pitchFamily="18" charset="0"/>
+              </a:rPr>
+              <a:t>4</a:t>
+            </a:r>
+            <a:r>
+              <a:rPr lang="en-US" sz="4000" smtClean="0">
+                <a:latin typeface="Times New Roman" pitchFamily="18" charset="0"/>
+                <a:cs typeface="Times New Roman" pitchFamily="18" charset="0"/>
+              </a:rPr>
+              <a:t>. </a:t>
+            </a:r>
+            <a:r>
+              <a:rPr lang="en-US" sz="4000" err="1" smtClean="0">
+                <a:latin typeface="Times New Roman" pitchFamily="18" charset="0"/>
+                <a:cs typeface="Times New Roman" pitchFamily="18" charset="0"/>
+              </a:rPr>
+              <a:t>Hiện</a:t>
+            </a:r>
+            <a:r>
+              <a:rPr lang="en-US" sz="4000" smtClean="0">
+                <a:latin typeface="Times New Roman" pitchFamily="18" charset="0"/>
+                <a:cs typeface="Times New Roman" pitchFamily="18" charset="0"/>
+              </a:rPr>
+              <a:t> </a:t>
+            </a:r>
+            <a:r>
+              <a:rPr lang="en-US" sz="4000" err="1">
+                <a:latin typeface="Times New Roman" pitchFamily="18" charset="0"/>
+                <a:cs typeface="Times New Roman" pitchFamily="18" charset="0"/>
+              </a:rPr>
+              <a:t>thực</a:t>
+            </a:r>
+            <a:r>
+              <a:rPr lang="en-US" sz="4000">
+                <a:latin typeface="Times New Roman" pitchFamily="18" charset="0"/>
+                <a:cs typeface="Times New Roman" pitchFamily="18" charset="0"/>
+              </a:rPr>
+              <a:t> – </a:t>
+            </a:r>
+            <a:r>
+              <a:rPr lang="en-US" sz="4000" smtClean="0">
+                <a:latin typeface="Times New Roman" pitchFamily="18" charset="0"/>
+                <a:cs typeface="Times New Roman" pitchFamily="18" charset="0"/>
+              </a:rPr>
+              <a:t>Demo</a:t>
+            </a:r>
+            <a:endParaRPr lang="en-US" sz="4000">
               <a:latin typeface="Times New Roman" pitchFamily="18" charset="0"/>
               <a:cs typeface="Times New Roman" pitchFamily="18" charset="0"/>
             </a:endParaRPr>
@@ -8541,14 +8429,52 @@
           </a:p>
         </p:txBody>
       </p:sp>
+      <p:sp>
+        <p:nvSpPr>
+          <p:cNvPr id="3" name="Content Placeholder 2"/>
+          <p:cNvSpPr>
+            <a:spLocks noGrp="1"/>
+          </p:cNvSpPr>
+          <p:nvPr>
+            <p:ph idx="1"/>
+          </p:nvPr>
+        </p:nvSpPr>
+        <p:spPr>
+          <a:xfrm>
+            <a:off x="138545" y="621993"/>
+            <a:ext cx="9781310" cy="5917352"/>
+          </a:xfrm>
+        </p:spPr>
+        <p:txBody>
+          <a:bodyPr>
+            <a:noAutofit/>
+          </a:bodyPr>
+          <a:lstStyle/>
+          <a:p>
+            <a:pPr>
+              <a:buFont typeface="Wingdings" pitchFamily="2" charset="2"/>
+              <a:buChar char="Ø"/>
+            </a:pPr>
+            <a:r>
+              <a:rPr lang="en-US" sz="2200" smtClean="0">
+                <a:latin typeface="Times New Roman" pitchFamily="18" charset="0"/>
+                <a:cs typeface="Times New Roman" pitchFamily="18" charset="0"/>
+              </a:rPr>
+              <a:t>Mô tả cách hệ thống tìm kiếm và sắp xếp các ứng viên phù hợp dự án:</a:t>
+            </a:r>
+          </a:p>
+        </p:txBody>
+      </p:sp>
       <p:pic>
         <p:nvPicPr>
-          <p:cNvPr id="6" name="Picture 5"/>
-          <p:cNvPicPr/>
+          <p:cNvPr id="2051" name="Picture 3"/>
+          <p:cNvPicPr>
+            <a:picLocks noChangeAspect="1" noChangeArrowheads="1"/>
+          </p:cNvPicPr>
           <p:nvPr/>
         </p:nvPicPr>
         <p:blipFill>
-          <a:blip r:embed="rId2">
+          <a:blip r:embed="rId2" cstate="print">
             <a:extLst>
               <a:ext uri="{28A0092B-C50C-407E-A947-70E740481C1C}">
                 <a14:useLocalDpi xmlns:a14="http://schemas.microsoft.com/office/drawing/2010/main" val="0"/>
@@ -8562,8 +8488,8 @@
         </p:blipFill>
         <p:spPr bwMode="auto">
           <a:xfrm>
-            <a:off x="2376805" y="1308099"/>
-            <a:ext cx="5380990" cy="5092701"/>
+            <a:off x="1246908" y="0"/>
+            <a:ext cx="7633855" cy="6954978"/>
           </a:xfrm>
           <a:prstGeom prst="rect">
             <a:avLst/>
@@ -8572,12 +8498,41 @@
           <a:ln>
             <a:noFill/>
           </a:ln>
+          <a:effectLst/>
+          <a:extLst>
+            <a:ext uri="{909E8E84-426E-40DD-AFC4-6F175D3DCCD1}">
+              <a14:hiddenFill xmlns:a14="http://schemas.microsoft.com/office/drawing/2010/main">
+                <a:solidFill>
+                  <a:schemeClr val="accent1"/>
+                </a:solidFill>
+              </a14:hiddenFill>
+            </a:ext>
+            <a:ext uri="{91240B29-F687-4F45-9708-019B960494DF}">
+              <a14:hiddenLine xmlns:a14="http://schemas.microsoft.com/office/drawing/2010/main" w="9525">
+                <a:solidFill>
+                  <a:schemeClr val="tx1"/>
+                </a:solidFill>
+                <a:miter lim="800000"/>
+                <a:headEnd/>
+                <a:tailEnd/>
+              </a14:hiddenLine>
+            </a:ext>
+            <a:ext uri="{AF507438-7753-43E0-B8FC-AC1667EBCBE1}">
+              <a14:hiddenEffects xmlns:a14="http://schemas.microsoft.com/office/drawing/2010/main">
+                <a:effectLst>
+                  <a:outerShdw dist="35921" dir="2700000" algn="ctr" rotWithShape="0">
+                    <a:schemeClr val="bg2"/>
+                  </a:outerShdw>
+                </a:effectLst>
+              </a14:hiddenEffects>
+            </a:ext>
+          </a:extLst>
         </p:spPr>
       </p:pic>
     </p:spTree>
     <p:extLst>
       <p:ext uri="{BB962C8B-B14F-4D97-AF65-F5344CB8AC3E}">
-        <p14:creationId xmlns:p14="http://schemas.microsoft.com/office/powerpoint/2010/main" val="3639174188"/>
+        <p14:creationId xmlns:p14="http://schemas.microsoft.com/office/powerpoint/2010/main" val="400240856"/>
       </p:ext>
     </p:extLst>
   </p:cSld>
@@ -8621,214 +8576,63 @@
             <p:ph type="title"/>
           </p:nvPr>
         </p:nvSpPr>
-        <p:spPr>
-          <a:xfrm>
-            <a:off x="304800" y="215901"/>
-            <a:ext cx="7721599" cy="967316"/>
-          </a:xfrm>
-        </p:spPr>
+        <p:spPr/>
         <p:txBody>
           <a:bodyPr>
-            <a:noAutofit/>
+            <a:normAutofit/>
           </a:bodyPr>
           <a:lstStyle/>
           <a:p>
             <a:r>
-              <a:rPr lang="en-US" sz="3600">
+              <a:rPr lang="en-US" sz="4000">
                 <a:latin typeface="Times New Roman" pitchFamily="18" charset="0"/>
                 <a:cs typeface="Times New Roman" pitchFamily="18" charset="0"/>
               </a:rPr>
               <a:t>4</a:t>
             </a:r>
             <a:r>
-              <a:rPr lang="en-US" sz="3600" smtClean="0">
-                <a:latin typeface="Times New Roman" pitchFamily="18" charset="0"/>
-                <a:cs typeface="Times New Roman" pitchFamily="18" charset="0"/>
-              </a:rPr>
-              <a:t>.2</a:t>
-            </a:r>
-            <a:r>
-              <a:rPr lang="en-US" sz="3600">
+              <a:rPr lang="en-US" sz="4000" smtClean="0">
                 <a:latin typeface="Times New Roman" pitchFamily="18" charset="0"/>
                 <a:cs typeface="Times New Roman" pitchFamily="18" charset="0"/>
               </a:rPr>
               <a:t>. </a:t>
             </a:r>
             <a:r>
-              <a:rPr lang="en-US" sz="3600" err="1">
-                <a:latin typeface="Times New Roman" pitchFamily="18" charset="0"/>
-                <a:cs typeface="Times New Roman" pitchFamily="18" charset="0"/>
-              </a:rPr>
-              <a:t>Đặc</a:t>
-            </a:r>
-            <a:r>
-              <a:rPr lang="en-US" sz="3600">
+              <a:rPr lang="en-US" sz="4000" err="1" smtClean="0">
+                <a:latin typeface="Times New Roman" pitchFamily="18" charset="0"/>
+                <a:cs typeface="Times New Roman" pitchFamily="18" charset="0"/>
+              </a:rPr>
+              <a:t>Hiện</a:t>
+            </a:r>
+            <a:r>
+              <a:rPr lang="en-US" sz="4000" smtClean="0">
                 <a:latin typeface="Times New Roman" pitchFamily="18" charset="0"/>
                 <a:cs typeface="Times New Roman" pitchFamily="18" charset="0"/>
               </a:rPr>
               <a:t> </a:t>
             </a:r>
             <a:r>
-              <a:rPr lang="en-US" sz="3600" err="1">
-                <a:latin typeface="Times New Roman" pitchFamily="18" charset="0"/>
-                <a:cs typeface="Times New Roman" pitchFamily="18" charset="0"/>
-              </a:rPr>
-              <a:t>tả</a:t>
-            </a:r>
-            <a:r>
-              <a:rPr lang="en-US" sz="3600">
-                <a:latin typeface="Times New Roman" pitchFamily="18" charset="0"/>
-                <a:cs typeface="Times New Roman" pitchFamily="18" charset="0"/>
-              </a:rPr>
-              <a:t> Use case </a:t>
-            </a:r>
-            <a:r>
-              <a:rPr lang="en-US" sz="3600" err="1">
-                <a:latin typeface="Times New Roman" pitchFamily="18" charset="0"/>
-                <a:cs typeface="Times New Roman" pitchFamily="18" charset="0"/>
-              </a:rPr>
-              <a:t>chính</a:t>
-            </a:r>
-            <a:r>
-              <a:rPr lang="en-US" sz="3600">
-                <a:latin typeface="Times New Roman" pitchFamily="18" charset="0"/>
-                <a:cs typeface="Times New Roman" pitchFamily="18" charset="0"/>
-              </a:rPr>
-              <a:t> </a:t>
-            </a:r>
-            <a:r>
-              <a:rPr lang="en-US" sz="3600" err="1">
-                <a:latin typeface="Times New Roman" pitchFamily="18" charset="0"/>
-                <a:cs typeface="Times New Roman" pitchFamily="18" charset="0"/>
-              </a:rPr>
-              <a:t>trong</a:t>
-            </a:r>
-            <a:r>
-              <a:rPr lang="en-US" sz="3600">
-                <a:latin typeface="Times New Roman" pitchFamily="18" charset="0"/>
-                <a:cs typeface="Times New Roman" pitchFamily="18" charset="0"/>
-              </a:rPr>
-              <a:t> </a:t>
-            </a:r>
-            <a:r>
-              <a:rPr lang="en-US" sz="3600" err="1" smtClean="0">
-                <a:latin typeface="Times New Roman" pitchFamily="18" charset="0"/>
-                <a:cs typeface="Times New Roman" pitchFamily="18" charset="0"/>
-              </a:rPr>
-              <a:t>ứng</a:t>
-            </a:r>
-            <a:r>
-              <a:rPr lang="en-US" sz="3600" smtClean="0">
-                <a:latin typeface="Times New Roman" pitchFamily="18" charset="0"/>
-                <a:cs typeface="Times New Roman" pitchFamily="18" charset="0"/>
-              </a:rPr>
-              <a:t> </a:t>
-            </a:r>
-            <a:r>
-              <a:rPr lang="en-US" sz="3600" err="1" smtClean="0">
-                <a:latin typeface="Times New Roman" pitchFamily="18" charset="0"/>
-                <a:cs typeface="Times New Roman" pitchFamily="18" charset="0"/>
-              </a:rPr>
-              <a:t>dụng</a:t>
-            </a:r>
-            <a:r>
-              <a:rPr lang="en-US" sz="3600" smtClean="0">
-                <a:latin typeface="Times New Roman" pitchFamily="18" charset="0"/>
-                <a:cs typeface="Times New Roman" pitchFamily="18" charset="0"/>
-              </a:rPr>
-              <a:t> </a:t>
-            </a:r>
-            <a:r>
-              <a:rPr lang="en-US" sz="3600">
-                <a:latin typeface="Times New Roman" pitchFamily="18" charset="0"/>
-                <a:cs typeface="Times New Roman" pitchFamily="18" charset="0"/>
-              </a:rPr>
-              <a:t>– Activity </a:t>
-            </a:r>
-            <a:r>
-              <a:rPr lang="en-US" sz="3600" err="1">
-                <a:latin typeface="Times New Roman" pitchFamily="18" charset="0"/>
-                <a:cs typeface="Times New Roman" pitchFamily="18" charset="0"/>
-              </a:rPr>
-              <a:t>và</a:t>
-            </a:r>
-            <a:r>
-              <a:rPr lang="en-US" sz="3600">
-                <a:latin typeface="Times New Roman" pitchFamily="18" charset="0"/>
-                <a:cs typeface="Times New Roman" pitchFamily="18" charset="0"/>
-              </a:rPr>
-              <a:t> Sequence </a:t>
-            </a:r>
-            <a:r>
-              <a:rPr lang="en-US" sz="3600" smtClean="0">
-                <a:latin typeface="Times New Roman" pitchFamily="18" charset="0"/>
-                <a:cs typeface="Times New Roman" pitchFamily="18" charset="0"/>
-              </a:rPr>
-              <a:t>Diagram(</a:t>
-            </a:r>
-            <a:r>
-              <a:rPr lang="en-US" sz="3600" err="1" smtClean="0">
-                <a:latin typeface="Times New Roman" pitchFamily="18" charset="0"/>
-                <a:cs typeface="Times New Roman" pitchFamily="18" charset="0"/>
-              </a:rPr>
-              <a:t>tt</a:t>
-            </a:r>
-            <a:r>
-              <a:rPr lang="en-US" sz="3600" smtClean="0">
-                <a:latin typeface="Times New Roman" pitchFamily="18" charset="0"/>
-                <a:cs typeface="Times New Roman" pitchFamily="18" charset="0"/>
-              </a:rPr>
-              <a:t>)</a:t>
-            </a:r>
-            <a:endParaRPr lang="en-US" sz="3600">
-              <a:latin typeface="Times New Roman" pitchFamily="18" charset="0"/>
-              <a:cs typeface="Times New Roman" pitchFamily="18" charset="0"/>
-            </a:endParaRPr>
-          </a:p>
-        </p:txBody>
-      </p:sp>
-      <p:sp>
-        <p:nvSpPr>
-          <p:cNvPr id="3" name="Content Placeholder 2"/>
-          <p:cNvSpPr>
-            <a:spLocks noGrp="1"/>
-          </p:cNvSpPr>
-          <p:nvPr>
-            <p:ph idx="1"/>
-          </p:nvPr>
-        </p:nvSpPr>
-        <p:spPr>
-          <a:xfrm>
-            <a:off x="163012" y="1449916"/>
-            <a:ext cx="10095978" cy="5217583"/>
-          </a:xfrm>
-        </p:spPr>
-        <p:txBody>
-          <a:bodyPr>
-            <a:noAutofit/>
-          </a:bodyPr>
-          <a:lstStyle/>
-          <a:p>
-            <a:pPr>
-              <a:buFont typeface="Wingdings" pitchFamily="2" charset="2"/>
-              <a:buChar char="Ø"/>
-            </a:pPr>
-            <a:r>
-              <a:rPr lang="en-US" sz="2200" smtClean="0">
-                <a:solidFill>
-                  <a:schemeClr val="tx1"/>
-                </a:solidFill>
-                <a:latin typeface="Times New Roman" pitchFamily="18" charset="0"/>
-                <a:cs typeface="Times New Roman" pitchFamily="18" charset="0"/>
-              </a:rPr>
-              <a:t>Sequence Diagram</a:t>
-            </a:r>
-          </a:p>
-          <a:p>
-            <a:endParaRPr lang="en-US" sz="2200">
-              <a:solidFill>
-                <a:schemeClr val="tx1"/>
-              </a:solidFill>
+              <a:rPr lang="en-US" sz="4000" err="1">
+                <a:latin typeface="Times New Roman" pitchFamily="18" charset="0"/>
+                <a:cs typeface="Times New Roman" pitchFamily="18" charset="0"/>
+              </a:rPr>
+              <a:t>thực</a:t>
+            </a:r>
+            <a:r>
+              <a:rPr lang="en-US" sz="4000">
+                <a:latin typeface="Times New Roman" pitchFamily="18" charset="0"/>
+                <a:cs typeface="Times New Roman" pitchFamily="18" charset="0"/>
+              </a:rPr>
+              <a:t> – </a:t>
+            </a:r>
+            <a:r>
+              <a:rPr lang="en-US" sz="4000" smtClean="0">
+                <a:latin typeface="Times New Roman" pitchFamily="18" charset="0"/>
+                <a:cs typeface="Times New Roman" pitchFamily="18" charset="0"/>
+              </a:rPr>
+              <a:t>Demo(tt)</a:t>
+            </a:r>
+            <a:endParaRPr lang="en-US" sz="4000">
               <a:latin typeface="Times New Roman" pitchFamily="18" charset="0"/>
               <a:cs typeface="Times New Roman" pitchFamily="18" charset="0"/>
             </a:endParaRPr>
@@ -8859,264 +8663,57 @@
           </a:p>
         </p:txBody>
       </p:sp>
-    </p:spTree>
-    <p:extLst>
-      <p:ext uri="{BB962C8B-B14F-4D97-AF65-F5344CB8AC3E}">
-        <p14:creationId xmlns:p14="http://schemas.microsoft.com/office/powerpoint/2010/main" val="1302995496"/>
-      </p:ext>
-    </p:extLst>
-  </p:cSld>
-  <p:clrMapOvr>
-    <a:masterClrMapping/>
-  </p:clrMapOvr>
-  <p:timing>
-    <p:tnLst>
-      <p:par>
-        <p:cTn id="1" dur="indefinite" restart="never" nodeType="tmRoot"/>
-      </p:par>
-    </p:tnLst>
-  </p:timing>
-</p:sld>
-</file>
-
-<file path=ppt/slides/slide16.xml><?xml version="1.0" encoding="utf-8"?>
-<p:sld xmlns:a="http://schemas.openxmlformats.org/drawingml/2006/main" xmlns:r="http://schemas.openxmlformats.org/officeDocument/2006/relationships" xmlns:p="http://schemas.openxmlformats.org/presentationml/2006/main">
-  <p:cSld>
-    <p:spTree>
-      <p:nvGrpSpPr>
-        <p:cNvPr id="1" name=""/>
-        <p:cNvGrpSpPr/>
-        <p:nvPr/>
-      </p:nvGrpSpPr>
-      <p:grpSpPr>
-        <a:xfrm>
-          <a:off x="0" y="0"/>
-          <a:ext cx="0" cy="0"/>
-          <a:chOff x="0" y="0"/>
-          <a:chExt cx="0" cy="0"/>
-        </a:xfrm>
-      </p:grpSpPr>
-      <p:sp>
-        <p:nvSpPr>
-          <p:cNvPr id="4" name="Slide Number Placeholder 3"/>
-          <p:cNvSpPr>
-            <a:spLocks noGrp="1"/>
-          </p:cNvSpPr>
-          <p:nvPr>
-            <p:ph type="sldNum" sz="quarter" idx="12"/>
-          </p:nvPr>
-        </p:nvSpPr>
-        <p:spPr/>
-        <p:txBody>
-          <a:bodyPr/>
-          <a:lstStyle/>
-          <a:p>
-            <a:fld id="{3905339D-DD04-4120-AA77-8BCC40DA1522}" type="slidenum">
-              <a:rPr lang="en-US" smtClean="0"/>
-              <a:pPr/>
-              <a:t>16</a:t>
-            </a:fld>
-            <a:endParaRPr lang="en-US"/>
-          </a:p>
-        </p:txBody>
-      </p:sp>
-      <p:pic>
-        <p:nvPicPr>
-          <p:cNvPr id="6" name="Picture 5"/>
-          <p:cNvPicPr/>
-          <p:nvPr/>
-        </p:nvPicPr>
-        <p:blipFill>
-          <a:blip r:embed="rId2">
-            <a:extLst>
-              <a:ext uri="{28A0092B-C50C-407E-A947-70E740481C1C}">
-                <a14:useLocalDpi xmlns:a14="http://schemas.microsoft.com/office/drawing/2010/main" val="0"/>
-              </a:ext>
-            </a:extLst>
-          </a:blip>
-          <a:srcRect/>
-          <a:stretch>
-            <a:fillRect/>
-          </a:stretch>
-        </p:blipFill>
-        <p:spPr bwMode="auto">
+      <p:sp>
+        <p:nvSpPr>
+          <p:cNvPr id="3" name="Content Placeholder 2"/>
+          <p:cNvSpPr>
+            <a:spLocks noGrp="1"/>
+          </p:cNvSpPr>
+          <p:nvPr>
+            <p:ph idx="1"/>
+          </p:nvPr>
+        </p:nvSpPr>
+        <p:spPr>
           <a:xfrm>
-            <a:off x="569912" y="0"/>
-            <a:ext cx="7532688" cy="6400800"/>
+            <a:off x="500141" y="1298113"/>
+            <a:ext cx="7092251" cy="3880773"/>
           </a:xfrm>
-          <a:prstGeom prst="rect">
-            <a:avLst/>
-          </a:prstGeom>
-          <a:noFill/>
-          <a:ln>
-            <a:noFill/>
-          </a:ln>
         </p:spPr>
-      </p:pic>
-    </p:spTree>
-    <p:extLst>
-      <p:ext uri="{BB962C8B-B14F-4D97-AF65-F5344CB8AC3E}">
-        <p14:creationId xmlns:p14="http://schemas.microsoft.com/office/powerpoint/2010/main" val="2068484897"/>
-      </p:ext>
-    </p:extLst>
-  </p:cSld>
-  <p:clrMapOvr>
-    <a:masterClrMapping/>
-  </p:clrMapOvr>
-  <p:timing>
-    <p:tnLst>
-      <p:par>
-        <p:cTn id="1" dur="indefinite" restart="never" nodeType="tmRoot"/>
-      </p:par>
-    </p:tnLst>
-  </p:timing>
-</p:sld>
-</file>
-
-<file path=ppt/slides/slide17.xml><?xml version="1.0" encoding="utf-8"?>
-<p:sld xmlns:a="http://schemas.openxmlformats.org/drawingml/2006/main" xmlns:r="http://schemas.openxmlformats.org/officeDocument/2006/relationships" xmlns:p="http://schemas.openxmlformats.org/presentationml/2006/main">
-  <p:cSld>
-    <p:spTree>
-      <p:nvGrpSpPr>
-        <p:cNvPr id="1" name=""/>
-        <p:cNvGrpSpPr/>
-        <p:nvPr/>
-      </p:nvGrpSpPr>
-      <p:grpSpPr>
-        <a:xfrm>
-          <a:off x="0" y="0"/>
-          <a:ext cx="0" cy="0"/>
-          <a:chOff x="0" y="0"/>
-          <a:chExt cx="0" cy="0"/>
-        </a:xfrm>
-      </p:grpSpPr>
-      <p:sp>
-        <p:nvSpPr>
-          <p:cNvPr id="2" name="Title 1"/>
-          <p:cNvSpPr>
-            <a:spLocks noGrp="1"/>
-          </p:cNvSpPr>
-          <p:nvPr>
-            <p:ph type="title"/>
-          </p:nvPr>
-        </p:nvSpPr>
-        <p:spPr/>
         <p:txBody>
           <a:bodyPr>
             <a:normAutofit/>
           </a:bodyPr>
           <a:lstStyle/>
           <a:p>
-            <a:r>
-              <a:rPr lang="en-US" sz="4000" smtClean="0">
-                <a:latin typeface="Times New Roman" pitchFamily="18" charset="0"/>
-                <a:cs typeface="Times New Roman" pitchFamily="18" charset="0"/>
-              </a:rPr>
-              <a:t>5. </a:t>
-            </a:r>
-            <a:r>
-              <a:rPr lang="en-US" sz="4000" err="1" smtClean="0">
-                <a:latin typeface="Times New Roman" pitchFamily="18" charset="0"/>
-                <a:cs typeface="Times New Roman" pitchFamily="18" charset="0"/>
-              </a:rPr>
-              <a:t>Hiện</a:t>
-            </a:r>
-            <a:r>
-              <a:rPr lang="en-US" sz="4000" smtClean="0">
-                <a:latin typeface="Times New Roman" pitchFamily="18" charset="0"/>
-                <a:cs typeface="Times New Roman" pitchFamily="18" charset="0"/>
-              </a:rPr>
-              <a:t> </a:t>
-            </a:r>
-            <a:r>
-              <a:rPr lang="en-US" sz="4000" err="1">
-                <a:latin typeface="Times New Roman" pitchFamily="18" charset="0"/>
-                <a:cs typeface="Times New Roman" pitchFamily="18" charset="0"/>
-              </a:rPr>
-              <a:t>thực</a:t>
-            </a:r>
-            <a:r>
-              <a:rPr lang="en-US" sz="4000">
-                <a:latin typeface="Times New Roman" pitchFamily="18" charset="0"/>
-                <a:cs typeface="Times New Roman" pitchFamily="18" charset="0"/>
-              </a:rPr>
-              <a:t> – </a:t>
-            </a:r>
-            <a:r>
-              <a:rPr lang="en-US" sz="4000" smtClean="0">
-                <a:latin typeface="Times New Roman" pitchFamily="18" charset="0"/>
-                <a:cs typeface="Times New Roman" pitchFamily="18" charset="0"/>
-              </a:rPr>
-              <a:t>Demo</a:t>
-            </a:r>
-            <a:endParaRPr lang="en-US" sz="4000">
-              <a:latin typeface="Times New Roman" pitchFamily="18" charset="0"/>
-              <a:cs typeface="Times New Roman" pitchFamily="18" charset="0"/>
-            </a:endParaRPr>
-          </a:p>
-        </p:txBody>
-      </p:sp>
-      <p:sp>
-        <p:nvSpPr>
-          <p:cNvPr id="4" name="Slide Number Placeholder 3"/>
-          <p:cNvSpPr>
-            <a:spLocks noGrp="1"/>
-          </p:cNvSpPr>
-          <p:nvPr>
-            <p:ph type="sldNum" sz="quarter" idx="12"/>
-          </p:nvPr>
-        </p:nvSpPr>
-        <p:spPr/>
-        <p:txBody>
-          <a:bodyPr/>
-          <a:lstStyle/>
-          <a:p>
-            <a:fld id="{3905339D-DD04-4120-AA77-8BCC40DA1522}" type="slidenum">
-              <a:rPr lang="en-US" smtClean="0"/>
-              <a:pPr/>
-              <a:t>17</a:t>
-            </a:fld>
-            <a:endParaRPr lang="en-US"/>
-          </a:p>
-        </p:txBody>
-      </p:sp>
-      <p:sp>
-        <p:nvSpPr>
-          <p:cNvPr id="3" name="Content Placeholder 2"/>
-          <p:cNvSpPr>
-            <a:spLocks noGrp="1"/>
-          </p:cNvSpPr>
-          <p:nvPr>
-            <p:ph idx="1"/>
-          </p:nvPr>
-        </p:nvSpPr>
-        <p:spPr>
-          <a:xfrm>
-            <a:off x="584201" y="1343450"/>
-            <a:ext cx="7414626" cy="3622055"/>
-          </a:xfrm>
-        </p:spPr>
-        <p:txBody>
-          <a:bodyPr>
-            <a:normAutofit/>
-          </a:bodyPr>
-          <a:lstStyle/>
-          <a:p>
             <a:pPr>
               <a:buFont typeface="Wingdings" pitchFamily="2" charset="2"/>
               <a:buChar char="Ø"/>
             </a:pPr>
             <a:r>
+              <a:rPr lang="en-US" sz="2200">
+                <a:latin typeface="Times New Roman" pitchFamily="18" charset="0"/>
+                <a:cs typeface="Times New Roman" pitchFamily="18" charset="0"/>
+              </a:rPr>
+              <a:t>Màn </a:t>
+            </a:r>
+            <a:r>
               <a:rPr lang="en-US" sz="2200" smtClean="0">
                 <a:latin typeface="Times New Roman" pitchFamily="18" charset="0"/>
                 <a:cs typeface="Times New Roman" pitchFamily="18" charset="0"/>
               </a:rPr>
-              <a:t>Màn hình thêm kỹ năng kỹ thuật</a:t>
+              <a:t>quản lý dự án</a:t>
             </a:r>
             <a:endParaRPr lang="en-US" sz="2200">
               <a:latin typeface="Times New Roman" pitchFamily="18" charset="0"/>
               <a:cs typeface="Times New Roman" pitchFamily="18" charset="0"/>
             </a:endParaRPr>
+          </a:p>
+          <a:p>
+            <a:pPr>
+              <a:buFont typeface="Wingdings" pitchFamily="2" charset="2"/>
+              <a:buChar char="Ø"/>
+            </a:pPr>
+            <a:endParaRPr lang="en-US" sz="2200"/>
           </a:p>
         </p:txBody>
       </p:sp>
@@ -9134,211 +8731,8 @@
         </p:blipFill>
         <p:spPr>
           <a:xfrm>
-            <a:off x="596900" y="1803400"/>
-            <a:ext cx="7632700" cy="3810000"/>
-          </a:xfrm>
-          <a:prstGeom prst="rect">
-            <a:avLst/>
-          </a:prstGeom>
-        </p:spPr>
-      </p:pic>
-    </p:spTree>
-    <p:extLst>
-      <p:ext uri="{BB962C8B-B14F-4D97-AF65-F5344CB8AC3E}">
-        <p14:creationId xmlns:p14="http://schemas.microsoft.com/office/powerpoint/2010/main" val="400240856"/>
-      </p:ext>
-    </p:extLst>
-  </p:cSld>
-  <p:clrMapOvr>
-    <a:masterClrMapping/>
-  </p:clrMapOvr>
-  <p:timing>
-    <p:tnLst>
-      <p:par>
-        <p:cTn id="1" dur="indefinite" restart="never" nodeType="tmRoot"/>
-      </p:par>
-    </p:tnLst>
-  </p:timing>
-</p:sld>
-</file>
-
-<file path=ppt/slides/slide18.xml><?xml version="1.0" encoding="utf-8"?>
-<p:sld xmlns:a="http://schemas.openxmlformats.org/drawingml/2006/main" xmlns:r="http://schemas.openxmlformats.org/officeDocument/2006/relationships" xmlns:p="http://schemas.openxmlformats.org/presentationml/2006/main">
-  <p:cSld>
-    <p:spTree>
-      <p:nvGrpSpPr>
-        <p:cNvPr id="1" name=""/>
-        <p:cNvGrpSpPr/>
-        <p:nvPr/>
-      </p:nvGrpSpPr>
-      <p:grpSpPr>
-        <a:xfrm>
-          <a:off x="0" y="0"/>
-          <a:ext cx="0" cy="0"/>
-          <a:chOff x="0" y="0"/>
-          <a:chExt cx="0" cy="0"/>
-        </a:xfrm>
-      </p:grpSpPr>
-      <p:sp>
-        <p:nvSpPr>
-          <p:cNvPr id="2" name="Title 1"/>
-          <p:cNvSpPr>
-            <a:spLocks noGrp="1"/>
-          </p:cNvSpPr>
-          <p:nvPr>
-            <p:ph type="title"/>
-          </p:nvPr>
-        </p:nvSpPr>
-        <p:spPr/>
-        <p:txBody>
-          <a:bodyPr>
-            <a:normAutofit/>
-          </a:bodyPr>
-          <a:lstStyle/>
-          <a:p>
-            <a:r>
-              <a:rPr lang="en-US" sz="4000" smtClean="0">
-                <a:latin typeface="Times New Roman" pitchFamily="18" charset="0"/>
-                <a:cs typeface="Times New Roman" pitchFamily="18" charset="0"/>
-              </a:rPr>
-              <a:t>5. </a:t>
-            </a:r>
-            <a:r>
-              <a:rPr lang="en-US" sz="4000" err="1" smtClean="0">
-                <a:latin typeface="Times New Roman" pitchFamily="18" charset="0"/>
-                <a:cs typeface="Times New Roman" pitchFamily="18" charset="0"/>
-              </a:rPr>
-              <a:t>Hiện</a:t>
-            </a:r>
-            <a:r>
-              <a:rPr lang="en-US" sz="4000" smtClean="0">
-                <a:latin typeface="Times New Roman" pitchFamily="18" charset="0"/>
-                <a:cs typeface="Times New Roman" pitchFamily="18" charset="0"/>
-              </a:rPr>
-              <a:t> </a:t>
-            </a:r>
-            <a:r>
-              <a:rPr lang="en-US" sz="4000" err="1">
-                <a:latin typeface="Times New Roman" pitchFamily="18" charset="0"/>
-                <a:cs typeface="Times New Roman" pitchFamily="18" charset="0"/>
-              </a:rPr>
-              <a:t>thực</a:t>
-            </a:r>
-            <a:r>
-              <a:rPr lang="en-US" sz="4000">
-                <a:latin typeface="Times New Roman" pitchFamily="18" charset="0"/>
-                <a:cs typeface="Times New Roman" pitchFamily="18" charset="0"/>
-              </a:rPr>
-              <a:t> – </a:t>
-            </a:r>
-            <a:r>
-              <a:rPr lang="en-US" sz="4000" smtClean="0">
-                <a:latin typeface="Times New Roman" pitchFamily="18" charset="0"/>
-                <a:cs typeface="Times New Roman" pitchFamily="18" charset="0"/>
-              </a:rPr>
-              <a:t>Demo(tt)</a:t>
-            </a:r>
-            <a:endParaRPr lang="en-US" sz="4000">
-              <a:latin typeface="Times New Roman" pitchFamily="18" charset="0"/>
-              <a:cs typeface="Times New Roman" pitchFamily="18" charset="0"/>
-            </a:endParaRPr>
-          </a:p>
-        </p:txBody>
-      </p:sp>
-      <p:sp>
-        <p:nvSpPr>
-          <p:cNvPr id="4" name="Slide Number Placeholder 3"/>
-          <p:cNvSpPr>
-            <a:spLocks noGrp="1"/>
-          </p:cNvSpPr>
-          <p:nvPr>
-            <p:ph type="sldNum" sz="quarter" idx="12"/>
-          </p:nvPr>
-        </p:nvSpPr>
-        <p:spPr/>
-        <p:txBody>
-          <a:bodyPr/>
-          <a:lstStyle/>
-          <a:p>
-            <a:fld id="{3905339D-DD04-4120-AA77-8BCC40DA1522}" type="slidenum">
-              <a:rPr lang="en-US" smtClean="0"/>
-              <a:pPr/>
-              <a:t>18</a:t>
-            </a:fld>
-            <a:endParaRPr lang="en-US"/>
-          </a:p>
-        </p:txBody>
-      </p:sp>
-      <p:sp>
-        <p:nvSpPr>
-          <p:cNvPr id="3" name="Content Placeholder 2"/>
-          <p:cNvSpPr>
-            <a:spLocks noGrp="1"/>
-          </p:cNvSpPr>
-          <p:nvPr>
-            <p:ph idx="1"/>
-          </p:nvPr>
-        </p:nvSpPr>
-        <p:spPr>
-          <a:xfrm>
-            <a:off x="522874" y="1211571"/>
-            <a:ext cx="7414626" cy="3622055"/>
-          </a:xfrm>
-        </p:spPr>
-        <p:txBody>
-          <a:bodyPr>
-            <a:normAutofit/>
-          </a:bodyPr>
-          <a:lstStyle/>
-          <a:p>
-            <a:pPr>
-              <a:buFont typeface="Wingdings" pitchFamily="2" charset="2"/>
-              <a:buChar char="Ø"/>
-            </a:pPr>
-            <a:r>
-              <a:rPr lang="en-US" sz="2200">
-                <a:latin typeface="Times New Roman" pitchFamily="18" charset="0"/>
-                <a:cs typeface="Times New Roman" pitchFamily="18" charset="0"/>
-              </a:rPr>
-              <a:t>Màn </a:t>
-            </a:r>
-            <a:r>
-              <a:rPr lang="en-US" sz="2200" smtClean="0">
-                <a:latin typeface="Times New Roman" pitchFamily="18" charset="0"/>
-                <a:cs typeface="Times New Roman" pitchFamily="18" charset="0"/>
-              </a:rPr>
-              <a:t>quản lý dự án</a:t>
-            </a:r>
-            <a:endParaRPr lang="en-US" sz="2200">
-              <a:latin typeface="Times New Roman" pitchFamily="18" charset="0"/>
-              <a:cs typeface="Times New Roman" pitchFamily="18" charset="0"/>
-            </a:endParaRPr>
-          </a:p>
-          <a:p>
-            <a:pPr>
-              <a:buFont typeface="Wingdings" pitchFamily="2" charset="2"/>
-              <a:buChar char="Ø"/>
-            </a:pPr>
-            <a:endParaRPr lang="en-US" sz="2200"/>
-          </a:p>
-        </p:txBody>
-      </p:sp>
-      <p:pic>
-        <p:nvPicPr>
-          <p:cNvPr id="5" name="Picture 4"/>
-          <p:cNvPicPr/>
-          <p:nvPr/>
-        </p:nvPicPr>
-        <p:blipFill>
-          <a:blip r:embed="rId2"/>
-          <a:stretch>
-            <a:fillRect/>
-          </a:stretch>
-        </p:blipFill>
-        <p:spPr>
-          <a:xfrm>
-            <a:off x="704532" y="1657032"/>
-            <a:ext cx="7728268" cy="2096135"/>
+            <a:off x="7145475" y="1901841"/>
+            <a:ext cx="2988978" cy="1784845"/>
           </a:xfrm>
           <a:prstGeom prst="rect">
             <a:avLst/>
@@ -9359,197 +8753,76 @@
         </p:blipFill>
         <p:spPr>
           <a:xfrm>
-            <a:off x="704532" y="3745229"/>
-            <a:ext cx="7017068" cy="2655571"/>
+            <a:off x="7145475" y="3987574"/>
+            <a:ext cx="2988978" cy="1527856"/>
           </a:xfrm>
           <a:prstGeom prst="rect">
             <a:avLst/>
           </a:prstGeom>
         </p:spPr>
       </p:pic>
-    </p:spTree>
-    <p:extLst>
-      <p:ext uri="{BB962C8B-B14F-4D97-AF65-F5344CB8AC3E}">
-        <p14:creationId xmlns:p14="http://schemas.microsoft.com/office/powerpoint/2010/main" val="1063453166"/>
-      </p:ext>
-    </p:extLst>
-  </p:cSld>
-  <p:clrMapOvr>
-    <a:masterClrMapping/>
-  </p:clrMapOvr>
-  <p:timing>
-    <p:tnLst>
-      <p:par>
-        <p:cTn id="1" dur="indefinite" restart="never" nodeType="tmRoot"/>
-      </p:par>
-    </p:tnLst>
-  </p:timing>
-</p:sld>
-</file>
-
-<file path=ppt/slides/slide19.xml><?xml version="1.0" encoding="utf-8"?>
-<p:sld xmlns:a="http://schemas.openxmlformats.org/drawingml/2006/main" xmlns:r="http://schemas.openxmlformats.org/officeDocument/2006/relationships" xmlns:p="http://schemas.openxmlformats.org/presentationml/2006/main">
-  <p:cSld>
-    <p:spTree>
-      <p:nvGrpSpPr>
-        <p:cNvPr id="1" name=""/>
-        <p:cNvGrpSpPr/>
-        <p:nvPr/>
-      </p:nvGrpSpPr>
-      <p:grpSpPr>
-        <a:xfrm>
-          <a:off x="0" y="0"/>
-          <a:ext cx="0" cy="0"/>
-          <a:chOff x="0" y="0"/>
-          <a:chExt cx="0" cy="0"/>
-        </a:xfrm>
-      </p:grpSpPr>
-      <p:sp>
-        <p:nvSpPr>
-          <p:cNvPr id="2" name="Title 1"/>
-          <p:cNvSpPr>
-            <a:spLocks noGrp="1"/>
-          </p:cNvSpPr>
-          <p:nvPr>
-            <p:ph type="title"/>
-          </p:nvPr>
-        </p:nvSpPr>
-        <p:spPr/>
-        <p:txBody>
-          <a:bodyPr>
-            <a:normAutofit/>
-          </a:bodyPr>
-          <a:lstStyle/>
-          <a:p>
-            <a:r>
-              <a:rPr lang="en-US" sz="4000" smtClean="0">
-                <a:latin typeface="Times New Roman" pitchFamily="18" charset="0"/>
-                <a:cs typeface="Times New Roman" pitchFamily="18" charset="0"/>
-              </a:rPr>
-              <a:t>5. </a:t>
-            </a:r>
-            <a:r>
-              <a:rPr lang="en-US" sz="4000" err="1" smtClean="0">
-                <a:latin typeface="Times New Roman" pitchFamily="18" charset="0"/>
-                <a:cs typeface="Times New Roman" pitchFamily="18" charset="0"/>
-              </a:rPr>
-              <a:t>Hiện</a:t>
-            </a:r>
-            <a:r>
-              <a:rPr lang="en-US" sz="4000" smtClean="0">
-                <a:latin typeface="Times New Roman" pitchFamily="18" charset="0"/>
-                <a:cs typeface="Times New Roman" pitchFamily="18" charset="0"/>
-              </a:rPr>
-              <a:t> </a:t>
-            </a:r>
-            <a:r>
-              <a:rPr lang="en-US" sz="4000" err="1">
-                <a:latin typeface="Times New Roman" pitchFamily="18" charset="0"/>
-                <a:cs typeface="Times New Roman" pitchFamily="18" charset="0"/>
-              </a:rPr>
-              <a:t>thực</a:t>
-            </a:r>
-            <a:r>
-              <a:rPr lang="en-US" sz="4000">
-                <a:latin typeface="Times New Roman" pitchFamily="18" charset="0"/>
-                <a:cs typeface="Times New Roman" pitchFamily="18" charset="0"/>
-              </a:rPr>
-              <a:t> – </a:t>
-            </a:r>
-            <a:r>
-              <a:rPr lang="en-US" sz="4000" smtClean="0">
-                <a:latin typeface="Times New Roman" pitchFamily="18" charset="0"/>
-                <a:cs typeface="Times New Roman" pitchFamily="18" charset="0"/>
-              </a:rPr>
-              <a:t>Demo(tt)</a:t>
-            </a:r>
-            <a:endParaRPr lang="en-US" sz="4000">
-              <a:latin typeface="Times New Roman" pitchFamily="18" charset="0"/>
-              <a:cs typeface="Times New Roman" pitchFamily="18" charset="0"/>
-            </a:endParaRPr>
-          </a:p>
-        </p:txBody>
-      </p:sp>
-      <p:sp>
-        <p:nvSpPr>
-          <p:cNvPr id="4" name="Slide Number Placeholder 3"/>
-          <p:cNvSpPr>
-            <a:spLocks noGrp="1"/>
-          </p:cNvSpPr>
-          <p:nvPr>
-            <p:ph type="sldNum" sz="quarter" idx="12"/>
-          </p:nvPr>
-        </p:nvSpPr>
-        <p:spPr/>
-        <p:txBody>
-          <a:bodyPr/>
-          <a:lstStyle/>
-          <a:p>
-            <a:fld id="{3905339D-DD04-4120-AA77-8BCC40DA1522}" type="slidenum">
-              <a:rPr lang="en-US" smtClean="0"/>
-              <a:pPr/>
-              <a:t>19</a:t>
-            </a:fld>
-            <a:endParaRPr lang="en-US"/>
-          </a:p>
-        </p:txBody>
-      </p:sp>
-      <p:sp>
-        <p:nvSpPr>
-          <p:cNvPr id="3" name="Content Placeholder 2"/>
-          <p:cNvSpPr>
-            <a:spLocks noGrp="1"/>
-          </p:cNvSpPr>
-          <p:nvPr>
-            <p:ph idx="1"/>
-          </p:nvPr>
-        </p:nvSpPr>
+      <p:pic>
+        <p:nvPicPr>
+          <p:cNvPr id="7" name="Picture 6"/>
+          <p:cNvPicPr/>
+          <p:nvPr/>
+        </p:nvPicPr>
+        <p:blipFill>
+          <a:blip r:embed="rId4"/>
+          <a:stretch>
+            <a:fillRect/>
+          </a:stretch>
+        </p:blipFill>
         <p:spPr>
           <a:xfrm>
-            <a:off x="546101" y="1445050"/>
-            <a:ext cx="7414626" cy="3622055"/>
+            <a:off x="232229" y="1905342"/>
+            <a:ext cx="3874032" cy="1781344"/>
           </a:xfrm>
+          <a:prstGeom prst="rect">
+            <a:avLst/>
+          </a:prstGeom>
         </p:spPr>
-        <p:txBody>
-          <a:bodyPr>
-            <a:normAutofit/>
-          </a:bodyPr>
-          <a:lstStyle/>
-          <a:p>
-            <a:pPr>
-              <a:buFont typeface="Wingdings" pitchFamily="2" charset="2"/>
-              <a:buChar char="Ø"/>
-            </a:pPr>
-            <a:r>
-              <a:rPr lang="en-US" sz="2200" smtClean="0">
-                <a:latin typeface="Times New Roman" pitchFamily="18" charset="0"/>
-                <a:cs typeface="Times New Roman" pitchFamily="18" charset="0"/>
-              </a:rPr>
-              <a:t>Màn hình tìm kiếm</a:t>
-            </a:r>
-          </a:p>
-          <a:p>
-            <a:pPr>
-              <a:buFont typeface="Wingdings" pitchFamily="2" charset="2"/>
-              <a:buChar char="Ø"/>
-            </a:pPr>
-            <a:endParaRPr lang="en-US" sz="2200">
-              <a:latin typeface="Times New Roman" pitchFamily="18" charset="0"/>
-              <a:cs typeface="Times New Roman" pitchFamily="18" charset="0"/>
-            </a:endParaRPr>
-          </a:p>
-        </p:txBody>
-      </p:sp>
+      </p:pic>
       <p:pic>
         <p:nvPicPr>
-          <p:cNvPr id="2050" name="Picture 2"/>
+          <p:cNvPr id="8" name="Picture 7"/>
+          <p:cNvPicPr>
+            <a:picLocks noChangeAspect="1"/>
+          </p:cNvPicPr>
+          <p:nvPr/>
+        </p:nvPicPr>
+        <p:blipFill>
+          <a:blip r:embed="rId5" cstate="print">
+            <a:extLst>
+              <a:ext uri="{28A0092B-C50C-407E-A947-70E740481C1C}">
+                <a14:useLocalDpi xmlns:a14="http://schemas.microsoft.com/office/drawing/2010/main" val="0"/>
+              </a:ext>
+            </a:extLst>
+          </a:blip>
+          <a:stretch>
+            <a:fillRect/>
+          </a:stretch>
+        </p:blipFill>
+        <p:spPr>
+          <a:xfrm>
+            <a:off x="3386275" y="398546"/>
+            <a:ext cx="3759200" cy="6459454"/>
+          </a:xfrm>
+          <a:prstGeom prst="rect">
+            <a:avLst/>
+          </a:prstGeom>
+        </p:spPr>
+      </p:pic>
+      <p:pic>
+        <p:nvPicPr>
+          <p:cNvPr id="9" name="Picture 2"/>
           <p:cNvPicPr>
             <a:picLocks noChangeAspect="1" noChangeArrowheads="1"/>
           </p:cNvPicPr>
           <p:nvPr/>
         </p:nvPicPr>
         <p:blipFill>
-          <a:blip r:embed="rId2">
+          <a:blip r:embed="rId6" cstate="print">
             <a:extLst>
               <a:ext uri="{28A0092B-C50C-407E-A947-70E740481C1C}">
                 <a14:useLocalDpi xmlns:a14="http://schemas.microsoft.com/office/drawing/2010/main" val="0"/>
@@ -9563,8 +8836,8 @@
         </p:blipFill>
         <p:spPr bwMode="auto">
           <a:xfrm>
-            <a:off x="482601" y="1878013"/>
-            <a:ext cx="7569200" cy="3570287"/>
+            <a:off x="0" y="4234316"/>
+            <a:ext cx="3791855" cy="2003426"/>
           </a:xfrm>
           <a:prstGeom prst="rect">
             <a:avLst/>
@@ -9624,6 +8897,1180 @@
 </p:sld>
 </file>
 
+<file path=ppt/slides/slide16.xml><?xml version="1.0" encoding="utf-8"?>
+<p:sld xmlns:a="http://schemas.openxmlformats.org/drawingml/2006/main" xmlns:r="http://schemas.openxmlformats.org/officeDocument/2006/relationships" xmlns:p="http://schemas.openxmlformats.org/presentationml/2006/main">
+  <p:cSld>
+    <p:spTree>
+      <p:nvGrpSpPr>
+        <p:cNvPr id="1" name=""/>
+        <p:cNvGrpSpPr/>
+        <p:nvPr/>
+      </p:nvGrpSpPr>
+      <p:grpSpPr>
+        <a:xfrm>
+          <a:off x="0" y="0"/>
+          <a:ext cx="0" cy="0"/>
+          <a:chOff x="0" y="0"/>
+          <a:chExt cx="0" cy="0"/>
+        </a:xfrm>
+      </p:grpSpPr>
+      <p:sp>
+        <p:nvSpPr>
+          <p:cNvPr id="2" name="Title 1"/>
+          <p:cNvSpPr>
+            <a:spLocks noGrp="1"/>
+          </p:cNvSpPr>
+          <p:nvPr>
+            <p:ph type="title"/>
+          </p:nvPr>
+        </p:nvSpPr>
+        <p:spPr>
+          <a:xfrm>
+            <a:off x="558802" y="174172"/>
+            <a:ext cx="7092251" cy="1320800"/>
+          </a:xfrm>
+        </p:spPr>
+        <p:txBody>
+          <a:bodyPr>
+            <a:normAutofit/>
+          </a:bodyPr>
+          <a:lstStyle/>
+          <a:p>
+            <a:r>
+              <a:rPr lang="en-US" sz="4000">
+                <a:latin typeface="Times New Roman" pitchFamily="18" charset="0"/>
+                <a:cs typeface="Times New Roman" pitchFamily="18" charset="0"/>
+              </a:rPr>
+              <a:t>6</a:t>
+            </a:r>
+            <a:r>
+              <a:rPr lang="en-US" sz="4000" smtClean="0">
+                <a:latin typeface="Times New Roman" pitchFamily="18" charset="0"/>
+                <a:cs typeface="Times New Roman" pitchFamily="18" charset="0"/>
+              </a:rPr>
+              <a:t>. Kết luận – Hướng phát triển</a:t>
+            </a:r>
+            <a:endParaRPr lang="en-US" sz="4000">
+              <a:latin typeface="Times New Roman" pitchFamily="18" charset="0"/>
+              <a:cs typeface="Times New Roman" pitchFamily="18" charset="0"/>
+            </a:endParaRPr>
+          </a:p>
+        </p:txBody>
+      </p:sp>
+      <p:sp>
+        <p:nvSpPr>
+          <p:cNvPr id="4" name="Slide Number Placeholder 3"/>
+          <p:cNvSpPr>
+            <a:spLocks noGrp="1"/>
+          </p:cNvSpPr>
+          <p:nvPr>
+            <p:ph type="sldNum" sz="quarter" idx="12"/>
+          </p:nvPr>
+        </p:nvSpPr>
+        <p:spPr/>
+        <p:txBody>
+          <a:bodyPr/>
+          <a:lstStyle/>
+          <a:p>
+            <a:fld id="{3905339D-DD04-4120-AA77-8BCC40DA1522}" type="slidenum">
+              <a:rPr lang="en-US" smtClean="0"/>
+              <a:pPr/>
+              <a:t>16</a:t>
+            </a:fld>
+            <a:endParaRPr lang="en-US"/>
+          </a:p>
+        </p:txBody>
+      </p:sp>
+      <p:sp>
+        <p:nvSpPr>
+          <p:cNvPr id="3" name="Content Placeholder 2"/>
+          <p:cNvSpPr>
+            <a:spLocks noGrp="1"/>
+          </p:cNvSpPr>
+          <p:nvPr>
+            <p:ph idx="1"/>
+          </p:nvPr>
+        </p:nvSpPr>
+        <p:spPr>
+          <a:xfrm>
+            <a:off x="534507" y="840698"/>
+            <a:ext cx="7701720" cy="5228089"/>
+          </a:xfrm>
+        </p:spPr>
+        <p:txBody>
+          <a:bodyPr>
+            <a:noAutofit/>
+          </a:bodyPr>
+          <a:lstStyle/>
+          <a:p>
+            <a:pPr>
+              <a:buFont typeface="Wingdings" pitchFamily="2" charset="2"/>
+              <a:buChar char="Ø"/>
+            </a:pPr>
+            <a:r>
+              <a:rPr lang="en-US" sz="2200">
+                <a:latin typeface="Times New Roman" pitchFamily="18" charset="0"/>
+                <a:cs typeface="Times New Roman" pitchFamily="18" charset="0"/>
+              </a:rPr>
+              <a:t>Trong khoảng thời gian thực tập và làm khóa luận tốt nghiệp tại công ty FPT Software từ ngày 14/01/2019 đến 30/5/2019, nhóm có tìm hiểu và tự học hỏi một số kỹ năng như: phương pháp lấy yêu cầu từ khách hàng, phân bố thời gian công việc phù hợp,  báo cáo công việc làm được hàng ngày, giải quyết tình huống khi gặp vấn đề. Ngoài ra nhóm còn áp dụng được quy tắc khi lập trình trong dự án, quy trình deploy sản phẩm lên máy chủ</a:t>
+            </a:r>
+            <a:r>
+              <a:rPr lang="en-US" sz="2200" smtClean="0">
+                <a:latin typeface="Times New Roman" pitchFamily="18" charset="0"/>
+                <a:cs typeface="Times New Roman" pitchFamily="18" charset="0"/>
+              </a:rPr>
+              <a:t>.  </a:t>
+            </a:r>
+            <a:endParaRPr lang="en-US" sz="2200">
+              <a:latin typeface="Times New Roman" pitchFamily="18" charset="0"/>
+              <a:cs typeface="Times New Roman" pitchFamily="18" charset="0"/>
+            </a:endParaRPr>
+          </a:p>
+          <a:p>
+            <a:pPr>
+              <a:buFont typeface="Wingdings" pitchFamily="2" charset="2"/>
+              <a:buChar char="Ø"/>
+            </a:pPr>
+            <a:r>
+              <a:rPr lang="en-US" sz="2200">
+                <a:latin typeface="Times New Roman" pitchFamily="18" charset="0"/>
+                <a:cs typeface="Times New Roman" pitchFamily="18" charset="0"/>
+              </a:rPr>
+              <a:t>Được trải nghiệm với dự án thực tế, môi trường phát triển phần mềm chuyên nghiệp. Hiện thực hoàn tất các chức năng cho hệ thống quản lý kỹ năng của nhân viên với các chức năng</a:t>
+            </a:r>
+            <a:r>
+              <a:rPr lang="en-US" sz="2200" smtClean="0">
+                <a:latin typeface="Times New Roman" pitchFamily="18" charset="0"/>
+                <a:cs typeface="Times New Roman" pitchFamily="18" charset="0"/>
+              </a:rPr>
+              <a:t>:</a:t>
+            </a:r>
+          </a:p>
+          <a:p>
+            <a:pPr lvl="1">
+              <a:buFont typeface="Wingdings" pitchFamily="2" charset="2"/>
+              <a:buChar char="ü"/>
+            </a:pPr>
+            <a:r>
+              <a:rPr lang="en-US" sz="2200">
+                <a:latin typeface="Times New Roman" pitchFamily="18" charset="0"/>
+                <a:cs typeface="Times New Roman" pitchFamily="18" charset="0"/>
+              </a:rPr>
+              <a:t>Chức năng dành cho nhân viên của công ty phần mềm FPT </a:t>
+            </a:r>
+            <a:r>
+              <a:rPr lang="en-US" sz="2200" smtClean="0">
+                <a:latin typeface="Times New Roman" pitchFamily="18" charset="0"/>
+                <a:cs typeface="Times New Roman" pitchFamily="18" charset="0"/>
+              </a:rPr>
+              <a:t>Software.</a:t>
+            </a:r>
+            <a:endParaRPr lang="en-US" sz="2200">
+              <a:latin typeface="Times New Roman" pitchFamily="18" charset="0"/>
+              <a:cs typeface="Times New Roman" pitchFamily="18" charset="0"/>
+            </a:endParaRPr>
+          </a:p>
+          <a:p>
+            <a:pPr>
+              <a:buFont typeface="Wingdings" pitchFamily="2" charset="2"/>
+              <a:buChar char="Ø"/>
+            </a:pPr>
+            <a:endParaRPr lang="en-US" sz="2200">
+              <a:latin typeface="Times New Roman" pitchFamily="18" charset="0"/>
+              <a:cs typeface="Times New Roman" pitchFamily="18" charset="0"/>
+            </a:endParaRPr>
+          </a:p>
+        </p:txBody>
+      </p:sp>
+    </p:spTree>
+    <p:extLst>
+      <p:ext uri="{BB962C8B-B14F-4D97-AF65-F5344CB8AC3E}">
+        <p14:creationId xmlns:p14="http://schemas.microsoft.com/office/powerpoint/2010/main" val="1046854523"/>
+      </p:ext>
+    </p:extLst>
+  </p:cSld>
+  <p:clrMapOvr>
+    <a:masterClrMapping/>
+  </p:clrMapOvr>
+  <p:timing>
+    <p:tnLst>
+      <p:par>
+        <p:cTn id="1" dur="indefinite" restart="never" nodeType="tmRoot"/>
+      </p:par>
+    </p:tnLst>
+  </p:timing>
+</p:sld>
+</file>
+
+<file path=ppt/slides/slide17.xml><?xml version="1.0" encoding="utf-8"?>
+<p:sld xmlns:a="http://schemas.openxmlformats.org/drawingml/2006/main" xmlns:r="http://schemas.openxmlformats.org/officeDocument/2006/relationships" xmlns:p="http://schemas.openxmlformats.org/presentationml/2006/main">
+  <p:cSld>
+    <p:spTree>
+      <p:nvGrpSpPr>
+        <p:cNvPr id="1" name=""/>
+        <p:cNvGrpSpPr/>
+        <p:nvPr/>
+      </p:nvGrpSpPr>
+      <p:grpSpPr>
+        <a:xfrm>
+          <a:off x="0" y="0"/>
+          <a:ext cx="0" cy="0"/>
+          <a:chOff x="0" y="0"/>
+          <a:chExt cx="0" cy="0"/>
+        </a:xfrm>
+      </p:grpSpPr>
+      <p:sp>
+        <p:nvSpPr>
+          <p:cNvPr id="2" name="Title 1"/>
+          <p:cNvSpPr>
+            <a:spLocks noGrp="1"/>
+          </p:cNvSpPr>
+          <p:nvPr>
+            <p:ph type="title"/>
+          </p:nvPr>
+        </p:nvSpPr>
+        <p:spPr>
+          <a:xfrm>
+            <a:off x="558802" y="176895"/>
+            <a:ext cx="7092251" cy="1320800"/>
+          </a:xfrm>
+        </p:spPr>
+        <p:txBody>
+          <a:bodyPr>
+            <a:normAutofit/>
+          </a:bodyPr>
+          <a:lstStyle/>
+          <a:p>
+            <a:r>
+              <a:rPr lang="en-US" sz="4000">
+                <a:latin typeface="Times New Roman" pitchFamily="18" charset="0"/>
+                <a:cs typeface="Times New Roman" pitchFamily="18" charset="0"/>
+              </a:rPr>
+              <a:t>6</a:t>
+            </a:r>
+            <a:r>
+              <a:rPr lang="en-US" sz="4000" smtClean="0">
+                <a:latin typeface="Times New Roman" pitchFamily="18" charset="0"/>
+                <a:cs typeface="Times New Roman" pitchFamily="18" charset="0"/>
+              </a:rPr>
+              <a:t>. Kết luận – Hướng phát triển(tt)</a:t>
+            </a:r>
+            <a:endParaRPr lang="en-US" sz="4000">
+              <a:latin typeface="Times New Roman" pitchFamily="18" charset="0"/>
+              <a:cs typeface="Times New Roman" pitchFamily="18" charset="0"/>
+            </a:endParaRPr>
+          </a:p>
+        </p:txBody>
+      </p:sp>
+      <p:sp>
+        <p:nvSpPr>
+          <p:cNvPr id="4" name="Slide Number Placeholder 3"/>
+          <p:cNvSpPr>
+            <a:spLocks noGrp="1"/>
+          </p:cNvSpPr>
+          <p:nvPr>
+            <p:ph type="sldNum" sz="quarter" idx="12"/>
+          </p:nvPr>
+        </p:nvSpPr>
+        <p:spPr/>
+        <p:txBody>
+          <a:bodyPr/>
+          <a:lstStyle/>
+          <a:p>
+            <a:fld id="{3905339D-DD04-4120-AA77-8BCC40DA1522}" type="slidenum">
+              <a:rPr lang="en-US" smtClean="0"/>
+              <a:pPr/>
+              <a:t>17</a:t>
+            </a:fld>
+            <a:endParaRPr lang="en-US"/>
+          </a:p>
+        </p:txBody>
+      </p:sp>
+      <p:sp>
+        <p:nvSpPr>
+          <p:cNvPr id="3" name="Content Placeholder 2"/>
+          <p:cNvSpPr>
+            <a:spLocks noGrp="1"/>
+          </p:cNvSpPr>
+          <p:nvPr>
+            <p:ph idx="1"/>
+          </p:nvPr>
+        </p:nvSpPr>
+        <p:spPr>
+          <a:xfrm>
+            <a:off x="498063" y="935947"/>
+            <a:ext cx="7543799" cy="5404982"/>
+          </a:xfrm>
+        </p:spPr>
+        <p:txBody>
+          <a:bodyPr>
+            <a:noAutofit/>
+          </a:bodyPr>
+          <a:lstStyle/>
+          <a:p>
+            <a:pPr lvl="1">
+              <a:buFont typeface="Wingdings" pitchFamily="2" charset="2"/>
+              <a:buChar char="ü"/>
+            </a:pPr>
+            <a:r>
+              <a:rPr lang="en-US" sz="2200" smtClean="0">
+                <a:latin typeface="Times New Roman" pitchFamily="18" charset="0"/>
+                <a:cs typeface="Times New Roman" pitchFamily="18" charset="0"/>
+              </a:rPr>
+              <a:t>Chức </a:t>
+            </a:r>
+            <a:r>
+              <a:rPr lang="en-US" sz="2200">
+                <a:latin typeface="Times New Roman" pitchFamily="18" charset="0"/>
+                <a:cs typeface="Times New Roman" pitchFamily="18" charset="0"/>
+              </a:rPr>
+              <a:t>năng dành cho nhân viên quản lý nhân sự của công ty phần mềm FPT Software: quản lý thông tin trong hồ sơ của tất cả nhân viên trong công ty (thêm, xóa có điều kiện và sửa các thông tin trong hồ sơ), duyệt trạng thái hồ sơ của các nhân viên, thống kê các thông số về nhân viên, tìm kiếm nhân viên theo tiêu chí. Xem lịch sử cập nhật của toàn bộ hồ sơ nhân viên trong hệ thống.</a:t>
+            </a:r>
+          </a:p>
+          <a:p>
+            <a:pPr lvl="1">
+              <a:buFont typeface="Wingdings" pitchFamily="2" charset="2"/>
+              <a:buChar char="ü"/>
+            </a:pPr>
+            <a:r>
+              <a:rPr lang="en-US" sz="2200">
+                <a:latin typeface="Times New Roman" pitchFamily="18" charset="0"/>
+                <a:cs typeface="Times New Roman" pitchFamily="18" charset="0"/>
+              </a:rPr>
+              <a:t>Chức năng dành cho nhân viên quản lý dự án: quản lý thông tin các dự án mà nhân viên quản lý dự án tạo ra (thêm, cập nhật thông tin các dự án), tìm ứng viên phù hợp với dự án thông qua gợi ý của hệ thống.</a:t>
+            </a:r>
+          </a:p>
+          <a:p>
+            <a:pPr lvl="1">
+              <a:buFont typeface="Wingdings" pitchFamily="2" charset="2"/>
+              <a:buChar char="ü"/>
+            </a:pPr>
+            <a:r>
+              <a:rPr lang="en-US" sz="2200">
+                <a:latin typeface="Times New Roman" pitchFamily="18" charset="0"/>
+                <a:cs typeface="Times New Roman" pitchFamily="18" charset="0"/>
+              </a:rPr>
+              <a:t>Ngoài ra, hệ thống còn có dịch vụ tự động kiểm tra ngày kết thúc vị trí trong dự án của công ty với ngày hiện tại, và cập nhật thông tin kinh nghiệm làm việc của nhân viên.</a:t>
+            </a:r>
+          </a:p>
+          <a:p>
+            <a:pPr>
+              <a:buFont typeface="Wingdings" pitchFamily="2" charset="2"/>
+              <a:buChar char="Ø"/>
+            </a:pPr>
+            <a:endParaRPr lang="en-US" sz="2200">
+              <a:latin typeface="Times New Roman" pitchFamily="18" charset="0"/>
+              <a:cs typeface="Times New Roman" pitchFamily="18" charset="0"/>
+            </a:endParaRPr>
+          </a:p>
+        </p:txBody>
+      </p:sp>
+    </p:spTree>
+    <p:extLst>
+      <p:ext uri="{BB962C8B-B14F-4D97-AF65-F5344CB8AC3E}">
+        <p14:creationId xmlns:p14="http://schemas.microsoft.com/office/powerpoint/2010/main" val="2181876837"/>
+      </p:ext>
+    </p:extLst>
+  </p:cSld>
+  <p:clrMapOvr>
+    <a:masterClrMapping/>
+  </p:clrMapOvr>
+  <p:timing>
+    <p:tnLst>
+      <p:par>
+        <p:cTn id="1" dur="indefinite" restart="never" nodeType="tmRoot"/>
+      </p:par>
+    </p:tnLst>
+  </p:timing>
+</p:sld>
+</file>
+
+<file path=ppt/slides/slide18.xml><?xml version="1.0" encoding="utf-8"?>
+<p:sld xmlns:a="http://schemas.openxmlformats.org/drawingml/2006/main" xmlns:r="http://schemas.openxmlformats.org/officeDocument/2006/relationships" xmlns:p="http://schemas.openxmlformats.org/presentationml/2006/main">
+  <p:cSld>
+    <p:spTree>
+      <p:nvGrpSpPr>
+        <p:cNvPr id="1" name=""/>
+        <p:cNvGrpSpPr/>
+        <p:nvPr/>
+      </p:nvGrpSpPr>
+      <p:grpSpPr>
+        <a:xfrm>
+          <a:off x="0" y="0"/>
+          <a:ext cx="0" cy="0"/>
+          <a:chOff x="0" y="0"/>
+          <a:chExt cx="0" cy="0"/>
+        </a:xfrm>
+      </p:grpSpPr>
+      <p:sp>
+        <p:nvSpPr>
+          <p:cNvPr id="2" name="Title 1"/>
+          <p:cNvSpPr>
+            <a:spLocks noGrp="1"/>
+          </p:cNvSpPr>
+          <p:nvPr>
+            <p:ph type="title"/>
+          </p:nvPr>
+        </p:nvSpPr>
+        <p:spPr>
+          <a:xfrm>
+            <a:off x="570950" y="149679"/>
+            <a:ext cx="7092251" cy="1320800"/>
+          </a:xfrm>
+        </p:spPr>
+        <p:txBody>
+          <a:bodyPr>
+            <a:normAutofit/>
+          </a:bodyPr>
+          <a:lstStyle/>
+          <a:p>
+            <a:r>
+              <a:rPr lang="en-US" sz="4000">
+                <a:latin typeface="Times New Roman" pitchFamily="18" charset="0"/>
+                <a:cs typeface="Times New Roman" pitchFamily="18" charset="0"/>
+              </a:rPr>
+              <a:t>6</a:t>
+            </a:r>
+            <a:r>
+              <a:rPr lang="en-US" sz="4000" smtClean="0">
+                <a:latin typeface="Times New Roman" pitchFamily="18" charset="0"/>
+                <a:cs typeface="Times New Roman" pitchFamily="18" charset="0"/>
+              </a:rPr>
+              <a:t>. Kết luận – Hướng phát triển(tt)</a:t>
+            </a:r>
+            <a:endParaRPr lang="en-US" sz="4000">
+              <a:latin typeface="Times New Roman" pitchFamily="18" charset="0"/>
+              <a:cs typeface="Times New Roman" pitchFamily="18" charset="0"/>
+            </a:endParaRPr>
+          </a:p>
+        </p:txBody>
+      </p:sp>
+      <p:sp>
+        <p:nvSpPr>
+          <p:cNvPr id="4" name="Slide Number Placeholder 3"/>
+          <p:cNvSpPr>
+            <a:spLocks noGrp="1"/>
+          </p:cNvSpPr>
+          <p:nvPr>
+            <p:ph type="sldNum" sz="quarter" idx="12"/>
+          </p:nvPr>
+        </p:nvSpPr>
+        <p:spPr/>
+        <p:txBody>
+          <a:bodyPr/>
+          <a:lstStyle/>
+          <a:p>
+            <a:fld id="{3905339D-DD04-4120-AA77-8BCC40DA1522}" type="slidenum">
+              <a:rPr lang="en-US" smtClean="0"/>
+              <a:pPr/>
+              <a:t>18</a:t>
+            </a:fld>
+            <a:endParaRPr lang="en-US"/>
+          </a:p>
+        </p:txBody>
+      </p:sp>
+      <p:sp>
+        <p:nvSpPr>
+          <p:cNvPr id="3" name="Content Placeholder 2"/>
+          <p:cNvSpPr>
+            <a:spLocks noGrp="1"/>
+          </p:cNvSpPr>
+          <p:nvPr>
+            <p:ph idx="1"/>
+          </p:nvPr>
+        </p:nvSpPr>
+        <p:spPr>
+          <a:xfrm>
+            <a:off x="498063" y="935947"/>
+            <a:ext cx="7543799" cy="5404982"/>
+          </a:xfrm>
+        </p:spPr>
+        <p:txBody>
+          <a:bodyPr>
+            <a:noAutofit/>
+          </a:bodyPr>
+          <a:lstStyle/>
+          <a:p>
+            <a:pPr>
+              <a:buFont typeface="Wingdings" pitchFamily="2" charset="2"/>
+              <a:buChar char="Ø"/>
+            </a:pPr>
+            <a:r>
+              <a:rPr lang="en-US" sz="2200" smtClean="0">
+                <a:latin typeface="Times New Roman" pitchFamily="18" charset="0"/>
+                <a:cs typeface="Times New Roman" pitchFamily="18" charset="0"/>
+              </a:rPr>
+              <a:t>Hướng phát triển:</a:t>
+            </a:r>
+          </a:p>
+          <a:p>
+            <a:pPr lvl="1">
+              <a:buFont typeface="Wingdings" pitchFamily="2" charset="2"/>
+              <a:buChar char="ü"/>
+            </a:pPr>
+            <a:r>
+              <a:rPr lang="en-US" sz="2200">
+                <a:latin typeface="Times New Roman" pitchFamily="18" charset="0"/>
+                <a:cs typeface="Times New Roman" pitchFamily="18" charset="0"/>
+              </a:rPr>
+              <a:t>Phát triển chức năng theo dõi quá trình thay đổi </a:t>
+            </a:r>
+            <a:r>
+              <a:rPr lang="en-US" sz="2200" smtClean="0">
+                <a:latin typeface="Times New Roman" pitchFamily="18" charset="0"/>
+                <a:cs typeface="Times New Roman" pitchFamily="18" charset="0"/>
+              </a:rPr>
+              <a:t>hồ sơ </a:t>
+            </a:r>
+            <a:r>
+              <a:rPr lang="en-US" sz="2200">
+                <a:latin typeface="Times New Roman" pitchFamily="18" charset="0"/>
+                <a:cs typeface="Times New Roman" pitchFamily="18" charset="0"/>
+              </a:rPr>
+              <a:t>của nhân viên hàng tháng.</a:t>
+            </a:r>
+          </a:p>
+          <a:p>
+            <a:pPr lvl="1">
+              <a:buFont typeface="Wingdings" pitchFamily="2" charset="2"/>
+              <a:buChar char="ü"/>
+            </a:pPr>
+            <a:r>
+              <a:rPr lang="en-US" sz="2200">
+                <a:latin typeface="Times New Roman" pitchFamily="18" charset="0"/>
+                <a:cs typeface="Times New Roman" pitchFamily="18" charset="0"/>
+              </a:rPr>
+              <a:t>Phát triển chức năng upload file hồ sơ vào hệ thống.</a:t>
+            </a:r>
+          </a:p>
+          <a:p>
+            <a:pPr lvl="1">
+              <a:buFont typeface="Wingdings" pitchFamily="2" charset="2"/>
+              <a:buChar char="ü"/>
+            </a:pPr>
+            <a:r>
+              <a:rPr lang="en-US" sz="2200">
+                <a:latin typeface="Times New Roman" pitchFamily="18" charset="0"/>
+                <a:cs typeface="Times New Roman" pitchFamily="18" charset="0"/>
+              </a:rPr>
+              <a:t>Phát triển hệ thống tự động gửi mail nhắc nhở.</a:t>
+            </a:r>
+          </a:p>
+          <a:p>
+            <a:pPr lvl="1">
+              <a:buFont typeface="Wingdings" pitchFamily="2" charset="2"/>
+              <a:buChar char="ü"/>
+            </a:pPr>
+            <a:r>
+              <a:rPr lang="en-US" sz="2200">
+                <a:latin typeface="Times New Roman" pitchFamily="18" charset="0"/>
+                <a:cs typeface="Times New Roman" pitchFamily="18" charset="0"/>
+              </a:rPr>
+              <a:t>Nâng cấp thuật toán gợi ý tìm kiếm.</a:t>
+            </a:r>
+          </a:p>
+          <a:p>
+            <a:pPr lvl="1">
+              <a:buFont typeface="Wingdings" pitchFamily="2" charset="2"/>
+              <a:buChar char="ü"/>
+            </a:pPr>
+            <a:r>
+              <a:rPr lang="en-US" sz="2200">
+                <a:latin typeface="Times New Roman" pitchFamily="18" charset="0"/>
+                <a:cs typeface="Times New Roman" pitchFamily="18" charset="0"/>
+              </a:rPr>
+              <a:t>Nâng cấp giao diện nhập liệu bằng bảng </a:t>
+            </a:r>
+            <a:r>
+              <a:rPr lang="en-US" sz="2200" smtClean="0">
+                <a:latin typeface="Times New Roman" pitchFamily="18" charset="0"/>
+                <a:cs typeface="Times New Roman" pitchFamily="18" charset="0"/>
+              </a:rPr>
+              <a:t>tính.</a:t>
+            </a:r>
+            <a:endParaRPr lang="en-US" sz="2200">
+              <a:latin typeface="Times New Roman" pitchFamily="18" charset="0"/>
+              <a:cs typeface="Times New Roman" pitchFamily="18" charset="0"/>
+            </a:endParaRPr>
+          </a:p>
+        </p:txBody>
+      </p:sp>
+    </p:spTree>
+    <p:extLst>
+      <p:ext uri="{BB962C8B-B14F-4D97-AF65-F5344CB8AC3E}">
+        <p14:creationId xmlns:p14="http://schemas.microsoft.com/office/powerpoint/2010/main" val="2342197221"/>
+      </p:ext>
+    </p:extLst>
+  </p:cSld>
+  <p:clrMapOvr>
+    <a:masterClrMapping/>
+  </p:clrMapOvr>
+  <p:timing>
+    <p:tnLst>
+      <p:par>
+        <p:cTn id="1" dur="indefinite" restart="never" nodeType="tmRoot"/>
+      </p:par>
+    </p:tnLst>
+  </p:timing>
+</p:sld>
+</file>
+
+<file path=ppt/slides/slide19.xml><?xml version="1.0" encoding="utf-8"?>
+<p:sld xmlns:a="http://schemas.openxmlformats.org/drawingml/2006/main" xmlns:r="http://schemas.openxmlformats.org/officeDocument/2006/relationships" xmlns:p="http://schemas.openxmlformats.org/presentationml/2006/main">
+  <p:cSld>
+    <p:spTree>
+      <p:nvGrpSpPr>
+        <p:cNvPr id="1" name=""/>
+        <p:cNvGrpSpPr/>
+        <p:nvPr/>
+      </p:nvGrpSpPr>
+      <p:grpSpPr>
+        <a:xfrm>
+          <a:off x="0" y="0"/>
+          <a:ext cx="0" cy="0"/>
+          <a:chOff x="0" y="0"/>
+          <a:chExt cx="0" cy="0"/>
+        </a:xfrm>
+      </p:grpSpPr>
+      <p:sp>
+        <p:nvSpPr>
+          <p:cNvPr id="2" name="Title 1"/>
+          <p:cNvSpPr>
+            <a:spLocks noGrp="1"/>
+          </p:cNvSpPr>
+          <p:nvPr>
+            <p:ph type="title"/>
+          </p:nvPr>
+        </p:nvSpPr>
+        <p:spPr>
+          <a:xfrm>
+            <a:off x="558802" y="2"/>
+            <a:ext cx="7092251" cy="1320800"/>
+          </a:xfrm>
+        </p:spPr>
+        <p:txBody>
+          <a:bodyPr>
+            <a:normAutofit/>
+          </a:bodyPr>
+          <a:lstStyle/>
+          <a:p>
+            <a:r>
+              <a:rPr lang="en-US" sz="4000" smtClean="0">
+                <a:latin typeface="Times New Roman" pitchFamily="18" charset="0"/>
+                <a:cs typeface="Times New Roman" pitchFamily="18" charset="0"/>
+              </a:rPr>
+              <a:t>Tài liệu tham khảo</a:t>
+            </a:r>
+            <a:endParaRPr lang="en-US" sz="4000">
+              <a:latin typeface="Times New Roman" pitchFamily="18" charset="0"/>
+              <a:cs typeface="Times New Roman" pitchFamily="18" charset="0"/>
+            </a:endParaRPr>
+          </a:p>
+        </p:txBody>
+      </p:sp>
+      <p:sp>
+        <p:nvSpPr>
+          <p:cNvPr id="3" name="Content Placeholder 2"/>
+          <p:cNvSpPr>
+            <a:spLocks noGrp="1"/>
+          </p:cNvSpPr>
+          <p:nvPr>
+            <p:ph idx="1"/>
+          </p:nvPr>
+        </p:nvSpPr>
+        <p:spPr>
+          <a:xfrm>
+            <a:off x="653932" y="1030717"/>
+            <a:ext cx="7489904" cy="5827285"/>
+          </a:xfrm>
+        </p:spPr>
+        <p:txBody>
+          <a:bodyPr>
+            <a:noAutofit/>
+          </a:bodyPr>
+          <a:lstStyle/>
+          <a:p>
+            <a:pPr>
+              <a:buFont typeface="Wingdings" pitchFamily="2" charset="2"/>
+              <a:buChar char="ü"/>
+            </a:pPr>
+            <a:r>
+              <a:rPr lang="en-US" sz="1600">
+                <a:solidFill>
+                  <a:schemeClr val="tx1"/>
+                </a:solidFill>
+                <a:latin typeface="Arial" pitchFamily="34" charset="0"/>
+                <a:cs typeface="Arial" pitchFamily="34" charset="0"/>
+              </a:rPr>
+              <a:t>[1]. </a:t>
+            </a:r>
+            <a:r>
+              <a:rPr lang="en-US" sz="1600">
+                <a:solidFill>
+                  <a:schemeClr val="tx1"/>
+                </a:solidFill>
+                <a:latin typeface="Arial" pitchFamily="34" charset="0"/>
+                <a:cs typeface="Arial" pitchFamily="34" charset="0"/>
+                <a:hlinkClick r:id="rId2"/>
+              </a:rPr>
+              <a:t>https://www.strategy-business.com/blog/Why-Companies-Need-to-Build-a-Skills-Inventory</a:t>
+            </a:r>
+            <a:endParaRPr lang="en-US" sz="1600">
+              <a:solidFill>
+                <a:schemeClr val="tx1"/>
+              </a:solidFill>
+              <a:latin typeface="Arial" pitchFamily="34" charset="0"/>
+              <a:cs typeface="Arial" pitchFamily="34" charset="0"/>
+            </a:endParaRPr>
+          </a:p>
+          <a:p>
+            <a:pPr>
+              <a:buFont typeface="Wingdings" pitchFamily="2" charset="2"/>
+              <a:buChar char="ü"/>
+            </a:pPr>
+            <a:r>
+              <a:rPr lang="en-US" sz="1600">
+                <a:solidFill>
+                  <a:schemeClr val="tx1"/>
+                </a:solidFill>
+                <a:latin typeface="Arial" pitchFamily="34" charset="0"/>
+                <a:cs typeface="Arial" pitchFamily="34" charset="0"/>
+              </a:rPr>
+              <a:t>[2]. </a:t>
+            </a:r>
+            <a:r>
+              <a:rPr lang="en-US" sz="1600">
+                <a:solidFill>
+                  <a:schemeClr val="tx1"/>
+                </a:solidFill>
+                <a:latin typeface="Arial" pitchFamily="34" charset="0"/>
+                <a:cs typeface="Arial" pitchFamily="34" charset="0"/>
+                <a:hlinkClick r:id="rId3"/>
+              </a:rPr>
+              <a:t>https://www.vogella.com/tutorials/DependencyInjection/article.html</a:t>
+            </a:r>
+            <a:endParaRPr lang="en-US" sz="1600">
+              <a:solidFill>
+                <a:schemeClr val="tx1"/>
+              </a:solidFill>
+              <a:latin typeface="Arial" pitchFamily="34" charset="0"/>
+              <a:cs typeface="Arial" pitchFamily="34" charset="0"/>
+            </a:endParaRPr>
+          </a:p>
+          <a:p>
+            <a:pPr>
+              <a:buFont typeface="Wingdings" pitchFamily="2" charset="2"/>
+              <a:buChar char="ü"/>
+            </a:pPr>
+            <a:r>
+              <a:rPr lang="en-US" sz="1600">
+                <a:solidFill>
+                  <a:schemeClr val="tx1"/>
+                </a:solidFill>
+                <a:latin typeface="Arial" pitchFamily="34" charset="0"/>
+                <a:cs typeface="Arial" pitchFamily="34" charset="0"/>
+              </a:rPr>
+              <a:t>[3]. </a:t>
+            </a:r>
+            <a:r>
+              <a:rPr lang="en-US" sz="1600">
+                <a:solidFill>
+                  <a:schemeClr val="tx1"/>
+                </a:solidFill>
+                <a:latin typeface="Arial" pitchFamily="34" charset="0"/>
+                <a:cs typeface="Arial" pitchFamily="34" charset="0"/>
+                <a:hlinkClick r:id="rId4"/>
+              </a:rPr>
+              <a:t>https://docs.spring.io/spring/docs/5.1.7.RELEASE/spring-framework-reference/</a:t>
+            </a:r>
+            <a:endParaRPr lang="en-US" sz="1600">
+              <a:solidFill>
+                <a:schemeClr val="tx1"/>
+              </a:solidFill>
+              <a:latin typeface="Arial" pitchFamily="34" charset="0"/>
+              <a:cs typeface="Arial" pitchFamily="34" charset="0"/>
+            </a:endParaRPr>
+          </a:p>
+          <a:p>
+            <a:pPr>
+              <a:buFont typeface="Wingdings" pitchFamily="2" charset="2"/>
+              <a:buChar char="ü"/>
+            </a:pPr>
+            <a:r>
+              <a:rPr lang="en-US" sz="1600">
+                <a:solidFill>
+                  <a:schemeClr val="tx1"/>
+                </a:solidFill>
+                <a:latin typeface="Arial" pitchFamily="34" charset="0"/>
+                <a:cs typeface="Arial" pitchFamily="34" charset="0"/>
+              </a:rPr>
+              <a:t>[4]. </a:t>
+            </a:r>
+            <a:r>
+              <a:rPr lang="en-US" sz="1600">
+                <a:solidFill>
+                  <a:schemeClr val="tx1"/>
+                </a:solidFill>
+                <a:latin typeface="Arial" pitchFamily="34" charset="0"/>
+                <a:cs typeface="Arial" pitchFamily="34" charset="0"/>
+                <a:hlinkClick r:id="rId5"/>
+              </a:rPr>
+              <a:t>https://docs.spring.io/spring-boot/docs/2.1.3.RELEASE/reference/htmlsingle/</a:t>
+            </a:r>
+            <a:endParaRPr lang="en-US" sz="1600">
+              <a:solidFill>
+                <a:schemeClr val="tx1"/>
+              </a:solidFill>
+              <a:latin typeface="Arial" pitchFamily="34" charset="0"/>
+              <a:cs typeface="Arial" pitchFamily="34" charset="0"/>
+            </a:endParaRPr>
+          </a:p>
+          <a:p>
+            <a:pPr>
+              <a:buFont typeface="Wingdings" pitchFamily="2" charset="2"/>
+              <a:buChar char="ü"/>
+            </a:pPr>
+            <a:r>
+              <a:rPr lang="en-US" sz="1600">
+                <a:solidFill>
+                  <a:schemeClr val="tx1"/>
+                </a:solidFill>
+                <a:latin typeface="Arial" pitchFamily="34" charset="0"/>
+                <a:cs typeface="Arial" pitchFamily="34" charset="0"/>
+              </a:rPr>
+              <a:t>[5]. Felipe Gutierrez. Pro Spring Boot. Apress, </a:t>
+            </a:r>
+            <a:r>
+              <a:rPr lang="en-US" sz="1600" smtClean="0">
+                <a:solidFill>
+                  <a:schemeClr val="tx1"/>
+                </a:solidFill>
+                <a:latin typeface="Arial" pitchFamily="34" charset="0"/>
+                <a:cs typeface="Arial" pitchFamily="34" charset="0"/>
+              </a:rPr>
+              <a:t>2016 </a:t>
+            </a:r>
+            <a:r>
+              <a:rPr lang="en-US" sz="1600" smtClean="0"/>
+              <a:t>(</a:t>
+            </a:r>
+            <a:r>
+              <a:rPr lang="en-US" sz="1600"/>
+              <a:t>Page </a:t>
+            </a:r>
+            <a:r>
+              <a:rPr lang="en-US" sz="1600" smtClean="0"/>
+              <a:t>1, page 13).</a:t>
+            </a:r>
+            <a:endParaRPr lang="en-US" sz="1600">
+              <a:solidFill>
+                <a:schemeClr val="tx1"/>
+              </a:solidFill>
+              <a:latin typeface="Arial" pitchFamily="34" charset="0"/>
+              <a:cs typeface="Arial" pitchFamily="34" charset="0"/>
+            </a:endParaRPr>
+          </a:p>
+          <a:p>
+            <a:pPr>
+              <a:buFont typeface="Wingdings" pitchFamily="2" charset="2"/>
+              <a:buChar char="ü"/>
+            </a:pPr>
+            <a:r>
+              <a:rPr lang="en-US" sz="1600">
+                <a:solidFill>
+                  <a:schemeClr val="tx1"/>
+                </a:solidFill>
+                <a:latin typeface="Arial" pitchFamily="34" charset="0"/>
+                <a:cs typeface="Arial" pitchFamily="34" charset="0"/>
+              </a:rPr>
+              <a:t>[6]. </a:t>
+            </a:r>
+            <a:r>
+              <a:rPr lang="en-US" sz="1600">
+                <a:solidFill>
+                  <a:schemeClr val="tx1"/>
+                </a:solidFill>
+                <a:latin typeface="Arial" pitchFamily="34" charset="0"/>
+                <a:cs typeface="Arial" pitchFamily="34" charset="0"/>
+                <a:hlinkClick r:id="rId6"/>
+              </a:rPr>
+              <a:t>https://angular.io/docs</a:t>
+            </a:r>
+            <a:endParaRPr lang="en-US" sz="1600">
+              <a:solidFill>
+                <a:schemeClr val="tx1"/>
+              </a:solidFill>
+              <a:latin typeface="Arial" pitchFamily="34" charset="0"/>
+              <a:cs typeface="Arial" pitchFamily="34" charset="0"/>
+            </a:endParaRPr>
+          </a:p>
+          <a:p>
+            <a:pPr>
+              <a:buFont typeface="Wingdings" pitchFamily="2" charset="2"/>
+              <a:buChar char="ü"/>
+            </a:pPr>
+            <a:r>
+              <a:rPr lang="en-US" sz="1600">
+                <a:solidFill>
+                  <a:schemeClr val="tx1"/>
+                </a:solidFill>
+                <a:latin typeface="Arial" pitchFamily="34" charset="0"/>
+                <a:cs typeface="Arial" pitchFamily="34" charset="0"/>
+              </a:rPr>
+              <a:t>[7]. </a:t>
+            </a:r>
+            <a:r>
+              <a:rPr lang="en-US" sz="1600" smtClean="0">
+                <a:solidFill>
+                  <a:schemeClr val="tx1"/>
+                </a:solidFill>
+                <a:latin typeface="Arial" pitchFamily="34" charset="0"/>
+                <a:cs typeface="Arial" pitchFamily="34" charset="0"/>
+                <a:hlinkClick r:id="rId7"/>
+              </a:rPr>
+              <a:t>https://</a:t>
+            </a:r>
+            <a:r>
+              <a:rPr lang="en-US" sz="1600">
+                <a:solidFill>
+                  <a:schemeClr val="tx1"/>
+                </a:solidFill>
+                <a:latin typeface="Arial" pitchFamily="34" charset="0"/>
+                <a:cs typeface="Arial" pitchFamily="34" charset="0"/>
+                <a:hlinkClick r:id="rId7"/>
+              </a:rPr>
+              <a:t>reactjs.org/docs/thinking-in-react.html</a:t>
+            </a:r>
+            <a:endParaRPr lang="en-US" sz="1600">
+              <a:solidFill>
+                <a:schemeClr val="tx1"/>
+              </a:solidFill>
+              <a:latin typeface="Arial" pitchFamily="34" charset="0"/>
+              <a:cs typeface="Arial" pitchFamily="34" charset="0"/>
+            </a:endParaRPr>
+          </a:p>
+          <a:p>
+            <a:pPr>
+              <a:buFont typeface="Wingdings" pitchFamily="2" charset="2"/>
+              <a:buChar char="ü"/>
+            </a:pPr>
+            <a:r>
+              <a:rPr lang="en-US" sz="1600">
+                <a:solidFill>
+                  <a:schemeClr val="tx1"/>
+                </a:solidFill>
+                <a:latin typeface="Arial" pitchFamily="34" charset="0"/>
+                <a:cs typeface="Arial" pitchFamily="34" charset="0"/>
+              </a:rPr>
+              <a:t>[8]. </a:t>
+            </a:r>
+            <a:r>
+              <a:rPr lang="en-US" sz="1600">
+                <a:solidFill>
+                  <a:schemeClr val="tx1"/>
+                </a:solidFill>
+                <a:latin typeface="Arial" pitchFamily="34" charset="0"/>
+                <a:cs typeface="Arial" pitchFamily="34" charset="0"/>
+                <a:hlinkClick r:id="rId8"/>
+              </a:rPr>
+              <a:t>https://reactjs.org/docs/components-and-props.html</a:t>
+            </a:r>
+            <a:endParaRPr lang="en-US" sz="1600">
+              <a:solidFill>
+                <a:schemeClr val="tx1"/>
+              </a:solidFill>
+              <a:latin typeface="Arial" pitchFamily="34" charset="0"/>
+              <a:cs typeface="Arial" pitchFamily="34" charset="0"/>
+            </a:endParaRPr>
+          </a:p>
+          <a:p>
+            <a:pPr>
+              <a:buFont typeface="Wingdings" pitchFamily="2" charset="2"/>
+              <a:buChar char="ü"/>
+            </a:pPr>
+            <a:r>
+              <a:rPr lang="en-US" sz="1600">
+                <a:solidFill>
+                  <a:schemeClr val="tx1"/>
+                </a:solidFill>
+                <a:latin typeface="Arial" pitchFamily="34" charset="0"/>
+                <a:cs typeface="Arial" pitchFamily="34" charset="0"/>
+              </a:rPr>
+              <a:t>[9]. </a:t>
+            </a:r>
+            <a:r>
+              <a:rPr lang="en-US" sz="1600">
+                <a:solidFill>
+                  <a:schemeClr val="tx1"/>
+                </a:solidFill>
+                <a:latin typeface="Arial" pitchFamily="34" charset="0"/>
+                <a:cs typeface="Arial" pitchFamily="34" charset="0"/>
+                <a:hlinkClick r:id="rId9"/>
+              </a:rPr>
+              <a:t>https://api.jquery.com/category/core/</a:t>
+            </a:r>
+            <a:r>
+              <a:rPr lang="en-US" sz="1600">
+                <a:solidFill>
+                  <a:schemeClr val="tx1"/>
+                </a:solidFill>
+                <a:latin typeface="Arial" pitchFamily="34" charset="0"/>
+                <a:cs typeface="Arial" pitchFamily="34" charset="0"/>
+              </a:rPr>
+              <a:t> </a:t>
+            </a:r>
+          </a:p>
+          <a:p>
+            <a:pPr>
+              <a:buFont typeface="Wingdings" pitchFamily="2" charset="2"/>
+              <a:buChar char="ü"/>
+            </a:pPr>
+            <a:r>
+              <a:rPr lang="en-US" sz="1600">
+                <a:solidFill>
+                  <a:schemeClr val="tx1"/>
+                </a:solidFill>
+                <a:latin typeface="Arial" pitchFamily="34" charset="0"/>
+                <a:cs typeface="Arial" pitchFamily="34" charset="0"/>
+              </a:rPr>
+              <a:t>[10]. </a:t>
+            </a:r>
+            <a:r>
+              <a:rPr lang="en-US" sz="1600">
+                <a:solidFill>
+                  <a:schemeClr val="tx1"/>
+                </a:solidFill>
+                <a:latin typeface="Arial" pitchFamily="34" charset="0"/>
+                <a:cs typeface="Arial" pitchFamily="34" charset="0"/>
+                <a:hlinkClick r:id="rId10"/>
+              </a:rPr>
+              <a:t>https://dev.mysql.com/doc/workbench/en/</a:t>
+            </a:r>
+            <a:endParaRPr lang="en-US" sz="1600">
+              <a:solidFill>
+                <a:schemeClr val="tx1"/>
+              </a:solidFill>
+              <a:latin typeface="Arial" pitchFamily="34" charset="0"/>
+              <a:cs typeface="Arial" pitchFamily="34" charset="0"/>
+            </a:endParaRPr>
+          </a:p>
+          <a:p>
+            <a:pPr>
+              <a:buFont typeface="Wingdings" pitchFamily="2" charset="2"/>
+              <a:buChar char="ü"/>
+            </a:pPr>
+            <a:r>
+              <a:rPr lang="en-US" sz="1600">
+                <a:solidFill>
+                  <a:schemeClr val="tx1"/>
+                </a:solidFill>
+                <a:latin typeface="Arial" pitchFamily="34" charset="0"/>
+                <a:cs typeface="Arial" pitchFamily="34" charset="0"/>
+              </a:rPr>
+              <a:t>[11]. </a:t>
+            </a:r>
+            <a:r>
+              <a:rPr lang="en-US" sz="1600">
+                <a:solidFill>
+                  <a:schemeClr val="tx1"/>
+                </a:solidFill>
+                <a:latin typeface="Arial" pitchFamily="34" charset="0"/>
+                <a:cs typeface="Arial" pitchFamily="34" charset="0"/>
+                <a:hlinkClick r:id="rId11"/>
+              </a:rPr>
+              <a:t>http://maven.apache.org/index.html</a:t>
+            </a:r>
+            <a:r>
+              <a:rPr lang="en-US" sz="1600">
+                <a:solidFill>
+                  <a:schemeClr val="tx1"/>
+                </a:solidFill>
+                <a:latin typeface="Arial" pitchFamily="34" charset="0"/>
+                <a:cs typeface="Arial" pitchFamily="34" charset="0"/>
+              </a:rPr>
+              <a:t> </a:t>
+            </a:r>
+          </a:p>
+          <a:p>
+            <a:pPr>
+              <a:buFont typeface="Wingdings" pitchFamily="2" charset="2"/>
+              <a:buChar char="ü"/>
+            </a:pPr>
+            <a:r>
+              <a:rPr lang="en-US" sz="1600">
+                <a:solidFill>
+                  <a:schemeClr val="tx1"/>
+                </a:solidFill>
+                <a:latin typeface="Arial" pitchFamily="34" charset="0"/>
+                <a:cs typeface="Arial" pitchFamily="34" charset="0"/>
+              </a:rPr>
+              <a:t>[12]. </a:t>
+            </a:r>
+            <a:r>
+              <a:rPr lang="en-US" sz="1600">
+                <a:solidFill>
+                  <a:schemeClr val="tx1"/>
+                </a:solidFill>
+                <a:latin typeface="Arial" pitchFamily="34" charset="0"/>
+                <a:cs typeface="Arial" pitchFamily="34" charset="0"/>
+                <a:hlinkClick r:id="rId12"/>
+              </a:rPr>
+              <a:t>https://docs.gradle.org/current/userguide/migrating_from_maven.html</a:t>
+            </a:r>
+            <a:endParaRPr lang="vi-VN" sz="1600" smtClean="0">
+              <a:solidFill>
+                <a:schemeClr val="tx1"/>
+              </a:solidFill>
+              <a:latin typeface="Arial" pitchFamily="34" charset="0"/>
+              <a:cs typeface="Arial" pitchFamily="34" charset="0"/>
+            </a:endParaRPr>
+          </a:p>
+        </p:txBody>
+      </p:sp>
+      <p:sp>
+        <p:nvSpPr>
+          <p:cNvPr id="4" name="Slide Number Placeholder 3"/>
+          <p:cNvSpPr>
+            <a:spLocks noGrp="1"/>
+          </p:cNvSpPr>
+          <p:nvPr>
+            <p:ph type="sldNum" sz="quarter" idx="12"/>
+          </p:nvPr>
+        </p:nvSpPr>
+        <p:spPr/>
+        <p:txBody>
+          <a:bodyPr/>
+          <a:lstStyle/>
+          <a:p>
+            <a:fld id="{3905339D-DD04-4120-AA77-8BCC40DA1522}" type="slidenum">
+              <a:rPr lang="en-US" smtClean="0"/>
+              <a:pPr/>
+              <a:t>19</a:t>
+            </a:fld>
+            <a:endParaRPr lang="en-US"/>
+          </a:p>
+        </p:txBody>
+      </p:sp>
+    </p:spTree>
+    <p:extLst>
+      <p:ext uri="{BB962C8B-B14F-4D97-AF65-F5344CB8AC3E}">
+        <p14:creationId xmlns:p14="http://schemas.microsoft.com/office/powerpoint/2010/main" val="1959149156"/>
+      </p:ext>
+    </p:extLst>
+  </p:cSld>
+  <p:clrMapOvr>
+    <a:masterClrMapping/>
+  </p:clrMapOvr>
+  <p:timing>
+    <p:tnLst>
+      <p:par>
+        <p:cTn id="1" dur="indefinite" restart="never" nodeType="tmRoot"/>
+      </p:par>
+    </p:tnLst>
+  </p:timing>
+</p:sld>
+</file>
+
 <file path=ppt/slides/slide2.xml><?xml version="1.0" encoding="utf-8"?>
 <p:sld xmlns:a="http://schemas.openxmlformats.org/drawingml/2006/main" xmlns:r="http://schemas.openxmlformats.org/officeDocument/2006/relationships" xmlns:p="http://schemas.openxmlformats.org/presentationml/2006/main">
   <p:cSld>
@@ -9691,8 +10138,8 @@
         </p:nvSpPr>
         <p:spPr>
           <a:xfrm>
-            <a:off x="721812" y="1229231"/>
-            <a:ext cx="10095978" cy="4981850"/>
+            <a:off x="690430" y="1317033"/>
+            <a:ext cx="9657022" cy="5337696"/>
           </a:xfrm>
         </p:spPr>
         <p:txBody>
@@ -9743,20 +10190,14 @@
                 <a:latin typeface="Arial" panose="020B0604020202020204" pitchFamily="34" charset="0"/>
                 <a:cs typeface="Arial" panose="020B0604020202020204" pitchFamily="34" charset="0"/>
               </a:rPr>
-              <a:t>Quá trình hiện thực</a:t>
-            </a:r>
-          </a:p>
-          <a:p>
-            <a:pPr marL="457200" indent="-457200">
-              <a:buFont typeface="+mj-lt"/>
-              <a:buAutoNum type="arabicPeriod"/>
-            </a:pPr>
+              <a:t>Phân </a:t>
+            </a:r>
             <a:r>
               <a:rPr lang="en-US" sz="2200" smtClean="0">
                 <a:latin typeface="Arial" panose="020B0604020202020204" pitchFamily="34" charset="0"/>
                 <a:cs typeface="Arial" panose="020B0604020202020204" pitchFamily="34" charset="0"/>
               </a:rPr>
-              <a:t>Phân tích, thiết </a:t>
+              <a:t>tích, thiết </a:t>
             </a:r>
             <a:r>
               <a:rPr lang="en-US" sz="2200" err="1" smtClean="0">
@@ -9905,1164 +10346,6 @@
             <p:ph type="title"/>
           </p:nvPr>
         </p:nvSpPr>
-        <p:spPr>
-          <a:xfrm>
-            <a:off x="584201" y="162560"/>
-            <a:ext cx="7414626" cy="1232747"/>
-          </a:xfrm>
-        </p:spPr>
-        <p:txBody>
-          <a:bodyPr>
-            <a:normAutofit/>
-          </a:bodyPr>
-          <a:lstStyle/>
-          <a:p>
-            <a:r>
-              <a:rPr lang="en-US" sz="4000">
-                <a:latin typeface="Times New Roman" pitchFamily="18" charset="0"/>
-                <a:cs typeface="Times New Roman" pitchFamily="18" charset="0"/>
-              </a:rPr>
-              <a:t>6</a:t>
-            </a:r>
-            <a:r>
-              <a:rPr lang="en-US" sz="4000" smtClean="0">
-                <a:latin typeface="Times New Roman" pitchFamily="18" charset="0"/>
-                <a:cs typeface="Times New Roman" pitchFamily="18" charset="0"/>
-              </a:rPr>
-              <a:t>. </a:t>
-            </a:r>
-            <a:r>
-              <a:rPr lang="en-US" sz="4000" smtClean="0">
-                <a:latin typeface="Times New Roman" pitchFamily="18" charset="0"/>
-                <a:cs typeface="Times New Roman" pitchFamily="18" charset="0"/>
-              </a:rPr>
-              <a:t>Kết luận – Hướng phát triển</a:t>
-            </a:r>
-            <a:endParaRPr lang="en-US" sz="4000">
-              <a:latin typeface="Times New Roman" pitchFamily="18" charset="0"/>
-              <a:cs typeface="Times New Roman" pitchFamily="18" charset="0"/>
-            </a:endParaRPr>
-          </a:p>
-        </p:txBody>
-      </p:sp>
-      <p:sp>
-        <p:nvSpPr>
-          <p:cNvPr id="4" name="Slide Number Placeholder 3"/>
-          <p:cNvSpPr>
-            <a:spLocks noGrp="1"/>
-          </p:cNvSpPr>
-          <p:nvPr>
-            <p:ph type="sldNum" sz="quarter" idx="12"/>
-          </p:nvPr>
-        </p:nvSpPr>
-        <p:spPr/>
-        <p:txBody>
-          <a:bodyPr/>
-          <a:lstStyle/>
-          <a:p>
-            <a:fld id="{3905339D-DD04-4120-AA77-8BCC40DA1522}" type="slidenum">
-              <a:rPr lang="en-US" smtClean="0"/>
-              <a:pPr/>
-              <a:t>20</a:t>
-            </a:fld>
-            <a:endParaRPr lang="en-US"/>
-          </a:p>
-        </p:txBody>
-      </p:sp>
-      <p:sp>
-        <p:nvSpPr>
-          <p:cNvPr id="3" name="Content Placeholder 2"/>
-          <p:cNvSpPr>
-            <a:spLocks noGrp="1"/>
-          </p:cNvSpPr>
-          <p:nvPr>
-            <p:ph idx="1"/>
-          </p:nvPr>
-        </p:nvSpPr>
-        <p:spPr>
-          <a:xfrm>
-            <a:off x="558801" y="784650"/>
-            <a:ext cx="8051799" cy="4879550"/>
-          </a:xfrm>
-        </p:spPr>
-        <p:txBody>
-          <a:bodyPr>
-            <a:noAutofit/>
-          </a:bodyPr>
-          <a:lstStyle/>
-          <a:p>
-            <a:pPr>
-              <a:buFont typeface="Wingdings" pitchFamily="2" charset="2"/>
-              <a:buChar char="Ø"/>
-            </a:pPr>
-            <a:r>
-              <a:rPr lang="en-US" sz="2200">
-                <a:latin typeface="Times New Roman" pitchFamily="18" charset="0"/>
-                <a:cs typeface="Times New Roman" pitchFamily="18" charset="0"/>
-              </a:rPr>
-              <a:t>Trong khoảng thời gian thực tập và làm khóa luận tốt nghiệp tại công ty FPT Software từ ngày 14/01/2019 đến 30/5/2019, nhóm có tìm hiểu và tự học hỏi một số kỹ năng như: phương pháp lấy yêu cầu từ khách hàng, phân bố thời gian công việc phù hợp,  báo cáo công việc làm được hàng ngày, giải quyết tình huống khi gặp vấn đề. Ngoài ra nhóm còn áp dụng được quy tắc khi lập trình trong dự án, quy trình deploy sản phẩm lên máy chủ.</a:t>
-            </a:r>
-          </a:p>
-          <a:p>
-            <a:pPr>
-              <a:buFont typeface="Wingdings" pitchFamily="2" charset="2"/>
-              <a:buChar char="Ø"/>
-            </a:pPr>
-            <a:r>
-              <a:rPr lang="en-US" sz="2200">
-                <a:latin typeface="Times New Roman" pitchFamily="18" charset="0"/>
-                <a:cs typeface="Times New Roman" pitchFamily="18" charset="0"/>
-              </a:rPr>
-              <a:t>Được trải nghiệm với dự án thực tế, môi trường phát triển phần mềm chuyên nghiệp. Hiện thực hoàn tất các chức năng cho hệ thống quản lý kỹ năng của nhân viên với các chức năng</a:t>
-            </a:r>
-            <a:r>
-              <a:rPr lang="en-US" sz="2200" smtClean="0">
-                <a:latin typeface="Times New Roman" pitchFamily="18" charset="0"/>
-                <a:cs typeface="Times New Roman" pitchFamily="18" charset="0"/>
-              </a:rPr>
-              <a:t>:</a:t>
-            </a:r>
-          </a:p>
-          <a:p>
-            <a:pPr lvl="1">
-              <a:buFont typeface="Wingdings" pitchFamily="2" charset="2"/>
-              <a:buChar char="ü"/>
-            </a:pPr>
-            <a:r>
-              <a:rPr lang="en-US" sz="2200">
-                <a:latin typeface="Times New Roman" pitchFamily="18" charset="0"/>
-                <a:cs typeface="Times New Roman" pitchFamily="18" charset="0"/>
-              </a:rPr>
-              <a:t>Chức năng dành cho nhân viên của công ty phần mềm FPT Software: nhân viên </a:t>
-            </a:r>
-            <a:r>
-              <a:rPr lang="en-US" sz="2200" smtClean="0">
-                <a:latin typeface="Times New Roman" pitchFamily="18" charset="0"/>
-                <a:cs typeface="Times New Roman" pitchFamily="18" charset="0"/>
-              </a:rPr>
-              <a:t>có </a:t>
-            </a:r>
-            <a:r>
-              <a:rPr lang="en-US" sz="2200">
-                <a:latin typeface="Times New Roman" pitchFamily="18" charset="0"/>
-                <a:cs typeface="Times New Roman" pitchFamily="18" charset="0"/>
-              </a:rPr>
-              <a:t>thể truy cập hệ thống thông qua CAS, quản lý các thông tin về thông tin cá nhân, trình độ ngoại ngữ, kỹ năng kỹ thuật, học vấn, chứng chỉ, kinh nghiệm làm việc.</a:t>
-            </a:r>
-          </a:p>
-          <a:p>
-            <a:pPr>
-              <a:buFont typeface="Wingdings" pitchFamily="2" charset="2"/>
-              <a:buChar char="Ø"/>
-            </a:pPr>
-            <a:endParaRPr lang="en-US" sz="2200">
-              <a:latin typeface="Times New Roman" pitchFamily="18" charset="0"/>
-              <a:cs typeface="Times New Roman" pitchFamily="18" charset="0"/>
-            </a:endParaRPr>
-          </a:p>
-        </p:txBody>
-      </p:sp>
-    </p:spTree>
-    <p:extLst>
-      <p:ext uri="{BB962C8B-B14F-4D97-AF65-F5344CB8AC3E}">
-        <p14:creationId xmlns:p14="http://schemas.microsoft.com/office/powerpoint/2010/main" val="1046854523"/>
-      </p:ext>
-    </p:extLst>
-  </p:cSld>
-  <p:clrMapOvr>
-    <a:masterClrMapping/>
-  </p:clrMapOvr>
-  <p:timing>
-    <p:tnLst>
-      <p:par>
-        <p:cTn id="1" dur="indefinite" restart="never" nodeType="tmRoot"/>
-      </p:par>
-    </p:tnLst>
-  </p:timing>
-</p:sld>
-</file>
-
-<file path=ppt/slides/slide21.xml><?xml version="1.0" encoding="utf-8"?>
-<p:sld xmlns:a="http://schemas.openxmlformats.org/drawingml/2006/main" xmlns:r="http://schemas.openxmlformats.org/officeDocument/2006/relationships" xmlns:p="http://schemas.openxmlformats.org/presentationml/2006/main">
-  <p:cSld>
-    <p:spTree>
-      <p:nvGrpSpPr>
-        <p:cNvPr id="1" name=""/>
-        <p:cNvGrpSpPr/>
-        <p:nvPr/>
-      </p:nvGrpSpPr>
-      <p:grpSpPr>
-        <a:xfrm>
-          <a:off x="0" y="0"/>
-          <a:ext cx="0" cy="0"/>
-          <a:chOff x="0" y="0"/>
-          <a:chExt cx="0" cy="0"/>
-        </a:xfrm>
-      </p:grpSpPr>
-      <p:sp>
-        <p:nvSpPr>
-          <p:cNvPr id="2" name="Title 1"/>
-          <p:cNvSpPr>
-            <a:spLocks noGrp="1"/>
-          </p:cNvSpPr>
-          <p:nvPr>
-            <p:ph type="title"/>
-          </p:nvPr>
-        </p:nvSpPr>
-        <p:spPr>
-          <a:xfrm>
-            <a:off x="584201" y="165100"/>
-            <a:ext cx="7414626" cy="1232747"/>
-          </a:xfrm>
-        </p:spPr>
-        <p:txBody>
-          <a:bodyPr>
-            <a:normAutofit/>
-          </a:bodyPr>
-          <a:lstStyle/>
-          <a:p>
-            <a:r>
-              <a:rPr lang="en-US" sz="4000">
-                <a:latin typeface="Times New Roman" pitchFamily="18" charset="0"/>
-                <a:cs typeface="Times New Roman" pitchFamily="18" charset="0"/>
-              </a:rPr>
-              <a:t>6</a:t>
-            </a:r>
-            <a:r>
-              <a:rPr lang="en-US" sz="4000" smtClean="0">
-                <a:latin typeface="Times New Roman" pitchFamily="18" charset="0"/>
-                <a:cs typeface="Times New Roman" pitchFamily="18" charset="0"/>
-              </a:rPr>
-              <a:t>. </a:t>
-            </a:r>
-            <a:r>
-              <a:rPr lang="en-US" sz="4000" smtClean="0">
-                <a:latin typeface="Times New Roman" pitchFamily="18" charset="0"/>
-                <a:cs typeface="Times New Roman" pitchFamily="18" charset="0"/>
-              </a:rPr>
-              <a:t>Kết luận – Hướng phát triển(tt)</a:t>
-            </a:r>
-            <a:endParaRPr lang="en-US" sz="4000">
-              <a:latin typeface="Times New Roman" pitchFamily="18" charset="0"/>
-              <a:cs typeface="Times New Roman" pitchFamily="18" charset="0"/>
-            </a:endParaRPr>
-          </a:p>
-        </p:txBody>
-      </p:sp>
-      <p:sp>
-        <p:nvSpPr>
-          <p:cNvPr id="4" name="Slide Number Placeholder 3"/>
-          <p:cNvSpPr>
-            <a:spLocks noGrp="1"/>
-          </p:cNvSpPr>
-          <p:nvPr>
-            <p:ph type="sldNum" sz="quarter" idx="12"/>
-          </p:nvPr>
-        </p:nvSpPr>
-        <p:spPr/>
-        <p:txBody>
-          <a:bodyPr/>
-          <a:lstStyle/>
-          <a:p>
-            <a:fld id="{3905339D-DD04-4120-AA77-8BCC40DA1522}" type="slidenum">
-              <a:rPr lang="en-US" smtClean="0"/>
-              <a:pPr/>
-              <a:t>21</a:t>
-            </a:fld>
-            <a:endParaRPr lang="en-US"/>
-          </a:p>
-        </p:txBody>
-      </p:sp>
-      <p:sp>
-        <p:nvSpPr>
-          <p:cNvPr id="3" name="Content Placeholder 2"/>
-          <p:cNvSpPr>
-            <a:spLocks noGrp="1"/>
-          </p:cNvSpPr>
-          <p:nvPr>
-            <p:ph idx="1"/>
-          </p:nvPr>
-        </p:nvSpPr>
-        <p:spPr>
-          <a:xfrm>
-            <a:off x="520701" y="873550"/>
-            <a:ext cx="7886699" cy="5044650"/>
-          </a:xfrm>
-        </p:spPr>
-        <p:txBody>
-          <a:bodyPr>
-            <a:noAutofit/>
-          </a:bodyPr>
-          <a:lstStyle/>
-          <a:p>
-            <a:pPr lvl="1">
-              <a:buFont typeface="Wingdings" pitchFamily="2" charset="2"/>
-              <a:buChar char="ü"/>
-            </a:pPr>
-            <a:r>
-              <a:rPr lang="en-US" sz="2200" smtClean="0">
-                <a:latin typeface="Times New Roman" pitchFamily="18" charset="0"/>
-                <a:cs typeface="Times New Roman" pitchFamily="18" charset="0"/>
-              </a:rPr>
-              <a:t>Chức </a:t>
-            </a:r>
-            <a:r>
-              <a:rPr lang="en-US" sz="2200">
-                <a:latin typeface="Times New Roman" pitchFamily="18" charset="0"/>
-                <a:cs typeface="Times New Roman" pitchFamily="18" charset="0"/>
-              </a:rPr>
-              <a:t>năng dành cho nhân viên quản lý nhân sự của công ty phần mềm FPT Software: quản lý thông tin trong hồ sơ của tất cả nhân viên trong công ty (thêm, xóa có điều kiện và sửa các thông tin trong hồ sơ), duyệt trạng thái hồ sơ của các nhân viên, thống kê các thông số về nhân viên, tìm kiếm nhân viên theo tiêu chí. Xem lịch sử cập nhật của toàn bộ hồ sơ nhân viên trong hệ thống.</a:t>
-            </a:r>
-          </a:p>
-          <a:p>
-            <a:pPr lvl="1">
-              <a:buFont typeface="Wingdings" pitchFamily="2" charset="2"/>
-              <a:buChar char="ü"/>
-            </a:pPr>
-            <a:r>
-              <a:rPr lang="en-US" sz="2200">
-                <a:latin typeface="Times New Roman" pitchFamily="18" charset="0"/>
-                <a:cs typeface="Times New Roman" pitchFamily="18" charset="0"/>
-              </a:rPr>
-              <a:t>Chức năng dành cho nhân viên quản lý dự án: quản lý thông tin các dự án mà nhân viên quản lý dự án tạo ra (thêm, cập nhật thông tin các dự án), tìm ứng viên phù hợp với dự án thông qua gợi ý của hệ thống.</a:t>
-            </a:r>
-          </a:p>
-          <a:p>
-            <a:pPr lvl="1">
-              <a:buFont typeface="Wingdings" pitchFamily="2" charset="2"/>
-              <a:buChar char="ü"/>
-            </a:pPr>
-            <a:r>
-              <a:rPr lang="en-US" sz="2200">
-                <a:latin typeface="Times New Roman" pitchFamily="18" charset="0"/>
-                <a:cs typeface="Times New Roman" pitchFamily="18" charset="0"/>
-              </a:rPr>
-              <a:t>Ngoài ra, hệ thống còn có dịch vụ tự động kiểm tra ngày kết thúc vị trí trong dự án của công ty với ngày hiện tại, và cập nhật thông tin kinh nghiệm làm việc của nhân viên.</a:t>
-            </a:r>
-          </a:p>
-          <a:p>
-            <a:pPr>
-              <a:buFont typeface="Wingdings" pitchFamily="2" charset="2"/>
-              <a:buChar char="Ø"/>
-            </a:pPr>
-            <a:endParaRPr lang="en-US" sz="2200">
-              <a:latin typeface="Times New Roman" pitchFamily="18" charset="0"/>
-              <a:cs typeface="Times New Roman" pitchFamily="18" charset="0"/>
-            </a:endParaRPr>
-          </a:p>
-        </p:txBody>
-      </p:sp>
-    </p:spTree>
-    <p:extLst>
-      <p:ext uri="{BB962C8B-B14F-4D97-AF65-F5344CB8AC3E}">
-        <p14:creationId xmlns:p14="http://schemas.microsoft.com/office/powerpoint/2010/main" val="2181876837"/>
-      </p:ext>
-    </p:extLst>
-  </p:cSld>
-  <p:clrMapOvr>
-    <a:masterClrMapping/>
-  </p:clrMapOvr>
-  <p:timing>
-    <p:tnLst>
-      <p:par>
-        <p:cTn id="1" dur="indefinite" restart="never" nodeType="tmRoot"/>
-      </p:par>
-    </p:tnLst>
-  </p:timing>
-</p:sld>
-</file>
-
-<file path=ppt/slides/slide22.xml><?xml version="1.0" encoding="utf-8"?>
-<p:sld xmlns:a="http://schemas.openxmlformats.org/drawingml/2006/main" xmlns:r="http://schemas.openxmlformats.org/officeDocument/2006/relationships" xmlns:p="http://schemas.openxmlformats.org/presentationml/2006/main">
-  <p:cSld>
-    <p:spTree>
-      <p:nvGrpSpPr>
-        <p:cNvPr id="1" name=""/>
-        <p:cNvGrpSpPr/>
-        <p:nvPr/>
-      </p:nvGrpSpPr>
-      <p:grpSpPr>
-        <a:xfrm>
-          <a:off x="0" y="0"/>
-          <a:ext cx="0" cy="0"/>
-          <a:chOff x="0" y="0"/>
-          <a:chExt cx="0" cy="0"/>
-        </a:xfrm>
-      </p:grpSpPr>
-      <p:sp>
-        <p:nvSpPr>
-          <p:cNvPr id="2" name="Title 1"/>
-          <p:cNvSpPr>
-            <a:spLocks noGrp="1"/>
-          </p:cNvSpPr>
-          <p:nvPr>
-            <p:ph type="title"/>
-          </p:nvPr>
-        </p:nvSpPr>
-        <p:spPr>
-          <a:xfrm>
-            <a:off x="596901" y="139700"/>
-            <a:ext cx="7414626" cy="1232747"/>
-          </a:xfrm>
-        </p:spPr>
-        <p:txBody>
-          <a:bodyPr>
-            <a:normAutofit/>
-          </a:bodyPr>
-          <a:lstStyle/>
-          <a:p>
-            <a:r>
-              <a:rPr lang="en-US" sz="4000">
-                <a:latin typeface="Times New Roman" pitchFamily="18" charset="0"/>
-                <a:cs typeface="Times New Roman" pitchFamily="18" charset="0"/>
-              </a:rPr>
-              <a:t>6</a:t>
-            </a:r>
-            <a:r>
-              <a:rPr lang="en-US" sz="4000" smtClean="0">
-                <a:latin typeface="Times New Roman" pitchFamily="18" charset="0"/>
-                <a:cs typeface="Times New Roman" pitchFamily="18" charset="0"/>
-              </a:rPr>
-              <a:t>. </a:t>
-            </a:r>
-            <a:r>
-              <a:rPr lang="en-US" sz="4000" smtClean="0">
-                <a:latin typeface="Times New Roman" pitchFamily="18" charset="0"/>
-                <a:cs typeface="Times New Roman" pitchFamily="18" charset="0"/>
-              </a:rPr>
-              <a:t>Kết luận – Hướng phát triển(tt)</a:t>
-            </a:r>
-            <a:endParaRPr lang="en-US" sz="4000">
-              <a:latin typeface="Times New Roman" pitchFamily="18" charset="0"/>
-              <a:cs typeface="Times New Roman" pitchFamily="18" charset="0"/>
-            </a:endParaRPr>
-          </a:p>
-        </p:txBody>
-      </p:sp>
-      <p:sp>
-        <p:nvSpPr>
-          <p:cNvPr id="4" name="Slide Number Placeholder 3"/>
-          <p:cNvSpPr>
-            <a:spLocks noGrp="1"/>
-          </p:cNvSpPr>
-          <p:nvPr>
-            <p:ph type="sldNum" sz="quarter" idx="12"/>
-          </p:nvPr>
-        </p:nvSpPr>
-        <p:spPr/>
-        <p:txBody>
-          <a:bodyPr/>
-          <a:lstStyle/>
-          <a:p>
-            <a:fld id="{3905339D-DD04-4120-AA77-8BCC40DA1522}" type="slidenum">
-              <a:rPr lang="en-US" smtClean="0"/>
-              <a:pPr/>
-              <a:t>22</a:t>
-            </a:fld>
-            <a:endParaRPr lang="en-US"/>
-          </a:p>
-        </p:txBody>
-      </p:sp>
-      <p:sp>
-        <p:nvSpPr>
-          <p:cNvPr id="3" name="Content Placeholder 2"/>
-          <p:cNvSpPr>
-            <a:spLocks noGrp="1"/>
-          </p:cNvSpPr>
-          <p:nvPr>
-            <p:ph idx="1"/>
-          </p:nvPr>
-        </p:nvSpPr>
-        <p:spPr>
-          <a:xfrm>
-            <a:off x="520701" y="873550"/>
-            <a:ext cx="7886699" cy="5044650"/>
-          </a:xfrm>
-        </p:spPr>
-        <p:txBody>
-          <a:bodyPr>
-            <a:noAutofit/>
-          </a:bodyPr>
-          <a:lstStyle/>
-          <a:p>
-            <a:pPr>
-              <a:buFont typeface="Wingdings" pitchFamily="2" charset="2"/>
-              <a:buChar char="Ø"/>
-            </a:pPr>
-            <a:r>
-              <a:rPr lang="en-US" sz="2200" smtClean="0">
-                <a:latin typeface="Times New Roman" pitchFamily="18" charset="0"/>
-                <a:cs typeface="Times New Roman" pitchFamily="18" charset="0"/>
-              </a:rPr>
-              <a:t>Hướng phát triển:</a:t>
-            </a:r>
-          </a:p>
-          <a:p>
-            <a:pPr lvl="1">
-              <a:buFont typeface="Wingdings" pitchFamily="2" charset="2"/>
-              <a:buChar char="ü"/>
-            </a:pPr>
-            <a:r>
-              <a:rPr lang="en-US" sz="2200">
-                <a:latin typeface="Times New Roman" pitchFamily="18" charset="0"/>
-                <a:cs typeface="Times New Roman" pitchFamily="18" charset="0"/>
-              </a:rPr>
-              <a:t>Phát triển chức năng theo dõi quá trình thay đổi </a:t>
-            </a:r>
-            <a:r>
-              <a:rPr lang="en-US" sz="2200" smtClean="0">
-                <a:latin typeface="Times New Roman" pitchFamily="18" charset="0"/>
-                <a:cs typeface="Times New Roman" pitchFamily="18" charset="0"/>
-              </a:rPr>
-              <a:t>hồ sơ </a:t>
-            </a:r>
-            <a:r>
-              <a:rPr lang="en-US" sz="2200">
-                <a:latin typeface="Times New Roman" pitchFamily="18" charset="0"/>
-                <a:cs typeface="Times New Roman" pitchFamily="18" charset="0"/>
-              </a:rPr>
-              <a:t>của nhân viên hàng tháng.</a:t>
-            </a:r>
-          </a:p>
-          <a:p>
-            <a:pPr lvl="1">
-              <a:buFont typeface="Wingdings" pitchFamily="2" charset="2"/>
-              <a:buChar char="ü"/>
-            </a:pPr>
-            <a:r>
-              <a:rPr lang="en-US" sz="2200">
-                <a:latin typeface="Times New Roman" pitchFamily="18" charset="0"/>
-                <a:cs typeface="Times New Roman" pitchFamily="18" charset="0"/>
-              </a:rPr>
-              <a:t>Phát triển chức năng upload file hồ sơ vào hệ thống.</a:t>
-            </a:r>
-          </a:p>
-          <a:p>
-            <a:pPr lvl="1">
-              <a:buFont typeface="Wingdings" pitchFamily="2" charset="2"/>
-              <a:buChar char="ü"/>
-            </a:pPr>
-            <a:r>
-              <a:rPr lang="en-US" sz="2200">
-                <a:latin typeface="Times New Roman" pitchFamily="18" charset="0"/>
-                <a:cs typeface="Times New Roman" pitchFamily="18" charset="0"/>
-              </a:rPr>
-              <a:t>Phát triển hệ thống tự động gửi mail nhắc nhở.</a:t>
-            </a:r>
-          </a:p>
-          <a:p>
-            <a:pPr lvl="1">
-              <a:buFont typeface="Wingdings" pitchFamily="2" charset="2"/>
-              <a:buChar char="ü"/>
-            </a:pPr>
-            <a:r>
-              <a:rPr lang="en-US" sz="2200">
-                <a:latin typeface="Times New Roman" pitchFamily="18" charset="0"/>
-                <a:cs typeface="Times New Roman" pitchFamily="18" charset="0"/>
-              </a:rPr>
-              <a:t>Nâng cấp thuật toán gợi ý tìm kiếm.</a:t>
-            </a:r>
-          </a:p>
-          <a:p>
-            <a:pPr lvl="1">
-              <a:buFont typeface="Wingdings" pitchFamily="2" charset="2"/>
-              <a:buChar char="ü"/>
-            </a:pPr>
-            <a:r>
-              <a:rPr lang="en-US" sz="2200">
-                <a:latin typeface="Times New Roman" pitchFamily="18" charset="0"/>
-                <a:cs typeface="Times New Roman" pitchFamily="18" charset="0"/>
-              </a:rPr>
-              <a:t>Nâng cấp giao diện nhập liệu bằng bảng </a:t>
-            </a:r>
-            <a:r>
-              <a:rPr lang="en-US" sz="2200" smtClean="0">
-                <a:latin typeface="Times New Roman" pitchFamily="18" charset="0"/>
-                <a:cs typeface="Times New Roman" pitchFamily="18" charset="0"/>
-              </a:rPr>
-              <a:t>tính.</a:t>
-            </a:r>
-            <a:endParaRPr lang="en-US" sz="2200">
-              <a:latin typeface="Times New Roman" pitchFamily="18" charset="0"/>
-              <a:cs typeface="Times New Roman" pitchFamily="18" charset="0"/>
-            </a:endParaRPr>
-          </a:p>
-        </p:txBody>
-      </p:sp>
-    </p:spTree>
-    <p:extLst>
-      <p:ext uri="{BB962C8B-B14F-4D97-AF65-F5344CB8AC3E}">
-        <p14:creationId xmlns:p14="http://schemas.microsoft.com/office/powerpoint/2010/main" val="2342197221"/>
-      </p:ext>
-    </p:extLst>
-  </p:cSld>
-  <p:clrMapOvr>
-    <a:masterClrMapping/>
-  </p:clrMapOvr>
-  <p:timing>
-    <p:tnLst>
-      <p:par>
-        <p:cTn id="1" dur="indefinite" restart="never" nodeType="tmRoot"/>
-      </p:par>
-    </p:tnLst>
-  </p:timing>
-</p:sld>
-</file>
-
-<file path=ppt/slides/slide23.xml><?xml version="1.0" encoding="utf-8"?>
-<p:sld xmlns:a="http://schemas.openxmlformats.org/drawingml/2006/main" xmlns:r="http://schemas.openxmlformats.org/officeDocument/2006/relationships" xmlns:p="http://schemas.openxmlformats.org/presentationml/2006/main">
-  <p:cSld>
-    <p:spTree>
-      <p:nvGrpSpPr>
-        <p:cNvPr id="1" name=""/>
-        <p:cNvGrpSpPr/>
-        <p:nvPr/>
-      </p:nvGrpSpPr>
-      <p:grpSpPr>
-        <a:xfrm>
-          <a:off x="0" y="0"/>
-          <a:ext cx="0" cy="0"/>
-          <a:chOff x="0" y="0"/>
-          <a:chExt cx="0" cy="0"/>
-        </a:xfrm>
-      </p:grpSpPr>
-      <p:sp>
-        <p:nvSpPr>
-          <p:cNvPr id="2" name="Title 1"/>
-          <p:cNvSpPr>
-            <a:spLocks noGrp="1"/>
-          </p:cNvSpPr>
-          <p:nvPr>
-            <p:ph type="title"/>
-          </p:nvPr>
-        </p:nvSpPr>
-        <p:spPr>
-          <a:xfrm>
-            <a:off x="584201" y="0"/>
-            <a:ext cx="7414626" cy="1232747"/>
-          </a:xfrm>
-        </p:spPr>
-        <p:txBody>
-          <a:bodyPr>
-            <a:normAutofit/>
-          </a:bodyPr>
-          <a:lstStyle/>
-          <a:p>
-            <a:r>
-              <a:rPr lang="en-US" sz="4000" smtClean="0">
-                <a:latin typeface="Times New Roman" pitchFamily="18" charset="0"/>
-                <a:cs typeface="Times New Roman" pitchFamily="18" charset="0"/>
-              </a:rPr>
-              <a:t>Tài liệu tham khảo</a:t>
-            </a:r>
-            <a:endParaRPr lang="en-US" sz="4000">
-              <a:latin typeface="Times New Roman" pitchFamily="18" charset="0"/>
-              <a:cs typeface="Times New Roman" pitchFamily="18" charset="0"/>
-            </a:endParaRPr>
-          </a:p>
-        </p:txBody>
-      </p:sp>
-      <p:sp>
-        <p:nvSpPr>
-          <p:cNvPr id="3" name="Content Placeholder 2"/>
-          <p:cNvSpPr>
-            <a:spLocks noGrp="1"/>
-          </p:cNvSpPr>
-          <p:nvPr>
-            <p:ph idx="1"/>
-          </p:nvPr>
-        </p:nvSpPr>
-        <p:spPr>
-          <a:xfrm>
-            <a:off x="683655" y="962001"/>
-            <a:ext cx="7830354" cy="5438799"/>
-          </a:xfrm>
-        </p:spPr>
-        <p:txBody>
-          <a:bodyPr>
-            <a:noAutofit/>
-          </a:bodyPr>
-          <a:lstStyle/>
-          <a:p>
-            <a:pPr>
-              <a:buFont typeface="Wingdings" pitchFamily="2" charset="2"/>
-              <a:buChar char="ü"/>
-            </a:pPr>
-            <a:r>
-              <a:rPr lang="en-US" sz="1600">
-                <a:solidFill>
-                  <a:schemeClr val="tx1"/>
-                </a:solidFill>
-                <a:latin typeface="Arial" pitchFamily="34" charset="0"/>
-                <a:cs typeface="Arial" pitchFamily="34" charset="0"/>
-              </a:rPr>
-              <a:t>[1]. </a:t>
-            </a:r>
-            <a:r>
-              <a:rPr lang="en-US" sz="1600">
-                <a:solidFill>
-                  <a:schemeClr val="tx1"/>
-                </a:solidFill>
-                <a:latin typeface="Arial" pitchFamily="34" charset="0"/>
-                <a:cs typeface="Arial" pitchFamily="34" charset="0"/>
-                <a:hlinkClick r:id="rId2"/>
-              </a:rPr>
-              <a:t>https://www.strategy-business.com/blog/Why-Companies-Need-to-Build-a-Skills-Inventory</a:t>
-            </a:r>
-            <a:endParaRPr lang="en-US" sz="1600">
-              <a:solidFill>
-                <a:schemeClr val="tx1"/>
-              </a:solidFill>
-              <a:latin typeface="Arial" pitchFamily="34" charset="0"/>
-              <a:cs typeface="Arial" pitchFamily="34" charset="0"/>
-            </a:endParaRPr>
-          </a:p>
-          <a:p>
-            <a:pPr>
-              <a:buFont typeface="Wingdings" pitchFamily="2" charset="2"/>
-              <a:buChar char="ü"/>
-            </a:pPr>
-            <a:r>
-              <a:rPr lang="en-US" sz="1600">
-                <a:solidFill>
-                  <a:schemeClr val="tx1"/>
-                </a:solidFill>
-                <a:latin typeface="Arial" pitchFamily="34" charset="0"/>
-                <a:cs typeface="Arial" pitchFamily="34" charset="0"/>
-              </a:rPr>
-              <a:t>[2]. </a:t>
-            </a:r>
-            <a:r>
-              <a:rPr lang="en-US" sz="1600">
-                <a:solidFill>
-                  <a:schemeClr val="tx1"/>
-                </a:solidFill>
-                <a:latin typeface="Arial" pitchFamily="34" charset="0"/>
-                <a:cs typeface="Arial" pitchFamily="34" charset="0"/>
-                <a:hlinkClick r:id="rId3"/>
-              </a:rPr>
-              <a:t>https://www.vogella.com/tutorials/DependencyInjection/article.html</a:t>
-            </a:r>
-            <a:endParaRPr lang="en-US" sz="1600">
-              <a:solidFill>
-                <a:schemeClr val="tx1"/>
-              </a:solidFill>
-              <a:latin typeface="Arial" pitchFamily="34" charset="0"/>
-              <a:cs typeface="Arial" pitchFamily="34" charset="0"/>
-            </a:endParaRPr>
-          </a:p>
-          <a:p>
-            <a:pPr>
-              <a:buFont typeface="Wingdings" pitchFamily="2" charset="2"/>
-              <a:buChar char="ü"/>
-            </a:pPr>
-            <a:r>
-              <a:rPr lang="en-US" sz="1600">
-                <a:solidFill>
-                  <a:schemeClr val="tx1"/>
-                </a:solidFill>
-                <a:latin typeface="Arial" pitchFamily="34" charset="0"/>
-                <a:cs typeface="Arial" pitchFamily="34" charset="0"/>
-              </a:rPr>
-              <a:t>[3]. </a:t>
-            </a:r>
-            <a:r>
-              <a:rPr lang="en-US" sz="1600">
-                <a:solidFill>
-                  <a:schemeClr val="tx1"/>
-                </a:solidFill>
-                <a:latin typeface="Arial" pitchFamily="34" charset="0"/>
-                <a:cs typeface="Arial" pitchFamily="34" charset="0"/>
-                <a:hlinkClick r:id="rId4"/>
-              </a:rPr>
-              <a:t>https://docs.spring.io/spring/docs/5.1.7.RELEASE/spring-framework-reference/</a:t>
-            </a:r>
-            <a:endParaRPr lang="en-US" sz="1600">
-              <a:solidFill>
-                <a:schemeClr val="tx1"/>
-              </a:solidFill>
-              <a:latin typeface="Arial" pitchFamily="34" charset="0"/>
-              <a:cs typeface="Arial" pitchFamily="34" charset="0"/>
-            </a:endParaRPr>
-          </a:p>
-          <a:p>
-            <a:pPr>
-              <a:buFont typeface="Wingdings" pitchFamily="2" charset="2"/>
-              <a:buChar char="ü"/>
-            </a:pPr>
-            <a:r>
-              <a:rPr lang="en-US" sz="1600">
-                <a:solidFill>
-                  <a:schemeClr val="tx1"/>
-                </a:solidFill>
-                <a:latin typeface="Arial" pitchFamily="34" charset="0"/>
-                <a:cs typeface="Arial" pitchFamily="34" charset="0"/>
-              </a:rPr>
-              <a:t>[4]. </a:t>
-            </a:r>
-            <a:r>
-              <a:rPr lang="en-US" sz="1600">
-                <a:solidFill>
-                  <a:schemeClr val="tx1"/>
-                </a:solidFill>
-                <a:latin typeface="Arial" pitchFamily="34" charset="0"/>
-                <a:cs typeface="Arial" pitchFamily="34" charset="0"/>
-                <a:hlinkClick r:id="rId5"/>
-              </a:rPr>
-              <a:t>https://docs.spring.io/spring-boot/docs/2.1.3.RELEASE/reference/htmlsingle/</a:t>
-            </a:r>
-            <a:endParaRPr lang="en-US" sz="1600">
-              <a:solidFill>
-                <a:schemeClr val="tx1"/>
-              </a:solidFill>
-              <a:latin typeface="Arial" pitchFamily="34" charset="0"/>
-              <a:cs typeface="Arial" pitchFamily="34" charset="0"/>
-            </a:endParaRPr>
-          </a:p>
-          <a:p>
-            <a:pPr>
-              <a:buFont typeface="Wingdings" pitchFamily="2" charset="2"/>
-              <a:buChar char="ü"/>
-            </a:pPr>
-            <a:r>
-              <a:rPr lang="en-US" sz="1600">
-                <a:solidFill>
-                  <a:schemeClr val="tx1"/>
-                </a:solidFill>
-                <a:latin typeface="Arial" pitchFamily="34" charset="0"/>
-                <a:cs typeface="Arial" pitchFamily="34" charset="0"/>
-              </a:rPr>
-              <a:t>[5]. Felipe Gutierrez. Pro Spring Boot. Apress, 2016.</a:t>
-            </a:r>
-          </a:p>
-          <a:p>
-            <a:pPr>
-              <a:buFont typeface="Wingdings" pitchFamily="2" charset="2"/>
-              <a:buChar char="ü"/>
-            </a:pPr>
-            <a:r>
-              <a:rPr lang="en-US" sz="1600">
-                <a:solidFill>
-                  <a:schemeClr val="tx1"/>
-                </a:solidFill>
-                <a:latin typeface="Arial" pitchFamily="34" charset="0"/>
-                <a:cs typeface="Arial" pitchFamily="34" charset="0"/>
-              </a:rPr>
-              <a:t>[6]. </a:t>
-            </a:r>
-            <a:r>
-              <a:rPr lang="en-US" sz="1600">
-                <a:solidFill>
-                  <a:schemeClr val="tx1"/>
-                </a:solidFill>
-                <a:latin typeface="Arial" pitchFamily="34" charset="0"/>
-                <a:cs typeface="Arial" pitchFamily="34" charset="0"/>
-                <a:hlinkClick r:id="rId6"/>
-              </a:rPr>
-              <a:t>https://angular.io/docs</a:t>
-            </a:r>
-            <a:endParaRPr lang="en-US" sz="1600">
-              <a:solidFill>
-                <a:schemeClr val="tx1"/>
-              </a:solidFill>
-              <a:latin typeface="Arial" pitchFamily="34" charset="0"/>
-              <a:cs typeface="Arial" pitchFamily="34" charset="0"/>
-            </a:endParaRPr>
-          </a:p>
-          <a:p>
-            <a:pPr>
-              <a:buFont typeface="Wingdings" pitchFamily="2" charset="2"/>
-              <a:buChar char="ü"/>
-            </a:pPr>
-            <a:r>
-              <a:rPr lang="en-US" sz="1600">
-                <a:solidFill>
-                  <a:schemeClr val="tx1"/>
-                </a:solidFill>
-                <a:latin typeface="Arial" pitchFamily="34" charset="0"/>
-                <a:cs typeface="Arial" pitchFamily="34" charset="0"/>
-              </a:rPr>
-              <a:t>[7]. </a:t>
-            </a:r>
-            <a:r>
-              <a:rPr lang="en-US" sz="1600" smtClean="0">
-                <a:solidFill>
-                  <a:schemeClr val="tx1"/>
-                </a:solidFill>
-                <a:latin typeface="Arial" pitchFamily="34" charset="0"/>
-                <a:cs typeface="Arial" pitchFamily="34" charset="0"/>
-                <a:hlinkClick r:id="rId7"/>
-              </a:rPr>
-              <a:t>https://</a:t>
-            </a:r>
-            <a:r>
-              <a:rPr lang="en-US" sz="1600">
-                <a:solidFill>
-                  <a:schemeClr val="tx1"/>
-                </a:solidFill>
-                <a:latin typeface="Arial" pitchFamily="34" charset="0"/>
-                <a:cs typeface="Arial" pitchFamily="34" charset="0"/>
-                <a:hlinkClick r:id="rId7"/>
-              </a:rPr>
-              <a:t>reactjs.org/docs/thinking-in-react.html</a:t>
-            </a:r>
-            <a:endParaRPr lang="en-US" sz="1600">
-              <a:solidFill>
-                <a:schemeClr val="tx1"/>
-              </a:solidFill>
-              <a:latin typeface="Arial" pitchFamily="34" charset="0"/>
-              <a:cs typeface="Arial" pitchFamily="34" charset="0"/>
-            </a:endParaRPr>
-          </a:p>
-          <a:p>
-            <a:pPr>
-              <a:buFont typeface="Wingdings" pitchFamily="2" charset="2"/>
-              <a:buChar char="ü"/>
-            </a:pPr>
-            <a:r>
-              <a:rPr lang="en-US" sz="1600">
-                <a:solidFill>
-                  <a:schemeClr val="tx1"/>
-                </a:solidFill>
-                <a:latin typeface="Arial" pitchFamily="34" charset="0"/>
-                <a:cs typeface="Arial" pitchFamily="34" charset="0"/>
-              </a:rPr>
-              <a:t>[8]. </a:t>
-            </a:r>
-            <a:r>
-              <a:rPr lang="en-US" sz="1600">
-                <a:solidFill>
-                  <a:schemeClr val="tx1"/>
-                </a:solidFill>
-                <a:latin typeface="Arial" pitchFamily="34" charset="0"/>
-                <a:cs typeface="Arial" pitchFamily="34" charset="0"/>
-                <a:hlinkClick r:id="rId8"/>
-              </a:rPr>
-              <a:t>https://reactjs.org/docs/components-and-props.html</a:t>
-            </a:r>
-            <a:endParaRPr lang="en-US" sz="1600">
-              <a:solidFill>
-                <a:schemeClr val="tx1"/>
-              </a:solidFill>
-              <a:latin typeface="Arial" pitchFamily="34" charset="0"/>
-              <a:cs typeface="Arial" pitchFamily="34" charset="0"/>
-            </a:endParaRPr>
-          </a:p>
-          <a:p>
-            <a:pPr>
-              <a:buFont typeface="Wingdings" pitchFamily="2" charset="2"/>
-              <a:buChar char="ü"/>
-            </a:pPr>
-            <a:r>
-              <a:rPr lang="en-US" sz="1600">
-                <a:solidFill>
-                  <a:schemeClr val="tx1"/>
-                </a:solidFill>
-                <a:latin typeface="Arial" pitchFamily="34" charset="0"/>
-                <a:cs typeface="Arial" pitchFamily="34" charset="0"/>
-              </a:rPr>
-              <a:t>[9]. </a:t>
-            </a:r>
-            <a:r>
-              <a:rPr lang="en-US" sz="1600">
-                <a:solidFill>
-                  <a:schemeClr val="tx1"/>
-                </a:solidFill>
-                <a:latin typeface="Arial" pitchFamily="34" charset="0"/>
-                <a:cs typeface="Arial" pitchFamily="34" charset="0"/>
-                <a:hlinkClick r:id="rId9"/>
-              </a:rPr>
-              <a:t>https://api.jquery.com/category/core/</a:t>
-            </a:r>
-            <a:r>
-              <a:rPr lang="en-US" sz="1600">
-                <a:solidFill>
-                  <a:schemeClr val="tx1"/>
-                </a:solidFill>
-                <a:latin typeface="Arial" pitchFamily="34" charset="0"/>
-                <a:cs typeface="Arial" pitchFamily="34" charset="0"/>
-              </a:rPr>
-              <a:t> </a:t>
-            </a:r>
-          </a:p>
-          <a:p>
-            <a:pPr>
-              <a:buFont typeface="Wingdings" pitchFamily="2" charset="2"/>
-              <a:buChar char="ü"/>
-            </a:pPr>
-            <a:r>
-              <a:rPr lang="en-US" sz="1600">
-                <a:solidFill>
-                  <a:schemeClr val="tx1"/>
-                </a:solidFill>
-                <a:latin typeface="Arial" pitchFamily="34" charset="0"/>
-                <a:cs typeface="Arial" pitchFamily="34" charset="0"/>
-              </a:rPr>
-              <a:t>[10]. </a:t>
-            </a:r>
-            <a:r>
-              <a:rPr lang="en-US" sz="1600">
-                <a:solidFill>
-                  <a:schemeClr val="tx1"/>
-                </a:solidFill>
-                <a:latin typeface="Arial" pitchFamily="34" charset="0"/>
-                <a:cs typeface="Arial" pitchFamily="34" charset="0"/>
-                <a:hlinkClick r:id="rId10"/>
-              </a:rPr>
-              <a:t>https://dev.mysql.com/doc/workbench/en/</a:t>
-            </a:r>
-            <a:endParaRPr lang="en-US" sz="1600">
-              <a:solidFill>
-                <a:schemeClr val="tx1"/>
-              </a:solidFill>
-              <a:latin typeface="Arial" pitchFamily="34" charset="0"/>
-              <a:cs typeface="Arial" pitchFamily="34" charset="0"/>
-            </a:endParaRPr>
-          </a:p>
-          <a:p>
-            <a:pPr>
-              <a:buFont typeface="Wingdings" pitchFamily="2" charset="2"/>
-              <a:buChar char="ü"/>
-            </a:pPr>
-            <a:r>
-              <a:rPr lang="en-US" sz="1600">
-                <a:solidFill>
-                  <a:schemeClr val="tx1"/>
-                </a:solidFill>
-                <a:latin typeface="Arial" pitchFamily="34" charset="0"/>
-                <a:cs typeface="Arial" pitchFamily="34" charset="0"/>
-              </a:rPr>
-              <a:t>[11]. </a:t>
-            </a:r>
-            <a:r>
-              <a:rPr lang="en-US" sz="1600">
-                <a:solidFill>
-                  <a:schemeClr val="tx1"/>
-                </a:solidFill>
-                <a:latin typeface="Arial" pitchFamily="34" charset="0"/>
-                <a:cs typeface="Arial" pitchFamily="34" charset="0"/>
-                <a:hlinkClick r:id="rId11"/>
-              </a:rPr>
-              <a:t>http://maven.apache.org/index.html</a:t>
-            </a:r>
-            <a:r>
-              <a:rPr lang="en-US" sz="1600">
-                <a:solidFill>
-                  <a:schemeClr val="tx1"/>
-                </a:solidFill>
-                <a:latin typeface="Arial" pitchFamily="34" charset="0"/>
-                <a:cs typeface="Arial" pitchFamily="34" charset="0"/>
-              </a:rPr>
-              <a:t> </a:t>
-            </a:r>
-          </a:p>
-          <a:p>
-            <a:pPr>
-              <a:buFont typeface="Wingdings" pitchFamily="2" charset="2"/>
-              <a:buChar char="ü"/>
-            </a:pPr>
-            <a:r>
-              <a:rPr lang="en-US" sz="1600">
-                <a:solidFill>
-                  <a:schemeClr val="tx1"/>
-                </a:solidFill>
-                <a:latin typeface="Arial" pitchFamily="34" charset="0"/>
-                <a:cs typeface="Arial" pitchFamily="34" charset="0"/>
-              </a:rPr>
-              <a:t>[12]. </a:t>
-            </a:r>
-            <a:r>
-              <a:rPr lang="en-US" sz="1600">
-                <a:solidFill>
-                  <a:schemeClr val="tx1"/>
-                </a:solidFill>
-                <a:latin typeface="Arial" pitchFamily="34" charset="0"/>
-                <a:cs typeface="Arial" pitchFamily="34" charset="0"/>
-                <a:hlinkClick r:id="rId12"/>
-              </a:rPr>
-              <a:t>https://docs.gradle.org/current/userguide/migrating_from_maven.html</a:t>
-            </a:r>
-            <a:endParaRPr lang="vi-VN" sz="1600" smtClean="0">
-              <a:solidFill>
-                <a:schemeClr val="tx1"/>
-              </a:solidFill>
-              <a:latin typeface="Arial" pitchFamily="34" charset="0"/>
-              <a:cs typeface="Arial" pitchFamily="34" charset="0"/>
-            </a:endParaRPr>
-          </a:p>
-        </p:txBody>
-      </p:sp>
-      <p:sp>
-        <p:nvSpPr>
-          <p:cNvPr id="4" name="Slide Number Placeholder 3"/>
-          <p:cNvSpPr>
-            <a:spLocks noGrp="1"/>
-          </p:cNvSpPr>
-          <p:nvPr>
-            <p:ph type="sldNum" sz="quarter" idx="12"/>
-          </p:nvPr>
-        </p:nvSpPr>
-        <p:spPr/>
-        <p:txBody>
-          <a:bodyPr/>
-          <a:lstStyle/>
-          <a:p>
-            <a:fld id="{3905339D-DD04-4120-AA77-8BCC40DA1522}" type="slidenum">
-              <a:rPr lang="en-US" smtClean="0"/>
-              <a:pPr/>
-              <a:t>23</a:t>
-            </a:fld>
-            <a:endParaRPr lang="en-US"/>
-          </a:p>
-        </p:txBody>
-      </p:sp>
-    </p:spTree>
-    <p:extLst>
-      <p:ext uri="{BB962C8B-B14F-4D97-AF65-F5344CB8AC3E}">
-        <p14:creationId xmlns:p14="http://schemas.microsoft.com/office/powerpoint/2010/main" val="1959149156"/>
-      </p:ext>
-    </p:extLst>
-  </p:cSld>
-  <p:clrMapOvr>
-    <a:masterClrMapping/>
-  </p:clrMapOvr>
-  <p:timing>
-    <p:tnLst>
-      <p:par>
-        <p:cTn id="1" dur="indefinite" restart="never" nodeType="tmRoot"/>
-      </p:par>
-    </p:tnLst>
-  </p:timing>
-</p:sld>
-</file>
-
-<file path=ppt/slides/slide24.xml><?xml version="1.0" encoding="utf-8"?>
-<p:sld xmlns:a="http://schemas.openxmlformats.org/drawingml/2006/main" xmlns:r="http://schemas.openxmlformats.org/officeDocument/2006/relationships" xmlns:p="http://schemas.openxmlformats.org/presentationml/2006/main">
-  <p:cSld>
-    <p:spTree>
-      <p:nvGrpSpPr>
-        <p:cNvPr id="1" name=""/>
-        <p:cNvGrpSpPr/>
-        <p:nvPr/>
-      </p:nvGrpSpPr>
-      <p:grpSpPr>
-        <a:xfrm>
-          <a:off x="0" y="0"/>
-          <a:ext cx="0" cy="0"/>
-          <a:chOff x="0" y="0"/>
-          <a:chExt cx="0" cy="0"/>
-        </a:xfrm>
-      </p:grpSpPr>
-      <p:sp>
-        <p:nvSpPr>
-          <p:cNvPr id="2" name="Title 1"/>
-          <p:cNvSpPr>
-            <a:spLocks noGrp="1"/>
-          </p:cNvSpPr>
-          <p:nvPr>
-            <p:ph type="title"/>
-          </p:nvPr>
-        </p:nvSpPr>
         <p:spPr/>
         <p:txBody>
           <a:bodyPr/>
@@ -11240,7 +10523,7 @@
             <a:fld id="{3905339D-DD04-4120-AA77-8BCC40DA1522}" type="slidenum">
               <a:rPr lang="en-US" smtClean="0"/>
               <a:pPr/>
-              <a:t>24</a:t>
+              <a:t>20</a:t>
             </a:fld>
             <a:endParaRPr lang="en-US"/>
           </a:p>
@@ -11293,7 +10576,12 @@
             <p:ph type="title"/>
           </p:nvPr>
         </p:nvSpPr>
-        <p:spPr/>
+        <p:spPr>
+          <a:xfrm>
+            <a:off x="337129" y="235529"/>
+            <a:ext cx="7092251" cy="1320800"/>
+          </a:xfrm>
+        </p:spPr>
         <p:txBody>
           <a:bodyPr>
             <a:normAutofit/>
@@ -11340,8 +10628,8 @@
         </p:nvSpPr>
         <p:spPr>
           <a:xfrm>
-            <a:off x="444500" y="1185333"/>
-            <a:ext cx="7937499" cy="4803350"/>
+            <a:off x="110836" y="845128"/>
+            <a:ext cx="9615055" cy="5915890"/>
           </a:xfrm>
         </p:spPr>
         <p:txBody>
@@ -11359,1269 +10647,33 @@
                 <a:latin typeface="Times New Roman" pitchFamily="18" charset="0"/>
                 <a:cs typeface="Times New Roman" pitchFamily="18" charset="0"/>
               </a:rPr>
-              <a:t>Đối </a:t>
-            </a:r>
-            <a:r>
-              <a:rPr lang="en-US" sz="2200" err="1">
-                <a:latin typeface="Times New Roman" pitchFamily="18" charset="0"/>
-                <a:cs typeface="Times New Roman" pitchFamily="18" charset="0"/>
-              </a:rPr>
-              <a:t>với</a:t>
+              <a:t>Hiện nay, việc quản lý ứng dụng công nghệ thông tin có </a:t>
             </a:r>
             <a:r>
               <a:rPr lang="en-US" sz="2200">
                 <a:latin typeface="Times New Roman" pitchFamily="18" charset="0"/>
                 <a:cs typeface="Times New Roman" pitchFamily="18" charset="0"/>
               </a:rPr>
-              <a:t> </a:t>
-            </a:r>
-            <a:r>
-              <a:rPr lang="en-US" sz="2200" err="1" smtClean="0">
-                <a:latin typeface="Times New Roman" pitchFamily="18" charset="0"/>
-                <a:cs typeface="Times New Roman" pitchFamily="18" charset="0"/>
-              </a:rPr>
-              <a:t>các</a:t>
+              <a:t>ảnh hưởng tới nhiều ngành nghề khác nhau của xã hội, nhất là trong xã hội phát triển có sử dụng lượng tri thức cao. Áp dụng công nghệ thông tin thay thế cho các hình thức truyền thống mang lại nhiều lợi ích trong nhiều lĩnh vực của đời sống từ thương mại, giáo dục cho đến quản lý hành </a:t>
+            </a:r>
+            <a:r>
+              <a:rPr lang="en-US" sz="2200">
+                <a:latin typeface="Times New Roman" pitchFamily="18" charset="0"/>
+                <a:cs typeface="Times New Roman" pitchFamily="18" charset="0"/>
+              </a:rPr>
+              <a:t>chính</a:t>
             </a:r>
             <a:r>
               <a:rPr lang="en-US" sz="2200" smtClean="0">
                 <a:latin typeface="Times New Roman" pitchFamily="18" charset="0"/>
                 <a:cs typeface="Times New Roman" pitchFamily="18" charset="0"/>
               </a:rPr>
-              <a:t> </a:t>
-            </a:r>
-            <a:r>
-              <a:rPr lang="en-US" sz="2200" err="1">
-                <a:latin typeface="Times New Roman" pitchFamily="18" charset="0"/>
-                <a:cs typeface="Times New Roman" pitchFamily="18" charset="0"/>
-              </a:rPr>
-              <a:t>doanh</a:t>
-            </a:r>
-            <a:r>
-              <a:rPr lang="en-US" sz="2200">
-                <a:latin typeface="Times New Roman" pitchFamily="18" charset="0"/>
-                <a:cs typeface="Times New Roman" pitchFamily="18" charset="0"/>
-              </a:rPr>
-              <a:t> </a:t>
-            </a:r>
-            <a:r>
-              <a:rPr lang="en-US" sz="2200" err="1">
-                <a:latin typeface="Times New Roman" pitchFamily="18" charset="0"/>
-                <a:cs typeface="Times New Roman" pitchFamily="18" charset="0"/>
-              </a:rPr>
-              <a:t>nghiệp</a:t>
-            </a:r>
-            <a:r>
-              <a:rPr lang="en-US" sz="2200">
-                <a:latin typeface="Times New Roman" pitchFamily="18" charset="0"/>
-                <a:cs typeface="Times New Roman" pitchFamily="18" charset="0"/>
-              </a:rPr>
-              <a:t> </a:t>
-            </a:r>
-            <a:r>
-              <a:rPr lang="en-US" sz="2200" err="1">
-                <a:latin typeface="Times New Roman" pitchFamily="18" charset="0"/>
-                <a:cs typeface="Times New Roman" pitchFamily="18" charset="0"/>
-              </a:rPr>
-              <a:t>về</a:t>
-            </a:r>
-            <a:r>
-              <a:rPr lang="en-US" sz="2200">
-                <a:latin typeface="Times New Roman" pitchFamily="18" charset="0"/>
-                <a:cs typeface="Times New Roman" pitchFamily="18" charset="0"/>
-              </a:rPr>
-              <a:t> </a:t>
-            </a:r>
-            <a:r>
-              <a:rPr lang="en-US" sz="2200" err="1">
-                <a:latin typeface="Times New Roman" pitchFamily="18" charset="0"/>
-                <a:cs typeface="Times New Roman" pitchFamily="18" charset="0"/>
-              </a:rPr>
-              <a:t>lĩnh</a:t>
-            </a:r>
-            <a:r>
-              <a:rPr lang="en-US" sz="2200">
-                <a:latin typeface="Times New Roman" pitchFamily="18" charset="0"/>
-                <a:cs typeface="Times New Roman" pitchFamily="18" charset="0"/>
-              </a:rPr>
-              <a:t> </a:t>
-            </a:r>
-            <a:r>
-              <a:rPr lang="en-US" sz="2200" err="1">
-                <a:latin typeface="Times New Roman" pitchFamily="18" charset="0"/>
-                <a:cs typeface="Times New Roman" pitchFamily="18" charset="0"/>
-              </a:rPr>
-              <a:t>vực</a:t>
-            </a:r>
-            <a:r>
-              <a:rPr lang="en-US" sz="2200">
-                <a:latin typeface="Times New Roman" pitchFamily="18" charset="0"/>
-                <a:cs typeface="Times New Roman" pitchFamily="18" charset="0"/>
-              </a:rPr>
-              <a:t> </a:t>
-            </a:r>
-            <a:r>
-              <a:rPr lang="en-US" sz="2200" err="1">
-                <a:latin typeface="Times New Roman" pitchFamily="18" charset="0"/>
-                <a:cs typeface="Times New Roman" pitchFamily="18" charset="0"/>
-              </a:rPr>
-              <a:t>công</a:t>
-            </a:r>
-            <a:r>
-              <a:rPr lang="en-US" sz="2200">
-                <a:latin typeface="Times New Roman" pitchFamily="18" charset="0"/>
-                <a:cs typeface="Times New Roman" pitchFamily="18" charset="0"/>
-              </a:rPr>
-              <a:t> </a:t>
-            </a:r>
-            <a:r>
-              <a:rPr lang="en-US" sz="2200" err="1">
-                <a:latin typeface="Times New Roman" pitchFamily="18" charset="0"/>
-                <a:cs typeface="Times New Roman" pitchFamily="18" charset="0"/>
-              </a:rPr>
-              <a:t>nghệ</a:t>
-            </a:r>
-            <a:r>
-              <a:rPr lang="en-US" sz="2200">
-                <a:latin typeface="Times New Roman" pitchFamily="18" charset="0"/>
-                <a:cs typeface="Times New Roman" pitchFamily="18" charset="0"/>
-              </a:rPr>
-              <a:t> </a:t>
-            </a:r>
-            <a:r>
-              <a:rPr lang="en-US" sz="2200" err="1">
-                <a:latin typeface="Times New Roman" pitchFamily="18" charset="0"/>
-                <a:cs typeface="Times New Roman" pitchFamily="18" charset="0"/>
-              </a:rPr>
-              <a:t>thông</a:t>
-            </a:r>
-            <a:r>
-              <a:rPr lang="en-US" sz="2200">
-                <a:latin typeface="Times New Roman" pitchFamily="18" charset="0"/>
-                <a:cs typeface="Times New Roman" pitchFamily="18" charset="0"/>
-              </a:rPr>
-              <a:t> tin </a:t>
-            </a:r>
-            <a:r>
-              <a:rPr lang="en-US" sz="2200" err="1">
-                <a:latin typeface="Times New Roman" pitchFamily="18" charset="0"/>
-                <a:cs typeface="Times New Roman" pitchFamily="18" charset="0"/>
-              </a:rPr>
-              <a:t>nói</a:t>
-            </a:r>
-            <a:r>
-              <a:rPr lang="en-US" sz="2200">
-                <a:latin typeface="Times New Roman" pitchFamily="18" charset="0"/>
-                <a:cs typeface="Times New Roman" pitchFamily="18" charset="0"/>
-              </a:rPr>
-              <a:t> </a:t>
-            </a:r>
-            <a:r>
-              <a:rPr lang="en-US" sz="2200" err="1">
-                <a:latin typeface="Times New Roman" pitchFamily="18" charset="0"/>
-                <a:cs typeface="Times New Roman" pitchFamily="18" charset="0"/>
-              </a:rPr>
-              <a:t>chung</a:t>
-            </a:r>
-            <a:r>
-              <a:rPr lang="en-US" sz="2200">
-                <a:latin typeface="Times New Roman" pitchFamily="18" charset="0"/>
-                <a:cs typeface="Times New Roman" pitchFamily="18" charset="0"/>
-              </a:rPr>
-              <a:t> </a:t>
-            </a:r>
-            <a:r>
-              <a:rPr lang="en-US" sz="2200" err="1">
-                <a:latin typeface="Times New Roman" pitchFamily="18" charset="0"/>
-                <a:cs typeface="Times New Roman" pitchFamily="18" charset="0"/>
-              </a:rPr>
-              <a:t>và</a:t>
-            </a:r>
-            <a:r>
-              <a:rPr lang="en-US" sz="2200">
-                <a:latin typeface="Times New Roman" pitchFamily="18" charset="0"/>
-                <a:cs typeface="Times New Roman" pitchFamily="18" charset="0"/>
-              </a:rPr>
-              <a:t> </a:t>
-            </a:r>
-            <a:r>
-              <a:rPr lang="en-US" sz="2200" err="1">
-                <a:latin typeface="Times New Roman" pitchFamily="18" charset="0"/>
-                <a:cs typeface="Times New Roman" pitchFamily="18" charset="0"/>
-              </a:rPr>
-              <a:t>các</a:t>
-            </a:r>
-            <a:r>
-              <a:rPr lang="en-US" sz="2200">
-                <a:latin typeface="Times New Roman" pitchFamily="18" charset="0"/>
-                <a:cs typeface="Times New Roman" pitchFamily="18" charset="0"/>
-              </a:rPr>
-              <a:t> </a:t>
-            </a:r>
-            <a:r>
-              <a:rPr lang="en-US" sz="2200" err="1">
-                <a:latin typeface="Times New Roman" pitchFamily="18" charset="0"/>
-                <a:cs typeface="Times New Roman" pitchFamily="18" charset="0"/>
-              </a:rPr>
-              <a:t>doanh</a:t>
-            </a:r>
-            <a:r>
-              <a:rPr lang="en-US" sz="2200">
-                <a:latin typeface="Times New Roman" pitchFamily="18" charset="0"/>
-                <a:cs typeface="Times New Roman" pitchFamily="18" charset="0"/>
-              </a:rPr>
-              <a:t> </a:t>
-            </a:r>
-            <a:r>
-              <a:rPr lang="en-US" sz="2200" err="1">
-                <a:latin typeface="Times New Roman" pitchFamily="18" charset="0"/>
-                <a:cs typeface="Times New Roman" pitchFamily="18" charset="0"/>
-              </a:rPr>
-              <a:t>nghiệp</a:t>
-            </a:r>
-            <a:r>
-              <a:rPr lang="en-US" sz="2200">
-                <a:latin typeface="Times New Roman" pitchFamily="18" charset="0"/>
-                <a:cs typeface="Times New Roman" pitchFamily="18" charset="0"/>
-              </a:rPr>
-              <a:t> </a:t>
-            </a:r>
-            <a:r>
-              <a:rPr lang="en-US" sz="2200" err="1">
-                <a:latin typeface="Times New Roman" pitchFamily="18" charset="0"/>
-                <a:cs typeface="Times New Roman" pitchFamily="18" charset="0"/>
-              </a:rPr>
-              <a:t>về</a:t>
-            </a:r>
-            <a:r>
-              <a:rPr lang="en-US" sz="2200">
-                <a:latin typeface="Times New Roman" pitchFamily="18" charset="0"/>
-                <a:cs typeface="Times New Roman" pitchFamily="18" charset="0"/>
-              </a:rPr>
-              <a:t> </a:t>
-            </a:r>
-            <a:r>
-              <a:rPr lang="en-US" sz="2200" err="1">
-                <a:latin typeface="Times New Roman" pitchFamily="18" charset="0"/>
-                <a:cs typeface="Times New Roman" pitchFamily="18" charset="0"/>
-              </a:rPr>
-              <a:t>phần</a:t>
-            </a:r>
-            <a:r>
-              <a:rPr lang="en-US" sz="2200">
-                <a:latin typeface="Times New Roman" pitchFamily="18" charset="0"/>
-                <a:cs typeface="Times New Roman" pitchFamily="18" charset="0"/>
-              </a:rPr>
-              <a:t> </a:t>
-            </a:r>
-            <a:r>
-              <a:rPr lang="en-US" sz="2200" err="1">
-                <a:latin typeface="Times New Roman" pitchFamily="18" charset="0"/>
-                <a:cs typeface="Times New Roman" pitchFamily="18" charset="0"/>
-              </a:rPr>
-              <a:t>mềm</a:t>
-            </a:r>
-            <a:r>
-              <a:rPr lang="en-US" sz="2200">
-                <a:latin typeface="Times New Roman" pitchFamily="18" charset="0"/>
-                <a:cs typeface="Times New Roman" pitchFamily="18" charset="0"/>
-              </a:rPr>
-              <a:t> </a:t>
-            </a:r>
-            <a:r>
-              <a:rPr lang="en-US" sz="2200" err="1">
-                <a:latin typeface="Times New Roman" pitchFamily="18" charset="0"/>
-                <a:cs typeface="Times New Roman" pitchFamily="18" charset="0"/>
-              </a:rPr>
-              <a:t>nói</a:t>
-            </a:r>
-            <a:r>
-              <a:rPr lang="en-US" sz="2200">
-                <a:latin typeface="Times New Roman" pitchFamily="18" charset="0"/>
-                <a:cs typeface="Times New Roman" pitchFamily="18" charset="0"/>
-              </a:rPr>
-              <a:t> </a:t>
-            </a:r>
-            <a:r>
-              <a:rPr lang="en-US" sz="2200" err="1" smtClean="0">
-                <a:latin typeface="Times New Roman" pitchFamily="18" charset="0"/>
-                <a:cs typeface="Times New Roman" pitchFamily="18" charset="0"/>
-              </a:rPr>
-              <a:t>riêng</a:t>
-            </a:r>
-            <a:r>
-              <a:rPr lang="en-US" sz="2200" smtClean="0">
-                <a:latin typeface="Times New Roman" pitchFamily="18" charset="0"/>
-                <a:cs typeface="Times New Roman" pitchFamily="18" charset="0"/>
-              </a:rPr>
-              <a:t>, </a:t>
-            </a:r>
-            <a:r>
-              <a:rPr lang="en-US" sz="2200" err="1" smtClean="0">
-                <a:latin typeface="Times New Roman" pitchFamily="18" charset="0"/>
-                <a:cs typeface="Times New Roman" pitchFamily="18" charset="0"/>
-              </a:rPr>
-              <a:t>không</a:t>
-            </a:r>
-            <a:r>
-              <a:rPr lang="en-US" sz="2200" smtClean="0">
-                <a:latin typeface="Times New Roman" pitchFamily="18" charset="0"/>
-                <a:cs typeface="Times New Roman" pitchFamily="18" charset="0"/>
-              </a:rPr>
-              <a:t> </a:t>
-            </a:r>
-            <a:r>
-              <a:rPr lang="en-US" sz="2200" err="1">
-                <a:latin typeface="Times New Roman" pitchFamily="18" charset="0"/>
-                <a:cs typeface="Times New Roman" pitchFamily="18" charset="0"/>
-              </a:rPr>
-              <a:t>có</a:t>
-            </a:r>
-            <a:r>
-              <a:rPr lang="en-US" sz="2200">
-                <a:latin typeface="Times New Roman" pitchFamily="18" charset="0"/>
-                <a:cs typeface="Times New Roman" pitchFamily="18" charset="0"/>
-              </a:rPr>
-              <a:t> </a:t>
-            </a:r>
-            <a:r>
-              <a:rPr lang="en-US" sz="2200" err="1">
-                <a:latin typeface="Times New Roman" pitchFamily="18" charset="0"/>
-                <a:cs typeface="Times New Roman" pitchFamily="18" charset="0"/>
-              </a:rPr>
-              <a:t>hệ</a:t>
-            </a:r>
-            <a:r>
-              <a:rPr lang="en-US" sz="2200">
-                <a:latin typeface="Times New Roman" pitchFamily="18" charset="0"/>
-                <a:cs typeface="Times New Roman" pitchFamily="18" charset="0"/>
-              </a:rPr>
-              <a:t> </a:t>
-            </a:r>
-            <a:r>
-              <a:rPr lang="en-US" sz="2200" err="1">
-                <a:latin typeface="Times New Roman" pitchFamily="18" charset="0"/>
-                <a:cs typeface="Times New Roman" pitchFamily="18" charset="0"/>
-              </a:rPr>
-              <a:t>thống</a:t>
-            </a:r>
-            <a:r>
-              <a:rPr lang="en-US" sz="2200">
-                <a:latin typeface="Times New Roman" pitchFamily="18" charset="0"/>
-                <a:cs typeface="Times New Roman" pitchFamily="18" charset="0"/>
-              </a:rPr>
-              <a:t> </a:t>
-            </a:r>
-            <a:r>
-              <a:rPr lang="en-US" sz="2200" err="1">
-                <a:latin typeface="Times New Roman" pitchFamily="18" charset="0"/>
-                <a:cs typeface="Times New Roman" pitchFamily="18" charset="0"/>
-              </a:rPr>
-              <a:t>quản</a:t>
-            </a:r>
-            <a:r>
-              <a:rPr lang="en-US" sz="2200">
-                <a:latin typeface="Times New Roman" pitchFamily="18" charset="0"/>
-                <a:cs typeface="Times New Roman" pitchFamily="18" charset="0"/>
-              </a:rPr>
-              <a:t> </a:t>
-            </a:r>
-            <a:r>
-              <a:rPr lang="en-US" sz="2200" err="1">
-                <a:latin typeface="Times New Roman" pitchFamily="18" charset="0"/>
-                <a:cs typeface="Times New Roman" pitchFamily="18" charset="0"/>
-              </a:rPr>
-              <a:t>lý</a:t>
-            </a:r>
-            <a:r>
-              <a:rPr lang="en-US" sz="2200">
-                <a:latin typeface="Times New Roman" pitchFamily="18" charset="0"/>
-                <a:cs typeface="Times New Roman" pitchFamily="18" charset="0"/>
-              </a:rPr>
-              <a:t> </a:t>
-            </a:r>
-            <a:r>
-              <a:rPr lang="en-US" sz="2200" err="1">
-                <a:latin typeface="Times New Roman" pitchFamily="18" charset="0"/>
-                <a:cs typeface="Times New Roman" pitchFamily="18" charset="0"/>
-              </a:rPr>
-              <a:t>nội</a:t>
-            </a:r>
-            <a:r>
-              <a:rPr lang="en-US" sz="2200">
-                <a:latin typeface="Times New Roman" pitchFamily="18" charset="0"/>
-                <a:cs typeface="Times New Roman" pitchFamily="18" charset="0"/>
-              </a:rPr>
-              <a:t> </a:t>
-            </a:r>
-            <a:r>
-              <a:rPr lang="en-US" sz="2200" err="1">
-                <a:latin typeface="Times New Roman" pitchFamily="18" charset="0"/>
-                <a:cs typeface="Times New Roman" pitchFamily="18" charset="0"/>
-              </a:rPr>
-              <a:t>bộ</a:t>
-            </a:r>
-            <a:r>
-              <a:rPr lang="en-US" sz="2200">
-                <a:latin typeface="Times New Roman" pitchFamily="18" charset="0"/>
-                <a:cs typeface="Times New Roman" pitchFamily="18" charset="0"/>
-              </a:rPr>
-              <a:t> </a:t>
-            </a:r>
-            <a:r>
-              <a:rPr lang="en-US" sz="2200" err="1">
-                <a:latin typeface="Times New Roman" pitchFamily="18" charset="0"/>
-                <a:cs typeface="Times New Roman" pitchFamily="18" charset="0"/>
-              </a:rPr>
-              <a:t>riêng</a:t>
-            </a:r>
-            <a:r>
-              <a:rPr lang="en-US" sz="2200">
-                <a:latin typeface="Times New Roman" pitchFamily="18" charset="0"/>
-                <a:cs typeface="Times New Roman" pitchFamily="18" charset="0"/>
-              </a:rPr>
-              <a:t>, </a:t>
-            </a:r>
-            <a:r>
-              <a:rPr lang="en-US" sz="2200" err="1">
-                <a:latin typeface="Times New Roman" pitchFamily="18" charset="0"/>
-                <a:cs typeface="Times New Roman" pitchFamily="18" charset="0"/>
-              </a:rPr>
-              <a:t>nhân</a:t>
-            </a:r>
-            <a:r>
-              <a:rPr lang="en-US" sz="2200">
-                <a:latin typeface="Times New Roman" pitchFamily="18" charset="0"/>
-                <a:cs typeface="Times New Roman" pitchFamily="18" charset="0"/>
-              </a:rPr>
-              <a:t> </a:t>
-            </a:r>
-            <a:r>
-              <a:rPr lang="en-US" sz="2200" err="1">
-                <a:latin typeface="Times New Roman" pitchFamily="18" charset="0"/>
-                <a:cs typeface="Times New Roman" pitchFamily="18" charset="0"/>
-              </a:rPr>
-              <a:t>viên</a:t>
-            </a:r>
-            <a:r>
-              <a:rPr lang="en-US" sz="2200">
-                <a:latin typeface="Times New Roman" pitchFamily="18" charset="0"/>
-                <a:cs typeface="Times New Roman" pitchFamily="18" charset="0"/>
-              </a:rPr>
-              <a:t> </a:t>
-            </a:r>
-            <a:r>
-              <a:rPr lang="en-US" sz="2200" err="1">
-                <a:latin typeface="Times New Roman" pitchFamily="18" charset="0"/>
-                <a:cs typeface="Times New Roman" pitchFamily="18" charset="0"/>
-              </a:rPr>
-              <a:t>quản</a:t>
-            </a:r>
-            <a:r>
-              <a:rPr lang="en-US" sz="2200">
-                <a:latin typeface="Times New Roman" pitchFamily="18" charset="0"/>
-                <a:cs typeface="Times New Roman" pitchFamily="18" charset="0"/>
-              </a:rPr>
-              <a:t> </a:t>
-            </a:r>
-            <a:r>
-              <a:rPr lang="en-US" sz="2200" err="1">
-                <a:latin typeface="Times New Roman" pitchFamily="18" charset="0"/>
-                <a:cs typeface="Times New Roman" pitchFamily="18" charset="0"/>
-              </a:rPr>
-              <a:t>lý</a:t>
-            </a:r>
-            <a:r>
-              <a:rPr lang="en-US" sz="2200">
-                <a:latin typeface="Times New Roman" pitchFamily="18" charset="0"/>
-                <a:cs typeface="Times New Roman" pitchFamily="18" charset="0"/>
-              </a:rPr>
-              <a:t> </a:t>
-            </a:r>
-            <a:r>
-              <a:rPr lang="en-US" sz="2200" err="1">
-                <a:latin typeface="Times New Roman" pitchFamily="18" charset="0"/>
-                <a:cs typeface="Times New Roman" pitchFamily="18" charset="0"/>
-              </a:rPr>
-              <a:t>dự</a:t>
-            </a:r>
-            <a:r>
-              <a:rPr lang="en-US" sz="2200">
-                <a:latin typeface="Times New Roman" pitchFamily="18" charset="0"/>
-                <a:cs typeface="Times New Roman" pitchFamily="18" charset="0"/>
-              </a:rPr>
-              <a:t> </a:t>
-            </a:r>
-            <a:r>
-              <a:rPr lang="en-US" sz="2200" err="1">
-                <a:latin typeface="Times New Roman" pitchFamily="18" charset="0"/>
-                <a:cs typeface="Times New Roman" pitchFamily="18" charset="0"/>
-              </a:rPr>
-              <a:t>án</a:t>
-            </a:r>
-            <a:r>
-              <a:rPr lang="en-US" sz="2200">
-                <a:latin typeface="Times New Roman" pitchFamily="18" charset="0"/>
-                <a:cs typeface="Times New Roman" pitchFamily="18" charset="0"/>
-              </a:rPr>
-              <a:t> hay </a:t>
-            </a:r>
-            <a:r>
-              <a:rPr lang="en-US" sz="2200" err="1">
-                <a:latin typeface="Times New Roman" pitchFamily="18" charset="0"/>
-                <a:cs typeface="Times New Roman" pitchFamily="18" charset="0"/>
-              </a:rPr>
-              <a:t>nhân</a:t>
-            </a:r>
-            <a:r>
-              <a:rPr lang="en-US" sz="2200">
-                <a:latin typeface="Times New Roman" pitchFamily="18" charset="0"/>
-                <a:cs typeface="Times New Roman" pitchFamily="18" charset="0"/>
-              </a:rPr>
-              <a:t> </a:t>
-            </a:r>
-            <a:r>
-              <a:rPr lang="en-US" sz="2200" err="1">
-                <a:latin typeface="Times New Roman" pitchFamily="18" charset="0"/>
-                <a:cs typeface="Times New Roman" pitchFamily="18" charset="0"/>
-              </a:rPr>
-              <a:t>viên</a:t>
-            </a:r>
-            <a:r>
-              <a:rPr lang="en-US" sz="2200">
-                <a:latin typeface="Times New Roman" pitchFamily="18" charset="0"/>
-                <a:cs typeface="Times New Roman" pitchFamily="18" charset="0"/>
-              </a:rPr>
-              <a:t> </a:t>
-            </a:r>
-            <a:r>
-              <a:rPr lang="en-US" sz="2200" err="1">
-                <a:latin typeface="Times New Roman" pitchFamily="18" charset="0"/>
-                <a:cs typeface="Times New Roman" pitchFamily="18" charset="0"/>
-              </a:rPr>
-              <a:t>nhân</a:t>
-            </a:r>
-            <a:r>
-              <a:rPr lang="en-US" sz="2200">
-                <a:latin typeface="Times New Roman" pitchFamily="18" charset="0"/>
-                <a:cs typeface="Times New Roman" pitchFamily="18" charset="0"/>
-              </a:rPr>
-              <a:t> </a:t>
-            </a:r>
-            <a:r>
-              <a:rPr lang="en-US" sz="2200" err="1">
-                <a:latin typeface="Times New Roman" pitchFamily="18" charset="0"/>
-                <a:cs typeface="Times New Roman" pitchFamily="18" charset="0"/>
-              </a:rPr>
-              <a:t>sự</a:t>
-            </a:r>
-            <a:r>
-              <a:rPr lang="en-US" sz="2200">
-                <a:latin typeface="Times New Roman" pitchFamily="18" charset="0"/>
-                <a:cs typeface="Times New Roman" pitchFamily="18" charset="0"/>
-              </a:rPr>
-              <a:t> </a:t>
-            </a:r>
-            <a:r>
-              <a:rPr lang="en-US" sz="2200" err="1">
-                <a:latin typeface="Times New Roman" pitchFamily="18" charset="0"/>
-                <a:cs typeface="Times New Roman" pitchFamily="18" charset="0"/>
-              </a:rPr>
-              <a:t>có</a:t>
-            </a:r>
-            <a:r>
-              <a:rPr lang="en-US" sz="2200">
-                <a:latin typeface="Times New Roman" pitchFamily="18" charset="0"/>
-                <a:cs typeface="Times New Roman" pitchFamily="18" charset="0"/>
-              </a:rPr>
-              <a:t> </a:t>
-            </a:r>
-            <a:r>
-              <a:rPr lang="en-US" sz="2200" err="1">
-                <a:latin typeface="Times New Roman" pitchFamily="18" charset="0"/>
-                <a:cs typeface="Times New Roman" pitchFamily="18" charset="0"/>
-              </a:rPr>
-              <a:t>thể</a:t>
-            </a:r>
-            <a:r>
-              <a:rPr lang="en-US" sz="2200">
-                <a:latin typeface="Times New Roman" pitchFamily="18" charset="0"/>
-                <a:cs typeface="Times New Roman" pitchFamily="18" charset="0"/>
-              </a:rPr>
-              <a:t> </a:t>
-            </a:r>
-            <a:r>
-              <a:rPr lang="en-US" sz="2200" err="1">
-                <a:latin typeface="Times New Roman" pitchFamily="18" charset="0"/>
-                <a:cs typeface="Times New Roman" pitchFamily="18" charset="0"/>
-              </a:rPr>
-              <a:t>phải</a:t>
-            </a:r>
-            <a:r>
-              <a:rPr lang="en-US" sz="2200">
-                <a:latin typeface="Times New Roman" pitchFamily="18" charset="0"/>
-                <a:cs typeface="Times New Roman" pitchFamily="18" charset="0"/>
-              </a:rPr>
-              <a:t> </a:t>
-            </a:r>
-            <a:r>
-              <a:rPr lang="en-US" sz="2200" err="1">
-                <a:latin typeface="Times New Roman" pitchFamily="18" charset="0"/>
-                <a:cs typeface="Times New Roman" pitchFamily="18" charset="0"/>
-              </a:rPr>
-              <a:t>trực</a:t>
-            </a:r>
-            <a:r>
-              <a:rPr lang="en-US" sz="2200">
-                <a:latin typeface="Times New Roman" pitchFamily="18" charset="0"/>
-                <a:cs typeface="Times New Roman" pitchFamily="18" charset="0"/>
-              </a:rPr>
-              <a:t> </a:t>
-            </a:r>
-            <a:r>
-              <a:rPr lang="en-US" sz="2200" err="1">
-                <a:latin typeface="Times New Roman" pitchFamily="18" charset="0"/>
-                <a:cs typeface="Times New Roman" pitchFamily="18" charset="0"/>
-              </a:rPr>
-              <a:t>tiếp</a:t>
-            </a:r>
-            <a:r>
-              <a:rPr lang="en-US" sz="2200">
-                <a:latin typeface="Times New Roman" pitchFamily="18" charset="0"/>
-                <a:cs typeface="Times New Roman" pitchFamily="18" charset="0"/>
-              </a:rPr>
-              <a:t> </a:t>
-            </a:r>
-            <a:r>
-              <a:rPr lang="en-US" sz="2200" err="1">
-                <a:latin typeface="Times New Roman" pitchFamily="18" charset="0"/>
-                <a:cs typeface="Times New Roman" pitchFamily="18" charset="0"/>
-              </a:rPr>
-              <a:t>đi</a:t>
-            </a:r>
-            <a:r>
-              <a:rPr lang="en-US" sz="2200">
-                <a:latin typeface="Times New Roman" pitchFamily="18" charset="0"/>
-                <a:cs typeface="Times New Roman" pitchFamily="18" charset="0"/>
-              </a:rPr>
-              <a:t> </a:t>
-            </a:r>
-            <a:r>
-              <a:rPr lang="en-US" sz="2200" err="1">
-                <a:latin typeface="Times New Roman" pitchFamily="18" charset="0"/>
-                <a:cs typeface="Times New Roman" pitchFamily="18" charset="0"/>
-              </a:rPr>
-              <a:t>đến</a:t>
-            </a:r>
-            <a:r>
-              <a:rPr lang="en-US" sz="2200">
-                <a:latin typeface="Times New Roman" pitchFamily="18" charset="0"/>
-                <a:cs typeface="Times New Roman" pitchFamily="18" charset="0"/>
-              </a:rPr>
-              <a:t> </a:t>
-            </a:r>
-            <a:r>
-              <a:rPr lang="en-US" sz="2200" err="1">
-                <a:latin typeface="Times New Roman" pitchFamily="18" charset="0"/>
-                <a:cs typeface="Times New Roman" pitchFamily="18" charset="0"/>
-              </a:rPr>
-              <a:t>từng</a:t>
-            </a:r>
-            <a:r>
-              <a:rPr lang="en-US" sz="2200">
-                <a:latin typeface="Times New Roman" pitchFamily="18" charset="0"/>
-                <a:cs typeface="Times New Roman" pitchFamily="18" charset="0"/>
-              </a:rPr>
-              <a:t> </a:t>
-            </a:r>
-            <a:r>
-              <a:rPr lang="en-US" sz="2200" err="1">
-                <a:latin typeface="Times New Roman" pitchFamily="18" charset="0"/>
-                <a:cs typeface="Times New Roman" pitchFamily="18" charset="0"/>
-              </a:rPr>
-              <a:t>bộ</a:t>
-            </a:r>
-            <a:r>
-              <a:rPr lang="en-US" sz="2200">
-                <a:latin typeface="Times New Roman" pitchFamily="18" charset="0"/>
-                <a:cs typeface="Times New Roman" pitchFamily="18" charset="0"/>
-              </a:rPr>
-              <a:t> </a:t>
-            </a:r>
-            <a:r>
-              <a:rPr lang="en-US" sz="2200" err="1">
-                <a:latin typeface="Times New Roman" pitchFamily="18" charset="0"/>
-                <a:cs typeface="Times New Roman" pitchFamily="18" charset="0"/>
-              </a:rPr>
-              <a:t>phận</a:t>
-            </a:r>
-            <a:r>
-              <a:rPr lang="en-US" sz="2200">
-                <a:latin typeface="Times New Roman" pitchFamily="18" charset="0"/>
-                <a:cs typeface="Times New Roman" pitchFamily="18" charset="0"/>
-              </a:rPr>
-              <a:t> </a:t>
-            </a:r>
-            <a:r>
-              <a:rPr lang="en-US" sz="2200" err="1">
-                <a:latin typeface="Times New Roman" pitchFamily="18" charset="0"/>
-                <a:cs typeface="Times New Roman" pitchFamily="18" charset="0"/>
-              </a:rPr>
-              <a:t>để</a:t>
-            </a:r>
-            <a:r>
-              <a:rPr lang="en-US" sz="2200">
-                <a:latin typeface="Times New Roman" pitchFamily="18" charset="0"/>
-                <a:cs typeface="Times New Roman" pitchFamily="18" charset="0"/>
-              </a:rPr>
-              <a:t> </a:t>
-            </a:r>
-            <a:r>
-              <a:rPr lang="en-US" sz="2200" err="1">
-                <a:latin typeface="Times New Roman" pitchFamily="18" charset="0"/>
-                <a:cs typeface="Times New Roman" pitchFamily="18" charset="0"/>
-              </a:rPr>
-              <a:t>xem</a:t>
-            </a:r>
-            <a:r>
-              <a:rPr lang="en-US" sz="2200">
-                <a:latin typeface="Times New Roman" pitchFamily="18" charset="0"/>
-                <a:cs typeface="Times New Roman" pitchFamily="18" charset="0"/>
-              </a:rPr>
-              <a:t> </a:t>
-            </a:r>
-            <a:r>
-              <a:rPr lang="en-US" sz="2200" err="1">
-                <a:latin typeface="Times New Roman" pitchFamily="18" charset="0"/>
-                <a:cs typeface="Times New Roman" pitchFamily="18" charset="0"/>
-              </a:rPr>
-              <a:t>xét</a:t>
-            </a:r>
-            <a:r>
-              <a:rPr lang="en-US" sz="2200">
-                <a:latin typeface="Times New Roman" pitchFamily="18" charset="0"/>
-                <a:cs typeface="Times New Roman" pitchFamily="18" charset="0"/>
-              </a:rPr>
-              <a:t>, </a:t>
-            </a:r>
-            <a:r>
-              <a:rPr lang="en-US" sz="2200" err="1">
-                <a:latin typeface="Times New Roman" pitchFamily="18" charset="0"/>
-                <a:cs typeface="Times New Roman" pitchFamily="18" charset="0"/>
-              </a:rPr>
-              <a:t>lựa</a:t>
-            </a:r>
-            <a:r>
-              <a:rPr lang="en-US" sz="2200">
-                <a:latin typeface="Times New Roman" pitchFamily="18" charset="0"/>
-                <a:cs typeface="Times New Roman" pitchFamily="18" charset="0"/>
-              </a:rPr>
-              <a:t> </a:t>
-            </a:r>
-            <a:r>
-              <a:rPr lang="en-US" sz="2200" err="1">
-                <a:latin typeface="Times New Roman" pitchFamily="18" charset="0"/>
-                <a:cs typeface="Times New Roman" pitchFamily="18" charset="0"/>
-              </a:rPr>
-              <a:t>chọn</a:t>
-            </a:r>
-            <a:r>
-              <a:rPr lang="en-US" sz="2200">
-                <a:latin typeface="Times New Roman" pitchFamily="18" charset="0"/>
-                <a:cs typeface="Times New Roman" pitchFamily="18" charset="0"/>
-              </a:rPr>
-              <a:t> </a:t>
-            </a:r>
-            <a:r>
-              <a:rPr lang="en-US" sz="2200" err="1">
-                <a:latin typeface="Times New Roman" pitchFamily="18" charset="0"/>
-                <a:cs typeface="Times New Roman" pitchFamily="18" charset="0"/>
-              </a:rPr>
-              <a:t>nhân</a:t>
-            </a:r>
-            <a:r>
-              <a:rPr lang="en-US" sz="2200">
-                <a:latin typeface="Times New Roman" pitchFamily="18" charset="0"/>
-                <a:cs typeface="Times New Roman" pitchFamily="18" charset="0"/>
-              </a:rPr>
-              <a:t> </a:t>
-            </a:r>
-            <a:r>
-              <a:rPr lang="en-US" sz="2200" err="1">
-                <a:latin typeface="Times New Roman" pitchFamily="18" charset="0"/>
-                <a:cs typeface="Times New Roman" pitchFamily="18" charset="0"/>
-              </a:rPr>
-              <a:t>viên</a:t>
-            </a:r>
-            <a:r>
-              <a:rPr lang="en-US" sz="2200">
-                <a:latin typeface="Times New Roman" pitchFamily="18" charset="0"/>
-                <a:cs typeface="Times New Roman" pitchFamily="18" charset="0"/>
-              </a:rPr>
-              <a:t> </a:t>
-            </a:r>
-            <a:r>
-              <a:rPr lang="en-US" sz="2200" err="1">
-                <a:latin typeface="Times New Roman" pitchFamily="18" charset="0"/>
-                <a:cs typeface="Times New Roman" pitchFamily="18" charset="0"/>
-              </a:rPr>
-              <a:t>có</a:t>
-            </a:r>
-            <a:r>
-              <a:rPr lang="en-US" sz="2200">
-                <a:latin typeface="Times New Roman" pitchFamily="18" charset="0"/>
-                <a:cs typeface="Times New Roman" pitchFamily="18" charset="0"/>
-              </a:rPr>
-              <a:t> </a:t>
-            </a:r>
-            <a:r>
-              <a:rPr lang="en-US" sz="2200" err="1">
-                <a:latin typeface="Times New Roman" pitchFamily="18" charset="0"/>
-                <a:cs typeface="Times New Roman" pitchFamily="18" charset="0"/>
-              </a:rPr>
-              <a:t>kỹ</a:t>
-            </a:r>
-            <a:r>
-              <a:rPr lang="en-US" sz="2200">
-                <a:latin typeface="Times New Roman" pitchFamily="18" charset="0"/>
-                <a:cs typeface="Times New Roman" pitchFamily="18" charset="0"/>
-              </a:rPr>
-              <a:t> </a:t>
-            </a:r>
-            <a:r>
-              <a:rPr lang="en-US" sz="2200" err="1">
-                <a:latin typeface="Times New Roman" pitchFamily="18" charset="0"/>
-                <a:cs typeface="Times New Roman" pitchFamily="18" charset="0"/>
-              </a:rPr>
-              <a:t>năng</a:t>
-            </a:r>
-            <a:r>
-              <a:rPr lang="en-US" sz="2200">
-                <a:latin typeface="Times New Roman" pitchFamily="18" charset="0"/>
-                <a:cs typeface="Times New Roman" pitchFamily="18" charset="0"/>
-              </a:rPr>
-              <a:t> </a:t>
-            </a:r>
-            <a:r>
-              <a:rPr lang="en-US" sz="2200" err="1">
-                <a:latin typeface="Times New Roman" pitchFamily="18" charset="0"/>
-                <a:cs typeface="Times New Roman" pitchFamily="18" charset="0"/>
-              </a:rPr>
-              <a:t>phù</a:t>
-            </a:r>
-            <a:r>
-              <a:rPr lang="en-US" sz="2200">
-                <a:latin typeface="Times New Roman" pitchFamily="18" charset="0"/>
-                <a:cs typeface="Times New Roman" pitchFamily="18" charset="0"/>
-              </a:rPr>
-              <a:t> </a:t>
-            </a:r>
-            <a:r>
-              <a:rPr lang="en-US" sz="2200" err="1">
-                <a:latin typeface="Times New Roman" pitchFamily="18" charset="0"/>
-                <a:cs typeface="Times New Roman" pitchFamily="18" charset="0"/>
-              </a:rPr>
-              <a:t>hợp</a:t>
-            </a:r>
-            <a:r>
-              <a:rPr lang="en-US" sz="2200">
-                <a:latin typeface="Times New Roman" pitchFamily="18" charset="0"/>
-                <a:cs typeface="Times New Roman" pitchFamily="18" charset="0"/>
-              </a:rPr>
-              <a:t> </a:t>
-            </a:r>
-            <a:r>
-              <a:rPr lang="en-US" sz="2200" err="1">
-                <a:latin typeface="Times New Roman" pitchFamily="18" charset="0"/>
-                <a:cs typeface="Times New Roman" pitchFamily="18" charset="0"/>
-              </a:rPr>
-              <a:t>hoặc</a:t>
-            </a:r>
-            <a:r>
-              <a:rPr lang="en-US" sz="2200">
-                <a:latin typeface="Times New Roman" pitchFamily="18" charset="0"/>
-                <a:cs typeface="Times New Roman" pitchFamily="18" charset="0"/>
-              </a:rPr>
-              <a:t> </a:t>
-            </a:r>
-            <a:r>
-              <a:rPr lang="en-US" sz="2200" err="1">
-                <a:latin typeface="Times New Roman" pitchFamily="18" charset="0"/>
-                <a:cs typeface="Times New Roman" pitchFamily="18" charset="0"/>
-              </a:rPr>
-              <a:t>quản</a:t>
-            </a:r>
-            <a:r>
-              <a:rPr lang="en-US" sz="2200">
-                <a:latin typeface="Times New Roman" pitchFamily="18" charset="0"/>
-                <a:cs typeface="Times New Roman" pitchFamily="18" charset="0"/>
-              </a:rPr>
-              <a:t> </a:t>
-            </a:r>
-            <a:r>
-              <a:rPr lang="en-US" sz="2200" err="1">
-                <a:latin typeface="Times New Roman" pitchFamily="18" charset="0"/>
-                <a:cs typeface="Times New Roman" pitchFamily="18" charset="0"/>
-              </a:rPr>
-              <a:t>lý</a:t>
-            </a:r>
-            <a:r>
-              <a:rPr lang="en-US" sz="2200">
-                <a:latin typeface="Times New Roman" pitchFamily="18" charset="0"/>
-                <a:cs typeface="Times New Roman" pitchFamily="18" charset="0"/>
-              </a:rPr>
-              <a:t> </a:t>
-            </a:r>
-            <a:r>
-              <a:rPr lang="en-US" sz="2200" err="1">
-                <a:latin typeface="Times New Roman" pitchFamily="18" charset="0"/>
-                <a:cs typeface="Times New Roman" pitchFamily="18" charset="0"/>
-              </a:rPr>
-              <a:t>thông</a:t>
-            </a:r>
-            <a:r>
-              <a:rPr lang="en-US" sz="2200">
-                <a:latin typeface="Times New Roman" pitchFamily="18" charset="0"/>
-                <a:cs typeface="Times New Roman" pitchFamily="18" charset="0"/>
-              </a:rPr>
-              <a:t> tin </a:t>
-            </a:r>
-            <a:r>
-              <a:rPr lang="en-US" sz="2200" err="1">
-                <a:latin typeface="Times New Roman" pitchFamily="18" charset="0"/>
-                <a:cs typeface="Times New Roman" pitchFamily="18" charset="0"/>
-              </a:rPr>
-              <a:t>trên</a:t>
-            </a:r>
-            <a:r>
-              <a:rPr lang="en-US" sz="2200">
-                <a:latin typeface="Times New Roman" pitchFamily="18" charset="0"/>
-                <a:cs typeface="Times New Roman" pitchFamily="18" charset="0"/>
-              </a:rPr>
-              <a:t> </a:t>
-            </a:r>
-            <a:r>
-              <a:rPr lang="en-US" sz="2200" err="1">
-                <a:latin typeface="Times New Roman" pitchFamily="18" charset="0"/>
-                <a:cs typeface="Times New Roman" pitchFamily="18" charset="0"/>
-              </a:rPr>
-              <a:t>giấy</a:t>
-            </a:r>
-            <a:r>
-              <a:rPr lang="en-US" sz="2200">
-                <a:latin typeface="Times New Roman" pitchFamily="18" charset="0"/>
-                <a:cs typeface="Times New Roman" pitchFamily="18" charset="0"/>
-              </a:rPr>
-              <a:t> </a:t>
-            </a:r>
-            <a:r>
-              <a:rPr lang="en-US" sz="2200" err="1">
-                <a:latin typeface="Times New Roman" pitchFamily="18" charset="0"/>
-                <a:cs typeface="Times New Roman" pitchFamily="18" charset="0"/>
-              </a:rPr>
-              <a:t>tờ</a:t>
-            </a:r>
-            <a:r>
-              <a:rPr lang="en-US" sz="2200">
-                <a:latin typeface="Times New Roman" pitchFamily="18" charset="0"/>
-                <a:cs typeface="Times New Roman" pitchFamily="18" charset="0"/>
-              </a:rPr>
-              <a:t>, </a:t>
-            </a:r>
-            <a:r>
-              <a:rPr lang="en-US" sz="2200" err="1">
-                <a:latin typeface="Times New Roman" pitchFamily="18" charset="0"/>
-                <a:cs typeface="Times New Roman" pitchFamily="18" charset="0"/>
-              </a:rPr>
-              <a:t>gây</a:t>
-            </a:r>
-            <a:r>
-              <a:rPr lang="en-US" sz="2200">
-                <a:latin typeface="Times New Roman" pitchFamily="18" charset="0"/>
-                <a:cs typeface="Times New Roman" pitchFamily="18" charset="0"/>
-              </a:rPr>
-              <a:t> </a:t>
-            </a:r>
-            <a:r>
-              <a:rPr lang="en-US" sz="2200" err="1">
-                <a:latin typeface="Times New Roman" pitchFamily="18" charset="0"/>
-                <a:cs typeface="Times New Roman" pitchFamily="18" charset="0"/>
-              </a:rPr>
-              <a:t>ra</a:t>
-            </a:r>
-            <a:r>
-              <a:rPr lang="en-US" sz="2200">
-                <a:latin typeface="Times New Roman" pitchFamily="18" charset="0"/>
-                <a:cs typeface="Times New Roman" pitchFamily="18" charset="0"/>
-              </a:rPr>
-              <a:t> </a:t>
-            </a:r>
-            <a:r>
-              <a:rPr lang="en-US" sz="2200" err="1">
-                <a:latin typeface="Times New Roman" pitchFamily="18" charset="0"/>
-                <a:cs typeface="Times New Roman" pitchFamily="18" charset="0"/>
-              </a:rPr>
-              <a:t>sự</a:t>
-            </a:r>
-            <a:r>
-              <a:rPr lang="en-US" sz="2200">
-                <a:latin typeface="Times New Roman" pitchFamily="18" charset="0"/>
-                <a:cs typeface="Times New Roman" pitchFamily="18" charset="0"/>
-              </a:rPr>
-              <a:t> </a:t>
-            </a:r>
-            <a:r>
-              <a:rPr lang="en-US" sz="2200" err="1">
-                <a:latin typeface="Times New Roman" pitchFamily="18" charset="0"/>
-                <a:cs typeface="Times New Roman" pitchFamily="18" charset="0"/>
-              </a:rPr>
-              <a:t>phức</a:t>
-            </a:r>
-            <a:r>
-              <a:rPr lang="en-US" sz="2200">
-                <a:latin typeface="Times New Roman" pitchFamily="18" charset="0"/>
-                <a:cs typeface="Times New Roman" pitchFamily="18" charset="0"/>
-              </a:rPr>
-              <a:t> </a:t>
-            </a:r>
-            <a:r>
-              <a:rPr lang="en-US" sz="2200" err="1">
-                <a:latin typeface="Times New Roman" pitchFamily="18" charset="0"/>
-                <a:cs typeface="Times New Roman" pitchFamily="18" charset="0"/>
-              </a:rPr>
-              <a:t>tạp</a:t>
-            </a:r>
-            <a:r>
-              <a:rPr lang="en-US" sz="2200">
-                <a:latin typeface="Times New Roman" pitchFamily="18" charset="0"/>
-                <a:cs typeface="Times New Roman" pitchFamily="18" charset="0"/>
-              </a:rPr>
-              <a:t> </a:t>
-            </a:r>
-            <a:r>
-              <a:rPr lang="en-US" sz="2200" err="1">
-                <a:latin typeface="Times New Roman" pitchFamily="18" charset="0"/>
-                <a:cs typeface="Times New Roman" pitchFamily="18" charset="0"/>
-              </a:rPr>
-              <a:t>và</a:t>
-            </a:r>
-            <a:r>
-              <a:rPr lang="en-US" sz="2200">
-                <a:latin typeface="Times New Roman" pitchFamily="18" charset="0"/>
-                <a:cs typeface="Times New Roman" pitchFamily="18" charset="0"/>
-              </a:rPr>
-              <a:t> </a:t>
-            </a:r>
-            <a:r>
-              <a:rPr lang="en-US" sz="2200" err="1">
-                <a:latin typeface="Times New Roman" pitchFamily="18" charset="0"/>
-                <a:cs typeface="Times New Roman" pitchFamily="18" charset="0"/>
-              </a:rPr>
-              <a:t>mất</a:t>
-            </a:r>
-            <a:r>
-              <a:rPr lang="en-US" sz="2200">
-                <a:latin typeface="Times New Roman" pitchFamily="18" charset="0"/>
-                <a:cs typeface="Times New Roman" pitchFamily="18" charset="0"/>
-              </a:rPr>
-              <a:t> </a:t>
-            </a:r>
-            <a:r>
-              <a:rPr lang="en-US" sz="2200" err="1">
-                <a:latin typeface="Times New Roman" pitchFamily="18" charset="0"/>
-                <a:cs typeface="Times New Roman" pitchFamily="18" charset="0"/>
-              </a:rPr>
-              <a:t>thời</a:t>
-            </a:r>
-            <a:r>
-              <a:rPr lang="en-US" sz="2200">
-                <a:latin typeface="Times New Roman" pitchFamily="18" charset="0"/>
-                <a:cs typeface="Times New Roman" pitchFamily="18" charset="0"/>
-              </a:rPr>
-              <a:t> </a:t>
-            </a:r>
-            <a:r>
-              <a:rPr lang="en-US" sz="2200" err="1">
-                <a:latin typeface="Times New Roman" pitchFamily="18" charset="0"/>
-                <a:cs typeface="Times New Roman" pitchFamily="18" charset="0"/>
-              </a:rPr>
-              <a:t>gian</a:t>
-            </a:r>
-            <a:r>
-              <a:rPr lang="en-US" sz="2200">
-                <a:latin typeface="Times New Roman" pitchFamily="18" charset="0"/>
-                <a:cs typeface="Times New Roman" pitchFamily="18" charset="0"/>
-              </a:rPr>
-              <a:t> </a:t>
-            </a:r>
-            <a:r>
-              <a:rPr lang="en-US" sz="2200" err="1">
-                <a:latin typeface="Times New Roman" pitchFamily="18" charset="0"/>
-                <a:cs typeface="Times New Roman" pitchFamily="18" charset="0"/>
-              </a:rPr>
-              <a:t>trong</a:t>
-            </a:r>
-            <a:r>
-              <a:rPr lang="en-US" sz="2200">
-                <a:latin typeface="Times New Roman" pitchFamily="18" charset="0"/>
-                <a:cs typeface="Times New Roman" pitchFamily="18" charset="0"/>
-              </a:rPr>
-              <a:t> </a:t>
-            </a:r>
-            <a:r>
-              <a:rPr lang="en-US" sz="2200" err="1">
-                <a:latin typeface="Times New Roman" pitchFamily="18" charset="0"/>
-                <a:cs typeface="Times New Roman" pitchFamily="18" charset="0"/>
-              </a:rPr>
-              <a:t>việc</a:t>
-            </a:r>
-            <a:r>
-              <a:rPr lang="en-US" sz="2200">
-                <a:latin typeface="Times New Roman" pitchFamily="18" charset="0"/>
-                <a:cs typeface="Times New Roman" pitchFamily="18" charset="0"/>
-              </a:rPr>
-              <a:t> </a:t>
-            </a:r>
-            <a:r>
-              <a:rPr lang="en-US" sz="2200" err="1">
-                <a:latin typeface="Times New Roman" pitchFamily="18" charset="0"/>
-                <a:cs typeface="Times New Roman" pitchFamily="18" charset="0"/>
-              </a:rPr>
-              <a:t>quản</a:t>
-            </a:r>
-            <a:r>
-              <a:rPr lang="en-US" sz="2200">
-                <a:latin typeface="Times New Roman" pitchFamily="18" charset="0"/>
-                <a:cs typeface="Times New Roman" pitchFamily="18" charset="0"/>
-              </a:rPr>
-              <a:t> </a:t>
-            </a:r>
-            <a:r>
-              <a:rPr lang="en-US" sz="2200" err="1">
-                <a:latin typeface="Times New Roman" pitchFamily="18" charset="0"/>
-                <a:cs typeface="Times New Roman" pitchFamily="18" charset="0"/>
-              </a:rPr>
-              <a:t>lý</a:t>
-            </a:r>
-            <a:r>
-              <a:rPr lang="en-US" sz="2200">
-                <a:latin typeface="Times New Roman" pitchFamily="18" charset="0"/>
-                <a:cs typeface="Times New Roman" pitchFamily="18" charset="0"/>
-              </a:rPr>
-              <a:t> </a:t>
-            </a:r>
-            <a:r>
-              <a:rPr lang="en-US" sz="2200" err="1">
-                <a:latin typeface="Times New Roman" pitchFamily="18" charset="0"/>
-                <a:cs typeface="Times New Roman" pitchFamily="18" charset="0"/>
-              </a:rPr>
-              <a:t>cũng</a:t>
-            </a:r>
-            <a:r>
-              <a:rPr lang="en-US" sz="2200">
-                <a:latin typeface="Times New Roman" pitchFamily="18" charset="0"/>
-                <a:cs typeface="Times New Roman" pitchFamily="18" charset="0"/>
-              </a:rPr>
-              <a:t> </a:t>
-            </a:r>
-            <a:r>
-              <a:rPr lang="en-US" sz="2200" err="1">
-                <a:latin typeface="Times New Roman" pitchFamily="18" charset="0"/>
-                <a:cs typeface="Times New Roman" pitchFamily="18" charset="0"/>
-              </a:rPr>
-              <a:t>như</a:t>
-            </a:r>
-            <a:r>
-              <a:rPr lang="en-US" sz="2200">
-                <a:latin typeface="Times New Roman" pitchFamily="18" charset="0"/>
-                <a:cs typeface="Times New Roman" pitchFamily="18" charset="0"/>
-              </a:rPr>
-              <a:t> </a:t>
-            </a:r>
-            <a:r>
-              <a:rPr lang="en-US" sz="2200" err="1">
-                <a:latin typeface="Times New Roman" pitchFamily="18" charset="0"/>
-                <a:cs typeface="Times New Roman" pitchFamily="18" charset="0"/>
-              </a:rPr>
-              <a:t>tìm</a:t>
-            </a:r>
-            <a:r>
-              <a:rPr lang="en-US" sz="2200">
-                <a:latin typeface="Times New Roman" pitchFamily="18" charset="0"/>
-                <a:cs typeface="Times New Roman" pitchFamily="18" charset="0"/>
-              </a:rPr>
-              <a:t> </a:t>
-            </a:r>
-            <a:r>
-              <a:rPr lang="en-US" sz="2200" err="1">
-                <a:latin typeface="Times New Roman" pitchFamily="18" charset="0"/>
-                <a:cs typeface="Times New Roman" pitchFamily="18" charset="0"/>
-              </a:rPr>
-              <a:t>nhân</a:t>
-            </a:r>
-            <a:r>
-              <a:rPr lang="en-US" sz="2200">
-                <a:latin typeface="Times New Roman" pitchFamily="18" charset="0"/>
-                <a:cs typeface="Times New Roman" pitchFamily="18" charset="0"/>
-              </a:rPr>
-              <a:t> </a:t>
-            </a:r>
-            <a:r>
-              <a:rPr lang="en-US" sz="2200" err="1">
-                <a:latin typeface="Times New Roman" pitchFamily="18" charset="0"/>
-                <a:cs typeface="Times New Roman" pitchFamily="18" charset="0"/>
-              </a:rPr>
-              <a:t>sự</a:t>
-            </a:r>
-            <a:r>
-              <a:rPr lang="en-US" sz="2200">
-                <a:latin typeface="Times New Roman" pitchFamily="18" charset="0"/>
-                <a:cs typeface="Times New Roman" pitchFamily="18" charset="0"/>
-              </a:rPr>
-              <a:t> </a:t>
-            </a:r>
-            <a:r>
-              <a:rPr lang="en-US" sz="2200" err="1">
-                <a:latin typeface="Times New Roman" pitchFamily="18" charset="0"/>
-                <a:cs typeface="Times New Roman" pitchFamily="18" charset="0"/>
-              </a:rPr>
-              <a:t>cho</a:t>
-            </a:r>
-            <a:r>
-              <a:rPr lang="en-US" sz="2200">
-                <a:latin typeface="Times New Roman" pitchFamily="18" charset="0"/>
-                <a:cs typeface="Times New Roman" pitchFamily="18" charset="0"/>
-              </a:rPr>
-              <a:t> </a:t>
-            </a:r>
-            <a:r>
-              <a:rPr lang="en-US" sz="2200" err="1">
-                <a:latin typeface="Times New Roman" pitchFamily="18" charset="0"/>
-                <a:cs typeface="Times New Roman" pitchFamily="18" charset="0"/>
-              </a:rPr>
-              <a:t>dự</a:t>
-            </a:r>
-            <a:r>
-              <a:rPr lang="en-US" sz="2200">
-                <a:latin typeface="Times New Roman" pitchFamily="18" charset="0"/>
-                <a:cs typeface="Times New Roman" pitchFamily="18" charset="0"/>
-              </a:rPr>
-              <a:t> </a:t>
-            </a:r>
-            <a:r>
-              <a:rPr lang="en-US" sz="2200" err="1">
-                <a:latin typeface="Times New Roman" pitchFamily="18" charset="0"/>
-                <a:cs typeface="Times New Roman" pitchFamily="18" charset="0"/>
-              </a:rPr>
-              <a:t>án</a:t>
-            </a:r>
-            <a:r>
-              <a:rPr lang="en-US" sz="2200">
-                <a:latin typeface="Times New Roman" pitchFamily="18" charset="0"/>
-                <a:cs typeface="Times New Roman" pitchFamily="18" charset="0"/>
-              </a:rPr>
-              <a:t>. </a:t>
-            </a:r>
-            <a:endParaRPr lang="en-US" sz="2200" smtClean="0">
+              <a:t>.</a:t>
+            </a:r>
+            <a:endParaRPr lang="en-US" sz="2200">
+              <a:solidFill>
+                <a:srgbClr val="FF0000"/>
+              </a:solidFill>
               <a:latin typeface="Times New Roman" pitchFamily="18" charset="0"/>
               <a:cs typeface="Times New Roman" pitchFamily="18" charset="0"/>
             </a:endParaRPr>
@@ -12632,25 +10684,59 @@
               <a:buChar char="Ø"/>
             </a:pPr>
             <a:r>
+              <a:rPr lang="en-US" sz="2200">
+                <a:latin typeface="Times New Roman" pitchFamily="18" charset="0"/>
+                <a:cs typeface="Times New Roman" pitchFamily="18" charset="0"/>
+              </a:rPr>
+              <a:t>Quản lý nhân sự có ý nghĩa quan trọng và không thể thiếu trong việc quản lý các hoạt động của một tổ chức hay doanh nghiệp thương mại. Quản lý nhân sự giúp người quản lý nhận thức được tầm quan trọng của yếu tố con người trong hoạt động của tổ chức, doanh nghiệp. Một trong những khía cạnh của quản lý nhân sự, quản lý kỹ năng nhân sự là một yếu tố giúp việc tuyển dụng, sắp xếp vào các dự án </a:t>
+            </a:r>
+            <a:r>
+              <a:rPr lang="en-US" sz="2200">
+                <a:latin typeface="Times New Roman" pitchFamily="18" charset="0"/>
+                <a:cs typeface="Times New Roman" pitchFamily="18" charset="0"/>
+              </a:rPr>
+              <a:t>hiệu </a:t>
+            </a:r>
+            <a:r>
               <a:rPr lang="en-US" sz="2200" smtClean="0">
                 <a:latin typeface="Times New Roman" pitchFamily="18" charset="0"/>
                 <a:cs typeface="Times New Roman" pitchFamily="18" charset="0"/>
               </a:rPr>
-              <a:t>Nhóm</a:t>
-            </a:r>
-            <a:r>
-              <a:rPr lang="en-US" sz="2200">
-                <a:latin typeface="Times New Roman" pitchFamily="18" charset="0"/>
-                <a:cs typeface="Times New Roman" pitchFamily="18" charset="0"/>
-              </a:rPr>
-              <a:t> </a:t>
-            </a:r>
+              <a:t>quả.</a:t>
+            </a:r>
+            <a:endParaRPr lang="en-US" sz="2200" smtClean="0">
+              <a:solidFill>
+                <a:srgbClr val="FF0000"/>
+              </a:solidFill>
+              <a:latin typeface="Times New Roman" pitchFamily="18" charset="0"/>
+              <a:cs typeface="Times New Roman" pitchFamily="18" charset="0"/>
+            </a:endParaRPr>
+          </a:p>
+          <a:p>
+            <a:pPr algn="just">
+              <a:buFont typeface="Wingdings" pitchFamily="2" charset="2"/>
+              <a:buChar char="Ø"/>
+            </a:pPr>
             <a:r>
               <a:rPr lang="en-US" sz="2200" smtClean="0">
                 <a:latin typeface="Times New Roman" pitchFamily="18" charset="0"/>
                 <a:cs typeface="Times New Roman" pitchFamily="18" charset="0"/>
               </a:rPr>
-              <a:t>quyết định tìm hiểu và xây dựng hệ thống quản lý kỹ năng của nhân viên để </a:t>
+              <a:t>Thấy được sự quan trọng trong việc áp dụng công nghệ thông tin trong quản lý nhân sự, nhóm đã tiến hành </a:t>
+            </a:r>
+            <a:r>
+              <a:rPr lang="en-US" sz="2200" smtClean="0">
+                <a:latin typeface="Times New Roman" pitchFamily="18" charset="0"/>
+                <a:cs typeface="Times New Roman" pitchFamily="18" charset="0"/>
+              </a:rPr>
+              <a:t>tìm </a:t>
+            </a:r>
+            <a:r>
+              <a:rPr lang="en-US" sz="2200" smtClean="0">
+                <a:latin typeface="Times New Roman" pitchFamily="18" charset="0"/>
+                <a:cs typeface="Times New Roman" pitchFamily="18" charset="0"/>
+              </a:rPr>
+              <a:t>hiểu và xây dựng hệ thống quản lý kỹ năng của nhân viên để </a:t>
             </a:r>
             <a:r>
               <a:rPr lang="en-US" sz="2200" err="1" smtClean="0">
@@ -13522,8 +11608,8 @@
         </p:nvSpPr>
         <p:spPr>
           <a:xfrm>
-            <a:off x="387432" y="1295333"/>
-            <a:ext cx="7969490" cy="5105467"/>
+            <a:off x="370588" y="1387858"/>
+            <a:ext cx="9493848" cy="5470143"/>
           </a:xfrm>
         </p:spPr>
         <p:txBody>
@@ -13616,29 +11702,19 @@
                 <a:latin typeface="Times New Roman" pitchFamily="18" charset="0"/>
                 <a:cs typeface="Times New Roman" pitchFamily="18" charset="0"/>
               </a:rPr>
-              <a:t>thông tin về kỹ năng kỹ thuật, bằng cấp, chứng chỉ, trình độ ngoại ngữ, kinh nghiệm làm </a:t>
+              <a:t>thông tin về kỹ năng kỹ thuật, bằng cấp, chứng chỉ, </a:t>
             </a:r>
             <a:r>
               <a:rPr lang="en-US" sz="2200" smtClean="0">
                 <a:latin typeface="Times New Roman" pitchFamily="18" charset="0"/>
                 <a:cs typeface="Times New Roman" pitchFamily="18" charset="0"/>
               </a:rPr>
-              <a:t>việc, </a:t>
-            </a:r>
-            <a:r>
-              <a:rPr lang="en-US" sz="2200">
-                <a:latin typeface="Times New Roman" pitchFamily="18" charset="0"/>
-                <a:cs typeface="Times New Roman" pitchFamily="18" charset="0"/>
-              </a:rPr>
-              <a:t>effort của bản </a:t>
-            </a:r>
-            <a:r>
-              <a:rPr lang="en-US" sz="2200" smtClean="0">
-                <a:latin typeface="Times New Roman" pitchFamily="18" charset="0"/>
-                <a:cs typeface="Times New Roman" pitchFamily="18" charset="0"/>
-              </a:rPr>
-              <a:t>thân.</a:t>
-            </a:r>
+              <a:t>….</a:t>
+            </a:r>
+            <a:endParaRPr lang="en-US" sz="2200" smtClean="0">
+              <a:latin typeface="Times New Roman" pitchFamily="18" charset="0"/>
+              <a:cs typeface="Times New Roman" pitchFamily="18" charset="0"/>
+            </a:endParaRPr>
           </a:p>
           <a:p>
             <a:pPr lvl="1" algn="just">
@@ -13678,15 +11754,94 @@
                 <a:latin typeface="Times New Roman" pitchFamily="18" charset="0"/>
                 <a:cs typeface="Times New Roman" pitchFamily="18" charset="0"/>
               </a:rPr>
-              <a:t>kỹ năng của toàn bộ nhân viên theo nhiều tiêu chí với mục tiêu đưa ra kế hoạch định hướng và đào tạo nhân viên phù hợp theo xu hướng thị </a:t>
+              <a:t>kỹ </a:t>
             </a:r>
             <a:r>
               <a:rPr lang="en-US" sz="2200" smtClean="0">
                 <a:latin typeface="Times New Roman" pitchFamily="18" charset="0"/>
                 <a:cs typeface="Times New Roman" pitchFamily="18" charset="0"/>
               </a:rPr>
-              <a:t>trường. Truy xuất nhật ký thay đổi hồ sơ của nhân viên. Quản lý dữ liệu hiển thị động của hệ thống.</a:t>
-            </a:r>
+              <a:t>năng. </a:t>
+            </a:r>
+            <a:r>
+              <a:rPr lang="en-US" sz="2200" smtClean="0">
+                <a:latin typeface="Times New Roman" pitchFamily="18" charset="0"/>
+                <a:cs typeface="Times New Roman" pitchFamily="18" charset="0"/>
+              </a:rPr>
+              <a:t>Truy xuất nhật ký thay đổi hồ sơ của nhân viên. Quản lý dữ liệu hiển thị động của hệ thống</a:t>
+            </a:r>
+            <a:r>
+              <a:rPr lang="en-US" sz="2200" smtClean="0">
+                <a:latin typeface="Times New Roman" pitchFamily="18" charset="0"/>
+                <a:cs typeface="Times New Roman" pitchFamily="18" charset="0"/>
+              </a:rPr>
+              <a:t>.</a:t>
+            </a:r>
+          </a:p>
+          <a:p>
+            <a:pPr lvl="1" algn="just">
+              <a:buFont typeface="Wingdings" pitchFamily="2" charset="2"/>
+              <a:buChar char="ü"/>
+            </a:pPr>
+            <a:r>
+              <a:rPr lang="en-US" sz="2200">
+                <a:latin typeface="Times New Roman" pitchFamily="18" charset="0"/>
+                <a:cs typeface="Times New Roman" pitchFamily="18" charset="0"/>
+              </a:rPr>
+              <a:t>Chức năng dành cho nhân viên quản lý dự án của công ty</a:t>
+            </a:r>
+            <a:r>
+              <a:rPr lang="en-US" sz="2200">
+                <a:latin typeface="Times New Roman" pitchFamily="18" charset="0"/>
+                <a:cs typeface="Times New Roman" pitchFamily="18" charset="0"/>
+              </a:rPr>
+              <a:t>: </a:t>
+            </a:r>
+            <a:r>
+              <a:rPr lang="en-US" sz="2200" smtClean="0">
+                <a:latin typeface="Times New Roman" pitchFamily="18" charset="0"/>
+                <a:cs typeface="Times New Roman" pitchFamily="18" charset="0"/>
+              </a:rPr>
+              <a:t>thêm</a:t>
+            </a:r>
+            <a:r>
+              <a:rPr lang="en-US" sz="2200">
+                <a:latin typeface="Times New Roman" pitchFamily="18" charset="0"/>
+                <a:cs typeface="Times New Roman" pitchFamily="18" charset="0"/>
+              </a:rPr>
+              <a:t>, chỉnh sửa, xóa thông tin các dự án của công ty mà mình đang phụ trách</a:t>
+            </a:r>
+            <a:r>
+              <a:rPr lang="en-US" sz="2200">
+                <a:latin typeface="Times New Roman" pitchFamily="18" charset="0"/>
+                <a:cs typeface="Times New Roman" pitchFamily="18" charset="0"/>
+              </a:rPr>
+              <a:t>; </a:t>
+            </a:r>
+            <a:r>
+              <a:rPr lang="en-US" sz="2200" smtClean="0">
+                <a:latin typeface="Times New Roman" pitchFamily="18" charset="0"/>
+                <a:cs typeface="Times New Roman" pitchFamily="18" charset="0"/>
+              </a:rPr>
+              <a:t>tìm </a:t>
+            </a:r>
+            <a:r>
+              <a:rPr lang="en-US" sz="2200">
+                <a:latin typeface="Times New Roman" pitchFamily="18" charset="0"/>
+                <a:cs typeface="Times New Roman" pitchFamily="18" charset="0"/>
+              </a:rPr>
+              <a:t>kiếm nhân viên trong hệ thống phù hợp với dự án đang cần tuyển thêm nhân lực phục vụ quá trình phỏng vấn ứng viên nhanh chóng.</a:t>
+            </a:r>
+          </a:p>
+          <a:p>
+            <a:pPr lvl="1" algn="just">
+              <a:buFont typeface="Wingdings" pitchFamily="2" charset="2"/>
+              <a:buChar char="ü"/>
+            </a:pPr>
+            <a:endParaRPr lang="en-US" sz="2200" smtClean="0">
+              <a:latin typeface="Times New Roman" pitchFamily="18" charset="0"/>
+              <a:cs typeface="Times New Roman" pitchFamily="18" charset="0"/>
+            </a:endParaRPr>
           </a:p>
         </p:txBody>
       </p:sp>
@@ -13801,8 +11956,8 @@
         </p:nvSpPr>
         <p:spPr>
           <a:xfrm>
-            <a:off x="115746" y="1321257"/>
-            <a:ext cx="8444054" cy="5422443"/>
+            <a:off x="110714" y="1415633"/>
+            <a:ext cx="9846086" cy="5202881"/>
           </a:xfrm>
         </p:spPr>
         <p:txBody>
@@ -13811,6 +11966,26 @@
           </a:bodyPr>
           <a:lstStyle/>
           <a:p>
+            <a:pPr lvl="1" algn="just">
+              <a:buFont typeface="Wingdings" pitchFamily="2" charset="2"/>
+              <a:buChar char="Ø"/>
+            </a:pPr>
+            <a:r>
+              <a:rPr lang="en-US" sz="2200" smtClean="0">
+                <a:latin typeface="Times New Roman" pitchFamily="18" charset="0"/>
+                <a:cs typeface="Times New Roman" pitchFamily="18" charset="0"/>
+              </a:rPr>
+              <a:t>Phạm </a:t>
+            </a:r>
+            <a:r>
+              <a:rPr lang="en-US" sz="2200" smtClean="0">
+                <a:latin typeface="Times New Roman" pitchFamily="18" charset="0"/>
+                <a:cs typeface="Times New Roman" pitchFamily="18" charset="0"/>
+              </a:rPr>
+              <a:t>vi đề tài:</a:t>
+            </a:r>
+          </a:p>
+          <a:p>
             <a:pPr lvl="2" algn="just">
               <a:buFont typeface="Wingdings" pitchFamily="2" charset="2"/>
               <a:buChar char="ü"/>
@@ -13820,7 +11995,7 @@
                 <a:latin typeface="Times New Roman" pitchFamily="18" charset="0"/>
                 <a:cs typeface="Times New Roman" pitchFamily="18" charset="0"/>
               </a:rPr>
-              <a:t>Chức năng dành cho nhân viên quản lý dự án của công ty: có thể thao tác thêm, chỉnh sửa, xóa thông tin các dự án của công ty mà mình đang phụ trách; có thể tìm kiếm nhân viên trong hệ thống phù hợp với dự án đang cần tuyển thêm nhân lực phục vụ quá trình phỏng vấn ứng viên nhanh chóng</a:t>
+              <a:t>Đề tài thực hiện quản lý kỹ năng cho nhân viên công ty phần mềm FPT Software</a:t>
             </a:r>
             <a:r>
               <a:rPr lang="en-US" sz="2200" smtClean="0">
@@ -13828,6 +12003,74 @@
                 <a:cs typeface="Times New Roman" pitchFamily="18" charset="0"/>
               </a:rPr>
               <a:t>.</a:t>
+            </a:r>
+          </a:p>
+          <a:p>
+            <a:pPr lvl="2" algn="just">
+              <a:buFont typeface="Wingdings" pitchFamily="2" charset="2"/>
+              <a:buChar char="ü"/>
+            </a:pPr>
+            <a:r>
+              <a:rPr lang="en-US" sz="2200">
+                <a:latin typeface="Times New Roman" pitchFamily="18" charset="0"/>
+                <a:cs typeface="Times New Roman" pitchFamily="18" charset="0"/>
+              </a:rPr>
+              <a:t>Hệ thống cung cấp RESTful API cho các hệ thống khác truy cập và sử dụng, sử dụng Spring boot 2.1.3, giao diện sử dụng Angular 7, Maven 3.6.0, chạy trên server công ty FPT Software, sử dụng hệ quản trị cơ sở dữ liệu MySQL 5 để  lưu trữ dữ </a:t>
+            </a:r>
+            <a:r>
+              <a:rPr lang="en-US" sz="2200" smtClean="0">
+                <a:latin typeface="Times New Roman" pitchFamily="18" charset="0"/>
+                <a:cs typeface="Times New Roman" pitchFamily="18" charset="0"/>
+              </a:rPr>
+              <a:t>liệu</a:t>
+            </a:r>
+            <a:r>
+              <a:rPr lang="en-US" sz="2200" smtClean="0">
+                <a:latin typeface="Times New Roman" pitchFamily="18" charset="0"/>
+                <a:cs typeface="Times New Roman" pitchFamily="18" charset="0"/>
+              </a:rPr>
+              <a:t>.</a:t>
+            </a:r>
+          </a:p>
+          <a:p>
+            <a:pPr lvl="2" algn="just">
+              <a:buFont typeface="Wingdings" pitchFamily="2" charset="2"/>
+              <a:buChar char="ü"/>
+            </a:pPr>
+            <a:r>
+              <a:rPr lang="en-US" sz="2200">
+                <a:latin typeface="Times New Roman" pitchFamily="18" charset="0"/>
+                <a:cs typeface="Times New Roman" pitchFamily="18" charset="0"/>
+              </a:rPr>
+              <a:t>Hệ thống chỉ quản lý hồ sơ của nhân viên trong công ty, không quản lý các hồ sơ của ứng viên. Mọi thông tin kỹ năng của một nhân sự đã được xác nhận bởi nhân viên nhân sự, hệ thống này không hỗ trợ quy trình, nghiệp vụ kiểm tra, xét duyệt hồ sơ của nhân viên. Để đăng nhập, người dùng của hệ thống này dùng chung tài khoản </a:t>
+            </a:r>
+            <a:r>
+              <a:rPr lang="en-US" sz="2200">
+                <a:latin typeface="Times New Roman" pitchFamily="18" charset="0"/>
+                <a:cs typeface="Times New Roman" pitchFamily="18" charset="0"/>
+              </a:rPr>
+              <a:t>của </a:t>
+            </a:r>
+            <a:r>
+              <a:rPr lang="en-US" sz="2200">
+                <a:latin typeface="Times New Roman" pitchFamily="18" charset="0"/>
+                <a:cs typeface="Times New Roman" pitchFamily="18" charset="0"/>
+              </a:rPr>
+              <a:t>công ty </a:t>
+            </a:r>
+            <a:r>
+              <a:rPr lang="en-US" sz="2200">
+                <a:latin typeface="Times New Roman" pitchFamily="18" charset="0"/>
+                <a:cs typeface="Times New Roman" pitchFamily="18" charset="0"/>
+              </a:rPr>
+              <a:t>FPT </a:t>
+            </a:r>
+            <a:r>
+              <a:rPr lang="en-US" sz="2200" smtClean="0">
+                <a:latin typeface="Times New Roman" pitchFamily="18" charset="0"/>
+                <a:cs typeface="Times New Roman" pitchFamily="18" charset="0"/>
+              </a:rPr>
+              <a:t>Software.</a:t>
             </a:r>
             <a:endParaRPr lang="en-US" sz="2200">
               <a:latin typeface="Times New Roman" pitchFamily="18" charset="0"/>
@@ -13835,64 +12078,10 @@
             </a:endParaRPr>
           </a:p>
           <a:p>
-            <a:pPr lvl="1" algn="just">
-              <a:buFont typeface="Wingdings" pitchFamily="2" charset="2"/>
-              <a:buChar char="Ø"/>
-            </a:pPr>
-            <a:r>
-              <a:rPr lang="en-US" sz="2200" smtClean="0">
-                <a:latin typeface="Times New Roman" pitchFamily="18" charset="0"/>
-                <a:cs typeface="Times New Roman" pitchFamily="18" charset="0"/>
-              </a:rPr>
-              <a:t>Phạm vi đề tài:</a:t>
-            </a:r>
-          </a:p>
-          <a:p>
             <a:pPr lvl="2" algn="just">
               <a:buFont typeface="Wingdings" pitchFamily="2" charset="2"/>
               <a:buChar char="ü"/>
             </a:pPr>
-            <a:r>
-              <a:rPr lang="en-US" sz="2200">
-                <a:latin typeface="Times New Roman" pitchFamily="18" charset="0"/>
-                <a:cs typeface="Times New Roman" pitchFamily="18" charset="0"/>
-              </a:rPr>
-              <a:t>Đề tài thực hiện quản lý kỹ năng cho nhân viên công ty phần mềm FPT Software</a:t>
-            </a:r>
-            <a:r>
-              <a:rPr lang="en-US" sz="2200" smtClean="0">
-                <a:latin typeface="Times New Roman" pitchFamily="18" charset="0"/>
-                <a:cs typeface="Times New Roman" pitchFamily="18" charset="0"/>
-              </a:rPr>
-              <a:t>.</a:t>
-            </a:r>
-          </a:p>
-          <a:p>
-            <a:pPr lvl="2" algn="just">
-              <a:buFont typeface="Wingdings" pitchFamily="2" charset="2"/>
-              <a:buChar char="ü"/>
-            </a:pPr>
-            <a:r>
-              <a:rPr lang="en-US" sz="2200">
-                <a:latin typeface="Times New Roman" pitchFamily="18" charset="0"/>
-                <a:cs typeface="Times New Roman" pitchFamily="18" charset="0"/>
-              </a:rPr>
-              <a:t>Hệ thống cung cấp RESTful API cho các hệ thống khác truy cập và sử dụng, sử dụng Spring boot 2.1.3, giao diện sử dụng Angular 7, Maven 3.6.0, chạy trên server công ty FPT Software, sử dụng hệ quản trị cơ sở dữ liệu MySQL 5 để  lưu trữ dữ </a:t>
-            </a:r>
-            <a:r>
-              <a:rPr lang="en-US" sz="2200" smtClean="0">
-                <a:latin typeface="Times New Roman" pitchFamily="18" charset="0"/>
-                <a:cs typeface="Times New Roman" pitchFamily="18" charset="0"/>
-              </a:rPr>
-              <a:t>liệu</a:t>
-            </a:r>
-            <a:r>
-              <a:rPr lang="en-US" sz="2200">
-                <a:latin typeface="Times New Roman" pitchFamily="18" charset="0"/>
-                <a:cs typeface="Times New Roman" pitchFamily="18" charset="0"/>
-              </a:rPr>
-              <a:t>.</a:t>
-            </a:r>
             <a:endParaRPr lang="en-US" sz="2200" smtClean="0">
               <a:latin typeface="Times New Roman" pitchFamily="18" charset="0"/>
               <a:cs typeface="Times New Roman" pitchFamily="18" charset="0"/>
@@ -13983,18 +12172,32 @@
                 <a:latin typeface="Times New Roman" pitchFamily="18" charset="0"/>
                 <a:cs typeface="Times New Roman" pitchFamily="18" charset="0"/>
               </a:rPr>
-              <a:t>2. Mục tiêu đề </a:t>
+              <a:t>3</a:t>
             </a:r>
             <a:r>
               <a:rPr lang="en-US" sz="4000" smtClean="0">
                 <a:latin typeface="Times New Roman" pitchFamily="18" charset="0"/>
                 <a:cs typeface="Times New Roman" pitchFamily="18" charset="0"/>
               </a:rPr>
-              <a:t>tài(tt)</a:t>
+              <a:t>. </a:t>
+            </a:r>
+            <a:r>
+              <a:rPr lang="en-US" sz="4000" err="1" smtClean="0">
+                <a:latin typeface="Times New Roman" pitchFamily="18" charset="0"/>
+                <a:cs typeface="Times New Roman" pitchFamily="18" charset="0"/>
+              </a:rPr>
+              <a:t>Phân</a:t>
+            </a:r>
+            <a:r>
+              <a:rPr lang="en-US" sz="4000" smtClean="0">
+                <a:latin typeface="Times New Roman" pitchFamily="18" charset="0"/>
+                <a:cs typeface="Times New Roman" pitchFamily="18" charset="0"/>
+              </a:rPr>
+              <a:t> tích, thiết kế</a:t>
             </a:r>
             <a:endParaRPr lang="en-US" sz="4000">
-              <a:latin typeface="Arial" panose="020B0604020202020204" pitchFamily="34" charset="0"/>
-              <a:cs typeface="Arial" panose="020B0604020202020204" pitchFamily="34" charset="0"/>
+              <a:latin typeface="Times New Roman" pitchFamily="18" charset="0"/>
+              <a:cs typeface="Times New Roman" pitchFamily="18" charset="0"/>
             </a:endParaRPr>
           </a:p>
         </p:txBody>
@@ -14011,53 +12214,26 @@
         </p:nvSpPr>
         <p:spPr>
           <a:xfrm>
-            <a:off x="-735154" y="1321257"/>
-            <a:ext cx="9218754" cy="5422443"/>
+            <a:off x="613235" y="1305408"/>
+            <a:ext cx="6727817" cy="3880773"/>
           </a:xfrm>
         </p:spPr>
         <p:txBody>
           <a:bodyPr>
-            <a:noAutofit/>
+            <a:normAutofit/>
           </a:bodyPr>
           <a:lstStyle/>
           <a:p>
-            <a:pPr lvl="3" algn="just">
+            <a:pPr>
               <a:buFont typeface="Wingdings" pitchFamily="2" charset="2"/>
               <a:buChar char="Ø"/>
             </a:pPr>
             <a:r>
-              <a:rPr lang="en-US" sz="2200">
-                <a:latin typeface="Times New Roman" pitchFamily="18" charset="0"/>
-                <a:cs typeface="Times New Roman" pitchFamily="18" charset="0"/>
-              </a:rPr>
-              <a:t>Phạm vi đề tài</a:t>
-            </a:r>
-            <a:r>
               <a:rPr lang="en-US" sz="2200" smtClean="0">
                 <a:latin typeface="Times New Roman" pitchFamily="18" charset="0"/>
                 <a:cs typeface="Times New Roman" pitchFamily="18" charset="0"/>
               </a:rPr>
-              <a:t>:</a:t>
-            </a:r>
-          </a:p>
-          <a:p>
-            <a:pPr lvl="4" algn="just">
-              <a:buFont typeface="Wingdings" pitchFamily="2" charset="2"/>
-              <a:buChar char="ü"/>
-            </a:pPr>
-            <a:r>
-              <a:rPr lang="en-US" sz="2200" smtClean="0">
-                <a:latin typeface="Times New Roman" pitchFamily="18" charset="0"/>
-                <a:cs typeface="Times New Roman" pitchFamily="18" charset="0"/>
-              </a:rPr>
-              <a:t>Hệ </a:t>
-            </a:r>
-            <a:r>
-              <a:rPr lang="en-US" sz="2200">
-                <a:latin typeface="Times New Roman" pitchFamily="18" charset="0"/>
-                <a:cs typeface="Times New Roman" pitchFamily="18" charset="0"/>
-              </a:rPr>
-              <a:t>thống chỉ quản lý hồ sơ của nhân viên trong công ty, không quản lý các hồ sơ của ứng viên. Mọi thông tin kỹ năng của một nhân sự đã được xác nhận bởi nhân viên nhân sự, hệ thống này không hỗ trợ quy trình, nghiệp vụ kiểm tra, xét duyệt hồ sơ của nhân viên. Để đăng nhập, người dùng của hệ thống này dùng chung tài khoản của FSoft</a:t>
+              <a:t>Usecase tổng quát:</a:t>
             </a:r>
           </a:p>
         </p:txBody>
@@ -14086,10 +12262,43 @@
           </a:p>
         </p:txBody>
       </p:sp>
+      <p:pic>
+        <p:nvPicPr>
+          <p:cNvPr id="5" name="Picture 4"/>
+          <p:cNvPicPr/>
+          <p:nvPr/>
+        </p:nvPicPr>
+        <p:blipFill>
+          <a:blip r:embed="rId2">
+            <a:extLst>
+              <a:ext uri="{28A0092B-C50C-407E-A947-70E740481C1C}">
+                <a14:useLocalDpi xmlns:a14="http://schemas.microsoft.com/office/drawing/2010/main" val="0"/>
+              </a:ext>
+            </a:extLst>
+          </a:blip>
+          <a:srcRect/>
+          <a:stretch>
+            <a:fillRect/>
+          </a:stretch>
+        </p:blipFill>
+        <p:spPr bwMode="auto">
+          <a:xfrm>
+            <a:off x="779100" y="114300"/>
+            <a:ext cx="7713736" cy="6743700"/>
+          </a:xfrm>
+          <a:prstGeom prst="rect">
+            <a:avLst/>
+          </a:prstGeom>
+          <a:noFill/>
+          <a:ln>
+            <a:noFill/>
+          </a:ln>
+        </p:spPr>
+      </p:pic>
     </p:spTree>
     <p:extLst>
       <p:ext uri="{BB962C8B-B14F-4D97-AF65-F5344CB8AC3E}">
-        <p14:creationId xmlns:p14="http://schemas.microsoft.com/office/powerpoint/2010/main" val="351132846"/>
+        <p14:creationId xmlns:p14="http://schemas.microsoft.com/office/powerpoint/2010/main" val="3685672323"/>
       </p:ext>
     </p:extLst>
   </p:cSld>
@@ -14125,37 +12334,6 @@
       </p:grpSpPr>
       <p:sp>
         <p:nvSpPr>
-          <p:cNvPr id="2" name="Title 1"/>
-          <p:cNvSpPr>
-            <a:spLocks noGrp="1"/>
-          </p:cNvSpPr>
-          <p:nvPr>
-            <p:ph type="title"/>
-          </p:nvPr>
-        </p:nvSpPr>
-        <p:spPr/>
-        <p:txBody>
-          <a:bodyPr>
-            <a:normAutofit/>
-          </a:bodyPr>
-          <a:lstStyle/>
-          <a:p>
-            <a:r>
-              <a:rPr lang="en-US" sz="4000" smtClean="0">
-                <a:latin typeface="Times New Roman" pitchFamily="18" charset="0"/>
-                <a:cs typeface="Times New Roman" pitchFamily="18" charset="0"/>
-              </a:rPr>
-              <a:t>3. Quá trình hiện thực</a:t>
-            </a:r>
-            <a:endParaRPr lang="en-US" sz="4000">
-              <a:latin typeface="Times New Roman" pitchFamily="18" charset="0"/>
-              <a:cs typeface="Times New Roman" pitchFamily="18" charset="0"/>
-            </a:endParaRPr>
-          </a:p>
-        </p:txBody>
-      </p:sp>
-      <p:sp>
-        <p:nvSpPr>
           <p:cNvPr id="4" name="Slide Number Placeholder 3"/>
           <p:cNvSpPr>
             <a:spLocks noGrp="1"/>
@@ -14178,266 +12356,652 @@
           </a:p>
         </p:txBody>
       </p:sp>
-      <p:sp>
-        <p:nvSpPr>
-          <p:cNvPr id="3" name="Content Placeholder 2"/>
-          <p:cNvSpPr>
-            <a:spLocks noGrp="1"/>
-          </p:cNvSpPr>
+      <p:graphicFrame>
+        <p:nvGraphicFramePr>
+          <p:cNvPr id="9" name="Content Placeholder 8"/>
+          <p:cNvGraphicFramePr>
+            <a:graphicFrameLocks noGrp="1"/>
+          </p:cNvGraphicFramePr>
           <p:nvPr>
             <p:ph idx="1"/>
-          </p:nvPr>
+            <p:extLst>
+              <p:ext uri="{D42A27DB-BD31-4B8C-83A1-F6EECF244321}">
+                <p14:modId xmlns:p14="http://schemas.microsoft.com/office/powerpoint/2010/main" val="303669266"/>
+              </p:ext>
+            </p:extLst>
+          </p:nvPr>
+        </p:nvGraphicFramePr>
+        <p:xfrm>
+          <a:off x="217714" y="1157515"/>
+          <a:ext cx="9608458" cy="5471455"/>
+        </p:xfrm>
+        <a:graphic>
+          <a:graphicData uri="http://schemas.openxmlformats.org/drawingml/2006/table">
+            <a:tbl>
+              <a:tblPr firstRow="1" bandRow="1">
+                <a:tableStyleId>{5C22544A-7EE6-4342-B048-85BDC9FD1C3A}</a:tableStyleId>
+              </a:tblPr>
+              <a:tblGrid>
+                <a:gridCol w="2598057"/>
+                <a:gridCol w="7010401"/>
+              </a:tblGrid>
+              <a:tr h="355517">
+                <a:tc>
+                  <a:txBody>
+                    <a:bodyPr/>
+                    <a:lstStyle/>
+                    <a:p>
+                      <a:pPr algn="ctr"/>
+                      <a:r>
+                        <a:rPr lang="en-US" smtClean="0"/>
+                        <a:t>Tác</a:t>
+                      </a:r>
+                      <a:r>
+                        <a:rPr lang="en-US" baseline="0" smtClean="0"/>
+                        <a:t> nhân</a:t>
+                      </a:r>
+                      <a:endParaRPr lang="en-US"/>
+                    </a:p>
+                  </a:txBody>
+                  <a:tcPr/>
+                </a:tc>
+                <a:tc>
+                  <a:txBody>
+                    <a:bodyPr/>
+                    <a:lstStyle/>
+                    <a:p>
+                      <a:pPr algn="ctr"/>
+                      <a:r>
+                        <a:rPr lang="en-US" smtClean="0"/>
+                        <a:t>Chức</a:t>
+                      </a:r>
+                      <a:r>
+                        <a:rPr lang="en-US" baseline="0" smtClean="0"/>
+                        <a:t> năng</a:t>
+                      </a:r>
+                      <a:endParaRPr lang="en-US"/>
+                    </a:p>
+                  </a:txBody>
+                  <a:tcPr/>
+                </a:tc>
+              </a:tr>
+              <a:tr h="859387">
+                <a:tc>
+                  <a:txBody>
+                    <a:bodyPr/>
+                    <a:lstStyle/>
+                    <a:p>
+                      <a:pPr algn="l"/>
+                      <a:r>
+                        <a:rPr lang="en-US" sz="2200" smtClean="0">
+                          <a:latin typeface="Times New Roman" pitchFamily="18" charset="0"/>
+                          <a:cs typeface="Times New Roman" pitchFamily="18" charset="0"/>
+                        </a:rPr>
+                        <a:t>Nhân</a:t>
+                      </a:r>
+                      <a:r>
+                        <a:rPr lang="en-US" sz="2200" baseline="0" smtClean="0">
+                          <a:latin typeface="Times New Roman" pitchFamily="18" charset="0"/>
+                          <a:cs typeface="Times New Roman" pitchFamily="18" charset="0"/>
+                        </a:rPr>
+                        <a:t> viên</a:t>
+                      </a:r>
+                      <a:endParaRPr lang="en-US" sz="2200">
+                        <a:latin typeface="Times New Roman" pitchFamily="18" charset="0"/>
+                        <a:cs typeface="Times New Roman" pitchFamily="18" charset="0"/>
+                      </a:endParaRPr>
+                    </a:p>
+                  </a:txBody>
+                  <a:tcPr/>
+                </a:tc>
+                <a:tc>
+                  <a:txBody>
+                    <a:bodyPr/>
+                    <a:lstStyle/>
+                    <a:p>
+                      <a:pPr marL="0" marR="0" lvl="1" indent="0" algn="l" defTabSz="394335" rtl="0" eaLnBrk="1" fontAlgn="auto" latinLnBrk="0" hangingPunct="1">
+                        <a:lnSpc>
+                          <a:spcPct val="100000"/>
+                        </a:lnSpc>
+                        <a:spcBef>
+                          <a:spcPts val="0"/>
+                        </a:spcBef>
+                        <a:spcAft>
+                          <a:spcPts val="0"/>
+                        </a:spcAft>
+                        <a:buClrTx/>
+                        <a:buSzTx/>
+                        <a:buFontTx/>
+                        <a:buNone/>
+                        <a:tabLst/>
+                        <a:defRPr/>
+                      </a:pPr>
+                      <a:r>
+                        <a:rPr lang="en-US" sz="2200" smtClean="0">
+                          <a:latin typeface="Times New Roman" pitchFamily="18" charset="0"/>
+                          <a:cs typeface="Times New Roman" pitchFamily="18" charset="0"/>
+                        </a:rPr>
+                        <a:t>Cập nhật thông tin cá nhân, </a:t>
+                      </a:r>
+                    </a:p>
+                    <a:p>
+                      <a:pPr marL="342900" marR="0" lvl="1" indent="-342900" algn="l" defTabSz="394335" rtl="0" eaLnBrk="1" fontAlgn="auto" latinLnBrk="0" hangingPunct="1">
+                        <a:lnSpc>
+                          <a:spcPct val="100000"/>
+                        </a:lnSpc>
+                        <a:spcBef>
+                          <a:spcPts val="0"/>
+                        </a:spcBef>
+                        <a:spcAft>
+                          <a:spcPts val="0"/>
+                        </a:spcAft>
+                        <a:buClrTx/>
+                        <a:buSzTx/>
+                        <a:buFontTx/>
+                        <a:buChar char="-"/>
+                        <a:tabLst/>
+                        <a:defRPr/>
+                      </a:pPr>
+                      <a:r>
+                        <a:rPr lang="en-US" sz="2200" smtClean="0">
+                          <a:latin typeface="Times New Roman" pitchFamily="18" charset="0"/>
+                          <a:cs typeface="Times New Roman" pitchFamily="18" charset="0"/>
+                        </a:rPr>
+                        <a:t>quản lý các thông tin về kỹ năng kỹ thuật, bằng cấp, chứng chỉ, ….</a:t>
+                      </a:r>
+                    </a:p>
+                    <a:p>
+                      <a:pPr marL="342900" marR="0" lvl="1" indent="-342900" algn="l" defTabSz="394335" rtl="0" eaLnBrk="1" fontAlgn="auto" latinLnBrk="0" hangingPunct="1">
+                        <a:lnSpc>
+                          <a:spcPct val="100000"/>
+                        </a:lnSpc>
+                        <a:spcBef>
+                          <a:spcPts val="0"/>
+                        </a:spcBef>
+                        <a:spcAft>
+                          <a:spcPts val="0"/>
+                        </a:spcAft>
+                        <a:buClrTx/>
+                        <a:buSzTx/>
+                        <a:buFontTx/>
+                        <a:buChar char="-"/>
+                        <a:tabLst/>
+                        <a:defRPr/>
+                      </a:pPr>
+                      <a:endParaRPr lang="en-US" sz="2200" smtClean="0">
+                        <a:latin typeface="Times New Roman" pitchFamily="18" charset="0"/>
+                        <a:cs typeface="Times New Roman" pitchFamily="18" charset="0"/>
+                      </a:endParaRPr>
+                    </a:p>
+                  </a:txBody>
+                  <a:tcPr/>
+                </a:tc>
+              </a:tr>
+              <a:tr h="1604843">
+                <a:tc>
+                  <a:txBody>
+                    <a:bodyPr/>
+                    <a:lstStyle/>
+                    <a:p>
+                      <a:pPr algn="l"/>
+                      <a:r>
+                        <a:rPr lang="en-US" sz="2200" smtClean="0">
+                          <a:latin typeface="Times New Roman" pitchFamily="18" charset="0"/>
+                          <a:cs typeface="Times New Roman" pitchFamily="18" charset="0"/>
+                        </a:rPr>
+                        <a:t>Nhân</a:t>
+                      </a:r>
+                      <a:r>
+                        <a:rPr lang="en-US" sz="2200" baseline="0" smtClean="0">
+                          <a:latin typeface="Times New Roman" pitchFamily="18" charset="0"/>
+                          <a:cs typeface="Times New Roman" pitchFamily="18" charset="0"/>
+                        </a:rPr>
+                        <a:t> viên nhân sự</a:t>
+                      </a:r>
+                      <a:endParaRPr lang="en-US" sz="2200">
+                        <a:latin typeface="Times New Roman" pitchFamily="18" charset="0"/>
+                        <a:cs typeface="Times New Roman" pitchFamily="18" charset="0"/>
+                      </a:endParaRPr>
+                    </a:p>
+                  </a:txBody>
+                  <a:tcPr/>
+                </a:tc>
+                <a:tc>
+                  <a:txBody>
+                    <a:bodyPr/>
+                    <a:lstStyle/>
+                    <a:p>
+                      <a:pPr marL="342900" marR="0" lvl="1" indent="-342900" algn="l" defTabSz="394335" rtl="0" eaLnBrk="1" fontAlgn="auto" latinLnBrk="0" hangingPunct="1">
+                        <a:lnSpc>
+                          <a:spcPct val="100000"/>
+                        </a:lnSpc>
+                        <a:spcBef>
+                          <a:spcPts val="0"/>
+                        </a:spcBef>
+                        <a:spcAft>
+                          <a:spcPts val="0"/>
+                        </a:spcAft>
+                        <a:buClrTx/>
+                        <a:buSzTx/>
+                        <a:buFontTx/>
+                        <a:buChar char="-"/>
+                        <a:tabLst/>
+                        <a:defRPr/>
+                      </a:pPr>
+                      <a:r>
+                        <a:rPr lang="en-US" sz="2200" smtClean="0">
+                          <a:latin typeface="Times New Roman" pitchFamily="18" charset="0"/>
+                          <a:cs typeface="Times New Roman" pitchFamily="18" charset="0"/>
+                        </a:rPr>
+                        <a:t>quản lý, cập nhật, xác thực thông tin hồ sơ của toàn bộ của nhân viên. </a:t>
+                      </a:r>
+                    </a:p>
+                    <a:p>
+                      <a:pPr marL="342900" marR="0" lvl="1" indent="-342900" algn="l" defTabSz="394335" rtl="0" eaLnBrk="1" fontAlgn="auto" latinLnBrk="0" hangingPunct="1">
+                        <a:lnSpc>
+                          <a:spcPct val="100000"/>
+                        </a:lnSpc>
+                        <a:spcBef>
+                          <a:spcPts val="0"/>
+                        </a:spcBef>
+                        <a:spcAft>
+                          <a:spcPts val="0"/>
+                        </a:spcAft>
+                        <a:buClrTx/>
+                        <a:buSzTx/>
+                        <a:buFontTx/>
+                        <a:buChar char="-"/>
+                        <a:tabLst/>
+                        <a:defRPr/>
+                      </a:pPr>
+                      <a:r>
+                        <a:rPr lang="en-US" sz="2200" smtClean="0">
+                          <a:latin typeface="Times New Roman" pitchFamily="18" charset="0"/>
+                          <a:cs typeface="Times New Roman" pitchFamily="18" charset="0"/>
+                        </a:rPr>
+                        <a:t>Thống kê kỹ năng. </a:t>
+                      </a:r>
+                    </a:p>
+                    <a:p>
+                      <a:pPr marL="342900" marR="0" lvl="1" indent="-342900" algn="l" defTabSz="394335" rtl="0" eaLnBrk="1" fontAlgn="auto" latinLnBrk="0" hangingPunct="1">
+                        <a:lnSpc>
+                          <a:spcPct val="100000"/>
+                        </a:lnSpc>
+                        <a:spcBef>
+                          <a:spcPts val="0"/>
+                        </a:spcBef>
+                        <a:spcAft>
+                          <a:spcPts val="0"/>
+                        </a:spcAft>
+                        <a:buClrTx/>
+                        <a:buSzTx/>
+                        <a:buFontTx/>
+                        <a:buChar char="-"/>
+                        <a:tabLst/>
+                        <a:defRPr/>
+                      </a:pPr>
+                      <a:r>
+                        <a:rPr lang="en-US" sz="2200" smtClean="0">
+                          <a:latin typeface="Times New Roman" pitchFamily="18" charset="0"/>
+                          <a:cs typeface="Times New Roman" pitchFamily="18" charset="0"/>
+                        </a:rPr>
+                        <a:t>Xem nhật ký thay đổi hồ sơ của nhân viên. </a:t>
+                      </a:r>
+                    </a:p>
+                    <a:p>
+                      <a:pPr marL="342900" marR="0" lvl="1" indent="-342900" algn="l" defTabSz="394335" rtl="0" eaLnBrk="1" fontAlgn="auto" latinLnBrk="0" hangingPunct="1">
+                        <a:lnSpc>
+                          <a:spcPct val="100000"/>
+                        </a:lnSpc>
+                        <a:spcBef>
+                          <a:spcPts val="0"/>
+                        </a:spcBef>
+                        <a:spcAft>
+                          <a:spcPts val="0"/>
+                        </a:spcAft>
+                        <a:buClrTx/>
+                        <a:buSzTx/>
+                        <a:buFontTx/>
+                        <a:buChar char="-"/>
+                        <a:tabLst/>
+                        <a:defRPr/>
+                      </a:pPr>
+                      <a:r>
+                        <a:rPr lang="en-US" sz="2200" smtClean="0">
+                          <a:latin typeface="Times New Roman" pitchFamily="18" charset="0"/>
+                          <a:cs typeface="Times New Roman" pitchFamily="18" charset="0"/>
+                        </a:rPr>
+                        <a:t>Quản lý dữ liệu hiển thị động của hệ thống.</a:t>
+                      </a:r>
+                    </a:p>
+                  </a:txBody>
+                  <a:tcPr/>
+                </a:tc>
+              </a:tr>
+              <a:tr h="1915538">
+                <a:tc>
+                  <a:txBody>
+                    <a:bodyPr/>
+                    <a:lstStyle/>
+                    <a:p>
+                      <a:pPr algn="l"/>
+                      <a:r>
+                        <a:rPr lang="en-US" sz="2200" smtClean="0">
+                          <a:latin typeface="Times New Roman" pitchFamily="18" charset="0"/>
+                          <a:cs typeface="Times New Roman" pitchFamily="18" charset="0"/>
+                        </a:rPr>
+                        <a:t>Nhân</a:t>
+                      </a:r>
+                      <a:r>
+                        <a:rPr lang="en-US" sz="2200" baseline="0" smtClean="0">
+                          <a:latin typeface="Times New Roman" pitchFamily="18" charset="0"/>
+                          <a:cs typeface="Times New Roman" pitchFamily="18" charset="0"/>
+                        </a:rPr>
+                        <a:t> viên quản lý dự án</a:t>
+                      </a:r>
+                      <a:endParaRPr lang="en-US" sz="2200">
+                        <a:latin typeface="Times New Roman" pitchFamily="18" charset="0"/>
+                        <a:cs typeface="Times New Roman" pitchFamily="18" charset="0"/>
+                      </a:endParaRPr>
+                    </a:p>
+                  </a:txBody>
+                  <a:tcPr/>
+                </a:tc>
+                <a:tc>
+                  <a:txBody>
+                    <a:bodyPr/>
+                    <a:lstStyle/>
+                    <a:p>
+                      <a:pPr algn="l"/>
+                      <a:r>
+                        <a:rPr lang="en-US" sz="2200" smtClean="0">
+                          <a:latin typeface="Times New Roman" pitchFamily="18" charset="0"/>
+                          <a:cs typeface="Times New Roman" pitchFamily="18" charset="0"/>
+                        </a:rPr>
+                        <a:t>thêm, chỉnh sửa, xóa thông tin các dự án của công ty mà mình đang phụ trách; tìm kiếm nhân viên trong hệ thống phù hợp với dự án đang cần tuyển thêm nhân lực phục vụ quá trình phỏng vấn ứng viên nhanh chóng</a:t>
+                      </a:r>
+                      <a:endParaRPr lang="en-US" sz="2200">
+                        <a:latin typeface="Times New Roman" pitchFamily="18" charset="0"/>
+                        <a:cs typeface="Times New Roman" pitchFamily="18" charset="0"/>
+                      </a:endParaRPr>
+                    </a:p>
+                  </a:txBody>
+                  <a:tcPr/>
+                </a:tc>
+              </a:tr>
+            </a:tbl>
+          </a:graphicData>
+        </a:graphic>
+      </p:graphicFrame>
+      <p:sp>
+        <p:nvSpPr>
+          <p:cNvPr id="10" name="Content Placeholder 2"/>
+          <p:cNvSpPr txBox="1">
+            <a:spLocks/>
+          </p:cNvSpPr>
+          <p:nvPr/>
         </p:nvSpPr>
         <p:spPr>
           <a:xfrm>
-            <a:off x="558800" y="1318050"/>
-            <a:ext cx="8039099" cy="3825450"/>
+            <a:off x="401378" y="406853"/>
+            <a:ext cx="9657022" cy="5590268"/>
           </a:xfrm>
+          <a:prstGeom prst="rect">
+            <a:avLst/>
+          </a:prstGeom>
         </p:spPr>
         <p:txBody>
-          <a:bodyPr>
+          <a:bodyPr vert="horz" lIns="91440" tIns="45720" rIns="91440" bIns="45720" rtlCol="0">
             <a:noAutofit/>
           </a:bodyPr>
-          <a:lstStyle/>
-          <a:p>
-            <a:pPr fontAlgn="base">
-              <a:buFont typeface="Wingdings" pitchFamily="2" charset="2"/>
-              <a:buChar char="Ø"/>
-            </a:pPr>
-            <a:r>
-              <a:rPr lang="en-US" sz="2200" smtClean="0">
-                <a:latin typeface="Times New Roman" pitchFamily="18" charset="0"/>
-                <a:cs typeface="Times New Roman" pitchFamily="18" charset="0"/>
-              </a:rPr>
-              <a:t>Nhóm thực hiện phát triển hệ thống theo quy trình Agile.</a:t>
-            </a:r>
-          </a:p>
-          <a:p>
-            <a:pPr fontAlgn="base">
-              <a:buFont typeface="Wingdings" pitchFamily="2" charset="2"/>
-              <a:buChar char="Ø"/>
-            </a:pPr>
-            <a:r>
-              <a:rPr lang="vi-VN" sz="2200" smtClean="0">
-                <a:latin typeface="Times New Roman" pitchFamily="18" charset="0"/>
-                <a:cs typeface="Times New Roman" pitchFamily="18" charset="0"/>
-              </a:rPr>
-              <a:t>Ban </a:t>
-            </a:r>
-            <a:r>
-              <a:rPr lang="vi-VN" sz="2200">
-                <a:latin typeface="Times New Roman" pitchFamily="18" charset="0"/>
-                <a:cs typeface="Times New Roman" pitchFamily="18" charset="0"/>
-              </a:rPr>
-              <a:t>đầu yêu cầu cùa khách hàng không phải lúc nào cũng rõ ràng, khó mà xác định “đúng” được. Thay vì bỏ ra 1 khoảng thời gian để xác định hết yêu cầu của khách hàng, chúng ta có thể phát triển dần dần, từ </a:t>
-            </a:r>
-            <a:r>
-              <a:rPr lang="vi-VN" sz="2200" smtClean="0">
-                <a:latin typeface="Times New Roman" pitchFamily="18" charset="0"/>
-                <a:cs typeface="Times New Roman" pitchFamily="18" charset="0"/>
-              </a:rPr>
-              <a:t>từ</a:t>
-            </a:r>
-            <a:r>
-              <a:rPr lang="en-US" sz="2200" smtClean="0">
-                <a:latin typeface="Times New Roman" pitchFamily="18" charset="0"/>
-                <a:cs typeface="Times New Roman" pitchFamily="18" charset="0"/>
-              </a:rPr>
-              <a:t> để</a:t>
-            </a:r>
-            <a:r>
-              <a:rPr lang="vi-VN" sz="2200" smtClean="0">
-                <a:latin typeface="Times New Roman" pitchFamily="18" charset="0"/>
-                <a:cs typeface="Times New Roman" pitchFamily="18" charset="0"/>
-              </a:rPr>
-              <a:t> </a:t>
-            </a:r>
-            <a:r>
-              <a:rPr lang="vi-VN" sz="2200">
-                <a:latin typeface="Times New Roman" pitchFamily="18" charset="0"/>
-                <a:cs typeface="Times New Roman" pitchFamily="18" charset="0"/>
-              </a:rPr>
-              <a:t>hiểu yêu cầu của khách hàng. </a:t>
-            </a:r>
-            <a:r>
-              <a:rPr lang="en-US" sz="2200">
-                <a:latin typeface="Times New Roman" pitchFamily="18" charset="0"/>
-                <a:cs typeface="Times New Roman" pitchFamily="18" charset="0"/>
-              </a:rPr>
-              <a:t>S</a:t>
-            </a:r>
-            <a:r>
-              <a:rPr lang="vi-VN" sz="2200" smtClean="0">
-                <a:latin typeface="Times New Roman" pitchFamily="18" charset="0"/>
-                <a:cs typeface="Times New Roman" pitchFamily="18" charset="0"/>
-              </a:rPr>
-              <a:t>au </a:t>
-            </a:r>
-            <a:r>
-              <a:rPr lang="vi-VN" sz="2200">
-                <a:latin typeface="Times New Roman" pitchFamily="18" charset="0"/>
-                <a:cs typeface="Times New Roman" pitchFamily="18" charset="0"/>
-              </a:rPr>
-              <a:t>mỗi </a:t>
-            </a:r>
-            <a:r>
-              <a:rPr lang="en-US" sz="2200" smtClean="0">
-                <a:latin typeface="Times New Roman" pitchFamily="18" charset="0"/>
-                <a:cs typeface="Times New Roman" pitchFamily="18" charset="0"/>
-              </a:rPr>
-              <a:t>khoảng thời gian</a:t>
-            </a:r>
-            <a:r>
-              <a:rPr lang="vi-VN" sz="2200" smtClean="0">
-                <a:latin typeface="Times New Roman" pitchFamily="18" charset="0"/>
-                <a:cs typeface="Times New Roman" pitchFamily="18" charset="0"/>
-              </a:rPr>
-              <a:t>, </a:t>
-            </a:r>
-            <a:r>
-              <a:rPr lang="vi-VN" sz="2200">
-                <a:latin typeface="Times New Roman" pitchFamily="18" charset="0"/>
-                <a:cs typeface="Times New Roman" pitchFamily="18" charset="0"/>
-              </a:rPr>
-              <a:t>sản phẩm đưa ra đó là hệ </a:t>
-            </a:r>
-            <a:r>
-              <a:rPr lang="vi-VN" sz="2200" smtClean="0">
-                <a:latin typeface="Times New Roman" pitchFamily="18" charset="0"/>
-                <a:cs typeface="Times New Roman" pitchFamily="18" charset="0"/>
-              </a:rPr>
-              <a:t>thống</a:t>
-            </a:r>
-            <a:r>
-              <a:rPr lang="en-US" sz="2200" smtClean="0">
-                <a:latin typeface="Times New Roman" pitchFamily="18" charset="0"/>
-                <a:cs typeface="Times New Roman" pitchFamily="18" charset="0"/>
-              </a:rPr>
-              <a:t> hoàn </a:t>
-            </a:r>
-            <a:r>
-              <a:rPr lang="vi-VN" sz="2200" smtClean="0">
-                <a:latin typeface="Times New Roman" pitchFamily="18" charset="0"/>
-                <a:cs typeface="Times New Roman" pitchFamily="18" charset="0"/>
-              </a:rPr>
-              <a:t>chỉnh </a:t>
-            </a:r>
-            <a:r>
-              <a:rPr lang="vi-VN" sz="2200">
-                <a:latin typeface="Times New Roman" pitchFamily="18" charset="0"/>
-                <a:cs typeface="Times New Roman" pitchFamily="18" charset="0"/>
-              </a:rPr>
-              <a:t>cho dù chức năng còn ít và khách hàng có thể biết được sản phầm của mình </a:t>
-            </a:r>
-            <a:r>
-              <a:rPr lang="en-US" sz="2200" smtClean="0">
-                <a:latin typeface="Times New Roman" pitchFamily="18" charset="0"/>
-                <a:cs typeface="Times New Roman" pitchFamily="18" charset="0"/>
-              </a:rPr>
-              <a:t>hiện đang </a:t>
-            </a:r>
-            <a:r>
-              <a:rPr lang="vi-VN" sz="2200" smtClean="0">
-                <a:latin typeface="Times New Roman" pitchFamily="18" charset="0"/>
-                <a:cs typeface="Times New Roman" pitchFamily="18" charset="0"/>
-              </a:rPr>
-              <a:t>như </a:t>
-            </a:r>
-            <a:r>
-              <a:rPr lang="vi-VN" sz="2200">
-                <a:latin typeface="Times New Roman" pitchFamily="18" charset="0"/>
-                <a:cs typeface="Times New Roman" pitchFamily="18" charset="0"/>
-              </a:rPr>
-              <a:t>thế </a:t>
-            </a:r>
-            <a:r>
-              <a:rPr lang="vi-VN" sz="2200" smtClean="0">
-                <a:latin typeface="Times New Roman" pitchFamily="18" charset="0"/>
-                <a:cs typeface="Times New Roman" pitchFamily="18" charset="0"/>
-              </a:rPr>
-              <a:t>nào</a:t>
-            </a:r>
-            <a:r>
-              <a:rPr lang="en-US" sz="2200">
-                <a:latin typeface="Times New Roman" pitchFamily="18" charset="0"/>
-                <a:cs typeface="Times New Roman" pitchFamily="18" charset="0"/>
-              </a:rPr>
-              <a:t>.</a:t>
-            </a:r>
-            <a:endParaRPr lang="vi-VN" sz="2200">
-              <a:latin typeface="Times New Roman" pitchFamily="18" charset="0"/>
-              <a:cs typeface="Times New Roman" pitchFamily="18" charset="0"/>
-            </a:endParaRPr>
-          </a:p>
-          <a:p>
-            <a:pPr fontAlgn="base">
-              <a:buFont typeface="Wingdings" pitchFamily="2" charset="2"/>
-              <a:buChar char="Ø"/>
-            </a:pPr>
-            <a:r>
-              <a:rPr lang="vi-VN" sz="2200" smtClean="0">
-                <a:latin typeface="Times New Roman" pitchFamily="18" charset="0"/>
-                <a:cs typeface="Times New Roman" pitchFamily="18" charset="0"/>
-              </a:rPr>
-              <a:t>Khách </a:t>
-            </a:r>
-            <a:r>
-              <a:rPr lang="vi-VN" sz="2200">
-                <a:latin typeface="Times New Roman" pitchFamily="18" charset="0"/>
-                <a:cs typeface="Times New Roman" pitchFamily="18" charset="0"/>
-              </a:rPr>
-              <a:t>hàng có thể thay đổi yêu cầu bất cứ lúc nào, </a:t>
-            </a:r>
-            <a:r>
-              <a:rPr lang="en-US" sz="2200" smtClean="0">
-                <a:latin typeface="Times New Roman" pitchFamily="18" charset="0"/>
-                <a:cs typeface="Times New Roman" pitchFamily="18" charset="0"/>
-              </a:rPr>
-              <a:t>quy trình Agile</a:t>
-            </a:r>
-            <a:r>
-              <a:rPr lang="en-US" sz="2400" b="1"/>
-              <a:t> </a:t>
-            </a:r>
-            <a:r>
-              <a:rPr lang="vi-VN" sz="2200" smtClean="0">
-                <a:latin typeface="Times New Roman" pitchFamily="18" charset="0"/>
-                <a:cs typeface="Times New Roman" pitchFamily="18" charset="0"/>
-              </a:rPr>
-              <a:t>được </a:t>
-            </a:r>
-            <a:r>
-              <a:rPr lang="vi-VN" sz="2200">
-                <a:latin typeface="Times New Roman" pitchFamily="18" charset="0"/>
-                <a:cs typeface="Times New Roman" pitchFamily="18" charset="0"/>
-              </a:rPr>
-              <a:t>đưa ra để đáp ứng việc </a:t>
-            </a:r>
-            <a:r>
-              <a:rPr lang="vi-VN" sz="2200" smtClean="0">
-                <a:latin typeface="Times New Roman" pitchFamily="18" charset="0"/>
-                <a:cs typeface="Times New Roman" pitchFamily="18" charset="0"/>
-              </a:rPr>
-              <a:t>này</a:t>
-            </a:r>
-            <a:r>
-              <a:rPr lang="en-US" sz="2200">
-                <a:latin typeface="Times New Roman" pitchFamily="18" charset="0"/>
-                <a:cs typeface="Times New Roman" pitchFamily="18" charset="0"/>
-              </a:rPr>
-              <a:t>.</a:t>
-            </a:r>
-            <a:endParaRPr lang="vi-VN" sz="2200">
-              <a:latin typeface="Times New Roman" pitchFamily="18" charset="0"/>
-              <a:cs typeface="Times New Roman" pitchFamily="18" charset="0"/>
-            </a:endParaRPr>
-          </a:p>
+          <a:lstStyle>
+            <a:lvl1pPr marL="295751" indent="-295751" algn="l" defTabSz="394335" rtl="0" eaLnBrk="1" latinLnBrk="0" hangingPunct="1">
+              <a:spcBef>
+                <a:spcPts val="863"/>
+              </a:spcBef>
+              <a:spcAft>
+                <a:spcPts val="0"/>
+              </a:spcAft>
+              <a:buClr>
+                <a:schemeClr val="accent1"/>
+              </a:buClr>
+              <a:buSzPct val="80000"/>
+              <a:buFont typeface="Wingdings 3" charset="2"/>
+              <a:buChar char=""/>
+              <a:defRPr sz="1553" kern="1200">
+                <a:solidFill>
+                  <a:schemeClr val="tx1">
+                    <a:lumMod val="75000"/>
+                    <a:lumOff val="25000"/>
+                  </a:schemeClr>
+                </a:solidFill>
+                <a:latin typeface="+mn-lt"/>
+                <a:ea typeface="+mn-ea"/>
+                <a:cs typeface="+mn-cs"/>
+              </a:defRPr>
+            </a:lvl1pPr>
+            <a:lvl2pPr marL="640794" indent="-246459" algn="l" defTabSz="394335" rtl="0" eaLnBrk="1" latinLnBrk="0" hangingPunct="1">
+              <a:spcBef>
+                <a:spcPts val="863"/>
+              </a:spcBef>
+              <a:spcAft>
+                <a:spcPts val="0"/>
+              </a:spcAft>
+              <a:buClr>
+                <a:schemeClr val="accent1"/>
+              </a:buClr>
+              <a:buSzPct val="80000"/>
+              <a:buFont typeface="Wingdings 3" charset="2"/>
+              <a:buChar char=""/>
+              <a:defRPr sz="1380" kern="1200">
+                <a:solidFill>
+                  <a:schemeClr val="tx1">
+                    <a:lumMod val="75000"/>
+                    <a:lumOff val="25000"/>
+                  </a:schemeClr>
+                </a:solidFill>
+                <a:latin typeface="+mn-lt"/>
+                <a:ea typeface="+mn-ea"/>
+                <a:cs typeface="+mn-cs"/>
+              </a:defRPr>
+            </a:lvl2pPr>
+            <a:lvl3pPr marL="985838" indent="-197168" algn="l" defTabSz="394335" rtl="0" eaLnBrk="1" latinLnBrk="0" hangingPunct="1">
+              <a:spcBef>
+                <a:spcPts val="863"/>
+              </a:spcBef>
+              <a:spcAft>
+                <a:spcPts val="0"/>
+              </a:spcAft>
+              <a:buClr>
+                <a:schemeClr val="accent1"/>
+              </a:buClr>
+              <a:buSzPct val="80000"/>
+              <a:buFont typeface="Wingdings 3" charset="2"/>
+              <a:buChar char=""/>
+              <a:defRPr sz="1208" kern="1200">
+                <a:solidFill>
+                  <a:schemeClr val="tx1">
+                    <a:lumMod val="75000"/>
+                    <a:lumOff val="25000"/>
+                  </a:schemeClr>
+                </a:solidFill>
+                <a:latin typeface="+mn-lt"/>
+                <a:ea typeface="+mn-ea"/>
+                <a:cs typeface="+mn-cs"/>
+              </a:defRPr>
+            </a:lvl3pPr>
+            <a:lvl4pPr marL="1380173" indent="-197168" algn="l" defTabSz="394335" rtl="0" eaLnBrk="1" latinLnBrk="0" hangingPunct="1">
+              <a:spcBef>
+                <a:spcPts val="863"/>
+              </a:spcBef>
+              <a:spcAft>
+                <a:spcPts val="0"/>
+              </a:spcAft>
+              <a:buClr>
+                <a:schemeClr val="accent1"/>
+              </a:buClr>
+              <a:buSzPct val="80000"/>
+              <a:buFont typeface="Wingdings 3" charset="2"/>
+              <a:buChar char=""/>
+              <a:defRPr sz="1035" kern="1200">
+                <a:solidFill>
+                  <a:schemeClr val="tx1">
+                    <a:lumMod val="75000"/>
+                    <a:lumOff val="25000"/>
+                  </a:schemeClr>
+                </a:solidFill>
+                <a:latin typeface="+mn-lt"/>
+                <a:ea typeface="+mn-ea"/>
+                <a:cs typeface="+mn-cs"/>
+              </a:defRPr>
+            </a:lvl4pPr>
+            <a:lvl5pPr marL="1774508" indent="-197168" algn="l" defTabSz="394335" rtl="0" eaLnBrk="1" latinLnBrk="0" hangingPunct="1">
+              <a:spcBef>
+                <a:spcPts val="863"/>
+              </a:spcBef>
+              <a:spcAft>
+                <a:spcPts val="0"/>
+              </a:spcAft>
+              <a:buClr>
+                <a:schemeClr val="accent1"/>
+              </a:buClr>
+              <a:buSzPct val="80000"/>
+              <a:buFont typeface="Wingdings 3" charset="2"/>
+              <a:buChar char=""/>
+              <a:defRPr sz="1035" kern="1200">
+                <a:solidFill>
+                  <a:schemeClr val="tx1">
+                    <a:lumMod val="75000"/>
+                    <a:lumOff val="25000"/>
+                  </a:schemeClr>
+                </a:solidFill>
+                <a:latin typeface="+mn-lt"/>
+                <a:ea typeface="+mn-ea"/>
+                <a:cs typeface="+mn-cs"/>
+              </a:defRPr>
+            </a:lvl5pPr>
+            <a:lvl6pPr marL="2168843" indent="-197168" algn="l" defTabSz="394335" rtl="0" eaLnBrk="1" latinLnBrk="0" hangingPunct="1">
+              <a:spcBef>
+                <a:spcPts val="863"/>
+              </a:spcBef>
+              <a:spcAft>
+                <a:spcPts val="0"/>
+              </a:spcAft>
+              <a:buClr>
+                <a:schemeClr val="accent1"/>
+              </a:buClr>
+              <a:buSzPct val="80000"/>
+              <a:buFont typeface="Wingdings 3" charset="2"/>
+              <a:buChar char=""/>
+              <a:defRPr sz="1035" kern="1200">
+                <a:solidFill>
+                  <a:schemeClr val="tx1">
+                    <a:lumMod val="75000"/>
+                    <a:lumOff val="25000"/>
+                  </a:schemeClr>
+                </a:solidFill>
+                <a:latin typeface="+mn-lt"/>
+                <a:ea typeface="+mn-ea"/>
+                <a:cs typeface="+mn-cs"/>
+              </a:defRPr>
+            </a:lvl6pPr>
+            <a:lvl7pPr marL="2563178" indent="-197168" algn="l" defTabSz="394335" rtl="0" eaLnBrk="1" latinLnBrk="0" hangingPunct="1">
+              <a:spcBef>
+                <a:spcPts val="863"/>
+              </a:spcBef>
+              <a:spcAft>
+                <a:spcPts val="0"/>
+              </a:spcAft>
+              <a:buClr>
+                <a:schemeClr val="accent1"/>
+              </a:buClr>
+              <a:buSzPct val="80000"/>
+              <a:buFont typeface="Wingdings 3" charset="2"/>
+              <a:buChar char=""/>
+              <a:defRPr sz="1035" kern="1200">
+                <a:solidFill>
+                  <a:schemeClr val="tx1">
+                    <a:lumMod val="75000"/>
+                    <a:lumOff val="25000"/>
+                  </a:schemeClr>
+                </a:solidFill>
+                <a:latin typeface="+mn-lt"/>
+                <a:ea typeface="+mn-ea"/>
+                <a:cs typeface="+mn-cs"/>
+              </a:defRPr>
+            </a:lvl7pPr>
+            <a:lvl8pPr marL="2957513" indent="-197168" algn="l" defTabSz="394335" rtl="0" eaLnBrk="1" latinLnBrk="0" hangingPunct="1">
+              <a:spcBef>
+                <a:spcPts val="863"/>
+              </a:spcBef>
+              <a:spcAft>
+                <a:spcPts val="0"/>
+              </a:spcAft>
+              <a:buClr>
+                <a:schemeClr val="accent1"/>
+              </a:buClr>
+              <a:buSzPct val="80000"/>
+              <a:buFont typeface="Wingdings 3" charset="2"/>
+              <a:buChar char=""/>
+              <a:defRPr sz="1035" kern="1200">
+                <a:solidFill>
+                  <a:schemeClr val="tx1">
+                    <a:lumMod val="75000"/>
+                    <a:lumOff val="25000"/>
+                  </a:schemeClr>
+                </a:solidFill>
+                <a:latin typeface="+mn-lt"/>
+                <a:ea typeface="+mn-ea"/>
+                <a:cs typeface="+mn-cs"/>
+              </a:defRPr>
+            </a:lvl8pPr>
+            <a:lvl9pPr marL="3351848" indent="-197168" algn="l" defTabSz="394335" rtl="0" eaLnBrk="1" latinLnBrk="0" hangingPunct="1">
+              <a:spcBef>
+                <a:spcPts val="863"/>
+              </a:spcBef>
+              <a:spcAft>
+                <a:spcPts val="0"/>
+              </a:spcAft>
+              <a:buClr>
+                <a:schemeClr val="accent1"/>
+              </a:buClr>
+              <a:buSzPct val="80000"/>
+              <a:buFont typeface="Wingdings 3" charset="2"/>
+              <a:buChar char=""/>
+              <a:defRPr sz="1035" kern="1200">
+                <a:solidFill>
+                  <a:schemeClr val="tx1">
+                    <a:lumMod val="75000"/>
+                    <a:lumOff val="25000"/>
+                  </a:schemeClr>
+                </a:solidFill>
+                <a:latin typeface="+mn-lt"/>
+                <a:ea typeface="+mn-ea"/>
+                <a:cs typeface="+mn-cs"/>
+              </a:defRPr>
+            </a:lvl9pPr>
+          </a:lstStyle>
           <a:p>
             <a:pPr>
               <a:buFont typeface="Wingdings" pitchFamily="2" charset="2"/>
               <a:buChar char="Ø"/>
             </a:pPr>
+            <a:r>
+              <a:rPr lang="en-US" sz="2200" smtClean="0">
+                <a:solidFill>
+                  <a:schemeClr val="tx1"/>
+                </a:solidFill>
+                <a:latin typeface="Times New Roman" pitchFamily="18" charset="0"/>
+                <a:cs typeface="Times New Roman" pitchFamily="18" charset="0"/>
+              </a:rPr>
+              <a:t>Các tác nhân của hệ thống:</a:t>
+            </a:r>
+          </a:p>
+          <a:p>
             <a:endParaRPr lang="en-US" sz="2200">
+              <a:solidFill>
+                <a:schemeClr val="tx1"/>
+              </a:solidFill>
               <a:latin typeface="Times New Roman" pitchFamily="18" charset="0"/>
               <a:cs typeface="Times New Roman" pitchFamily="18" charset="0"/>
             </a:endParaRPr>
@@ -14447,7 +13011,7 @@
     </p:spTree>
     <p:extLst>
       <p:ext uri="{BB962C8B-B14F-4D97-AF65-F5344CB8AC3E}">
-        <p14:creationId xmlns:p14="http://schemas.microsoft.com/office/powerpoint/2010/main" val="2893450741"/>
+        <p14:creationId xmlns:p14="http://schemas.microsoft.com/office/powerpoint/2010/main" val="4236852523"/>
       </p:ext>
     </p:extLst>
   </p:cSld>
@@ -14483,384 +13047,77 @@
       </p:grpSpPr>
       <p:sp>
         <p:nvSpPr>
-          <p:cNvPr id="2" name="Title 1"/>
-          <p:cNvSpPr>
-            <a:spLocks noGrp="1"/>
-          </p:cNvSpPr>
-          <p:nvPr>
-            <p:ph type="title"/>
-          </p:nvPr>
-        </p:nvSpPr>
-        <p:spPr/>
+          <p:cNvPr id="3" name="Content Placeholder 2"/>
+          <p:cNvSpPr>
+            <a:spLocks noGrp="1"/>
+          </p:cNvSpPr>
+          <p:nvPr>
+            <p:ph idx="1"/>
+          </p:nvPr>
+        </p:nvSpPr>
+        <p:spPr>
+          <a:xfrm>
+            <a:off x="0" y="157350"/>
+            <a:ext cx="9657022" cy="1685306"/>
+          </a:xfrm>
+        </p:spPr>
         <p:txBody>
           <a:bodyPr>
             <a:normAutofit/>
           </a:bodyPr>
           <a:lstStyle/>
           <a:p>
-            <a:r>
-              <a:rPr lang="en-US" sz="4000">
-                <a:latin typeface="Times New Roman" pitchFamily="18" charset="0"/>
-                <a:cs typeface="Times New Roman" pitchFamily="18" charset="0"/>
-              </a:rPr>
-              <a:t>4</a:t>
-            </a:r>
-            <a:r>
-              <a:rPr lang="en-US" sz="4000" smtClean="0">
-                <a:latin typeface="Times New Roman" pitchFamily="18" charset="0"/>
-                <a:cs typeface="Times New Roman" pitchFamily="18" charset="0"/>
-              </a:rPr>
-              <a:t>. </a:t>
-            </a:r>
-            <a:r>
-              <a:rPr lang="en-US" sz="4000" err="1" smtClean="0">
-                <a:latin typeface="Times New Roman" pitchFamily="18" charset="0"/>
-                <a:cs typeface="Times New Roman" pitchFamily="18" charset="0"/>
-              </a:rPr>
-              <a:t>Phân</a:t>
-            </a:r>
-            <a:r>
-              <a:rPr lang="en-US" sz="4000" smtClean="0">
-                <a:latin typeface="Times New Roman" pitchFamily="18" charset="0"/>
-                <a:cs typeface="Times New Roman" pitchFamily="18" charset="0"/>
-              </a:rPr>
-              <a:t> tích, thiết kế</a:t>
-            </a:r>
-            <a:endParaRPr lang="en-US" sz="4000">
+            <a:pPr>
+              <a:buFont typeface="Wingdings" pitchFamily="2" charset="2"/>
+              <a:buChar char="Ø"/>
+            </a:pPr>
+            <a:r>
+              <a:rPr lang="en-US" sz="2200" smtClean="0">
+                <a:solidFill>
+                  <a:schemeClr val="tx1"/>
+                </a:solidFill>
+                <a:latin typeface="Times New Roman" pitchFamily="18" charset="0"/>
+                <a:cs typeface="Times New Roman" pitchFamily="18" charset="0"/>
+              </a:rPr>
+              <a:t>Mô hình lớp </a:t>
+            </a:r>
+            <a:r>
+              <a:rPr lang="en-US" sz="2200">
+                <a:latin typeface="Times New Roman" pitchFamily="18" charset="0"/>
+                <a:cs typeface="Times New Roman" pitchFamily="18" charset="0"/>
+              </a:rPr>
+              <a:t>chỉ bao gồm </a:t>
+            </a:r>
+            <a:r>
+              <a:rPr lang="en-US" sz="2200">
+                <a:latin typeface="Times New Roman" pitchFamily="18" charset="0"/>
+                <a:cs typeface="Times New Roman" pitchFamily="18" charset="0"/>
+              </a:rPr>
+              <a:t>các </a:t>
+            </a:r>
+            <a:r>
+              <a:rPr lang="en-US" sz="2200" smtClean="0">
+                <a:latin typeface="Times New Roman" pitchFamily="18" charset="0"/>
+                <a:cs typeface="Times New Roman" pitchFamily="18" charset="0"/>
+              </a:rPr>
+              <a:t>Entity:</a:t>
+            </a:r>
+            <a:endParaRPr lang="en-US" sz="2200" smtClean="0">
+              <a:solidFill>
+                <a:schemeClr val="tx1"/>
+              </a:solidFill>
               <a:latin typeface="Times New Roman" pitchFamily="18" charset="0"/>
               <a:cs typeface="Times New Roman" pitchFamily="18" charset="0"/>
             </a:endParaRPr>
           </a:p>
-        </p:txBody>
-      </p:sp>
-      <p:sp>
-        <p:nvSpPr>
-          <p:cNvPr id="3" name="Content Placeholder 2"/>
-          <p:cNvSpPr>
-            <a:spLocks noGrp="1"/>
-          </p:cNvSpPr>
-          <p:nvPr>
-            <p:ph idx="1"/>
-          </p:nvPr>
-        </p:nvSpPr>
-        <p:spPr>
-          <a:xfrm>
-            <a:off x="641109" y="1218379"/>
-            <a:ext cx="7033627" cy="3622055"/>
-          </a:xfrm>
-        </p:spPr>
-        <p:txBody>
-          <a:bodyPr>
-            <a:normAutofit/>
-          </a:bodyPr>
-          <a:lstStyle/>
-          <a:p>
-            <a:pPr marL="0" indent="0">
-              <a:buNone/>
-            </a:pPr>
-            <a:r>
-              <a:rPr lang="en-US" sz="2200">
-                <a:latin typeface="Times New Roman" pitchFamily="18" charset="0"/>
-                <a:cs typeface="Times New Roman" pitchFamily="18" charset="0"/>
-              </a:rPr>
-              <a:t>4</a:t>
-            </a:r>
-            <a:r>
-              <a:rPr lang="en-US" sz="2200" smtClean="0">
-                <a:latin typeface="Times New Roman" pitchFamily="18" charset="0"/>
-                <a:cs typeface="Times New Roman" pitchFamily="18" charset="0"/>
-              </a:rPr>
-              <a:t>.1</a:t>
-            </a:r>
-            <a:r>
-              <a:rPr lang="en-US" sz="2200">
-                <a:latin typeface="Times New Roman" pitchFamily="18" charset="0"/>
-                <a:cs typeface="Times New Roman" pitchFamily="18" charset="0"/>
-              </a:rPr>
-              <a:t>. </a:t>
-            </a:r>
-            <a:r>
-              <a:rPr lang="en-US" sz="2200" err="1">
-                <a:latin typeface="Times New Roman" pitchFamily="18" charset="0"/>
-                <a:cs typeface="Times New Roman" pitchFamily="18" charset="0"/>
-              </a:rPr>
-              <a:t>Mô</a:t>
-            </a:r>
-            <a:r>
-              <a:rPr lang="en-US" sz="2200">
-                <a:latin typeface="Times New Roman" pitchFamily="18" charset="0"/>
-                <a:cs typeface="Times New Roman" pitchFamily="18" charset="0"/>
-              </a:rPr>
-              <a:t> </a:t>
-            </a:r>
-            <a:r>
-              <a:rPr lang="en-US" sz="2200" err="1">
-                <a:latin typeface="Times New Roman" pitchFamily="18" charset="0"/>
-                <a:cs typeface="Times New Roman" pitchFamily="18" charset="0"/>
-              </a:rPr>
-              <a:t>hình</a:t>
-            </a:r>
-            <a:r>
-              <a:rPr lang="en-US" sz="2200">
-                <a:latin typeface="Times New Roman" pitchFamily="18" charset="0"/>
-                <a:cs typeface="Times New Roman" pitchFamily="18" charset="0"/>
-              </a:rPr>
-              <a:t> </a:t>
-            </a:r>
-            <a:r>
-              <a:rPr lang="en-US" sz="2200" err="1">
-                <a:latin typeface="Times New Roman" pitchFamily="18" charset="0"/>
-                <a:cs typeface="Times New Roman" pitchFamily="18" charset="0"/>
-              </a:rPr>
-              <a:t>hóa</a:t>
-            </a:r>
-            <a:r>
-              <a:rPr lang="en-US" sz="2200">
-                <a:latin typeface="Times New Roman" pitchFamily="18" charset="0"/>
-                <a:cs typeface="Times New Roman" pitchFamily="18" charset="0"/>
-              </a:rPr>
-              <a:t> </a:t>
-            </a:r>
-            <a:r>
-              <a:rPr lang="en-US" sz="2200" err="1">
-                <a:latin typeface="Times New Roman" pitchFamily="18" charset="0"/>
-                <a:cs typeface="Times New Roman" pitchFamily="18" charset="0"/>
-              </a:rPr>
-              <a:t>yêu</a:t>
-            </a:r>
-            <a:r>
-              <a:rPr lang="en-US" sz="2200">
-                <a:latin typeface="Times New Roman" pitchFamily="18" charset="0"/>
-                <a:cs typeface="Times New Roman" pitchFamily="18" charset="0"/>
-              </a:rPr>
-              <a:t> </a:t>
-            </a:r>
-            <a:r>
-              <a:rPr lang="en-US" sz="2200" err="1">
-                <a:latin typeface="Times New Roman" pitchFamily="18" charset="0"/>
-                <a:cs typeface="Times New Roman" pitchFamily="18" charset="0"/>
-              </a:rPr>
-              <a:t>cầu</a:t>
-            </a:r>
-            <a:r>
-              <a:rPr lang="en-US" sz="2200">
-                <a:latin typeface="Times New Roman" pitchFamily="18" charset="0"/>
-                <a:cs typeface="Times New Roman" pitchFamily="18" charset="0"/>
-              </a:rPr>
-              <a:t> </a:t>
-            </a:r>
-            <a:r>
-              <a:rPr lang="en-US" sz="2200" err="1">
-                <a:latin typeface="Times New Roman" pitchFamily="18" charset="0"/>
-                <a:cs typeface="Times New Roman" pitchFamily="18" charset="0"/>
-              </a:rPr>
-              <a:t>với</a:t>
-            </a:r>
-            <a:r>
-              <a:rPr lang="en-US" sz="2200">
-                <a:latin typeface="Times New Roman" pitchFamily="18" charset="0"/>
-                <a:cs typeface="Times New Roman" pitchFamily="18" charset="0"/>
-              </a:rPr>
-              <a:t> Use case diagram (</a:t>
-            </a:r>
-            <a:r>
-              <a:rPr lang="en-US" sz="2200" err="1">
-                <a:latin typeface="Times New Roman" pitchFamily="18" charset="0"/>
-                <a:cs typeface="Times New Roman" pitchFamily="18" charset="0"/>
-              </a:rPr>
-              <a:t>biểu</a:t>
-            </a:r>
-            <a:r>
-              <a:rPr lang="en-US" sz="2200">
-                <a:latin typeface="Times New Roman" pitchFamily="18" charset="0"/>
-                <a:cs typeface="Times New Roman" pitchFamily="18" charset="0"/>
-              </a:rPr>
-              <a:t> </a:t>
-            </a:r>
-            <a:r>
-              <a:rPr lang="en-US" sz="2200" err="1">
-                <a:latin typeface="Times New Roman" pitchFamily="18" charset="0"/>
-                <a:cs typeface="Times New Roman" pitchFamily="18" charset="0"/>
-              </a:rPr>
-              <a:t>đồ</a:t>
-            </a:r>
-            <a:r>
-              <a:rPr lang="en-US" sz="2200">
-                <a:latin typeface="Times New Roman" pitchFamily="18" charset="0"/>
-                <a:cs typeface="Times New Roman" pitchFamily="18" charset="0"/>
-              </a:rPr>
-              <a:t> use case </a:t>
-            </a:r>
-            <a:r>
-              <a:rPr lang="en-US" sz="2200" err="1">
-                <a:latin typeface="Times New Roman" pitchFamily="18" charset="0"/>
-                <a:cs typeface="Times New Roman" pitchFamily="18" charset="0"/>
-              </a:rPr>
-              <a:t>tổng</a:t>
-            </a:r>
-            <a:r>
-              <a:rPr lang="en-US" sz="2200">
-                <a:latin typeface="Times New Roman" pitchFamily="18" charset="0"/>
-                <a:cs typeface="Times New Roman" pitchFamily="18" charset="0"/>
-              </a:rPr>
-              <a:t> </a:t>
-            </a:r>
-            <a:r>
-              <a:rPr lang="en-US" sz="2200" err="1">
-                <a:latin typeface="Times New Roman" pitchFamily="18" charset="0"/>
-                <a:cs typeface="Times New Roman" pitchFamily="18" charset="0"/>
-              </a:rPr>
-              <a:t>quát</a:t>
-            </a:r>
-            <a:r>
-              <a:rPr lang="en-US" sz="2200" smtClean="0">
-                <a:latin typeface="Times New Roman" pitchFamily="18" charset="0"/>
-                <a:cs typeface="Times New Roman" pitchFamily="18" charset="0"/>
-              </a:rPr>
-              <a:t>).</a:t>
-            </a:r>
+          <a:p>
             <a:endParaRPr lang="en-US" sz="2200">
+              <a:solidFill>
+                <a:schemeClr val="tx1"/>
+              </a:solidFill>
               <a:latin typeface="Times New Roman" pitchFamily="18" charset="0"/>
               <a:cs typeface="Times New Roman" pitchFamily="18" charset="0"/>
             </a:endParaRPr>
-          </a:p>
-          <a:p>
-            <a:pPr marL="0" indent="0">
-              <a:buNone/>
-            </a:pPr>
-            <a:r>
-              <a:rPr lang="en-US" sz="2200">
-                <a:latin typeface="Times New Roman" pitchFamily="18" charset="0"/>
-                <a:cs typeface="Times New Roman" pitchFamily="18" charset="0"/>
-              </a:rPr>
-              <a:t>4</a:t>
-            </a:r>
-            <a:r>
-              <a:rPr lang="en-US" sz="2200" smtClean="0">
-                <a:latin typeface="Times New Roman" pitchFamily="18" charset="0"/>
-                <a:cs typeface="Times New Roman" pitchFamily="18" charset="0"/>
-              </a:rPr>
-              <a:t>.2</a:t>
-            </a:r>
-            <a:r>
-              <a:rPr lang="en-US" sz="2200">
-                <a:latin typeface="Times New Roman" pitchFamily="18" charset="0"/>
-                <a:cs typeface="Times New Roman" pitchFamily="18" charset="0"/>
-              </a:rPr>
-              <a:t>. </a:t>
-            </a:r>
-            <a:r>
-              <a:rPr lang="en-US" sz="2200" err="1">
-                <a:latin typeface="Times New Roman" pitchFamily="18" charset="0"/>
-                <a:cs typeface="Times New Roman" pitchFamily="18" charset="0"/>
-              </a:rPr>
-              <a:t>Đặc</a:t>
-            </a:r>
-            <a:r>
-              <a:rPr lang="en-US" sz="2200">
-                <a:latin typeface="Times New Roman" pitchFamily="18" charset="0"/>
-                <a:cs typeface="Times New Roman" pitchFamily="18" charset="0"/>
-              </a:rPr>
-              <a:t> </a:t>
-            </a:r>
-            <a:r>
-              <a:rPr lang="en-US" sz="2200" err="1">
-                <a:latin typeface="Times New Roman" pitchFamily="18" charset="0"/>
-                <a:cs typeface="Times New Roman" pitchFamily="18" charset="0"/>
-              </a:rPr>
-              <a:t>tả</a:t>
-            </a:r>
-            <a:r>
-              <a:rPr lang="en-US" sz="2200">
-                <a:latin typeface="Times New Roman" pitchFamily="18" charset="0"/>
-                <a:cs typeface="Times New Roman" pitchFamily="18" charset="0"/>
-              </a:rPr>
-              <a:t> Use case </a:t>
-            </a:r>
-            <a:r>
-              <a:rPr lang="en-US" sz="2200" err="1">
-                <a:latin typeface="Times New Roman" pitchFamily="18" charset="0"/>
-                <a:cs typeface="Times New Roman" pitchFamily="18" charset="0"/>
-              </a:rPr>
-              <a:t>chính</a:t>
-            </a:r>
-            <a:r>
-              <a:rPr lang="en-US" sz="2200">
-                <a:latin typeface="Times New Roman" pitchFamily="18" charset="0"/>
-                <a:cs typeface="Times New Roman" pitchFamily="18" charset="0"/>
-              </a:rPr>
-              <a:t> </a:t>
-            </a:r>
-            <a:r>
-              <a:rPr lang="en-US" sz="2200" err="1">
-                <a:latin typeface="Times New Roman" pitchFamily="18" charset="0"/>
-                <a:cs typeface="Times New Roman" pitchFamily="18" charset="0"/>
-              </a:rPr>
-              <a:t>trong</a:t>
-            </a:r>
-            <a:r>
-              <a:rPr lang="en-US" sz="2200">
-                <a:latin typeface="Times New Roman" pitchFamily="18" charset="0"/>
-                <a:cs typeface="Times New Roman" pitchFamily="18" charset="0"/>
-              </a:rPr>
-              <a:t> </a:t>
-            </a:r>
-            <a:r>
-              <a:rPr lang="en-US" sz="2200" err="1">
-                <a:latin typeface="Times New Roman" pitchFamily="18" charset="0"/>
-                <a:cs typeface="Times New Roman" pitchFamily="18" charset="0"/>
-              </a:rPr>
-              <a:t>ứng</a:t>
-            </a:r>
-            <a:r>
-              <a:rPr lang="en-US" sz="2200">
-                <a:latin typeface="Times New Roman" pitchFamily="18" charset="0"/>
-                <a:cs typeface="Times New Roman" pitchFamily="18" charset="0"/>
-              </a:rPr>
-              <a:t> </a:t>
-            </a:r>
-            <a:r>
-              <a:rPr lang="en-US" sz="2200" err="1">
-                <a:latin typeface="Times New Roman" pitchFamily="18" charset="0"/>
-                <a:cs typeface="Times New Roman" pitchFamily="18" charset="0"/>
-              </a:rPr>
-              <a:t>dụng</a:t>
-            </a:r>
-            <a:r>
-              <a:rPr lang="en-US" sz="2200">
-                <a:latin typeface="Times New Roman" pitchFamily="18" charset="0"/>
-                <a:cs typeface="Times New Roman" pitchFamily="18" charset="0"/>
-              </a:rPr>
-              <a:t> – Activity </a:t>
-            </a:r>
-            <a:r>
-              <a:rPr lang="en-US" sz="2200" err="1">
-                <a:latin typeface="Times New Roman" pitchFamily="18" charset="0"/>
-                <a:cs typeface="Times New Roman" pitchFamily="18" charset="0"/>
-              </a:rPr>
-              <a:t>và</a:t>
-            </a:r>
-            <a:r>
-              <a:rPr lang="en-US" sz="2200">
-                <a:latin typeface="Times New Roman" pitchFamily="18" charset="0"/>
-                <a:cs typeface="Times New Roman" pitchFamily="18" charset="0"/>
-              </a:rPr>
-              <a:t> Sequence </a:t>
-            </a:r>
-            <a:r>
-              <a:rPr lang="en-US" sz="2200" smtClean="0">
-                <a:latin typeface="Times New Roman" pitchFamily="18" charset="0"/>
-                <a:cs typeface="Times New Roman" pitchFamily="18" charset="0"/>
-              </a:rPr>
-              <a:t>Diagram</a:t>
-            </a:r>
-            <a:r>
-              <a:rPr lang="en-US" sz="2200">
-                <a:latin typeface="Times New Roman" pitchFamily="18" charset="0"/>
-                <a:cs typeface="Times New Roman" pitchFamily="18" charset="0"/>
-              </a:rPr>
-              <a:t>.</a:t>
-            </a:r>
           </a:p>
         </p:txBody>
       </p:sp>
@@ -14888,10 +13145,74 @@
           </a:p>
         </p:txBody>
       </p:sp>
+      <p:pic>
+        <p:nvPicPr>
+          <p:cNvPr id="1026" name="Picture 2"/>
+          <p:cNvPicPr>
+            <a:picLocks noChangeAspect="1" noChangeArrowheads="1"/>
+          </p:cNvPicPr>
+          <p:nvPr/>
+        </p:nvPicPr>
+        <p:blipFill>
+          <a:blip r:embed="rId2">
+            <a:extLst>
+              <a:ext uri="{28A0092B-C50C-407E-A947-70E740481C1C}">
+                <a14:useLocalDpi xmlns:a14="http://schemas.microsoft.com/office/drawing/2010/main" val="0"/>
+              </a:ext>
+            </a:extLst>
+          </a:blip>
+          <a:srcRect/>
+          <a:stretch>
+            <a:fillRect/>
+          </a:stretch>
+        </p:blipFill>
+        <p:spPr bwMode="auto">
+          <a:xfrm>
+            <a:off x="651164" y="0"/>
+            <a:ext cx="8880763" cy="7010400"/>
+          </a:xfrm>
+          <a:prstGeom prst="rect">
+            <a:avLst/>
+          </a:prstGeom>
+          <a:noFill/>
+          <a:ln>
+            <a:noFill/>
+          </a:ln>
+          <a:effectLst/>
+          <a:extLst>
+            <a:ext uri="{909E8E84-426E-40DD-AFC4-6F175D3DCCD1}">
+              <a14:hiddenFill xmlns:a14="http://schemas.microsoft.com/office/drawing/2010/main">
+                <a:solidFill>
+                  <a:schemeClr val="accent1"/>
+                </a:solidFill>
+              </a14:hiddenFill>
+            </a:ext>
+            <a:ext uri="{91240B29-F687-4F45-9708-019B960494DF}">
+              <a14:hiddenLine xmlns:a14="http://schemas.microsoft.com/office/drawing/2010/main" w="9525">
+                <a:solidFill>
+                  <a:schemeClr val="tx1"/>
+                </a:solidFill>
+                <a:miter lim="800000"/>
+                <a:headEnd/>
+                <a:tailEnd/>
+              </a14:hiddenLine>
+            </a:ext>
+            <a:ext uri="{AF507438-7753-43E0-B8FC-AC1667EBCBE1}">
+              <a14:hiddenEffects xmlns:a14="http://schemas.microsoft.com/office/drawing/2010/main">
+                <a:effectLst>
+                  <a:outerShdw dist="35921" dir="2700000" algn="ctr" rotWithShape="0">
+                    <a:schemeClr val="bg2"/>
+                  </a:outerShdw>
+                </a:effectLst>
+              </a14:hiddenEffects>
+            </a:ext>
+          </a:extLst>
+        </p:spPr>
+      </p:pic>
     </p:spTree>
     <p:extLst>
       <p:ext uri="{BB962C8B-B14F-4D97-AF65-F5344CB8AC3E}">
-        <p14:creationId xmlns:p14="http://schemas.microsoft.com/office/powerpoint/2010/main" val="3685672323"/>
+        <p14:creationId xmlns:p14="http://schemas.microsoft.com/office/powerpoint/2010/main" val="4263596024"/>
       </p:ext>
     </p:extLst>
   </p:cSld>
@@ -14937,8 +13258,8 @@
         </p:nvSpPr>
         <p:spPr>
           <a:xfrm>
-            <a:off x="584202" y="217896"/>
-            <a:ext cx="6311898" cy="1232747"/>
+            <a:off x="290638" y="54172"/>
+            <a:ext cx="7692026" cy="1325563"/>
           </a:xfrm>
         </p:spPr>
         <p:txBody>
@@ -14947,7 +13268,6 @@
           </a:bodyPr>
           <a:lstStyle/>
           <a:p>
-            <a:pPr algn="just"/>
             <a:r>
               <a:rPr lang="en-US" sz="3600">
                 <a:latin typeface="Times New Roman" pitchFamily="18" charset="0"/>
@@ -14960,7 +13280,7 @@
                 <a:latin typeface="Times New Roman" pitchFamily="18" charset="0"/>
                 <a:cs typeface="Times New Roman" pitchFamily="18" charset="0"/>
               </a:rPr>
-              <a:t>.1</a:t>
+              <a:t>.2</a:t>
             </a:r>
             <a:r>
               <a:rPr lang="en-US" sz="3600">
@@ -14974,7 +13294,7 @@
                 <a:latin typeface="Times New Roman" pitchFamily="18" charset="0"/>
                 <a:cs typeface="Times New Roman" pitchFamily="18" charset="0"/>
               </a:rPr>
-              <a:t>Mô</a:t>
+              <a:t>Đặc</a:t>
             </a:r>
             <a:r>
               <a:rPr lang="en-US" sz="3600">
@@ -14988,13 +13308,27 @@
                 <a:latin typeface="Times New Roman" pitchFamily="18" charset="0"/>
                 <a:cs typeface="Times New Roman" pitchFamily="18" charset="0"/>
               </a:rPr>
-              <a:t>hình</a:t>
+              <a:t>tả</a:t>
             </a:r>
             <a:r>
               <a:rPr lang="en-US" sz="3600">
                 <a:latin typeface="Times New Roman" pitchFamily="18" charset="0"/>
                 <a:cs typeface="Times New Roman" pitchFamily="18" charset="0"/>
               </a:rPr>
+              <a:t> Use case </a:t>
+            </a:r>
+            <a:r>
+              <a:rPr lang="en-US" sz="3600" err="1">
+                <a:latin typeface="Times New Roman" pitchFamily="18" charset="0"/>
+                <a:cs typeface="Times New Roman" pitchFamily="18" charset="0"/>
+              </a:rPr>
+              <a:t>chính</a:t>
+            </a:r>
+            <a:r>
+              <a:rPr lang="en-US" sz="3600">
+                <a:latin typeface="Times New Roman" pitchFamily="18" charset="0"/>
+                <a:cs typeface="Times New Roman" pitchFamily="18" charset="0"/>
+              </a:rPr>
               <a:t> </a:t>
             </a:r>
             <a:r>
@@ -15002,7 +13336,7 @@
                 <a:latin typeface="Times New Roman" pitchFamily="18" charset="0"/>
                 <a:cs typeface="Times New Roman" pitchFamily="18" charset="0"/>
               </a:rPr>
-              <a:t>hóa</a:t>
+              <a:t>trong</a:t>
             </a:r>
             <a:r>
               <a:rPr lang="en-US" sz="3600">
@@ -15016,7 +13350,7 @@
                 <a:latin typeface="Times New Roman" pitchFamily="18" charset="0"/>
                 <a:cs typeface="Times New Roman" pitchFamily="18" charset="0"/>
               </a:rPr>
-              <a:t>yêu</a:t>
+              <a:t>ứng</a:t>
             </a:r>
             <a:r>
               <a:rPr lang="en-US" sz="3600">
@@ -15026,41 +13360,106 @@
               <a:t> </a:t>
             </a:r>
             <a:r>
+              <a:rPr lang="en-US" sz="3600" smtClean="0">
+                <a:latin typeface="Times New Roman" pitchFamily="18" charset="0"/>
+                <a:cs typeface="Times New Roman" pitchFamily="18" charset="0"/>
+              </a:rPr>
+              <a:t>dụng, Activity </a:t>
+            </a:r>
+            <a:r>
               <a:rPr lang="en-US" sz="3600" err="1">
                 <a:latin typeface="Times New Roman" pitchFamily="18" charset="0"/>
                 <a:cs typeface="Times New Roman" pitchFamily="18" charset="0"/>
               </a:rPr>
-              <a:t>cầu</a:t>
+              <a:t>và</a:t>
             </a:r>
             <a:r>
               <a:rPr lang="en-US" sz="3600">
                 <a:latin typeface="Times New Roman" pitchFamily="18" charset="0"/>
                 <a:cs typeface="Times New Roman" pitchFamily="18" charset="0"/>
               </a:rPr>
-              <a:t> </a:t>
-            </a:r>
-            <a:r>
-              <a:rPr lang="en-US" sz="3600" err="1">
-                <a:latin typeface="Times New Roman" pitchFamily="18" charset="0"/>
-                <a:cs typeface="Times New Roman" pitchFamily="18" charset="0"/>
-              </a:rPr>
-              <a:t>với</a:t>
-            </a:r>
-            <a:r>
-              <a:rPr lang="en-US" sz="3600">
-                <a:latin typeface="Times New Roman" pitchFamily="18" charset="0"/>
-                <a:cs typeface="Times New Roman" pitchFamily="18" charset="0"/>
-              </a:rPr>
-              <a:t> Use case </a:t>
+              <a:t> Sequence </a:t>
             </a:r>
             <a:r>
               <a:rPr lang="en-US" sz="3600" smtClean="0">
                 <a:latin typeface="Times New Roman" pitchFamily="18" charset="0"/>
                 <a:cs typeface="Times New Roman" pitchFamily="18" charset="0"/>
               </a:rPr>
-              <a:t>diagram</a:t>
+              <a:t>Diagram(</a:t>
+            </a:r>
+            <a:r>
+              <a:rPr lang="en-US" sz="3600" err="1" smtClean="0">
+                <a:latin typeface="Times New Roman" pitchFamily="18" charset="0"/>
+                <a:cs typeface="Times New Roman" pitchFamily="18" charset="0"/>
+              </a:rPr>
+              <a:t>tt</a:t>
+            </a:r>
+            <a:r>
+              <a:rPr lang="en-US" sz="3600" smtClean="0">
+                <a:latin typeface="Times New Roman" pitchFamily="18" charset="0"/>
+                <a:cs typeface="Times New Roman" pitchFamily="18" charset="0"/>
+              </a:rPr>
+              <a:t>)</a:t>
             </a:r>
             <a:endParaRPr lang="en-US" sz="3600">
+              <a:latin typeface="Times New Roman" pitchFamily="18" charset="0"/>
+              <a:cs typeface="Times New Roman" pitchFamily="18" charset="0"/>
+            </a:endParaRPr>
+          </a:p>
+        </p:txBody>
+      </p:sp>
+      <p:sp>
+        <p:nvSpPr>
+          <p:cNvPr id="3" name="Content Placeholder 2"/>
+          <p:cNvSpPr>
+            <a:spLocks noGrp="1"/>
+          </p:cNvSpPr>
+          <p:nvPr>
+            <p:ph idx="1"/>
+          </p:nvPr>
+        </p:nvSpPr>
+        <p:spPr>
+          <a:xfrm>
+            <a:off x="1" y="1419454"/>
+            <a:ext cx="9657022" cy="5438546"/>
+          </a:xfrm>
+        </p:spPr>
+        <p:txBody>
+          <a:bodyPr>
+            <a:normAutofit/>
+          </a:bodyPr>
+          <a:lstStyle/>
+          <a:p>
+            <a:pPr>
+              <a:buFont typeface="Wingdings" pitchFamily="2" charset="2"/>
+              <a:buChar char="Ø"/>
+            </a:pPr>
+            <a:r>
+              <a:rPr lang="en-US" sz="2200" smtClean="0">
+                <a:solidFill>
+                  <a:schemeClr val="accent1"/>
+                </a:solidFill>
+                <a:latin typeface="Times New Roman" pitchFamily="18" charset="0"/>
+                <a:cs typeface="Times New Roman" pitchFamily="18" charset="0"/>
+              </a:rPr>
+              <a:t>Activity diagram</a:t>
+            </a:r>
+            <a:endParaRPr lang="en-US" sz="2200">
+              <a:solidFill>
+                <a:schemeClr val="accent1"/>
+              </a:solidFill>
+              <a:latin typeface="Times New Roman" pitchFamily="18" charset="0"/>
+              <a:cs typeface="Times New Roman" pitchFamily="18" charset="0"/>
+            </a:endParaRPr>
+          </a:p>
+          <a:p>
+            <a:pPr marL="0" indent="0">
+              <a:buNone/>
+            </a:pPr>
+            <a:endParaRPr lang="en-US" sz="2200" smtClean="0">
+              <a:solidFill>
+                <a:srgbClr val="FF0000"/>
+              </a:solidFill>
               <a:latin typeface="Times New Roman" pitchFamily="18" charset="0"/>
               <a:cs typeface="Times New Roman" pitchFamily="18" charset="0"/>
             </a:endParaRPr>
@@ -15112,8 +13511,8 @@
         </p:blipFill>
         <p:spPr bwMode="auto">
           <a:xfrm>
-            <a:off x="1249044" y="1430806"/>
-            <a:ext cx="6331961" cy="4969993"/>
+            <a:off x="2313968" y="1333597"/>
+            <a:ext cx="5607100" cy="5524405"/>
           </a:xfrm>
           <a:prstGeom prst="rect">
             <a:avLst/>
@@ -15127,7 +13526,7 @@
     </p:spTree>
     <p:extLst>
       <p:ext uri="{BB962C8B-B14F-4D97-AF65-F5344CB8AC3E}">
-        <p14:creationId xmlns:p14="http://schemas.microsoft.com/office/powerpoint/2010/main" val="4236852523"/>
+        <p14:creationId xmlns:p14="http://schemas.microsoft.com/office/powerpoint/2010/main" val="3328371881"/>
       </p:ext>
     </p:extLst>
   </p:cSld>
@@ -15395,7 +13794,7 @@
   <a:extraClrSchemeLst/>
   <a:extLst>
     <a:ext uri="{05A4C25C-085E-4340-85A3-A5531E510DB2}">
-      <thm15:themeFamily xmlns:thm15="http://schemas.microsoft.com/office/thememl/2012/main" xmlns="" name="Facet" id="{C0C680CD-088A-49FC-A102-D699147F32B2}" vid="{CFBC31BA-B70F-4F30-BCAA-4F3011E16C4D}"/>
+      <thm15:themeFamily xmlns="" xmlns:thm15="http://schemas.microsoft.com/office/thememl/2012/main" name="Facet" id="{C0C680CD-088A-49FC-A102-D699147F32B2}" vid="{CFBC31BA-B70F-4F30-BCAA-4F3011E16C4D}"/>
     </a:ext>
   </a:extLst>
 </a:theme>
@@ -15656,7 +14055,7 @@
   <a:extraClrSchemeLst/>
   <a:extLst>
     <a:ext uri="{05A4C25C-085E-4340-85A3-A5531E510DB2}">
-      <thm15:themeFamily xmlns:thm15="http://schemas.microsoft.com/office/thememl/2012/main" xmlns="" name="Office Theme" id="{62F939B6-93AF-4DB8-9C6B-D6C7DFDC589F}" vid="{4A3C46E8-61CC-4603-A589-7422A47A8E4A}"/>
+      <thm15:themeFamily xmlns="" xmlns:thm15="http://schemas.microsoft.com/office/thememl/2012/main" name="Office Theme" id="{62F939B6-93AF-4DB8-9C6B-D6C7DFDC589F}" vid="{4A3C46E8-61CC-4603-A589-7422A47A8E4A}"/>
     </a:ext>
   </a:extLst>
 </a:theme>

--- a/doc/BAO_CAO-DO_AN_TOT_NGHIEP-SKILL_INVENTORY.pptx
+++ b/doc/BAO_CAO-DO_AN_TOT_NGHIEP-SKILL_INVENTORY.pptx
@@ -124,7 +124,7 @@
   </p:defaultTextStyle>
   <p:extLst>
     <p:ext uri="{EFAFB233-063F-42B5-8137-9DF3F51BA10A}">
-      <p15:sldGuideLst xmlns="" xmlns:p15="http://schemas.microsoft.com/office/powerpoint/2012/main">
+      <p15:sldGuideLst xmlns:p15="http://schemas.microsoft.com/office/powerpoint/2012/main" xmlns="">
         <p15:guide id="1" orient="horz" pos="2016">
           <p15:clr>
             <a:srgbClr val="A4A3A4"/>
@@ -223,7 +223,7 @@
           <a:p>
             <a:fld id="{A96E8428-2631-43B4-B7F6-00FB52B54726}" type="datetimeFigureOut">
               <a:rPr lang="en-US" smtClean="0"/>
-              <a:t>5/29/2019</a:t>
+              <a:t>5/30/2019</a:t>
             </a:fld>
             <a:endParaRPr lang="en-US"/>
           </a:p>
@@ -950,7 +950,7 @@
           <a:p>
             <a:fld id="{B02E4CE9-2204-4424-8ECC-44EC75ED47DE}" type="datetime1">
               <a:rPr lang="en-US" smtClean="0"/>
-              <a:t>5/29/2019</a:t>
+              <a:t>5/30/2019</a:t>
             </a:fld>
             <a:endParaRPr lang="en-US"/>
           </a:p>
@@ -1115,7 +1115,7 @@
           <a:p>
             <a:fld id="{22B9AB01-BCCF-4582-BF39-8D8F034C96D4}" type="datetime1">
               <a:rPr lang="en-US" smtClean="0"/>
-              <a:t>5/29/2019</a:t>
+              <a:t>5/30/2019</a:t>
             </a:fld>
             <a:endParaRPr lang="en-US"/>
           </a:p>
@@ -1291,7 +1291,7 @@
           <a:p>
             <a:fld id="{22B9AB01-BCCF-4582-BF39-8D8F034C96D4}" type="datetime1">
               <a:rPr lang="en-US" smtClean="0"/>
-              <a:t>5/29/2019</a:t>
+              <a:t>5/30/2019</a:t>
             </a:fld>
             <a:endParaRPr lang="en-US"/>
           </a:p>
@@ -1475,7 +1475,7 @@
           <a:p>
             <a:fld id="{BBBFACBD-6CBD-41BD-899B-944D42A6308C}" type="datetime1">
               <a:rPr lang="en-US" smtClean="0"/>
-              <a:t>5/29/2019</a:t>
+              <a:t>5/30/2019</a:t>
             </a:fld>
             <a:endParaRPr lang="en-US"/>
           </a:p>
@@ -1738,7 +1738,7 @@
           <a:p>
             <a:fld id="{22B9AB01-BCCF-4582-BF39-8D8F034C96D4}" type="datetime1">
               <a:rPr lang="en-US" smtClean="0"/>
-              <a:t>5/29/2019</a:t>
+              <a:t>5/30/2019</a:t>
             </a:fld>
             <a:endParaRPr lang="en-US"/>
           </a:p>
@@ -2087,7 +2087,7 @@
           <a:p>
             <a:fld id="{22B9AB01-BCCF-4582-BF39-8D8F034C96D4}" type="datetime1">
               <a:rPr lang="en-US" smtClean="0"/>
-              <a:t>5/29/2019</a:t>
+              <a:t>5/30/2019</a:t>
             </a:fld>
             <a:endParaRPr lang="en-US"/>
           </a:p>
@@ -2396,7 +2396,7 @@
           <a:p>
             <a:fld id="{22B9AB01-BCCF-4582-BF39-8D8F034C96D4}" type="datetime1">
               <a:rPr lang="en-US" smtClean="0"/>
-              <a:t>5/29/2019</a:t>
+              <a:t>5/30/2019</a:t>
             </a:fld>
             <a:endParaRPr lang="en-US"/>
           </a:p>
@@ -2624,7 +2624,7 @@
           <a:p>
             <a:fld id="{22B9AB01-BCCF-4582-BF39-8D8F034C96D4}" type="datetime1">
               <a:rPr lang="en-US" smtClean="0"/>
-              <a:t>5/29/2019</a:t>
+              <a:t>5/30/2019</a:t>
             </a:fld>
             <a:endParaRPr lang="en-US"/>
           </a:p>
@@ -2715,7 +2715,7 @@
           <a:p>
             <a:fld id="{22B9AB01-BCCF-4582-BF39-8D8F034C96D4}" type="datetime1">
               <a:rPr lang="en-US" smtClean="0"/>
-              <a:t>5/29/2019</a:t>
+              <a:t>5/30/2019</a:t>
             </a:fld>
             <a:endParaRPr lang="en-US"/>
           </a:p>
@@ -3004,7 +3004,7 @@
           <a:p>
             <a:fld id="{22B9AB01-BCCF-4582-BF39-8D8F034C96D4}" type="datetime1">
               <a:rPr lang="en-US" smtClean="0"/>
-              <a:t>5/29/2019</a:t>
+              <a:t>5/30/2019</a:t>
             </a:fld>
             <a:endParaRPr lang="en-US"/>
           </a:p>
@@ -3274,7 +3274,7 @@
           <a:p>
             <a:fld id="{22B9AB01-BCCF-4582-BF39-8D8F034C96D4}" type="datetime1">
               <a:rPr lang="en-US" smtClean="0"/>
-              <a:t>5/29/2019</a:t>
+              <a:t>5/30/2019</a:t>
             </a:fld>
             <a:endParaRPr lang="en-US"/>
           </a:p>
@@ -3485,7 +3485,7 @@
           <a:p>
             <a:fld id="{22B9AB01-BCCF-4582-BF39-8D8F034C96D4}" type="datetime1">
               <a:rPr lang="en-US" smtClean="0"/>
-              <a:t>5/29/2019</a:t>
+              <a:t>5/30/2019</a:t>
             </a:fld>
             <a:endParaRPr lang="en-US"/>
           </a:p>
@@ -5241,7 +5241,21 @@
                 <a:latin typeface="Times New Roman" pitchFamily="18" charset="0"/>
                 <a:cs typeface="Times New Roman" pitchFamily="18" charset="0"/>
               </a:rPr>
-              <a:t>Nhóm có tìm hiểu và tự học hỏi một số kỹ năng như: phương pháp lấy yêu cầu từ khách hàng, phân bố thời gian công việc phù hợp,  báo cáo công việc làm được hàng ngày, giải quyết tình huống khi gặp vấn đề. Ngoài ra nhóm còn áp dụng được quy tắc khi lập trình trong dự án, quy trình deploy sản phẩm lên máy chủ.  </a:t>
+              <a:t>Nhóm có tìm hiểu và tự học hỏi một số kỹ năng như: phương pháp lấy yêu cầu từ khách hàng, phân bố thời gian công việc phù hợp, </a:t>
+            </a:r>
+            <a:r>
+              <a:rPr lang="en-US" sz="1900" smtClean="0">
+                <a:latin typeface="Times New Roman" pitchFamily="18" charset="0"/>
+                <a:cs typeface="Times New Roman" pitchFamily="18" charset="0"/>
+              </a:rPr>
+              <a:t>báo </a:t>
+            </a:r>
+            <a:r>
+              <a:rPr lang="en-US" sz="1900">
+                <a:latin typeface="Times New Roman" pitchFamily="18" charset="0"/>
+                <a:cs typeface="Times New Roman" pitchFamily="18" charset="0"/>
+              </a:rPr>
+              <a:t>cáo công việc làm được hàng ngày, giải quyết tình huống khi gặp vấn đề. Ngoài ra nhóm còn áp dụng được quy tắc khi lập trình trong dự án, quy trình deploy sản phẩm lên máy chủ.  </a:t>
             </a:r>
           </a:p>
           <a:p>
@@ -5468,8 +5482,56 @@
                 <a:latin typeface="Times New Roman" pitchFamily="18" charset="0"/>
                 <a:cs typeface="Times New Roman" pitchFamily="18" charset="0"/>
               </a:rPr>
-              <a:t>Hỗ trợ quản lý nguồn nhân lực hiệu quả. </a:t>
-            </a:r>
+              <a:t>Hỗ trợ </a:t>
+            </a:r>
+            <a:r>
+              <a:rPr lang="en-US" sz="1900" smtClean="0">
+                <a:latin typeface="Times New Roman" pitchFamily="18" charset="0"/>
+                <a:cs typeface="Times New Roman" pitchFamily="18" charset="0"/>
+              </a:rPr>
+              <a:t>quản </a:t>
+            </a:r>
+            <a:r>
+              <a:rPr lang="en-US" sz="1900">
+                <a:latin typeface="Times New Roman" pitchFamily="18" charset="0"/>
+                <a:cs typeface="Times New Roman" pitchFamily="18" charset="0"/>
+              </a:rPr>
+              <a:t>lý nguồn nhân lực hiệu quả. </a:t>
+            </a:r>
+            <a:endParaRPr lang="en-US" sz="1900" smtClean="0">
+              <a:latin typeface="Times New Roman" pitchFamily="18" charset="0"/>
+              <a:cs typeface="Times New Roman" pitchFamily="18" charset="0"/>
+            </a:endParaRPr>
+          </a:p>
+          <a:p>
+            <a:pPr>
+              <a:buFont typeface="Wingdings" pitchFamily="2" charset="2"/>
+              <a:buChar char="Ø"/>
+            </a:pPr>
+            <a:r>
+              <a:rPr lang="en-US" sz="1900" smtClean="0">
+                <a:latin typeface="Times New Roman" pitchFamily="18" charset="0"/>
+                <a:cs typeface="Times New Roman" pitchFamily="18" charset="0"/>
+              </a:rPr>
+              <a:t>Tuy nhiên có một số nhược điểm:</a:t>
+            </a:r>
+          </a:p>
+          <a:p>
+            <a:pPr lvl="1">
+              <a:buFont typeface="Wingdings" pitchFamily="2" charset="2"/>
+              <a:buChar char="ü"/>
+            </a:pPr>
+            <a:r>
+              <a:rPr lang="en-US" sz="1900" smtClean="0">
+                <a:latin typeface="Times New Roman" pitchFamily="18" charset="0"/>
+                <a:cs typeface="Times New Roman" pitchFamily="18" charset="0"/>
+              </a:rPr>
+              <a:t>Nhân viên nhân sự cần phải bỏ công sức và thời gian để làm quen với hệ thống.</a:t>
+            </a:r>
+            <a:endParaRPr lang="en-US" sz="1900" smtClean="0">
+              <a:latin typeface="Times New Roman" pitchFamily="18" charset="0"/>
+              <a:cs typeface="Times New Roman" pitchFamily="18" charset="0"/>
+            </a:endParaRPr>
           </a:p>
         </p:txBody>
       </p:sp>
@@ -5930,22 +5992,8 @@
                 <a:latin typeface="Times New Roman" pitchFamily="18" charset="0"/>
                 <a:cs typeface="Times New Roman" pitchFamily="18" charset="0"/>
               </a:rPr>
-              <a:t>[5]. Felipe Gutierrez. Pro Spring Boot. Apress, 2016 </a:t>
-            </a:r>
-            <a:r>
-              <a:rPr lang="en-US" sz="1500">
-                <a:latin typeface="Times New Roman" pitchFamily="18" charset="0"/>
-                <a:cs typeface="Times New Roman" pitchFamily="18" charset="0"/>
-              </a:rPr>
-              <a:t>(Page 1, page 13).</a:t>
-            </a:r>
-            <a:endParaRPr lang="en-US" sz="1500">
-              <a:solidFill>
-                <a:schemeClr val="tx1"/>
-              </a:solidFill>
-              <a:latin typeface="Times New Roman" pitchFamily="18" charset="0"/>
-              <a:cs typeface="Times New Roman" pitchFamily="18" charset="0"/>
-            </a:endParaRPr>
+              <a:t>[5]. Felipe Gutierrez. Pro Spring Boot. Apress, 2016 (Page 1, page 13).</a:t>
+            </a:r>
           </a:p>
           <a:p>
             <a:pPr>
@@ -7665,11 +7713,7 @@
                       </a:r>
                       <a:r>
                         <a:rPr lang="en-US" sz="1400" baseline="0" smtClean="0"/>
-                        <a:t> </a:t>
-                      </a:r>
-                      <a:r>
-                        <a:rPr lang="en-US" sz="1400" baseline="0" smtClean="0"/>
-                        <a:t>nhân của hệ thống</a:t>
+                        <a:t> nhân của hệ thống</a:t>
                       </a:r>
                       <a:endParaRPr lang="en-US" sz="1400"/>
                     </a:p>
@@ -7752,26 +7796,8 @@
                           <a:latin typeface="Times New Roman" pitchFamily="18" charset="0"/>
                           <a:cs typeface="Times New Roman" pitchFamily="18" charset="0"/>
                         </a:rPr>
-                        <a:t>- Cập </a:t>
+                        <a:t>- Cập nhật thông tin cá nhân.</a:t>
                       </a:r>
-                      <a:r>
-                        <a:rPr lang="en-US" sz="1700" smtClean="0">
-                          <a:latin typeface="Times New Roman" pitchFamily="18" charset="0"/>
-                          <a:cs typeface="Times New Roman" pitchFamily="18" charset="0"/>
-                        </a:rPr>
-                        <a:t>nhật thông tin cá </a:t>
-                      </a:r>
-                      <a:r>
-                        <a:rPr lang="en-US" sz="1700" smtClean="0">
-                          <a:latin typeface="Times New Roman" pitchFamily="18" charset="0"/>
-                          <a:cs typeface="Times New Roman" pitchFamily="18" charset="0"/>
-                        </a:rPr>
-                        <a:t>nhân.</a:t>
-                      </a:r>
-                      <a:endParaRPr lang="en-US" sz="1700" smtClean="0">
-                        <a:latin typeface="Times New Roman" pitchFamily="18" charset="0"/>
-                        <a:cs typeface="Times New Roman" pitchFamily="18" charset="0"/>
-                      </a:endParaRPr>
                     </a:p>
                     <a:p>
                       <a:pPr marL="0" marR="0" lvl="1" indent="0" algn="l" defTabSz="394335" rtl="0" eaLnBrk="1" fontAlgn="auto" latinLnBrk="0" hangingPunct="1">
@@ -7796,14 +7822,7 @@
                           <a:latin typeface="Times New Roman" pitchFamily="18" charset="0"/>
                           <a:cs typeface="Times New Roman" pitchFamily="18" charset="0"/>
                         </a:rPr>
-                        <a:t>- Quản </a:t>
-                      </a:r>
-                      <a:r>
-                        <a:rPr lang="en-US" sz="1700" smtClean="0">
-                          <a:latin typeface="Times New Roman" pitchFamily="18" charset="0"/>
-                          <a:cs typeface="Times New Roman" pitchFamily="18" charset="0"/>
-                        </a:rPr>
-                        <a:t>lý các thông tin về kỹ năng kỹ thuật, bằng cấp, chứng chỉ, ….</a:t>
+                        <a:t>- Quản lý các thông tin về kỹ năng kỹ thuật, bằng cấp, chứng chỉ, ….</a:t>
                       </a:r>
                     </a:p>
                     <a:p>
@@ -7889,14 +7908,7 @@
                           <a:latin typeface="Times New Roman" pitchFamily="18" charset="0"/>
                           <a:cs typeface="Times New Roman" pitchFamily="18" charset="0"/>
                         </a:rPr>
-                        <a:t>- Quản </a:t>
-                      </a:r>
-                      <a:r>
-                        <a:rPr lang="en-US" sz="1700" smtClean="0">
-                          <a:latin typeface="Times New Roman" pitchFamily="18" charset="0"/>
-                          <a:cs typeface="Times New Roman" pitchFamily="18" charset="0"/>
-                        </a:rPr>
-                        <a:t>lý, cập nhật, xác thực thông tin hồ sơ của toàn bộ của nhân viên. </a:t>
+                        <a:t>- Quản lý, cập nhật, xác thực thông tin hồ sơ của toàn bộ của nhân viên. </a:t>
                       </a:r>
                     </a:p>
                     <a:p>
@@ -7922,14 +7934,7 @@
                           <a:latin typeface="Times New Roman" pitchFamily="18" charset="0"/>
                           <a:cs typeface="Times New Roman" pitchFamily="18" charset="0"/>
                         </a:rPr>
-                        <a:t>- Thống </a:t>
-                      </a:r>
-                      <a:r>
-                        <a:rPr lang="en-US" sz="1700" smtClean="0">
-                          <a:latin typeface="Times New Roman" pitchFamily="18" charset="0"/>
-                          <a:cs typeface="Times New Roman" pitchFamily="18" charset="0"/>
-                        </a:rPr>
-                        <a:t>kê kỹ năng. </a:t>
+                        <a:t>- Thống kê kỹ năng. </a:t>
                       </a:r>
                     </a:p>
                     <a:p>
@@ -7955,14 +7960,7 @@
                           <a:latin typeface="Times New Roman" pitchFamily="18" charset="0"/>
                           <a:cs typeface="Times New Roman" pitchFamily="18" charset="0"/>
                         </a:rPr>
-                        <a:t>- Xem </a:t>
-                      </a:r>
-                      <a:r>
-                        <a:rPr lang="en-US" sz="1700" smtClean="0">
-                          <a:latin typeface="Times New Roman" pitchFamily="18" charset="0"/>
-                          <a:cs typeface="Times New Roman" pitchFamily="18" charset="0"/>
-                        </a:rPr>
-                        <a:t>nhật ký thay đổi hồ sơ của nhân viên. </a:t>
+                        <a:t>- Xem nhật ký thay đổi hồ sơ của nhân viên. </a:t>
                       </a:r>
                     </a:p>
                     <a:p>
@@ -7988,14 +7986,7 @@
                           <a:latin typeface="Times New Roman" pitchFamily="18" charset="0"/>
                           <a:cs typeface="Times New Roman" pitchFamily="18" charset="0"/>
                         </a:rPr>
-                        <a:t>- Quản </a:t>
-                      </a:r>
-                      <a:r>
-                        <a:rPr lang="en-US" sz="1700" smtClean="0">
-                          <a:latin typeface="Times New Roman" pitchFamily="18" charset="0"/>
-                          <a:cs typeface="Times New Roman" pitchFamily="18" charset="0"/>
-                        </a:rPr>
-                        <a:t>lý dữ liệu hiển thị động của hệ thống.</a:t>
+                        <a:t>- Quản lý dữ liệu hiển thị động của hệ thống.</a:t>
                       </a:r>
                     </a:p>
                   </a:txBody>
@@ -8045,21 +8036,7 @@
                           <a:latin typeface="Times New Roman" pitchFamily="18" charset="0"/>
                           <a:cs typeface="Times New Roman" pitchFamily="18" charset="0"/>
                         </a:rPr>
-                        <a:t>- Thêm</a:t>
-                      </a:r>
-                      <a:r>
-                        <a:rPr lang="en-US" sz="1700" smtClean="0">
-                          <a:latin typeface="Times New Roman" pitchFamily="18" charset="0"/>
-                          <a:cs typeface="Times New Roman" pitchFamily="18" charset="0"/>
-                        </a:rPr>
-                        <a:t>, chỉnh sửa, xóa thông tin các dự án của công ty mà mình đang phụ </a:t>
-                      </a:r>
-                      <a:r>
-                        <a:rPr lang="en-US" sz="1700" smtClean="0">
-                          <a:latin typeface="Times New Roman" pitchFamily="18" charset="0"/>
-                          <a:cs typeface="Times New Roman" pitchFamily="18" charset="0"/>
-                        </a:rPr>
-                        <a:t>trách.</a:t>
+                        <a:t>- Thêm, chỉnh sửa, xóa thông tin các dự án của công ty mà mình đang phụ trách.</a:t>
                       </a:r>
                     </a:p>
                     <a:p>
@@ -8072,21 +8049,7 @@
                           <a:latin typeface="Times New Roman" pitchFamily="18" charset="0"/>
                           <a:cs typeface="Times New Roman" pitchFamily="18" charset="0"/>
                         </a:rPr>
-                        <a:t>- Tìm </a:t>
-                      </a:r>
-                      <a:r>
-                        <a:rPr lang="en-US" sz="1700" smtClean="0">
-                          <a:latin typeface="Times New Roman" pitchFamily="18" charset="0"/>
-                          <a:cs typeface="Times New Roman" pitchFamily="18" charset="0"/>
-                        </a:rPr>
-                        <a:t>kiếm nhân viên trong hệ thống phù hợp với dự án đang cần tuyển thêm nhân lực phục vụ quá trình phỏng vấn ứng viên nhanh </a:t>
-                      </a:r>
-                      <a:r>
-                        <a:rPr lang="en-US" sz="1700" smtClean="0">
-                          <a:latin typeface="Times New Roman" pitchFamily="18" charset="0"/>
-                          <a:cs typeface="Times New Roman" pitchFamily="18" charset="0"/>
-                        </a:rPr>
-                        <a:t>chóng.</a:t>
+                        <a:t>- Tìm kiếm nhân viên trong hệ thống phù hợp với dự án đang cần tuyển thêm nhân lực phục vụ quá trình phỏng vấn ứng viên nhanh chóng.</a:t>
                       </a:r>
                       <a:endParaRPr lang="en-US" sz="1700">
                         <a:latin typeface="Times New Roman" pitchFamily="18" charset="0"/>
@@ -9142,7 +9105,7 @@
   <a:extraClrSchemeLst/>
   <a:extLst>
     <a:ext uri="{05A4C25C-085E-4340-85A3-A5531E510DB2}">
-      <thm15:themeFamily xmlns="" xmlns:thm15="http://schemas.microsoft.com/office/thememl/2012/main" name="Office Theme" id="{62F939B6-93AF-4DB8-9C6B-D6C7DFDC589F}" vid="{4A3C46E8-61CC-4603-A589-7422A47A8E4A}"/>
+      <thm15:themeFamily xmlns:thm15="http://schemas.microsoft.com/office/thememl/2012/main" xmlns="" name="Office Theme" id="{62F939B6-93AF-4DB8-9C6B-D6C7DFDC589F}" vid="{4A3C46E8-61CC-4603-A589-7422A47A8E4A}"/>
     </a:ext>
   </a:extLst>
 </a:theme>

--- a/doc/BAO_CAO-DO_AN_TOT_NGHIEP-SKILL_INVENTORY.pptx
+++ b/doc/BAO_CAO-DO_AN_TOT_NGHIEP-SKILL_INVENTORY.pptx
@@ -5,25 +5,24 @@
     <p:sldMasterId id="2147484124" r:id="rId1"/>
   </p:sldMasterIdLst>
   <p:notesMasterIdLst>
-    <p:notesMasterId r:id="rId18"/>
+    <p:notesMasterId r:id="rId17"/>
   </p:notesMasterIdLst>
   <p:sldIdLst>
     <p:sldId id="256" r:id="rId2"/>
     <p:sldId id="257" r:id="rId3"/>
     <p:sldId id="258" r:id="rId4"/>
-    <p:sldId id="297" r:id="rId5"/>
-    <p:sldId id="259" r:id="rId6"/>
-    <p:sldId id="279" r:id="rId7"/>
-    <p:sldId id="268" r:id="rId8"/>
-    <p:sldId id="274" r:id="rId9"/>
-    <p:sldId id="275" r:id="rId10"/>
-    <p:sldId id="262" r:id="rId11"/>
-    <p:sldId id="292" r:id="rId12"/>
-    <p:sldId id="291" r:id="rId13"/>
-    <p:sldId id="295" r:id="rId14"/>
-    <p:sldId id="296" r:id="rId15"/>
-    <p:sldId id="263" r:id="rId16"/>
-    <p:sldId id="264" r:id="rId17"/>
+    <p:sldId id="259" r:id="rId5"/>
+    <p:sldId id="279" r:id="rId6"/>
+    <p:sldId id="268" r:id="rId7"/>
+    <p:sldId id="274" r:id="rId8"/>
+    <p:sldId id="275" r:id="rId9"/>
+    <p:sldId id="262" r:id="rId10"/>
+    <p:sldId id="292" r:id="rId11"/>
+    <p:sldId id="291" r:id="rId12"/>
+    <p:sldId id="295" r:id="rId13"/>
+    <p:sldId id="296" r:id="rId14"/>
+    <p:sldId id="263" r:id="rId15"/>
+    <p:sldId id="264" r:id="rId16"/>
   </p:sldIdLst>
   <p:sldSz cx="9144000" cy="5143500" type="screen16x9"/>
   <p:notesSz cx="6858000" cy="9144000"/>
@@ -124,7 +123,7 @@
   </p:defaultTextStyle>
   <p:extLst>
     <p:ext uri="{EFAFB233-063F-42B5-8137-9DF3F51BA10A}">
-      <p15:sldGuideLst xmlns:p15="http://schemas.microsoft.com/office/powerpoint/2012/main" xmlns="">
+      <p15:sldGuideLst xmlns="" xmlns:p15="http://schemas.microsoft.com/office/powerpoint/2012/main">
         <p15:guide id="1" orient="horz" pos="2016">
           <p15:clr>
             <a:srgbClr val="A4A3A4"/>
@@ -696,12 +695,7 @@
             <p:ph type="sldImg"/>
           </p:nvPr>
         </p:nvSpPr>
-        <p:spPr>
-          <a:xfrm>
-            <a:off x="685800" y="1143000"/>
-            <a:ext cx="5486400" cy="3086100"/>
-          </a:xfrm>
-        </p:spPr>
+        <p:spPr/>
       </p:sp>
       <p:sp>
         <p:nvSpPr>
@@ -718,6 +712,151 @@
           <a:bodyPr/>
           <a:lstStyle/>
           <a:p>
+            <a:pPr lvl="0"/>
+            <a:r>
+              <a:rPr lang="en-US" sz="900" kern="1200" smtClean="0">
+                <a:solidFill>
+                  <a:schemeClr val="tx1"/>
+                </a:solidFill>
+                <a:effectLst/>
+                <a:latin typeface="+mn-lt"/>
+                <a:ea typeface="+mn-ea"/>
+                <a:cs typeface="+mn-cs"/>
+              </a:rPr>
+              <a:t>Spring Boot:</a:t>
+            </a:r>
+            <a:endParaRPr lang="en-US" sz="800" kern="1200" smtClean="0">
+              <a:solidFill>
+                <a:schemeClr val="tx1"/>
+              </a:solidFill>
+              <a:effectLst/>
+              <a:latin typeface="+mn-lt"/>
+              <a:ea typeface="+mn-ea"/>
+              <a:cs typeface="+mn-cs"/>
+            </a:endParaRPr>
+          </a:p>
+          <a:p>
+            <a:pPr lvl="1"/>
+            <a:r>
+              <a:rPr lang="en-US" sz="900" kern="1200" smtClean="0">
+                <a:solidFill>
+                  <a:schemeClr val="tx1"/>
+                </a:solidFill>
+                <a:effectLst/>
+                <a:latin typeface="+mn-lt"/>
+                <a:ea typeface="+mn-ea"/>
+                <a:cs typeface="+mn-cs"/>
+              </a:rPr>
+              <a:t>Giảm thời gian cấu hình và triển khai ứng dụng so với các framework thông dụng Spring MVC, Struts, JavaServer Face.</a:t>
+            </a:r>
+            <a:endParaRPr lang="en-US" sz="800" kern="1200" smtClean="0">
+              <a:solidFill>
+                <a:schemeClr val="tx1"/>
+              </a:solidFill>
+              <a:effectLst/>
+              <a:latin typeface="+mn-lt"/>
+              <a:ea typeface="+mn-ea"/>
+              <a:cs typeface="+mn-cs"/>
+            </a:endParaRPr>
+          </a:p>
+          <a:p>
+            <a:pPr lvl="0"/>
+            <a:r>
+              <a:rPr lang="en-US" sz="900" kern="1200" smtClean="0">
+                <a:solidFill>
+                  <a:schemeClr val="tx1"/>
+                </a:solidFill>
+                <a:effectLst/>
+                <a:latin typeface="+mn-lt"/>
+                <a:ea typeface="+mn-ea"/>
+                <a:cs typeface="+mn-cs"/>
+              </a:rPr>
+              <a:t>Angular:</a:t>
+            </a:r>
+            <a:endParaRPr lang="en-US" sz="800" kern="1200" smtClean="0">
+              <a:solidFill>
+                <a:schemeClr val="tx1"/>
+              </a:solidFill>
+              <a:effectLst/>
+              <a:latin typeface="+mn-lt"/>
+              <a:ea typeface="+mn-ea"/>
+              <a:cs typeface="+mn-cs"/>
+            </a:endParaRPr>
+          </a:p>
+          <a:p>
+            <a:pPr lvl="1"/>
+            <a:r>
+              <a:rPr lang="en-US" sz="900" kern="1200" smtClean="0">
+                <a:solidFill>
+                  <a:schemeClr val="tx1"/>
+                </a:solidFill>
+                <a:effectLst/>
+                <a:latin typeface="+mn-lt"/>
+                <a:ea typeface="+mn-ea"/>
+                <a:cs typeface="+mn-cs"/>
+              </a:rPr>
+              <a:t>Quản lý các component hiệu quả so với các frameword front-end nổi tiếng React.</a:t>
+            </a:r>
+            <a:endParaRPr lang="en-US" sz="800" kern="1200" smtClean="0">
+              <a:solidFill>
+                <a:schemeClr val="tx1"/>
+              </a:solidFill>
+              <a:effectLst/>
+              <a:latin typeface="+mn-lt"/>
+              <a:ea typeface="+mn-ea"/>
+              <a:cs typeface="+mn-cs"/>
+            </a:endParaRPr>
+          </a:p>
+          <a:p>
+            <a:r>
+              <a:rPr lang="en-US" smtClean="0"/>
+              <a:t>MySQL</a:t>
+            </a:r>
+          </a:p>
+          <a:p>
+            <a:pPr marL="0" marR="0" lvl="0" indent="0" algn="l" defTabSz="685723" rtl="0" eaLnBrk="1" fontAlgn="auto" latinLnBrk="0" hangingPunct="1">
+              <a:lnSpc>
+                <a:spcPct val="100000"/>
+              </a:lnSpc>
+              <a:spcBef>
+                <a:spcPts val="0"/>
+              </a:spcBef>
+              <a:spcAft>
+                <a:spcPts val="0"/>
+              </a:spcAft>
+              <a:buClrTx/>
+              <a:buSzTx/>
+              <a:buFontTx/>
+              <a:buNone/>
+              <a:tabLst/>
+              <a:defRPr/>
+            </a:pPr>
+            <a:r>
+              <a:rPr lang="en-US" sz="900" kern="1200" baseline="0" smtClean="0">
+                <a:solidFill>
+                  <a:schemeClr val="tx1"/>
+                </a:solidFill>
+                <a:effectLst/>
+                <a:latin typeface="+mn-lt"/>
+                <a:ea typeface="+mn-ea"/>
+                <a:cs typeface="+mn-cs"/>
+              </a:rPr>
+              <a:t>        </a:t>
+            </a:r>
+            <a:r>
+              <a:rPr lang="en-US" sz="900" kern="1200" smtClean="0">
+                <a:solidFill>
+                  <a:schemeClr val="tx1"/>
+                </a:solidFill>
+                <a:effectLst/>
+                <a:latin typeface="+mn-lt"/>
+                <a:ea typeface="+mn-ea"/>
+                <a:cs typeface="+mn-cs"/>
+              </a:rPr>
+              <a:t>MySQL là một mã nguồn mở, giúp giảm bớt chi phí khi triển khai hệ thống cho doanh nghiệp.</a:t>
+            </a:r>
+          </a:p>
+          <a:p>
             <a:endParaRPr lang="en-US"/>
           </a:p>
         </p:txBody>
@@ -739,7 +878,7 @@
           <a:p>
             <a:fld id="{C1624DE5-C794-42A9-980A-A6CF05DF8E6D}" type="slidenum">
               <a:rPr lang="en-US" smtClean="0"/>
-              <a:t>4</a:t>
+              <a:t>5</a:t>
             </a:fld>
             <a:endParaRPr lang="en-US"/>
           </a:p>
@@ -748,7 +887,7 @@
     </p:spTree>
     <p:extLst>
       <p:ext uri="{BB962C8B-B14F-4D97-AF65-F5344CB8AC3E}">
-        <p14:creationId xmlns:p14="http://schemas.microsoft.com/office/powerpoint/2010/main" val="1833605202"/>
+        <p14:creationId xmlns:p14="http://schemas.microsoft.com/office/powerpoint/2010/main" val="2320124311"/>
       </p:ext>
     </p:extLst>
   </p:cSld>
@@ -4645,227 +4784,6 @@
         </p:nvSpPr>
         <p:spPr>
           <a:xfrm>
-            <a:off x="-1137151" y="-364671"/>
-            <a:ext cx="6447501" cy="990600"/>
-          </a:xfrm>
-        </p:spPr>
-        <p:txBody>
-          <a:bodyPr>
-            <a:normAutofit/>
-          </a:bodyPr>
-          <a:lstStyle/>
-          <a:p>
-            <a:r>
-              <a:rPr lang="en-US" sz="3400">
-                <a:latin typeface="Times New Roman" pitchFamily="18" charset="0"/>
-                <a:cs typeface="Times New Roman" pitchFamily="18" charset="0"/>
-              </a:rPr>
-              <a:t>4. </a:t>
-            </a:r>
-            <a:r>
-              <a:rPr lang="en-US" sz="3400" err="1">
-                <a:latin typeface="Times New Roman" pitchFamily="18" charset="0"/>
-                <a:cs typeface="Times New Roman" pitchFamily="18" charset="0"/>
-              </a:rPr>
-              <a:t>Hiện</a:t>
-            </a:r>
-            <a:r>
-              <a:rPr lang="en-US" sz="3400">
-                <a:latin typeface="Times New Roman" pitchFamily="18" charset="0"/>
-                <a:cs typeface="Times New Roman" pitchFamily="18" charset="0"/>
-              </a:rPr>
-              <a:t> </a:t>
-            </a:r>
-            <a:r>
-              <a:rPr lang="en-US" sz="3400" err="1">
-                <a:latin typeface="Times New Roman" pitchFamily="18" charset="0"/>
-                <a:cs typeface="Times New Roman" pitchFamily="18" charset="0"/>
-              </a:rPr>
-              <a:t>thực</a:t>
-            </a:r>
-            <a:r>
-              <a:rPr lang="en-US" sz="3400">
-                <a:latin typeface="Times New Roman" pitchFamily="18" charset="0"/>
-                <a:cs typeface="Times New Roman" pitchFamily="18" charset="0"/>
-              </a:rPr>
-              <a:t> – Demo</a:t>
-            </a:r>
-          </a:p>
-        </p:txBody>
-      </p:sp>
-      <p:sp>
-        <p:nvSpPr>
-          <p:cNvPr id="3" name="Content Placeholder 2"/>
-          <p:cNvSpPr>
-            <a:spLocks noGrp="1"/>
-          </p:cNvSpPr>
-          <p:nvPr>
-            <p:ph idx="1"/>
-          </p:nvPr>
-        </p:nvSpPr>
-        <p:spPr>
-          <a:xfrm>
-            <a:off x="125950" y="466495"/>
-            <a:ext cx="8892100" cy="4438014"/>
-          </a:xfrm>
-        </p:spPr>
-        <p:txBody>
-          <a:bodyPr>
-            <a:noAutofit/>
-          </a:bodyPr>
-          <a:lstStyle/>
-          <a:p>
-            <a:pPr>
-              <a:buFont typeface="Wingdings" pitchFamily="2" charset="2"/>
-              <a:buChar char="Ø"/>
-            </a:pPr>
-            <a:r>
-              <a:rPr lang="en-US" sz="1900">
-                <a:latin typeface="Times New Roman" pitchFamily="18" charset="0"/>
-                <a:cs typeface="Times New Roman" pitchFamily="18" charset="0"/>
-              </a:rPr>
-              <a:t>Mô tả cách hệ thống tìm kiếm và sắp xếp các ứng viên phù hợp dự án:</a:t>
-            </a:r>
-          </a:p>
-        </p:txBody>
-      </p:sp>
-      <p:sp>
-        <p:nvSpPr>
-          <p:cNvPr id="4" name="Slide Number Placeholder 3"/>
-          <p:cNvSpPr>
-            <a:spLocks noGrp="1"/>
-          </p:cNvSpPr>
-          <p:nvPr>
-            <p:ph type="sldNum" sz="quarter" idx="12"/>
-          </p:nvPr>
-        </p:nvSpPr>
-        <p:spPr/>
-        <p:txBody>
-          <a:bodyPr/>
-          <a:lstStyle/>
-          <a:p>
-            <a:fld id="{3905339D-DD04-4120-AA77-8BCC40DA1522}" type="slidenum">
-              <a:rPr lang="en-US" smtClean="0"/>
-              <a:pPr/>
-              <a:t>10</a:t>
-            </a:fld>
-            <a:endParaRPr lang="en-US"/>
-          </a:p>
-        </p:txBody>
-      </p:sp>
-      <p:pic>
-        <p:nvPicPr>
-          <p:cNvPr id="2051" name="Picture 3"/>
-          <p:cNvPicPr>
-            <a:picLocks noChangeAspect="1" noChangeArrowheads="1"/>
-          </p:cNvPicPr>
-          <p:nvPr/>
-        </p:nvPicPr>
-        <p:blipFill>
-          <a:blip r:embed="rId2" cstate="print">
-            <a:extLst>
-              <a:ext uri="{28A0092B-C50C-407E-A947-70E740481C1C}">
-                <a14:useLocalDpi xmlns:a14="http://schemas.microsoft.com/office/drawing/2010/main" val="0"/>
-              </a:ext>
-            </a:extLst>
-          </a:blip>
-          <a:srcRect/>
-          <a:stretch>
-            <a:fillRect/>
-          </a:stretch>
-        </p:blipFill>
-        <p:spPr bwMode="auto">
-          <a:xfrm>
-            <a:off x="1133553" y="0"/>
-            <a:ext cx="6939868" cy="5216234"/>
-          </a:xfrm>
-          <a:prstGeom prst="rect">
-            <a:avLst/>
-          </a:prstGeom>
-          <a:noFill/>
-          <a:ln>
-            <a:noFill/>
-          </a:ln>
-          <a:effectLst/>
-          <a:extLst>
-            <a:ext uri="{909E8E84-426E-40DD-AFC4-6F175D3DCCD1}">
-              <a14:hiddenFill xmlns:a14="http://schemas.microsoft.com/office/drawing/2010/main">
-                <a:solidFill>
-                  <a:schemeClr val="accent1"/>
-                </a:solidFill>
-              </a14:hiddenFill>
-            </a:ext>
-            <a:ext uri="{91240B29-F687-4F45-9708-019B960494DF}">
-              <a14:hiddenLine xmlns:a14="http://schemas.microsoft.com/office/drawing/2010/main" w="9525">
-                <a:solidFill>
-                  <a:schemeClr val="tx1"/>
-                </a:solidFill>
-                <a:miter lim="800000"/>
-                <a:headEnd/>
-                <a:tailEnd/>
-              </a14:hiddenLine>
-            </a:ext>
-            <a:ext uri="{AF507438-7753-43E0-B8FC-AC1667EBCBE1}">
-              <a14:hiddenEffects xmlns:a14="http://schemas.microsoft.com/office/drawing/2010/main">
-                <a:effectLst>
-                  <a:outerShdw dist="35921" dir="2700000" algn="ctr" rotWithShape="0">
-                    <a:schemeClr val="bg2"/>
-                  </a:outerShdw>
-                </a:effectLst>
-              </a14:hiddenEffects>
-            </a:ext>
-          </a:extLst>
-        </p:spPr>
-      </p:pic>
-    </p:spTree>
-    <p:extLst>
-      <p:ext uri="{BB962C8B-B14F-4D97-AF65-F5344CB8AC3E}">
-        <p14:creationId xmlns:p14="http://schemas.microsoft.com/office/powerpoint/2010/main" val="400240856"/>
-      </p:ext>
-    </p:extLst>
-  </p:cSld>
-  <p:clrMapOvr>
-    <a:masterClrMapping/>
-  </p:clrMapOvr>
-  <p:timing>
-    <p:tnLst>
-      <p:par>
-        <p:cTn id="1" dur="indefinite" restart="never" nodeType="tmRoot"/>
-      </p:par>
-    </p:tnLst>
-  </p:timing>
-</p:sld>
-</file>
-
-<file path=ppt/slides/slide11.xml><?xml version="1.0" encoding="utf-8"?>
-<p:sld xmlns:a="http://schemas.openxmlformats.org/drawingml/2006/main" xmlns:r="http://schemas.openxmlformats.org/officeDocument/2006/relationships" xmlns:p="http://schemas.openxmlformats.org/presentationml/2006/main">
-  <p:cSld>
-    <p:spTree>
-      <p:nvGrpSpPr>
-        <p:cNvPr id="1" name=""/>
-        <p:cNvGrpSpPr/>
-        <p:nvPr/>
-      </p:nvGrpSpPr>
-      <p:grpSpPr>
-        <a:xfrm>
-          <a:off x="0" y="0"/>
-          <a:ext cx="0" cy="0"/>
-          <a:chOff x="0" y="0"/>
-          <a:chExt cx="0" cy="0"/>
-        </a:xfrm>
-      </p:grpSpPr>
-      <p:sp>
-        <p:nvSpPr>
-          <p:cNvPr id="2" name="Title 1"/>
-          <p:cNvSpPr>
-            <a:spLocks noGrp="1"/>
-          </p:cNvSpPr>
-          <p:nvPr>
-            <p:ph type="title"/>
-          </p:nvPr>
-        </p:nvSpPr>
-        <p:spPr>
-          <a:xfrm>
             <a:off x="-1574800" y="-435428"/>
             <a:ext cx="8229600" cy="1200150"/>
           </a:xfrm>
@@ -4975,7 +4893,7 @@
             <a:fld id="{3905339D-DD04-4120-AA77-8BCC40DA1522}" type="slidenum">
               <a:rPr lang="en-US" smtClean="0"/>
               <a:pPr/>
-              <a:t>11</a:t>
+              <a:t>10</a:t>
             </a:fld>
             <a:endParaRPr lang="en-US"/>
           </a:p>
@@ -5161,6 +5079,242 @@
 </p:sld>
 </file>
 
+<file path=ppt/slides/slide11.xml><?xml version="1.0" encoding="utf-8"?>
+<p:sld xmlns:a="http://schemas.openxmlformats.org/drawingml/2006/main" xmlns:r="http://schemas.openxmlformats.org/officeDocument/2006/relationships" xmlns:p="http://schemas.openxmlformats.org/presentationml/2006/main">
+  <p:cSld>
+    <p:spTree>
+      <p:nvGrpSpPr>
+        <p:cNvPr id="1" name=""/>
+        <p:cNvGrpSpPr/>
+        <p:nvPr/>
+      </p:nvGrpSpPr>
+      <p:grpSpPr>
+        <a:xfrm>
+          <a:off x="0" y="0"/>
+          <a:ext cx="0" cy="0"/>
+          <a:chOff x="0" y="0"/>
+          <a:chExt cx="0" cy="0"/>
+        </a:xfrm>
+      </p:grpSpPr>
+      <p:sp>
+        <p:nvSpPr>
+          <p:cNvPr id="2" name="Title 1"/>
+          <p:cNvSpPr>
+            <a:spLocks noGrp="1"/>
+          </p:cNvSpPr>
+          <p:nvPr>
+            <p:ph type="title"/>
+          </p:nvPr>
+        </p:nvSpPr>
+        <p:spPr>
+          <a:xfrm>
+            <a:off x="-171532" y="-359229"/>
+            <a:ext cx="6447501" cy="990600"/>
+          </a:xfrm>
+        </p:spPr>
+        <p:txBody>
+          <a:bodyPr>
+            <a:normAutofit/>
+          </a:bodyPr>
+          <a:lstStyle/>
+          <a:p>
+            <a:r>
+              <a:rPr lang="en-US" sz="3400">
+                <a:latin typeface="Times New Roman" pitchFamily="18" charset="0"/>
+                <a:cs typeface="Times New Roman" pitchFamily="18" charset="0"/>
+              </a:rPr>
+              <a:t>5. Kết luận – Hướng phát triển</a:t>
+            </a:r>
+          </a:p>
+        </p:txBody>
+      </p:sp>
+      <p:sp>
+        <p:nvSpPr>
+          <p:cNvPr id="3" name="Content Placeholder 2"/>
+          <p:cNvSpPr>
+            <a:spLocks noGrp="1"/>
+          </p:cNvSpPr>
+          <p:nvPr>
+            <p:ph idx="1"/>
+          </p:nvPr>
+        </p:nvSpPr>
+        <p:spPr>
+          <a:xfrm>
+            <a:off x="234779" y="630524"/>
+            <a:ext cx="8790468" cy="4224505"/>
+          </a:xfrm>
+        </p:spPr>
+        <p:txBody>
+          <a:bodyPr>
+            <a:noAutofit/>
+          </a:bodyPr>
+          <a:lstStyle/>
+          <a:p>
+            <a:pPr>
+              <a:buFont typeface="Wingdings" pitchFamily="2" charset="2"/>
+              <a:buChar char="Ø"/>
+            </a:pPr>
+            <a:r>
+              <a:rPr lang="en-US" sz="1900">
+                <a:latin typeface="Times New Roman" pitchFamily="18" charset="0"/>
+                <a:cs typeface="Times New Roman" pitchFamily="18" charset="0"/>
+              </a:rPr>
+              <a:t>Nhóm </a:t>
+            </a:r>
+            <a:r>
+              <a:rPr lang="en-US" sz="1900" smtClean="0">
+                <a:latin typeface="Times New Roman" pitchFamily="18" charset="0"/>
+                <a:cs typeface="Times New Roman" pitchFamily="18" charset="0"/>
+              </a:rPr>
+              <a:t>đã </a:t>
+            </a:r>
+            <a:r>
+              <a:rPr lang="en-US" sz="1900" smtClean="0">
+                <a:latin typeface="Times New Roman" pitchFamily="18" charset="0"/>
+                <a:cs typeface="Times New Roman" pitchFamily="18" charset="0"/>
+              </a:rPr>
+              <a:t>tìm </a:t>
+            </a:r>
+            <a:r>
+              <a:rPr lang="en-US" sz="1900">
+                <a:latin typeface="Times New Roman" pitchFamily="18" charset="0"/>
+                <a:cs typeface="Times New Roman" pitchFamily="18" charset="0"/>
+              </a:rPr>
+              <a:t>hiểu và tự học hỏi một số kỹ năng như: phương pháp lấy yêu cầu từ khách hàng, phân bố thời gian công việc phù hợp, </a:t>
+            </a:r>
+            <a:r>
+              <a:rPr lang="en-US" sz="1900" smtClean="0">
+                <a:latin typeface="Times New Roman" pitchFamily="18" charset="0"/>
+                <a:cs typeface="Times New Roman" pitchFamily="18" charset="0"/>
+              </a:rPr>
+              <a:t>báo </a:t>
+            </a:r>
+            <a:r>
+              <a:rPr lang="en-US" sz="1900">
+                <a:latin typeface="Times New Roman" pitchFamily="18" charset="0"/>
+                <a:cs typeface="Times New Roman" pitchFamily="18" charset="0"/>
+              </a:rPr>
+              <a:t>cáo công việc làm được hàng ngày, giải quyết tình huống khi gặp vấn đề. Ngoài ra nhóm còn áp dụng được quy tắc khi lập trình trong dự án, quy trình deploy sản phẩm lên máy chủ.  </a:t>
+            </a:r>
+          </a:p>
+          <a:p>
+            <a:pPr>
+              <a:buFont typeface="Wingdings" pitchFamily="2" charset="2"/>
+              <a:buChar char="Ø"/>
+            </a:pPr>
+            <a:r>
+              <a:rPr lang="en-US" sz="1900">
+                <a:latin typeface="Times New Roman" pitchFamily="18" charset="0"/>
+                <a:cs typeface="Times New Roman" pitchFamily="18" charset="0"/>
+              </a:rPr>
+              <a:t>Được trải nghiệm với dự án thực tế, môi trường phát triển phần mềm chuyên nghiệp. Hiện thực hoàn tất các chức năng cho hệ thống quản lý kỹ năng của nhân viên với các chức năng:</a:t>
+            </a:r>
+          </a:p>
+          <a:p>
+            <a:pPr lvl="1">
+              <a:buFont typeface="Wingdings" pitchFamily="2" charset="2"/>
+              <a:buChar char="ü"/>
+            </a:pPr>
+            <a:r>
+              <a:rPr lang="en-US" sz="1900">
+                <a:latin typeface="Times New Roman" pitchFamily="18" charset="0"/>
+                <a:cs typeface="Times New Roman" pitchFamily="18" charset="0"/>
+              </a:rPr>
+              <a:t>Chức năng dành cho nhân viên của công ty phần mềm FPT Software.</a:t>
+            </a:r>
+          </a:p>
+          <a:p>
+            <a:pPr lvl="1">
+              <a:buFont typeface="Wingdings" pitchFamily="2" charset="2"/>
+              <a:buChar char="ü"/>
+            </a:pPr>
+            <a:r>
+              <a:rPr lang="en-US" sz="1900">
+                <a:latin typeface="Times New Roman" pitchFamily="18" charset="0"/>
+                <a:cs typeface="Times New Roman" pitchFamily="18" charset="0"/>
+              </a:rPr>
+              <a:t>Chức năng dành cho nhân viên quản lý nhân sự của công ty phần mềm FPT Software.</a:t>
+            </a:r>
+          </a:p>
+          <a:p>
+            <a:pPr lvl="1">
+              <a:buFont typeface="Wingdings" pitchFamily="2" charset="2"/>
+              <a:buChar char="ü"/>
+            </a:pPr>
+            <a:r>
+              <a:rPr lang="en-US" sz="1900">
+                <a:latin typeface="Times New Roman" pitchFamily="18" charset="0"/>
+                <a:cs typeface="Times New Roman" pitchFamily="18" charset="0"/>
+              </a:rPr>
+              <a:t>Chức năng dành cho nhân viên quản lý dự án của công ty phần mềm FPT Software.</a:t>
+            </a:r>
+          </a:p>
+          <a:p>
+            <a:pPr lvl="1">
+              <a:buFont typeface="Wingdings" pitchFamily="2" charset="2"/>
+              <a:buChar char="ü"/>
+            </a:pPr>
+            <a:r>
+              <a:rPr lang="en-US" sz="1900">
+                <a:latin typeface="Times New Roman" pitchFamily="18" charset="0"/>
+                <a:cs typeface="Times New Roman" pitchFamily="18" charset="0"/>
+              </a:rPr>
+              <a:t>Ngoài ra, hệ thống còn có dịch vụ tự động kiểm tra ngày kết thúc vị trí trong dự án của công ty với ngày hiện tại, và cập nhật thông tin kinh nghiệm làm việc của nhân viên</a:t>
+            </a:r>
+            <a:r>
+              <a:rPr lang="en-US" sz="1200">
+                <a:latin typeface="Times New Roman" pitchFamily="18" charset="0"/>
+                <a:cs typeface="Times New Roman" pitchFamily="18" charset="0"/>
+              </a:rPr>
+              <a:t>.</a:t>
+            </a:r>
+          </a:p>
+        </p:txBody>
+      </p:sp>
+      <p:sp>
+        <p:nvSpPr>
+          <p:cNvPr id="4" name="Slide Number Placeholder 3"/>
+          <p:cNvSpPr>
+            <a:spLocks noGrp="1"/>
+          </p:cNvSpPr>
+          <p:nvPr>
+            <p:ph type="sldNum" sz="quarter" idx="12"/>
+          </p:nvPr>
+        </p:nvSpPr>
+        <p:spPr/>
+        <p:txBody>
+          <a:bodyPr/>
+          <a:lstStyle/>
+          <a:p>
+            <a:fld id="{3905339D-DD04-4120-AA77-8BCC40DA1522}" type="slidenum">
+              <a:rPr lang="en-US" smtClean="0"/>
+              <a:pPr/>
+              <a:t>11</a:t>
+            </a:fld>
+            <a:endParaRPr lang="en-US"/>
+          </a:p>
+        </p:txBody>
+      </p:sp>
+    </p:spTree>
+    <p:extLst>
+      <p:ext uri="{BB962C8B-B14F-4D97-AF65-F5344CB8AC3E}">
+        <p14:creationId xmlns:p14="http://schemas.microsoft.com/office/powerpoint/2010/main" val="1046854523"/>
+      </p:ext>
+    </p:extLst>
+  </p:cSld>
+  <p:clrMapOvr>
+    <a:masterClrMapping/>
+  </p:clrMapOvr>
+  <p:timing>
+    <p:tnLst>
+      <p:par>
+        <p:cTn id="1" dur="indefinite" restart="never" nodeType="tmRoot"/>
+      </p:par>
+    </p:tnLst>
+  </p:timing>
+</p:sld>
+</file>
+
 <file path=ppt/slides/slide12.xml><?xml version="1.0" encoding="utf-8"?>
 <p:sld xmlns:a="http://schemas.openxmlformats.org/drawingml/2006/main" xmlns:r="http://schemas.openxmlformats.org/officeDocument/2006/relationships" xmlns:p="http://schemas.openxmlformats.org/presentationml/2006/main">
   <p:cSld>
@@ -5190,7 +5344,7 @@
         </p:nvSpPr>
         <p:spPr>
           <a:xfrm>
-            <a:off x="-171532" y="-359229"/>
+            <a:off x="0" y="-321128"/>
             <a:ext cx="6447501" cy="990600"/>
           </a:xfrm>
         </p:spPr>
@@ -5205,7 +5359,7 @@
                 <a:latin typeface="Times New Roman" pitchFamily="18" charset="0"/>
                 <a:cs typeface="Times New Roman" pitchFamily="18" charset="0"/>
               </a:rPr>
-              <a:t>5. Kết luận – Hướng phát triển</a:t>
+              <a:t>5. Kết luận – Hướng phát triển(tt)</a:t>
             </a:r>
           </a:p>
         </p:txBody>
@@ -5222,8 +5376,8 @@
         </p:nvSpPr>
         <p:spPr>
           <a:xfrm>
-            <a:off x="485915" y="630524"/>
-            <a:ext cx="8539331" cy="4224505"/>
+            <a:off x="452785" y="701960"/>
+            <a:ext cx="8271085" cy="4053737"/>
           </a:xfrm>
         </p:spPr>
         <p:txBody>
@@ -5241,34 +5395,7 @@
                 <a:latin typeface="Times New Roman" pitchFamily="18" charset="0"/>
                 <a:cs typeface="Times New Roman" pitchFamily="18" charset="0"/>
               </a:rPr>
-              <a:t>Nhóm có tìm hiểu và tự học hỏi một số kỹ năng như: phương pháp lấy yêu cầu từ khách hàng, phân bố thời gian công việc phù hợp, </a:t>
-            </a:r>
-            <a:r>
-              <a:rPr lang="en-US" sz="1900" smtClean="0">
-                <a:latin typeface="Times New Roman" pitchFamily="18" charset="0"/>
-                <a:cs typeface="Times New Roman" pitchFamily="18" charset="0"/>
-              </a:rPr>
-              <a:t>báo </a:t>
-            </a:r>
-            <a:r>
-              <a:rPr lang="en-US" sz="1900">
-                <a:latin typeface="Times New Roman" pitchFamily="18" charset="0"/>
-                <a:cs typeface="Times New Roman" pitchFamily="18" charset="0"/>
-              </a:rPr>
-              <a:t>cáo công việc làm được hàng ngày, giải quyết tình huống khi gặp vấn đề. Ngoài ra nhóm còn áp dụng được quy tắc khi lập trình trong dự án, quy trình deploy sản phẩm lên máy chủ.  </a:t>
-            </a:r>
-          </a:p>
-          <a:p>
-            <a:pPr>
-              <a:buFont typeface="Wingdings" pitchFamily="2" charset="2"/>
-              <a:buChar char="Ø"/>
-            </a:pPr>
-            <a:r>
-              <a:rPr lang="en-US" sz="1900">
-                <a:latin typeface="Times New Roman" pitchFamily="18" charset="0"/>
-                <a:cs typeface="Times New Roman" pitchFamily="18" charset="0"/>
-              </a:rPr>
-              <a:t>Được trải nghiệm với dự án thực tế, môi trường phát triển phần mềm chuyên nghiệp. Hiện thực hoàn tất các chức năng cho hệ thống quản lý kỹ năng của nhân viên với các chức năng:</a:t>
+              <a:t>Ảnh hưởng của đề tài đối với môi trường kinh tế, xã hội:</a:t>
             </a:r>
           </a:p>
           <a:p>
@@ -5281,7 +5408,28 @@
                 <a:latin typeface="Times New Roman" pitchFamily="18" charset="0"/>
                 <a:cs typeface="Times New Roman" pitchFamily="18" charset="0"/>
               </a:rPr>
-              <a:t>Chức năng dành cho nhân viên của công ty phần mềm FPT Software.</a:t>
+              <a:t>Giải quyết vấn </a:t>
+            </a:r>
+            <a:r>
+              <a:rPr lang="en-US" sz="1900">
+                <a:latin typeface="Times New Roman" pitchFamily="18" charset="0"/>
+                <a:cs typeface="Times New Roman" pitchFamily="18" charset="0"/>
+              </a:rPr>
+              <a:t>đề </a:t>
+            </a:r>
+            <a:r>
+              <a:rPr lang="en-US" sz="1900" smtClean="0">
+                <a:latin typeface="Times New Roman" pitchFamily="18" charset="0"/>
+                <a:cs typeface="Times New Roman" pitchFamily="18" charset="0"/>
+              </a:rPr>
+              <a:t>tổ chức nhân </a:t>
+            </a:r>
+            <a:r>
+              <a:rPr lang="en-US" sz="1900">
+                <a:latin typeface="Times New Roman" pitchFamily="18" charset="0"/>
+                <a:cs typeface="Times New Roman" pitchFamily="18" charset="0"/>
+              </a:rPr>
+              <a:t>sự trước đây quản lý thủ công.</a:t>
             </a:r>
           </a:p>
           <a:p>
@@ -5290,11 +5438,32 @@
               <a:buChar char="ü"/>
             </a:pPr>
             <a:r>
+              <a:rPr lang="en-US" sz="1900" smtClean="0">
+                <a:latin typeface="Times New Roman" pitchFamily="18" charset="0"/>
+                <a:cs typeface="Times New Roman" pitchFamily="18" charset="0"/>
+              </a:rPr>
+              <a:t>Hỗ trợ tìm </a:t>
+            </a:r>
+            <a:r>
               <a:rPr lang="en-US" sz="1900">
                 <a:latin typeface="Times New Roman" pitchFamily="18" charset="0"/>
                 <a:cs typeface="Times New Roman" pitchFamily="18" charset="0"/>
               </a:rPr>
-              <a:t>Chức năng dành cho nhân viên quản lý nhân sự của công ty phần mềm FPT Software.</a:t>
+              <a:t>kiếm nhân sự phù hợp cho công </a:t>
+            </a:r>
+            <a:r>
+              <a:rPr lang="en-US" sz="1900" smtClean="0">
+                <a:latin typeface="Times New Roman" pitchFamily="18" charset="0"/>
+                <a:cs typeface="Times New Roman" pitchFamily="18" charset="0"/>
+              </a:rPr>
+              <a:t>ty, doanh nghiệp </a:t>
+            </a:r>
+            <a:r>
+              <a:rPr lang="en-US" sz="1900">
+                <a:latin typeface="Times New Roman" pitchFamily="18" charset="0"/>
+                <a:cs typeface="Times New Roman" pitchFamily="18" charset="0"/>
+              </a:rPr>
+              <a:t>nói chung, công ty phần mềm nói riêng.</a:t>
             </a:r>
           </a:p>
           <a:p>
@@ -5307,7 +5476,42 @@
                 <a:latin typeface="Times New Roman" pitchFamily="18" charset="0"/>
                 <a:cs typeface="Times New Roman" pitchFamily="18" charset="0"/>
               </a:rPr>
-              <a:t>Chức năng dành cho nhân viên quản lý dự án của công ty phần mềm FPT Software.</a:t>
+              <a:t>Hỗ trợ </a:t>
+            </a:r>
+            <a:r>
+              <a:rPr lang="en-US" sz="1900" smtClean="0">
+                <a:latin typeface="Times New Roman" pitchFamily="18" charset="0"/>
+                <a:cs typeface="Times New Roman" pitchFamily="18" charset="0"/>
+              </a:rPr>
+              <a:t>quản </a:t>
+            </a:r>
+            <a:r>
+              <a:rPr lang="en-US" sz="1900">
+                <a:latin typeface="Times New Roman" pitchFamily="18" charset="0"/>
+                <a:cs typeface="Times New Roman" pitchFamily="18" charset="0"/>
+              </a:rPr>
+              <a:t>lý nguồn nhân lực </a:t>
+            </a:r>
+            <a:r>
+              <a:rPr lang="en-US" sz="1900">
+                <a:latin typeface="Times New Roman" pitchFamily="18" charset="0"/>
+                <a:cs typeface="Times New Roman" pitchFamily="18" charset="0"/>
+              </a:rPr>
+              <a:t>với các kỹ năng hiệu quả</a:t>
+            </a:r>
+            <a:r>
+              <a:rPr lang="en-US" sz="1900">
+                <a:latin typeface="Times New Roman" pitchFamily="18" charset="0"/>
+                <a:cs typeface="Times New Roman" pitchFamily="18" charset="0"/>
+              </a:rPr>
+              <a:t> </a:t>
+            </a:r>
+            <a:r>
+              <a:rPr lang="en-US" sz="1900" smtClean="0">
+                <a:latin typeface="Times New Roman" pitchFamily="18" charset="0"/>
+                <a:cs typeface="Times New Roman" pitchFamily="18" charset="0"/>
+              </a:rPr>
+              <a:t>hơn khi có một dự án mới.</a:t>
             </a:r>
           </a:p>
           <a:p>
@@ -5316,18 +5520,46 @@
               <a:buChar char="ü"/>
             </a:pPr>
             <a:r>
-              <a:rPr lang="en-US" sz="1900">
-                <a:latin typeface="Times New Roman" pitchFamily="18" charset="0"/>
-                <a:cs typeface="Times New Roman" pitchFamily="18" charset="0"/>
-              </a:rPr>
-              <a:t>Ngoài ra, hệ thống còn có dịch vụ tự động kiểm tra ngày kết thúc vị trí trong dự án của công ty với ngày hiện tại, và cập nhật thông tin kinh nghiệm làm việc của nhân viên</a:t>
-            </a:r>
-            <a:r>
-              <a:rPr lang="en-US" sz="1200">
-                <a:latin typeface="Times New Roman" pitchFamily="18" charset="0"/>
-                <a:cs typeface="Times New Roman" pitchFamily="18" charset="0"/>
-              </a:rPr>
-              <a:t>.</a:t>
+              <a:rPr lang="en-US" sz="1900" smtClean="0">
+                <a:latin typeface="Times New Roman" pitchFamily="18" charset="0"/>
+                <a:cs typeface="Times New Roman" pitchFamily="18" charset="0"/>
+              </a:rPr>
+              <a:t>Tuy nhiên, để làm quen với hệ thống, nhân </a:t>
+            </a:r>
+            <a:r>
+              <a:rPr lang="en-US" sz="1900" smtClean="0">
+                <a:latin typeface="Times New Roman" pitchFamily="18" charset="0"/>
+                <a:cs typeface="Times New Roman" pitchFamily="18" charset="0"/>
+              </a:rPr>
+              <a:t>viên nhân sự </a:t>
+            </a:r>
+            <a:r>
+              <a:rPr lang="en-US" sz="1900" smtClean="0">
+                <a:latin typeface="Times New Roman" pitchFamily="18" charset="0"/>
+                <a:cs typeface="Times New Roman" pitchFamily="18" charset="0"/>
+              </a:rPr>
+              <a:t>cần tốn thời </a:t>
+            </a:r>
+            <a:r>
+              <a:rPr lang="en-US" sz="1900" smtClean="0">
+                <a:latin typeface="Times New Roman" pitchFamily="18" charset="0"/>
+                <a:cs typeface="Times New Roman" pitchFamily="18" charset="0"/>
+              </a:rPr>
+              <a:t>gian </a:t>
+            </a:r>
+            <a:r>
+              <a:rPr lang="en-US" sz="1900" smtClean="0">
+                <a:latin typeface="Times New Roman" pitchFamily="18" charset="0"/>
+                <a:cs typeface="Times New Roman" pitchFamily="18" charset="0"/>
+              </a:rPr>
+              <a:t>tìm hiểu và sử dụng hệ </a:t>
+            </a:r>
+            <a:r>
+              <a:rPr lang="en-US" sz="1900" smtClean="0">
+                <a:latin typeface="Times New Roman" pitchFamily="18" charset="0"/>
+                <a:cs typeface="Times New Roman" pitchFamily="18" charset="0"/>
+              </a:rPr>
+              <a:t>thống.</a:t>
             </a:r>
           </a:p>
         </p:txBody>
@@ -5359,7 +5591,7 @@
     </p:spTree>
     <p:extLst>
       <p:ext uri="{BB962C8B-B14F-4D97-AF65-F5344CB8AC3E}">
-        <p14:creationId xmlns:p14="http://schemas.microsoft.com/office/powerpoint/2010/main" val="1046854523"/>
+        <p14:creationId xmlns:p14="http://schemas.microsoft.com/office/powerpoint/2010/main" val="2342197221"/>
       </p:ext>
     </p:extLst>
   </p:cSld>
@@ -5456,7 +5688,7 @@
                 <a:latin typeface="Times New Roman" pitchFamily="18" charset="0"/>
                 <a:cs typeface="Times New Roman" pitchFamily="18" charset="0"/>
               </a:rPr>
-              <a:t>Ảnh hưởng của đề tài đối với môi trường kinh tế, xã hội:</a:t>
+              <a:t>Hướng phát triển:</a:t>
             </a:r>
           </a:p>
           <a:p>
@@ -5469,7 +5701,7 @@
                 <a:latin typeface="Times New Roman" pitchFamily="18" charset="0"/>
                 <a:cs typeface="Times New Roman" pitchFamily="18" charset="0"/>
               </a:rPr>
-              <a:t>Tìm kiếm nhân sự phù hợp cho công ty nói chung, công ty phần mềm nói riêng.</a:t>
+              <a:t>Phát triển chức năng theo dõi quá trình thay đổi hồ sơ của nhân viên hàng tháng.</a:t>
             </a:r>
           </a:p>
           <a:p>
@@ -5482,38 +5714,21 @@
                 <a:latin typeface="Times New Roman" pitchFamily="18" charset="0"/>
                 <a:cs typeface="Times New Roman" pitchFamily="18" charset="0"/>
               </a:rPr>
-              <a:t>Hỗ trợ </a:t>
+              <a:t>Phát triển chức năng </a:t>
             </a:r>
             <a:r>
               <a:rPr lang="en-US" sz="1900" smtClean="0">
                 <a:latin typeface="Times New Roman" pitchFamily="18" charset="0"/>
                 <a:cs typeface="Times New Roman" pitchFamily="18" charset="0"/>
               </a:rPr>
-              <a:t>quản </a:t>
+              <a:t>cập nhật hồ </a:t>
             </a:r>
             <a:r>
               <a:rPr lang="en-US" sz="1900">
                 <a:latin typeface="Times New Roman" pitchFamily="18" charset="0"/>
                 <a:cs typeface="Times New Roman" pitchFamily="18" charset="0"/>
               </a:rPr>
-              <a:t>lý nguồn nhân lực hiệu quả. </a:t>
-            </a:r>
-            <a:endParaRPr lang="en-US" sz="1900" smtClean="0">
-              <a:latin typeface="Times New Roman" pitchFamily="18" charset="0"/>
-              <a:cs typeface="Times New Roman" pitchFamily="18" charset="0"/>
-            </a:endParaRPr>
-          </a:p>
-          <a:p>
-            <a:pPr>
-              <a:buFont typeface="Wingdings" pitchFamily="2" charset="2"/>
-              <a:buChar char="Ø"/>
-            </a:pPr>
-            <a:r>
-              <a:rPr lang="en-US" sz="1900" smtClean="0">
-                <a:latin typeface="Times New Roman" pitchFamily="18" charset="0"/>
-                <a:cs typeface="Times New Roman" pitchFamily="18" charset="0"/>
-              </a:rPr>
-              <a:t>Tuy nhiên có một số nhược điểm:</a:t>
+              <a:t>sơ vào hệ thống.</a:t>
             </a:r>
           </a:p>
           <a:p>
@@ -5522,16 +5737,49 @@
               <a:buChar char="ü"/>
             </a:pPr>
             <a:r>
+              <a:rPr lang="en-US" sz="1900">
+                <a:latin typeface="Times New Roman" pitchFamily="18" charset="0"/>
+                <a:cs typeface="Times New Roman" pitchFamily="18" charset="0"/>
+              </a:rPr>
+              <a:t>Phát triển hệ thống tự động gửi mail nhắc </a:t>
+            </a:r>
+            <a:r>
               <a:rPr lang="en-US" sz="1900" smtClean="0">
                 <a:latin typeface="Times New Roman" pitchFamily="18" charset="0"/>
                 <a:cs typeface="Times New Roman" pitchFamily="18" charset="0"/>
               </a:rPr>
-              <a:t>Nhân viên nhân sự cần phải bỏ công sức và thời gian để làm quen với hệ thống.</a:t>
-            </a:r>
-            <a:endParaRPr lang="en-US" sz="1900" smtClean="0">
+              <a:t>nhở cập nhật hồ sơ khi hoàn tất một dự án hay tham gia các khóa học.</a:t>
+            </a:r>
+            <a:endParaRPr lang="en-US" sz="1900">
               <a:latin typeface="Times New Roman" pitchFamily="18" charset="0"/>
               <a:cs typeface="Times New Roman" pitchFamily="18" charset="0"/>
             </a:endParaRPr>
+          </a:p>
+          <a:p>
+            <a:pPr lvl="1">
+              <a:buFont typeface="Wingdings" pitchFamily="2" charset="2"/>
+              <a:buChar char="ü"/>
+            </a:pPr>
+            <a:r>
+              <a:rPr lang="en-US" sz="1900">
+                <a:latin typeface="Times New Roman" pitchFamily="18" charset="0"/>
+                <a:cs typeface="Times New Roman" pitchFamily="18" charset="0"/>
+              </a:rPr>
+              <a:t>Nâng cấp thuật toán gợi ý tìm kiếm.</a:t>
+            </a:r>
+          </a:p>
+          <a:p>
+            <a:pPr lvl="1">
+              <a:buFont typeface="Wingdings" pitchFamily="2" charset="2"/>
+              <a:buChar char="ü"/>
+            </a:pPr>
+            <a:r>
+              <a:rPr lang="en-US" sz="1900">
+                <a:latin typeface="Times New Roman" pitchFamily="18" charset="0"/>
+                <a:cs typeface="Times New Roman" pitchFamily="18" charset="0"/>
+              </a:rPr>
+              <a:t>Nâng cấp giao diện nhập liệu bằng bảng tính.</a:t>
+            </a:r>
           </a:p>
         </p:txBody>
       </p:sp>
@@ -5562,7 +5810,7 @@
     </p:spTree>
     <p:extLst>
       <p:ext uri="{BB962C8B-B14F-4D97-AF65-F5344CB8AC3E}">
-        <p14:creationId xmlns:p14="http://schemas.microsoft.com/office/powerpoint/2010/main" val="2342197221"/>
+        <p14:creationId xmlns:p14="http://schemas.microsoft.com/office/powerpoint/2010/main" val="3178246001"/>
       </p:ext>
     </p:extLst>
   </p:cSld>
@@ -5608,7 +5856,7 @@
         </p:nvSpPr>
         <p:spPr>
           <a:xfrm>
-            <a:off x="0" y="-321128"/>
+            <a:off x="508002" y="2"/>
             <a:ext cx="6447501" cy="990600"/>
           </a:xfrm>
         </p:spPr>
@@ -5623,7 +5871,7 @@
                 <a:latin typeface="Times New Roman" pitchFamily="18" charset="0"/>
                 <a:cs typeface="Times New Roman" pitchFamily="18" charset="0"/>
               </a:rPr>
-              <a:t>5. Kết luận – Hướng phát triển(tt)</a:t>
+              <a:t>Tài liệu tham khảo</a:t>
             </a:r>
           </a:p>
         </p:txBody>
@@ -5640,8 +5888,8 @@
         </p:nvSpPr>
         <p:spPr>
           <a:xfrm>
-            <a:off x="452785" y="701960"/>
-            <a:ext cx="6857999" cy="4053737"/>
+            <a:off x="607678" y="892781"/>
+            <a:ext cx="6809004" cy="4370464"/>
           </a:xfrm>
         </p:spPr>
         <p:txBody>
@@ -5650,82 +5898,388 @@
           </a:bodyPr>
           <a:lstStyle/>
           <a:p>
-            <a:pPr>
-              <a:buFont typeface="Wingdings" pitchFamily="2" charset="2"/>
-              <a:buChar char="Ø"/>
+            <a:pPr marL="0" indent="0">
+              <a:buNone/>
             </a:pPr>
             <a:r>
-              <a:rPr lang="en-US" sz="1900">
-                <a:latin typeface="Times New Roman" pitchFamily="18" charset="0"/>
-                <a:cs typeface="Times New Roman" pitchFamily="18" charset="0"/>
-              </a:rPr>
-              <a:t>Hướng phát triển:</a:t>
-            </a:r>
-          </a:p>
-          <a:p>
-            <a:pPr lvl="1">
-              <a:buFont typeface="Wingdings" pitchFamily="2" charset="2"/>
-              <a:buChar char="ü"/>
+              <a:rPr lang="en-US" sz="1500">
+                <a:solidFill>
+                  <a:schemeClr val="tx1"/>
+                </a:solidFill>
+                <a:latin typeface="Times New Roman" pitchFamily="18" charset="0"/>
+                <a:cs typeface="Times New Roman" pitchFamily="18" charset="0"/>
+              </a:rPr>
+              <a:t>[1]. </a:t>
+            </a:r>
+            <a:r>
+              <a:rPr lang="en-US" sz="1500">
+                <a:solidFill>
+                  <a:schemeClr val="tx1"/>
+                </a:solidFill>
+                <a:latin typeface="Times New Roman" pitchFamily="18" charset="0"/>
+                <a:cs typeface="Times New Roman" pitchFamily="18" charset="0"/>
+                <a:hlinkClick r:id="rId2"/>
+              </a:rPr>
+              <a:t>https://www.strategy-business.com/blog/Why-Companies-Need-to-Build-a-Skills-Inventory</a:t>
+            </a:r>
+            <a:endParaRPr lang="en-US" sz="1500">
+              <a:solidFill>
+                <a:schemeClr val="tx1"/>
+              </a:solidFill>
+              <a:latin typeface="Times New Roman" pitchFamily="18" charset="0"/>
+              <a:cs typeface="Times New Roman" pitchFamily="18" charset="0"/>
+            </a:endParaRPr>
+          </a:p>
+          <a:p>
+            <a:pPr marL="0" indent="0">
+              <a:buNone/>
             </a:pPr>
             <a:r>
-              <a:rPr lang="en-US" sz="1900">
-                <a:latin typeface="Times New Roman" pitchFamily="18" charset="0"/>
-                <a:cs typeface="Times New Roman" pitchFamily="18" charset="0"/>
-              </a:rPr>
-              <a:t>Phát triển chức năng theo dõi quá trình thay đổi hồ sơ của nhân viên hàng tháng.</a:t>
-            </a:r>
-          </a:p>
-          <a:p>
-            <a:pPr lvl="1">
-              <a:buFont typeface="Wingdings" pitchFamily="2" charset="2"/>
-              <a:buChar char="ü"/>
+              <a:rPr lang="en-US" sz="1500">
+                <a:solidFill>
+                  <a:schemeClr val="tx1"/>
+                </a:solidFill>
+                <a:latin typeface="Times New Roman" pitchFamily="18" charset="0"/>
+                <a:cs typeface="Times New Roman" pitchFamily="18" charset="0"/>
+              </a:rPr>
+              <a:t>[2]. </a:t>
+            </a:r>
+            <a:r>
+              <a:rPr lang="en-US" sz="1500">
+                <a:solidFill>
+                  <a:schemeClr val="tx1"/>
+                </a:solidFill>
+                <a:latin typeface="Times New Roman" pitchFamily="18" charset="0"/>
+                <a:cs typeface="Times New Roman" pitchFamily="18" charset="0"/>
+                <a:hlinkClick r:id="rId3"/>
+              </a:rPr>
+              <a:t>https://www.vogella.com/tutorials/DependencyInjection/article.html</a:t>
+            </a:r>
+            <a:endParaRPr lang="en-US" sz="1500">
+              <a:solidFill>
+                <a:schemeClr val="tx1"/>
+              </a:solidFill>
+              <a:latin typeface="Times New Roman" pitchFamily="18" charset="0"/>
+              <a:cs typeface="Times New Roman" pitchFamily="18" charset="0"/>
+            </a:endParaRPr>
+          </a:p>
+          <a:p>
+            <a:pPr marL="0" indent="0">
+              <a:buNone/>
             </a:pPr>
             <a:r>
-              <a:rPr lang="en-US" sz="1900">
-                <a:latin typeface="Times New Roman" pitchFamily="18" charset="0"/>
-                <a:cs typeface="Times New Roman" pitchFamily="18" charset="0"/>
-              </a:rPr>
-              <a:t>Phát triển chức năng upload file hồ sơ vào hệ thống.</a:t>
-            </a:r>
-          </a:p>
-          <a:p>
-            <a:pPr lvl="1">
-              <a:buFont typeface="Wingdings" pitchFamily="2" charset="2"/>
-              <a:buChar char="ü"/>
+              <a:rPr lang="en-US" sz="1500">
+                <a:solidFill>
+                  <a:schemeClr val="tx1"/>
+                </a:solidFill>
+                <a:latin typeface="Times New Roman" pitchFamily="18" charset="0"/>
+                <a:cs typeface="Times New Roman" pitchFamily="18" charset="0"/>
+              </a:rPr>
+              <a:t>[3]. </a:t>
+            </a:r>
+            <a:r>
+              <a:rPr lang="en-US" sz="1500">
+                <a:solidFill>
+                  <a:schemeClr val="tx1"/>
+                </a:solidFill>
+                <a:latin typeface="Times New Roman" pitchFamily="18" charset="0"/>
+                <a:cs typeface="Times New Roman" pitchFamily="18" charset="0"/>
+                <a:hlinkClick r:id="rId4"/>
+              </a:rPr>
+              <a:t>https://docs.spring.io/spring/docs/5.1.7.RELEASE/spring-framework-reference/</a:t>
+            </a:r>
+            <a:endParaRPr lang="en-US" sz="1500">
+              <a:solidFill>
+                <a:schemeClr val="tx1"/>
+              </a:solidFill>
+              <a:latin typeface="Times New Roman" pitchFamily="18" charset="0"/>
+              <a:cs typeface="Times New Roman" pitchFamily="18" charset="0"/>
+            </a:endParaRPr>
+          </a:p>
+          <a:p>
+            <a:pPr marL="0" indent="0">
+              <a:buNone/>
             </a:pPr>
             <a:r>
-              <a:rPr lang="en-US" sz="1900">
-                <a:latin typeface="Times New Roman" pitchFamily="18" charset="0"/>
-                <a:cs typeface="Times New Roman" pitchFamily="18" charset="0"/>
-              </a:rPr>
-              <a:t>Phát triển hệ thống tự động gửi mail nhắc nhở.</a:t>
-            </a:r>
-          </a:p>
-          <a:p>
-            <a:pPr lvl="1">
-              <a:buFont typeface="Wingdings" pitchFamily="2" charset="2"/>
-              <a:buChar char="ü"/>
+              <a:rPr lang="en-US" sz="1500">
+                <a:solidFill>
+                  <a:schemeClr val="tx1"/>
+                </a:solidFill>
+                <a:latin typeface="Times New Roman" pitchFamily="18" charset="0"/>
+                <a:cs typeface="Times New Roman" pitchFamily="18" charset="0"/>
+              </a:rPr>
+              <a:t>[4]. </a:t>
+            </a:r>
+            <a:r>
+              <a:rPr lang="en-US" sz="1500">
+                <a:solidFill>
+                  <a:schemeClr val="tx1"/>
+                </a:solidFill>
+                <a:latin typeface="Times New Roman" pitchFamily="18" charset="0"/>
+                <a:cs typeface="Times New Roman" pitchFamily="18" charset="0"/>
+                <a:hlinkClick r:id="rId5"/>
+              </a:rPr>
+              <a:t>https://docs.spring.io/spring-boot/docs/2.1.3.RELEASE/reference/htmlsingle/</a:t>
+            </a:r>
+            <a:endParaRPr lang="en-US" sz="1500">
+              <a:solidFill>
+                <a:schemeClr val="tx1"/>
+              </a:solidFill>
+              <a:latin typeface="Times New Roman" pitchFamily="18" charset="0"/>
+              <a:cs typeface="Times New Roman" pitchFamily="18" charset="0"/>
+            </a:endParaRPr>
+          </a:p>
+          <a:p>
+            <a:pPr marL="0" indent="0">
+              <a:buNone/>
             </a:pPr>
             <a:r>
-              <a:rPr lang="en-US" sz="1900">
-                <a:latin typeface="Times New Roman" pitchFamily="18" charset="0"/>
-                <a:cs typeface="Times New Roman" pitchFamily="18" charset="0"/>
-              </a:rPr>
-              <a:t>Nâng cấp thuật toán gợi ý tìm kiếm.</a:t>
-            </a:r>
-          </a:p>
-          <a:p>
-            <a:pPr lvl="1">
-              <a:buFont typeface="Wingdings" pitchFamily="2" charset="2"/>
-              <a:buChar char="ü"/>
+              <a:rPr lang="en-US" sz="1500">
+                <a:solidFill>
+                  <a:schemeClr val="tx1"/>
+                </a:solidFill>
+                <a:latin typeface="Times New Roman" pitchFamily="18" charset="0"/>
+                <a:cs typeface="Times New Roman" pitchFamily="18" charset="0"/>
+              </a:rPr>
+              <a:t>[5]. Felipe Gutierrez. Pro Spring Boot. Apress, 2016 (Page 1, page 13).</a:t>
+            </a:r>
+          </a:p>
+          <a:p>
+            <a:pPr marL="0" indent="0">
+              <a:buNone/>
             </a:pPr>
             <a:r>
-              <a:rPr lang="en-US" sz="1900">
-                <a:latin typeface="Times New Roman" pitchFamily="18" charset="0"/>
-                <a:cs typeface="Times New Roman" pitchFamily="18" charset="0"/>
-              </a:rPr>
-              <a:t>Nâng cấp giao diện nhập liệu bằng bảng tính.</a:t>
-            </a:r>
+              <a:rPr lang="en-US" sz="1500">
+                <a:solidFill>
+                  <a:schemeClr val="tx1"/>
+                </a:solidFill>
+                <a:latin typeface="Times New Roman" pitchFamily="18" charset="0"/>
+                <a:cs typeface="Times New Roman" pitchFamily="18" charset="0"/>
+              </a:rPr>
+              <a:t>[6]. </a:t>
+            </a:r>
+            <a:r>
+              <a:rPr lang="en-US" sz="1500">
+                <a:solidFill>
+                  <a:schemeClr val="tx1"/>
+                </a:solidFill>
+                <a:latin typeface="Times New Roman" pitchFamily="18" charset="0"/>
+                <a:cs typeface="Times New Roman" pitchFamily="18" charset="0"/>
+                <a:hlinkClick r:id="rId6"/>
+              </a:rPr>
+              <a:t>https://angular.io/docs</a:t>
+            </a:r>
+            <a:endParaRPr lang="en-US" sz="1500">
+              <a:solidFill>
+                <a:schemeClr val="tx1"/>
+              </a:solidFill>
+              <a:latin typeface="Times New Roman" pitchFamily="18" charset="0"/>
+              <a:cs typeface="Times New Roman" pitchFamily="18" charset="0"/>
+            </a:endParaRPr>
+          </a:p>
+          <a:p>
+            <a:pPr marL="0" indent="0">
+              <a:buNone/>
+            </a:pPr>
+            <a:r>
+              <a:rPr lang="en-US" sz="1500">
+                <a:solidFill>
+                  <a:schemeClr val="tx1"/>
+                </a:solidFill>
+                <a:latin typeface="Times New Roman" pitchFamily="18" charset="0"/>
+                <a:cs typeface="Times New Roman" pitchFamily="18" charset="0"/>
+              </a:rPr>
+              <a:t>[7]. </a:t>
+            </a:r>
+            <a:r>
+              <a:rPr lang="en-US" sz="1500">
+                <a:solidFill>
+                  <a:schemeClr val="tx1"/>
+                </a:solidFill>
+                <a:latin typeface="Times New Roman" pitchFamily="18" charset="0"/>
+                <a:cs typeface="Times New Roman" pitchFamily="18" charset="0"/>
+                <a:hlinkClick r:id="rId7"/>
+              </a:rPr>
+              <a:t>https://reactjs.org/docs/thinking-in-react.html</a:t>
+            </a:r>
+            <a:endParaRPr lang="en-US" sz="1500">
+              <a:solidFill>
+                <a:schemeClr val="tx1"/>
+              </a:solidFill>
+              <a:latin typeface="Times New Roman" pitchFamily="18" charset="0"/>
+              <a:cs typeface="Times New Roman" pitchFamily="18" charset="0"/>
+            </a:endParaRPr>
+          </a:p>
+          <a:p>
+            <a:pPr marL="0" indent="0">
+              <a:buNone/>
+            </a:pPr>
+            <a:r>
+              <a:rPr lang="en-US" sz="1500">
+                <a:solidFill>
+                  <a:schemeClr val="tx1"/>
+                </a:solidFill>
+                <a:latin typeface="Times New Roman" pitchFamily="18" charset="0"/>
+                <a:cs typeface="Times New Roman" pitchFamily="18" charset="0"/>
+              </a:rPr>
+              <a:t>[8]. </a:t>
+            </a:r>
+            <a:r>
+              <a:rPr lang="en-US" sz="1500">
+                <a:solidFill>
+                  <a:schemeClr val="tx1"/>
+                </a:solidFill>
+                <a:latin typeface="Times New Roman" pitchFamily="18" charset="0"/>
+                <a:cs typeface="Times New Roman" pitchFamily="18" charset="0"/>
+                <a:hlinkClick r:id="rId8"/>
+              </a:rPr>
+              <a:t>https://reactjs.org/docs/components-and-props.html</a:t>
+            </a:r>
+            <a:endParaRPr lang="en-US" sz="1500">
+              <a:solidFill>
+                <a:schemeClr val="tx1"/>
+              </a:solidFill>
+              <a:latin typeface="Times New Roman" pitchFamily="18" charset="0"/>
+              <a:cs typeface="Times New Roman" pitchFamily="18" charset="0"/>
+            </a:endParaRPr>
+          </a:p>
+          <a:p>
+            <a:pPr marL="0" indent="0">
+              <a:buNone/>
+            </a:pPr>
+            <a:r>
+              <a:rPr lang="en-US" sz="1500">
+                <a:solidFill>
+                  <a:schemeClr val="tx1"/>
+                </a:solidFill>
+                <a:latin typeface="Times New Roman" pitchFamily="18" charset="0"/>
+                <a:cs typeface="Times New Roman" pitchFamily="18" charset="0"/>
+              </a:rPr>
+              <a:t>[9]. </a:t>
+            </a:r>
+            <a:r>
+              <a:rPr lang="en-US" sz="1500">
+                <a:solidFill>
+                  <a:schemeClr val="tx1"/>
+                </a:solidFill>
+                <a:latin typeface="Times New Roman" pitchFamily="18" charset="0"/>
+                <a:cs typeface="Times New Roman" pitchFamily="18" charset="0"/>
+                <a:hlinkClick r:id="rId9"/>
+              </a:rPr>
+              <a:t>https://api.jquery.com/category/core/</a:t>
+            </a:r>
+            <a:r>
+              <a:rPr lang="en-US" sz="1500">
+                <a:solidFill>
+                  <a:schemeClr val="tx1"/>
+                </a:solidFill>
+                <a:latin typeface="Times New Roman" pitchFamily="18" charset="0"/>
+                <a:cs typeface="Times New Roman" pitchFamily="18" charset="0"/>
+              </a:rPr>
+              <a:t> </a:t>
+            </a:r>
+          </a:p>
+          <a:p>
+            <a:pPr marL="0" indent="0">
+              <a:buNone/>
+            </a:pPr>
+            <a:r>
+              <a:rPr lang="en-US" sz="1500">
+                <a:solidFill>
+                  <a:schemeClr val="tx1"/>
+                </a:solidFill>
+                <a:latin typeface="Times New Roman" pitchFamily="18" charset="0"/>
+                <a:cs typeface="Times New Roman" pitchFamily="18" charset="0"/>
+              </a:rPr>
+              <a:t>[10]. </a:t>
+            </a:r>
+            <a:r>
+              <a:rPr lang="en-US" sz="1500">
+                <a:solidFill>
+                  <a:schemeClr val="tx1"/>
+                </a:solidFill>
+                <a:latin typeface="Times New Roman" pitchFamily="18" charset="0"/>
+                <a:cs typeface="Times New Roman" pitchFamily="18" charset="0"/>
+                <a:hlinkClick r:id="rId10"/>
+              </a:rPr>
+              <a:t>https://dev.mysql.com/doc/workbench/en/</a:t>
+            </a:r>
+            <a:endParaRPr lang="en-US" sz="1500">
+              <a:solidFill>
+                <a:schemeClr val="tx1"/>
+              </a:solidFill>
+              <a:latin typeface="Times New Roman" pitchFamily="18" charset="0"/>
+              <a:cs typeface="Times New Roman" pitchFamily="18" charset="0"/>
+            </a:endParaRPr>
+          </a:p>
+          <a:p>
+            <a:pPr marL="0" indent="0">
+              <a:buNone/>
+            </a:pPr>
+            <a:r>
+              <a:rPr lang="en-US" sz="1500">
+                <a:solidFill>
+                  <a:schemeClr val="tx1"/>
+                </a:solidFill>
+                <a:latin typeface="Times New Roman" pitchFamily="18" charset="0"/>
+                <a:cs typeface="Times New Roman" pitchFamily="18" charset="0"/>
+              </a:rPr>
+              <a:t>[11]. </a:t>
+            </a:r>
+            <a:r>
+              <a:rPr lang="en-US" sz="1500">
+                <a:solidFill>
+                  <a:schemeClr val="tx1"/>
+                </a:solidFill>
+                <a:latin typeface="Times New Roman" pitchFamily="18" charset="0"/>
+                <a:cs typeface="Times New Roman" pitchFamily="18" charset="0"/>
+                <a:hlinkClick r:id="rId11"/>
+              </a:rPr>
+              <a:t>http://maven.apache.org/index.html</a:t>
+            </a:r>
+            <a:r>
+              <a:rPr lang="en-US" sz="1500">
+                <a:solidFill>
+                  <a:schemeClr val="tx1"/>
+                </a:solidFill>
+                <a:latin typeface="Times New Roman" pitchFamily="18" charset="0"/>
+                <a:cs typeface="Times New Roman" pitchFamily="18" charset="0"/>
+              </a:rPr>
+              <a:t> </a:t>
+            </a:r>
+          </a:p>
+          <a:p>
+            <a:pPr marL="0" indent="0">
+              <a:buNone/>
+            </a:pPr>
+            <a:r>
+              <a:rPr lang="en-US" sz="1500">
+                <a:solidFill>
+                  <a:schemeClr val="tx1"/>
+                </a:solidFill>
+                <a:latin typeface="Times New Roman" pitchFamily="18" charset="0"/>
+                <a:cs typeface="Times New Roman" pitchFamily="18" charset="0"/>
+              </a:rPr>
+              <a:t>[12]. </a:t>
+            </a:r>
+            <a:r>
+              <a:rPr lang="en-US" sz="1500">
+                <a:solidFill>
+                  <a:schemeClr val="tx1"/>
+                </a:solidFill>
+                <a:latin typeface="Times New Roman" pitchFamily="18" charset="0"/>
+                <a:cs typeface="Times New Roman" pitchFamily="18" charset="0"/>
+                <a:hlinkClick r:id="rId12"/>
+              </a:rPr>
+              <a:t>https://docs.gradle.org/current/userguide/migrating_from_maven.html</a:t>
+            </a:r>
+            <a:endParaRPr lang="vi-VN" sz="1500">
+              <a:solidFill>
+                <a:schemeClr val="tx1"/>
+              </a:solidFill>
+              <a:latin typeface="Times New Roman" pitchFamily="18" charset="0"/>
+              <a:cs typeface="Times New Roman" pitchFamily="18" charset="0"/>
+            </a:endParaRPr>
           </a:p>
         </p:txBody>
       </p:sp>
@@ -5756,7 +6310,7 @@
     </p:spTree>
     <p:extLst>
       <p:ext uri="{BB962C8B-B14F-4D97-AF65-F5344CB8AC3E}">
-        <p14:creationId xmlns:p14="http://schemas.microsoft.com/office/powerpoint/2010/main" val="3178246001"/>
+        <p14:creationId xmlns:p14="http://schemas.microsoft.com/office/powerpoint/2010/main" val="1959149156"/>
       </p:ext>
     </p:extLst>
   </p:cSld>
@@ -5800,518 +6354,6 @@
             <p:ph type="title"/>
           </p:nvPr>
         </p:nvSpPr>
-        <p:spPr>
-          <a:xfrm>
-            <a:off x="508002" y="2"/>
-            <a:ext cx="6447501" cy="990600"/>
-          </a:xfrm>
-        </p:spPr>
-        <p:txBody>
-          <a:bodyPr>
-            <a:normAutofit/>
-          </a:bodyPr>
-          <a:lstStyle/>
-          <a:p>
-            <a:r>
-              <a:rPr lang="en-US" sz="3400">
-                <a:latin typeface="Times New Roman" pitchFamily="18" charset="0"/>
-                <a:cs typeface="Times New Roman" pitchFamily="18" charset="0"/>
-              </a:rPr>
-              <a:t>Tài liệu tham khảo</a:t>
-            </a:r>
-          </a:p>
-        </p:txBody>
-      </p:sp>
-      <p:sp>
-        <p:nvSpPr>
-          <p:cNvPr id="3" name="Content Placeholder 2"/>
-          <p:cNvSpPr>
-            <a:spLocks noGrp="1"/>
-          </p:cNvSpPr>
-          <p:nvPr>
-            <p:ph idx="1"/>
-          </p:nvPr>
-        </p:nvSpPr>
-        <p:spPr>
-          <a:xfrm>
-            <a:off x="607678" y="892781"/>
-            <a:ext cx="6809004" cy="4370464"/>
-          </a:xfrm>
-        </p:spPr>
-        <p:txBody>
-          <a:bodyPr>
-            <a:noAutofit/>
-          </a:bodyPr>
-          <a:lstStyle/>
-          <a:p>
-            <a:pPr>
-              <a:buFont typeface="Wingdings" pitchFamily="2" charset="2"/>
-              <a:buChar char="ü"/>
-            </a:pPr>
-            <a:r>
-              <a:rPr lang="en-US" sz="1500">
-                <a:solidFill>
-                  <a:schemeClr val="tx1"/>
-                </a:solidFill>
-                <a:latin typeface="Times New Roman" pitchFamily="18" charset="0"/>
-                <a:cs typeface="Times New Roman" pitchFamily="18" charset="0"/>
-              </a:rPr>
-              <a:t>[1]. </a:t>
-            </a:r>
-            <a:r>
-              <a:rPr lang="en-US" sz="1500">
-                <a:solidFill>
-                  <a:schemeClr val="tx1"/>
-                </a:solidFill>
-                <a:latin typeface="Times New Roman" pitchFamily="18" charset="0"/>
-                <a:cs typeface="Times New Roman" pitchFamily="18" charset="0"/>
-                <a:hlinkClick r:id="rId2"/>
-              </a:rPr>
-              <a:t>https://www.strategy-business.com/blog/Why-Companies-Need-to-Build-a-Skills-Inventory</a:t>
-            </a:r>
-            <a:endParaRPr lang="en-US" sz="1500">
-              <a:solidFill>
-                <a:schemeClr val="tx1"/>
-              </a:solidFill>
-              <a:latin typeface="Times New Roman" pitchFamily="18" charset="0"/>
-              <a:cs typeface="Times New Roman" pitchFamily="18" charset="0"/>
-            </a:endParaRPr>
-          </a:p>
-          <a:p>
-            <a:pPr>
-              <a:buFont typeface="Wingdings" pitchFamily="2" charset="2"/>
-              <a:buChar char="ü"/>
-            </a:pPr>
-            <a:r>
-              <a:rPr lang="en-US" sz="1500">
-                <a:solidFill>
-                  <a:schemeClr val="tx1"/>
-                </a:solidFill>
-                <a:latin typeface="Times New Roman" pitchFamily="18" charset="0"/>
-                <a:cs typeface="Times New Roman" pitchFamily="18" charset="0"/>
-              </a:rPr>
-              <a:t>[2]. </a:t>
-            </a:r>
-            <a:r>
-              <a:rPr lang="en-US" sz="1500">
-                <a:solidFill>
-                  <a:schemeClr val="tx1"/>
-                </a:solidFill>
-                <a:latin typeface="Times New Roman" pitchFamily="18" charset="0"/>
-                <a:cs typeface="Times New Roman" pitchFamily="18" charset="0"/>
-                <a:hlinkClick r:id="rId3"/>
-              </a:rPr>
-              <a:t>https://www.vogella.com/tutorials/DependencyInjection/article.html</a:t>
-            </a:r>
-            <a:endParaRPr lang="en-US" sz="1500">
-              <a:solidFill>
-                <a:schemeClr val="tx1"/>
-              </a:solidFill>
-              <a:latin typeface="Times New Roman" pitchFamily="18" charset="0"/>
-              <a:cs typeface="Times New Roman" pitchFamily="18" charset="0"/>
-            </a:endParaRPr>
-          </a:p>
-          <a:p>
-            <a:pPr>
-              <a:buFont typeface="Wingdings" pitchFamily="2" charset="2"/>
-              <a:buChar char="ü"/>
-            </a:pPr>
-            <a:r>
-              <a:rPr lang="en-US" sz="1500">
-                <a:solidFill>
-                  <a:schemeClr val="tx1"/>
-                </a:solidFill>
-                <a:latin typeface="Times New Roman" pitchFamily="18" charset="0"/>
-                <a:cs typeface="Times New Roman" pitchFamily="18" charset="0"/>
-              </a:rPr>
-              <a:t>[3]. </a:t>
-            </a:r>
-            <a:r>
-              <a:rPr lang="en-US" sz="1500">
-                <a:solidFill>
-                  <a:schemeClr val="tx1"/>
-                </a:solidFill>
-                <a:latin typeface="Times New Roman" pitchFamily="18" charset="0"/>
-                <a:cs typeface="Times New Roman" pitchFamily="18" charset="0"/>
-                <a:hlinkClick r:id="rId4"/>
-              </a:rPr>
-              <a:t>https://docs.spring.io/spring/docs/5.1.7.RELEASE/spring-framework-reference/</a:t>
-            </a:r>
-            <a:endParaRPr lang="en-US" sz="1500">
-              <a:solidFill>
-                <a:schemeClr val="tx1"/>
-              </a:solidFill>
-              <a:latin typeface="Times New Roman" pitchFamily="18" charset="0"/>
-              <a:cs typeface="Times New Roman" pitchFamily="18" charset="0"/>
-            </a:endParaRPr>
-          </a:p>
-          <a:p>
-            <a:pPr>
-              <a:buFont typeface="Wingdings" pitchFamily="2" charset="2"/>
-              <a:buChar char="ü"/>
-            </a:pPr>
-            <a:r>
-              <a:rPr lang="en-US" sz="1500">
-                <a:solidFill>
-                  <a:schemeClr val="tx1"/>
-                </a:solidFill>
-                <a:latin typeface="Times New Roman" pitchFamily="18" charset="0"/>
-                <a:cs typeface="Times New Roman" pitchFamily="18" charset="0"/>
-              </a:rPr>
-              <a:t>[4]. </a:t>
-            </a:r>
-            <a:r>
-              <a:rPr lang="en-US" sz="1500">
-                <a:solidFill>
-                  <a:schemeClr val="tx1"/>
-                </a:solidFill>
-                <a:latin typeface="Times New Roman" pitchFamily="18" charset="0"/>
-                <a:cs typeface="Times New Roman" pitchFamily="18" charset="0"/>
-                <a:hlinkClick r:id="rId5"/>
-              </a:rPr>
-              <a:t>https://docs.spring.io/spring-boot/docs/2.1.3.RELEASE/reference/htmlsingle/</a:t>
-            </a:r>
-            <a:endParaRPr lang="en-US" sz="1500">
-              <a:solidFill>
-                <a:schemeClr val="tx1"/>
-              </a:solidFill>
-              <a:latin typeface="Times New Roman" pitchFamily="18" charset="0"/>
-              <a:cs typeface="Times New Roman" pitchFamily="18" charset="0"/>
-            </a:endParaRPr>
-          </a:p>
-          <a:p>
-            <a:pPr>
-              <a:buFont typeface="Wingdings" pitchFamily="2" charset="2"/>
-              <a:buChar char="ü"/>
-            </a:pPr>
-            <a:r>
-              <a:rPr lang="en-US" sz="1500">
-                <a:solidFill>
-                  <a:schemeClr val="tx1"/>
-                </a:solidFill>
-                <a:latin typeface="Times New Roman" pitchFamily="18" charset="0"/>
-                <a:cs typeface="Times New Roman" pitchFamily="18" charset="0"/>
-              </a:rPr>
-              <a:t>[5]. Felipe Gutierrez. Pro Spring Boot. Apress, 2016 (Page 1, page 13).</a:t>
-            </a:r>
-          </a:p>
-          <a:p>
-            <a:pPr>
-              <a:buFont typeface="Wingdings" pitchFamily="2" charset="2"/>
-              <a:buChar char="ü"/>
-            </a:pPr>
-            <a:r>
-              <a:rPr lang="en-US" sz="1500">
-                <a:solidFill>
-                  <a:schemeClr val="tx1"/>
-                </a:solidFill>
-                <a:latin typeface="Times New Roman" pitchFamily="18" charset="0"/>
-                <a:cs typeface="Times New Roman" pitchFamily="18" charset="0"/>
-              </a:rPr>
-              <a:t>[6]. </a:t>
-            </a:r>
-            <a:r>
-              <a:rPr lang="en-US" sz="1500">
-                <a:solidFill>
-                  <a:schemeClr val="tx1"/>
-                </a:solidFill>
-                <a:latin typeface="Times New Roman" pitchFamily="18" charset="0"/>
-                <a:cs typeface="Times New Roman" pitchFamily="18" charset="0"/>
-                <a:hlinkClick r:id="rId6"/>
-              </a:rPr>
-              <a:t>https://angular.io/docs</a:t>
-            </a:r>
-            <a:endParaRPr lang="en-US" sz="1500">
-              <a:solidFill>
-                <a:schemeClr val="tx1"/>
-              </a:solidFill>
-              <a:latin typeface="Times New Roman" pitchFamily="18" charset="0"/>
-              <a:cs typeface="Times New Roman" pitchFamily="18" charset="0"/>
-            </a:endParaRPr>
-          </a:p>
-          <a:p>
-            <a:pPr>
-              <a:buFont typeface="Wingdings" pitchFamily="2" charset="2"/>
-              <a:buChar char="ü"/>
-            </a:pPr>
-            <a:r>
-              <a:rPr lang="en-US" sz="1500">
-                <a:solidFill>
-                  <a:schemeClr val="tx1"/>
-                </a:solidFill>
-                <a:latin typeface="Times New Roman" pitchFamily="18" charset="0"/>
-                <a:cs typeface="Times New Roman" pitchFamily="18" charset="0"/>
-              </a:rPr>
-              <a:t>[7]. </a:t>
-            </a:r>
-            <a:r>
-              <a:rPr lang="en-US" sz="1500">
-                <a:solidFill>
-                  <a:schemeClr val="tx1"/>
-                </a:solidFill>
-                <a:latin typeface="Times New Roman" pitchFamily="18" charset="0"/>
-                <a:cs typeface="Times New Roman" pitchFamily="18" charset="0"/>
-                <a:hlinkClick r:id="rId7"/>
-              </a:rPr>
-              <a:t>https://reactjs.org/docs/thinking-in-react.html</a:t>
-            </a:r>
-            <a:endParaRPr lang="en-US" sz="1500">
-              <a:solidFill>
-                <a:schemeClr val="tx1"/>
-              </a:solidFill>
-              <a:latin typeface="Times New Roman" pitchFamily="18" charset="0"/>
-              <a:cs typeface="Times New Roman" pitchFamily="18" charset="0"/>
-            </a:endParaRPr>
-          </a:p>
-          <a:p>
-            <a:pPr>
-              <a:buFont typeface="Wingdings" pitchFamily="2" charset="2"/>
-              <a:buChar char="ü"/>
-            </a:pPr>
-            <a:r>
-              <a:rPr lang="en-US" sz="1500">
-                <a:solidFill>
-                  <a:schemeClr val="tx1"/>
-                </a:solidFill>
-                <a:latin typeface="Times New Roman" pitchFamily="18" charset="0"/>
-                <a:cs typeface="Times New Roman" pitchFamily="18" charset="0"/>
-              </a:rPr>
-              <a:t>[8]. </a:t>
-            </a:r>
-            <a:r>
-              <a:rPr lang="en-US" sz="1500">
-                <a:solidFill>
-                  <a:schemeClr val="tx1"/>
-                </a:solidFill>
-                <a:latin typeface="Times New Roman" pitchFamily="18" charset="0"/>
-                <a:cs typeface="Times New Roman" pitchFamily="18" charset="0"/>
-                <a:hlinkClick r:id="rId8"/>
-              </a:rPr>
-              <a:t>https://reactjs.org/docs/components-and-props.html</a:t>
-            </a:r>
-            <a:endParaRPr lang="en-US" sz="1500">
-              <a:solidFill>
-                <a:schemeClr val="tx1"/>
-              </a:solidFill>
-              <a:latin typeface="Times New Roman" pitchFamily="18" charset="0"/>
-              <a:cs typeface="Times New Roman" pitchFamily="18" charset="0"/>
-            </a:endParaRPr>
-          </a:p>
-          <a:p>
-            <a:pPr>
-              <a:buFont typeface="Wingdings" pitchFamily="2" charset="2"/>
-              <a:buChar char="ü"/>
-            </a:pPr>
-            <a:r>
-              <a:rPr lang="en-US" sz="1500">
-                <a:solidFill>
-                  <a:schemeClr val="tx1"/>
-                </a:solidFill>
-                <a:latin typeface="Times New Roman" pitchFamily="18" charset="0"/>
-                <a:cs typeface="Times New Roman" pitchFamily="18" charset="0"/>
-              </a:rPr>
-              <a:t>[9]. </a:t>
-            </a:r>
-            <a:r>
-              <a:rPr lang="en-US" sz="1500">
-                <a:solidFill>
-                  <a:schemeClr val="tx1"/>
-                </a:solidFill>
-                <a:latin typeface="Times New Roman" pitchFamily="18" charset="0"/>
-                <a:cs typeface="Times New Roman" pitchFamily="18" charset="0"/>
-                <a:hlinkClick r:id="rId9"/>
-              </a:rPr>
-              <a:t>https://api.jquery.com/category/core/</a:t>
-            </a:r>
-            <a:r>
-              <a:rPr lang="en-US" sz="1500">
-                <a:solidFill>
-                  <a:schemeClr val="tx1"/>
-                </a:solidFill>
-                <a:latin typeface="Times New Roman" pitchFamily="18" charset="0"/>
-                <a:cs typeface="Times New Roman" pitchFamily="18" charset="0"/>
-              </a:rPr>
-              <a:t> </a:t>
-            </a:r>
-          </a:p>
-          <a:p>
-            <a:pPr>
-              <a:buFont typeface="Wingdings" pitchFamily="2" charset="2"/>
-              <a:buChar char="ü"/>
-            </a:pPr>
-            <a:r>
-              <a:rPr lang="en-US" sz="1500">
-                <a:solidFill>
-                  <a:schemeClr val="tx1"/>
-                </a:solidFill>
-                <a:latin typeface="Times New Roman" pitchFamily="18" charset="0"/>
-                <a:cs typeface="Times New Roman" pitchFamily="18" charset="0"/>
-              </a:rPr>
-              <a:t>[10]. </a:t>
-            </a:r>
-            <a:r>
-              <a:rPr lang="en-US" sz="1500">
-                <a:solidFill>
-                  <a:schemeClr val="tx1"/>
-                </a:solidFill>
-                <a:latin typeface="Times New Roman" pitchFamily="18" charset="0"/>
-                <a:cs typeface="Times New Roman" pitchFamily="18" charset="0"/>
-                <a:hlinkClick r:id="rId10"/>
-              </a:rPr>
-              <a:t>https://dev.mysql.com/doc/workbench/en/</a:t>
-            </a:r>
-            <a:endParaRPr lang="en-US" sz="1500">
-              <a:solidFill>
-                <a:schemeClr val="tx1"/>
-              </a:solidFill>
-              <a:latin typeface="Times New Roman" pitchFamily="18" charset="0"/>
-              <a:cs typeface="Times New Roman" pitchFamily="18" charset="0"/>
-            </a:endParaRPr>
-          </a:p>
-          <a:p>
-            <a:pPr>
-              <a:buFont typeface="Wingdings" pitchFamily="2" charset="2"/>
-              <a:buChar char="ü"/>
-            </a:pPr>
-            <a:r>
-              <a:rPr lang="en-US" sz="1500">
-                <a:solidFill>
-                  <a:schemeClr val="tx1"/>
-                </a:solidFill>
-                <a:latin typeface="Times New Roman" pitchFamily="18" charset="0"/>
-                <a:cs typeface="Times New Roman" pitchFamily="18" charset="0"/>
-              </a:rPr>
-              <a:t>[11]. </a:t>
-            </a:r>
-            <a:r>
-              <a:rPr lang="en-US" sz="1500">
-                <a:solidFill>
-                  <a:schemeClr val="tx1"/>
-                </a:solidFill>
-                <a:latin typeface="Times New Roman" pitchFamily="18" charset="0"/>
-                <a:cs typeface="Times New Roman" pitchFamily="18" charset="0"/>
-                <a:hlinkClick r:id="rId11"/>
-              </a:rPr>
-              <a:t>http://maven.apache.org/index.html</a:t>
-            </a:r>
-            <a:r>
-              <a:rPr lang="en-US" sz="1500">
-                <a:solidFill>
-                  <a:schemeClr val="tx1"/>
-                </a:solidFill>
-                <a:latin typeface="Times New Roman" pitchFamily="18" charset="0"/>
-                <a:cs typeface="Times New Roman" pitchFamily="18" charset="0"/>
-              </a:rPr>
-              <a:t> </a:t>
-            </a:r>
-          </a:p>
-          <a:p>
-            <a:pPr>
-              <a:buFont typeface="Wingdings" pitchFamily="2" charset="2"/>
-              <a:buChar char="ü"/>
-            </a:pPr>
-            <a:r>
-              <a:rPr lang="en-US" sz="1500">
-                <a:solidFill>
-                  <a:schemeClr val="tx1"/>
-                </a:solidFill>
-                <a:latin typeface="Times New Roman" pitchFamily="18" charset="0"/>
-                <a:cs typeface="Times New Roman" pitchFamily="18" charset="0"/>
-              </a:rPr>
-              <a:t>[12]. </a:t>
-            </a:r>
-            <a:r>
-              <a:rPr lang="en-US" sz="1500">
-                <a:solidFill>
-                  <a:schemeClr val="tx1"/>
-                </a:solidFill>
-                <a:latin typeface="Times New Roman" pitchFamily="18" charset="0"/>
-                <a:cs typeface="Times New Roman" pitchFamily="18" charset="0"/>
-                <a:hlinkClick r:id="rId12"/>
-              </a:rPr>
-              <a:t>https://docs.gradle.org/current/userguide/migrating_from_maven.html</a:t>
-            </a:r>
-            <a:endParaRPr lang="vi-VN" sz="1500">
-              <a:solidFill>
-                <a:schemeClr val="tx1"/>
-              </a:solidFill>
-              <a:latin typeface="Times New Roman" pitchFamily="18" charset="0"/>
-              <a:cs typeface="Times New Roman" pitchFamily="18" charset="0"/>
-            </a:endParaRPr>
-          </a:p>
-        </p:txBody>
-      </p:sp>
-      <p:sp>
-        <p:nvSpPr>
-          <p:cNvPr id="4" name="Slide Number Placeholder 3"/>
-          <p:cNvSpPr>
-            <a:spLocks noGrp="1"/>
-          </p:cNvSpPr>
-          <p:nvPr>
-            <p:ph type="sldNum" sz="quarter" idx="12"/>
-          </p:nvPr>
-        </p:nvSpPr>
-        <p:spPr/>
-        <p:txBody>
-          <a:bodyPr/>
-          <a:lstStyle/>
-          <a:p>
-            <a:fld id="{3905339D-DD04-4120-AA77-8BCC40DA1522}" type="slidenum">
-              <a:rPr lang="en-US" smtClean="0"/>
-              <a:pPr/>
-              <a:t>15</a:t>
-            </a:fld>
-            <a:endParaRPr lang="en-US"/>
-          </a:p>
-        </p:txBody>
-      </p:sp>
-    </p:spTree>
-    <p:extLst>
-      <p:ext uri="{BB962C8B-B14F-4D97-AF65-F5344CB8AC3E}">
-        <p14:creationId xmlns:p14="http://schemas.microsoft.com/office/powerpoint/2010/main" val="1959149156"/>
-      </p:ext>
-    </p:extLst>
-  </p:cSld>
-  <p:clrMapOvr>
-    <a:masterClrMapping/>
-  </p:clrMapOvr>
-  <p:timing>
-    <p:tnLst>
-      <p:par>
-        <p:cTn id="1" dur="indefinite" restart="never" nodeType="tmRoot"/>
-      </p:par>
-    </p:tnLst>
-  </p:timing>
-</p:sld>
-</file>
-
-<file path=ppt/slides/slide16.xml><?xml version="1.0" encoding="utf-8"?>
-<p:sld xmlns:a="http://schemas.openxmlformats.org/drawingml/2006/main" xmlns:r="http://schemas.openxmlformats.org/officeDocument/2006/relationships" xmlns:p="http://schemas.openxmlformats.org/presentationml/2006/main">
-  <p:cSld>
-    <p:spTree>
-      <p:nvGrpSpPr>
-        <p:cNvPr id="1" name=""/>
-        <p:cNvGrpSpPr/>
-        <p:nvPr/>
-      </p:nvGrpSpPr>
-      <p:grpSpPr>
-        <a:xfrm>
-          <a:off x="0" y="0"/>
-          <a:ext cx="0" cy="0"/>
-          <a:chOff x="0" y="0"/>
-          <a:chExt cx="0" cy="0"/>
-        </a:xfrm>
-      </p:grpSpPr>
-      <p:sp>
-        <p:nvSpPr>
-          <p:cNvPr id="2" name="Title 1"/>
-          <p:cNvSpPr>
-            <a:spLocks noGrp="1"/>
-          </p:cNvSpPr>
-          <p:nvPr>
-            <p:ph type="title"/>
-          </p:nvPr>
-        </p:nvSpPr>
         <p:spPr/>
         <p:txBody>
           <a:bodyPr/>
@@ -6376,14 +6418,21 @@
                 <a:latin typeface="Arial" pitchFamily="34" charset="0"/>
                 <a:cs typeface="Arial" pitchFamily="34" charset="0"/>
               </a:rPr>
-              <a:t> Thầy </a:t>
+              <a:t> </a:t>
+            </a:r>
+            <a:r>
+              <a:rPr lang="en-US" sz="3400" i="1" smtClean="0">
+                <a:latin typeface="Arial" pitchFamily="34" charset="0"/>
+                <a:cs typeface="Arial" pitchFamily="34" charset="0"/>
+              </a:rPr>
+              <a:t>Thầy, Cô, các Anh Chị và </a:t>
             </a:r>
             <a:r>
               <a:rPr lang="en-US" sz="3400" i="1" err="1">
                 <a:latin typeface="Arial" pitchFamily="34" charset="0"/>
                 <a:cs typeface="Arial" pitchFamily="34" charset="0"/>
               </a:rPr>
-              <a:t>Cô</a:t>
+              <a:t>các</a:t>
             </a:r>
             <a:r>
               <a:rPr lang="en-US" sz="3400" i="1">
@@ -6393,11 +6442,18 @@
               <a:t> </a:t>
             </a:r>
             <a:r>
+              <a:rPr lang="en-US" sz="3400" i="1" smtClean="0">
+                <a:latin typeface="Arial" pitchFamily="34" charset="0"/>
+                <a:cs typeface="Arial" pitchFamily="34" charset="0"/>
+              </a:rPr>
+              <a:t>bạn đã quan tâm </a:t>
+            </a:r>
+            <a:r>
               <a:rPr lang="en-US" sz="3400" i="1" err="1">
                 <a:latin typeface="Arial" pitchFamily="34" charset="0"/>
                 <a:cs typeface="Arial" pitchFamily="34" charset="0"/>
               </a:rPr>
-              <a:t>và</a:t>
+              <a:t>theo</a:t>
             </a:r>
             <a:r>
               <a:rPr lang="en-US" sz="3400" i="1">
@@ -6411,53 +6467,13 @@
                 <a:latin typeface="Arial" pitchFamily="34" charset="0"/>
                 <a:cs typeface="Arial" pitchFamily="34" charset="0"/>
               </a:rPr>
-              <a:t>các</a:t>
+              <a:t>dõi</a:t>
             </a:r>
             <a:r>
               <a:rPr lang="en-US" sz="3400" i="1">
                 <a:latin typeface="Arial" pitchFamily="34" charset="0"/>
                 <a:cs typeface="Arial" pitchFamily="34" charset="0"/>
               </a:rPr>
-              <a:t> bạn</a:t>
-            </a:r>
-          </a:p>
-          <a:p>
-            <a:pPr marL="0" indent="0" algn="ctr">
-              <a:buNone/>
-            </a:pPr>
-            <a:r>
-              <a:rPr lang="en-US" sz="3400" i="1">
-                <a:latin typeface="Arial" pitchFamily="34" charset="0"/>
-                <a:cs typeface="Arial" pitchFamily="34" charset="0"/>
-              </a:rPr>
-              <a:t>đã </a:t>
-            </a:r>
-            <a:r>
-              <a:rPr lang="en-US" sz="3400" i="1" err="1">
-                <a:latin typeface="Arial" pitchFamily="34" charset="0"/>
-                <a:cs typeface="Arial" pitchFamily="34" charset="0"/>
-              </a:rPr>
-              <a:t>theo</a:t>
-            </a:r>
-            <a:r>
-              <a:rPr lang="en-US" sz="3400" i="1">
-                <a:latin typeface="Arial" pitchFamily="34" charset="0"/>
-                <a:cs typeface="Arial" pitchFamily="34" charset="0"/>
-              </a:rPr>
-              <a:t> </a:t>
-            </a:r>
-            <a:r>
-              <a:rPr lang="en-US" sz="3400" i="1" err="1">
-                <a:latin typeface="Arial" pitchFamily="34" charset="0"/>
-                <a:cs typeface="Arial" pitchFamily="34" charset="0"/>
-              </a:rPr>
-              <a:t>dõi</a:t>
-            </a:r>
-            <a:r>
-              <a:rPr lang="en-US" sz="3400" i="1">
-                <a:latin typeface="Arial" pitchFamily="34" charset="0"/>
-                <a:cs typeface="Arial" pitchFamily="34" charset="0"/>
-              </a:rPr>
               <a:t>!</a:t>
             </a:r>
           </a:p>
@@ -6481,7 +6497,7 @@
             <a:fld id="{3905339D-DD04-4120-AA77-8BCC40DA1522}" type="slidenum">
               <a:rPr lang="en-US" smtClean="0"/>
               <a:pPr/>
-              <a:t>16</a:t>
+              <a:t>15</a:t>
             </a:fld>
             <a:endParaRPr lang="en-US"/>
           </a:p>
@@ -6609,7 +6625,21 @@
                 <a:latin typeface="Arial" panose="020B0604020202020204" pitchFamily="34" charset="0"/>
                 <a:cs typeface="Arial" panose="020B0604020202020204" pitchFamily="34" charset="0"/>
               </a:rPr>
-              <a:t>Mục tiêu đề tài</a:t>
+              <a:t>Mục </a:t>
+            </a:r>
+            <a:r>
+              <a:rPr lang="en-US" sz="1900" smtClean="0">
+                <a:latin typeface="Arial" panose="020B0604020202020204" pitchFamily="34" charset="0"/>
+                <a:cs typeface="Arial" panose="020B0604020202020204" pitchFamily="34" charset="0"/>
+              </a:rPr>
+              <a:t>tiêu, phạm vi </a:t>
+            </a:r>
+            <a:r>
+              <a:rPr lang="en-US" sz="1900">
+                <a:latin typeface="Arial" panose="020B0604020202020204" pitchFamily="34" charset="0"/>
+                <a:cs typeface="Arial" panose="020B0604020202020204" pitchFamily="34" charset="0"/>
+              </a:rPr>
+              <a:t>đề tài</a:t>
             </a:r>
           </a:p>
           <a:p>
@@ -6835,14 +6865,17 @@
             </a:pPr>
             <a:r>
               <a:rPr lang="en-US" sz="1900">
-                <a:latin typeface="Times New Roman" pitchFamily="18" charset="0"/>
-                <a:cs typeface="Times New Roman" pitchFamily="18" charset="0"/>
-              </a:rPr>
-              <a:t>Hiện nay, việc quản lý ứng dụng công nghệ thông tin có ảnh hưởng tới nhiều ngành nghề khác nhau của xã hội, nhất là trong xã hội phát triển có sử dụng lượng tri thức cao. Áp dụng công nghệ thông tin thay thế cho các hình thức truyền thống mang lại nhiều lợi ích trong nhiều lĩnh vực của đời sống từ thương mại, giáo dục cho đến quản lý hành chính.</a:t>
-            </a:r>
-            <a:endParaRPr lang="en-US" sz="1900">
+                <a:solidFill>
+                  <a:schemeClr val="tx1"/>
+                </a:solidFill>
+                <a:latin typeface="Times New Roman" pitchFamily="18" charset="0"/>
+                <a:cs typeface="Times New Roman" pitchFamily="18" charset="0"/>
+              </a:rPr>
+              <a:t>Hiện nay, việc quản lý ứng dụng công nghệ thông tin có ảnh hưởng tới nhiều ngành nghề khác nhau của xã hội, nhất là trong xã hội phát triển có sử dụng lượng tri thức cao. </a:t>
+            </a:r>
+            <a:endParaRPr lang="en-US" sz="1900" smtClean="0">
               <a:solidFill>
-                <a:srgbClr val="FF0000"/>
+                <a:schemeClr val="tx1"/>
               </a:solidFill>
               <a:latin typeface="Times New Roman" pitchFamily="18" charset="0"/>
               <a:cs typeface="Times New Roman" pitchFamily="18" charset="0"/>
@@ -6854,20 +6887,161 @@
               <a:buChar char="Ø"/>
             </a:pPr>
             <a:r>
+              <a:rPr lang="en-US" sz="1900" smtClean="0">
+                <a:solidFill>
+                  <a:schemeClr val="tx1"/>
+                </a:solidFill>
+                <a:latin typeface="Times New Roman" pitchFamily="18" charset="0"/>
+                <a:cs typeface="Times New Roman" pitchFamily="18" charset="0"/>
+              </a:rPr>
+              <a:t>Áp </a:t>
+            </a:r>
+            <a:r>
               <a:rPr lang="en-US" sz="1900">
-                <a:latin typeface="Times New Roman" pitchFamily="18" charset="0"/>
-                <a:cs typeface="Times New Roman" pitchFamily="18" charset="0"/>
-              </a:rPr>
-              <a:t>Quản lý nhân sự có ý nghĩa quan trọng và không thể thiếu trong việc quản lý các hoạt động của một tổ chức hay doanh nghiệp thương mại. Quản lý nhân sự giúp người quản lý nhận thức được tầm quan trọng của yếu tố con người trong hoạt động của tổ chức, doanh nghiệp. Một trong những khía cạnh của quản lý nhân sự, quản lý kỹ năng nhân sự là một yếu tố giúp việc tuyển dụng, sắp xếp vào các dự án hiệu quả.</a:t>
-            </a:r>
-            <a:endParaRPr lang="en-US" sz="1900">
+                <a:solidFill>
+                  <a:schemeClr val="tx1"/>
+                </a:solidFill>
+                <a:latin typeface="Times New Roman" pitchFamily="18" charset="0"/>
+                <a:cs typeface="Times New Roman" pitchFamily="18" charset="0"/>
+              </a:rPr>
+              <a:t>dụng công nghệ thông tin thay thế cho các hình thức truyền thống mang lại nhiều lợi ích trong nhiều lĩnh vực của đời sống từ thương mại, giáo dục cho đến quản lý hành chính.</a:t>
+            </a:r>
+          </a:p>
+          <a:p>
+            <a:pPr algn="just">
+              <a:buFont typeface="Wingdings" pitchFamily="2" charset="2"/>
+              <a:buChar char="Ø"/>
+            </a:pPr>
+            <a:r>
+              <a:rPr lang="en-US" sz="1900">
+                <a:solidFill>
+                  <a:schemeClr val="tx1"/>
+                </a:solidFill>
+                <a:latin typeface="Times New Roman" pitchFamily="18" charset="0"/>
+                <a:cs typeface="Times New Roman" pitchFamily="18" charset="0"/>
+              </a:rPr>
+              <a:t>Quản lý nhân sự có ý nghĩa quan trọng và không thể thiếu trong việc quản lý các hoạt động của một tổ chức hay doanh nghiệp thương mại. </a:t>
+            </a:r>
+            <a:endParaRPr lang="en-US" sz="1900" smtClean="0">
               <a:solidFill>
-                <a:srgbClr val="FF0000"/>
+                <a:schemeClr val="tx1"/>
               </a:solidFill>
               <a:latin typeface="Times New Roman" pitchFamily="18" charset="0"/>
               <a:cs typeface="Times New Roman" pitchFamily="18" charset="0"/>
             </a:endParaRPr>
           </a:p>
+          <a:p>
+            <a:pPr algn="just">
+              <a:buFont typeface="Wingdings" pitchFamily="2" charset="2"/>
+              <a:buChar char="Ø"/>
+            </a:pPr>
+            <a:r>
+              <a:rPr lang="en-US" sz="1900" smtClean="0">
+                <a:solidFill>
+                  <a:schemeClr val="tx1"/>
+                </a:solidFill>
+                <a:latin typeface="Times New Roman" pitchFamily="18" charset="0"/>
+                <a:cs typeface="Times New Roman" pitchFamily="18" charset="0"/>
+              </a:rPr>
+              <a:t>Một </a:t>
+            </a:r>
+            <a:r>
+              <a:rPr lang="en-US" sz="1900">
+                <a:solidFill>
+                  <a:schemeClr val="tx1"/>
+                </a:solidFill>
+                <a:latin typeface="Times New Roman" pitchFamily="18" charset="0"/>
+                <a:cs typeface="Times New Roman" pitchFamily="18" charset="0"/>
+              </a:rPr>
+              <a:t>trong những khía cạnh của quản lý nhân sự, quản lý kỹ năng nhân sự là một yếu tố giúp việc tuyển dụng, sắp xếp vào các dự án hiệu quả</a:t>
+            </a:r>
+            <a:r>
+              <a:rPr lang="en-US" sz="1900" smtClean="0">
+                <a:solidFill>
+                  <a:schemeClr val="tx1"/>
+                </a:solidFill>
+                <a:latin typeface="Times New Roman" pitchFamily="18" charset="0"/>
+                <a:cs typeface="Times New Roman" pitchFamily="18" charset="0"/>
+              </a:rPr>
+              <a:t>.</a:t>
+            </a:r>
+          </a:p>
+          <a:p>
+            <a:pPr algn="just">
+              <a:buFont typeface="Wingdings" pitchFamily="2" charset="2"/>
+              <a:buChar char="Ø"/>
+            </a:pPr>
+            <a:endParaRPr lang="en-US" sz="1900">
+              <a:solidFill>
+                <a:schemeClr val="tx1"/>
+              </a:solidFill>
+              <a:latin typeface="Times New Roman" pitchFamily="18" charset="0"/>
+              <a:cs typeface="Times New Roman" pitchFamily="18" charset="0"/>
+            </a:endParaRPr>
+          </a:p>
+          <a:p>
+            <a:pPr marL="0" indent="0" algn="just">
+              <a:buNone/>
+            </a:pPr>
+            <a:r>
+              <a:rPr lang="en-US" sz="1900" smtClean="0">
+                <a:solidFill>
+                  <a:schemeClr val="tx1"/>
+                </a:solidFill>
+                <a:latin typeface="Times New Roman" pitchFamily="18" charset="0"/>
+                <a:cs typeface="Times New Roman" pitchFamily="18" charset="0"/>
+                <a:sym typeface="Wingdings" pitchFamily="2" charset="2"/>
+              </a:rPr>
+              <a:t> Nhóm thực hiện đề tài </a:t>
+            </a:r>
+            <a:r>
+              <a:rPr lang="en-US" sz="1900" smtClean="0">
+                <a:solidFill>
+                  <a:schemeClr val="tx1"/>
+                </a:solidFill>
+                <a:latin typeface="Times New Roman" pitchFamily="18" charset="0"/>
+                <a:cs typeface="Times New Roman" pitchFamily="18" charset="0"/>
+              </a:rPr>
+              <a:t>tìm </a:t>
+            </a:r>
+            <a:r>
+              <a:rPr lang="en-US" sz="1900">
+                <a:solidFill>
+                  <a:schemeClr val="tx1"/>
+                </a:solidFill>
+                <a:latin typeface="Times New Roman" pitchFamily="18" charset="0"/>
+                <a:cs typeface="Times New Roman" pitchFamily="18" charset="0"/>
+              </a:rPr>
+              <a:t>hiểu và xây dựng hệ thống quản lý kỹ năng của </a:t>
+            </a:r>
+            <a:r>
+              <a:rPr lang="en-US" sz="1900">
+                <a:solidFill>
+                  <a:schemeClr val="tx1"/>
+                </a:solidFill>
+                <a:latin typeface="Times New Roman" pitchFamily="18" charset="0"/>
+                <a:cs typeface="Times New Roman" pitchFamily="18" charset="0"/>
+              </a:rPr>
+              <a:t>nhân </a:t>
+            </a:r>
+            <a:r>
+              <a:rPr lang="en-US" sz="1900" smtClean="0">
+                <a:solidFill>
+                  <a:schemeClr val="tx1"/>
+                </a:solidFill>
+                <a:latin typeface="Times New Roman" pitchFamily="18" charset="0"/>
+                <a:cs typeface="Times New Roman" pitchFamily="18" charset="0"/>
+              </a:rPr>
+              <a:t>viên. </a:t>
+            </a:r>
+            <a:endParaRPr lang="en-US" sz="1900">
+              <a:solidFill>
+                <a:schemeClr val="tx1"/>
+              </a:solidFill>
+              <a:latin typeface="Times New Roman" pitchFamily="18" charset="0"/>
+              <a:cs typeface="Times New Roman" pitchFamily="18" charset="0"/>
+            </a:endParaRPr>
+          </a:p>
         </p:txBody>
       </p:sp>
       <p:sp>
@@ -6894,6 +7068,47 @@
           </a:p>
         </p:txBody>
       </p:sp>
+      <p:pic>
+        <p:nvPicPr>
+          <p:cNvPr id="5" name="Picture 2" descr="C:\Users\LEO\Desktop\Class\download.png"/>
+          <p:cNvPicPr>
+            <a:picLocks noChangeAspect="1" noChangeArrowheads="1"/>
+          </p:cNvPicPr>
+          <p:nvPr/>
+        </p:nvPicPr>
+        <p:blipFill>
+          <a:blip r:embed="rId3" cstate="print">
+            <a:extLst>
+              <a:ext uri="{28A0092B-C50C-407E-A947-70E740481C1C}">
+                <a14:useLocalDpi xmlns:a14="http://schemas.microsoft.com/office/drawing/2010/main" val="0"/>
+              </a:ext>
+            </a:extLst>
+          </a:blip>
+          <a:srcRect/>
+          <a:stretch>
+            <a:fillRect/>
+          </a:stretch>
+        </p:blipFill>
+        <p:spPr bwMode="auto">
+          <a:xfrm>
+            <a:off x="6590160" y="0"/>
+            <a:ext cx="1204309" cy="939114"/>
+          </a:xfrm>
+          <a:prstGeom prst="rect">
+            <a:avLst/>
+          </a:prstGeom>
+          <a:noFill/>
+          <a:extLst>
+            <a:ext uri="{909E8E84-426E-40DD-AFC4-6F175D3DCCD1}">
+              <a14:hiddenFill xmlns:a14="http://schemas.microsoft.com/office/drawing/2010/main">
+                <a:solidFill>
+                  <a:srgbClr val="FFFFFF"/>
+                </a:solidFill>
+              </a14:hiddenFill>
+            </a:ext>
+          </a:extLst>
+        </p:spPr>
+      </p:pic>
     </p:spTree>
     <p:extLst>
       <p:ext uri="{BB962C8B-B14F-4D97-AF65-F5344CB8AC3E}">
@@ -6943,8 +7158,8 @@
         </p:nvSpPr>
         <p:spPr>
           <a:xfrm>
-            <a:off x="-1263701" y="-353786"/>
-            <a:ext cx="6447501" cy="990600"/>
+            <a:off x="-2168566" y="-600075"/>
+            <a:ext cx="8229600" cy="1200150"/>
           </a:xfrm>
         </p:spPr>
         <p:txBody>
@@ -6958,21 +7173,7 @@
                 <a:latin typeface="Times New Roman" pitchFamily="18" charset="0"/>
                 <a:cs typeface="Times New Roman" pitchFamily="18" charset="0"/>
               </a:rPr>
-              <a:t>1. </a:t>
-            </a:r>
-            <a:r>
-              <a:rPr lang="en-US" sz="3400" err="1">
-                <a:latin typeface="Times New Roman" pitchFamily="18" charset="0"/>
-                <a:cs typeface="Times New Roman" pitchFamily="18" charset="0"/>
-              </a:rPr>
-              <a:t>Giới</a:t>
-            </a:r>
-            <a:r>
-              <a:rPr lang="en-US" sz="3400">
-                <a:latin typeface="Times New Roman" pitchFamily="18" charset="0"/>
-                <a:cs typeface="Times New Roman" pitchFamily="18" charset="0"/>
-              </a:rPr>
-              <a:t> thiệu đề tài</a:t>
+              <a:t>2. Mục tiêu đề tài</a:t>
             </a:r>
           </a:p>
         </p:txBody>
@@ -6989,8 +7190,8 @@
         </p:nvSpPr>
         <p:spPr>
           <a:xfrm>
-            <a:off x="103797" y="1058389"/>
-            <a:ext cx="8740959" cy="4436918"/>
+            <a:off x="336898" y="953810"/>
+            <a:ext cx="8630771" cy="4102607"/>
           </a:xfrm>
         </p:spPr>
         <p:txBody>
@@ -7008,12 +7209,67 @@
                 <a:latin typeface="Times New Roman" pitchFamily="18" charset="0"/>
                 <a:cs typeface="Times New Roman" pitchFamily="18" charset="0"/>
               </a:rPr>
-              <a:t>Thấy được sự quan trọng trong việc áp dụng công nghệ thông tin trong quản lý nhân sự, nhóm đã tiến hành tìm hiểu và xây dựng hệ thống quản lý kỹ năng của nhân viên để giúp các công ty, doanh nghiệp về lĩnh vực phần mềm có thể quản lý nội bộ thông tin cá nhân cũng như các kỹ năng mà nhân viên có một cách dễ dàng, trực quan, đáp ứng nhu cầu thu thập, quản lý, phân tích các kỹ năng của nhân viên trong công ty.</a:t>
-            </a:r>
+              <a:t>Tìm hiểu nghiệp vụ liên quan tới việc quản lý kỹ năng trong công ty phần mềm FPT Software.</a:t>
+            </a:r>
+          </a:p>
+          <a:p>
+            <a:pPr algn="just">
+              <a:buFont typeface="Wingdings" pitchFamily="2" charset="2"/>
+              <a:buChar char="Ø"/>
+            </a:pPr>
+            <a:r>
+              <a:rPr lang="en-US" sz="1900">
+                <a:latin typeface="Times New Roman" pitchFamily="18" charset="0"/>
+                <a:cs typeface="Times New Roman" pitchFamily="18" charset="0"/>
+              </a:rPr>
+              <a:t>Xây dựng được hệ thống quản lý thông tin kỹ năng của nhân viên trong nội bộ công ty FPT Software với các chức năng:</a:t>
+            </a:r>
+          </a:p>
+          <a:p>
+            <a:pPr lvl="1" algn="just">
+              <a:buFont typeface="Wingdings" pitchFamily="2" charset="2"/>
+              <a:buChar char="ü"/>
+            </a:pPr>
+            <a:r>
+              <a:rPr lang="en-US" sz="1900">
+                <a:latin typeface="Times New Roman" pitchFamily="18" charset="0"/>
+                <a:cs typeface="Times New Roman" pitchFamily="18" charset="0"/>
+              </a:rPr>
+              <a:t>Chức năng dành cho nhân viên: cập nhật thông tin cá nhân, quản lý các thông tin về kỹ năng kỹ thuật, bằng cấp, chứng chỉ, ….</a:t>
+            </a:r>
+          </a:p>
+          <a:p>
+            <a:pPr lvl="1" algn="just">
+              <a:buFont typeface="Wingdings" pitchFamily="2" charset="2"/>
+              <a:buChar char="ü"/>
+            </a:pPr>
+            <a:r>
+              <a:rPr lang="en-US" sz="1900">
+                <a:latin typeface="Times New Roman" pitchFamily="18" charset="0"/>
+                <a:cs typeface="Times New Roman" pitchFamily="18" charset="0"/>
+              </a:rPr>
+              <a:t>Chức năng dành cho nhân viên nhân: quản lý, cập nhật, xác thực thông tin hồ sơ của toàn bộ của nhân viên. Thống kê kỹ năng. Truy xuất nhật ký thay đổi hồ sơ của nhân viên. Quản lý dữ liệu hiển thị động của hệ thống.</a:t>
+            </a:r>
+          </a:p>
+          <a:p>
+            <a:pPr lvl="1" algn="just">
+              <a:buFont typeface="Wingdings" pitchFamily="2" charset="2"/>
+              <a:buChar char="ü"/>
+            </a:pPr>
+            <a:r>
+              <a:rPr lang="en-US" sz="1900">
+                <a:latin typeface="Times New Roman" pitchFamily="18" charset="0"/>
+                <a:cs typeface="Times New Roman" pitchFamily="18" charset="0"/>
+              </a:rPr>
+              <a:t>Chức năng dành cho nhân viên quản lý dự án của công ty: thêm, chỉnh sửa, xóa thông tin các dự án của công ty mà mình đang phụ trách; tìm kiếm nhân viên trong hệ thống phù hợp với dự án đang cần tuyển thêm nhân lực phục vụ quá trình phỏng vấn ứng viên nhanh chóng.</a:t>
+            </a:r>
+          </a:p>
+          <a:p>
+            <a:pPr lvl="1" algn="just">
+              <a:buFont typeface="Wingdings" pitchFamily="2" charset="2"/>
+              <a:buChar char="ü"/>
+            </a:pPr>
             <a:endParaRPr lang="en-US" sz="1900">
-              <a:solidFill>
-                <a:srgbClr val="FF0000"/>
-              </a:solidFill>
               <a:latin typeface="Times New Roman" pitchFamily="18" charset="0"/>
               <a:cs typeface="Times New Roman" pitchFamily="18" charset="0"/>
             </a:endParaRPr>
@@ -7044,51 +7300,10 @@
           </a:p>
         </p:txBody>
       </p:sp>
-      <p:pic>
-        <p:nvPicPr>
-          <p:cNvPr id="1026" name="Picture 2" descr="C:\Users\LEO\Desktop\Class\download.png"/>
-          <p:cNvPicPr>
-            <a:picLocks noChangeAspect="1" noChangeArrowheads="1"/>
-          </p:cNvPicPr>
-          <p:nvPr/>
-        </p:nvPicPr>
-        <p:blipFill>
-          <a:blip r:embed="rId3">
-            <a:extLst>
-              <a:ext uri="{28A0092B-C50C-407E-A947-70E740481C1C}">
-                <a14:useLocalDpi xmlns:a14="http://schemas.microsoft.com/office/drawing/2010/main" val="0"/>
-              </a:ext>
-            </a:extLst>
-          </a:blip>
-          <a:srcRect/>
-          <a:stretch>
-            <a:fillRect/>
-          </a:stretch>
-        </p:blipFill>
-        <p:spPr bwMode="auto">
-          <a:xfrm>
-            <a:off x="2944916" y="2520722"/>
-            <a:ext cx="3190668" cy="2488066"/>
-          </a:xfrm>
-          <a:prstGeom prst="rect">
-            <a:avLst/>
-          </a:prstGeom>
-          <a:noFill/>
-          <a:extLst>
-            <a:ext uri="{909E8E84-426E-40DD-AFC4-6F175D3DCCD1}">
-              <a14:hiddenFill xmlns:a14="http://schemas.microsoft.com/office/drawing/2010/main">
-                <a:solidFill>
-                  <a:srgbClr val="FFFFFF"/>
-                </a:solidFill>
-              </a14:hiddenFill>
-            </a:ext>
-          </a:extLst>
-        </p:spPr>
-      </p:pic>
     </p:spTree>
     <p:extLst>
       <p:ext uri="{BB962C8B-B14F-4D97-AF65-F5344CB8AC3E}">
-        <p14:creationId xmlns:p14="http://schemas.microsoft.com/office/powerpoint/2010/main" val="2851695421"/>
+        <p14:creationId xmlns:p14="http://schemas.microsoft.com/office/powerpoint/2010/main" val="267171721"/>
       </p:ext>
     </p:extLst>
   </p:cSld>
@@ -7134,7 +7349,7 @@
         </p:nvSpPr>
         <p:spPr>
           <a:xfrm>
-            <a:off x="-2168566" y="-600075"/>
+            <a:off x="-2063008" y="-600075"/>
             <a:ext cx="8229600" cy="1200150"/>
           </a:xfrm>
         </p:spPr>
@@ -7149,8 +7364,12 @@
                 <a:latin typeface="Times New Roman" pitchFamily="18" charset="0"/>
                 <a:cs typeface="Times New Roman" pitchFamily="18" charset="0"/>
               </a:rPr>
-              <a:t>2. Mục tiêu đề tài</a:t>
-            </a:r>
+              <a:t>2. Mục tiêu đề tài(tt)</a:t>
+            </a:r>
+            <a:endParaRPr lang="en-US" sz="3400">
+              <a:latin typeface="Arial" panose="020B0604020202020204" pitchFamily="34" charset="0"/>
+              <a:cs typeface="Arial" panose="020B0604020202020204" pitchFamily="34" charset="0"/>
+            </a:endParaRPr>
           </a:p>
         </p:txBody>
       </p:sp>
@@ -7166,8 +7385,8 @@
         </p:nvSpPr>
         <p:spPr>
           <a:xfrm>
-            <a:off x="336898" y="953810"/>
-            <a:ext cx="8630771" cy="4102607"/>
+            <a:off x="100649" y="1061725"/>
+            <a:ext cx="8950987" cy="3902161"/>
           </a:xfrm>
         </p:spPr>
         <p:txBody>
@@ -7176,7 +7395,7 @@
           </a:bodyPr>
           <a:lstStyle/>
           <a:p>
-            <a:pPr algn="just">
+            <a:pPr lvl="1" algn="just">
               <a:buFont typeface="Wingdings" pitchFamily="2" charset="2"/>
               <a:buChar char="Ø"/>
             </a:pPr>
@@ -7185,24 +7404,11 @@
                 <a:latin typeface="Times New Roman" pitchFamily="18" charset="0"/>
                 <a:cs typeface="Times New Roman" pitchFamily="18" charset="0"/>
               </a:rPr>
-              <a:t>Tìm hiểu nghiệp vụ liên quan tới việc quản lý kỹ năng trong công ty phần mềm FPT Software.</a:t>
-            </a:r>
-          </a:p>
-          <a:p>
-            <a:pPr algn="just">
-              <a:buFont typeface="Wingdings" pitchFamily="2" charset="2"/>
-              <a:buChar char="Ø"/>
-            </a:pPr>
-            <a:r>
-              <a:rPr lang="en-US" sz="1900">
-                <a:latin typeface="Times New Roman" pitchFamily="18" charset="0"/>
-                <a:cs typeface="Times New Roman" pitchFamily="18" charset="0"/>
-              </a:rPr>
-              <a:t>Xây dựng được hệ thống quản lý thông tin kỹ năng của nhân viên trong nội bộ công ty FPT Software với các chức năng:</a:t>
-            </a:r>
-          </a:p>
-          <a:p>
-            <a:pPr lvl="1" algn="just">
+              <a:t>Phạm vi đề tài:</a:t>
+            </a:r>
+          </a:p>
+          <a:p>
+            <a:pPr lvl="2" algn="just">
               <a:buFont typeface="Wingdings" pitchFamily="2" charset="2"/>
               <a:buChar char="ü"/>
             </a:pPr>
@@ -7211,11 +7417,11 @@
                 <a:latin typeface="Times New Roman" pitchFamily="18" charset="0"/>
                 <a:cs typeface="Times New Roman" pitchFamily="18" charset="0"/>
               </a:rPr>
-              <a:t>Chức năng dành cho nhân viên: cập nhật thông tin cá nhân, quản lý các thông tin về kỹ năng kỹ thuật, bằng cấp, chứng chỉ, ….</a:t>
-            </a:r>
-          </a:p>
-          <a:p>
-            <a:pPr lvl="1" algn="just">
+              <a:t>Đề tài thực hiện quản lý kỹ năng cho nhân viên công ty phần mềm FPT Software.</a:t>
+            </a:r>
+          </a:p>
+          <a:p>
+            <a:pPr lvl="2" algn="just">
               <a:buFont typeface="Wingdings" pitchFamily="2" charset="2"/>
               <a:buChar char="ü"/>
             </a:pPr>
@@ -7224,11 +7430,11 @@
                 <a:latin typeface="Times New Roman" pitchFamily="18" charset="0"/>
                 <a:cs typeface="Times New Roman" pitchFamily="18" charset="0"/>
               </a:rPr>
-              <a:t>Chức năng dành cho nhân viên nhân: quản lý, cập nhật, xác thực thông tin hồ sơ của toàn bộ của nhân viên. Thống kê kỹ năng. Truy xuất nhật ký thay đổi hồ sơ của nhân viên. Quản lý dữ liệu hiển thị động của hệ thống.</a:t>
-            </a:r>
-          </a:p>
-          <a:p>
-            <a:pPr lvl="1" algn="just">
+              <a:t>Hệ thống cung cấp RESTful API cho các hệ thống khác truy cập và sử dụng, sử dụng Spring boot 2.1.3, giao diện sử dụng Angular 7, Maven 3.6.0, chạy trên server công ty FPT Software, sử dụng hệ quản trị cơ sở dữ liệu MySQL 5 để  lưu trữ dữ liệu.</a:t>
+            </a:r>
+          </a:p>
+          <a:p>
+            <a:pPr lvl="2" algn="just">
               <a:buFont typeface="Wingdings" pitchFamily="2" charset="2"/>
               <a:buChar char="ü"/>
             </a:pPr>
@@ -7237,11 +7443,11 @@
                 <a:latin typeface="Times New Roman" pitchFamily="18" charset="0"/>
                 <a:cs typeface="Times New Roman" pitchFamily="18" charset="0"/>
               </a:rPr>
-              <a:t>Chức năng dành cho nhân viên quản lý dự án của công ty: thêm, chỉnh sửa, xóa thông tin các dự án của công ty mà mình đang phụ trách; tìm kiếm nhân viên trong hệ thống phù hợp với dự án đang cần tuyển thêm nhân lực phục vụ quá trình phỏng vấn ứng viên nhanh chóng.</a:t>
-            </a:r>
-          </a:p>
-          <a:p>
-            <a:pPr lvl="1" algn="just">
+              <a:t>Hệ thống chỉ quản lý hồ sơ của nhân viên trong công ty, không quản lý các hồ sơ của ứng viên. Mọi thông tin kỹ năng của một nhân sự đã được xác nhận bởi nhân viên nhân sự, hệ thống này không hỗ trợ quy trình, nghiệp vụ kiểm tra, xét duyệt hồ sơ của nhân viên. Để đăng nhập, người dùng của hệ thống này dùng chung tài khoản của công ty FPT Software.</a:t>
+            </a:r>
+          </a:p>
+          <a:p>
+            <a:pPr lvl="2" algn="just">
               <a:buFont typeface="Wingdings" pitchFamily="2" charset="2"/>
               <a:buChar char="ü"/>
             </a:pPr>
@@ -7279,7 +7485,7 @@
     </p:spTree>
     <p:extLst>
       <p:ext uri="{BB962C8B-B14F-4D97-AF65-F5344CB8AC3E}">
-        <p14:creationId xmlns:p14="http://schemas.microsoft.com/office/powerpoint/2010/main" val="267171721"/>
+        <p14:creationId xmlns:p14="http://schemas.microsoft.com/office/powerpoint/2010/main" val="2684279343"/>
       </p:ext>
     </p:extLst>
   </p:cSld>
@@ -7325,188 +7531,6 @@
         </p:nvSpPr>
         <p:spPr>
           <a:xfrm>
-            <a:off x="-2063008" y="-600075"/>
-            <a:ext cx="8229600" cy="1200150"/>
-          </a:xfrm>
-        </p:spPr>
-        <p:txBody>
-          <a:bodyPr>
-            <a:normAutofit/>
-          </a:bodyPr>
-          <a:lstStyle/>
-          <a:p>
-            <a:r>
-              <a:rPr lang="en-US" sz="3400">
-                <a:latin typeface="Times New Roman" pitchFamily="18" charset="0"/>
-                <a:cs typeface="Times New Roman" pitchFamily="18" charset="0"/>
-              </a:rPr>
-              <a:t>2. Mục tiêu đề tài(tt)</a:t>
-            </a:r>
-            <a:endParaRPr lang="en-US" sz="3400">
-              <a:latin typeface="Arial" panose="020B0604020202020204" pitchFamily="34" charset="0"/>
-              <a:cs typeface="Arial" panose="020B0604020202020204" pitchFamily="34" charset="0"/>
-            </a:endParaRPr>
-          </a:p>
-        </p:txBody>
-      </p:sp>
-      <p:sp>
-        <p:nvSpPr>
-          <p:cNvPr id="3" name="Content Placeholder 2"/>
-          <p:cNvSpPr>
-            <a:spLocks noGrp="1"/>
-          </p:cNvSpPr>
-          <p:nvPr>
-            <p:ph idx="1"/>
-          </p:nvPr>
-        </p:nvSpPr>
-        <p:spPr>
-          <a:xfrm>
-            <a:off x="100649" y="1061725"/>
-            <a:ext cx="8950987" cy="3902161"/>
-          </a:xfrm>
-        </p:spPr>
-        <p:txBody>
-          <a:bodyPr>
-            <a:noAutofit/>
-          </a:bodyPr>
-          <a:lstStyle/>
-          <a:p>
-            <a:pPr lvl="1" algn="just">
-              <a:buFont typeface="Wingdings" pitchFamily="2" charset="2"/>
-              <a:buChar char="Ø"/>
-            </a:pPr>
-            <a:r>
-              <a:rPr lang="en-US" sz="1900">
-                <a:latin typeface="Times New Roman" pitchFamily="18" charset="0"/>
-                <a:cs typeface="Times New Roman" pitchFamily="18" charset="0"/>
-              </a:rPr>
-              <a:t>Phạm vi đề tài:</a:t>
-            </a:r>
-          </a:p>
-          <a:p>
-            <a:pPr lvl="2" algn="just">
-              <a:buFont typeface="Wingdings" pitchFamily="2" charset="2"/>
-              <a:buChar char="ü"/>
-            </a:pPr>
-            <a:r>
-              <a:rPr lang="en-US" sz="1900">
-                <a:latin typeface="Times New Roman" pitchFamily="18" charset="0"/>
-                <a:cs typeface="Times New Roman" pitchFamily="18" charset="0"/>
-              </a:rPr>
-              <a:t>Đề tài thực hiện quản lý kỹ năng cho nhân viên công ty phần mềm FPT Software.</a:t>
-            </a:r>
-          </a:p>
-          <a:p>
-            <a:pPr lvl="2" algn="just">
-              <a:buFont typeface="Wingdings" pitchFamily="2" charset="2"/>
-              <a:buChar char="ü"/>
-            </a:pPr>
-            <a:r>
-              <a:rPr lang="en-US" sz="1900">
-                <a:latin typeface="Times New Roman" pitchFamily="18" charset="0"/>
-                <a:cs typeface="Times New Roman" pitchFamily="18" charset="0"/>
-              </a:rPr>
-              <a:t>Hệ thống cung cấp RESTful API cho các hệ thống khác truy cập và sử dụng, sử dụng Spring boot 2.1.3, giao diện sử dụng Angular 7, Maven 3.6.0, chạy trên server công ty FPT Software, sử dụng hệ quản trị cơ sở dữ liệu MySQL 5 để  lưu trữ dữ liệu.</a:t>
-            </a:r>
-          </a:p>
-          <a:p>
-            <a:pPr lvl="2" algn="just">
-              <a:buFont typeface="Wingdings" pitchFamily="2" charset="2"/>
-              <a:buChar char="ü"/>
-            </a:pPr>
-            <a:r>
-              <a:rPr lang="en-US" sz="1900">
-                <a:latin typeface="Times New Roman" pitchFamily="18" charset="0"/>
-                <a:cs typeface="Times New Roman" pitchFamily="18" charset="0"/>
-              </a:rPr>
-              <a:t>Hệ thống chỉ quản lý hồ sơ của nhân viên trong công ty, không quản lý các hồ sơ của ứng viên. Mọi thông tin kỹ năng của một nhân sự đã được xác nhận bởi nhân viên nhân sự, hệ thống này không hỗ trợ quy trình, nghiệp vụ kiểm tra, xét duyệt hồ sơ của nhân viên. Để đăng nhập, người dùng của hệ thống này dùng chung tài khoản của công ty FPT Software.</a:t>
-            </a:r>
-          </a:p>
-          <a:p>
-            <a:pPr lvl="2" algn="just">
-              <a:buFont typeface="Wingdings" pitchFamily="2" charset="2"/>
-              <a:buChar char="ü"/>
-            </a:pPr>
-            <a:endParaRPr lang="en-US" sz="1900">
-              <a:latin typeface="Times New Roman" pitchFamily="18" charset="0"/>
-              <a:cs typeface="Times New Roman" pitchFamily="18" charset="0"/>
-            </a:endParaRPr>
-          </a:p>
-        </p:txBody>
-      </p:sp>
-      <p:sp>
-        <p:nvSpPr>
-          <p:cNvPr id="4" name="Slide Number Placeholder 3"/>
-          <p:cNvSpPr>
-            <a:spLocks noGrp="1"/>
-          </p:cNvSpPr>
-          <p:nvPr>
-            <p:ph type="sldNum" sz="quarter" idx="12"/>
-          </p:nvPr>
-        </p:nvSpPr>
-        <p:spPr/>
-        <p:txBody>
-          <a:bodyPr/>
-          <a:lstStyle/>
-          <a:p>
-            <a:fld id="{3905339D-DD04-4120-AA77-8BCC40DA1522}" type="slidenum">
-              <a:rPr lang="en-US" smtClean="0"/>
-              <a:pPr/>
-              <a:t>6</a:t>
-            </a:fld>
-            <a:endParaRPr lang="en-US"/>
-          </a:p>
-        </p:txBody>
-      </p:sp>
-    </p:spTree>
-    <p:extLst>
-      <p:ext uri="{BB962C8B-B14F-4D97-AF65-F5344CB8AC3E}">
-        <p14:creationId xmlns:p14="http://schemas.microsoft.com/office/powerpoint/2010/main" val="2684279343"/>
-      </p:ext>
-    </p:extLst>
-  </p:cSld>
-  <p:clrMapOvr>
-    <a:masterClrMapping/>
-  </p:clrMapOvr>
-  <p:timing>
-    <p:tnLst>
-      <p:par>
-        <p:cTn id="1" dur="indefinite" restart="never" nodeType="tmRoot"/>
-      </p:par>
-    </p:tnLst>
-  </p:timing>
-</p:sld>
-</file>
-
-<file path=ppt/slides/slide7.xml><?xml version="1.0" encoding="utf-8"?>
-<p:sld xmlns:a="http://schemas.openxmlformats.org/drawingml/2006/main" xmlns:r="http://schemas.openxmlformats.org/officeDocument/2006/relationships" xmlns:p="http://schemas.openxmlformats.org/presentationml/2006/main">
-  <p:cSld>
-    <p:spTree>
-      <p:nvGrpSpPr>
-        <p:cNvPr id="1" name=""/>
-        <p:cNvGrpSpPr/>
-        <p:nvPr/>
-      </p:nvGrpSpPr>
-      <p:grpSpPr>
-        <a:xfrm>
-          <a:off x="0" y="0"/>
-          <a:ext cx="0" cy="0"/>
-          <a:chOff x="0" y="0"/>
-          <a:chExt cx="0" cy="0"/>
-        </a:xfrm>
-      </p:grpSpPr>
-      <p:sp>
-        <p:nvSpPr>
-          <p:cNvPr id="2" name="Title 1"/>
-          <p:cNvSpPr>
-            <a:spLocks noGrp="1"/>
-          </p:cNvSpPr>
-          <p:nvPr>
-            <p:ph type="title"/>
-          </p:nvPr>
-        </p:nvSpPr>
-        <p:spPr>
-          <a:xfrm>
             <a:off x="-1997035" y="-514350"/>
             <a:ext cx="8229600" cy="1200150"/>
           </a:xfrm>
@@ -7553,7 +7577,7 @@
         </p:nvSpPr>
         <p:spPr>
           <a:xfrm>
-            <a:off x="557487" y="979056"/>
+            <a:off x="582200" y="657780"/>
             <a:ext cx="6116197" cy="2910580"/>
           </a:xfrm>
         </p:spPr>
@@ -7595,7 +7619,7 @@
             <a:fld id="{3905339D-DD04-4120-AA77-8BCC40DA1522}" type="slidenum">
               <a:rPr lang="en-US" smtClean="0"/>
               <a:pPr/>
-              <a:t>7</a:t>
+              <a:t>6</a:t>
             </a:fld>
             <a:endParaRPr lang="en-US"/>
           </a:p>
@@ -7622,8 +7646,8 @@
         </p:blipFill>
         <p:spPr bwMode="auto">
           <a:xfrm>
-            <a:off x="708273" y="85725"/>
-            <a:ext cx="7012487" cy="5057775"/>
+            <a:off x="980121" y="1013252"/>
+            <a:ext cx="7012487" cy="4130247"/>
           </a:xfrm>
           <a:prstGeom prst="rect">
             <a:avLst/>
@@ -7654,7 +7678,7 @@
 </p:sld>
 </file>
 
-<file path=ppt/slides/slide8.xml><?xml version="1.0" encoding="utf-8"?>
+<file path=ppt/slides/slide7.xml><?xml version="1.0" encoding="utf-8"?>
 <p:sld xmlns:a="http://schemas.openxmlformats.org/drawingml/2006/main" xmlns:r="http://schemas.openxmlformats.org/officeDocument/2006/relationships" xmlns:p="http://schemas.openxmlformats.org/presentationml/2006/main">
   <p:cSld>
     <p:spTree>
@@ -8082,7 +8106,7 @@
             <a:fld id="{3905339D-DD04-4120-AA77-8BCC40DA1522}" type="slidenum">
               <a:rPr lang="en-US" smtClean="0"/>
               <a:pPr/>
-              <a:t>8</a:t>
+              <a:t>7</a:t>
             </a:fld>
             <a:endParaRPr lang="en-US"/>
           </a:p>
@@ -8367,6 +8391,193 @@
     <p:extLst>
       <p:ext uri="{BB962C8B-B14F-4D97-AF65-F5344CB8AC3E}">
         <p14:creationId xmlns:p14="http://schemas.microsoft.com/office/powerpoint/2010/main" val="4236852523"/>
+      </p:ext>
+    </p:extLst>
+  </p:cSld>
+  <p:clrMapOvr>
+    <a:masterClrMapping/>
+  </p:clrMapOvr>
+  <p:timing>
+    <p:tnLst>
+      <p:par>
+        <p:cTn id="1" dur="indefinite" restart="never" nodeType="tmRoot"/>
+      </p:par>
+    </p:tnLst>
+  </p:timing>
+</p:sld>
+</file>
+
+<file path=ppt/slides/slide8.xml><?xml version="1.0" encoding="utf-8"?>
+<p:sld xmlns:a="http://schemas.openxmlformats.org/drawingml/2006/main" xmlns:r="http://schemas.openxmlformats.org/officeDocument/2006/relationships" xmlns:p="http://schemas.openxmlformats.org/presentationml/2006/main">
+  <p:cSld>
+    <p:spTree>
+      <p:nvGrpSpPr>
+        <p:cNvPr id="1" name=""/>
+        <p:cNvGrpSpPr/>
+        <p:nvPr/>
+      </p:nvGrpSpPr>
+      <p:grpSpPr>
+        <a:xfrm>
+          <a:off x="0" y="0"/>
+          <a:ext cx="0" cy="0"/>
+          <a:chOff x="0" y="0"/>
+          <a:chExt cx="0" cy="0"/>
+        </a:xfrm>
+      </p:grpSpPr>
+      <p:sp>
+        <p:nvSpPr>
+          <p:cNvPr id="3" name="Content Placeholder 2"/>
+          <p:cNvSpPr>
+            <a:spLocks noGrp="1"/>
+          </p:cNvSpPr>
+          <p:nvPr>
+            <p:ph idx="1"/>
+          </p:nvPr>
+        </p:nvSpPr>
+        <p:spPr>
+          <a:xfrm>
+            <a:off x="0" y="118012"/>
+            <a:ext cx="8779111" cy="1263980"/>
+          </a:xfrm>
+        </p:spPr>
+        <p:txBody>
+          <a:bodyPr>
+            <a:normAutofit/>
+          </a:bodyPr>
+          <a:lstStyle/>
+          <a:p>
+            <a:pPr>
+              <a:buFont typeface="Wingdings" pitchFamily="2" charset="2"/>
+              <a:buChar char="Ø"/>
+            </a:pPr>
+            <a:r>
+              <a:rPr lang="en-US" sz="1900">
+                <a:solidFill>
+                  <a:schemeClr val="tx1"/>
+                </a:solidFill>
+                <a:latin typeface="Times New Roman" pitchFamily="18" charset="0"/>
+                <a:cs typeface="Times New Roman" pitchFamily="18" charset="0"/>
+              </a:rPr>
+              <a:t>Mô hình lớp </a:t>
+            </a:r>
+            <a:r>
+              <a:rPr lang="en-US" sz="1900">
+                <a:latin typeface="Times New Roman" pitchFamily="18" charset="0"/>
+                <a:cs typeface="Times New Roman" pitchFamily="18" charset="0"/>
+              </a:rPr>
+              <a:t>chỉ bao gồm các Entity:</a:t>
+            </a:r>
+            <a:endParaRPr lang="en-US" sz="1900">
+              <a:solidFill>
+                <a:schemeClr val="tx1"/>
+              </a:solidFill>
+              <a:latin typeface="Times New Roman" pitchFamily="18" charset="0"/>
+              <a:cs typeface="Times New Roman" pitchFamily="18" charset="0"/>
+            </a:endParaRPr>
+          </a:p>
+          <a:p>
+            <a:endParaRPr lang="en-US" sz="1900">
+              <a:solidFill>
+                <a:schemeClr val="tx1"/>
+              </a:solidFill>
+              <a:latin typeface="Times New Roman" pitchFamily="18" charset="0"/>
+              <a:cs typeface="Times New Roman" pitchFamily="18" charset="0"/>
+            </a:endParaRPr>
+          </a:p>
+        </p:txBody>
+      </p:sp>
+      <p:sp>
+        <p:nvSpPr>
+          <p:cNvPr id="4" name="Slide Number Placeholder 3"/>
+          <p:cNvSpPr>
+            <a:spLocks noGrp="1"/>
+          </p:cNvSpPr>
+          <p:nvPr>
+            <p:ph type="sldNum" sz="quarter" idx="12"/>
+          </p:nvPr>
+        </p:nvSpPr>
+        <p:spPr/>
+        <p:txBody>
+          <a:bodyPr/>
+          <a:lstStyle/>
+          <a:p>
+            <a:fld id="{3905339D-DD04-4120-AA77-8BCC40DA1522}" type="slidenum">
+              <a:rPr lang="en-US" smtClean="0"/>
+              <a:pPr/>
+              <a:t>8</a:t>
+            </a:fld>
+            <a:endParaRPr lang="en-US"/>
+          </a:p>
+        </p:txBody>
+      </p:sp>
+      <p:pic>
+        <p:nvPicPr>
+          <p:cNvPr id="1026" name="Picture 2"/>
+          <p:cNvPicPr>
+            <a:picLocks noChangeAspect="1" noChangeArrowheads="1"/>
+          </p:cNvPicPr>
+          <p:nvPr/>
+        </p:nvPicPr>
+        <p:blipFill>
+          <a:blip r:embed="rId2">
+            <a:extLst>
+              <a:ext uri="{28A0092B-C50C-407E-A947-70E740481C1C}">
+                <a14:useLocalDpi xmlns:a14="http://schemas.microsoft.com/office/drawing/2010/main" val="0"/>
+              </a:ext>
+            </a:extLst>
+          </a:blip>
+          <a:srcRect/>
+          <a:stretch>
+            <a:fillRect/>
+          </a:stretch>
+        </p:blipFill>
+        <p:spPr bwMode="auto">
+          <a:xfrm>
+            <a:off x="591968" y="469556"/>
+            <a:ext cx="8073421" cy="4788243"/>
+          </a:xfrm>
+          <a:prstGeom prst="rect">
+            <a:avLst/>
+          </a:prstGeom>
+          <a:noFill/>
+          <a:ln>
+            <a:noFill/>
+          </a:ln>
+          <a:effectLst/>
+          <a:extLst>
+            <a:ext uri="{909E8E84-426E-40DD-AFC4-6F175D3DCCD1}">
+              <a14:hiddenFill xmlns:a14="http://schemas.microsoft.com/office/drawing/2010/main">
+                <a:solidFill>
+                  <a:schemeClr val="accent1"/>
+                </a:solidFill>
+              </a14:hiddenFill>
+            </a:ext>
+            <a:ext uri="{91240B29-F687-4F45-9708-019B960494DF}">
+              <a14:hiddenLine xmlns:a14="http://schemas.microsoft.com/office/drawing/2010/main" w="9525">
+                <a:solidFill>
+                  <a:schemeClr val="tx1"/>
+                </a:solidFill>
+                <a:miter lim="800000"/>
+                <a:headEnd/>
+                <a:tailEnd/>
+              </a14:hiddenLine>
+            </a:ext>
+            <a:ext uri="{AF507438-7753-43E0-B8FC-AC1667EBCBE1}">
+              <a14:hiddenEffects xmlns:a14="http://schemas.microsoft.com/office/drawing/2010/main">
+                <a:effectLst>
+                  <a:outerShdw dist="35921" dir="2700000" algn="ctr" rotWithShape="0">
+                    <a:schemeClr val="bg2"/>
+                  </a:outerShdw>
+                </a:effectLst>
+              </a14:hiddenEffects>
+            </a:ext>
+          </a:extLst>
+        </p:spPr>
+      </p:pic>
+    </p:spTree>
+    <p:extLst>
+      <p:ext uri="{BB962C8B-B14F-4D97-AF65-F5344CB8AC3E}">
+        <p14:creationId xmlns:p14="http://schemas.microsoft.com/office/powerpoint/2010/main" val="4263596024"/>
       </p:ext>
     </p:extLst>
   </p:cSld>
@@ -8402,23 +8613,83 @@
       </p:grpSpPr>
       <p:sp>
         <p:nvSpPr>
-          <p:cNvPr id="3" name="Content Placeholder 2"/>
-          <p:cNvSpPr>
-            <a:spLocks noGrp="1"/>
-          </p:cNvSpPr>
-          <p:nvPr>
-            <p:ph idx="1"/>
+          <p:cNvPr id="2" name="Title 1"/>
+          <p:cNvSpPr>
+            <a:spLocks noGrp="1"/>
+          </p:cNvSpPr>
+          <p:nvPr>
+            <p:ph type="title"/>
           </p:nvPr>
         </p:nvSpPr>
         <p:spPr>
           <a:xfrm>
-            <a:off x="0" y="118012"/>
-            <a:ext cx="8779111" cy="1263980"/>
+            <a:off x="-1137151" y="-364671"/>
+            <a:ext cx="6447501" cy="990600"/>
           </a:xfrm>
         </p:spPr>
         <p:txBody>
           <a:bodyPr>
             <a:normAutofit/>
+          </a:bodyPr>
+          <a:lstStyle/>
+          <a:p>
+            <a:r>
+              <a:rPr lang="en-US" sz="3400">
+                <a:latin typeface="Times New Roman" pitchFamily="18" charset="0"/>
+                <a:cs typeface="Times New Roman" pitchFamily="18" charset="0"/>
+              </a:rPr>
+              <a:t>4. </a:t>
+            </a:r>
+            <a:r>
+              <a:rPr lang="en-US" sz="3400" err="1">
+                <a:latin typeface="Times New Roman" pitchFamily="18" charset="0"/>
+                <a:cs typeface="Times New Roman" pitchFamily="18" charset="0"/>
+              </a:rPr>
+              <a:t>Hiện</a:t>
+            </a:r>
+            <a:r>
+              <a:rPr lang="en-US" sz="3400">
+                <a:latin typeface="Times New Roman" pitchFamily="18" charset="0"/>
+                <a:cs typeface="Times New Roman" pitchFamily="18" charset="0"/>
+              </a:rPr>
+              <a:t> </a:t>
+            </a:r>
+            <a:r>
+              <a:rPr lang="en-US" sz="3400" err="1">
+                <a:latin typeface="Times New Roman" pitchFamily="18" charset="0"/>
+                <a:cs typeface="Times New Roman" pitchFamily="18" charset="0"/>
+              </a:rPr>
+              <a:t>thực</a:t>
+            </a:r>
+            <a:r>
+              <a:rPr lang="en-US" sz="3400">
+                <a:latin typeface="Times New Roman" pitchFamily="18" charset="0"/>
+                <a:cs typeface="Times New Roman" pitchFamily="18" charset="0"/>
+              </a:rPr>
+              <a:t> – Demo</a:t>
+            </a:r>
+          </a:p>
+        </p:txBody>
+      </p:sp>
+      <p:sp>
+        <p:nvSpPr>
+          <p:cNvPr id="3" name="Content Placeholder 2"/>
+          <p:cNvSpPr>
+            <a:spLocks noGrp="1"/>
+          </p:cNvSpPr>
+          <p:nvPr>
+            <p:ph idx="1"/>
+          </p:nvPr>
+        </p:nvSpPr>
+        <p:spPr>
+          <a:xfrm>
+            <a:off x="125950" y="466495"/>
+            <a:ext cx="8892100" cy="4438014"/>
+          </a:xfrm>
+        </p:spPr>
+        <p:txBody>
+          <a:bodyPr>
+            <a:noAutofit/>
           </a:bodyPr>
           <a:lstStyle/>
           <a:p>
@@ -8428,37 +8699,11 @@
             </a:pPr>
             <a:r>
               <a:rPr lang="en-US" sz="1900">
-                <a:solidFill>
-                  <a:schemeClr val="tx1"/>
-                </a:solidFill>
-                <a:latin typeface="Times New Roman" pitchFamily="18" charset="0"/>
-                <a:cs typeface="Times New Roman" pitchFamily="18" charset="0"/>
-              </a:rPr>
-              <a:t>Mô hình lớp </a:t>
-            </a:r>
-            <a:r>
-              <a:rPr lang="en-US" sz="1900">
-                <a:latin typeface="Times New Roman" pitchFamily="18" charset="0"/>
-                <a:cs typeface="Times New Roman" pitchFamily="18" charset="0"/>
-              </a:rPr>
-              <a:t>chỉ bao gồm các Entity:</a:t>
-            </a:r>
-            <a:endParaRPr lang="en-US" sz="1900">
-              <a:solidFill>
-                <a:schemeClr val="tx1"/>
-              </a:solidFill>
-              <a:latin typeface="Times New Roman" pitchFamily="18" charset="0"/>
-              <a:cs typeface="Times New Roman" pitchFamily="18" charset="0"/>
-            </a:endParaRPr>
-          </a:p>
-          <a:p>
-            <a:endParaRPr lang="en-US" sz="1900">
-              <a:solidFill>
-                <a:schemeClr val="tx1"/>
-              </a:solidFill>
-              <a:latin typeface="Times New Roman" pitchFamily="18" charset="0"/>
-              <a:cs typeface="Times New Roman" pitchFamily="18" charset="0"/>
-            </a:endParaRPr>
+                <a:latin typeface="Times New Roman" pitchFamily="18" charset="0"/>
+                <a:cs typeface="Times New Roman" pitchFamily="18" charset="0"/>
+              </a:rPr>
+              <a:t>Mô tả cách hệ thống tìm kiếm và sắp xếp các ứng viên phù hợp dự án:</a:t>
+            </a:r>
           </a:p>
         </p:txBody>
       </p:sp>
@@ -8495,7 +8740,7 @@
           <p:nvPr/>
         </p:nvPicPr>
         <p:blipFill>
-          <a:blip r:embed="rId2">
+          <a:blip r:embed="rId2" cstate="print">
             <a:extLst>
               <a:ext uri="{28A0092B-C50C-407E-A947-70E740481C1C}">
                 <a14:useLocalDpi xmlns:a14="http://schemas.microsoft.com/office/drawing/2010/main" val="0"/>
@@ -8509,8 +8754,8 @@
         </p:blipFill>
         <p:spPr bwMode="auto">
           <a:xfrm>
-            <a:off x="591968" y="0"/>
-            <a:ext cx="8073421" cy="5257800"/>
+            <a:off x="1680519" y="852616"/>
+            <a:ext cx="5968313" cy="4188941"/>
           </a:xfrm>
           <a:prstGeom prst="rect">
             <a:avLst/>
@@ -8553,7 +8798,7 @@
     </p:spTree>
     <p:extLst>
       <p:ext uri="{BB962C8B-B14F-4D97-AF65-F5344CB8AC3E}">
-        <p14:creationId xmlns:p14="http://schemas.microsoft.com/office/powerpoint/2010/main" val="4263596024"/>
+        <p14:creationId xmlns:p14="http://schemas.microsoft.com/office/powerpoint/2010/main" val="400240856"/>
       </p:ext>
     </p:extLst>
   </p:cSld>
@@ -9105,7 +9350,7 @@
   <a:extraClrSchemeLst/>
   <a:extLst>
     <a:ext uri="{05A4C25C-085E-4340-85A3-A5531E510DB2}">
-      <thm15:themeFamily xmlns:thm15="http://schemas.microsoft.com/office/thememl/2012/main" xmlns="" name="Office Theme" id="{62F939B6-93AF-4DB8-9C6B-D6C7DFDC589F}" vid="{4A3C46E8-61CC-4603-A589-7422A47A8E4A}"/>
+      <thm15:themeFamily xmlns="" xmlns:thm15="http://schemas.microsoft.com/office/thememl/2012/main" name="Office Theme" id="{62F939B6-93AF-4DB8-9C6B-D6C7DFDC589F}" vid="{4A3C46E8-61CC-4603-A589-7422A47A8E4A}"/>
     </a:ext>
   </a:extLst>
 </a:theme>

--- a/doc/BAO_CAO-DO_AN_TOT_NGHIEP-SKILL_INVENTORY.pptx
+++ b/doc/BAO_CAO-DO_AN_TOT_NGHIEP-SKILL_INVENTORY.pptx
@@ -123,13 +123,23 @@
   </p:defaultTextStyle>
   <p:extLst>
     <p:ext uri="{EFAFB233-063F-42B5-8137-9DF3F51BA10A}">
-      <p15:sldGuideLst xmlns="" xmlns:p15="http://schemas.microsoft.com/office/powerpoint/2012/main">
+      <p15:sldGuideLst xmlns:p15="http://schemas.microsoft.com/office/powerpoint/2012/main">
         <p15:guide id="1" orient="horz" pos="2016">
           <p15:clr>
             <a:srgbClr val="A4A3A4"/>
           </p15:clr>
         </p15:guide>
         <p15:guide id="2" pos="3312">
+          <p15:clr>
+            <a:srgbClr val="A4A3A4"/>
+          </p15:clr>
+        </p15:guide>
+        <p15:guide id="3" orient="horz" pos="1620">
+          <p15:clr>
+            <a:srgbClr val="A4A3A4"/>
+          </p15:clr>
+        </p15:guide>
+        <p15:guide id="4" pos="2880">
           <p15:clr>
             <a:srgbClr val="A4A3A4"/>
           </p15:clr>
@@ -222,7 +232,7 @@
           <a:p>
             <a:fld id="{A96E8428-2631-43B4-B7F6-00FB52B54726}" type="datetimeFigureOut">
               <a:rPr lang="en-US" smtClean="0"/>
-              <a:t>5/30/2019</a:t>
+              <a:t>6/1/2019</a:t>
             </a:fld>
             <a:endParaRPr lang="en-US"/>
           </a:p>
@@ -712,7 +722,7 @@
           <a:bodyPr/>
           <a:lstStyle/>
           <a:p>
-            <a:pPr lvl="0"/>
+            <a:pPr lvl="0" algn="l"/>
             <a:r>
               <a:rPr lang="en-US" sz="900" kern="1200" smtClean="0">
                 <a:solidFill>
@@ -736,7 +746,7 @@
             </a:endParaRPr>
           </a:p>
           <a:p>
-            <a:pPr lvl="1"/>
+            <a:pPr lvl="1" algn="l"/>
             <a:r>
               <a:rPr lang="en-US" sz="900" kern="1200" smtClean="0">
                 <a:solidFill>
@@ -747,7 +757,79 @@
                 <a:ea typeface="+mn-ea"/>
                 <a:cs typeface="+mn-cs"/>
               </a:rPr>
-              <a:t>Giảm thời gian cấu hình và triển khai ứng dụng so với các framework thông dụng Spring MVC, Struts, JavaServer Face.</a:t>
+              <a:t>Giảm thiểu độ phức tạp, thời gian cấu hình hơn so với</a:t>
+            </a:r>
+            <a:r>
+              <a:rPr lang="en-US" sz="900" kern="1200" baseline="0" smtClean="0">
+                <a:solidFill>
+                  <a:schemeClr val="tx1"/>
+                </a:solidFill>
+                <a:effectLst/>
+                <a:latin typeface="+mn-lt"/>
+                <a:ea typeface="+mn-ea"/>
+                <a:cs typeface="+mn-cs"/>
+              </a:rPr>
+              <a:t> </a:t>
+            </a:r>
+            <a:r>
+              <a:rPr lang="en-US" sz="900" kern="1200" smtClean="0">
+                <a:solidFill>
+                  <a:schemeClr val="tx1"/>
+                </a:solidFill>
+                <a:effectLst/>
+                <a:latin typeface="+mn-lt"/>
+                <a:ea typeface="+mn-ea"/>
+                <a:cs typeface="+mn-cs"/>
+              </a:rPr>
+              <a:t>các </a:t>
+            </a:r>
+            <a:r>
+              <a:rPr lang="en-US" sz="900" kern="1200" smtClean="0">
+                <a:solidFill>
+                  <a:schemeClr val="tx1"/>
+                </a:solidFill>
+                <a:effectLst/>
+                <a:latin typeface="+mn-lt"/>
+                <a:ea typeface="+mn-ea"/>
+                <a:cs typeface="+mn-cs"/>
+              </a:rPr>
+              <a:t>framework thông dụng Spring MVC, Struts, JavaServer </a:t>
+            </a:r>
+            <a:r>
+              <a:rPr lang="en-US" sz="900" kern="1200" smtClean="0">
+                <a:solidFill>
+                  <a:schemeClr val="tx1"/>
+                </a:solidFill>
+                <a:effectLst/>
+                <a:latin typeface="+mn-lt"/>
+                <a:ea typeface="+mn-ea"/>
+                <a:cs typeface="+mn-cs"/>
+              </a:rPr>
+              <a:t>Faces. Các dự án dựa trên Spring framework như Spring Data, Spring Rest đều có thể được tích hợp, cấu hình dễ dàng với Spring Boot qua file </a:t>
+            </a:r>
+            <a:r>
+              <a:rPr lang="en-US" sz="900" i="1" kern="1200" smtClean="0">
+                <a:solidFill>
+                  <a:schemeClr val="tx1"/>
+                </a:solidFill>
+                <a:effectLst/>
+                <a:latin typeface="+mn-lt"/>
+                <a:ea typeface="+mn-ea"/>
+                <a:cs typeface="+mn-cs"/>
+              </a:rPr>
+              <a:t>application.properties</a:t>
+            </a:r>
+            <a:r>
+              <a:rPr lang="en-US" sz="900" kern="1200" smtClean="0">
+                <a:solidFill>
+                  <a:schemeClr val="tx1"/>
+                </a:solidFill>
+                <a:effectLst/>
+                <a:latin typeface="+mn-lt"/>
+                <a:ea typeface="+mn-ea"/>
+                <a:cs typeface="+mn-cs"/>
+              </a:rPr>
+              <a:t>. Spring Boot được tích hợp tự động cấu hình giúp đơn giản hoá việc cấu hình với XML phức tạp như ở Spring MVC, đẩy nhanh tiến độ phát triển</a:t>
             </a:r>
             <a:endParaRPr lang="en-US" sz="800" kern="1200" smtClean="0">
               <a:solidFill>
@@ -760,7 +842,7 @@
             </a:endParaRPr>
           </a:p>
           <a:p>
-            <a:pPr lvl="0"/>
+            <a:pPr lvl="0" algn="l"/>
             <a:r>
               <a:rPr lang="en-US" sz="900" kern="1200" smtClean="0">
                 <a:solidFill>
@@ -784,7 +866,7 @@
             </a:endParaRPr>
           </a:p>
           <a:p>
-            <a:pPr lvl="1"/>
+            <a:pPr lvl="1" algn="l"/>
             <a:r>
               <a:rPr lang="en-US" sz="900" kern="1200" smtClean="0">
                 <a:solidFill>
@@ -808,6 +890,7 @@
             </a:endParaRPr>
           </a:p>
           <a:p>
+            <a:pPr algn="l"/>
             <a:r>
               <a:rPr lang="en-US" smtClean="0"/>
               <a:t>MySQL</a:t>
@@ -844,7 +927,7 @@
               <a:t>        </a:t>
             </a:r>
             <a:r>
-              <a:rPr lang="en-US" sz="900" kern="1200" smtClean="0">
+              <a:rPr lang="en-US" sz="900" kern="1200" baseline="0" smtClean="0">
                 <a:solidFill>
                   <a:schemeClr val="tx1"/>
                 </a:solidFill>
@@ -853,10 +936,44 @@
                 <a:ea typeface="+mn-ea"/>
                 <a:cs typeface="+mn-cs"/>
               </a:rPr>
-              <a:t>MySQL là một mã nguồn mở, giúp giảm bớt chi phí khi triển khai hệ thống cho doanh nghiệp.</a:t>
-            </a:r>
-          </a:p>
-          <a:p>
+              <a:t>S</a:t>
+            </a:r>
+            <a:r>
+              <a:rPr lang="en-US" sz="900" kern="1200" smtClean="0">
+                <a:solidFill>
+                  <a:schemeClr val="tx1"/>
+                </a:solidFill>
+                <a:effectLst/>
+                <a:latin typeface="+mn-lt"/>
+                <a:ea typeface="+mn-ea"/>
+                <a:cs typeface="+mn-cs"/>
+              </a:rPr>
+              <a:t>ẽ tiết kiệm chi phí cho doanh nghiệp, do MySQL là một mã nguồn mở, MySQL yêu cầu cấu hình máy chủ và chiếm ít tài nguyên phần cứng hơn SQL Server.</a:t>
+            </a:r>
+            <a:r>
+              <a:rPr lang="en-US" sz="900" kern="1200" baseline="0" smtClean="0">
+                <a:solidFill>
+                  <a:schemeClr val="tx1"/>
+                </a:solidFill>
+                <a:effectLst/>
+                <a:latin typeface="+mn-lt"/>
+                <a:ea typeface="+mn-ea"/>
+                <a:cs typeface="+mn-cs"/>
+              </a:rPr>
+              <a:t> </a:t>
+            </a:r>
+            <a:r>
+              <a:rPr lang="en-US" sz="900" kern="1200" smtClean="0">
+                <a:solidFill>
+                  <a:schemeClr val="tx1"/>
+                </a:solidFill>
+                <a:effectLst/>
+                <a:latin typeface="+mn-lt"/>
+                <a:ea typeface="+mn-ea"/>
+                <a:cs typeface="+mn-cs"/>
+              </a:rPr>
+              <a:t>Tuy nhiên việc sử dụng MySQL có bất lợi hơn so với SQL Server về mặt bảo mật.</a:t>
+            </a:r>
             <a:endParaRPr lang="en-US"/>
           </a:p>
         </p:txBody>
@@ -1089,7 +1206,7 @@
           <a:p>
             <a:fld id="{B02E4CE9-2204-4424-8ECC-44EC75ED47DE}" type="datetime1">
               <a:rPr lang="en-US" smtClean="0"/>
-              <a:t>5/30/2019</a:t>
+              <a:t>6/1/2019</a:t>
             </a:fld>
             <a:endParaRPr lang="en-US"/>
           </a:p>
@@ -1254,7 +1371,7 @@
           <a:p>
             <a:fld id="{22B9AB01-BCCF-4582-BF39-8D8F034C96D4}" type="datetime1">
               <a:rPr lang="en-US" smtClean="0"/>
-              <a:t>5/30/2019</a:t>
+              <a:t>6/1/2019</a:t>
             </a:fld>
             <a:endParaRPr lang="en-US"/>
           </a:p>
@@ -1430,7 +1547,7 @@
           <a:p>
             <a:fld id="{22B9AB01-BCCF-4582-BF39-8D8F034C96D4}" type="datetime1">
               <a:rPr lang="en-US" smtClean="0"/>
-              <a:t>5/30/2019</a:t>
+              <a:t>6/1/2019</a:t>
             </a:fld>
             <a:endParaRPr lang="en-US"/>
           </a:p>
@@ -1614,7 +1731,7 @@
           <a:p>
             <a:fld id="{BBBFACBD-6CBD-41BD-899B-944D42A6308C}" type="datetime1">
               <a:rPr lang="en-US" smtClean="0"/>
-              <a:t>5/30/2019</a:t>
+              <a:t>6/1/2019</a:t>
             </a:fld>
             <a:endParaRPr lang="en-US"/>
           </a:p>
@@ -1877,7 +1994,7 @@
           <a:p>
             <a:fld id="{22B9AB01-BCCF-4582-BF39-8D8F034C96D4}" type="datetime1">
               <a:rPr lang="en-US" smtClean="0"/>
-              <a:t>5/30/2019</a:t>
+              <a:t>6/1/2019</a:t>
             </a:fld>
             <a:endParaRPr lang="en-US"/>
           </a:p>
@@ -2226,7 +2343,7 @@
           <a:p>
             <a:fld id="{22B9AB01-BCCF-4582-BF39-8D8F034C96D4}" type="datetime1">
               <a:rPr lang="en-US" smtClean="0"/>
-              <a:t>5/30/2019</a:t>
+              <a:t>6/1/2019</a:t>
             </a:fld>
             <a:endParaRPr lang="en-US"/>
           </a:p>
@@ -2535,7 +2652,7 @@
           <a:p>
             <a:fld id="{22B9AB01-BCCF-4582-BF39-8D8F034C96D4}" type="datetime1">
               <a:rPr lang="en-US" smtClean="0"/>
-              <a:t>5/30/2019</a:t>
+              <a:t>6/1/2019</a:t>
             </a:fld>
             <a:endParaRPr lang="en-US"/>
           </a:p>
@@ -2763,7 +2880,7 @@
           <a:p>
             <a:fld id="{22B9AB01-BCCF-4582-BF39-8D8F034C96D4}" type="datetime1">
               <a:rPr lang="en-US" smtClean="0"/>
-              <a:t>5/30/2019</a:t>
+              <a:t>6/1/2019</a:t>
             </a:fld>
             <a:endParaRPr lang="en-US"/>
           </a:p>
@@ -2854,7 +2971,7 @@
           <a:p>
             <a:fld id="{22B9AB01-BCCF-4582-BF39-8D8F034C96D4}" type="datetime1">
               <a:rPr lang="en-US" smtClean="0"/>
-              <a:t>5/30/2019</a:t>
+              <a:t>6/1/2019</a:t>
             </a:fld>
             <a:endParaRPr lang="en-US"/>
           </a:p>
@@ -3143,7 +3260,7 @@
           <a:p>
             <a:fld id="{22B9AB01-BCCF-4582-BF39-8D8F034C96D4}" type="datetime1">
               <a:rPr lang="en-US" smtClean="0"/>
-              <a:t>5/30/2019</a:t>
+              <a:t>6/1/2019</a:t>
             </a:fld>
             <a:endParaRPr lang="en-US"/>
           </a:p>
@@ -3413,7 +3530,7 @@
           <a:p>
             <a:fld id="{22B9AB01-BCCF-4582-BF39-8D8F034C96D4}" type="datetime1">
               <a:rPr lang="en-US" smtClean="0"/>
-              <a:t>5/30/2019</a:t>
+              <a:t>6/1/2019</a:t>
             </a:fld>
             <a:endParaRPr lang="en-US"/>
           </a:p>
@@ -3624,7 +3741,7 @@
           <a:p>
             <a:fld id="{22B9AB01-BCCF-4582-BF39-8D8F034C96D4}" type="datetime1">
               <a:rPr lang="en-US" smtClean="0"/>
-              <a:t>5/30/2019</a:t>
+              <a:t>6/1/2019</a:t>
             </a:fld>
             <a:endParaRPr lang="en-US"/>
           </a:p>
@@ -4155,7 +4272,7 @@
         </p:nvSpPr>
         <p:spPr>
           <a:xfrm>
-            <a:off x="267355" y="1125891"/>
+            <a:off x="841287" y="989703"/>
             <a:ext cx="7485168" cy="3817249"/>
           </a:xfrm>
         </p:spPr>
@@ -4613,15 +4730,25 @@
               <a:t> </a:t>
             </a:r>
             <a:r>
-              <a:rPr lang="en-US" sz="1900" b="1" err="1">
+              <a:rPr lang="en-US" sz="1900" b="1" smtClean="0">
                 <a:solidFill>
                   <a:schemeClr val="tx1"/>
                 </a:solidFill>
                 <a:latin typeface="Arial" panose="020B0604020202020204" pitchFamily="34" charset="0"/>
                 <a:cs typeface="Arial" panose="020B0604020202020204" pitchFamily="34" charset="0"/>
               </a:rPr>
-              <a:t>Ân</a:t>
-            </a:r>
+              <a:t>Ân     15071971</a:t>
+            </a:r>
+            <a:endParaRPr lang="en-US" sz="1900" b="1">
+              <a:solidFill>
+                <a:schemeClr val="tx1"/>
+              </a:solidFill>
+              <a:latin typeface="Arial" panose="020B0604020202020204" pitchFamily="34" charset="0"/>
+              <a:cs typeface="Arial" panose="020B0604020202020204" pitchFamily="34" charset="0"/>
+            </a:endParaRPr>
+          </a:p>
+          <a:p>
+            <a:pPr algn="l"/>
             <a:r>
               <a:rPr lang="en-US" sz="1900" b="1">
                 <a:solidFill>
@@ -4630,43 +4757,40 @@
                 <a:latin typeface="Arial" panose="020B0604020202020204" pitchFamily="34" charset="0"/>
                 <a:cs typeface="Arial" panose="020B0604020202020204" pitchFamily="34" charset="0"/>
               </a:rPr>
-              <a:t>	15071971</a:t>
-            </a:r>
-          </a:p>
-          <a:p>
-            <a:pPr algn="l"/>
-            <a:r>
-              <a:rPr lang="en-US" sz="1900" b="1">
+              <a:t>			</a:t>
+            </a:r>
+            <a:r>
+              <a:rPr lang="vi-VN" sz="1900" b="1">
                 <a:solidFill>
                   <a:schemeClr val="tx1"/>
                 </a:solidFill>
                 <a:latin typeface="Arial" panose="020B0604020202020204" pitchFamily="34" charset="0"/>
                 <a:cs typeface="Arial" panose="020B0604020202020204" pitchFamily="34" charset="0"/>
               </a:rPr>
-              <a:t>			</a:t>
-            </a:r>
-            <a:r>
-              <a:rPr lang="vi-VN" sz="1900" b="1">
+              <a:t>Nguyễn Việt </a:t>
+            </a:r>
+            <a:r>
+              <a:rPr lang="vi-VN" sz="1900" b="1" smtClean="0">
                 <a:solidFill>
                   <a:schemeClr val="tx1"/>
                 </a:solidFill>
                 <a:latin typeface="Arial" panose="020B0604020202020204" pitchFamily="34" charset="0"/>
                 <a:cs typeface="Arial" panose="020B0604020202020204" pitchFamily="34" charset="0"/>
               </a:rPr>
-              <a:t>Nguyễn Việt Hoàng	</a:t>
-            </a:r>
-            <a:r>
-              <a:rPr lang="en-US" sz="1900" b="1">
+              <a:t>Hoàng</a:t>
+            </a:r>
+            <a:r>
+              <a:rPr lang="en-US" sz="1900" b="1" smtClean="0">
                 <a:solidFill>
                   <a:schemeClr val="tx1"/>
                 </a:solidFill>
                 <a:latin typeface="Arial" panose="020B0604020202020204" pitchFamily="34" charset="0"/>
                 <a:cs typeface="Arial" panose="020B0604020202020204" pitchFamily="34" charset="0"/>
               </a:rPr>
-              <a:t> </a:t>
-            </a:r>
-            <a:r>
-              <a:rPr lang="vi-VN" sz="1900" b="1">
+              <a:t>        </a:t>
+            </a:r>
+            <a:r>
+              <a:rPr lang="vi-VN" sz="1900" b="1" smtClean="0">
                 <a:solidFill>
                   <a:schemeClr val="tx1"/>
                 </a:solidFill>
@@ -4675,6 +4799,13 @@
               </a:rPr>
               <a:t>15044411</a:t>
             </a:r>
+            <a:endParaRPr lang="vi-VN" sz="1900" b="1">
+              <a:solidFill>
+                <a:schemeClr val="tx1"/>
+              </a:solidFill>
+              <a:latin typeface="Arial" panose="020B0604020202020204" pitchFamily="34" charset="0"/>
+              <a:cs typeface="Arial" panose="020B0604020202020204" pitchFamily="34" charset="0"/>
+            </a:endParaRPr>
           </a:p>
           <a:p>
             <a:pPr algn="l"/>
@@ -4735,6 +4866,36 @@
           </a:p>
         </p:txBody>
       </p:sp>
+      <p:pic>
+        <p:nvPicPr>
+          <p:cNvPr id="2" name="Picture 1"/>
+          <p:cNvPicPr>
+            <a:picLocks noChangeAspect="1"/>
+          </p:cNvPicPr>
+          <p:nvPr/>
+        </p:nvPicPr>
+        <p:blipFill>
+          <a:blip r:embed="rId2" cstate="print">
+            <a:extLst>
+              <a:ext uri="{28A0092B-C50C-407E-A947-70E740481C1C}">
+                <a14:useLocalDpi xmlns:a14="http://schemas.microsoft.com/office/drawing/2010/main" val="0"/>
+              </a:ext>
+            </a:extLst>
+          </a:blip>
+          <a:stretch>
+            <a:fillRect/>
+          </a:stretch>
+        </p:blipFill>
+        <p:spPr>
+          <a:xfrm>
+            <a:off x="3648191" y="100328"/>
+            <a:ext cx="1579529" cy="889375"/>
+          </a:xfrm>
+          <a:prstGeom prst="rect">
+            <a:avLst/>
+          </a:prstGeom>
+        </p:spPr>
+      </p:pic>
     </p:spTree>
     <p:extLst>
       <p:ext uri="{BB962C8B-B14F-4D97-AF65-F5344CB8AC3E}">
@@ -4745,6 +4906,18 @@
   <p:clrMapOvr>
     <a:masterClrMapping/>
   </p:clrMapOvr>
+  <mc:AlternateContent xmlns:mc="http://schemas.openxmlformats.org/markup-compatibility/2006">
+    <mc:Choice xmlns:p14="http://schemas.microsoft.com/office/powerpoint/2010/main" Requires="p14">
+      <p:transition spd="med" p14:dur="700">
+        <p:fade/>
+      </p:transition>
+    </mc:Choice>
+    <mc:Fallback>
+      <p:transition spd="med">
+        <p:fade/>
+      </p:transition>
+    </mc:Fallback>
+  </mc:AlternateContent>
   <p:timing>
     <p:tnLst>
       <p:par>
@@ -4784,7 +4957,7 @@
         </p:nvSpPr>
         <p:spPr>
           <a:xfrm>
-            <a:off x="-1574800" y="-435428"/>
+            <a:off x="-1841599" y="-480634"/>
             <a:ext cx="8229600" cy="1200150"/>
           </a:xfrm>
         </p:spPr>
@@ -4844,7 +5017,7 @@
         </p:nvSpPr>
         <p:spPr>
           <a:xfrm>
-            <a:off x="211118" y="1016442"/>
+            <a:off x="211118" y="719516"/>
             <a:ext cx="6447501" cy="2910580"/>
           </a:xfrm>
         </p:spPr>
@@ -4863,8 +5036,19 @@
                 <a:latin typeface="Times New Roman" pitchFamily="18" charset="0"/>
                 <a:cs typeface="Times New Roman" pitchFamily="18" charset="0"/>
               </a:rPr>
-              <a:t>Một số màn hình chính:</a:t>
-            </a:r>
+              <a:t>Một số màn hình </a:t>
+            </a:r>
+            <a:r>
+              <a:rPr lang="en-US" sz="1900" smtClean="0">
+                <a:latin typeface="Times New Roman" pitchFamily="18" charset="0"/>
+                <a:cs typeface="Times New Roman" pitchFamily="18" charset="0"/>
+              </a:rPr>
+              <a:t>chức năng:</a:t>
+            </a:r>
+            <a:endParaRPr lang="en-US" sz="1900">
+              <a:latin typeface="Times New Roman" pitchFamily="18" charset="0"/>
+              <a:cs typeface="Times New Roman" pitchFamily="18" charset="0"/>
+            </a:endParaRPr>
           </a:p>
           <a:p>
             <a:pPr>
@@ -4913,7 +5097,7 @@
         </p:blipFill>
         <p:spPr>
           <a:xfrm>
-            <a:off x="6495886" y="1426381"/>
+            <a:off x="6388001" y="1426381"/>
             <a:ext cx="2717253" cy="1338634"/>
           </a:xfrm>
           <a:prstGeom prst="rect">
@@ -4935,7 +5119,7 @@
         </p:blipFill>
         <p:spPr>
           <a:xfrm>
-            <a:off x="6495886" y="2990680"/>
+            <a:off x="6388001" y="2966625"/>
             <a:ext cx="2717253" cy="1145892"/>
           </a:xfrm>
           <a:prstGeom prst="rect">
@@ -4957,7 +5141,7 @@
         </p:blipFill>
         <p:spPr>
           <a:xfrm>
-            <a:off x="211117" y="1429007"/>
+            <a:off x="211118" y="1420396"/>
             <a:ext cx="3521847" cy="1336008"/>
           </a:xfrm>
           <a:prstGeom prst="rect">
@@ -4987,8 +5171,8 @@
         </p:blipFill>
         <p:spPr>
           <a:xfrm>
-            <a:off x="3078432" y="298909"/>
-            <a:ext cx="3417455" cy="4844591"/>
+            <a:off x="3380223" y="711201"/>
+            <a:ext cx="3143087" cy="4432299"/>
           </a:xfrm>
           <a:prstGeom prst="rect">
             <a:avLst/>
@@ -5018,7 +5202,7 @@
         </p:blipFill>
         <p:spPr bwMode="auto">
           <a:xfrm>
-            <a:off x="0" y="3175737"/>
+            <a:off x="0" y="3160358"/>
             <a:ext cx="3447141" cy="1502570"/>
           </a:xfrm>
           <a:prstGeom prst="rect">
@@ -5069,10 +5253,229 @@
   <p:clrMapOvr>
     <a:masterClrMapping/>
   </p:clrMapOvr>
+  <p:transition spd="slow">
+    <p:cover/>
+  </p:transition>
   <p:timing>
     <p:tnLst>
       <p:par>
-        <p:cTn id="1" dur="indefinite" restart="never" nodeType="tmRoot"/>
+        <p:cTn id="1" dur="indefinite" restart="never" nodeType="tmRoot">
+          <p:childTnLst>
+            <p:seq concurrent="1" nextAc="seek">
+              <p:cTn id="2" dur="indefinite" nodeType="mainSeq">
+                <p:childTnLst>
+                  <p:par>
+                    <p:cTn id="3" fill="hold">
+                      <p:stCondLst>
+                        <p:cond delay="indefinite"/>
+                      </p:stCondLst>
+                      <p:childTnLst>
+                        <p:par>
+                          <p:cTn id="4" fill="hold">
+                            <p:stCondLst>
+                              <p:cond delay="0"/>
+                            </p:stCondLst>
+                            <p:childTnLst>
+                              <p:par>
+                                <p:cTn id="5" presetID="22" presetClass="entr" presetSubtype="4" fill="hold" nodeType="clickEffect">
+                                  <p:stCondLst>
+                                    <p:cond delay="0"/>
+                                  </p:stCondLst>
+                                  <p:childTnLst>
+                                    <p:set>
+                                      <p:cBhvr>
+                                        <p:cTn id="6" dur="1" fill="hold">
+                                          <p:stCondLst>
+                                            <p:cond delay="0"/>
+                                          </p:stCondLst>
+                                        </p:cTn>
+                                        <p:tgtEl>
+                                          <p:spTgt spid="7"/>
+                                        </p:tgtEl>
+                                        <p:attrNameLst>
+                                          <p:attrName>style.visibility</p:attrName>
+                                        </p:attrNameLst>
+                                      </p:cBhvr>
+                                      <p:to>
+                                        <p:strVal val="visible"/>
+                                      </p:to>
+                                    </p:set>
+                                    <p:animEffect transition="in" filter="wipe(down)">
+                                      <p:cBhvr>
+                                        <p:cTn id="7" dur="500"/>
+                                        <p:tgtEl>
+                                          <p:spTgt spid="7"/>
+                                        </p:tgtEl>
+                                      </p:cBhvr>
+                                    </p:animEffect>
+                                  </p:childTnLst>
+                                </p:cTn>
+                              </p:par>
+                              <p:par>
+                                <p:cTn id="8" presetID="22" presetClass="entr" presetSubtype="4" fill="hold" nodeType="withEffect">
+                                  <p:stCondLst>
+                                    <p:cond delay="0"/>
+                                  </p:stCondLst>
+                                  <p:childTnLst>
+                                    <p:set>
+                                      <p:cBhvr>
+                                        <p:cTn id="9" dur="1" fill="hold">
+                                          <p:stCondLst>
+                                            <p:cond delay="0"/>
+                                          </p:stCondLst>
+                                        </p:cTn>
+                                        <p:tgtEl>
+                                          <p:spTgt spid="9"/>
+                                        </p:tgtEl>
+                                        <p:attrNameLst>
+                                          <p:attrName>style.visibility</p:attrName>
+                                        </p:attrNameLst>
+                                      </p:cBhvr>
+                                      <p:to>
+                                        <p:strVal val="visible"/>
+                                      </p:to>
+                                    </p:set>
+                                    <p:animEffect transition="in" filter="wipe(down)">
+                                      <p:cBhvr>
+                                        <p:cTn id="10" dur="500"/>
+                                        <p:tgtEl>
+                                          <p:spTgt spid="9"/>
+                                        </p:tgtEl>
+                                      </p:cBhvr>
+                                    </p:animEffect>
+                                  </p:childTnLst>
+                                </p:cTn>
+                              </p:par>
+                              <p:par>
+                                <p:cTn id="11" presetID="22" presetClass="entr" presetSubtype="4" fill="hold" nodeType="withEffect">
+                                  <p:stCondLst>
+                                    <p:cond delay="0"/>
+                                  </p:stCondLst>
+                                  <p:childTnLst>
+                                    <p:set>
+                                      <p:cBhvr>
+                                        <p:cTn id="12" dur="1" fill="hold">
+                                          <p:stCondLst>
+                                            <p:cond delay="0"/>
+                                          </p:stCondLst>
+                                        </p:cTn>
+                                        <p:tgtEl>
+                                          <p:spTgt spid="8"/>
+                                        </p:tgtEl>
+                                        <p:attrNameLst>
+                                          <p:attrName>style.visibility</p:attrName>
+                                        </p:attrNameLst>
+                                      </p:cBhvr>
+                                      <p:to>
+                                        <p:strVal val="visible"/>
+                                      </p:to>
+                                    </p:set>
+                                    <p:animEffect transition="in" filter="wipe(down)">
+                                      <p:cBhvr>
+                                        <p:cTn id="13" dur="500"/>
+                                        <p:tgtEl>
+                                          <p:spTgt spid="8"/>
+                                        </p:tgtEl>
+                                      </p:cBhvr>
+                                    </p:animEffect>
+                                  </p:childTnLst>
+                                </p:cTn>
+                              </p:par>
+                              <p:par>
+                                <p:cTn id="14" presetID="22" presetClass="entr" presetSubtype="4" fill="hold" nodeType="withEffect">
+                                  <p:stCondLst>
+                                    <p:cond delay="0"/>
+                                  </p:stCondLst>
+                                  <p:childTnLst>
+                                    <p:set>
+                                      <p:cBhvr>
+                                        <p:cTn id="15" dur="1" fill="hold">
+                                          <p:stCondLst>
+                                            <p:cond delay="0"/>
+                                          </p:stCondLst>
+                                        </p:cTn>
+                                        <p:tgtEl>
+                                          <p:spTgt spid="5"/>
+                                        </p:tgtEl>
+                                        <p:attrNameLst>
+                                          <p:attrName>style.visibility</p:attrName>
+                                        </p:attrNameLst>
+                                      </p:cBhvr>
+                                      <p:to>
+                                        <p:strVal val="visible"/>
+                                      </p:to>
+                                    </p:set>
+                                    <p:animEffect transition="in" filter="wipe(down)">
+                                      <p:cBhvr>
+                                        <p:cTn id="16" dur="500"/>
+                                        <p:tgtEl>
+                                          <p:spTgt spid="5"/>
+                                        </p:tgtEl>
+                                      </p:cBhvr>
+                                    </p:animEffect>
+                                  </p:childTnLst>
+                                </p:cTn>
+                              </p:par>
+                              <p:par>
+                                <p:cTn id="17" presetID="22" presetClass="entr" presetSubtype="4" fill="hold" nodeType="withEffect">
+                                  <p:stCondLst>
+                                    <p:cond delay="0"/>
+                                  </p:stCondLst>
+                                  <p:childTnLst>
+                                    <p:set>
+                                      <p:cBhvr>
+                                        <p:cTn id="18" dur="1" fill="hold">
+                                          <p:stCondLst>
+                                            <p:cond delay="0"/>
+                                          </p:stCondLst>
+                                        </p:cTn>
+                                        <p:tgtEl>
+                                          <p:spTgt spid="6"/>
+                                        </p:tgtEl>
+                                        <p:attrNameLst>
+                                          <p:attrName>style.visibility</p:attrName>
+                                        </p:attrNameLst>
+                                      </p:cBhvr>
+                                      <p:to>
+                                        <p:strVal val="visible"/>
+                                      </p:to>
+                                    </p:set>
+                                    <p:animEffect transition="in" filter="wipe(down)">
+                                      <p:cBhvr>
+                                        <p:cTn id="19" dur="500"/>
+                                        <p:tgtEl>
+                                          <p:spTgt spid="6"/>
+                                        </p:tgtEl>
+                                      </p:cBhvr>
+                                    </p:animEffect>
+                                  </p:childTnLst>
+                                </p:cTn>
+                              </p:par>
+                            </p:childTnLst>
+                          </p:cTn>
+                        </p:par>
+                      </p:childTnLst>
+                    </p:cTn>
+                  </p:par>
+                </p:childTnLst>
+              </p:cTn>
+              <p:prevCondLst>
+                <p:cond evt="onPrev" delay="0">
+                  <p:tgtEl>
+                    <p:sldTgt/>
+                  </p:tgtEl>
+                </p:cond>
+              </p:prevCondLst>
+              <p:nextCondLst>
+                <p:cond evt="onNext" delay="0">
+                  <p:tgtEl>
+                    <p:sldTgt/>
+                  </p:tgtEl>
+                </p:cond>
+              </p:nextCondLst>
+            </p:seq>
+          </p:childTnLst>
+        </p:cTn>
       </p:par>
     </p:tnLst>
   </p:timing>
@@ -5140,8 +5543,8 @@
         </p:nvSpPr>
         <p:spPr>
           <a:xfrm>
-            <a:off x="234779" y="630524"/>
-            <a:ext cx="8790468" cy="4224505"/>
+            <a:off x="6739" y="526269"/>
+            <a:ext cx="9087021" cy="4224505"/>
           </a:xfrm>
         </p:spPr>
         <p:txBody>
@@ -5166,36 +5569,54 @@
                 <a:latin typeface="Times New Roman" pitchFamily="18" charset="0"/>
                 <a:cs typeface="Times New Roman" pitchFamily="18" charset="0"/>
               </a:rPr>
-              <a:t>đã </a:t>
+              <a:t>đã tìm </a:t>
+            </a:r>
+            <a:r>
+              <a:rPr lang="en-US" sz="1900">
+                <a:latin typeface="Times New Roman" pitchFamily="18" charset="0"/>
+                <a:cs typeface="Times New Roman" pitchFamily="18" charset="0"/>
+              </a:rPr>
+              <a:t>hiểu và tự học hỏi một số kỹ năng như: phương pháp lấy yêu cầu từ khách hàng, phân bố thời gian công việc phù hợp, </a:t>
             </a:r>
             <a:r>
               <a:rPr lang="en-US" sz="1900" smtClean="0">
                 <a:latin typeface="Times New Roman" pitchFamily="18" charset="0"/>
                 <a:cs typeface="Times New Roman" pitchFamily="18" charset="0"/>
               </a:rPr>
-              <a:t>tìm </a:t>
+              <a:t>báo </a:t>
             </a:r>
             <a:r>
               <a:rPr lang="en-US" sz="1900">
                 <a:latin typeface="Times New Roman" pitchFamily="18" charset="0"/>
                 <a:cs typeface="Times New Roman" pitchFamily="18" charset="0"/>
               </a:rPr>
-              <a:t>hiểu và tự học hỏi một số kỹ năng như: phương pháp lấy yêu cầu từ khách hàng, phân bố thời gian công việc phù hợp, </a:t>
+              <a:t>cáo công việc làm được hàng ngày, giải quyết tình huống khi gặp vấn đề. Ngoài ra nhóm còn áp dụng được quy tắc khi lập trình trong dự án, quy trình </a:t>
             </a:r>
             <a:r>
               <a:rPr lang="en-US" sz="1900" smtClean="0">
                 <a:latin typeface="Times New Roman" pitchFamily="18" charset="0"/>
                 <a:cs typeface="Times New Roman" pitchFamily="18" charset="0"/>
               </a:rPr>
-              <a:t>báo </a:t>
+              <a:t>triển khai </a:t>
             </a:r>
             <a:r>
               <a:rPr lang="en-US" sz="1900">
                 <a:latin typeface="Times New Roman" pitchFamily="18" charset="0"/>
                 <a:cs typeface="Times New Roman" pitchFamily="18" charset="0"/>
               </a:rPr>
-              <a:t>cáo công việc làm được hàng ngày, giải quyết tình huống khi gặp vấn đề. Ngoài ra nhóm còn áp dụng được quy tắc khi lập trình trong dự án, quy trình deploy sản phẩm lên máy chủ.  </a:t>
-            </a:r>
+              <a:t>sản phẩm lên máy chủ</a:t>
+            </a:r>
+            <a:r>
+              <a:rPr lang="en-US" sz="1900" smtClean="0">
+                <a:latin typeface="Times New Roman" pitchFamily="18" charset="0"/>
+                <a:cs typeface="Times New Roman" pitchFamily="18" charset="0"/>
+              </a:rPr>
+              <a:t>.</a:t>
+            </a:r>
+            <a:endParaRPr lang="en-US" sz="1900">
+              <a:latin typeface="Times New Roman" pitchFamily="18" charset="0"/>
+              <a:cs typeface="Times New Roman" pitchFamily="18" charset="0"/>
+            </a:endParaRPr>
           </a:p>
           <a:p>
             <a:pPr>
@@ -5305,10 +5726,366 @@
   <p:clrMapOvr>
     <a:masterClrMapping/>
   </p:clrMapOvr>
+  <p:transition spd="slow">
+    <p:cover/>
+  </p:transition>
   <p:timing>
     <p:tnLst>
       <p:par>
-        <p:cTn id="1" dur="indefinite" restart="never" nodeType="tmRoot"/>
+        <p:cTn id="1" dur="indefinite" restart="never" nodeType="tmRoot">
+          <p:childTnLst>
+            <p:seq concurrent="1" nextAc="seek">
+              <p:cTn id="2" dur="indefinite" nodeType="mainSeq">
+                <p:childTnLst>
+                  <p:par>
+                    <p:cTn id="3" fill="hold">
+                      <p:stCondLst>
+                        <p:cond delay="indefinite"/>
+                      </p:stCondLst>
+                      <p:childTnLst>
+                        <p:par>
+                          <p:cTn id="4" fill="hold">
+                            <p:stCondLst>
+                              <p:cond delay="0"/>
+                            </p:stCondLst>
+                            <p:childTnLst>
+                              <p:par>
+                                <p:cTn id="5" presetID="22" presetClass="entr" presetSubtype="4" fill="hold" nodeType="clickEffect">
+                                  <p:stCondLst>
+                                    <p:cond delay="0"/>
+                                  </p:stCondLst>
+                                  <p:childTnLst>
+                                    <p:set>
+                                      <p:cBhvr>
+                                        <p:cTn id="6" dur="1" fill="hold">
+                                          <p:stCondLst>
+                                            <p:cond delay="0"/>
+                                          </p:stCondLst>
+                                        </p:cTn>
+                                        <p:tgtEl>
+                                          <p:spTgt spid="3">
+                                            <p:txEl>
+                                              <p:pRg st="0" end="0"/>
+                                            </p:txEl>
+                                          </p:spTgt>
+                                        </p:tgtEl>
+                                        <p:attrNameLst>
+                                          <p:attrName>style.visibility</p:attrName>
+                                        </p:attrNameLst>
+                                      </p:cBhvr>
+                                      <p:to>
+                                        <p:strVal val="visible"/>
+                                      </p:to>
+                                    </p:set>
+                                    <p:animEffect transition="in" filter="wipe(down)">
+                                      <p:cBhvr>
+                                        <p:cTn id="7" dur="500"/>
+                                        <p:tgtEl>
+                                          <p:spTgt spid="3">
+                                            <p:txEl>
+                                              <p:pRg st="0" end="0"/>
+                                            </p:txEl>
+                                          </p:spTgt>
+                                        </p:tgtEl>
+                                      </p:cBhvr>
+                                    </p:animEffect>
+                                  </p:childTnLst>
+                                </p:cTn>
+                              </p:par>
+                            </p:childTnLst>
+                          </p:cTn>
+                        </p:par>
+                      </p:childTnLst>
+                    </p:cTn>
+                  </p:par>
+                  <p:par>
+                    <p:cTn id="8" fill="hold">
+                      <p:stCondLst>
+                        <p:cond delay="indefinite"/>
+                      </p:stCondLst>
+                      <p:childTnLst>
+                        <p:par>
+                          <p:cTn id="9" fill="hold">
+                            <p:stCondLst>
+                              <p:cond delay="0"/>
+                            </p:stCondLst>
+                            <p:childTnLst>
+                              <p:par>
+                                <p:cTn id="10" presetID="22" presetClass="entr" presetSubtype="4" fill="hold" nodeType="clickEffect">
+                                  <p:stCondLst>
+                                    <p:cond delay="0"/>
+                                  </p:stCondLst>
+                                  <p:childTnLst>
+                                    <p:set>
+                                      <p:cBhvr>
+                                        <p:cTn id="11" dur="1" fill="hold">
+                                          <p:stCondLst>
+                                            <p:cond delay="0"/>
+                                          </p:stCondLst>
+                                        </p:cTn>
+                                        <p:tgtEl>
+                                          <p:spTgt spid="3">
+                                            <p:txEl>
+                                              <p:pRg st="1" end="1"/>
+                                            </p:txEl>
+                                          </p:spTgt>
+                                        </p:tgtEl>
+                                        <p:attrNameLst>
+                                          <p:attrName>style.visibility</p:attrName>
+                                        </p:attrNameLst>
+                                      </p:cBhvr>
+                                      <p:to>
+                                        <p:strVal val="visible"/>
+                                      </p:to>
+                                    </p:set>
+                                    <p:animEffect transition="in" filter="wipe(down)">
+                                      <p:cBhvr>
+                                        <p:cTn id="12" dur="500"/>
+                                        <p:tgtEl>
+                                          <p:spTgt spid="3">
+                                            <p:txEl>
+                                              <p:pRg st="1" end="1"/>
+                                            </p:txEl>
+                                          </p:spTgt>
+                                        </p:tgtEl>
+                                      </p:cBhvr>
+                                    </p:animEffect>
+                                  </p:childTnLst>
+                                </p:cTn>
+                              </p:par>
+                            </p:childTnLst>
+                          </p:cTn>
+                        </p:par>
+                      </p:childTnLst>
+                    </p:cTn>
+                  </p:par>
+                  <p:par>
+                    <p:cTn id="13" fill="hold">
+                      <p:stCondLst>
+                        <p:cond delay="indefinite"/>
+                      </p:stCondLst>
+                      <p:childTnLst>
+                        <p:par>
+                          <p:cTn id="14" fill="hold">
+                            <p:stCondLst>
+                              <p:cond delay="0"/>
+                            </p:stCondLst>
+                            <p:childTnLst>
+                              <p:par>
+                                <p:cTn id="15" presetID="22" presetClass="entr" presetSubtype="4" fill="hold" nodeType="clickEffect">
+                                  <p:stCondLst>
+                                    <p:cond delay="0"/>
+                                  </p:stCondLst>
+                                  <p:childTnLst>
+                                    <p:set>
+                                      <p:cBhvr>
+                                        <p:cTn id="16" dur="1" fill="hold">
+                                          <p:stCondLst>
+                                            <p:cond delay="0"/>
+                                          </p:stCondLst>
+                                        </p:cTn>
+                                        <p:tgtEl>
+                                          <p:spTgt spid="3">
+                                            <p:txEl>
+                                              <p:pRg st="2" end="2"/>
+                                            </p:txEl>
+                                          </p:spTgt>
+                                        </p:tgtEl>
+                                        <p:attrNameLst>
+                                          <p:attrName>style.visibility</p:attrName>
+                                        </p:attrNameLst>
+                                      </p:cBhvr>
+                                      <p:to>
+                                        <p:strVal val="visible"/>
+                                      </p:to>
+                                    </p:set>
+                                    <p:animEffect transition="in" filter="wipe(down)">
+                                      <p:cBhvr>
+                                        <p:cTn id="17" dur="500"/>
+                                        <p:tgtEl>
+                                          <p:spTgt spid="3">
+                                            <p:txEl>
+                                              <p:pRg st="2" end="2"/>
+                                            </p:txEl>
+                                          </p:spTgt>
+                                        </p:tgtEl>
+                                      </p:cBhvr>
+                                    </p:animEffect>
+                                  </p:childTnLst>
+                                </p:cTn>
+                              </p:par>
+                              <p:par>
+                                <p:cTn id="18" presetID="22" presetClass="entr" presetSubtype="4" fill="hold" nodeType="withEffect">
+                                  <p:stCondLst>
+                                    <p:cond delay="0"/>
+                                  </p:stCondLst>
+                                  <p:childTnLst>
+                                    <p:set>
+                                      <p:cBhvr>
+                                        <p:cTn id="19" dur="1" fill="hold">
+                                          <p:stCondLst>
+                                            <p:cond delay="0"/>
+                                          </p:stCondLst>
+                                        </p:cTn>
+                                        <p:tgtEl>
+                                          <p:spTgt spid="3">
+                                            <p:txEl>
+                                              <p:pRg st="3" end="3"/>
+                                            </p:txEl>
+                                          </p:spTgt>
+                                        </p:tgtEl>
+                                        <p:attrNameLst>
+                                          <p:attrName>style.visibility</p:attrName>
+                                        </p:attrNameLst>
+                                      </p:cBhvr>
+                                      <p:to>
+                                        <p:strVal val="visible"/>
+                                      </p:to>
+                                    </p:set>
+                                    <p:animEffect transition="in" filter="wipe(down)">
+                                      <p:cBhvr>
+                                        <p:cTn id="20" dur="500"/>
+                                        <p:tgtEl>
+                                          <p:spTgt spid="3">
+                                            <p:txEl>
+                                              <p:pRg st="3" end="3"/>
+                                            </p:txEl>
+                                          </p:spTgt>
+                                        </p:tgtEl>
+                                      </p:cBhvr>
+                                    </p:animEffect>
+                                  </p:childTnLst>
+                                </p:cTn>
+                              </p:par>
+                              <p:par>
+                                <p:cTn id="21" presetID="22" presetClass="entr" presetSubtype="4" fill="hold" nodeType="withEffect">
+                                  <p:stCondLst>
+                                    <p:cond delay="0"/>
+                                  </p:stCondLst>
+                                  <p:childTnLst>
+                                    <p:set>
+                                      <p:cBhvr>
+                                        <p:cTn id="22" dur="1" fill="hold">
+                                          <p:stCondLst>
+                                            <p:cond delay="0"/>
+                                          </p:stCondLst>
+                                        </p:cTn>
+                                        <p:tgtEl>
+                                          <p:spTgt spid="3">
+                                            <p:txEl>
+                                              <p:pRg st="4" end="4"/>
+                                            </p:txEl>
+                                          </p:spTgt>
+                                        </p:tgtEl>
+                                        <p:attrNameLst>
+                                          <p:attrName>style.visibility</p:attrName>
+                                        </p:attrNameLst>
+                                      </p:cBhvr>
+                                      <p:to>
+                                        <p:strVal val="visible"/>
+                                      </p:to>
+                                    </p:set>
+                                    <p:animEffect transition="in" filter="wipe(down)">
+                                      <p:cBhvr>
+                                        <p:cTn id="23" dur="500"/>
+                                        <p:tgtEl>
+                                          <p:spTgt spid="3">
+                                            <p:txEl>
+                                              <p:pRg st="4" end="4"/>
+                                            </p:txEl>
+                                          </p:spTgt>
+                                        </p:tgtEl>
+                                      </p:cBhvr>
+                                    </p:animEffect>
+                                  </p:childTnLst>
+                                </p:cTn>
+                              </p:par>
+                            </p:childTnLst>
+                          </p:cTn>
+                        </p:par>
+                      </p:childTnLst>
+                    </p:cTn>
+                  </p:par>
+                  <p:par>
+                    <p:cTn id="24" fill="hold">
+                      <p:stCondLst>
+                        <p:cond delay="indefinite"/>
+                      </p:stCondLst>
+                      <p:childTnLst>
+                        <p:par>
+                          <p:cTn id="25" fill="hold">
+                            <p:stCondLst>
+                              <p:cond delay="0"/>
+                            </p:stCondLst>
+                            <p:childTnLst>
+                              <p:par>
+                                <p:cTn id="26" presetID="22" presetClass="entr" presetSubtype="4" fill="hold" nodeType="clickEffect">
+                                  <p:stCondLst>
+                                    <p:cond delay="0"/>
+                                  </p:stCondLst>
+                                  <p:childTnLst>
+                                    <p:set>
+                                      <p:cBhvr>
+                                        <p:cTn id="27" dur="1" fill="hold">
+                                          <p:stCondLst>
+                                            <p:cond delay="0"/>
+                                          </p:stCondLst>
+                                        </p:cTn>
+                                        <p:tgtEl>
+                                          <p:spTgt spid="3">
+                                            <p:txEl>
+                                              <p:pRg st="5" end="5"/>
+                                            </p:txEl>
+                                          </p:spTgt>
+                                        </p:tgtEl>
+                                        <p:attrNameLst>
+                                          <p:attrName>style.visibility</p:attrName>
+                                        </p:attrNameLst>
+                                      </p:cBhvr>
+                                      <p:to>
+                                        <p:strVal val="visible"/>
+                                      </p:to>
+                                    </p:set>
+                                    <p:animEffect transition="in" filter="wipe(down)">
+                                      <p:cBhvr>
+                                        <p:cTn id="28" dur="500"/>
+                                        <p:tgtEl>
+                                          <p:spTgt spid="3">
+                                            <p:txEl>
+                                              <p:pRg st="5" end="5"/>
+                                            </p:txEl>
+                                          </p:spTgt>
+                                        </p:tgtEl>
+                                      </p:cBhvr>
+                                    </p:animEffect>
+                                  </p:childTnLst>
+                                </p:cTn>
+                              </p:par>
+                            </p:childTnLst>
+                          </p:cTn>
+                        </p:par>
+                      </p:childTnLst>
+                    </p:cTn>
+                  </p:par>
+                </p:childTnLst>
+              </p:cTn>
+              <p:prevCondLst>
+                <p:cond evt="onPrev" delay="0">
+                  <p:tgtEl>
+                    <p:sldTgt/>
+                  </p:tgtEl>
+                </p:cond>
+              </p:prevCondLst>
+              <p:nextCondLst>
+                <p:cond evt="onNext" delay="0">
+                  <p:tgtEl>
+                    <p:sldTgt/>
+                  </p:tgtEl>
+                </p:cond>
+              </p:nextCondLst>
+            </p:seq>
+          </p:childTnLst>
+        </p:cTn>
       </p:par>
     </p:tnLst>
   </p:timing>
@@ -5376,7 +6153,7 @@
         </p:nvSpPr>
         <p:spPr>
           <a:xfrm>
-            <a:off x="452785" y="701960"/>
+            <a:off x="83134" y="669472"/>
             <a:ext cx="8271085" cy="4053737"/>
           </a:xfrm>
         </p:spPr>
@@ -5408,14 +6185,7 @@
                 <a:latin typeface="Times New Roman" pitchFamily="18" charset="0"/>
                 <a:cs typeface="Times New Roman" pitchFamily="18" charset="0"/>
               </a:rPr>
-              <a:t>Giải quyết vấn </a:t>
-            </a:r>
-            <a:r>
-              <a:rPr lang="en-US" sz="1900">
-                <a:latin typeface="Times New Roman" pitchFamily="18" charset="0"/>
-                <a:cs typeface="Times New Roman" pitchFamily="18" charset="0"/>
-              </a:rPr>
-              <a:t>đề </a:t>
+              <a:t>Giải quyết vấn đề </a:t>
             </a:r>
             <a:r>
               <a:rPr lang="en-US" sz="1900" smtClean="0">
@@ -5490,21 +6260,7 @@
                 <a:latin typeface="Times New Roman" pitchFamily="18" charset="0"/>
                 <a:cs typeface="Times New Roman" pitchFamily="18" charset="0"/>
               </a:rPr>
-              <a:t>lý nguồn nhân lực </a:t>
-            </a:r>
-            <a:r>
-              <a:rPr lang="en-US" sz="1900">
-                <a:latin typeface="Times New Roman" pitchFamily="18" charset="0"/>
-                <a:cs typeface="Times New Roman" pitchFamily="18" charset="0"/>
-              </a:rPr>
-              <a:t>với các kỹ năng hiệu quả</a:t>
-            </a:r>
-            <a:r>
-              <a:rPr lang="en-US" sz="1900">
-                <a:latin typeface="Times New Roman" pitchFamily="18" charset="0"/>
-                <a:cs typeface="Times New Roman" pitchFamily="18" charset="0"/>
-              </a:rPr>
-              <a:t> </a:t>
+              <a:t>lý nguồn nhân lực với các kỹ năng hiệu quả </a:t>
             </a:r>
             <a:r>
               <a:rPr lang="en-US" sz="1900" smtClean="0">
@@ -5524,42 +6280,7 @@
                 <a:latin typeface="Times New Roman" pitchFamily="18" charset="0"/>
                 <a:cs typeface="Times New Roman" pitchFamily="18" charset="0"/>
               </a:rPr>
-              <a:t>Tuy nhiên, để làm quen với hệ thống, nhân </a:t>
-            </a:r>
-            <a:r>
-              <a:rPr lang="en-US" sz="1900" smtClean="0">
-                <a:latin typeface="Times New Roman" pitchFamily="18" charset="0"/>
-                <a:cs typeface="Times New Roman" pitchFamily="18" charset="0"/>
-              </a:rPr>
-              <a:t>viên nhân sự </a:t>
-            </a:r>
-            <a:r>
-              <a:rPr lang="en-US" sz="1900" smtClean="0">
-                <a:latin typeface="Times New Roman" pitchFamily="18" charset="0"/>
-                <a:cs typeface="Times New Roman" pitchFamily="18" charset="0"/>
-              </a:rPr>
-              <a:t>cần tốn thời </a:t>
-            </a:r>
-            <a:r>
-              <a:rPr lang="en-US" sz="1900" smtClean="0">
-                <a:latin typeface="Times New Roman" pitchFamily="18" charset="0"/>
-                <a:cs typeface="Times New Roman" pitchFamily="18" charset="0"/>
-              </a:rPr>
-              <a:t>gian </a:t>
-            </a:r>
-            <a:r>
-              <a:rPr lang="en-US" sz="1900" smtClean="0">
-                <a:latin typeface="Times New Roman" pitchFamily="18" charset="0"/>
-                <a:cs typeface="Times New Roman" pitchFamily="18" charset="0"/>
-              </a:rPr>
-              <a:t>tìm hiểu và sử dụng hệ </a:t>
-            </a:r>
-            <a:r>
-              <a:rPr lang="en-US" sz="1900" smtClean="0">
-                <a:latin typeface="Times New Roman" pitchFamily="18" charset="0"/>
-                <a:cs typeface="Times New Roman" pitchFamily="18" charset="0"/>
-              </a:rPr>
-              <a:t>thống.</a:t>
+              <a:t>Tuy nhiên, để làm quen với hệ thống, nhân viên nhân sự cần tốn thời gian tìm hiểu và sử dụng hệ thống.</a:t>
             </a:r>
           </a:p>
         </p:txBody>
@@ -5598,10 +6319,280 @@
   <p:clrMapOvr>
     <a:masterClrMapping/>
   </p:clrMapOvr>
+  <p:transition spd="slow">
+    <p:cover/>
+  </p:transition>
   <p:timing>
     <p:tnLst>
       <p:par>
-        <p:cTn id="1" dur="indefinite" restart="never" nodeType="tmRoot"/>
+        <p:cTn id="1" dur="indefinite" restart="never" nodeType="tmRoot">
+          <p:childTnLst>
+            <p:seq concurrent="1" nextAc="seek">
+              <p:cTn id="2" dur="indefinite" nodeType="mainSeq">
+                <p:childTnLst>
+                  <p:par>
+                    <p:cTn id="3" fill="hold">
+                      <p:stCondLst>
+                        <p:cond delay="indefinite"/>
+                      </p:stCondLst>
+                      <p:childTnLst>
+                        <p:par>
+                          <p:cTn id="4" fill="hold">
+                            <p:stCondLst>
+                              <p:cond delay="0"/>
+                            </p:stCondLst>
+                            <p:childTnLst>
+                              <p:par>
+                                <p:cTn id="5" presetID="22" presetClass="entr" presetSubtype="4" fill="hold" nodeType="clickEffect">
+                                  <p:stCondLst>
+                                    <p:cond delay="0"/>
+                                  </p:stCondLst>
+                                  <p:childTnLst>
+                                    <p:set>
+                                      <p:cBhvr>
+                                        <p:cTn id="6" dur="1" fill="hold">
+                                          <p:stCondLst>
+                                            <p:cond delay="0"/>
+                                          </p:stCondLst>
+                                        </p:cTn>
+                                        <p:tgtEl>
+                                          <p:spTgt spid="3">
+                                            <p:txEl>
+                                              <p:pRg st="1" end="1"/>
+                                            </p:txEl>
+                                          </p:spTgt>
+                                        </p:tgtEl>
+                                        <p:attrNameLst>
+                                          <p:attrName>style.visibility</p:attrName>
+                                        </p:attrNameLst>
+                                      </p:cBhvr>
+                                      <p:to>
+                                        <p:strVal val="visible"/>
+                                      </p:to>
+                                    </p:set>
+                                    <p:animEffect transition="in" filter="wipe(down)">
+                                      <p:cBhvr>
+                                        <p:cTn id="7" dur="500"/>
+                                        <p:tgtEl>
+                                          <p:spTgt spid="3">
+                                            <p:txEl>
+                                              <p:pRg st="1" end="1"/>
+                                            </p:txEl>
+                                          </p:spTgt>
+                                        </p:tgtEl>
+                                      </p:cBhvr>
+                                    </p:animEffect>
+                                  </p:childTnLst>
+                                </p:cTn>
+                              </p:par>
+                            </p:childTnLst>
+                          </p:cTn>
+                        </p:par>
+                      </p:childTnLst>
+                    </p:cTn>
+                  </p:par>
+                  <p:par>
+                    <p:cTn id="8" fill="hold">
+                      <p:stCondLst>
+                        <p:cond delay="indefinite"/>
+                      </p:stCondLst>
+                      <p:childTnLst>
+                        <p:par>
+                          <p:cTn id="9" fill="hold">
+                            <p:stCondLst>
+                              <p:cond delay="0"/>
+                            </p:stCondLst>
+                            <p:childTnLst>
+                              <p:par>
+                                <p:cTn id="10" presetID="22" presetClass="entr" presetSubtype="4" fill="hold" nodeType="clickEffect">
+                                  <p:stCondLst>
+                                    <p:cond delay="0"/>
+                                  </p:stCondLst>
+                                  <p:childTnLst>
+                                    <p:set>
+                                      <p:cBhvr>
+                                        <p:cTn id="11" dur="1" fill="hold">
+                                          <p:stCondLst>
+                                            <p:cond delay="0"/>
+                                          </p:stCondLst>
+                                        </p:cTn>
+                                        <p:tgtEl>
+                                          <p:spTgt spid="3">
+                                            <p:txEl>
+                                              <p:pRg st="2" end="2"/>
+                                            </p:txEl>
+                                          </p:spTgt>
+                                        </p:tgtEl>
+                                        <p:attrNameLst>
+                                          <p:attrName>style.visibility</p:attrName>
+                                        </p:attrNameLst>
+                                      </p:cBhvr>
+                                      <p:to>
+                                        <p:strVal val="visible"/>
+                                      </p:to>
+                                    </p:set>
+                                    <p:animEffect transition="in" filter="wipe(down)">
+                                      <p:cBhvr>
+                                        <p:cTn id="12" dur="500"/>
+                                        <p:tgtEl>
+                                          <p:spTgt spid="3">
+                                            <p:txEl>
+                                              <p:pRg st="2" end="2"/>
+                                            </p:txEl>
+                                          </p:spTgt>
+                                        </p:tgtEl>
+                                      </p:cBhvr>
+                                    </p:animEffect>
+                                  </p:childTnLst>
+                                </p:cTn>
+                              </p:par>
+                            </p:childTnLst>
+                          </p:cTn>
+                        </p:par>
+                      </p:childTnLst>
+                    </p:cTn>
+                  </p:par>
+                  <p:par>
+                    <p:cTn id="13" fill="hold">
+                      <p:stCondLst>
+                        <p:cond delay="indefinite"/>
+                      </p:stCondLst>
+                      <p:childTnLst>
+                        <p:par>
+                          <p:cTn id="14" fill="hold">
+                            <p:stCondLst>
+                              <p:cond delay="0"/>
+                            </p:stCondLst>
+                            <p:childTnLst>
+                              <p:par>
+                                <p:cTn id="15" presetID="22" presetClass="entr" presetSubtype="4" fill="hold" nodeType="clickEffect">
+                                  <p:stCondLst>
+                                    <p:cond delay="0"/>
+                                  </p:stCondLst>
+                                  <p:childTnLst>
+                                    <p:set>
+                                      <p:cBhvr>
+                                        <p:cTn id="16" dur="1" fill="hold">
+                                          <p:stCondLst>
+                                            <p:cond delay="0"/>
+                                          </p:stCondLst>
+                                        </p:cTn>
+                                        <p:tgtEl>
+                                          <p:spTgt spid="3">
+                                            <p:txEl>
+                                              <p:pRg st="3" end="3"/>
+                                            </p:txEl>
+                                          </p:spTgt>
+                                        </p:tgtEl>
+                                        <p:attrNameLst>
+                                          <p:attrName>style.visibility</p:attrName>
+                                        </p:attrNameLst>
+                                      </p:cBhvr>
+                                      <p:to>
+                                        <p:strVal val="visible"/>
+                                      </p:to>
+                                    </p:set>
+                                    <p:animEffect transition="in" filter="wipe(down)">
+                                      <p:cBhvr>
+                                        <p:cTn id="17" dur="500"/>
+                                        <p:tgtEl>
+                                          <p:spTgt spid="3">
+                                            <p:txEl>
+                                              <p:pRg st="3" end="3"/>
+                                            </p:txEl>
+                                          </p:spTgt>
+                                        </p:tgtEl>
+                                      </p:cBhvr>
+                                    </p:animEffect>
+                                  </p:childTnLst>
+                                </p:cTn>
+                              </p:par>
+                            </p:childTnLst>
+                          </p:cTn>
+                        </p:par>
+                      </p:childTnLst>
+                    </p:cTn>
+                  </p:par>
+                  <p:par>
+                    <p:cTn id="18" fill="hold">
+                      <p:stCondLst>
+                        <p:cond delay="indefinite"/>
+                      </p:stCondLst>
+                      <p:childTnLst>
+                        <p:par>
+                          <p:cTn id="19" fill="hold">
+                            <p:stCondLst>
+                              <p:cond delay="0"/>
+                            </p:stCondLst>
+                            <p:childTnLst>
+                              <p:par>
+                                <p:cTn id="20" presetID="22" presetClass="entr" presetSubtype="4" fill="hold" nodeType="clickEffect">
+                                  <p:stCondLst>
+                                    <p:cond delay="0"/>
+                                  </p:stCondLst>
+                                  <p:childTnLst>
+                                    <p:set>
+                                      <p:cBhvr>
+                                        <p:cTn id="21" dur="1" fill="hold">
+                                          <p:stCondLst>
+                                            <p:cond delay="0"/>
+                                          </p:stCondLst>
+                                        </p:cTn>
+                                        <p:tgtEl>
+                                          <p:spTgt spid="3">
+                                            <p:txEl>
+                                              <p:pRg st="4" end="4"/>
+                                            </p:txEl>
+                                          </p:spTgt>
+                                        </p:tgtEl>
+                                        <p:attrNameLst>
+                                          <p:attrName>style.visibility</p:attrName>
+                                        </p:attrNameLst>
+                                      </p:cBhvr>
+                                      <p:to>
+                                        <p:strVal val="visible"/>
+                                      </p:to>
+                                    </p:set>
+                                    <p:animEffect transition="in" filter="wipe(down)">
+                                      <p:cBhvr>
+                                        <p:cTn id="22" dur="500"/>
+                                        <p:tgtEl>
+                                          <p:spTgt spid="3">
+                                            <p:txEl>
+                                              <p:pRg st="4" end="4"/>
+                                            </p:txEl>
+                                          </p:spTgt>
+                                        </p:tgtEl>
+                                      </p:cBhvr>
+                                    </p:animEffect>
+                                  </p:childTnLst>
+                                </p:cTn>
+                              </p:par>
+                            </p:childTnLst>
+                          </p:cTn>
+                        </p:par>
+                      </p:childTnLst>
+                    </p:cTn>
+                  </p:par>
+                </p:childTnLst>
+              </p:cTn>
+              <p:prevCondLst>
+                <p:cond evt="onPrev" delay="0">
+                  <p:tgtEl>
+                    <p:sldTgt/>
+                  </p:tgtEl>
+                </p:cond>
+              </p:prevCondLst>
+              <p:nextCondLst>
+                <p:cond evt="onNext" delay="0">
+                  <p:tgtEl>
+                    <p:sldTgt/>
+                  </p:tgtEl>
+                </p:cond>
+              </p:nextCondLst>
+            </p:seq>
+          </p:childTnLst>
+        </p:cTn>
       </p:par>
     </p:tnLst>
   </p:timing>
@@ -5817,10 +6808,341 @@
   <p:clrMapOvr>
     <a:masterClrMapping/>
   </p:clrMapOvr>
+  <p:transition spd="slow">
+    <p:cover/>
+  </p:transition>
   <p:timing>
     <p:tnLst>
       <p:par>
-        <p:cTn id="1" dur="indefinite" restart="never" nodeType="tmRoot"/>
+        <p:cTn id="1" dur="indefinite" restart="never" nodeType="tmRoot">
+          <p:childTnLst>
+            <p:seq concurrent="1" nextAc="seek">
+              <p:cTn id="2" dur="indefinite" nodeType="mainSeq">
+                <p:childTnLst>
+                  <p:par>
+                    <p:cTn id="3" fill="hold">
+                      <p:stCondLst>
+                        <p:cond delay="indefinite"/>
+                      </p:stCondLst>
+                      <p:childTnLst>
+                        <p:par>
+                          <p:cTn id="4" fill="hold">
+                            <p:stCondLst>
+                              <p:cond delay="0"/>
+                            </p:stCondLst>
+                            <p:childTnLst>
+                              <p:par>
+                                <p:cTn id="5" presetID="22" presetClass="entr" presetSubtype="4" fill="hold" nodeType="clickEffect">
+                                  <p:stCondLst>
+                                    <p:cond delay="0"/>
+                                  </p:stCondLst>
+                                  <p:childTnLst>
+                                    <p:set>
+                                      <p:cBhvr>
+                                        <p:cTn id="6" dur="1" fill="hold">
+                                          <p:stCondLst>
+                                            <p:cond delay="0"/>
+                                          </p:stCondLst>
+                                        </p:cTn>
+                                        <p:tgtEl>
+                                          <p:spTgt spid="3">
+                                            <p:txEl>
+                                              <p:pRg st="1" end="1"/>
+                                            </p:txEl>
+                                          </p:spTgt>
+                                        </p:tgtEl>
+                                        <p:attrNameLst>
+                                          <p:attrName>style.visibility</p:attrName>
+                                        </p:attrNameLst>
+                                      </p:cBhvr>
+                                      <p:to>
+                                        <p:strVal val="visible"/>
+                                      </p:to>
+                                    </p:set>
+                                    <p:animEffect transition="in" filter="wipe(down)">
+                                      <p:cBhvr>
+                                        <p:cTn id="7" dur="500"/>
+                                        <p:tgtEl>
+                                          <p:spTgt spid="3">
+                                            <p:txEl>
+                                              <p:pRg st="1" end="1"/>
+                                            </p:txEl>
+                                          </p:spTgt>
+                                        </p:tgtEl>
+                                      </p:cBhvr>
+                                    </p:animEffect>
+                                  </p:childTnLst>
+                                </p:cTn>
+                              </p:par>
+                            </p:childTnLst>
+                          </p:cTn>
+                        </p:par>
+                      </p:childTnLst>
+                    </p:cTn>
+                  </p:par>
+                  <p:par>
+                    <p:cTn id="8" fill="hold">
+                      <p:stCondLst>
+                        <p:cond delay="indefinite"/>
+                      </p:stCondLst>
+                      <p:childTnLst>
+                        <p:par>
+                          <p:cTn id="9" fill="hold">
+                            <p:stCondLst>
+                              <p:cond delay="0"/>
+                            </p:stCondLst>
+                            <p:childTnLst>
+                              <p:par>
+                                <p:cTn id="10" presetID="22" presetClass="entr" presetSubtype="4" fill="hold" nodeType="clickEffect">
+                                  <p:stCondLst>
+                                    <p:cond delay="0"/>
+                                  </p:stCondLst>
+                                  <p:childTnLst>
+                                    <p:set>
+                                      <p:cBhvr>
+                                        <p:cTn id="11" dur="1" fill="hold">
+                                          <p:stCondLst>
+                                            <p:cond delay="0"/>
+                                          </p:stCondLst>
+                                        </p:cTn>
+                                        <p:tgtEl>
+                                          <p:spTgt spid="3">
+                                            <p:txEl>
+                                              <p:pRg st="2" end="2"/>
+                                            </p:txEl>
+                                          </p:spTgt>
+                                        </p:tgtEl>
+                                        <p:attrNameLst>
+                                          <p:attrName>style.visibility</p:attrName>
+                                        </p:attrNameLst>
+                                      </p:cBhvr>
+                                      <p:to>
+                                        <p:strVal val="visible"/>
+                                      </p:to>
+                                    </p:set>
+                                    <p:animEffect transition="in" filter="wipe(down)">
+                                      <p:cBhvr>
+                                        <p:cTn id="12" dur="500"/>
+                                        <p:tgtEl>
+                                          <p:spTgt spid="3">
+                                            <p:txEl>
+                                              <p:pRg st="2" end="2"/>
+                                            </p:txEl>
+                                          </p:spTgt>
+                                        </p:tgtEl>
+                                      </p:cBhvr>
+                                    </p:animEffect>
+                                  </p:childTnLst>
+                                </p:cTn>
+                              </p:par>
+                            </p:childTnLst>
+                          </p:cTn>
+                        </p:par>
+                      </p:childTnLst>
+                    </p:cTn>
+                  </p:par>
+                  <p:par>
+                    <p:cTn id="13" fill="hold">
+                      <p:stCondLst>
+                        <p:cond delay="indefinite"/>
+                      </p:stCondLst>
+                      <p:childTnLst>
+                        <p:par>
+                          <p:cTn id="14" fill="hold">
+                            <p:stCondLst>
+                              <p:cond delay="0"/>
+                            </p:stCondLst>
+                            <p:childTnLst>
+                              <p:par>
+                                <p:cTn id="15" presetID="22" presetClass="entr" presetSubtype="4" fill="hold" nodeType="clickEffect">
+                                  <p:stCondLst>
+                                    <p:cond delay="0"/>
+                                  </p:stCondLst>
+                                  <p:childTnLst>
+                                    <p:set>
+                                      <p:cBhvr>
+                                        <p:cTn id="16" dur="1" fill="hold">
+                                          <p:stCondLst>
+                                            <p:cond delay="0"/>
+                                          </p:stCondLst>
+                                        </p:cTn>
+                                        <p:tgtEl>
+                                          <p:spTgt spid="3">
+                                            <p:txEl>
+                                              <p:pRg st="3" end="3"/>
+                                            </p:txEl>
+                                          </p:spTgt>
+                                        </p:tgtEl>
+                                        <p:attrNameLst>
+                                          <p:attrName>style.visibility</p:attrName>
+                                        </p:attrNameLst>
+                                      </p:cBhvr>
+                                      <p:to>
+                                        <p:strVal val="visible"/>
+                                      </p:to>
+                                    </p:set>
+                                    <p:animEffect transition="in" filter="wipe(down)">
+                                      <p:cBhvr>
+                                        <p:cTn id="17" dur="500"/>
+                                        <p:tgtEl>
+                                          <p:spTgt spid="3">
+                                            <p:txEl>
+                                              <p:pRg st="3" end="3"/>
+                                            </p:txEl>
+                                          </p:spTgt>
+                                        </p:tgtEl>
+                                      </p:cBhvr>
+                                    </p:animEffect>
+                                  </p:childTnLst>
+                                </p:cTn>
+                              </p:par>
+                            </p:childTnLst>
+                          </p:cTn>
+                        </p:par>
+                      </p:childTnLst>
+                    </p:cTn>
+                  </p:par>
+                  <p:par>
+                    <p:cTn id="18" fill="hold">
+                      <p:stCondLst>
+                        <p:cond delay="indefinite"/>
+                      </p:stCondLst>
+                      <p:childTnLst>
+                        <p:par>
+                          <p:cTn id="19" fill="hold">
+                            <p:stCondLst>
+                              <p:cond delay="0"/>
+                            </p:stCondLst>
+                            <p:childTnLst>
+                              <p:par>
+                                <p:cTn id="20" presetID="22" presetClass="entr" presetSubtype="4" fill="hold" nodeType="clickEffect">
+                                  <p:stCondLst>
+                                    <p:cond delay="0"/>
+                                  </p:stCondLst>
+                                  <p:childTnLst>
+                                    <p:set>
+                                      <p:cBhvr>
+                                        <p:cTn id="21" dur="1" fill="hold">
+                                          <p:stCondLst>
+                                            <p:cond delay="0"/>
+                                          </p:stCondLst>
+                                        </p:cTn>
+                                        <p:tgtEl>
+                                          <p:spTgt spid="3">
+                                            <p:txEl>
+                                              <p:pRg st="4" end="4"/>
+                                            </p:txEl>
+                                          </p:spTgt>
+                                        </p:tgtEl>
+                                        <p:attrNameLst>
+                                          <p:attrName>style.visibility</p:attrName>
+                                        </p:attrNameLst>
+                                      </p:cBhvr>
+                                      <p:to>
+                                        <p:strVal val="visible"/>
+                                      </p:to>
+                                    </p:set>
+                                    <p:animEffect transition="in" filter="wipe(down)">
+                                      <p:cBhvr>
+                                        <p:cTn id="22" dur="500"/>
+                                        <p:tgtEl>
+                                          <p:spTgt spid="3">
+                                            <p:txEl>
+                                              <p:pRg st="4" end="4"/>
+                                            </p:txEl>
+                                          </p:spTgt>
+                                        </p:tgtEl>
+                                      </p:cBhvr>
+                                    </p:animEffect>
+                                  </p:childTnLst>
+                                </p:cTn>
+                              </p:par>
+                            </p:childTnLst>
+                          </p:cTn>
+                        </p:par>
+                      </p:childTnLst>
+                    </p:cTn>
+                  </p:par>
+                  <p:par>
+                    <p:cTn id="23" fill="hold">
+                      <p:stCondLst>
+                        <p:cond delay="indefinite"/>
+                      </p:stCondLst>
+                      <p:childTnLst>
+                        <p:par>
+                          <p:cTn id="24" fill="hold">
+                            <p:stCondLst>
+                              <p:cond delay="0"/>
+                            </p:stCondLst>
+                            <p:childTnLst>
+                              <p:par>
+                                <p:cTn id="25" presetID="22" presetClass="entr" presetSubtype="4" fill="hold" nodeType="clickEffect">
+                                  <p:stCondLst>
+                                    <p:cond delay="0"/>
+                                  </p:stCondLst>
+                                  <p:childTnLst>
+                                    <p:set>
+                                      <p:cBhvr>
+                                        <p:cTn id="26" dur="1" fill="hold">
+                                          <p:stCondLst>
+                                            <p:cond delay="0"/>
+                                          </p:stCondLst>
+                                        </p:cTn>
+                                        <p:tgtEl>
+                                          <p:spTgt spid="3">
+                                            <p:txEl>
+                                              <p:pRg st="5" end="5"/>
+                                            </p:txEl>
+                                          </p:spTgt>
+                                        </p:tgtEl>
+                                        <p:attrNameLst>
+                                          <p:attrName>style.visibility</p:attrName>
+                                        </p:attrNameLst>
+                                      </p:cBhvr>
+                                      <p:to>
+                                        <p:strVal val="visible"/>
+                                      </p:to>
+                                    </p:set>
+                                    <p:animEffect transition="in" filter="wipe(down)">
+                                      <p:cBhvr>
+                                        <p:cTn id="27" dur="500"/>
+                                        <p:tgtEl>
+                                          <p:spTgt spid="3">
+                                            <p:txEl>
+                                              <p:pRg st="5" end="5"/>
+                                            </p:txEl>
+                                          </p:spTgt>
+                                        </p:tgtEl>
+                                      </p:cBhvr>
+                                    </p:animEffect>
+                                  </p:childTnLst>
+                                </p:cTn>
+                              </p:par>
+                            </p:childTnLst>
+                          </p:cTn>
+                        </p:par>
+                      </p:childTnLst>
+                    </p:cTn>
+                  </p:par>
+                </p:childTnLst>
+              </p:cTn>
+              <p:prevCondLst>
+                <p:cond evt="onPrev" delay="0">
+                  <p:tgtEl>
+                    <p:sldTgt/>
+                  </p:tgtEl>
+                </p:cond>
+              </p:prevCondLst>
+              <p:nextCondLst>
+                <p:cond evt="onNext" delay="0">
+                  <p:tgtEl>
+                    <p:sldTgt/>
+                  </p:tgtEl>
+                </p:cond>
+              </p:nextCondLst>
+            </p:seq>
+          </p:childTnLst>
+        </p:cTn>
       </p:par>
     </p:tnLst>
   </p:timing>
@@ -6041,8 +7363,25 @@
                 <a:latin typeface="Times New Roman" pitchFamily="18" charset="0"/>
                 <a:cs typeface="Times New Roman" pitchFamily="18" charset="0"/>
               </a:rPr>
-              <a:t>[5]. Felipe Gutierrez. Pro Spring Boot. Apress, 2016 (Page 1, page 13).</a:t>
-            </a:r>
+              <a:t>[5]. Felipe Gutierrez. Pro Spring Boot. Apress, </a:t>
+            </a:r>
+            <a:r>
+              <a:rPr lang="en-US" sz="1500" smtClean="0">
+                <a:solidFill>
+                  <a:schemeClr val="tx1"/>
+                </a:solidFill>
+                <a:latin typeface="Times New Roman" pitchFamily="18" charset="0"/>
+                <a:cs typeface="Times New Roman" pitchFamily="18" charset="0"/>
+              </a:rPr>
+              <a:t>2016.</a:t>
+            </a:r>
+            <a:endParaRPr lang="en-US" sz="1500">
+              <a:solidFill>
+                <a:schemeClr val="tx1"/>
+              </a:solidFill>
+              <a:latin typeface="Times New Roman" pitchFamily="18" charset="0"/>
+              <a:cs typeface="Times New Roman" pitchFamily="18" charset="0"/>
+            </a:endParaRPr>
           </a:p>
           <a:p>
             <a:pPr marL="0" indent="0">
@@ -6317,6 +7656,9 @@
   <p:clrMapOvr>
     <a:masterClrMapping/>
   </p:clrMapOvr>
+  <p:transition spd="slow">
+    <p:cover/>
+  </p:transition>
   <p:timing>
     <p:tnLst>
       <p:par>
@@ -6513,6 +7855,9 @@
   <p:clrMapOvr>
     <a:masterClrMapping/>
   </p:clrMapOvr>
+  <p:transition spd="slow">
+    <p:cover/>
+  </p:transition>
   <p:timing>
     <p:tnLst>
       <p:par>
@@ -6764,6 +8109,9 @@
   <p:clrMapOvr>
     <a:masterClrMapping/>
   </p:clrMapOvr>
+  <p:transition spd="slow">
+    <p:wipe/>
+  </p:transition>
   <p:timing>
     <p:tnLst>
       <p:par>
@@ -6849,7 +8197,7 @@
         </p:nvSpPr>
         <p:spPr>
           <a:xfrm>
-            <a:off x="100761" y="1036617"/>
+            <a:off x="100761" y="922317"/>
             <a:ext cx="8740959" cy="4436918"/>
           </a:xfrm>
         </p:spPr>
@@ -6866,16 +8214,32 @@
             <a:r>
               <a:rPr lang="en-US" sz="1900">
                 <a:solidFill>
-                  <a:schemeClr val="tx1"/>
-                </a:solidFill>
-                <a:latin typeface="Times New Roman" pitchFamily="18" charset="0"/>
-                <a:cs typeface="Times New Roman" pitchFamily="18" charset="0"/>
-              </a:rPr>
-              <a:t>Hiện nay, việc quản lý ứng dụng công nghệ thông tin có ảnh hưởng tới nhiều ngành nghề khác nhau của xã hội, nhất là trong xã hội phát triển có sử dụng lượng tri thức cao. </a:t>
+                  <a:schemeClr val="bg1">
+                    <a:lumMod val="50000"/>
+                  </a:schemeClr>
+                </a:solidFill>
+                <a:latin typeface="Times New Roman" pitchFamily="18" charset="0"/>
+                <a:cs typeface="Times New Roman" pitchFamily="18" charset="0"/>
+              </a:rPr>
+              <a:t>Hiện nay, việc quản lý ứng dụng công nghệ thông tin có ảnh hưởng tới nhiều ngành nghề khác nhau của xã hội, nhất là trong xã hội phát triển có sử dụng lượng tri thức </a:t>
+            </a:r>
+            <a:r>
+              <a:rPr lang="en-US" sz="1900" smtClean="0">
+                <a:solidFill>
+                  <a:schemeClr val="bg1">
+                    <a:lumMod val="50000"/>
+                  </a:schemeClr>
+                </a:solidFill>
+                <a:latin typeface="Times New Roman" pitchFamily="18" charset="0"/>
+                <a:cs typeface="Times New Roman" pitchFamily="18" charset="0"/>
+              </a:rPr>
+              <a:t>cao [1]. </a:t>
             </a:r>
             <a:endParaRPr lang="en-US" sz="1900" smtClean="0">
               <a:solidFill>
-                <a:schemeClr val="tx1"/>
+                <a:schemeClr val="bg1">
+                  <a:lumMod val="50000"/>
+                </a:schemeClr>
               </a:solidFill>
               <a:latin typeface="Times New Roman" pitchFamily="18" charset="0"/>
               <a:cs typeface="Times New Roman" pitchFamily="18" charset="0"/>
@@ -6889,7 +8253,9 @@
             <a:r>
               <a:rPr lang="en-US" sz="1900" smtClean="0">
                 <a:solidFill>
-                  <a:schemeClr val="tx1"/>
+                  <a:schemeClr val="bg1">
+                    <a:lumMod val="50000"/>
+                  </a:schemeClr>
                 </a:solidFill>
                 <a:latin typeface="Times New Roman" pitchFamily="18" charset="0"/>
                 <a:cs typeface="Times New Roman" pitchFamily="18" charset="0"/>
@@ -6899,7 +8265,9 @@
             <a:r>
               <a:rPr lang="en-US" sz="1900">
                 <a:solidFill>
-                  <a:schemeClr val="tx1"/>
+                  <a:schemeClr val="bg1">
+                    <a:lumMod val="50000"/>
+                  </a:schemeClr>
                 </a:solidFill>
                 <a:latin typeface="Times New Roman" pitchFamily="18" charset="0"/>
                 <a:cs typeface="Times New Roman" pitchFamily="18" charset="0"/>
@@ -6915,7 +8283,9 @@
             <a:r>
               <a:rPr lang="en-US" sz="1900">
                 <a:solidFill>
-                  <a:schemeClr val="tx1"/>
+                  <a:schemeClr val="bg1">
+                    <a:lumMod val="50000"/>
+                  </a:schemeClr>
                 </a:solidFill>
                 <a:latin typeface="Times New Roman" pitchFamily="18" charset="0"/>
                 <a:cs typeface="Times New Roman" pitchFamily="18" charset="0"/>
@@ -6924,7 +8294,9 @@
             </a:r>
             <a:endParaRPr lang="en-US" sz="1900" smtClean="0">
               <a:solidFill>
-                <a:schemeClr val="tx1"/>
+                <a:schemeClr val="bg1">
+                  <a:lumMod val="50000"/>
+                </a:schemeClr>
               </a:solidFill>
               <a:latin typeface="Times New Roman" pitchFamily="18" charset="0"/>
               <a:cs typeface="Times New Roman" pitchFamily="18" charset="0"/>
@@ -6938,7 +8310,9 @@
             <a:r>
               <a:rPr lang="en-US" sz="1900" smtClean="0">
                 <a:solidFill>
-                  <a:schemeClr val="tx1"/>
+                  <a:schemeClr val="bg1">
+                    <a:lumMod val="50000"/>
+                  </a:schemeClr>
                 </a:solidFill>
                 <a:latin typeface="Times New Roman" pitchFamily="18" charset="0"/>
                 <a:cs typeface="Times New Roman" pitchFamily="18" charset="0"/>
@@ -6948,7 +8322,9 @@
             <a:r>
               <a:rPr lang="en-US" sz="1900">
                 <a:solidFill>
-                  <a:schemeClr val="tx1"/>
+                  <a:schemeClr val="bg1">
+                    <a:lumMod val="50000"/>
+                  </a:schemeClr>
                 </a:solidFill>
                 <a:latin typeface="Times New Roman" pitchFamily="18" charset="0"/>
                 <a:cs typeface="Times New Roman" pitchFamily="18" charset="0"/>
@@ -6958,7 +8334,9 @@
             <a:r>
               <a:rPr lang="en-US" sz="1900" smtClean="0">
                 <a:solidFill>
-                  <a:schemeClr val="tx1"/>
+                  <a:schemeClr val="bg1">
+                    <a:lumMod val="50000"/>
+                  </a:schemeClr>
                 </a:solidFill>
                 <a:latin typeface="Times New Roman" pitchFamily="18" charset="0"/>
                 <a:cs typeface="Times New Roman" pitchFamily="18" charset="0"/>
@@ -6973,7 +8351,9 @@
             </a:pPr>
             <a:endParaRPr lang="en-US" sz="1900">
               <a:solidFill>
-                <a:schemeClr val="tx1"/>
+                <a:schemeClr val="bg1">
+                  <a:lumMod val="50000"/>
+                </a:schemeClr>
               </a:solidFill>
               <a:latin typeface="Times New Roman" pitchFamily="18" charset="0"/>
               <a:cs typeface="Times New Roman" pitchFamily="18" charset="0"/>
@@ -6986,57 +8366,46 @@
             <a:r>
               <a:rPr lang="en-US" sz="1900" smtClean="0">
                 <a:solidFill>
-                  <a:schemeClr val="tx1"/>
+                  <a:schemeClr val="bg1">
+                    <a:lumMod val="50000"/>
+                  </a:schemeClr>
                 </a:solidFill>
                 <a:latin typeface="Times New Roman" pitchFamily="18" charset="0"/>
                 <a:cs typeface="Times New Roman" pitchFamily="18" charset="0"/>
                 <a:sym typeface="Wingdings" pitchFamily="2" charset="2"/>
               </a:rPr>
-              <a:t> Nhóm thực hiện đề tài </a:t>
+              <a:t> </a:t>
             </a:r>
             <a:r>
               <a:rPr lang="en-US" sz="1900" smtClean="0">
                 <a:solidFill>
-                  <a:schemeClr val="tx1"/>
-                </a:solidFill>
-                <a:latin typeface="Times New Roman" pitchFamily="18" charset="0"/>
-                <a:cs typeface="Times New Roman" pitchFamily="18" charset="0"/>
-              </a:rPr>
-              <a:t>tìm </a:t>
-            </a:r>
-            <a:r>
-              <a:rPr lang="en-US" sz="1900">
-                <a:solidFill>
-                  <a:schemeClr val="tx1"/>
-                </a:solidFill>
-                <a:latin typeface="Times New Roman" pitchFamily="18" charset="0"/>
-                <a:cs typeface="Times New Roman" pitchFamily="18" charset="0"/>
-              </a:rPr>
-              <a:t>hiểu và xây dựng hệ thống quản lý kỹ năng của </a:t>
-            </a:r>
-            <a:r>
-              <a:rPr lang="en-US" sz="1900">
-                <a:solidFill>
-                  <a:schemeClr val="tx1"/>
-                </a:solidFill>
-                <a:latin typeface="Times New Roman" pitchFamily="18" charset="0"/>
-                <a:cs typeface="Times New Roman" pitchFamily="18" charset="0"/>
-              </a:rPr>
-              <a:t>nhân </a:t>
+                  <a:schemeClr val="bg1">
+                    <a:lumMod val="50000"/>
+                  </a:schemeClr>
+                </a:solidFill>
+                <a:latin typeface="Times New Roman" pitchFamily="18" charset="0"/>
+                <a:cs typeface="Times New Roman" pitchFamily="18" charset="0"/>
+                <a:sym typeface="Wingdings" pitchFamily="2" charset="2"/>
+              </a:rPr>
+              <a:t>Nhóm thực hiện đề tài </a:t>
             </a:r>
             <a:r>
               <a:rPr lang="en-US" sz="1900" smtClean="0">
                 <a:solidFill>
-                  <a:schemeClr val="tx1"/>
-                </a:solidFill>
-                <a:latin typeface="Times New Roman" pitchFamily="18" charset="0"/>
-                <a:cs typeface="Times New Roman" pitchFamily="18" charset="0"/>
-              </a:rPr>
-              <a:t>viên. </a:t>
+                  <a:schemeClr val="bg1">
+                    <a:lumMod val="50000"/>
+                  </a:schemeClr>
+                </a:solidFill>
+                <a:latin typeface="Times New Roman" pitchFamily="18" charset="0"/>
+                <a:cs typeface="Times New Roman" pitchFamily="18" charset="0"/>
+              </a:rPr>
+              <a:t>tìm hiểu và xây dựng hệ thống quản lý kỹ năng của nhân viên. </a:t>
             </a:r>
             <a:endParaRPr lang="en-US" sz="1900">
               <a:solidFill>
-                <a:schemeClr val="tx1"/>
+                <a:schemeClr val="bg1">
+                  <a:lumMod val="50000"/>
+                </a:schemeClr>
               </a:solidFill>
               <a:latin typeface="Times New Roman" pitchFamily="18" charset="0"/>
               <a:cs typeface="Times New Roman" pitchFamily="18" charset="0"/>
@@ -7119,10 +8488,341 @@
   <p:clrMapOvr>
     <a:masterClrMapping/>
   </p:clrMapOvr>
+  <p:transition spd="slow">
+    <p:cover/>
+  </p:transition>
   <p:timing>
     <p:tnLst>
       <p:par>
-        <p:cTn id="1" dur="indefinite" restart="never" nodeType="tmRoot"/>
+        <p:cTn id="1" dur="indefinite" restart="never" nodeType="tmRoot">
+          <p:childTnLst>
+            <p:seq concurrent="1" nextAc="seek">
+              <p:cTn id="2" dur="indefinite" nodeType="mainSeq">
+                <p:childTnLst>
+                  <p:par>
+                    <p:cTn id="3" fill="hold">
+                      <p:stCondLst>
+                        <p:cond delay="indefinite"/>
+                      </p:stCondLst>
+                      <p:childTnLst>
+                        <p:par>
+                          <p:cTn id="4" fill="hold">
+                            <p:stCondLst>
+                              <p:cond delay="0"/>
+                            </p:stCondLst>
+                            <p:childTnLst>
+                              <p:par>
+                                <p:cTn id="5" presetID="22" presetClass="entr" presetSubtype="4" fill="hold" nodeType="clickEffect">
+                                  <p:stCondLst>
+                                    <p:cond delay="0"/>
+                                  </p:stCondLst>
+                                  <p:childTnLst>
+                                    <p:set>
+                                      <p:cBhvr>
+                                        <p:cTn id="6" dur="1" fill="hold">
+                                          <p:stCondLst>
+                                            <p:cond delay="0"/>
+                                          </p:stCondLst>
+                                        </p:cTn>
+                                        <p:tgtEl>
+                                          <p:spTgt spid="3">
+                                            <p:txEl>
+                                              <p:pRg st="0" end="0"/>
+                                            </p:txEl>
+                                          </p:spTgt>
+                                        </p:tgtEl>
+                                        <p:attrNameLst>
+                                          <p:attrName>style.visibility</p:attrName>
+                                        </p:attrNameLst>
+                                      </p:cBhvr>
+                                      <p:to>
+                                        <p:strVal val="visible"/>
+                                      </p:to>
+                                    </p:set>
+                                    <p:animEffect transition="in" filter="wipe(down)">
+                                      <p:cBhvr>
+                                        <p:cTn id="7" dur="500"/>
+                                        <p:tgtEl>
+                                          <p:spTgt spid="3">
+                                            <p:txEl>
+                                              <p:pRg st="0" end="0"/>
+                                            </p:txEl>
+                                          </p:spTgt>
+                                        </p:tgtEl>
+                                      </p:cBhvr>
+                                    </p:animEffect>
+                                  </p:childTnLst>
+                                </p:cTn>
+                              </p:par>
+                            </p:childTnLst>
+                          </p:cTn>
+                        </p:par>
+                      </p:childTnLst>
+                    </p:cTn>
+                  </p:par>
+                  <p:par>
+                    <p:cTn id="8" fill="hold">
+                      <p:stCondLst>
+                        <p:cond delay="indefinite"/>
+                      </p:stCondLst>
+                      <p:childTnLst>
+                        <p:par>
+                          <p:cTn id="9" fill="hold">
+                            <p:stCondLst>
+                              <p:cond delay="0"/>
+                            </p:stCondLst>
+                            <p:childTnLst>
+                              <p:par>
+                                <p:cTn id="10" presetID="22" presetClass="entr" presetSubtype="4" fill="hold" nodeType="clickEffect">
+                                  <p:stCondLst>
+                                    <p:cond delay="0"/>
+                                  </p:stCondLst>
+                                  <p:childTnLst>
+                                    <p:set>
+                                      <p:cBhvr>
+                                        <p:cTn id="11" dur="1" fill="hold">
+                                          <p:stCondLst>
+                                            <p:cond delay="0"/>
+                                          </p:stCondLst>
+                                        </p:cTn>
+                                        <p:tgtEl>
+                                          <p:spTgt spid="3">
+                                            <p:txEl>
+                                              <p:pRg st="1" end="1"/>
+                                            </p:txEl>
+                                          </p:spTgt>
+                                        </p:tgtEl>
+                                        <p:attrNameLst>
+                                          <p:attrName>style.visibility</p:attrName>
+                                        </p:attrNameLst>
+                                      </p:cBhvr>
+                                      <p:to>
+                                        <p:strVal val="visible"/>
+                                      </p:to>
+                                    </p:set>
+                                    <p:animEffect transition="in" filter="wipe(down)">
+                                      <p:cBhvr>
+                                        <p:cTn id="12" dur="500"/>
+                                        <p:tgtEl>
+                                          <p:spTgt spid="3">
+                                            <p:txEl>
+                                              <p:pRg st="1" end="1"/>
+                                            </p:txEl>
+                                          </p:spTgt>
+                                        </p:tgtEl>
+                                      </p:cBhvr>
+                                    </p:animEffect>
+                                  </p:childTnLst>
+                                </p:cTn>
+                              </p:par>
+                            </p:childTnLst>
+                          </p:cTn>
+                        </p:par>
+                      </p:childTnLst>
+                    </p:cTn>
+                  </p:par>
+                  <p:par>
+                    <p:cTn id="13" fill="hold">
+                      <p:stCondLst>
+                        <p:cond delay="indefinite"/>
+                      </p:stCondLst>
+                      <p:childTnLst>
+                        <p:par>
+                          <p:cTn id="14" fill="hold">
+                            <p:stCondLst>
+                              <p:cond delay="0"/>
+                            </p:stCondLst>
+                            <p:childTnLst>
+                              <p:par>
+                                <p:cTn id="15" presetID="22" presetClass="entr" presetSubtype="4" fill="hold" nodeType="clickEffect">
+                                  <p:stCondLst>
+                                    <p:cond delay="0"/>
+                                  </p:stCondLst>
+                                  <p:childTnLst>
+                                    <p:set>
+                                      <p:cBhvr>
+                                        <p:cTn id="16" dur="1" fill="hold">
+                                          <p:stCondLst>
+                                            <p:cond delay="0"/>
+                                          </p:stCondLst>
+                                        </p:cTn>
+                                        <p:tgtEl>
+                                          <p:spTgt spid="3">
+                                            <p:txEl>
+                                              <p:pRg st="2" end="2"/>
+                                            </p:txEl>
+                                          </p:spTgt>
+                                        </p:tgtEl>
+                                        <p:attrNameLst>
+                                          <p:attrName>style.visibility</p:attrName>
+                                        </p:attrNameLst>
+                                      </p:cBhvr>
+                                      <p:to>
+                                        <p:strVal val="visible"/>
+                                      </p:to>
+                                    </p:set>
+                                    <p:animEffect transition="in" filter="wipe(down)">
+                                      <p:cBhvr>
+                                        <p:cTn id="17" dur="500"/>
+                                        <p:tgtEl>
+                                          <p:spTgt spid="3">
+                                            <p:txEl>
+                                              <p:pRg st="2" end="2"/>
+                                            </p:txEl>
+                                          </p:spTgt>
+                                        </p:tgtEl>
+                                      </p:cBhvr>
+                                    </p:animEffect>
+                                  </p:childTnLst>
+                                </p:cTn>
+                              </p:par>
+                            </p:childTnLst>
+                          </p:cTn>
+                        </p:par>
+                      </p:childTnLst>
+                    </p:cTn>
+                  </p:par>
+                  <p:par>
+                    <p:cTn id="18" fill="hold">
+                      <p:stCondLst>
+                        <p:cond delay="indefinite"/>
+                      </p:stCondLst>
+                      <p:childTnLst>
+                        <p:par>
+                          <p:cTn id="19" fill="hold">
+                            <p:stCondLst>
+                              <p:cond delay="0"/>
+                            </p:stCondLst>
+                            <p:childTnLst>
+                              <p:par>
+                                <p:cTn id="20" presetID="22" presetClass="entr" presetSubtype="4" fill="hold" nodeType="clickEffect">
+                                  <p:stCondLst>
+                                    <p:cond delay="0"/>
+                                  </p:stCondLst>
+                                  <p:childTnLst>
+                                    <p:set>
+                                      <p:cBhvr>
+                                        <p:cTn id="21" dur="1" fill="hold">
+                                          <p:stCondLst>
+                                            <p:cond delay="0"/>
+                                          </p:stCondLst>
+                                        </p:cTn>
+                                        <p:tgtEl>
+                                          <p:spTgt spid="3">
+                                            <p:txEl>
+                                              <p:pRg st="3" end="3"/>
+                                            </p:txEl>
+                                          </p:spTgt>
+                                        </p:tgtEl>
+                                        <p:attrNameLst>
+                                          <p:attrName>style.visibility</p:attrName>
+                                        </p:attrNameLst>
+                                      </p:cBhvr>
+                                      <p:to>
+                                        <p:strVal val="visible"/>
+                                      </p:to>
+                                    </p:set>
+                                    <p:animEffect transition="in" filter="wipe(down)">
+                                      <p:cBhvr>
+                                        <p:cTn id="22" dur="500"/>
+                                        <p:tgtEl>
+                                          <p:spTgt spid="3">
+                                            <p:txEl>
+                                              <p:pRg st="3" end="3"/>
+                                            </p:txEl>
+                                          </p:spTgt>
+                                        </p:tgtEl>
+                                      </p:cBhvr>
+                                    </p:animEffect>
+                                  </p:childTnLst>
+                                </p:cTn>
+                              </p:par>
+                            </p:childTnLst>
+                          </p:cTn>
+                        </p:par>
+                      </p:childTnLst>
+                    </p:cTn>
+                  </p:par>
+                  <p:par>
+                    <p:cTn id="23" fill="hold">
+                      <p:stCondLst>
+                        <p:cond delay="indefinite"/>
+                      </p:stCondLst>
+                      <p:childTnLst>
+                        <p:par>
+                          <p:cTn id="24" fill="hold">
+                            <p:stCondLst>
+                              <p:cond delay="0"/>
+                            </p:stCondLst>
+                            <p:childTnLst>
+                              <p:par>
+                                <p:cTn id="25" presetID="22" presetClass="entr" presetSubtype="4" fill="hold" nodeType="clickEffect">
+                                  <p:stCondLst>
+                                    <p:cond delay="0"/>
+                                  </p:stCondLst>
+                                  <p:childTnLst>
+                                    <p:set>
+                                      <p:cBhvr>
+                                        <p:cTn id="26" dur="1" fill="hold">
+                                          <p:stCondLst>
+                                            <p:cond delay="0"/>
+                                          </p:stCondLst>
+                                        </p:cTn>
+                                        <p:tgtEl>
+                                          <p:spTgt spid="3">
+                                            <p:txEl>
+                                              <p:pRg st="5" end="5"/>
+                                            </p:txEl>
+                                          </p:spTgt>
+                                        </p:tgtEl>
+                                        <p:attrNameLst>
+                                          <p:attrName>style.visibility</p:attrName>
+                                        </p:attrNameLst>
+                                      </p:cBhvr>
+                                      <p:to>
+                                        <p:strVal val="visible"/>
+                                      </p:to>
+                                    </p:set>
+                                    <p:animEffect transition="in" filter="wipe(down)">
+                                      <p:cBhvr>
+                                        <p:cTn id="27" dur="500"/>
+                                        <p:tgtEl>
+                                          <p:spTgt spid="3">
+                                            <p:txEl>
+                                              <p:pRg st="5" end="5"/>
+                                            </p:txEl>
+                                          </p:spTgt>
+                                        </p:tgtEl>
+                                      </p:cBhvr>
+                                    </p:animEffect>
+                                  </p:childTnLst>
+                                </p:cTn>
+                              </p:par>
+                            </p:childTnLst>
+                          </p:cTn>
+                        </p:par>
+                      </p:childTnLst>
+                    </p:cTn>
+                  </p:par>
+                </p:childTnLst>
+              </p:cTn>
+              <p:prevCondLst>
+                <p:cond evt="onPrev" delay="0">
+                  <p:tgtEl>
+                    <p:sldTgt/>
+                  </p:tgtEl>
+                </p:cond>
+              </p:prevCondLst>
+              <p:nextCondLst>
+                <p:cond evt="onNext" delay="0">
+                  <p:tgtEl>
+                    <p:sldTgt/>
+                  </p:tgtEl>
+                </p:cond>
+              </p:nextCondLst>
+            </p:seq>
+          </p:childTnLst>
+        </p:cTn>
       </p:par>
     </p:tnLst>
   </p:timing>
@@ -7158,7 +8858,7 @@
         </p:nvSpPr>
         <p:spPr>
           <a:xfrm>
-            <a:off x="-2168566" y="-600075"/>
+            <a:off x="-1615907" y="-600075"/>
             <a:ext cx="8229600" cy="1200150"/>
           </a:xfrm>
         </p:spPr>
@@ -7173,8 +8873,19 @@
                 <a:latin typeface="Times New Roman" pitchFamily="18" charset="0"/>
                 <a:cs typeface="Times New Roman" pitchFamily="18" charset="0"/>
               </a:rPr>
-              <a:t>2. Mục tiêu đề tài</a:t>
-            </a:r>
+              <a:t>2. Mục </a:t>
+            </a:r>
+            <a:r>
+              <a:rPr lang="en-US" sz="3400" smtClean="0">
+                <a:latin typeface="Times New Roman" pitchFamily="18" charset="0"/>
+                <a:cs typeface="Times New Roman" pitchFamily="18" charset="0"/>
+              </a:rPr>
+              <a:t>tiêu, phạm vi đề tài</a:t>
+            </a:r>
+            <a:endParaRPr lang="en-US" sz="3400">
+              <a:latin typeface="Times New Roman" pitchFamily="18" charset="0"/>
+              <a:cs typeface="Times New Roman" pitchFamily="18" charset="0"/>
+            </a:endParaRPr>
           </a:p>
         </p:txBody>
       </p:sp>
@@ -7190,7 +8901,7 @@
         </p:nvSpPr>
         <p:spPr>
           <a:xfrm>
-            <a:off x="336898" y="953810"/>
+            <a:off x="336898" y="725210"/>
             <a:ext cx="8630771" cy="4102607"/>
           </a:xfrm>
         </p:spPr>
@@ -7248,7 +8959,35 @@
                 <a:latin typeface="Times New Roman" pitchFamily="18" charset="0"/>
                 <a:cs typeface="Times New Roman" pitchFamily="18" charset="0"/>
               </a:rPr>
-              <a:t>Chức năng dành cho nhân viên nhân: quản lý, cập nhật, xác thực thông tin hồ sơ của toàn bộ của nhân viên. Thống kê kỹ năng. Truy xuất nhật ký thay đổi hồ sơ của nhân viên. Quản lý dữ liệu hiển thị động của hệ thống.</a:t>
+              <a:t>Chức năng dành cho nhân viên </a:t>
+            </a:r>
+            <a:r>
+              <a:rPr lang="en-US" sz="1900" smtClean="0">
+                <a:latin typeface="Times New Roman" pitchFamily="18" charset="0"/>
+                <a:cs typeface="Times New Roman" pitchFamily="18" charset="0"/>
+              </a:rPr>
+              <a:t>nhân sự: </a:t>
+            </a:r>
+            <a:r>
+              <a:rPr lang="en-US" sz="1900">
+                <a:latin typeface="Times New Roman" pitchFamily="18" charset="0"/>
+                <a:cs typeface="Times New Roman" pitchFamily="18" charset="0"/>
+              </a:rPr>
+              <a:t>quản lý, cập nhật, xác thực thông tin hồ sơ của toàn bộ của nhân viên. Thống kê kỹ năng. </a:t>
+            </a:r>
+            <a:r>
+              <a:rPr lang="en-US" sz="1900" smtClean="0">
+                <a:latin typeface="Times New Roman" pitchFamily="18" charset="0"/>
+                <a:cs typeface="Times New Roman" pitchFamily="18" charset="0"/>
+              </a:rPr>
+              <a:t>Xem </a:t>
+            </a:r>
+            <a:r>
+              <a:rPr lang="en-US" sz="1900">
+                <a:latin typeface="Times New Roman" pitchFamily="18" charset="0"/>
+                <a:cs typeface="Times New Roman" pitchFamily="18" charset="0"/>
+              </a:rPr>
+              <a:t>nhật ký thay đổi hồ sơ của nhân viên. Quản lý dữ liệu hiển thị động của hệ thống.</a:t>
             </a:r>
           </a:p>
           <a:p>
@@ -7261,7 +9000,21 @@
                 <a:latin typeface="Times New Roman" pitchFamily="18" charset="0"/>
                 <a:cs typeface="Times New Roman" pitchFamily="18" charset="0"/>
               </a:rPr>
-              <a:t>Chức năng dành cho nhân viên quản lý dự án của công ty: thêm, chỉnh sửa, xóa thông tin các dự án của công ty mà mình đang phụ trách; tìm kiếm nhân viên trong hệ thống phù hợp với dự án đang cần tuyển thêm nhân lực phục vụ quá trình phỏng vấn ứng viên nhanh chóng.</a:t>
+              <a:t>Chức năng dành cho nhân viên quản lý dự án của công ty: thêm, chỉnh </a:t>
+            </a:r>
+            <a:r>
+              <a:rPr lang="en-US" sz="1900" smtClean="0">
+                <a:latin typeface="Times New Roman" pitchFamily="18" charset="0"/>
+                <a:cs typeface="Times New Roman" pitchFamily="18" charset="0"/>
+              </a:rPr>
+              <a:t>sửa thông </a:t>
+            </a:r>
+            <a:r>
+              <a:rPr lang="en-US" sz="1900">
+                <a:latin typeface="Times New Roman" pitchFamily="18" charset="0"/>
+                <a:cs typeface="Times New Roman" pitchFamily="18" charset="0"/>
+              </a:rPr>
+              <a:t>tin các dự án của công ty mà mình đang phụ trách; tìm kiếm nhân viên trong hệ thống phù hợp với dự án đang cần tuyển thêm nhân lực phục vụ quá trình phỏng vấn ứng viên nhanh chóng.</a:t>
             </a:r>
           </a:p>
           <a:p>
@@ -7310,10 +9063,287 @@
   <p:clrMapOvr>
     <a:masterClrMapping/>
   </p:clrMapOvr>
+  <p:transition spd="slow">
+    <p:cover/>
+  </p:transition>
   <p:timing>
     <p:tnLst>
       <p:par>
-        <p:cTn id="1" dur="indefinite" restart="never" nodeType="tmRoot"/>
+        <p:cTn id="1" dur="indefinite" restart="never" nodeType="tmRoot">
+          <p:childTnLst>
+            <p:seq concurrent="1" nextAc="seek">
+              <p:cTn id="2" dur="indefinite" nodeType="mainSeq">
+                <p:childTnLst>
+                  <p:par>
+                    <p:cTn id="3" fill="hold">
+                      <p:stCondLst>
+                        <p:cond delay="indefinite"/>
+                      </p:stCondLst>
+                      <p:childTnLst>
+                        <p:par>
+                          <p:cTn id="4" fill="hold">
+                            <p:stCondLst>
+                              <p:cond delay="0"/>
+                            </p:stCondLst>
+                            <p:childTnLst>
+                              <p:par>
+                                <p:cTn id="5" presetID="22" presetClass="entr" presetSubtype="4" fill="hold" nodeType="clickEffect">
+                                  <p:stCondLst>
+                                    <p:cond delay="0"/>
+                                  </p:stCondLst>
+                                  <p:childTnLst>
+                                    <p:set>
+                                      <p:cBhvr>
+                                        <p:cTn id="6" dur="1" fill="hold">
+                                          <p:stCondLst>
+                                            <p:cond delay="0"/>
+                                          </p:stCondLst>
+                                        </p:cTn>
+                                        <p:tgtEl>
+                                          <p:spTgt spid="3">
+                                            <p:txEl>
+                                              <p:pRg st="0" end="0"/>
+                                            </p:txEl>
+                                          </p:spTgt>
+                                        </p:tgtEl>
+                                        <p:attrNameLst>
+                                          <p:attrName>style.visibility</p:attrName>
+                                        </p:attrNameLst>
+                                      </p:cBhvr>
+                                      <p:to>
+                                        <p:strVal val="visible"/>
+                                      </p:to>
+                                    </p:set>
+                                    <p:animEffect transition="in" filter="wipe(down)">
+                                      <p:cBhvr>
+                                        <p:cTn id="7" dur="500"/>
+                                        <p:tgtEl>
+                                          <p:spTgt spid="3">
+                                            <p:txEl>
+                                              <p:pRg st="0" end="0"/>
+                                            </p:txEl>
+                                          </p:spTgt>
+                                        </p:tgtEl>
+                                      </p:cBhvr>
+                                    </p:animEffect>
+                                  </p:childTnLst>
+                                </p:cTn>
+                              </p:par>
+                            </p:childTnLst>
+                          </p:cTn>
+                        </p:par>
+                      </p:childTnLst>
+                    </p:cTn>
+                  </p:par>
+                  <p:par>
+                    <p:cTn id="8" fill="hold">
+                      <p:stCondLst>
+                        <p:cond delay="indefinite"/>
+                      </p:stCondLst>
+                      <p:childTnLst>
+                        <p:par>
+                          <p:cTn id="9" fill="hold">
+                            <p:stCondLst>
+                              <p:cond delay="0"/>
+                            </p:stCondLst>
+                            <p:childTnLst>
+                              <p:par>
+                                <p:cTn id="10" presetID="22" presetClass="entr" presetSubtype="4" fill="hold" nodeType="clickEffect">
+                                  <p:stCondLst>
+                                    <p:cond delay="0"/>
+                                  </p:stCondLst>
+                                  <p:childTnLst>
+                                    <p:set>
+                                      <p:cBhvr>
+                                        <p:cTn id="11" dur="1" fill="hold">
+                                          <p:stCondLst>
+                                            <p:cond delay="0"/>
+                                          </p:stCondLst>
+                                        </p:cTn>
+                                        <p:tgtEl>
+                                          <p:spTgt spid="3">
+                                            <p:txEl>
+                                              <p:pRg st="1" end="1"/>
+                                            </p:txEl>
+                                          </p:spTgt>
+                                        </p:tgtEl>
+                                        <p:attrNameLst>
+                                          <p:attrName>style.visibility</p:attrName>
+                                        </p:attrNameLst>
+                                      </p:cBhvr>
+                                      <p:to>
+                                        <p:strVal val="visible"/>
+                                      </p:to>
+                                    </p:set>
+                                    <p:animEffect transition="in" filter="wipe(down)">
+                                      <p:cBhvr>
+                                        <p:cTn id="12" dur="500"/>
+                                        <p:tgtEl>
+                                          <p:spTgt spid="3">
+                                            <p:txEl>
+                                              <p:pRg st="1" end="1"/>
+                                            </p:txEl>
+                                          </p:spTgt>
+                                        </p:tgtEl>
+                                      </p:cBhvr>
+                                    </p:animEffect>
+                                  </p:childTnLst>
+                                </p:cTn>
+                              </p:par>
+                              <p:par>
+                                <p:cTn id="13" presetID="22" presetClass="entr" presetSubtype="4" fill="hold" nodeType="withEffect">
+                                  <p:stCondLst>
+                                    <p:cond delay="0"/>
+                                  </p:stCondLst>
+                                  <p:childTnLst>
+                                    <p:set>
+                                      <p:cBhvr>
+                                        <p:cTn id="14" dur="1" fill="hold">
+                                          <p:stCondLst>
+                                            <p:cond delay="0"/>
+                                          </p:stCondLst>
+                                        </p:cTn>
+                                        <p:tgtEl>
+                                          <p:spTgt spid="3">
+                                            <p:txEl>
+                                              <p:pRg st="2" end="2"/>
+                                            </p:txEl>
+                                          </p:spTgt>
+                                        </p:tgtEl>
+                                        <p:attrNameLst>
+                                          <p:attrName>style.visibility</p:attrName>
+                                        </p:attrNameLst>
+                                      </p:cBhvr>
+                                      <p:to>
+                                        <p:strVal val="visible"/>
+                                      </p:to>
+                                    </p:set>
+                                    <p:animEffect transition="in" filter="wipe(down)">
+                                      <p:cBhvr>
+                                        <p:cTn id="15" dur="500"/>
+                                        <p:tgtEl>
+                                          <p:spTgt spid="3">
+                                            <p:txEl>
+                                              <p:pRg st="2" end="2"/>
+                                            </p:txEl>
+                                          </p:spTgt>
+                                        </p:tgtEl>
+                                      </p:cBhvr>
+                                    </p:animEffect>
+                                  </p:childTnLst>
+                                </p:cTn>
+                              </p:par>
+                              <p:par>
+                                <p:cTn id="16" presetID="22" presetClass="entr" presetSubtype="4" fill="hold" nodeType="withEffect">
+                                  <p:stCondLst>
+                                    <p:cond delay="0"/>
+                                  </p:stCondLst>
+                                  <p:childTnLst>
+                                    <p:set>
+                                      <p:cBhvr>
+                                        <p:cTn id="17" dur="1" fill="hold">
+                                          <p:stCondLst>
+                                            <p:cond delay="0"/>
+                                          </p:stCondLst>
+                                        </p:cTn>
+                                        <p:tgtEl>
+                                          <p:spTgt spid="3">
+                                            <p:txEl>
+                                              <p:pRg st="3" end="3"/>
+                                            </p:txEl>
+                                          </p:spTgt>
+                                        </p:tgtEl>
+                                        <p:attrNameLst>
+                                          <p:attrName>style.visibility</p:attrName>
+                                        </p:attrNameLst>
+                                      </p:cBhvr>
+                                      <p:to>
+                                        <p:strVal val="visible"/>
+                                      </p:to>
+                                    </p:set>
+                                    <p:animEffect transition="in" filter="wipe(down)">
+                                      <p:cBhvr>
+                                        <p:cTn id="18" dur="500"/>
+                                        <p:tgtEl>
+                                          <p:spTgt spid="3">
+                                            <p:txEl>
+                                              <p:pRg st="3" end="3"/>
+                                            </p:txEl>
+                                          </p:spTgt>
+                                        </p:tgtEl>
+                                      </p:cBhvr>
+                                    </p:animEffect>
+                                  </p:childTnLst>
+                                </p:cTn>
+                              </p:par>
+                              <p:par>
+                                <p:cTn id="19" presetID="22" presetClass="entr" presetSubtype="4" fill="hold" nodeType="withEffect">
+                                  <p:stCondLst>
+                                    <p:cond delay="0"/>
+                                  </p:stCondLst>
+                                  <p:childTnLst>
+                                    <p:set>
+                                      <p:cBhvr>
+                                        <p:cTn id="20" dur="1" fill="hold">
+                                          <p:stCondLst>
+                                            <p:cond delay="0"/>
+                                          </p:stCondLst>
+                                        </p:cTn>
+                                        <p:tgtEl>
+                                          <p:spTgt spid="3">
+                                            <p:txEl>
+                                              <p:pRg st="4" end="4"/>
+                                            </p:txEl>
+                                          </p:spTgt>
+                                        </p:tgtEl>
+                                        <p:attrNameLst>
+                                          <p:attrName>style.visibility</p:attrName>
+                                        </p:attrNameLst>
+                                      </p:cBhvr>
+                                      <p:to>
+                                        <p:strVal val="visible"/>
+                                      </p:to>
+                                    </p:set>
+                                    <p:animEffect transition="in" filter="wipe(down)">
+                                      <p:cBhvr>
+                                        <p:cTn id="21" dur="500"/>
+                                        <p:tgtEl>
+                                          <p:spTgt spid="3">
+                                            <p:txEl>
+                                              <p:pRg st="4" end="4"/>
+                                            </p:txEl>
+                                          </p:spTgt>
+                                        </p:tgtEl>
+                                      </p:cBhvr>
+                                    </p:animEffect>
+                                  </p:childTnLst>
+                                </p:cTn>
+                              </p:par>
+                            </p:childTnLst>
+                          </p:cTn>
+                        </p:par>
+                      </p:childTnLst>
+                    </p:cTn>
+                  </p:par>
+                </p:childTnLst>
+              </p:cTn>
+              <p:prevCondLst>
+                <p:cond evt="onPrev" delay="0">
+                  <p:tgtEl>
+                    <p:sldTgt/>
+                  </p:tgtEl>
+                </p:cond>
+              </p:prevCondLst>
+              <p:nextCondLst>
+                <p:cond evt="onNext" delay="0">
+                  <p:tgtEl>
+                    <p:sldTgt/>
+                  </p:tgtEl>
+                </p:cond>
+              </p:nextCondLst>
+            </p:seq>
+          </p:childTnLst>
+        </p:cTn>
       </p:par>
     </p:tnLst>
   </p:timing>
@@ -7349,7 +9379,7 @@
         </p:nvSpPr>
         <p:spPr>
           <a:xfrm>
-            <a:off x="-2063008" y="-600075"/>
+            <a:off x="-1399817" y="-600075"/>
             <a:ext cx="8229600" cy="1200150"/>
           </a:xfrm>
         </p:spPr>
@@ -7364,7 +9394,21 @@
                 <a:latin typeface="Times New Roman" pitchFamily="18" charset="0"/>
                 <a:cs typeface="Times New Roman" pitchFamily="18" charset="0"/>
               </a:rPr>
-              <a:t>2. Mục tiêu đề tài(tt)</a:t>
+              <a:t>2. Mục </a:t>
+            </a:r>
+            <a:r>
+              <a:rPr lang="en-US" sz="3400" smtClean="0">
+                <a:latin typeface="Times New Roman" pitchFamily="18" charset="0"/>
+                <a:cs typeface="Times New Roman" pitchFamily="18" charset="0"/>
+              </a:rPr>
+              <a:t>tiêu, phạm vi </a:t>
+            </a:r>
+            <a:r>
+              <a:rPr lang="en-US" sz="3400">
+                <a:latin typeface="Times New Roman" pitchFamily="18" charset="0"/>
+                <a:cs typeface="Times New Roman" pitchFamily="18" charset="0"/>
+              </a:rPr>
+              <a:t>đề tài(tt)</a:t>
             </a:r>
             <a:endParaRPr lang="en-US" sz="3400">
               <a:latin typeface="Arial" panose="020B0604020202020204" pitchFamily="34" charset="0"/>
@@ -7385,7 +9429,7 @@
         </p:nvSpPr>
         <p:spPr>
           <a:xfrm>
-            <a:off x="100649" y="1061725"/>
+            <a:off x="-165351" y="744225"/>
             <a:ext cx="8950987" cy="3902161"/>
           </a:xfrm>
         </p:spPr>
@@ -7430,7 +9474,49 @@
                 <a:latin typeface="Times New Roman" pitchFamily="18" charset="0"/>
                 <a:cs typeface="Times New Roman" pitchFamily="18" charset="0"/>
               </a:rPr>
-              <a:t>Hệ thống cung cấp RESTful API cho các hệ thống khác truy cập và sử dụng, sử dụng Spring boot 2.1.3, giao diện sử dụng Angular 7, Maven 3.6.0, chạy trên server công ty FPT Software, sử dụng hệ quản trị cơ sở dữ liệu MySQL 5 để  lưu trữ dữ liệu.</a:t>
+              <a:t>Hệ thống cung cấp RESTful API cho các hệ thống khác truy cập và sử dụng, sử dụng Spring </a:t>
+            </a:r>
+            <a:r>
+              <a:rPr lang="en-US" sz="1900" smtClean="0">
+                <a:latin typeface="Times New Roman" pitchFamily="18" charset="0"/>
+                <a:cs typeface="Times New Roman" pitchFamily="18" charset="0"/>
+              </a:rPr>
+              <a:t>Boot 2.1.3 [4], </a:t>
+            </a:r>
+            <a:r>
+              <a:rPr lang="en-US" sz="1900">
+                <a:latin typeface="Times New Roman" pitchFamily="18" charset="0"/>
+                <a:cs typeface="Times New Roman" pitchFamily="18" charset="0"/>
+              </a:rPr>
+              <a:t>giao diện sử dụng Angular </a:t>
+            </a:r>
+            <a:r>
+              <a:rPr lang="en-US" sz="1900" smtClean="0">
+                <a:latin typeface="Times New Roman" pitchFamily="18" charset="0"/>
+                <a:cs typeface="Times New Roman" pitchFamily="18" charset="0"/>
+              </a:rPr>
+              <a:t>7 [6], </a:t>
+            </a:r>
+            <a:r>
+              <a:rPr lang="en-US" sz="1900">
+                <a:latin typeface="Times New Roman" pitchFamily="18" charset="0"/>
+                <a:cs typeface="Times New Roman" pitchFamily="18" charset="0"/>
+              </a:rPr>
+              <a:t>Maven 3.6.0, chạy trên server công ty FPT Software, sử dụng hệ quản trị cơ sở dữ liệu MySQL </a:t>
+            </a:r>
+            <a:r>
+              <a:rPr lang="en-US" sz="1900" smtClean="0">
+                <a:latin typeface="Times New Roman" pitchFamily="18" charset="0"/>
+                <a:cs typeface="Times New Roman" pitchFamily="18" charset="0"/>
+              </a:rPr>
+              <a:t>5 [10] </a:t>
+            </a:r>
+            <a:r>
+              <a:rPr lang="en-US" sz="1900">
+                <a:latin typeface="Times New Roman" pitchFamily="18" charset="0"/>
+                <a:cs typeface="Times New Roman" pitchFamily="18" charset="0"/>
+              </a:rPr>
+              <a:t>để  lưu trữ dữ liệu.</a:t>
             </a:r>
           </a:p>
           <a:p>
@@ -7492,10 +9578,219 @@
   <p:clrMapOvr>
     <a:masterClrMapping/>
   </p:clrMapOvr>
+  <p:transition spd="slow">
+    <p:cover/>
+  </p:transition>
   <p:timing>
     <p:tnLst>
       <p:par>
-        <p:cTn id="1" dur="indefinite" restart="never" nodeType="tmRoot"/>
+        <p:cTn id="1" dur="indefinite" restart="never" nodeType="tmRoot">
+          <p:childTnLst>
+            <p:seq concurrent="1" nextAc="seek">
+              <p:cTn id="2" dur="indefinite" nodeType="mainSeq">
+                <p:childTnLst>
+                  <p:par>
+                    <p:cTn id="3" fill="hold">
+                      <p:stCondLst>
+                        <p:cond delay="indefinite"/>
+                      </p:stCondLst>
+                      <p:childTnLst>
+                        <p:par>
+                          <p:cTn id="4" fill="hold">
+                            <p:stCondLst>
+                              <p:cond delay="0"/>
+                            </p:stCondLst>
+                            <p:childTnLst>
+                              <p:par>
+                                <p:cTn id="5" presetID="22" presetClass="entr" presetSubtype="4" fill="hold" nodeType="clickEffect">
+                                  <p:stCondLst>
+                                    <p:cond delay="0"/>
+                                  </p:stCondLst>
+                                  <p:childTnLst>
+                                    <p:set>
+                                      <p:cBhvr>
+                                        <p:cTn id="6" dur="1" fill="hold">
+                                          <p:stCondLst>
+                                            <p:cond delay="0"/>
+                                          </p:stCondLst>
+                                        </p:cTn>
+                                        <p:tgtEl>
+                                          <p:spTgt spid="3">
+                                            <p:txEl>
+                                              <p:pRg st="1" end="1"/>
+                                            </p:txEl>
+                                          </p:spTgt>
+                                        </p:tgtEl>
+                                        <p:attrNameLst>
+                                          <p:attrName>style.visibility</p:attrName>
+                                        </p:attrNameLst>
+                                      </p:cBhvr>
+                                      <p:to>
+                                        <p:strVal val="visible"/>
+                                      </p:to>
+                                    </p:set>
+                                    <p:animEffect transition="in" filter="wipe(down)">
+                                      <p:cBhvr>
+                                        <p:cTn id="7" dur="500"/>
+                                        <p:tgtEl>
+                                          <p:spTgt spid="3">
+                                            <p:txEl>
+                                              <p:pRg st="1" end="1"/>
+                                            </p:txEl>
+                                          </p:spTgt>
+                                        </p:tgtEl>
+                                      </p:cBhvr>
+                                    </p:animEffect>
+                                  </p:childTnLst>
+                                </p:cTn>
+                              </p:par>
+                            </p:childTnLst>
+                          </p:cTn>
+                        </p:par>
+                      </p:childTnLst>
+                    </p:cTn>
+                  </p:par>
+                  <p:par>
+                    <p:cTn id="8" fill="hold">
+                      <p:stCondLst>
+                        <p:cond delay="indefinite"/>
+                      </p:stCondLst>
+                      <p:childTnLst>
+                        <p:par>
+                          <p:cTn id="9" fill="hold">
+                            <p:stCondLst>
+                              <p:cond delay="0"/>
+                            </p:stCondLst>
+                            <p:childTnLst>
+                              <p:par>
+                                <p:cTn id="10" presetID="22" presetClass="entr" presetSubtype="4" fill="hold" nodeType="clickEffect">
+                                  <p:stCondLst>
+                                    <p:cond delay="0"/>
+                                  </p:stCondLst>
+                                  <p:childTnLst>
+                                    <p:set>
+                                      <p:cBhvr>
+                                        <p:cTn id="11" dur="1" fill="hold">
+                                          <p:stCondLst>
+                                            <p:cond delay="0"/>
+                                          </p:stCondLst>
+                                        </p:cTn>
+                                        <p:tgtEl>
+                                          <p:spTgt spid="3">
+                                            <p:txEl>
+                                              <p:pRg st="2" end="2"/>
+                                            </p:txEl>
+                                          </p:spTgt>
+                                        </p:tgtEl>
+                                        <p:attrNameLst>
+                                          <p:attrName>style.visibility</p:attrName>
+                                        </p:attrNameLst>
+                                      </p:cBhvr>
+                                      <p:to>
+                                        <p:strVal val="visible"/>
+                                      </p:to>
+                                    </p:set>
+                                    <p:animEffect transition="in" filter="wipe(down)">
+                                      <p:cBhvr>
+                                        <p:cTn id="12" dur="500"/>
+                                        <p:tgtEl>
+                                          <p:spTgt spid="3">
+                                            <p:txEl>
+                                              <p:pRg st="2" end="2"/>
+                                            </p:txEl>
+                                          </p:spTgt>
+                                        </p:tgtEl>
+                                      </p:cBhvr>
+                                    </p:animEffect>
+                                  </p:childTnLst>
+                                </p:cTn>
+                              </p:par>
+                            </p:childTnLst>
+                          </p:cTn>
+                        </p:par>
+                      </p:childTnLst>
+                    </p:cTn>
+                  </p:par>
+                  <p:par>
+                    <p:cTn id="13" fill="hold">
+                      <p:stCondLst>
+                        <p:cond delay="indefinite"/>
+                      </p:stCondLst>
+                      <p:childTnLst>
+                        <p:par>
+                          <p:cTn id="14" fill="hold">
+                            <p:stCondLst>
+                              <p:cond delay="0"/>
+                            </p:stCondLst>
+                            <p:childTnLst>
+                              <p:par>
+                                <p:cTn id="15" presetID="22" presetClass="entr" presetSubtype="4" fill="hold" nodeType="clickEffect">
+                                  <p:stCondLst>
+                                    <p:cond delay="0"/>
+                                  </p:stCondLst>
+                                  <p:childTnLst>
+                                    <p:set>
+                                      <p:cBhvr>
+                                        <p:cTn id="16" dur="1" fill="hold">
+                                          <p:stCondLst>
+                                            <p:cond delay="0"/>
+                                          </p:stCondLst>
+                                        </p:cTn>
+                                        <p:tgtEl>
+                                          <p:spTgt spid="3">
+                                            <p:txEl>
+                                              <p:pRg st="3" end="3"/>
+                                            </p:txEl>
+                                          </p:spTgt>
+                                        </p:tgtEl>
+                                        <p:attrNameLst>
+                                          <p:attrName>style.visibility</p:attrName>
+                                        </p:attrNameLst>
+                                      </p:cBhvr>
+                                      <p:to>
+                                        <p:strVal val="visible"/>
+                                      </p:to>
+                                    </p:set>
+                                    <p:animEffect transition="in" filter="wipe(down)">
+                                      <p:cBhvr>
+                                        <p:cTn id="17" dur="500"/>
+                                        <p:tgtEl>
+                                          <p:spTgt spid="3">
+                                            <p:txEl>
+                                              <p:pRg st="3" end="3"/>
+                                            </p:txEl>
+                                          </p:spTgt>
+                                        </p:tgtEl>
+                                      </p:cBhvr>
+                                    </p:animEffect>
+                                  </p:childTnLst>
+                                </p:cTn>
+                              </p:par>
+                            </p:childTnLst>
+                          </p:cTn>
+                        </p:par>
+                      </p:childTnLst>
+                    </p:cTn>
+                  </p:par>
+                </p:childTnLst>
+              </p:cTn>
+              <p:prevCondLst>
+                <p:cond evt="onPrev" delay="0">
+                  <p:tgtEl>
+                    <p:sldTgt/>
+                  </p:tgtEl>
+                </p:cond>
+              </p:prevCondLst>
+              <p:nextCondLst>
+                <p:cond evt="onNext" delay="0">
+                  <p:tgtEl>
+                    <p:sldTgt/>
+                  </p:tgtEl>
+                </p:cond>
+              </p:nextCondLst>
+            </p:seq>
+          </p:childTnLst>
+        </p:cTn>
       </p:par>
     </p:tnLst>
   </p:timing>
@@ -7531,7 +9826,7 @@
         </p:nvSpPr>
         <p:spPr>
           <a:xfrm>
-            <a:off x="-1997035" y="-514350"/>
+            <a:off x="-2188040" y="-542370"/>
             <a:ext cx="8229600" cy="1200150"/>
           </a:xfrm>
         </p:spPr>
@@ -7578,7 +9873,7 @@
         <p:spPr>
           <a:xfrm>
             <a:off x="582200" y="657780"/>
-            <a:ext cx="6116197" cy="2910580"/>
+            <a:ext cx="6116197" cy="522627"/>
           </a:xfrm>
         </p:spPr>
         <p:txBody>
@@ -7596,8 +9891,19 @@
                 <a:latin typeface="Times New Roman" pitchFamily="18" charset="0"/>
                 <a:cs typeface="Times New Roman" pitchFamily="18" charset="0"/>
               </a:rPr>
-              <a:t>Usecase tổng quát:</a:t>
-            </a:r>
+              <a:t>Usecase tổng quát</a:t>
+            </a:r>
+            <a:r>
+              <a:rPr lang="en-US" sz="1900" smtClean="0">
+                <a:latin typeface="Times New Roman" pitchFamily="18" charset="0"/>
+                <a:cs typeface="Times New Roman" pitchFamily="18" charset="0"/>
+              </a:rPr>
+              <a:t>:</a:t>
+            </a:r>
+            <a:endParaRPr lang="en-US" sz="1900" smtClean="0">
+              <a:latin typeface="Times New Roman" pitchFamily="18" charset="0"/>
+              <a:cs typeface="Times New Roman" pitchFamily="18" charset="0"/>
+            </a:endParaRPr>
           </a:p>
         </p:txBody>
       </p:sp>
@@ -7627,11 +9933,11 @@
       </p:sp>
       <p:pic>
         <p:nvPicPr>
-          <p:cNvPr id="5" name="Picture 4"/>
+          <p:cNvPr id="7" name="Picture 6"/>
           <p:cNvPicPr/>
           <p:nvPr/>
         </p:nvPicPr>
-        <p:blipFill>
+        <p:blipFill rotWithShape="1">
           <a:blip r:embed="rId2">
             <a:extLst>
               <a:ext uri="{28A0092B-C50C-407E-A947-70E740481C1C}">
@@ -7639,15 +9945,13 @@
               </a:ext>
             </a:extLst>
           </a:blip>
-          <a:srcRect/>
-          <a:stretch>
-            <a:fillRect/>
-          </a:stretch>
+          <a:srcRect l="1223" t="1972" r="1423" b="1446"/>
+          <a:stretch/>
         </p:blipFill>
         <p:spPr bwMode="auto">
           <a:xfrm>
-            <a:off x="980121" y="1013252"/>
-            <a:ext cx="7012487" cy="4130247"/>
+            <a:off x="1926760" y="509567"/>
+            <a:ext cx="5086989" cy="4633933"/>
           </a:xfrm>
           <a:prstGeom prst="rect">
             <a:avLst/>
@@ -7656,6 +9960,11 @@
           <a:ln>
             <a:noFill/>
           </a:ln>
+          <a:extLst>
+            <a:ext uri="{53640926-AAD7-44D8-BBD7-CCE9431645EC}">
+              <a14:shadowObscured xmlns:a14="http://schemas.microsoft.com/office/drawing/2010/main"/>
+            </a:ext>
+          </a:extLst>
         </p:spPr>
       </p:pic>
     </p:spTree>
@@ -7668,10 +9977,89 @@
   <p:clrMapOvr>
     <a:masterClrMapping/>
   </p:clrMapOvr>
+  <p:transition spd="slow">
+    <p:cover/>
+  </p:transition>
   <p:timing>
     <p:tnLst>
       <p:par>
-        <p:cTn id="1" dur="indefinite" restart="never" nodeType="tmRoot"/>
+        <p:cTn id="1" dur="indefinite" restart="never" nodeType="tmRoot">
+          <p:childTnLst>
+            <p:seq concurrent="1" nextAc="seek">
+              <p:cTn id="2" dur="indefinite" nodeType="mainSeq">
+                <p:childTnLst>
+                  <p:par>
+                    <p:cTn id="3" fill="hold">
+                      <p:stCondLst>
+                        <p:cond delay="indefinite"/>
+                      </p:stCondLst>
+                      <p:childTnLst>
+                        <p:par>
+                          <p:cTn id="4" fill="hold">
+                            <p:stCondLst>
+                              <p:cond delay="0"/>
+                            </p:stCondLst>
+                            <p:childTnLst>
+                              <p:par>
+                                <p:cTn id="5" presetID="22" presetClass="entr" presetSubtype="4" fill="hold" nodeType="clickEffect">
+                                  <p:stCondLst>
+                                    <p:cond delay="0"/>
+                                  </p:stCondLst>
+                                  <p:childTnLst>
+                                    <p:set>
+                                      <p:cBhvr>
+                                        <p:cTn id="6" dur="1" fill="hold">
+                                          <p:stCondLst>
+                                            <p:cond delay="0"/>
+                                          </p:stCondLst>
+                                        </p:cTn>
+                                        <p:tgtEl>
+                                          <p:spTgt spid="7"/>
+                                        </p:tgtEl>
+                                        <p:attrNameLst>
+                                          <p:attrName>style.visibility</p:attrName>
+                                        </p:attrNameLst>
+                                      </p:cBhvr>
+                                      <p:to>
+                                        <p:strVal val="visible"/>
+                                      </p:to>
+                                    </p:set>
+                                    <p:animEffect transition="in" filter="wipe(down)">
+                                      <p:cBhvr>
+                                        <p:cTn id="7" dur="500"/>
+                                        <p:tgtEl>
+                                          <p:spTgt spid="7"/>
+                                        </p:tgtEl>
+                                      </p:cBhvr>
+                                    </p:animEffect>
+                                  </p:childTnLst>
+                                </p:cTn>
+                              </p:par>
+                            </p:childTnLst>
+                          </p:cTn>
+                        </p:par>
+                      </p:childTnLst>
+                    </p:cTn>
+                  </p:par>
+                </p:childTnLst>
+              </p:cTn>
+              <p:prevCondLst>
+                <p:cond evt="onPrev" delay="0">
+                  <p:tgtEl>
+                    <p:sldTgt/>
+                  </p:tgtEl>
+                </p:cond>
+              </p:prevCondLst>
+              <p:nextCondLst>
+                <p:cond evt="onNext" delay="0">
+                  <p:tgtEl>
+                    <p:sldTgt/>
+                  </p:tgtEl>
+                </p:cond>
+              </p:nextCondLst>
+            </p:seq>
+          </p:childTnLst>
+        </p:cTn>
       </p:par>
     </p:tnLst>
   </p:timing>
@@ -8368,7 +10756,9 @@
             <a:r>
               <a:rPr lang="en-US" sz="1900">
                 <a:solidFill>
-                  <a:schemeClr val="tx1"/>
+                  <a:schemeClr val="bg1">
+                    <a:lumMod val="50000"/>
+                  </a:schemeClr>
                 </a:solidFill>
                 <a:latin typeface="Times New Roman" pitchFamily="18" charset="0"/>
                 <a:cs typeface="Times New Roman" pitchFamily="18" charset="0"/>
@@ -8379,7 +10769,9 @@
           <a:p>
             <a:endParaRPr lang="en-US" sz="1900">
               <a:solidFill>
-                <a:schemeClr val="tx1"/>
+                <a:schemeClr val="bg1">
+                  <a:lumMod val="50000"/>
+                </a:schemeClr>
               </a:solidFill>
               <a:latin typeface="Times New Roman" pitchFamily="18" charset="0"/>
               <a:cs typeface="Times New Roman" pitchFamily="18" charset="0"/>
@@ -8397,10 +10789,89 @@
   <p:clrMapOvr>
     <a:masterClrMapping/>
   </p:clrMapOvr>
+  <p:transition spd="slow">
+    <p:cover/>
+  </p:transition>
   <p:timing>
     <p:tnLst>
       <p:par>
-        <p:cTn id="1" dur="indefinite" restart="never" nodeType="tmRoot"/>
+        <p:cTn id="1" dur="indefinite" restart="never" nodeType="tmRoot">
+          <p:childTnLst>
+            <p:seq concurrent="1" nextAc="seek">
+              <p:cTn id="2" dur="indefinite" nodeType="mainSeq">
+                <p:childTnLst>
+                  <p:par>
+                    <p:cTn id="3" fill="hold">
+                      <p:stCondLst>
+                        <p:cond delay="indefinite"/>
+                      </p:stCondLst>
+                      <p:childTnLst>
+                        <p:par>
+                          <p:cTn id="4" fill="hold">
+                            <p:stCondLst>
+                              <p:cond delay="0"/>
+                            </p:stCondLst>
+                            <p:childTnLst>
+                              <p:par>
+                                <p:cTn id="5" presetID="22" presetClass="entr" presetSubtype="4" fill="hold" nodeType="clickEffect">
+                                  <p:stCondLst>
+                                    <p:cond delay="0"/>
+                                  </p:stCondLst>
+                                  <p:childTnLst>
+                                    <p:set>
+                                      <p:cBhvr>
+                                        <p:cTn id="6" dur="1" fill="hold">
+                                          <p:stCondLst>
+                                            <p:cond delay="0"/>
+                                          </p:stCondLst>
+                                        </p:cTn>
+                                        <p:tgtEl>
+                                          <p:spTgt spid="9"/>
+                                        </p:tgtEl>
+                                        <p:attrNameLst>
+                                          <p:attrName>style.visibility</p:attrName>
+                                        </p:attrNameLst>
+                                      </p:cBhvr>
+                                      <p:to>
+                                        <p:strVal val="visible"/>
+                                      </p:to>
+                                    </p:set>
+                                    <p:animEffect transition="in" filter="wipe(down)">
+                                      <p:cBhvr>
+                                        <p:cTn id="7" dur="500"/>
+                                        <p:tgtEl>
+                                          <p:spTgt spid="9"/>
+                                        </p:tgtEl>
+                                      </p:cBhvr>
+                                    </p:animEffect>
+                                  </p:childTnLst>
+                                </p:cTn>
+                              </p:par>
+                            </p:childTnLst>
+                          </p:cTn>
+                        </p:par>
+                      </p:childTnLst>
+                    </p:cTn>
+                  </p:par>
+                </p:childTnLst>
+              </p:cTn>
+              <p:prevCondLst>
+                <p:cond evt="onPrev" delay="0">
+                  <p:tgtEl>
+                    <p:sldTgt/>
+                  </p:tgtEl>
+                </p:cond>
+              </p:prevCondLst>
+              <p:nextCondLst>
+                <p:cond evt="onNext" delay="0">
+                  <p:tgtEl>
+                    <p:sldTgt/>
+                  </p:tgtEl>
+                </p:cond>
+              </p:nextCondLst>
+            </p:seq>
+          </p:childTnLst>
+        </p:cTn>
       </p:par>
     </p:tnLst>
   </p:timing>
@@ -8436,8 +10907,8 @@
         </p:nvSpPr>
         <p:spPr>
           <a:xfrm>
-            <a:off x="0" y="118012"/>
-            <a:ext cx="8779111" cy="1263980"/>
+            <a:off x="239122" y="129666"/>
+            <a:ext cx="8779111" cy="629091"/>
           </a:xfrm>
         </p:spPr>
         <p:txBody>
@@ -8453,32 +10924,44 @@
             <a:r>
               <a:rPr lang="en-US" sz="1900">
                 <a:solidFill>
-                  <a:schemeClr val="tx1"/>
-                </a:solidFill>
-                <a:latin typeface="Times New Roman" pitchFamily="18" charset="0"/>
-                <a:cs typeface="Times New Roman" pitchFamily="18" charset="0"/>
-              </a:rPr>
-              <a:t>Mô hình lớp </a:t>
+                  <a:schemeClr val="bg1">
+                    <a:lumMod val="50000"/>
+                  </a:schemeClr>
+                </a:solidFill>
+                <a:latin typeface="Times New Roman" pitchFamily="18" charset="0"/>
+                <a:cs typeface="Times New Roman" pitchFamily="18" charset="0"/>
+              </a:rPr>
+              <a:t>Mô hình lớp chỉ bao gồm các </a:t>
+            </a:r>
+            <a:r>
+              <a:rPr lang="en-US" sz="1900" smtClean="0">
+                <a:solidFill>
+                  <a:schemeClr val="bg1">
+                    <a:lumMod val="50000"/>
+                  </a:schemeClr>
+                </a:solidFill>
+                <a:latin typeface="Times New Roman" pitchFamily="18" charset="0"/>
+                <a:cs typeface="Times New Roman" pitchFamily="18" charset="0"/>
+              </a:rPr>
+              <a:t>Entity</a:t>
             </a:r>
             <a:r>
               <a:rPr lang="en-US" sz="1900">
-                <a:latin typeface="Times New Roman" pitchFamily="18" charset="0"/>
-                <a:cs typeface="Times New Roman" pitchFamily="18" charset="0"/>
-              </a:rPr>
-              <a:t>chỉ bao gồm các Entity:</a:t>
+                <a:solidFill>
+                  <a:schemeClr val="bg1">
+                    <a:lumMod val="50000"/>
+                  </a:schemeClr>
+                </a:solidFill>
+                <a:latin typeface="Times New Roman" pitchFamily="18" charset="0"/>
+                <a:cs typeface="Times New Roman" pitchFamily="18" charset="0"/>
+              </a:rPr>
+              <a:t>:</a:t>
             </a:r>
             <a:endParaRPr lang="en-US" sz="1900">
               <a:solidFill>
-                <a:schemeClr val="tx1"/>
-              </a:solidFill>
-              <a:latin typeface="Times New Roman" pitchFamily="18" charset="0"/>
-              <a:cs typeface="Times New Roman" pitchFamily="18" charset="0"/>
-            </a:endParaRPr>
-          </a:p>
-          <a:p>
-            <a:endParaRPr lang="en-US" sz="1900">
-              <a:solidFill>
-                <a:schemeClr val="tx1"/>
+                <a:schemeClr val="bg1">
+                  <a:lumMod val="50000"/>
+                </a:schemeClr>
               </a:solidFill>
               <a:latin typeface="Times New Roman" pitchFamily="18" charset="0"/>
               <a:cs typeface="Times New Roman" pitchFamily="18" charset="0"/>
@@ -8518,7 +11001,7 @@
           </p:cNvPicPr>
           <p:nvPr/>
         </p:nvPicPr>
-        <p:blipFill>
+        <p:blipFill rotWithShape="1">
           <a:blip r:embed="rId2">
             <a:extLst>
               <a:ext uri="{28A0092B-C50C-407E-A947-70E740481C1C}">
@@ -8526,15 +11009,13 @@
               </a:ext>
             </a:extLst>
           </a:blip>
-          <a:srcRect/>
-          <a:stretch>
-            <a:fillRect/>
-          </a:stretch>
+          <a:srcRect l="1477" t="2129" r="1150" b="2121"/>
+          <a:stretch/>
         </p:blipFill>
         <p:spPr bwMode="auto">
           <a:xfrm>
-            <a:off x="591968" y="469556"/>
-            <a:ext cx="8073421" cy="4788243"/>
+            <a:off x="248850" y="536467"/>
+            <a:ext cx="8583865" cy="4377447"/>
           </a:xfrm>
           <a:prstGeom prst="rect">
             <a:avLst/>
@@ -8584,10 +11065,89 @@
   <p:clrMapOvr>
     <a:masterClrMapping/>
   </p:clrMapOvr>
+  <p:transition spd="slow">
+    <p:cover/>
+  </p:transition>
   <p:timing>
     <p:tnLst>
       <p:par>
-        <p:cTn id="1" dur="indefinite" restart="never" nodeType="tmRoot"/>
+        <p:cTn id="1" dur="indefinite" restart="never" nodeType="tmRoot">
+          <p:childTnLst>
+            <p:seq concurrent="1" nextAc="seek">
+              <p:cTn id="2" dur="indefinite" nodeType="mainSeq">
+                <p:childTnLst>
+                  <p:par>
+                    <p:cTn id="3" fill="hold">
+                      <p:stCondLst>
+                        <p:cond delay="indefinite"/>
+                      </p:stCondLst>
+                      <p:childTnLst>
+                        <p:par>
+                          <p:cTn id="4" fill="hold">
+                            <p:stCondLst>
+                              <p:cond delay="0"/>
+                            </p:stCondLst>
+                            <p:childTnLst>
+                              <p:par>
+                                <p:cTn id="5" presetID="22" presetClass="entr" presetSubtype="4" fill="hold" nodeType="clickEffect">
+                                  <p:stCondLst>
+                                    <p:cond delay="0"/>
+                                  </p:stCondLst>
+                                  <p:childTnLst>
+                                    <p:set>
+                                      <p:cBhvr>
+                                        <p:cTn id="6" dur="1" fill="hold">
+                                          <p:stCondLst>
+                                            <p:cond delay="0"/>
+                                          </p:stCondLst>
+                                        </p:cTn>
+                                        <p:tgtEl>
+                                          <p:spTgt spid="1026"/>
+                                        </p:tgtEl>
+                                        <p:attrNameLst>
+                                          <p:attrName>style.visibility</p:attrName>
+                                        </p:attrNameLst>
+                                      </p:cBhvr>
+                                      <p:to>
+                                        <p:strVal val="visible"/>
+                                      </p:to>
+                                    </p:set>
+                                    <p:animEffect transition="in" filter="wipe(down)">
+                                      <p:cBhvr>
+                                        <p:cTn id="7" dur="500"/>
+                                        <p:tgtEl>
+                                          <p:spTgt spid="1026"/>
+                                        </p:tgtEl>
+                                      </p:cBhvr>
+                                    </p:animEffect>
+                                  </p:childTnLst>
+                                </p:cTn>
+                              </p:par>
+                            </p:childTnLst>
+                          </p:cTn>
+                        </p:par>
+                      </p:childTnLst>
+                    </p:cTn>
+                  </p:par>
+                </p:childTnLst>
+              </p:cTn>
+              <p:prevCondLst>
+                <p:cond evt="onPrev" delay="0">
+                  <p:tgtEl>
+                    <p:sldTgt/>
+                  </p:tgtEl>
+                </p:cond>
+              </p:prevCondLst>
+              <p:nextCondLst>
+                <p:cond evt="onNext" delay="0">
+                  <p:tgtEl>
+                    <p:sldTgt/>
+                  </p:tgtEl>
+                </p:cond>
+              </p:nextCondLst>
+            </p:seq>
+          </p:childTnLst>
+        </p:cTn>
       </p:par>
     </p:tnLst>
   </p:timing>
@@ -8754,7 +11314,7 @@
         </p:blipFill>
         <p:spPr bwMode="auto">
           <a:xfrm>
-            <a:off x="1680519" y="852616"/>
+            <a:off x="2137719" y="852616"/>
             <a:ext cx="5968313" cy="4188941"/>
           </a:xfrm>
           <a:prstGeom prst="rect">
@@ -8805,10 +11365,89 @@
   <p:clrMapOvr>
     <a:masterClrMapping/>
   </p:clrMapOvr>
+  <p:transition spd="slow">
+    <p:cover/>
+  </p:transition>
   <p:timing>
     <p:tnLst>
       <p:par>
-        <p:cTn id="1" dur="indefinite" restart="never" nodeType="tmRoot"/>
+        <p:cTn id="1" dur="indefinite" restart="never" nodeType="tmRoot">
+          <p:childTnLst>
+            <p:seq concurrent="1" nextAc="seek">
+              <p:cTn id="2" dur="indefinite" nodeType="mainSeq">
+                <p:childTnLst>
+                  <p:par>
+                    <p:cTn id="3" fill="hold">
+                      <p:stCondLst>
+                        <p:cond delay="indefinite"/>
+                      </p:stCondLst>
+                      <p:childTnLst>
+                        <p:par>
+                          <p:cTn id="4" fill="hold">
+                            <p:stCondLst>
+                              <p:cond delay="0"/>
+                            </p:stCondLst>
+                            <p:childTnLst>
+                              <p:par>
+                                <p:cTn id="5" presetID="22" presetClass="entr" presetSubtype="4" fill="hold" nodeType="clickEffect">
+                                  <p:stCondLst>
+                                    <p:cond delay="0"/>
+                                  </p:stCondLst>
+                                  <p:childTnLst>
+                                    <p:set>
+                                      <p:cBhvr>
+                                        <p:cTn id="6" dur="1" fill="hold">
+                                          <p:stCondLst>
+                                            <p:cond delay="0"/>
+                                          </p:stCondLst>
+                                        </p:cTn>
+                                        <p:tgtEl>
+                                          <p:spTgt spid="1026"/>
+                                        </p:tgtEl>
+                                        <p:attrNameLst>
+                                          <p:attrName>style.visibility</p:attrName>
+                                        </p:attrNameLst>
+                                      </p:cBhvr>
+                                      <p:to>
+                                        <p:strVal val="visible"/>
+                                      </p:to>
+                                    </p:set>
+                                    <p:animEffect transition="in" filter="wipe(down)">
+                                      <p:cBhvr>
+                                        <p:cTn id="7" dur="500"/>
+                                        <p:tgtEl>
+                                          <p:spTgt spid="1026"/>
+                                        </p:tgtEl>
+                                      </p:cBhvr>
+                                    </p:animEffect>
+                                  </p:childTnLst>
+                                </p:cTn>
+                              </p:par>
+                            </p:childTnLst>
+                          </p:cTn>
+                        </p:par>
+                      </p:childTnLst>
+                    </p:cTn>
+                  </p:par>
+                </p:childTnLst>
+              </p:cTn>
+              <p:prevCondLst>
+                <p:cond evt="onPrev" delay="0">
+                  <p:tgtEl>
+                    <p:sldTgt/>
+                  </p:tgtEl>
+                </p:cond>
+              </p:prevCondLst>
+              <p:nextCondLst>
+                <p:cond evt="onNext" delay="0">
+                  <p:tgtEl>
+                    <p:sldTgt/>
+                  </p:tgtEl>
+                </p:cond>
+              </p:nextCondLst>
+            </p:seq>
+          </p:childTnLst>
+        </p:cTn>
       </p:par>
     </p:tnLst>
   </p:timing>
@@ -9350,7 +11989,7 @@
   <a:extraClrSchemeLst/>
   <a:extLst>
     <a:ext uri="{05A4C25C-085E-4340-85A3-A5531E510DB2}">
-      <thm15:themeFamily xmlns="" xmlns:thm15="http://schemas.microsoft.com/office/thememl/2012/main" name="Office Theme" id="{62F939B6-93AF-4DB8-9C6B-D6C7DFDC589F}" vid="{4A3C46E8-61CC-4603-A589-7422A47A8E4A}"/>
+      <thm15:themeFamily xmlns:thm15="http://schemas.microsoft.com/office/thememl/2012/main" name="Office Theme" id="{62F939B6-93AF-4DB8-9C6B-D6C7DFDC589F}" vid="{4A3C46E8-61CC-4603-A589-7422A47A8E4A}"/>
     </a:ext>
   </a:extLst>
 </a:theme>

--- a/doc/BAO_CAO-DO_AN_TOT_NGHIEP-SKILL_INVENTORY.pptx
+++ b/doc/BAO_CAO-DO_AN_TOT_NGHIEP-SKILL_INVENTORY.pptx
@@ -15,7 +15,7 @@
     <p:sldId id="279" r:id="rId6"/>
     <p:sldId id="268" r:id="rId7"/>
     <p:sldId id="274" r:id="rId8"/>
-    <p:sldId id="275" r:id="rId9"/>
+    <p:sldId id="297" r:id="rId9"/>
     <p:sldId id="262" r:id="rId10"/>
     <p:sldId id="292" r:id="rId11"/>
     <p:sldId id="291" r:id="rId12"/>
@@ -24,14 +24,14 @@
     <p:sldId id="263" r:id="rId15"/>
     <p:sldId id="264" r:id="rId16"/>
   </p:sldIdLst>
-  <p:sldSz cx="9144000" cy="5143500" type="screen16x9"/>
+  <p:sldSz cx="10058400" cy="6858000"/>
   <p:notesSz cx="6858000" cy="9144000"/>
   <p:defaultTextStyle>
     <a:defPPr>
       <a:defRPr lang="en-US"/>
     </a:defPPr>
-    <a:lvl1pPr marL="0" algn="l" defTabSz="685723" rtl="0" eaLnBrk="1" latinLnBrk="0" hangingPunct="1">
-      <a:defRPr sz="1300" kern="1200">
+    <a:lvl1pPr marL="0" algn="l" defTabSz="811896" rtl="0" eaLnBrk="1" latinLnBrk="0" hangingPunct="1">
+      <a:defRPr sz="1539" kern="1200">
         <a:solidFill>
           <a:schemeClr val="tx1"/>
         </a:solidFill>
@@ -40,8 +40,8 @@
         <a:cs typeface="+mn-cs"/>
       </a:defRPr>
     </a:lvl1pPr>
-    <a:lvl2pPr marL="342862" algn="l" defTabSz="685723" rtl="0" eaLnBrk="1" latinLnBrk="0" hangingPunct="1">
-      <a:defRPr sz="1300" kern="1200">
+    <a:lvl2pPr marL="405949" algn="l" defTabSz="811896" rtl="0" eaLnBrk="1" latinLnBrk="0" hangingPunct="1">
+      <a:defRPr sz="1539" kern="1200">
         <a:solidFill>
           <a:schemeClr val="tx1"/>
         </a:solidFill>
@@ -50,8 +50,8 @@
         <a:cs typeface="+mn-cs"/>
       </a:defRPr>
     </a:lvl2pPr>
-    <a:lvl3pPr marL="685723" algn="l" defTabSz="685723" rtl="0" eaLnBrk="1" latinLnBrk="0" hangingPunct="1">
-      <a:defRPr sz="1300" kern="1200">
+    <a:lvl3pPr marL="811896" algn="l" defTabSz="811896" rtl="0" eaLnBrk="1" latinLnBrk="0" hangingPunct="1">
+      <a:defRPr sz="1539" kern="1200">
         <a:solidFill>
           <a:schemeClr val="tx1"/>
         </a:solidFill>
@@ -60,8 +60,8 @@
         <a:cs typeface="+mn-cs"/>
       </a:defRPr>
     </a:lvl3pPr>
-    <a:lvl4pPr marL="1028585" algn="l" defTabSz="685723" rtl="0" eaLnBrk="1" latinLnBrk="0" hangingPunct="1">
-      <a:defRPr sz="1300" kern="1200">
+    <a:lvl4pPr marL="1217845" algn="l" defTabSz="811896" rtl="0" eaLnBrk="1" latinLnBrk="0" hangingPunct="1">
+      <a:defRPr sz="1539" kern="1200">
         <a:solidFill>
           <a:schemeClr val="tx1"/>
         </a:solidFill>
@@ -70,8 +70,8 @@
         <a:cs typeface="+mn-cs"/>
       </a:defRPr>
     </a:lvl4pPr>
-    <a:lvl5pPr marL="1371446" algn="l" defTabSz="685723" rtl="0" eaLnBrk="1" latinLnBrk="0" hangingPunct="1">
-      <a:defRPr sz="1300" kern="1200">
+    <a:lvl5pPr marL="1623792" algn="l" defTabSz="811896" rtl="0" eaLnBrk="1" latinLnBrk="0" hangingPunct="1">
+      <a:defRPr sz="1539" kern="1200">
         <a:solidFill>
           <a:schemeClr val="tx1"/>
         </a:solidFill>
@@ -80,8 +80,8 @@
         <a:cs typeface="+mn-cs"/>
       </a:defRPr>
     </a:lvl5pPr>
-    <a:lvl6pPr marL="1714308" algn="l" defTabSz="685723" rtl="0" eaLnBrk="1" latinLnBrk="0" hangingPunct="1">
-      <a:defRPr sz="1300" kern="1200">
+    <a:lvl6pPr marL="2029741" algn="l" defTabSz="811896" rtl="0" eaLnBrk="1" latinLnBrk="0" hangingPunct="1">
+      <a:defRPr sz="1539" kern="1200">
         <a:solidFill>
           <a:schemeClr val="tx1"/>
         </a:solidFill>
@@ -90,8 +90,8 @@
         <a:cs typeface="+mn-cs"/>
       </a:defRPr>
     </a:lvl6pPr>
-    <a:lvl7pPr marL="2057170" algn="l" defTabSz="685723" rtl="0" eaLnBrk="1" latinLnBrk="0" hangingPunct="1">
-      <a:defRPr sz="1300" kern="1200">
+    <a:lvl7pPr marL="2435689" algn="l" defTabSz="811896" rtl="0" eaLnBrk="1" latinLnBrk="0" hangingPunct="1">
+      <a:defRPr sz="1539" kern="1200">
         <a:solidFill>
           <a:schemeClr val="tx1"/>
         </a:solidFill>
@@ -100,8 +100,8 @@
         <a:cs typeface="+mn-cs"/>
       </a:defRPr>
     </a:lvl7pPr>
-    <a:lvl8pPr marL="2400031" algn="l" defTabSz="685723" rtl="0" eaLnBrk="1" latinLnBrk="0" hangingPunct="1">
-      <a:defRPr sz="1300" kern="1200">
+    <a:lvl8pPr marL="2841637" algn="l" defTabSz="811896" rtl="0" eaLnBrk="1" latinLnBrk="0" hangingPunct="1">
+      <a:defRPr sz="1539" kern="1200">
         <a:solidFill>
           <a:schemeClr val="tx1"/>
         </a:solidFill>
@@ -110,8 +110,8 @@
         <a:cs typeface="+mn-cs"/>
       </a:defRPr>
     </a:lvl8pPr>
-    <a:lvl9pPr marL="2742893" algn="l" defTabSz="685723" rtl="0" eaLnBrk="1" latinLnBrk="0" hangingPunct="1">
-      <a:defRPr sz="1300" kern="1200">
+    <a:lvl9pPr marL="3247585" algn="l" defTabSz="811896" rtl="0" eaLnBrk="1" latinLnBrk="0" hangingPunct="1">
+      <a:defRPr sz="1539" kern="1200">
         <a:solidFill>
           <a:schemeClr val="tx1"/>
         </a:solidFill>
@@ -124,22 +124,22 @@
   <p:extLst>
     <p:ext uri="{EFAFB233-063F-42B5-8137-9DF3F51BA10A}">
       <p15:sldGuideLst xmlns:p15="http://schemas.microsoft.com/office/powerpoint/2012/main">
-        <p15:guide id="1" orient="horz" pos="2016">
+        <p15:guide id="1" orient="horz" pos="2688" userDrawn="1">
           <p15:clr>
             <a:srgbClr val="A4A3A4"/>
           </p15:clr>
         </p15:guide>
-        <p15:guide id="2" pos="3312">
+        <p15:guide id="2" pos="3643" userDrawn="1">
           <p15:clr>
             <a:srgbClr val="A4A3A4"/>
           </p15:clr>
         </p15:guide>
-        <p15:guide id="3" orient="horz" pos="1620">
+        <p15:guide id="3" orient="horz" pos="2160" userDrawn="1">
           <p15:clr>
             <a:srgbClr val="A4A3A4"/>
           </p15:clr>
         </p15:guide>
-        <p15:guide id="4" pos="2880">
+        <p15:guide id="4" pos="3168" userDrawn="1">
           <p15:clr>
             <a:srgbClr val="A4A3A4"/>
           </p15:clr>
@@ -232,7 +232,7 @@
           <a:p>
             <a:fld id="{A96E8428-2631-43B4-B7F6-00FB52B54726}" type="datetimeFigureOut">
               <a:rPr lang="en-US" smtClean="0"/>
-              <a:t>6/1/2019</a:t>
+              <a:t>6/2/2019</a:t>
             </a:fld>
             <a:endParaRPr lang="en-US"/>
           </a:p>
@@ -250,8 +250,8 @@
         </p:nvSpPr>
         <p:spPr>
           <a:xfrm>
-            <a:off x="685800" y="1143000"/>
-            <a:ext cx="5486400" cy="3086100"/>
+            <a:off x="1165225" y="1143000"/>
+            <a:ext cx="4527550" cy="3086100"/>
           </a:xfrm>
           <a:prstGeom prst="rect">
             <a:avLst/>
@@ -406,8 +406,8 @@
   </p:cSld>
   <p:clrMap bg1="lt1" tx1="dk1" bg2="lt2" tx2="dk2" accent1="accent1" accent2="accent2" accent3="accent3" accent4="accent4" accent5="accent5" accent6="accent6" hlink="hlink" folHlink="folHlink"/>
   <p:notesStyle>
-    <a:lvl1pPr marL="0" algn="l" defTabSz="685723" rtl="0" eaLnBrk="1" latinLnBrk="0" hangingPunct="1">
-      <a:defRPr sz="900" kern="1200">
+    <a:lvl1pPr marL="0" algn="l" defTabSz="811896" rtl="0" eaLnBrk="1" latinLnBrk="0" hangingPunct="1">
+      <a:defRPr sz="1066" kern="1200">
         <a:solidFill>
           <a:schemeClr val="tx1"/>
         </a:solidFill>
@@ -416,8 +416,8 @@
         <a:cs typeface="+mn-cs"/>
       </a:defRPr>
     </a:lvl1pPr>
-    <a:lvl2pPr marL="342862" algn="l" defTabSz="685723" rtl="0" eaLnBrk="1" latinLnBrk="0" hangingPunct="1">
-      <a:defRPr sz="900" kern="1200">
+    <a:lvl2pPr marL="405949" algn="l" defTabSz="811896" rtl="0" eaLnBrk="1" latinLnBrk="0" hangingPunct="1">
+      <a:defRPr sz="1066" kern="1200">
         <a:solidFill>
           <a:schemeClr val="tx1"/>
         </a:solidFill>
@@ -426,8 +426,8 @@
         <a:cs typeface="+mn-cs"/>
       </a:defRPr>
     </a:lvl2pPr>
-    <a:lvl3pPr marL="685723" algn="l" defTabSz="685723" rtl="0" eaLnBrk="1" latinLnBrk="0" hangingPunct="1">
-      <a:defRPr sz="900" kern="1200">
+    <a:lvl3pPr marL="811896" algn="l" defTabSz="811896" rtl="0" eaLnBrk="1" latinLnBrk="0" hangingPunct="1">
+      <a:defRPr sz="1066" kern="1200">
         <a:solidFill>
           <a:schemeClr val="tx1"/>
         </a:solidFill>
@@ -436,8 +436,8 @@
         <a:cs typeface="+mn-cs"/>
       </a:defRPr>
     </a:lvl3pPr>
-    <a:lvl4pPr marL="1028585" algn="l" defTabSz="685723" rtl="0" eaLnBrk="1" latinLnBrk="0" hangingPunct="1">
-      <a:defRPr sz="900" kern="1200">
+    <a:lvl4pPr marL="1217845" algn="l" defTabSz="811896" rtl="0" eaLnBrk="1" latinLnBrk="0" hangingPunct="1">
+      <a:defRPr sz="1066" kern="1200">
         <a:solidFill>
           <a:schemeClr val="tx1"/>
         </a:solidFill>
@@ -446,8 +446,8 @@
         <a:cs typeface="+mn-cs"/>
       </a:defRPr>
     </a:lvl4pPr>
-    <a:lvl5pPr marL="1371446" algn="l" defTabSz="685723" rtl="0" eaLnBrk="1" latinLnBrk="0" hangingPunct="1">
-      <a:defRPr sz="900" kern="1200">
+    <a:lvl5pPr marL="1623792" algn="l" defTabSz="811896" rtl="0" eaLnBrk="1" latinLnBrk="0" hangingPunct="1">
+      <a:defRPr sz="1066" kern="1200">
         <a:solidFill>
           <a:schemeClr val="tx1"/>
         </a:solidFill>
@@ -456,8 +456,8 @@
         <a:cs typeface="+mn-cs"/>
       </a:defRPr>
     </a:lvl5pPr>
-    <a:lvl6pPr marL="1714308" algn="l" defTabSz="685723" rtl="0" eaLnBrk="1" latinLnBrk="0" hangingPunct="1">
-      <a:defRPr sz="900" kern="1200">
+    <a:lvl6pPr marL="2029741" algn="l" defTabSz="811896" rtl="0" eaLnBrk="1" latinLnBrk="0" hangingPunct="1">
+      <a:defRPr sz="1066" kern="1200">
         <a:solidFill>
           <a:schemeClr val="tx1"/>
         </a:solidFill>
@@ -466,8 +466,8 @@
         <a:cs typeface="+mn-cs"/>
       </a:defRPr>
     </a:lvl6pPr>
-    <a:lvl7pPr marL="2057170" algn="l" defTabSz="685723" rtl="0" eaLnBrk="1" latinLnBrk="0" hangingPunct="1">
-      <a:defRPr sz="900" kern="1200">
+    <a:lvl7pPr marL="2435689" algn="l" defTabSz="811896" rtl="0" eaLnBrk="1" latinLnBrk="0" hangingPunct="1">
+      <a:defRPr sz="1066" kern="1200">
         <a:solidFill>
           <a:schemeClr val="tx1"/>
         </a:solidFill>
@@ -476,8 +476,8 @@
         <a:cs typeface="+mn-cs"/>
       </a:defRPr>
     </a:lvl7pPr>
-    <a:lvl8pPr marL="2400031" algn="l" defTabSz="685723" rtl="0" eaLnBrk="1" latinLnBrk="0" hangingPunct="1">
-      <a:defRPr sz="900" kern="1200">
+    <a:lvl8pPr marL="2841637" algn="l" defTabSz="811896" rtl="0" eaLnBrk="1" latinLnBrk="0" hangingPunct="1">
+      <a:defRPr sz="1066" kern="1200">
         <a:solidFill>
           <a:schemeClr val="tx1"/>
         </a:solidFill>
@@ -486,8 +486,8 @@
         <a:cs typeface="+mn-cs"/>
       </a:defRPr>
     </a:lvl8pPr>
-    <a:lvl9pPr marL="2742893" algn="l" defTabSz="685723" rtl="0" eaLnBrk="1" latinLnBrk="0" hangingPunct="1">
-      <a:defRPr sz="900" kern="1200">
+    <a:lvl9pPr marL="3247585" algn="l" defTabSz="811896" rtl="0" eaLnBrk="1" latinLnBrk="0" hangingPunct="1">
+      <a:defRPr sz="1066" kern="1200">
         <a:solidFill>
           <a:schemeClr val="tx1"/>
         </a:solidFill>
@@ -501,184 +501,6 @@
 </file>
 
 <file path=ppt/notesSlides/notesSlide1.xml><?xml version="1.0" encoding="utf-8"?>
-<p:notes xmlns:a="http://schemas.openxmlformats.org/drawingml/2006/main" xmlns:r="http://schemas.openxmlformats.org/officeDocument/2006/relationships" xmlns:p="http://schemas.openxmlformats.org/presentationml/2006/main">
-  <p:cSld>
-    <p:spTree>
-      <p:nvGrpSpPr>
-        <p:cNvPr id="1" name=""/>
-        <p:cNvGrpSpPr/>
-        <p:nvPr/>
-      </p:nvGrpSpPr>
-      <p:grpSpPr>
-        <a:xfrm>
-          <a:off x="0" y="0"/>
-          <a:ext cx="0" cy="0"/>
-          <a:chOff x="0" y="0"/>
-          <a:chExt cx="0" cy="0"/>
-        </a:xfrm>
-      </p:grpSpPr>
-      <p:sp>
-        <p:nvSpPr>
-          <p:cNvPr id="2" name="Slide Image Placeholder 1"/>
-          <p:cNvSpPr>
-            <a:spLocks noGrp="1" noRot="1" noChangeAspect="1"/>
-          </p:cNvSpPr>
-          <p:nvPr>
-            <p:ph type="sldImg"/>
-          </p:nvPr>
-        </p:nvSpPr>
-        <p:spPr>
-          <a:xfrm>
-            <a:off x="685800" y="1143000"/>
-            <a:ext cx="5486400" cy="3086100"/>
-          </a:xfrm>
-        </p:spPr>
-      </p:sp>
-      <p:sp>
-        <p:nvSpPr>
-          <p:cNvPr id="3" name="Notes Placeholder 2"/>
-          <p:cNvSpPr>
-            <a:spLocks noGrp="1"/>
-          </p:cNvSpPr>
-          <p:nvPr>
-            <p:ph type="body" idx="1"/>
-          </p:nvPr>
-        </p:nvSpPr>
-        <p:spPr/>
-        <p:txBody>
-          <a:bodyPr/>
-          <a:lstStyle/>
-          <a:p>
-            <a:endParaRPr lang="en-US"/>
-          </a:p>
-        </p:txBody>
-      </p:sp>
-      <p:sp>
-        <p:nvSpPr>
-          <p:cNvPr id="4" name="Slide Number Placeholder 3"/>
-          <p:cNvSpPr>
-            <a:spLocks noGrp="1"/>
-          </p:cNvSpPr>
-          <p:nvPr>
-            <p:ph type="sldNum" sz="quarter" idx="10"/>
-          </p:nvPr>
-        </p:nvSpPr>
-        <p:spPr/>
-        <p:txBody>
-          <a:bodyPr/>
-          <a:lstStyle/>
-          <a:p>
-            <a:fld id="{C1624DE5-C794-42A9-980A-A6CF05DF8E6D}" type="slidenum">
-              <a:rPr lang="en-US" smtClean="0"/>
-              <a:t>2</a:t>
-            </a:fld>
-            <a:endParaRPr lang="en-US"/>
-          </a:p>
-        </p:txBody>
-      </p:sp>
-    </p:spTree>
-    <p:extLst>
-      <p:ext uri="{BB962C8B-B14F-4D97-AF65-F5344CB8AC3E}">
-        <p14:creationId xmlns:p14="http://schemas.microsoft.com/office/powerpoint/2010/main" val="3859581565"/>
-      </p:ext>
-    </p:extLst>
-  </p:cSld>
-  <p:clrMapOvr>
-    <a:masterClrMapping/>
-  </p:clrMapOvr>
-</p:notes>
-</file>
-
-<file path=ppt/notesSlides/notesSlide2.xml><?xml version="1.0" encoding="utf-8"?>
-<p:notes xmlns:a="http://schemas.openxmlformats.org/drawingml/2006/main" xmlns:r="http://schemas.openxmlformats.org/officeDocument/2006/relationships" xmlns:p="http://schemas.openxmlformats.org/presentationml/2006/main">
-  <p:cSld>
-    <p:spTree>
-      <p:nvGrpSpPr>
-        <p:cNvPr id="1" name=""/>
-        <p:cNvGrpSpPr/>
-        <p:nvPr/>
-      </p:nvGrpSpPr>
-      <p:grpSpPr>
-        <a:xfrm>
-          <a:off x="0" y="0"/>
-          <a:ext cx="0" cy="0"/>
-          <a:chOff x="0" y="0"/>
-          <a:chExt cx="0" cy="0"/>
-        </a:xfrm>
-      </p:grpSpPr>
-      <p:sp>
-        <p:nvSpPr>
-          <p:cNvPr id="2" name="Slide Image Placeholder 1"/>
-          <p:cNvSpPr>
-            <a:spLocks noGrp="1" noRot="1" noChangeAspect="1"/>
-          </p:cNvSpPr>
-          <p:nvPr>
-            <p:ph type="sldImg"/>
-          </p:nvPr>
-        </p:nvSpPr>
-        <p:spPr>
-          <a:xfrm>
-            <a:off x="685800" y="1143000"/>
-            <a:ext cx="5486400" cy="3086100"/>
-          </a:xfrm>
-        </p:spPr>
-      </p:sp>
-      <p:sp>
-        <p:nvSpPr>
-          <p:cNvPr id="3" name="Notes Placeholder 2"/>
-          <p:cNvSpPr>
-            <a:spLocks noGrp="1"/>
-          </p:cNvSpPr>
-          <p:nvPr>
-            <p:ph type="body" idx="1"/>
-          </p:nvPr>
-        </p:nvSpPr>
-        <p:spPr/>
-        <p:txBody>
-          <a:bodyPr/>
-          <a:lstStyle/>
-          <a:p>
-            <a:endParaRPr lang="en-US"/>
-          </a:p>
-        </p:txBody>
-      </p:sp>
-      <p:sp>
-        <p:nvSpPr>
-          <p:cNvPr id="4" name="Slide Number Placeholder 3"/>
-          <p:cNvSpPr>
-            <a:spLocks noGrp="1"/>
-          </p:cNvSpPr>
-          <p:nvPr>
-            <p:ph type="sldNum" sz="quarter" idx="10"/>
-          </p:nvPr>
-        </p:nvSpPr>
-        <p:spPr/>
-        <p:txBody>
-          <a:bodyPr/>
-          <a:lstStyle/>
-          <a:p>
-            <a:fld id="{C1624DE5-C794-42A9-980A-A6CF05DF8E6D}" type="slidenum">
-              <a:rPr lang="en-US" smtClean="0"/>
-              <a:t>3</a:t>
-            </a:fld>
-            <a:endParaRPr lang="en-US"/>
-          </a:p>
-        </p:txBody>
-      </p:sp>
-    </p:spTree>
-    <p:extLst>
-      <p:ext uri="{BB962C8B-B14F-4D97-AF65-F5344CB8AC3E}">
-        <p14:creationId xmlns:p14="http://schemas.microsoft.com/office/powerpoint/2010/main" val="1833605202"/>
-      </p:ext>
-    </p:extLst>
-  </p:cSld>
-  <p:clrMapOvr>
-    <a:masterClrMapping/>
-  </p:clrMapOvr>
-</p:notes>
-</file>
-
-<file path=ppt/notesSlides/notesSlide3.xml><?xml version="1.0" encoding="utf-8"?>
 <p:notes xmlns:a="http://schemas.openxmlformats.org/drawingml/2006/main" xmlns:r="http://schemas.openxmlformats.org/officeDocument/2006/relationships" xmlns:p="http://schemas.openxmlformats.org/presentationml/2006/main">
   <p:cSld>
     <p:spTree>
@@ -722,6 +544,273 @@
           <a:bodyPr/>
           <a:lstStyle/>
           <a:p>
+            <a:endParaRPr lang="en-US"/>
+          </a:p>
+        </p:txBody>
+      </p:sp>
+      <p:sp>
+        <p:nvSpPr>
+          <p:cNvPr id="4" name="Slide Number Placeholder 3"/>
+          <p:cNvSpPr>
+            <a:spLocks noGrp="1"/>
+          </p:cNvSpPr>
+          <p:nvPr>
+            <p:ph type="sldNum" sz="quarter" idx="10"/>
+          </p:nvPr>
+        </p:nvSpPr>
+        <p:spPr/>
+        <p:txBody>
+          <a:bodyPr/>
+          <a:lstStyle/>
+          <a:p>
+            <a:fld id="{C1624DE5-C794-42A9-980A-A6CF05DF8E6D}" type="slidenum">
+              <a:rPr lang="en-US" smtClean="0"/>
+              <a:t>1</a:t>
+            </a:fld>
+            <a:endParaRPr lang="en-US"/>
+          </a:p>
+        </p:txBody>
+      </p:sp>
+    </p:spTree>
+    <p:extLst>
+      <p:ext uri="{BB962C8B-B14F-4D97-AF65-F5344CB8AC3E}">
+        <p14:creationId xmlns:p14="http://schemas.microsoft.com/office/powerpoint/2010/main" val="3182978483"/>
+      </p:ext>
+    </p:extLst>
+  </p:cSld>
+  <p:clrMapOvr>
+    <a:masterClrMapping/>
+  </p:clrMapOvr>
+</p:notes>
+</file>
+
+<file path=ppt/notesSlides/notesSlide2.xml><?xml version="1.0" encoding="utf-8"?>
+<p:notes xmlns:a="http://schemas.openxmlformats.org/drawingml/2006/main" xmlns:r="http://schemas.openxmlformats.org/officeDocument/2006/relationships" xmlns:p="http://schemas.openxmlformats.org/presentationml/2006/main">
+  <p:cSld>
+    <p:spTree>
+      <p:nvGrpSpPr>
+        <p:cNvPr id="1" name=""/>
+        <p:cNvGrpSpPr/>
+        <p:nvPr/>
+      </p:nvGrpSpPr>
+      <p:grpSpPr>
+        <a:xfrm>
+          <a:off x="0" y="0"/>
+          <a:ext cx="0" cy="0"/>
+          <a:chOff x="0" y="0"/>
+          <a:chExt cx="0" cy="0"/>
+        </a:xfrm>
+      </p:grpSpPr>
+      <p:sp>
+        <p:nvSpPr>
+          <p:cNvPr id="2" name="Slide Image Placeholder 1"/>
+          <p:cNvSpPr>
+            <a:spLocks noGrp="1" noRot="1" noChangeAspect="1"/>
+          </p:cNvSpPr>
+          <p:nvPr>
+            <p:ph type="sldImg"/>
+          </p:nvPr>
+        </p:nvSpPr>
+        <p:spPr>
+          <a:xfrm>
+            <a:off x="1165225" y="1143000"/>
+            <a:ext cx="4527550" cy="3086100"/>
+          </a:xfrm>
+        </p:spPr>
+      </p:sp>
+      <p:sp>
+        <p:nvSpPr>
+          <p:cNvPr id="3" name="Notes Placeholder 2"/>
+          <p:cNvSpPr>
+            <a:spLocks noGrp="1"/>
+          </p:cNvSpPr>
+          <p:nvPr>
+            <p:ph type="body" idx="1"/>
+          </p:nvPr>
+        </p:nvSpPr>
+        <p:spPr/>
+        <p:txBody>
+          <a:bodyPr/>
+          <a:lstStyle/>
+          <a:p>
+            <a:endParaRPr lang="en-US"/>
+          </a:p>
+        </p:txBody>
+      </p:sp>
+      <p:sp>
+        <p:nvSpPr>
+          <p:cNvPr id="4" name="Slide Number Placeholder 3"/>
+          <p:cNvSpPr>
+            <a:spLocks noGrp="1"/>
+          </p:cNvSpPr>
+          <p:nvPr>
+            <p:ph type="sldNum" sz="quarter" idx="10"/>
+          </p:nvPr>
+        </p:nvSpPr>
+        <p:spPr/>
+        <p:txBody>
+          <a:bodyPr/>
+          <a:lstStyle/>
+          <a:p>
+            <a:fld id="{C1624DE5-C794-42A9-980A-A6CF05DF8E6D}" type="slidenum">
+              <a:rPr lang="en-US" smtClean="0"/>
+              <a:t>2</a:t>
+            </a:fld>
+            <a:endParaRPr lang="en-US"/>
+          </a:p>
+        </p:txBody>
+      </p:sp>
+    </p:spTree>
+    <p:extLst>
+      <p:ext uri="{BB962C8B-B14F-4D97-AF65-F5344CB8AC3E}">
+        <p14:creationId xmlns:p14="http://schemas.microsoft.com/office/powerpoint/2010/main" val="3859581565"/>
+      </p:ext>
+    </p:extLst>
+  </p:cSld>
+  <p:clrMapOvr>
+    <a:masterClrMapping/>
+  </p:clrMapOvr>
+</p:notes>
+</file>
+
+<file path=ppt/notesSlides/notesSlide3.xml><?xml version="1.0" encoding="utf-8"?>
+<p:notes xmlns:a="http://schemas.openxmlformats.org/drawingml/2006/main" xmlns:r="http://schemas.openxmlformats.org/officeDocument/2006/relationships" xmlns:p="http://schemas.openxmlformats.org/presentationml/2006/main">
+  <p:cSld>
+    <p:spTree>
+      <p:nvGrpSpPr>
+        <p:cNvPr id="1" name=""/>
+        <p:cNvGrpSpPr/>
+        <p:nvPr/>
+      </p:nvGrpSpPr>
+      <p:grpSpPr>
+        <a:xfrm>
+          <a:off x="0" y="0"/>
+          <a:ext cx="0" cy="0"/>
+          <a:chOff x="0" y="0"/>
+          <a:chExt cx="0" cy="0"/>
+        </a:xfrm>
+      </p:grpSpPr>
+      <p:sp>
+        <p:nvSpPr>
+          <p:cNvPr id="2" name="Slide Image Placeholder 1"/>
+          <p:cNvSpPr>
+            <a:spLocks noGrp="1" noRot="1" noChangeAspect="1"/>
+          </p:cNvSpPr>
+          <p:nvPr>
+            <p:ph type="sldImg"/>
+          </p:nvPr>
+        </p:nvSpPr>
+        <p:spPr>
+          <a:xfrm>
+            <a:off x="1165225" y="1143000"/>
+            <a:ext cx="4527550" cy="3086100"/>
+          </a:xfrm>
+        </p:spPr>
+      </p:sp>
+      <p:sp>
+        <p:nvSpPr>
+          <p:cNvPr id="3" name="Notes Placeholder 2"/>
+          <p:cNvSpPr>
+            <a:spLocks noGrp="1"/>
+          </p:cNvSpPr>
+          <p:nvPr>
+            <p:ph type="body" idx="1"/>
+          </p:nvPr>
+        </p:nvSpPr>
+        <p:spPr/>
+        <p:txBody>
+          <a:bodyPr/>
+          <a:lstStyle/>
+          <a:p>
+            <a:endParaRPr lang="en-US"/>
+          </a:p>
+        </p:txBody>
+      </p:sp>
+      <p:sp>
+        <p:nvSpPr>
+          <p:cNvPr id="4" name="Slide Number Placeholder 3"/>
+          <p:cNvSpPr>
+            <a:spLocks noGrp="1"/>
+          </p:cNvSpPr>
+          <p:nvPr>
+            <p:ph type="sldNum" sz="quarter" idx="10"/>
+          </p:nvPr>
+        </p:nvSpPr>
+        <p:spPr/>
+        <p:txBody>
+          <a:bodyPr/>
+          <a:lstStyle/>
+          <a:p>
+            <a:fld id="{C1624DE5-C794-42A9-980A-A6CF05DF8E6D}" type="slidenum">
+              <a:rPr lang="en-US" smtClean="0"/>
+              <a:t>3</a:t>
+            </a:fld>
+            <a:endParaRPr lang="en-US"/>
+          </a:p>
+        </p:txBody>
+      </p:sp>
+    </p:spTree>
+    <p:extLst>
+      <p:ext uri="{BB962C8B-B14F-4D97-AF65-F5344CB8AC3E}">
+        <p14:creationId xmlns:p14="http://schemas.microsoft.com/office/powerpoint/2010/main" val="1833605202"/>
+      </p:ext>
+    </p:extLst>
+  </p:cSld>
+  <p:clrMapOvr>
+    <a:masterClrMapping/>
+  </p:clrMapOvr>
+</p:notes>
+</file>
+
+<file path=ppt/notesSlides/notesSlide4.xml><?xml version="1.0" encoding="utf-8"?>
+<p:notes xmlns:a="http://schemas.openxmlformats.org/drawingml/2006/main" xmlns:r="http://schemas.openxmlformats.org/officeDocument/2006/relationships" xmlns:p="http://schemas.openxmlformats.org/presentationml/2006/main">
+  <p:cSld>
+    <p:spTree>
+      <p:nvGrpSpPr>
+        <p:cNvPr id="1" name=""/>
+        <p:cNvGrpSpPr/>
+        <p:nvPr/>
+      </p:nvGrpSpPr>
+      <p:grpSpPr>
+        <a:xfrm>
+          <a:off x="0" y="0"/>
+          <a:ext cx="0" cy="0"/>
+          <a:chOff x="0" y="0"/>
+          <a:chExt cx="0" cy="0"/>
+        </a:xfrm>
+      </p:grpSpPr>
+      <p:sp>
+        <p:nvSpPr>
+          <p:cNvPr id="2" name="Slide Image Placeholder 1"/>
+          <p:cNvSpPr>
+            <a:spLocks noGrp="1" noRot="1" noChangeAspect="1"/>
+          </p:cNvSpPr>
+          <p:nvPr>
+            <p:ph type="sldImg"/>
+          </p:nvPr>
+        </p:nvSpPr>
+        <p:spPr>
+          <a:xfrm>
+            <a:off x="1165225" y="1143000"/>
+            <a:ext cx="4527550" cy="3086100"/>
+          </a:xfrm>
+        </p:spPr>
+      </p:sp>
+      <p:sp>
+        <p:nvSpPr>
+          <p:cNvPr id="3" name="Notes Placeholder 2"/>
+          <p:cNvSpPr>
+            <a:spLocks noGrp="1"/>
+          </p:cNvSpPr>
+          <p:nvPr>
+            <p:ph type="body" idx="1"/>
+          </p:nvPr>
+        </p:nvSpPr>
+        <p:spPr/>
+        <p:txBody>
+          <a:bodyPr/>
+          <a:lstStyle/>
+          <a:p>
             <a:pPr lvl="0" algn="l"/>
             <a:r>
               <a:rPr lang="en-US" sz="900" kern="1200" smtClean="0">
@@ -781,31 +870,7 @@
                 <a:ea typeface="+mn-ea"/>
                 <a:cs typeface="+mn-cs"/>
               </a:rPr>
-              <a:t>các </a:t>
-            </a:r>
-            <a:r>
-              <a:rPr lang="en-US" sz="900" kern="1200" smtClean="0">
-                <a:solidFill>
-                  <a:schemeClr val="tx1"/>
-                </a:solidFill>
-                <a:effectLst/>
-                <a:latin typeface="+mn-lt"/>
-                <a:ea typeface="+mn-ea"/>
-                <a:cs typeface="+mn-cs"/>
-              </a:rPr>
-              <a:t>framework thông dụng Spring MVC, Struts, JavaServer </a:t>
-            </a:r>
-            <a:r>
-              <a:rPr lang="en-US" sz="900" kern="1200" smtClean="0">
-                <a:solidFill>
-                  <a:schemeClr val="tx1"/>
-                </a:solidFill>
-                <a:effectLst/>
-                <a:latin typeface="+mn-lt"/>
-                <a:ea typeface="+mn-ea"/>
-                <a:cs typeface="+mn-cs"/>
-              </a:rPr>
-              <a:t>Faces. Các dự án dựa trên Spring framework như Spring Data, Spring Rest đều có thể được tích hợp, cấu hình dễ dàng với Spring Boot qua file </a:t>
+              <a:t>các framework thông dụng Spring MVC, Struts, JavaServer Faces. Các dự án dựa trên Spring framework như Spring Data, Spring Rest đều có thể được tích hợp, cấu hình dễ dàng với Spring Boot qua file </a:t>
             </a:r>
             <a:r>
               <a:rPr lang="en-US" sz="900" i="1" kern="1200" smtClean="0">
@@ -924,19 +989,7 @@
                 <a:ea typeface="+mn-ea"/>
                 <a:cs typeface="+mn-cs"/>
               </a:rPr>
-              <a:t>        </a:t>
-            </a:r>
-            <a:r>
-              <a:rPr lang="en-US" sz="900" kern="1200" baseline="0" smtClean="0">
-                <a:solidFill>
-                  <a:schemeClr val="tx1"/>
-                </a:solidFill>
-                <a:effectLst/>
-                <a:latin typeface="+mn-lt"/>
-                <a:ea typeface="+mn-ea"/>
-                <a:cs typeface="+mn-cs"/>
-              </a:rPr>
-              <a:t>S</a:t>
+              <a:t>        S</a:t>
             </a:r>
             <a:r>
               <a:rPr lang="en-US" sz="900" kern="1200" smtClean="0">
@@ -1005,6 +1058,174 @@
     <p:extLst>
       <p:ext uri="{BB962C8B-B14F-4D97-AF65-F5344CB8AC3E}">
         <p14:creationId xmlns:p14="http://schemas.microsoft.com/office/powerpoint/2010/main" val="2320124311"/>
+      </p:ext>
+    </p:extLst>
+  </p:cSld>
+  <p:clrMapOvr>
+    <a:masterClrMapping/>
+  </p:clrMapOvr>
+</p:notes>
+</file>
+
+<file path=ppt/notesSlides/notesSlide5.xml><?xml version="1.0" encoding="utf-8"?>
+<p:notes xmlns:a="http://schemas.openxmlformats.org/drawingml/2006/main" xmlns:r="http://schemas.openxmlformats.org/officeDocument/2006/relationships" xmlns:p="http://schemas.openxmlformats.org/presentationml/2006/main">
+  <p:cSld>
+    <p:spTree>
+      <p:nvGrpSpPr>
+        <p:cNvPr id="1" name=""/>
+        <p:cNvGrpSpPr/>
+        <p:nvPr/>
+      </p:nvGrpSpPr>
+      <p:grpSpPr>
+        <a:xfrm>
+          <a:off x="0" y="0"/>
+          <a:ext cx="0" cy="0"/>
+          <a:chOff x="0" y="0"/>
+          <a:chExt cx="0" cy="0"/>
+        </a:xfrm>
+      </p:grpSpPr>
+      <p:sp>
+        <p:nvSpPr>
+          <p:cNvPr id="2" name="Slide Image Placeholder 1"/>
+          <p:cNvSpPr>
+            <a:spLocks noGrp="1" noRot="1" noChangeAspect="1"/>
+          </p:cNvSpPr>
+          <p:nvPr>
+            <p:ph type="sldImg"/>
+          </p:nvPr>
+        </p:nvSpPr>
+        <p:spPr/>
+      </p:sp>
+      <p:sp>
+        <p:nvSpPr>
+          <p:cNvPr id="3" name="Notes Placeholder 2"/>
+          <p:cNvSpPr>
+            <a:spLocks noGrp="1"/>
+          </p:cNvSpPr>
+          <p:nvPr>
+            <p:ph type="body" idx="1"/>
+          </p:nvPr>
+        </p:nvSpPr>
+        <p:spPr/>
+        <p:txBody>
+          <a:bodyPr/>
+          <a:lstStyle/>
+          <a:p>
+            <a:endParaRPr lang="en-US"/>
+          </a:p>
+        </p:txBody>
+      </p:sp>
+      <p:sp>
+        <p:nvSpPr>
+          <p:cNvPr id="4" name="Slide Number Placeholder 3"/>
+          <p:cNvSpPr>
+            <a:spLocks noGrp="1"/>
+          </p:cNvSpPr>
+          <p:nvPr>
+            <p:ph type="sldNum" sz="quarter" idx="10"/>
+          </p:nvPr>
+        </p:nvSpPr>
+        <p:spPr/>
+        <p:txBody>
+          <a:bodyPr/>
+          <a:lstStyle/>
+          <a:p>
+            <a:fld id="{C1624DE5-C794-42A9-980A-A6CF05DF8E6D}" type="slidenum">
+              <a:rPr lang="en-US" smtClean="0"/>
+              <a:t>8</a:t>
+            </a:fld>
+            <a:endParaRPr lang="en-US"/>
+          </a:p>
+        </p:txBody>
+      </p:sp>
+    </p:spTree>
+    <p:extLst>
+      <p:ext uri="{BB962C8B-B14F-4D97-AF65-F5344CB8AC3E}">
+        <p14:creationId xmlns:p14="http://schemas.microsoft.com/office/powerpoint/2010/main" val="3288602420"/>
+      </p:ext>
+    </p:extLst>
+  </p:cSld>
+  <p:clrMapOvr>
+    <a:masterClrMapping/>
+  </p:clrMapOvr>
+</p:notes>
+</file>
+
+<file path=ppt/notesSlides/notesSlide6.xml><?xml version="1.0" encoding="utf-8"?>
+<p:notes xmlns:a="http://schemas.openxmlformats.org/drawingml/2006/main" xmlns:r="http://schemas.openxmlformats.org/officeDocument/2006/relationships" xmlns:p="http://schemas.openxmlformats.org/presentationml/2006/main">
+  <p:cSld>
+    <p:spTree>
+      <p:nvGrpSpPr>
+        <p:cNvPr id="1" name=""/>
+        <p:cNvGrpSpPr/>
+        <p:nvPr/>
+      </p:nvGrpSpPr>
+      <p:grpSpPr>
+        <a:xfrm>
+          <a:off x="0" y="0"/>
+          <a:ext cx="0" cy="0"/>
+          <a:chOff x="0" y="0"/>
+          <a:chExt cx="0" cy="0"/>
+        </a:xfrm>
+      </p:grpSpPr>
+      <p:sp>
+        <p:nvSpPr>
+          <p:cNvPr id="2" name="Slide Image Placeholder 1"/>
+          <p:cNvSpPr>
+            <a:spLocks noGrp="1" noRot="1" noChangeAspect="1"/>
+          </p:cNvSpPr>
+          <p:nvPr>
+            <p:ph type="sldImg"/>
+          </p:nvPr>
+        </p:nvSpPr>
+        <p:spPr/>
+      </p:sp>
+      <p:sp>
+        <p:nvSpPr>
+          <p:cNvPr id="3" name="Notes Placeholder 2"/>
+          <p:cNvSpPr>
+            <a:spLocks noGrp="1"/>
+          </p:cNvSpPr>
+          <p:nvPr>
+            <p:ph type="body" idx="1"/>
+          </p:nvPr>
+        </p:nvSpPr>
+        <p:spPr/>
+        <p:txBody>
+          <a:bodyPr/>
+          <a:lstStyle/>
+          <a:p>
+            <a:endParaRPr lang="en-US"/>
+          </a:p>
+        </p:txBody>
+      </p:sp>
+      <p:sp>
+        <p:nvSpPr>
+          <p:cNvPr id="4" name="Slide Number Placeholder 3"/>
+          <p:cNvSpPr>
+            <a:spLocks noGrp="1"/>
+          </p:cNvSpPr>
+          <p:nvPr>
+            <p:ph type="sldNum" sz="quarter" idx="10"/>
+          </p:nvPr>
+        </p:nvSpPr>
+        <p:spPr/>
+        <p:txBody>
+          <a:bodyPr/>
+          <a:lstStyle/>
+          <a:p>
+            <a:fld id="{C1624DE5-C794-42A9-980A-A6CF05DF8E6D}" type="slidenum">
+              <a:rPr lang="en-US" smtClean="0"/>
+              <a:t>9</a:t>
+            </a:fld>
+            <a:endParaRPr lang="en-US"/>
+          </a:p>
+        </p:txBody>
+      </p:sp>
+    </p:spTree>
+    <p:extLst>
+      <p:ext uri="{BB962C8B-B14F-4D97-AF65-F5344CB8AC3E}">
+        <p14:creationId xmlns:p14="http://schemas.microsoft.com/office/powerpoint/2010/main" val="216277723"/>
       </p:ext>
     </p:extLst>
   </p:cSld>
@@ -1043,8 +1264,8 @@
         </p:nvSpPr>
         <p:spPr>
           <a:xfrm>
-            <a:off x="685800" y="457201"/>
-            <a:ext cx="7772400" cy="3200400"/>
+            <a:off x="754380" y="609601"/>
+            <a:ext cx="8549640" cy="4267200"/>
           </a:xfrm>
         </p:spPr>
         <p:txBody>
@@ -1056,7 +1277,7 @@
               <a:lnSpc>
                 <a:spcPct val="100000"/>
               </a:lnSpc>
-              <a:defRPr sz="6800"/>
+              <a:defRPr sz="7480"/>
             </a:lvl1pPr>
           </a:lstStyle>
           <a:p>
@@ -1080,8 +1301,8 @@
         </p:nvSpPr>
         <p:spPr>
           <a:xfrm>
-            <a:off x="1371600" y="3714750"/>
-            <a:ext cx="6400800" cy="914400"/>
+            <a:off x="1508760" y="4953000"/>
+            <a:ext cx="7040880" cy="1219200"/>
           </a:xfrm>
         </p:spPr>
         <p:txBody>
@@ -1091,7 +1312,7 @@
           <a:lstStyle>
             <a:lvl1pPr marL="0" indent="0" algn="ctr">
               <a:buNone/>
-              <a:defRPr sz="2000">
+              <a:defRPr sz="2200">
                 <a:solidFill>
                   <a:schemeClr val="tx1">
                     <a:tint val="75000"/>
@@ -1099,7 +1320,7 @@
                 </a:solidFill>
               </a:defRPr>
             </a:lvl1pPr>
-            <a:lvl2pPr marL="386105" indent="0" algn="ctr">
+            <a:lvl2pPr marL="424716" indent="0" algn="ctr">
               <a:buNone/>
               <a:defRPr>
                 <a:solidFill>
@@ -1109,7 +1330,7 @@
                 </a:solidFill>
               </a:defRPr>
             </a:lvl2pPr>
-            <a:lvl3pPr marL="772211" indent="0" algn="ctr">
+            <a:lvl3pPr marL="849432" indent="0" algn="ctr">
               <a:buNone/>
               <a:defRPr>
                 <a:solidFill>
@@ -1119,7 +1340,7 @@
                 </a:solidFill>
               </a:defRPr>
             </a:lvl3pPr>
-            <a:lvl4pPr marL="1158316" indent="0" algn="ctr">
+            <a:lvl4pPr marL="1274148" indent="0" algn="ctr">
               <a:buNone/>
               <a:defRPr>
                 <a:solidFill>
@@ -1129,7 +1350,7 @@
                 </a:solidFill>
               </a:defRPr>
             </a:lvl4pPr>
-            <a:lvl5pPr marL="1544422" indent="0" algn="ctr">
+            <a:lvl5pPr marL="1698864" indent="0" algn="ctr">
               <a:buNone/>
               <a:defRPr>
                 <a:solidFill>
@@ -1139,7 +1360,7 @@
                 </a:solidFill>
               </a:defRPr>
             </a:lvl5pPr>
-            <a:lvl6pPr marL="1930527" indent="0" algn="ctr">
+            <a:lvl6pPr marL="2123580" indent="0" algn="ctr">
               <a:buNone/>
               <a:defRPr>
                 <a:solidFill>
@@ -1149,7 +1370,7 @@
                 </a:solidFill>
               </a:defRPr>
             </a:lvl6pPr>
-            <a:lvl7pPr marL="2316632" indent="0" algn="ctr">
+            <a:lvl7pPr marL="2548295" indent="0" algn="ctr">
               <a:buNone/>
               <a:defRPr>
                 <a:solidFill>
@@ -1159,7 +1380,7 @@
                 </a:solidFill>
               </a:defRPr>
             </a:lvl7pPr>
-            <a:lvl8pPr marL="2702738" indent="0" algn="ctr">
+            <a:lvl8pPr marL="2973012" indent="0" algn="ctr">
               <a:buNone/>
               <a:defRPr>
                 <a:solidFill>
@@ -1169,7 +1390,7 @@
                 </a:solidFill>
               </a:defRPr>
             </a:lvl8pPr>
-            <a:lvl9pPr marL="3088843" indent="0" algn="ctr">
+            <a:lvl9pPr marL="3397727" indent="0" algn="ctr">
               <a:buNone/>
               <a:defRPr>
                 <a:solidFill>
@@ -1206,7 +1427,7 @@
           <a:p>
             <a:fld id="{B02E4CE9-2204-4424-8ECC-44EC75ED47DE}" type="datetime1">
               <a:rPr lang="en-US" smtClean="0"/>
-              <a:t>6/1/2019</a:t>
+              <a:t>6/2/2019</a:t>
             </a:fld>
             <a:endParaRPr lang="en-US"/>
           </a:p>
@@ -1259,6 +1480,18 @@
   <p:clrMapOvr>
     <a:masterClrMapping/>
   </p:clrMapOvr>
+  <mc:AlternateContent xmlns:mc="http://schemas.openxmlformats.org/markup-compatibility/2006">
+    <mc:Choice xmlns:p14="http://schemas.microsoft.com/office/powerpoint/2010/main" Requires="p14">
+      <p:transition p14:dur="250">
+        <p:fade/>
+      </p:transition>
+    </mc:Choice>
+    <mc:Fallback>
+      <p:transition>
+        <p:fade/>
+      </p:transition>
+    </mc:Fallback>
+  </mc:AlternateContent>
 </p:sldLayout>
 </file>
 
@@ -1371,7 +1604,7 @@
           <a:p>
             <a:fld id="{22B9AB01-BCCF-4582-BF39-8D8F034C96D4}" type="datetime1">
               <a:rPr lang="en-US" smtClean="0"/>
-              <a:t>6/1/2019</a:t>
+              <a:t>6/2/2019</a:t>
             </a:fld>
             <a:endParaRPr lang="en-US"/>
           </a:p>
@@ -1424,6 +1657,18 @@
   <p:clrMapOvr>
     <a:masterClrMapping/>
   </p:clrMapOvr>
+  <mc:AlternateContent xmlns:mc="http://schemas.openxmlformats.org/markup-compatibility/2006">
+    <mc:Choice xmlns:p14="http://schemas.microsoft.com/office/powerpoint/2010/main" Requires="p14">
+      <p:transition p14:dur="250">
+        <p:fade/>
+      </p:transition>
+    </mc:Choice>
+    <mc:Fallback>
+      <p:transition>
+        <p:fade/>
+      </p:transition>
+    </mc:Fallback>
+  </mc:AlternateContent>
   <p:hf hdr="0" ftr="0" dt="0"/>
 </p:sldLayout>
 </file>
@@ -1457,8 +1702,8 @@
         </p:nvSpPr>
         <p:spPr>
           <a:xfrm>
-            <a:off x="6629400" y="205980"/>
-            <a:ext cx="2057400" cy="4388644"/>
+            <a:off x="7292340" y="274640"/>
+            <a:ext cx="2263140" cy="5851525"/>
           </a:xfrm>
         </p:spPr>
         <p:txBody>
@@ -1485,8 +1730,8 @@
         </p:nvSpPr>
         <p:spPr>
           <a:xfrm>
-            <a:off x="457200" y="205980"/>
-            <a:ext cx="6019800" cy="4388644"/>
+            <a:off x="502920" y="274640"/>
+            <a:ext cx="6621780" cy="5851525"/>
           </a:xfrm>
         </p:spPr>
         <p:txBody>
@@ -1547,7 +1792,7 @@
           <a:p>
             <a:fld id="{22B9AB01-BCCF-4582-BF39-8D8F034C96D4}" type="datetime1">
               <a:rPr lang="en-US" smtClean="0"/>
-              <a:t>6/1/2019</a:t>
+              <a:t>6/2/2019</a:t>
             </a:fld>
             <a:endParaRPr lang="en-US"/>
           </a:p>
@@ -1600,6 +1845,18 @@
   <p:clrMapOvr>
     <a:masterClrMapping/>
   </p:clrMapOvr>
+  <mc:AlternateContent xmlns:mc="http://schemas.openxmlformats.org/markup-compatibility/2006">
+    <mc:Choice xmlns:p14="http://schemas.microsoft.com/office/powerpoint/2010/main" Requires="p14">
+      <p:transition p14:dur="250">
+        <p:fade/>
+      </p:transition>
+    </mc:Choice>
+    <mc:Fallback>
+      <p:transition>
+        <p:fade/>
+      </p:transition>
+    </mc:Fallback>
+  </mc:AlternateContent>
   <p:hf hdr="0" ftr="0" dt="0"/>
 </p:sldLayout>
 </file>
@@ -1731,7 +1988,7 @@
           <a:p>
             <a:fld id="{BBBFACBD-6CBD-41BD-899B-944D42A6308C}" type="datetime1">
               <a:rPr lang="en-US" smtClean="0"/>
-              <a:t>6/1/2019</a:t>
+              <a:t>6/2/2019</a:t>
             </a:fld>
             <a:endParaRPr lang="en-US"/>
           </a:p>
@@ -1785,6 +2042,18 @@
   <p:clrMapOvr>
     <a:masterClrMapping/>
   </p:clrMapOvr>
+  <mc:AlternateContent xmlns:mc="http://schemas.openxmlformats.org/markup-compatibility/2006">
+    <mc:Choice xmlns:p14="http://schemas.microsoft.com/office/powerpoint/2010/main" Requires="p14">
+      <p:transition p14:dur="250">
+        <p:fade/>
+      </p:transition>
+    </mc:Choice>
+    <mc:Fallback>
+      <p:transition>
+        <p:fade/>
+      </p:transition>
+    </mc:Fallback>
+  </mc:AlternateContent>
 </p:sldLayout>
 </file>
 
@@ -1817,14 +2086,14 @@
         </p:nvSpPr>
         <p:spPr>
           <a:xfrm>
-            <a:off x="722313" y="1028701"/>
-            <a:ext cx="7772400" cy="1878806"/>
+            <a:off x="794544" y="1371601"/>
+            <a:ext cx="8549640" cy="2505075"/>
           </a:xfrm>
         </p:spPr>
         <p:txBody>
           <a:bodyPr anchor="b"/>
           <a:lstStyle>
-            <a:lvl1pPr algn="ctr" defTabSz="772211" rtl="0" eaLnBrk="1" latinLnBrk="0" hangingPunct="1">
+            <a:lvl1pPr algn="ctr" defTabSz="849432" rtl="0" eaLnBrk="1" latinLnBrk="0" hangingPunct="1">
               <a:lnSpc>
                 <a:spcPct val="100000"/>
               </a:lnSpc>
@@ -1832,7 +2101,7 @@
                 <a:spcPct val="0"/>
               </a:spcBef>
               <a:buNone/>
-              <a:defRPr lang="en-US" sz="4100" kern="1200" dirty="0" smtClean="0">
+              <a:defRPr lang="en-US" sz="4510" kern="1200" dirty="0" smtClean="0">
                 <a:solidFill>
                   <a:schemeClr val="tx2"/>
                 </a:solidFill>
@@ -1870,8 +2139,8 @@
         </p:nvSpPr>
         <p:spPr>
           <a:xfrm>
-            <a:off x="722313" y="3051573"/>
-            <a:ext cx="7772400" cy="848915"/>
+            <a:off x="794544" y="4068765"/>
+            <a:ext cx="8549640" cy="1131887"/>
           </a:xfrm>
         </p:spPr>
         <p:txBody>
@@ -1879,7 +2148,7 @@
           <a:lstStyle>
             <a:lvl1pPr marL="0" indent="0" algn="ctr">
               <a:buNone/>
-              <a:defRPr sz="1700">
+              <a:defRPr sz="1870">
                 <a:solidFill>
                   <a:schemeClr val="tx1">
                     <a:tint val="75000"/>
@@ -1887,9 +2156,9 @@
                 </a:solidFill>
               </a:defRPr>
             </a:lvl1pPr>
-            <a:lvl2pPr marL="386105" indent="0">
+            <a:lvl2pPr marL="424716" indent="0">
               <a:buNone/>
-              <a:defRPr sz="1500">
+              <a:defRPr sz="1650">
                 <a:solidFill>
                   <a:schemeClr val="tx1">
                     <a:tint val="75000"/>
@@ -1897,9 +2166,9 @@
                 </a:solidFill>
               </a:defRPr>
             </a:lvl2pPr>
-            <a:lvl3pPr marL="772211" indent="0">
+            <a:lvl3pPr marL="849432" indent="0">
               <a:buNone/>
-              <a:defRPr sz="1400">
+              <a:defRPr sz="1540">
                 <a:solidFill>
                   <a:schemeClr val="tx1">
                     <a:tint val="75000"/>
@@ -1907,9 +2176,9 @@
                 </a:solidFill>
               </a:defRPr>
             </a:lvl3pPr>
-            <a:lvl4pPr marL="1158316" indent="0">
+            <a:lvl4pPr marL="1274148" indent="0">
               <a:buNone/>
-              <a:defRPr sz="1200">
+              <a:defRPr sz="1320">
                 <a:solidFill>
                   <a:schemeClr val="tx1">
                     <a:tint val="75000"/>
@@ -1917,9 +2186,9 @@
                 </a:solidFill>
               </a:defRPr>
             </a:lvl4pPr>
-            <a:lvl5pPr marL="1544422" indent="0">
+            <a:lvl5pPr marL="1698864" indent="0">
               <a:buNone/>
-              <a:defRPr sz="1200">
+              <a:defRPr sz="1320">
                 <a:solidFill>
                   <a:schemeClr val="tx1">
                     <a:tint val="75000"/>
@@ -1927,9 +2196,9 @@
                 </a:solidFill>
               </a:defRPr>
             </a:lvl5pPr>
-            <a:lvl6pPr marL="1930527" indent="0">
+            <a:lvl6pPr marL="2123580" indent="0">
               <a:buNone/>
-              <a:defRPr sz="1200">
+              <a:defRPr sz="1320">
                 <a:solidFill>
                   <a:schemeClr val="tx1">
                     <a:tint val="75000"/>
@@ -1937,9 +2206,9 @@
                 </a:solidFill>
               </a:defRPr>
             </a:lvl6pPr>
-            <a:lvl7pPr marL="2316632" indent="0">
+            <a:lvl7pPr marL="2548295" indent="0">
               <a:buNone/>
-              <a:defRPr sz="1200">
+              <a:defRPr sz="1320">
                 <a:solidFill>
                   <a:schemeClr val="tx1">
                     <a:tint val="75000"/>
@@ -1947,9 +2216,9 @@
                 </a:solidFill>
               </a:defRPr>
             </a:lvl7pPr>
-            <a:lvl8pPr marL="2702738" indent="0">
+            <a:lvl8pPr marL="2973012" indent="0">
               <a:buNone/>
-              <a:defRPr sz="1200">
+              <a:defRPr sz="1320">
                 <a:solidFill>
                   <a:schemeClr val="tx1">
                     <a:tint val="75000"/>
@@ -1957,9 +2226,9 @@
                 </a:solidFill>
               </a:defRPr>
             </a:lvl8pPr>
-            <a:lvl9pPr marL="3088843" indent="0">
+            <a:lvl9pPr marL="3397727" indent="0">
               <a:buNone/>
-              <a:defRPr sz="1200">
+              <a:defRPr sz="1320">
                 <a:solidFill>
                   <a:schemeClr val="tx1">
                     <a:tint val="75000"/>
@@ -1994,7 +2263,7 @@
           <a:p>
             <a:fld id="{22B9AB01-BCCF-4582-BF39-8D8F034C96D4}" type="datetime1">
               <a:rPr lang="en-US" smtClean="0"/>
-              <a:t>6/1/2019</a:t>
+              <a:t>6/2/2019</a:t>
             </a:fld>
             <a:endParaRPr lang="en-US"/>
           </a:p>
@@ -2050,8 +2319,8 @@
         </p:nvSpPr>
         <p:spPr>
           <a:xfrm>
-            <a:off x="4495800" y="2943225"/>
-            <a:ext cx="84772" cy="63579"/>
+            <a:off x="4945380" y="3924301"/>
+            <a:ext cx="93249" cy="84772"/>
           </a:xfrm>
           <a:prstGeom prst="ellipse">
             <a:avLst/>
@@ -2084,11 +2353,11 @@
           </a:fontRef>
         </p:style>
         <p:txBody>
-          <a:bodyPr lIns="77221" tIns="38611" rIns="77221" bIns="38611" rtlCol="0" anchor="ctr"/>
+          <a:bodyPr lIns="84943" tIns="42472" rIns="84943" bIns="42472" rtlCol="0" anchor="ctr"/>
           <a:lstStyle/>
           <a:p>
             <a:pPr algn="ctr"/>
-            <a:endParaRPr lang="en-US"/>
+            <a:endParaRPr lang="en-US" sz="1693"/>
           </a:p>
         </p:txBody>
       </p:sp>
@@ -2100,8 +2369,8 @@
         </p:nvSpPr>
         <p:spPr>
           <a:xfrm>
-            <a:off x="4695826" y="2943225"/>
-            <a:ext cx="84772" cy="63579"/>
+            <a:off x="5165409" y="3924301"/>
+            <a:ext cx="93249" cy="84772"/>
           </a:xfrm>
           <a:prstGeom prst="ellipse">
             <a:avLst/>
@@ -2134,11 +2403,11 @@
           </a:fontRef>
         </p:style>
         <p:txBody>
-          <a:bodyPr lIns="77221" tIns="38611" rIns="77221" bIns="38611" rtlCol="0" anchor="ctr"/>
+          <a:bodyPr lIns="84943" tIns="42472" rIns="84943" bIns="42472" rtlCol="0" anchor="ctr"/>
           <a:lstStyle/>
           <a:p>
             <a:pPr algn="ctr"/>
-            <a:endParaRPr lang="en-US"/>
+            <a:endParaRPr lang="en-US" sz="1693"/>
           </a:p>
         </p:txBody>
       </p:sp>
@@ -2150,8 +2419,8 @@
         </p:nvSpPr>
         <p:spPr>
           <a:xfrm>
-            <a:off x="4296729" y="2943225"/>
-            <a:ext cx="84772" cy="63579"/>
+            <a:off x="4726402" y="3924301"/>
+            <a:ext cx="93249" cy="84772"/>
           </a:xfrm>
           <a:prstGeom prst="ellipse">
             <a:avLst/>
@@ -2184,11 +2453,11 @@
           </a:fontRef>
         </p:style>
         <p:txBody>
-          <a:bodyPr lIns="77221" tIns="38611" rIns="77221" bIns="38611" rtlCol="0" anchor="ctr"/>
+          <a:bodyPr lIns="84943" tIns="42472" rIns="84943" bIns="42472" rtlCol="0" anchor="ctr"/>
           <a:lstStyle/>
           <a:p>
             <a:pPr algn="ctr"/>
-            <a:endParaRPr lang="en-US"/>
+            <a:endParaRPr lang="en-US" sz="1693"/>
           </a:p>
         </p:txBody>
       </p:sp>
@@ -2197,6 +2466,18 @@
   <p:clrMapOvr>
     <a:masterClrMapping/>
   </p:clrMapOvr>
+  <mc:AlternateContent xmlns:mc="http://schemas.openxmlformats.org/markup-compatibility/2006">
+    <mc:Choice xmlns:p14="http://schemas.microsoft.com/office/powerpoint/2010/main" Requires="p14">
+      <p:transition p14:dur="250">
+        <p:fade/>
+      </p:transition>
+    </mc:Choice>
+    <mc:Fallback>
+      <p:transition>
+        <p:fade/>
+      </p:transition>
+    </mc:Fallback>
+  </mc:AlternateContent>
   <p:hf hdr="0" ftr="0" dt="0"/>
 </p:sldLayout>
 </file>
@@ -2253,39 +2534,39 @@
         </p:nvSpPr>
         <p:spPr>
           <a:xfrm>
-            <a:off x="4648200" y="1200151"/>
-            <a:ext cx="4038600" cy="3394472"/>
+            <a:off x="5113020" y="1600201"/>
+            <a:ext cx="4442460" cy="4525963"/>
           </a:xfrm>
         </p:spPr>
         <p:txBody>
           <a:bodyPr/>
           <a:lstStyle>
             <a:lvl1pPr>
-              <a:defRPr sz="2000"/>
+              <a:defRPr sz="2200"/>
             </a:lvl1pPr>
             <a:lvl2pPr>
-              <a:defRPr sz="1400"/>
+              <a:defRPr sz="1540"/>
             </a:lvl2pPr>
             <a:lvl3pPr>
-              <a:defRPr sz="1400"/>
+              <a:defRPr sz="1540"/>
             </a:lvl3pPr>
             <a:lvl4pPr>
-              <a:defRPr sz="1400"/>
+              <a:defRPr sz="1540"/>
             </a:lvl4pPr>
             <a:lvl5pPr>
-              <a:defRPr sz="1400"/>
+              <a:defRPr sz="1540"/>
             </a:lvl5pPr>
             <a:lvl6pPr>
-              <a:defRPr sz="1400"/>
+              <a:defRPr sz="1540"/>
             </a:lvl6pPr>
             <a:lvl7pPr>
-              <a:defRPr sz="1400"/>
+              <a:defRPr sz="1540"/>
             </a:lvl7pPr>
             <a:lvl8pPr>
-              <a:defRPr sz="1400"/>
+              <a:defRPr sz="1540"/>
             </a:lvl8pPr>
             <a:lvl9pPr>
-              <a:defRPr sz="1400"/>
+              <a:defRPr sz="1540"/>
             </a:lvl9pPr>
           </a:lstStyle>
           <a:p>
@@ -2343,7 +2624,7 @@
           <a:p>
             <a:fld id="{22B9AB01-BCCF-4582-BF39-8D8F034C96D4}" type="datetime1">
               <a:rPr lang="en-US" smtClean="0"/>
-              <a:t>6/1/2019</a:t>
+              <a:t>6/2/2019</a:t>
             </a:fld>
             <a:endParaRPr lang="en-US"/>
           </a:p>
@@ -2403,8 +2684,8 @@
         </p:nvSpPr>
         <p:spPr>
           <a:xfrm>
-            <a:off x="365761" y="1200150"/>
-            <a:ext cx="4041648" cy="3394710"/>
+            <a:off x="402337" y="1600200"/>
+            <a:ext cx="4445813" cy="4526280"/>
           </a:xfrm>
         </p:spPr>
         <p:txBody>
@@ -2453,6 +2734,18 @@
   <p:clrMapOvr>
     <a:masterClrMapping/>
   </p:clrMapOvr>
+  <mc:AlternateContent xmlns:mc="http://schemas.openxmlformats.org/markup-compatibility/2006">
+    <mc:Choice xmlns:p14="http://schemas.microsoft.com/office/powerpoint/2010/main" Requires="p14">
+      <p:transition p14:dur="250">
+        <p:fade/>
+      </p:transition>
+    </mc:Choice>
+    <mc:Fallback>
+      <p:transition>
+        <p:fade/>
+      </p:transition>
+    </mc:Fallback>
+  </mc:AlternateContent>
   <p:hf hdr="0" ftr="0" dt="0"/>
 </p:sldLayout>
 </file>
@@ -2513,8 +2806,8 @@
         </p:nvSpPr>
         <p:spPr>
           <a:xfrm>
-            <a:off x="457201" y="1200150"/>
-            <a:ext cx="4040188" cy="457200"/>
+            <a:off x="502921" y="1600200"/>
+            <a:ext cx="4444207" cy="609600"/>
           </a:xfrm>
         </p:spPr>
         <p:txBody>
@@ -2524,39 +2817,39 @@
           <a:lstStyle>
             <a:lvl1pPr marL="0" indent="0" algn="ctr">
               <a:buNone/>
-              <a:defRPr sz="2000" b="0"/>
+              <a:defRPr sz="2200" b="0"/>
             </a:lvl1pPr>
-            <a:lvl2pPr marL="386105" indent="0">
+            <a:lvl2pPr marL="424716" indent="0">
               <a:buNone/>
-              <a:defRPr sz="1700" b="1"/>
+              <a:defRPr sz="1870" b="1"/>
             </a:lvl2pPr>
-            <a:lvl3pPr marL="772211" indent="0">
+            <a:lvl3pPr marL="849432" indent="0">
               <a:buNone/>
-              <a:defRPr sz="1500" b="1"/>
+              <a:defRPr sz="1650" b="1"/>
             </a:lvl3pPr>
-            <a:lvl4pPr marL="1158316" indent="0">
+            <a:lvl4pPr marL="1274148" indent="0">
               <a:buNone/>
-              <a:defRPr sz="1400" b="1"/>
+              <a:defRPr sz="1540" b="1"/>
             </a:lvl4pPr>
-            <a:lvl5pPr marL="1544422" indent="0">
+            <a:lvl5pPr marL="1698864" indent="0">
               <a:buNone/>
-              <a:defRPr sz="1400" b="1"/>
+              <a:defRPr sz="1540" b="1"/>
             </a:lvl5pPr>
-            <a:lvl6pPr marL="1930527" indent="0">
+            <a:lvl6pPr marL="2123580" indent="0">
               <a:buNone/>
-              <a:defRPr sz="1400" b="1"/>
+              <a:defRPr sz="1540" b="1"/>
             </a:lvl6pPr>
-            <a:lvl7pPr marL="2316632" indent="0">
+            <a:lvl7pPr marL="2548295" indent="0">
               <a:buNone/>
-              <a:defRPr sz="1400" b="1"/>
+              <a:defRPr sz="1540" b="1"/>
             </a:lvl7pPr>
-            <a:lvl8pPr marL="2702738" indent="0">
+            <a:lvl8pPr marL="2973012" indent="0">
               <a:buNone/>
-              <a:defRPr sz="1400" b="1"/>
+              <a:defRPr sz="1540" b="1"/>
             </a:lvl8pPr>
-            <a:lvl9pPr marL="3088843" indent="0">
+            <a:lvl9pPr marL="3397727" indent="0">
               <a:buNone/>
-              <a:defRPr sz="1400" b="1"/>
+              <a:defRPr sz="1540" b="1"/>
             </a:lvl9pPr>
           </a:lstStyle>
           <a:p>
@@ -2580,8 +2873,8 @@
         </p:nvSpPr>
         <p:spPr>
           <a:xfrm>
-            <a:off x="4648201" y="1200150"/>
-            <a:ext cx="4041775" cy="457200"/>
+            <a:off x="5113021" y="1600200"/>
+            <a:ext cx="4445953" cy="609600"/>
           </a:xfrm>
         </p:spPr>
         <p:txBody>
@@ -2591,39 +2884,39 @@
           <a:lstStyle>
             <a:lvl1pPr marL="0" indent="0" algn="ctr">
               <a:buNone/>
-              <a:defRPr sz="2000" b="0"/>
+              <a:defRPr sz="2200" b="0"/>
             </a:lvl1pPr>
-            <a:lvl2pPr marL="386105" indent="0">
+            <a:lvl2pPr marL="424716" indent="0">
               <a:buNone/>
-              <a:defRPr sz="1700" b="1"/>
+              <a:defRPr sz="1870" b="1"/>
             </a:lvl2pPr>
-            <a:lvl3pPr marL="772211" indent="0">
+            <a:lvl3pPr marL="849432" indent="0">
               <a:buNone/>
-              <a:defRPr sz="1500" b="1"/>
+              <a:defRPr sz="1650" b="1"/>
             </a:lvl3pPr>
-            <a:lvl4pPr marL="1158316" indent="0">
+            <a:lvl4pPr marL="1274148" indent="0">
               <a:buNone/>
-              <a:defRPr sz="1400" b="1"/>
+              <a:defRPr sz="1540" b="1"/>
             </a:lvl4pPr>
-            <a:lvl5pPr marL="1544422" indent="0">
+            <a:lvl5pPr marL="1698864" indent="0">
               <a:buNone/>
-              <a:defRPr sz="1400" b="1"/>
+              <a:defRPr sz="1540" b="1"/>
             </a:lvl5pPr>
-            <a:lvl6pPr marL="1930527" indent="0">
+            <a:lvl6pPr marL="2123580" indent="0">
               <a:buNone/>
-              <a:defRPr sz="1400" b="1"/>
+              <a:defRPr sz="1540" b="1"/>
             </a:lvl6pPr>
-            <a:lvl7pPr marL="2316632" indent="0">
+            <a:lvl7pPr marL="2548295" indent="0">
               <a:buNone/>
-              <a:defRPr sz="1400" b="1"/>
+              <a:defRPr sz="1540" b="1"/>
             </a:lvl7pPr>
-            <a:lvl8pPr marL="2702738" indent="0">
+            <a:lvl8pPr marL="2973012" indent="0">
               <a:buNone/>
-              <a:defRPr sz="1400" b="1"/>
+              <a:defRPr sz="1540" b="1"/>
             </a:lvl8pPr>
-            <a:lvl9pPr marL="3088843" indent="0">
+            <a:lvl9pPr marL="3397727" indent="0">
               <a:buNone/>
-              <a:defRPr sz="1400" b="1"/>
+              <a:defRPr sz="1540" b="1"/>
             </a:lvl9pPr>
           </a:lstStyle>
           <a:p>
@@ -2652,7 +2945,7 @@
           <a:p>
             <a:fld id="{22B9AB01-BCCF-4582-BF39-8D8F034C96D4}" type="datetime1">
               <a:rPr lang="en-US" smtClean="0"/>
-              <a:t>6/1/2019</a:t>
+              <a:t>6/2/2019</a:t>
             </a:fld>
             <a:endParaRPr lang="en-US"/>
           </a:p>
@@ -2712,8 +3005,8 @@
         </p:nvSpPr>
         <p:spPr>
           <a:xfrm>
-            <a:off x="457201" y="1659636"/>
-            <a:ext cx="4041648" cy="2935224"/>
+            <a:off x="502921" y="2212848"/>
+            <a:ext cx="4445813" cy="3913632"/>
           </a:xfrm>
         </p:spPr>
         <p:txBody>
@@ -2769,8 +3062,8 @@
         </p:nvSpPr>
         <p:spPr>
           <a:xfrm>
-            <a:off x="4672584" y="1659637"/>
-            <a:ext cx="4041648" cy="2934890"/>
+            <a:off x="5139842" y="2212849"/>
+            <a:ext cx="4445813" cy="3913187"/>
           </a:xfrm>
         </p:spPr>
         <p:txBody>
@@ -2819,6 +3112,18 @@
   <p:clrMapOvr>
     <a:masterClrMapping/>
   </p:clrMapOvr>
+  <mc:AlternateContent xmlns:mc="http://schemas.openxmlformats.org/markup-compatibility/2006">
+    <mc:Choice xmlns:p14="http://schemas.microsoft.com/office/powerpoint/2010/main" Requires="p14">
+      <p:transition p14:dur="250">
+        <p:fade/>
+      </p:transition>
+    </mc:Choice>
+    <mc:Fallback>
+      <p:transition>
+        <p:fade/>
+      </p:transition>
+    </mc:Fallback>
+  </mc:AlternateContent>
   <p:hf hdr="0" ftr="0" dt="0"/>
 </p:sldLayout>
 </file>
@@ -2880,7 +3185,7 @@
           <a:p>
             <a:fld id="{22B9AB01-BCCF-4582-BF39-8D8F034C96D4}" type="datetime1">
               <a:rPr lang="en-US" smtClean="0"/>
-              <a:t>6/1/2019</a:t>
+              <a:t>6/2/2019</a:t>
             </a:fld>
             <a:endParaRPr lang="en-US"/>
           </a:p>
@@ -2933,6 +3238,18 @@
   <p:clrMapOvr>
     <a:masterClrMapping/>
   </p:clrMapOvr>
+  <mc:AlternateContent xmlns:mc="http://schemas.openxmlformats.org/markup-compatibility/2006">
+    <mc:Choice xmlns:p14="http://schemas.microsoft.com/office/powerpoint/2010/main" Requires="p14">
+      <p:transition p14:dur="250">
+        <p:fade/>
+      </p:transition>
+    </mc:Choice>
+    <mc:Fallback>
+      <p:transition>
+        <p:fade/>
+      </p:transition>
+    </mc:Fallback>
+  </mc:AlternateContent>
   <p:hf hdr="0" ftr="0" dt="0"/>
 </p:sldLayout>
 </file>
@@ -2971,7 +3288,7 @@
           <a:p>
             <a:fld id="{22B9AB01-BCCF-4582-BF39-8D8F034C96D4}" type="datetime1">
               <a:rPr lang="en-US" smtClean="0"/>
-              <a:t>6/1/2019</a:t>
+              <a:t>6/2/2019</a:t>
             </a:fld>
             <a:endParaRPr lang="en-US"/>
           </a:p>
@@ -3024,6 +3341,18 @@
   <p:clrMapOvr>
     <a:masterClrMapping/>
   </p:clrMapOvr>
+  <mc:AlternateContent xmlns:mc="http://schemas.openxmlformats.org/markup-compatibility/2006">
+    <mc:Choice xmlns:p14="http://schemas.microsoft.com/office/powerpoint/2010/main" Requires="p14">
+      <p:transition p14:dur="250">
+        <p:fade/>
+      </p:transition>
+    </mc:Choice>
+    <mc:Fallback>
+      <p:transition>
+        <p:fade/>
+      </p:transition>
+    </mc:Fallback>
+  </mc:AlternateContent>
   <p:hf hdr="0" ftr="0" dt="0"/>
 </p:sldLayout>
 </file>
@@ -3057,8 +3386,8 @@
         </p:nvSpPr>
         <p:spPr>
           <a:xfrm>
-            <a:off x="5907087" y="200025"/>
-            <a:ext cx="3008313" cy="1571625"/>
+            <a:off x="6497796" y="266701"/>
+            <a:ext cx="3309144" cy="2095500"/>
           </a:xfrm>
         </p:spPr>
         <p:txBody>
@@ -3068,7 +3397,7 @@
               <a:lnSpc>
                 <a:spcPct val="100000"/>
               </a:lnSpc>
-              <a:defRPr sz="2400" b="0">
+              <a:defRPr sz="2640" b="0">
                 <a:effectLst>
                   <a:outerShdw blurRad="50800" dist="25400" dir="5400000" algn="t" rotWithShape="0">
                     <a:prstClr val="black">
@@ -3100,39 +3429,39 @@
         </p:nvSpPr>
         <p:spPr>
           <a:xfrm>
-            <a:off x="719138" y="204789"/>
-            <a:ext cx="4995863" cy="4389835"/>
+            <a:off x="791053" y="273053"/>
+            <a:ext cx="5495449" cy="5853113"/>
           </a:xfrm>
         </p:spPr>
         <p:txBody>
           <a:bodyPr/>
           <a:lstStyle>
             <a:lvl1pPr>
-              <a:defRPr sz="2700"/>
+              <a:defRPr sz="2970"/>
             </a:lvl1pPr>
             <a:lvl2pPr>
-              <a:defRPr sz="2400"/>
+              <a:defRPr sz="2640"/>
             </a:lvl2pPr>
             <a:lvl3pPr>
-              <a:defRPr sz="2000"/>
+              <a:defRPr sz="2200"/>
             </a:lvl3pPr>
             <a:lvl4pPr>
-              <a:defRPr sz="1700"/>
+              <a:defRPr sz="1870"/>
             </a:lvl4pPr>
             <a:lvl5pPr>
-              <a:defRPr sz="1700"/>
+              <a:defRPr sz="1870"/>
             </a:lvl5pPr>
             <a:lvl6pPr>
-              <a:defRPr sz="1700"/>
+              <a:defRPr sz="1870"/>
             </a:lvl6pPr>
             <a:lvl7pPr>
-              <a:defRPr sz="1700"/>
+              <a:defRPr sz="1870"/>
             </a:lvl7pPr>
             <a:lvl8pPr>
-              <a:defRPr sz="1700"/>
+              <a:defRPr sz="1870"/>
             </a:lvl8pPr>
             <a:lvl9pPr>
-              <a:defRPr sz="1700"/>
+              <a:defRPr sz="1870"/>
             </a:lvl9pPr>
           </a:lstStyle>
           <a:p>
@@ -3185,8 +3514,8 @@
         </p:nvSpPr>
         <p:spPr>
           <a:xfrm>
-            <a:off x="5907087" y="1828801"/>
-            <a:ext cx="3008313" cy="2765822"/>
+            <a:off x="6497796" y="2438401"/>
+            <a:ext cx="3309144" cy="3687763"/>
           </a:xfrm>
         </p:spPr>
         <p:txBody>
@@ -3199,39 +3528,39 @@
                 <a:spcPct val="125000"/>
               </a:lnSpc>
               <a:buNone/>
-              <a:defRPr sz="1400"/>
+              <a:defRPr sz="1540"/>
             </a:lvl1pPr>
-            <a:lvl2pPr marL="386105" indent="0">
+            <a:lvl2pPr marL="424716" indent="0">
               <a:buNone/>
-              <a:defRPr sz="1000"/>
+              <a:defRPr sz="1100"/>
             </a:lvl2pPr>
-            <a:lvl3pPr marL="772211" indent="0">
+            <a:lvl3pPr marL="849432" indent="0">
               <a:buNone/>
-              <a:defRPr sz="800"/>
+              <a:defRPr sz="880"/>
             </a:lvl3pPr>
-            <a:lvl4pPr marL="1158316" indent="0">
+            <a:lvl4pPr marL="1274148" indent="0">
               <a:buNone/>
-              <a:defRPr sz="800"/>
+              <a:defRPr sz="880"/>
             </a:lvl4pPr>
-            <a:lvl5pPr marL="1544422" indent="0">
+            <a:lvl5pPr marL="1698864" indent="0">
               <a:buNone/>
-              <a:defRPr sz="800"/>
+              <a:defRPr sz="880"/>
             </a:lvl5pPr>
-            <a:lvl6pPr marL="1930527" indent="0">
+            <a:lvl6pPr marL="2123580" indent="0">
               <a:buNone/>
-              <a:defRPr sz="800"/>
+              <a:defRPr sz="880"/>
             </a:lvl6pPr>
-            <a:lvl7pPr marL="2316632" indent="0">
+            <a:lvl7pPr marL="2548295" indent="0">
               <a:buNone/>
-              <a:defRPr sz="800"/>
+              <a:defRPr sz="880"/>
             </a:lvl7pPr>
-            <a:lvl8pPr marL="2702738" indent="0">
+            <a:lvl8pPr marL="2973012" indent="0">
               <a:buNone/>
-              <a:defRPr sz="800"/>
+              <a:defRPr sz="880"/>
             </a:lvl8pPr>
-            <a:lvl9pPr marL="3088843" indent="0">
+            <a:lvl9pPr marL="3397727" indent="0">
               <a:buNone/>
-              <a:defRPr sz="800"/>
+              <a:defRPr sz="880"/>
             </a:lvl9pPr>
           </a:lstStyle>
           <a:p>
@@ -3260,7 +3589,7 @@
           <a:p>
             <a:fld id="{22B9AB01-BCCF-4582-BF39-8D8F034C96D4}" type="datetime1">
               <a:rPr lang="en-US" smtClean="0"/>
-              <a:t>6/1/2019</a:t>
+              <a:t>6/2/2019</a:t>
             </a:fld>
             <a:endParaRPr lang="en-US"/>
           </a:p>
@@ -3313,6 +3642,18 @@
   <p:clrMapOvr>
     <a:masterClrMapping/>
   </p:clrMapOvr>
+  <mc:AlternateContent xmlns:mc="http://schemas.openxmlformats.org/markup-compatibility/2006">
+    <mc:Choice xmlns:p14="http://schemas.microsoft.com/office/powerpoint/2010/main" Requires="p14">
+      <p:transition p14:dur="250">
+        <p:fade/>
+      </p:transition>
+    </mc:Choice>
+    <mc:Fallback>
+      <p:transition>
+        <p:fade/>
+      </p:transition>
+    </mc:Fallback>
+  </mc:AlternateContent>
   <p:hf hdr="0" ftr="0" dt="0"/>
 </p:sldLayout>
 </file>
@@ -3346,8 +3687,8 @@
         </p:nvSpPr>
         <p:spPr>
           <a:xfrm>
-            <a:off x="1679576" y="171450"/>
-            <a:ext cx="5711824" cy="671513"/>
+            <a:off x="1847534" y="228601"/>
+            <a:ext cx="6283006" cy="895351"/>
           </a:xfrm>
         </p:spPr>
         <p:txBody>
@@ -3357,7 +3698,7 @@
               <a:lnSpc>
                 <a:spcPct val="100000"/>
               </a:lnSpc>
-              <a:defRPr sz="2400" b="0"/>
+              <a:defRPr sz="2640" b="0"/>
             </a:lvl1pPr>
           </a:lstStyle>
           <a:p>
@@ -3381,8 +3722,8 @@
         </p:nvSpPr>
         <p:spPr>
           <a:xfrm>
-            <a:off x="1508126" y="857250"/>
-            <a:ext cx="6054724" cy="3405783"/>
+            <a:off x="1658939" y="1143001"/>
+            <a:ext cx="6660196" cy="4541044"/>
           </a:xfrm>
           <a:ln w="76200">
             <a:solidFill>
@@ -3402,39 +3743,39 @@
           <a:lstStyle>
             <a:lvl1pPr marL="0" indent="0" algn="ctr">
               <a:buNone/>
-              <a:defRPr sz="2700"/>
+              <a:defRPr sz="2970"/>
             </a:lvl1pPr>
-            <a:lvl2pPr marL="386105" indent="0">
+            <a:lvl2pPr marL="424716" indent="0">
               <a:buNone/>
-              <a:defRPr sz="2400"/>
+              <a:defRPr sz="2640"/>
             </a:lvl2pPr>
-            <a:lvl3pPr marL="772211" indent="0">
+            <a:lvl3pPr marL="849432" indent="0">
               <a:buNone/>
-              <a:defRPr sz="2000"/>
+              <a:defRPr sz="2200"/>
             </a:lvl3pPr>
-            <a:lvl4pPr marL="1158316" indent="0">
+            <a:lvl4pPr marL="1274148" indent="0">
               <a:buNone/>
-              <a:defRPr sz="1700"/>
+              <a:defRPr sz="1870"/>
             </a:lvl4pPr>
-            <a:lvl5pPr marL="1544422" indent="0">
+            <a:lvl5pPr marL="1698864" indent="0">
               <a:buNone/>
-              <a:defRPr sz="1700"/>
+              <a:defRPr sz="1870"/>
             </a:lvl5pPr>
-            <a:lvl6pPr marL="1930527" indent="0">
+            <a:lvl6pPr marL="2123580" indent="0">
               <a:buNone/>
-              <a:defRPr sz="1700"/>
+              <a:defRPr sz="1870"/>
             </a:lvl6pPr>
-            <a:lvl7pPr marL="2316632" indent="0">
+            <a:lvl7pPr marL="2548295" indent="0">
               <a:buNone/>
-              <a:defRPr sz="1700"/>
+              <a:defRPr sz="1870"/>
             </a:lvl7pPr>
-            <a:lvl8pPr marL="2702738" indent="0">
+            <a:lvl8pPr marL="2973012" indent="0">
               <a:buNone/>
-              <a:defRPr sz="1700"/>
+              <a:defRPr sz="1870"/>
             </a:lvl8pPr>
-            <a:lvl9pPr marL="3088843" indent="0">
+            <a:lvl9pPr marL="3397727" indent="0">
               <a:buNone/>
-              <a:defRPr sz="1700"/>
+              <a:defRPr sz="1870"/>
             </a:lvl9pPr>
           </a:lstStyle>
           <a:p>
@@ -3458,8 +3799,8 @@
         </p:nvSpPr>
         <p:spPr>
           <a:xfrm>
-            <a:off x="1679576" y="4357688"/>
-            <a:ext cx="5711824" cy="400050"/>
+            <a:off x="1847534" y="5810251"/>
+            <a:ext cx="6283006" cy="533400"/>
           </a:xfrm>
         </p:spPr>
         <p:txBody>
@@ -3469,39 +3810,39 @@
           <a:lstStyle>
             <a:lvl1pPr marL="0" indent="0" algn="ctr">
               <a:buNone/>
-              <a:defRPr sz="1400"/>
+              <a:defRPr sz="1540"/>
             </a:lvl1pPr>
-            <a:lvl2pPr marL="386105" indent="0">
+            <a:lvl2pPr marL="424716" indent="0">
               <a:buNone/>
-              <a:defRPr sz="1000"/>
+              <a:defRPr sz="1100"/>
             </a:lvl2pPr>
-            <a:lvl3pPr marL="772211" indent="0">
+            <a:lvl3pPr marL="849432" indent="0">
               <a:buNone/>
-              <a:defRPr sz="800"/>
+              <a:defRPr sz="880"/>
             </a:lvl3pPr>
-            <a:lvl4pPr marL="1158316" indent="0">
+            <a:lvl4pPr marL="1274148" indent="0">
               <a:buNone/>
-              <a:defRPr sz="800"/>
+              <a:defRPr sz="880"/>
             </a:lvl4pPr>
-            <a:lvl5pPr marL="1544422" indent="0">
+            <a:lvl5pPr marL="1698864" indent="0">
               <a:buNone/>
-              <a:defRPr sz="800"/>
+              <a:defRPr sz="880"/>
             </a:lvl5pPr>
-            <a:lvl6pPr marL="1930527" indent="0">
+            <a:lvl6pPr marL="2123580" indent="0">
               <a:buNone/>
-              <a:defRPr sz="800"/>
+              <a:defRPr sz="880"/>
             </a:lvl6pPr>
-            <a:lvl7pPr marL="2316632" indent="0">
+            <a:lvl7pPr marL="2548295" indent="0">
               <a:buNone/>
-              <a:defRPr sz="800"/>
+              <a:defRPr sz="880"/>
             </a:lvl7pPr>
-            <a:lvl8pPr marL="2702738" indent="0">
+            <a:lvl8pPr marL="2973012" indent="0">
               <a:buNone/>
-              <a:defRPr sz="800"/>
+              <a:defRPr sz="880"/>
             </a:lvl8pPr>
-            <a:lvl9pPr marL="3088843" indent="0">
+            <a:lvl9pPr marL="3397727" indent="0">
               <a:buNone/>
-              <a:defRPr sz="800"/>
+              <a:defRPr sz="880"/>
             </a:lvl9pPr>
           </a:lstStyle>
           <a:p>
@@ -3530,7 +3871,7 @@
           <a:p>
             <a:fld id="{22B9AB01-BCCF-4582-BF39-8D8F034C96D4}" type="datetime1">
               <a:rPr lang="en-US" smtClean="0"/>
-              <a:t>6/1/2019</a:t>
+              <a:t>6/2/2019</a:t>
             </a:fld>
             <a:endParaRPr lang="en-US"/>
           </a:p>
@@ -3583,6 +3924,18 @@
   <p:clrMapOvr>
     <a:masterClrMapping/>
   </p:clrMapOvr>
+  <mc:AlternateContent xmlns:mc="http://schemas.openxmlformats.org/markup-compatibility/2006">
+    <mc:Choice xmlns:p14="http://schemas.microsoft.com/office/powerpoint/2010/main" Requires="p14">
+      <p:transition p14:dur="250">
+        <p:fade/>
+      </p:transition>
+    </mc:Choice>
+    <mc:Fallback>
+      <p:transition>
+        <p:fade/>
+      </p:transition>
+    </mc:Fallback>
+  </mc:AlternateContent>
   <p:hf hdr="0" ftr="0" dt="0"/>
 </p:sldLayout>
 </file>
@@ -3621,8 +3974,8 @@
         </p:nvSpPr>
         <p:spPr>
           <a:xfrm>
-            <a:off x="457200" y="0"/>
-            <a:ext cx="8229600" cy="1200150"/>
+            <a:off x="502920" y="0"/>
+            <a:ext cx="9052560" cy="1600200"/>
           </a:xfrm>
           <a:prstGeom prst="rect">
             <a:avLst/>
@@ -3654,8 +4007,8 @@
         </p:nvSpPr>
         <p:spPr>
           <a:xfrm>
-            <a:off x="457200" y="1200151"/>
-            <a:ext cx="8229600" cy="3394472"/>
+            <a:off x="502920" y="1600201"/>
+            <a:ext cx="9052560" cy="4525963"/>
           </a:xfrm>
           <a:prstGeom prst="rect">
             <a:avLst/>
@@ -3716,8 +4069,8 @@
         </p:nvSpPr>
         <p:spPr>
           <a:xfrm>
-            <a:off x="6363348" y="4767264"/>
-            <a:ext cx="2085975" cy="273844"/>
+            <a:off x="6999683" y="6356352"/>
+            <a:ext cx="2294573" cy="365125"/>
           </a:xfrm>
           <a:prstGeom prst="rect">
             <a:avLst/>
@@ -3727,7 +4080,7 @@
           <a:bodyPr vert="horz" lIns="77221" tIns="38611" rIns="38611" bIns="38611" rtlCol="0" anchor="ctr"/>
           <a:lstStyle>
             <a:lvl1pPr algn="r">
-              <a:defRPr sz="1000">
+              <a:defRPr sz="1100">
                 <a:solidFill>
                   <a:schemeClr val="tx1">
                     <a:lumMod val="65000"/>
@@ -3741,7 +4094,7 @@
           <a:p>
             <a:fld id="{22B9AB01-BCCF-4582-BF39-8D8F034C96D4}" type="datetime1">
               <a:rPr lang="en-US" smtClean="0"/>
-              <a:t>6/1/2019</a:t>
+              <a:t>6/2/2019</a:t>
             </a:fld>
             <a:endParaRPr lang="en-US"/>
           </a:p>
@@ -3759,8 +4112,8 @@
         </p:nvSpPr>
         <p:spPr>
           <a:xfrm>
-            <a:off x="659166" y="4767264"/>
-            <a:ext cx="2847975" cy="273844"/>
+            <a:off x="725083" y="6356352"/>
+            <a:ext cx="3132773" cy="365125"/>
           </a:xfrm>
           <a:prstGeom prst="rect">
             <a:avLst/>
@@ -3770,7 +4123,7 @@
           <a:bodyPr vert="horz" lIns="38611" tIns="38611" rIns="77221" bIns="38611" rtlCol="0" anchor="ctr"/>
           <a:lstStyle>
             <a:lvl1pPr algn="l">
-              <a:defRPr sz="1000">
+              <a:defRPr sz="1100">
                 <a:solidFill>
                   <a:schemeClr val="tx1">
                     <a:lumMod val="65000"/>
@@ -3798,8 +4151,8 @@
         </p:nvSpPr>
         <p:spPr>
           <a:xfrm>
-            <a:off x="8543279" y="4767264"/>
-            <a:ext cx="561975" cy="273844"/>
+            <a:off x="9397607" y="6356352"/>
+            <a:ext cx="618173" cy="365125"/>
           </a:xfrm>
           <a:prstGeom prst="rect">
             <a:avLst/>
@@ -3809,7 +4162,7 @@
           <a:bodyPr vert="horz" lIns="23166" tIns="38611" rIns="38611" bIns="38611" rtlCol="0" anchor="ctr"/>
           <a:lstStyle>
             <a:lvl1pPr algn="l">
-              <a:defRPr sz="1000">
+              <a:defRPr sz="1100">
                 <a:solidFill>
                   <a:schemeClr val="tx1">
                     <a:lumMod val="65000"/>
@@ -3837,8 +4190,8 @@
         </p:nvSpPr>
         <p:spPr>
           <a:xfrm>
-            <a:off x="8457760" y="4874538"/>
-            <a:ext cx="84772" cy="63579"/>
+            <a:off x="9303536" y="6499385"/>
+            <a:ext cx="93249" cy="84772"/>
           </a:xfrm>
           <a:prstGeom prst="ellipse">
             <a:avLst/>
@@ -3871,11 +4224,11 @@
           </a:fontRef>
         </p:style>
         <p:txBody>
-          <a:bodyPr lIns="77221" tIns="38611" rIns="77221" bIns="38611" rtlCol="0" anchor="ctr"/>
+          <a:bodyPr lIns="84943" tIns="42472" rIns="84943" bIns="42472" rtlCol="0" anchor="ctr"/>
           <a:lstStyle/>
           <a:p>
-            <a:pPr marL="0" algn="ctr" defTabSz="772211" rtl="0" eaLnBrk="1" latinLnBrk="0" hangingPunct="1"/>
-            <a:endParaRPr lang="en-US" sz="1500" kern="1200">
+            <a:pPr marL="0" algn="ctr" defTabSz="849432" rtl="0" eaLnBrk="1" latinLnBrk="0" hangingPunct="1"/>
+            <a:endParaRPr lang="en-US" sz="1650" kern="1200">
               <a:solidFill>
                 <a:schemeClr val="lt1"/>
               </a:solidFill>
@@ -3894,8 +4247,8 @@
         </p:nvSpPr>
         <p:spPr>
           <a:xfrm>
-            <a:off x="569119" y="4874538"/>
-            <a:ext cx="84772" cy="63579"/>
+            <a:off x="626031" y="6499385"/>
+            <a:ext cx="93249" cy="84772"/>
           </a:xfrm>
           <a:prstGeom prst="ellipse">
             <a:avLst/>
@@ -3928,11 +4281,11 @@
           </a:fontRef>
         </p:style>
         <p:txBody>
-          <a:bodyPr lIns="77221" tIns="38611" rIns="77221" bIns="38611" rtlCol="0" anchor="ctr"/>
+          <a:bodyPr lIns="84943" tIns="42472" rIns="84943" bIns="42472" rtlCol="0" anchor="ctr"/>
           <a:lstStyle/>
           <a:p>
             <a:pPr algn="ctr"/>
-            <a:endParaRPr lang="en-US"/>
+            <a:endParaRPr lang="en-US" sz="1693"/>
           </a:p>
         </p:txBody>
       </p:sp>
@@ -3952,18 +4305,30 @@
     <p:sldLayoutId id="2147484134" r:id="rId10"/>
     <p:sldLayoutId id="2147484135" r:id="rId11"/>
   </p:sldLayoutIdLst>
+  <mc:AlternateContent xmlns:mc="http://schemas.openxmlformats.org/markup-compatibility/2006">
+    <mc:Choice xmlns:p14="http://schemas.microsoft.com/office/powerpoint/2010/main" Requires="p14">
+      <p:transition p14:dur="250">
+        <p:fade/>
+      </p:transition>
+    </mc:Choice>
+    <mc:Fallback>
+      <p:transition>
+        <p:fade/>
+      </p:transition>
+    </mc:Fallback>
+  </mc:AlternateContent>
   <p:hf hdr="0" ftr="0" dt="0"/>
   <p:txStyles>
     <p:titleStyle>
-      <a:lvl1pPr algn="ctr" defTabSz="772211" rtl="0" eaLnBrk="1" latinLnBrk="0" hangingPunct="1">
+      <a:lvl1pPr algn="ctr" defTabSz="849432" rtl="0" eaLnBrk="1" latinLnBrk="0" hangingPunct="1">
         <a:lnSpc>
-          <a:spcPts val="4898"/>
+          <a:spcPts val="5388"/>
         </a:lnSpc>
         <a:spcBef>
           <a:spcPct val="0"/>
         </a:spcBef>
         <a:buNone/>
-        <a:defRPr sz="4600" kern="1200">
+        <a:defRPr sz="5060" kern="1200">
           <a:solidFill>
             <a:schemeClr val="tx2"/>
           </a:solidFill>
@@ -3981,13 +4346,13 @@
       </a:lvl1pPr>
     </p:titleStyle>
     <p:bodyStyle>
-      <a:lvl1pPr marL="289579" indent="-289579" algn="l" defTabSz="772211" rtl="0" eaLnBrk="1" latinLnBrk="0" hangingPunct="1">
+      <a:lvl1pPr marL="318537" indent="-318537" algn="l" defTabSz="849432" rtl="0" eaLnBrk="1" latinLnBrk="0" hangingPunct="1">
         <a:spcBef>
           <a:spcPct val="20000"/>
         </a:spcBef>
         <a:buFont typeface="Arial" pitchFamily="34" charset="0"/>
         <a:buChar char="•"/>
-        <a:defRPr sz="2000" kern="1200">
+        <a:defRPr sz="2200" kern="1200">
           <a:solidFill>
             <a:schemeClr val="tx1">
               <a:lumMod val="50000"/>
@@ -3999,13 +4364,13 @@
           <a:cs typeface="+mn-cs"/>
         </a:defRPr>
       </a:lvl1pPr>
-      <a:lvl2pPr marL="627421" indent="-241316" algn="l" defTabSz="772211" rtl="0" eaLnBrk="1" latinLnBrk="0" hangingPunct="1">
+      <a:lvl2pPr marL="690163" indent="-265448" algn="l" defTabSz="849432" rtl="0" eaLnBrk="1" latinLnBrk="0" hangingPunct="1">
         <a:spcBef>
           <a:spcPct val="20000"/>
         </a:spcBef>
         <a:buFont typeface="Courier New" pitchFamily="49" charset="0"/>
         <a:buChar char="o"/>
-        <a:defRPr sz="1400" kern="1200">
+        <a:defRPr sz="1540" kern="1200">
           <a:solidFill>
             <a:schemeClr val="tx1">
               <a:lumMod val="50000"/>
@@ -4017,13 +4382,13 @@
           <a:cs typeface="+mn-cs"/>
         </a:defRPr>
       </a:lvl2pPr>
-      <a:lvl3pPr marL="965264" indent="-193053" algn="l" defTabSz="772211" rtl="0" eaLnBrk="1" latinLnBrk="0" hangingPunct="1">
+      <a:lvl3pPr marL="1061790" indent="-212358" algn="l" defTabSz="849432" rtl="0" eaLnBrk="1" latinLnBrk="0" hangingPunct="1">
         <a:spcBef>
           <a:spcPct val="20000"/>
         </a:spcBef>
         <a:buFont typeface="Arial" pitchFamily="34" charset="0"/>
         <a:buChar char="•"/>
-        <a:defRPr sz="1400" kern="1200">
+        <a:defRPr sz="1540" kern="1200">
           <a:solidFill>
             <a:schemeClr val="tx1">
               <a:lumMod val="50000"/>
@@ -4035,13 +4400,13 @@
           <a:cs typeface="+mn-cs"/>
         </a:defRPr>
       </a:lvl3pPr>
-      <a:lvl4pPr marL="1351369" indent="-193053" algn="l" defTabSz="772211" rtl="0" eaLnBrk="1" latinLnBrk="0" hangingPunct="1">
+      <a:lvl4pPr marL="1486506" indent="-212358" algn="l" defTabSz="849432" rtl="0" eaLnBrk="1" latinLnBrk="0" hangingPunct="1">
         <a:spcBef>
           <a:spcPct val="20000"/>
         </a:spcBef>
         <a:buFont typeface="Courier New" pitchFamily="49" charset="0"/>
         <a:buChar char="o"/>
-        <a:defRPr sz="1400" kern="1200">
+        <a:defRPr sz="1540" kern="1200">
           <a:solidFill>
             <a:schemeClr val="tx1">
               <a:lumMod val="50000"/>
@@ -4053,13 +4418,13 @@
           <a:cs typeface="+mn-cs"/>
         </a:defRPr>
       </a:lvl4pPr>
-      <a:lvl5pPr marL="1737474" indent="-193053" algn="l" defTabSz="772211" rtl="0" eaLnBrk="1" latinLnBrk="0" hangingPunct="1">
+      <a:lvl5pPr marL="1911221" indent="-212358" algn="l" defTabSz="849432" rtl="0" eaLnBrk="1" latinLnBrk="0" hangingPunct="1">
         <a:spcBef>
           <a:spcPct val="20000"/>
         </a:spcBef>
         <a:buFont typeface="Arial" pitchFamily="34" charset="0"/>
         <a:buChar char="•"/>
-        <a:defRPr sz="1400" kern="1200">
+        <a:defRPr sz="1540" kern="1200">
           <a:solidFill>
             <a:schemeClr val="tx1">
               <a:lumMod val="50000"/>
@@ -4071,13 +4436,13 @@
           <a:cs typeface="+mn-cs"/>
         </a:defRPr>
       </a:lvl5pPr>
-      <a:lvl6pPr marL="2123580" indent="-193053" algn="l" defTabSz="772211" rtl="0" eaLnBrk="1" latinLnBrk="0" hangingPunct="1">
+      <a:lvl6pPr marL="2335938" indent="-212358" algn="l" defTabSz="849432" rtl="0" eaLnBrk="1" latinLnBrk="0" hangingPunct="1">
         <a:spcBef>
           <a:spcPct val="20000"/>
         </a:spcBef>
         <a:buFont typeface="Courier New" pitchFamily="49" charset="0"/>
         <a:buChar char="o"/>
-        <a:defRPr sz="1400" kern="1200">
+        <a:defRPr sz="1540" kern="1200">
           <a:solidFill>
             <a:schemeClr val="tx1">
               <a:lumMod val="50000"/>
@@ -4089,13 +4454,13 @@
           <a:cs typeface="+mn-cs"/>
         </a:defRPr>
       </a:lvl6pPr>
-      <a:lvl7pPr marL="2509685" indent="-193053" algn="l" defTabSz="772211" rtl="0" eaLnBrk="1" latinLnBrk="0" hangingPunct="1">
+      <a:lvl7pPr marL="2760654" indent="-212358" algn="l" defTabSz="849432" rtl="0" eaLnBrk="1" latinLnBrk="0" hangingPunct="1">
         <a:spcBef>
           <a:spcPct val="20000"/>
         </a:spcBef>
         <a:buFont typeface="Arial" pitchFamily="34" charset="0"/>
         <a:buChar char="•"/>
-        <a:defRPr sz="1400" kern="1200">
+        <a:defRPr sz="1540" kern="1200">
           <a:solidFill>
             <a:schemeClr val="tx1">
               <a:lumMod val="50000"/>
@@ -4107,13 +4472,13 @@
           <a:cs typeface="+mn-cs"/>
         </a:defRPr>
       </a:lvl7pPr>
-      <a:lvl8pPr marL="2895791" indent="-193053" algn="l" defTabSz="772211" rtl="0" eaLnBrk="1" latinLnBrk="0" hangingPunct="1">
+      <a:lvl8pPr marL="3185370" indent="-212358" algn="l" defTabSz="849432" rtl="0" eaLnBrk="1" latinLnBrk="0" hangingPunct="1">
         <a:spcBef>
           <a:spcPct val="20000"/>
         </a:spcBef>
         <a:buFont typeface="Courier New" pitchFamily="49" charset="0"/>
         <a:buChar char="o"/>
-        <a:defRPr sz="1400" kern="1200">
+        <a:defRPr sz="1540" kern="1200">
           <a:solidFill>
             <a:schemeClr val="tx1">
               <a:lumMod val="50000"/>
@@ -4125,13 +4490,13 @@
           <a:cs typeface="+mn-cs"/>
         </a:defRPr>
       </a:lvl8pPr>
-      <a:lvl9pPr marL="3281896" indent="-193053" algn="l" defTabSz="772211" rtl="0" eaLnBrk="1" latinLnBrk="0" hangingPunct="1">
+      <a:lvl9pPr marL="3610086" indent="-212358" algn="l" defTabSz="849432" rtl="0" eaLnBrk="1" latinLnBrk="0" hangingPunct="1">
         <a:spcBef>
           <a:spcPct val="20000"/>
         </a:spcBef>
         <a:buFont typeface="Arial" pitchFamily="34" charset="0"/>
         <a:buChar char="•"/>
-        <a:defRPr sz="1400" kern="1200">
+        <a:defRPr sz="1540" kern="1200">
           <a:solidFill>
             <a:schemeClr val="tx1">
               <a:lumMod val="50000"/>
@@ -4148,8 +4513,8 @@
       <a:defPPr>
         <a:defRPr lang="en-US"/>
       </a:defPPr>
-      <a:lvl1pPr marL="0" algn="l" defTabSz="772211" rtl="0" eaLnBrk="1" latinLnBrk="0" hangingPunct="1">
-        <a:defRPr sz="1500" kern="1200">
+      <a:lvl1pPr marL="0" algn="l" defTabSz="849432" rtl="0" eaLnBrk="1" latinLnBrk="0" hangingPunct="1">
+        <a:defRPr sz="1650" kern="1200">
           <a:solidFill>
             <a:schemeClr val="tx1"/>
           </a:solidFill>
@@ -4158,8 +4523,8 @@
           <a:cs typeface="+mn-cs"/>
         </a:defRPr>
       </a:lvl1pPr>
-      <a:lvl2pPr marL="386105" algn="l" defTabSz="772211" rtl="0" eaLnBrk="1" latinLnBrk="0" hangingPunct="1">
-        <a:defRPr sz="1500" kern="1200">
+      <a:lvl2pPr marL="424716" algn="l" defTabSz="849432" rtl="0" eaLnBrk="1" latinLnBrk="0" hangingPunct="1">
+        <a:defRPr sz="1650" kern="1200">
           <a:solidFill>
             <a:schemeClr val="tx1"/>
           </a:solidFill>
@@ -4168,8 +4533,8 @@
           <a:cs typeface="+mn-cs"/>
         </a:defRPr>
       </a:lvl2pPr>
-      <a:lvl3pPr marL="772211" algn="l" defTabSz="772211" rtl="0" eaLnBrk="1" latinLnBrk="0" hangingPunct="1">
-        <a:defRPr sz="1500" kern="1200">
+      <a:lvl3pPr marL="849432" algn="l" defTabSz="849432" rtl="0" eaLnBrk="1" latinLnBrk="0" hangingPunct="1">
+        <a:defRPr sz="1650" kern="1200">
           <a:solidFill>
             <a:schemeClr val="tx1"/>
           </a:solidFill>
@@ -4178,8 +4543,8 @@
           <a:cs typeface="+mn-cs"/>
         </a:defRPr>
       </a:lvl3pPr>
-      <a:lvl4pPr marL="1158316" algn="l" defTabSz="772211" rtl="0" eaLnBrk="1" latinLnBrk="0" hangingPunct="1">
-        <a:defRPr sz="1500" kern="1200">
+      <a:lvl4pPr marL="1274148" algn="l" defTabSz="849432" rtl="0" eaLnBrk="1" latinLnBrk="0" hangingPunct="1">
+        <a:defRPr sz="1650" kern="1200">
           <a:solidFill>
             <a:schemeClr val="tx1"/>
           </a:solidFill>
@@ -4188,8 +4553,8 @@
           <a:cs typeface="+mn-cs"/>
         </a:defRPr>
       </a:lvl4pPr>
-      <a:lvl5pPr marL="1544422" algn="l" defTabSz="772211" rtl="0" eaLnBrk="1" latinLnBrk="0" hangingPunct="1">
-        <a:defRPr sz="1500" kern="1200">
+      <a:lvl5pPr marL="1698864" algn="l" defTabSz="849432" rtl="0" eaLnBrk="1" latinLnBrk="0" hangingPunct="1">
+        <a:defRPr sz="1650" kern="1200">
           <a:solidFill>
             <a:schemeClr val="tx1"/>
           </a:solidFill>
@@ -4198,8 +4563,8 @@
           <a:cs typeface="+mn-cs"/>
         </a:defRPr>
       </a:lvl5pPr>
-      <a:lvl6pPr marL="1930527" algn="l" defTabSz="772211" rtl="0" eaLnBrk="1" latinLnBrk="0" hangingPunct="1">
-        <a:defRPr sz="1500" kern="1200">
+      <a:lvl6pPr marL="2123580" algn="l" defTabSz="849432" rtl="0" eaLnBrk="1" latinLnBrk="0" hangingPunct="1">
+        <a:defRPr sz="1650" kern="1200">
           <a:solidFill>
             <a:schemeClr val="tx1"/>
           </a:solidFill>
@@ -4208,8 +4573,8 @@
           <a:cs typeface="+mn-cs"/>
         </a:defRPr>
       </a:lvl6pPr>
-      <a:lvl7pPr marL="2316632" algn="l" defTabSz="772211" rtl="0" eaLnBrk="1" latinLnBrk="0" hangingPunct="1">
-        <a:defRPr sz="1500" kern="1200">
+      <a:lvl7pPr marL="2548295" algn="l" defTabSz="849432" rtl="0" eaLnBrk="1" latinLnBrk="0" hangingPunct="1">
+        <a:defRPr sz="1650" kern="1200">
           <a:solidFill>
             <a:schemeClr val="tx1"/>
           </a:solidFill>
@@ -4218,8 +4583,8 @@
           <a:cs typeface="+mn-cs"/>
         </a:defRPr>
       </a:lvl7pPr>
-      <a:lvl8pPr marL="2702738" algn="l" defTabSz="772211" rtl="0" eaLnBrk="1" latinLnBrk="0" hangingPunct="1">
-        <a:defRPr sz="1500" kern="1200">
+      <a:lvl8pPr marL="2973012" algn="l" defTabSz="849432" rtl="0" eaLnBrk="1" latinLnBrk="0" hangingPunct="1">
+        <a:defRPr sz="1650" kern="1200">
           <a:solidFill>
             <a:schemeClr val="tx1"/>
           </a:solidFill>
@@ -4228,8 +4593,8 @@
           <a:cs typeface="+mn-cs"/>
         </a:defRPr>
       </a:lvl8pPr>
-      <a:lvl9pPr marL="3088843" algn="l" defTabSz="772211" rtl="0" eaLnBrk="1" latinLnBrk="0" hangingPunct="1">
-        <a:defRPr sz="1500" kern="1200">
+      <a:lvl9pPr marL="3397727" algn="l" defTabSz="849432" rtl="0" eaLnBrk="1" latinLnBrk="0" hangingPunct="1">
+        <a:defRPr sz="1650" kern="1200">
           <a:solidFill>
             <a:schemeClr val="tx1"/>
           </a:solidFill>
@@ -4272,21 +4637,21 @@
         </p:nvSpPr>
         <p:spPr>
           <a:xfrm>
-            <a:off x="841287" y="989703"/>
-            <a:ext cx="7485168" cy="3817249"/>
+            <a:off x="764908" y="1796892"/>
+            <a:ext cx="8233685" cy="4198974"/>
           </a:xfrm>
         </p:spPr>
         <p:txBody>
           <a:bodyPr>
-            <a:normAutofit fontScale="92500" lnSpcReduction="10000"/>
+            <a:normAutofit fontScale="92500" lnSpcReduction="20000"/>
           </a:bodyPr>
           <a:lstStyle/>
           <a:p>
             <a:pPr algn="ctr"/>
             <a:r>
-              <a:rPr lang="en-US" sz="3600" b="1" err="1">
-                <a:solidFill>
-                  <a:srgbClr val="0070C0"/>
+              <a:rPr lang="en-US" sz="4300" b="1" err="1">
+                <a:solidFill>
+                  <a:schemeClr val="tx1"/>
                 </a:solidFill>
                 <a:latin typeface="Arial" panose="020B0604020202020204" pitchFamily="34" charset="0"/>
                 <a:cs typeface="Arial" panose="020B0604020202020204" pitchFamily="34" charset="0"/>
@@ -4294,9 +4659,9 @@
               <a:t>Đề</a:t>
             </a:r>
             <a:r>
-              <a:rPr lang="en-US" sz="3600" b="1">
-                <a:solidFill>
-                  <a:srgbClr val="0070C0"/>
+              <a:rPr lang="en-US" sz="4300" b="1">
+                <a:solidFill>
+                  <a:schemeClr val="tx1"/>
                 </a:solidFill>
                 <a:latin typeface="Arial" panose="020B0604020202020204" pitchFamily="34" charset="0"/>
                 <a:cs typeface="Arial" panose="020B0604020202020204" pitchFamily="34" charset="0"/>
@@ -4304,9 +4669,9 @@
               <a:t> </a:t>
             </a:r>
             <a:r>
-              <a:rPr lang="en-US" sz="3600" b="1" err="1">
-                <a:solidFill>
-                  <a:srgbClr val="0070C0"/>
+              <a:rPr lang="en-US" sz="4300" b="1" err="1">
+                <a:solidFill>
+                  <a:schemeClr val="tx1"/>
                 </a:solidFill>
                 <a:latin typeface="Arial" panose="020B0604020202020204" pitchFamily="34" charset="0"/>
                 <a:cs typeface="Arial" panose="020B0604020202020204" pitchFamily="34" charset="0"/>
@@ -4314,9 +4679,9 @@
               <a:t>tài</a:t>
             </a:r>
             <a:r>
-              <a:rPr lang="en-US" sz="3600" b="1">
-                <a:solidFill>
-                  <a:srgbClr val="0070C0"/>
+              <a:rPr lang="en-US" sz="4300" b="1">
+                <a:solidFill>
+                  <a:schemeClr val="tx1"/>
                 </a:solidFill>
                 <a:latin typeface="Arial" panose="020B0604020202020204" pitchFamily="34" charset="0"/>
                 <a:cs typeface="Arial" panose="020B0604020202020204" pitchFamily="34" charset="0"/>
@@ -4324,9 +4689,9 @@
               <a:t>: </a:t>
             </a:r>
             <a:r>
-              <a:rPr lang="en-US" sz="3600" b="1" err="1">
-                <a:solidFill>
-                  <a:srgbClr val="0070C0"/>
+              <a:rPr lang="en-US" sz="4300" b="1" err="1">
+                <a:solidFill>
+                  <a:schemeClr val="tx1"/>
                 </a:solidFill>
                 <a:latin typeface="Arial" panose="020B0604020202020204" pitchFamily="34" charset="0"/>
                 <a:cs typeface="Arial" panose="020B0604020202020204" pitchFamily="34" charset="0"/>
@@ -4334,9 +4699,9 @@
               <a:t>Nghiên</a:t>
             </a:r>
             <a:r>
-              <a:rPr lang="en-US" sz="3600" b="1">
-                <a:solidFill>
-                  <a:srgbClr val="0070C0"/>
+              <a:rPr lang="en-US" sz="4300" b="1">
+                <a:solidFill>
+                  <a:schemeClr val="tx1"/>
                 </a:solidFill>
                 <a:latin typeface="Arial" panose="020B0604020202020204" pitchFamily="34" charset="0"/>
                 <a:cs typeface="Arial" panose="020B0604020202020204" pitchFamily="34" charset="0"/>
@@ -4344,9 +4709,9 @@
               <a:t> </a:t>
             </a:r>
             <a:r>
-              <a:rPr lang="en-US" sz="3600" b="1" err="1">
-                <a:solidFill>
-                  <a:srgbClr val="0070C0"/>
+              <a:rPr lang="en-US" sz="4300" b="1" err="1">
+                <a:solidFill>
+                  <a:schemeClr val="tx1"/>
                 </a:solidFill>
                 <a:latin typeface="Arial" panose="020B0604020202020204" pitchFamily="34" charset="0"/>
                 <a:cs typeface="Arial" panose="020B0604020202020204" pitchFamily="34" charset="0"/>
@@ -4354,9 +4719,9 @@
               <a:t>cứu</a:t>
             </a:r>
             <a:r>
-              <a:rPr lang="en-US" sz="3600" b="1">
-                <a:solidFill>
-                  <a:srgbClr val="0070C0"/>
+              <a:rPr lang="en-US" sz="4300" b="1">
+                <a:solidFill>
+                  <a:schemeClr val="tx1"/>
                 </a:solidFill>
                 <a:latin typeface="Arial" panose="020B0604020202020204" pitchFamily="34" charset="0"/>
                 <a:cs typeface="Arial" panose="020B0604020202020204" pitchFamily="34" charset="0"/>
@@ -4364,9 +4729,9 @@
               <a:t> </a:t>
             </a:r>
             <a:r>
-              <a:rPr lang="en-US" sz="3600" b="1" err="1">
-                <a:solidFill>
-                  <a:srgbClr val="0070C0"/>
+              <a:rPr lang="en-US" sz="4300" b="1" err="1">
+                <a:solidFill>
+                  <a:schemeClr val="tx1"/>
                 </a:solidFill>
                 <a:latin typeface="Arial" panose="020B0604020202020204" pitchFamily="34" charset="0"/>
                 <a:cs typeface="Arial" panose="020B0604020202020204" pitchFamily="34" charset="0"/>
@@ -4374,9 +4739,9 @@
               <a:t>và</a:t>
             </a:r>
             <a:r>
-              <a:rPr lang="en-US" sz="3600" b="1">
-                <a:solidFill>
-                  <a:srgbClr val="0070C0"/>
+              <a:rPr lang="en-US" sz="4300" b="1">
+                <a:solidFill>
+                  <a:schemeClr val="tx1"/>
                 </a:solidFill>
                 <a:latin typeface="Arial" panose="020B0604020202020204" pitchFamily="34" charset="0"/>
                 <a:cs typeface="Arial" panose="020B0604020202020204" pitchFamily="34" charset="0"/>
@@ -4384,9 +4749,9 @@
               <a:t> </a:t>
             </a:r>
             <a:r>
-              <a:rPr lang="en-US" sz="3600" b="1" err="1">
-                <a:solidFill>
-                  <a:srgbClr val="0070C0"/>
+              <a:rPr lang="en-US" sz="4300" b="1" err="1">
+                <a:solidFill>
+                  <a:schemeClr val="tx1"/>
                 </a:solidFill>
                 <a:latin typeface="Arial" panose="020B0604020202020204" pitchFamily="34" charset="0"/>
                 <a:cs typeface="Arial" panose="020B0604020202020204" pitchFamily="34" charset="0"/>
@@ -4394,9 +4759,9 @@
               <a:t>phát</a:t>
             </a:r>
             <a:r>
-              <a:rPr lang="en-US" sz="3600" b="1">
-                <a:solidFill>
-                  <a:srgbClr val="0070C0"/>
+              <a:rPr lang="en-US" sz="4300" b="1">
+                <a:solidFill>
+                  <a:schemeClr val="tx1"/>
                 </a:solidFill>
                 <a:latin typeface="Arial" panose="020B0604020202020204" pitchFamily="34" charset="0"/>
                 <a:cs typeface="Arial" panose="020B0604020202020204" pitchFamily="34" charset="0"/>
@@ -4404,342 +4769,16 @@
               <a:t> </a:t>
             </a:r>
             <a:r>
-              <a:rPr lang="en-US" sz="3600" b="1" err="1">
-                <a:solidFill>
-                  <a:srgbClr val="0070C0"/>
+              <a:rPr lang="en-US" sz="4300" b="1" err="1">
+                <a:solidFill>
+                  <a:schemeClr val="tx1"/>
                 </a:solidFill>
                 <a:latin typeface="Arial" panose="020B0604020202020204" pitchFamily="34" charset="0"/>
                 <a:cs typeface="Arial" panose="020B0604020202020204" pitchFamily="34" charset="0"/>
               </a:rPr>
               <a:t>triển</a:t>
             </a:r>
-            <a:endParaRPr lang="en-US" sz="3600" b="1">
-              <a:solidFill>
-                <a:srgbClr val="0070C0"/>
-              </a:solidFill>
-              <a:latin typeface="Arial" panose="020B0604020202020204" pitchFamily="34" charset="0"/>
-              <a:cs typeface="Arial" panose="020B0604020202020204" pitchFamily="34" charset="0"/>
-            </a:endParaRPr>
-          </a:p>
-          <a:p>
-            <a:pPr algn="ctr"/>
-            <a:r>
-              <a:rPr lang="en-US" sz="3600" b="1" err="1">
-                <a:solidFill>
-                  <a:srgbClr val="0070C0"/>
-                </a:solidFill>
-                <a:latin typeface="Arial" panose="020B0604020202020204" pitchFamily="34" charset="0"/>
-                <a:cs typeface="Arial" panose="020B0604020202020204" pitchFamily="34" charset="0"/>
-              </a:rPr>
-              <a:t>hệ</a:t>
-            </a:r>
-            <a:r>
-              <a:rPr lang="en-US" sz="3600" b="1">
-                <a:solidFill>
-                  <a:srgbClr val="0070C0"/>
-                </a:solidFill>
-                <a:latin typeface="Arial" panose="020B0604020202020204" pitchFamily="34" charset="0"/>
-                <a:cs typeface="Arial" panose="020B0604020202020204" pitchFamily="34" charset="0"/>
-              </a:rPr>
-              <a:t> </a:t>
-            </a:r>
-            <a:r>
-              <a:rPr lang="en-US" sz="3600" b="1" err="1">
-                <a:solidFill>
-                  <a:srgbClr val="0070C0"/>
-                </a:solidFill>
-                <a:latin typeface="Arial" panose="020B0604020202020204" pitchFamily="34" charset="0"/>
-                <a:cs typeface="Arial" panose="020B0604020202020204" pitchFamily="34" charset="0"/>
-              </a:rPr>
-              <a:t>thống</a:t>
-            </a:r>
-            <a:r>
-              <a:rPr lang="en-US" sz="3600" b="1">
-                <a:solidFill>
-                  <a:srgbClr val="0070C0"/>
-                </a:solidFill>
-                <a:latin typeface="Arial" panose="020B0604020202020204" pitchFamily="34" charset="0"/>
-                <a:cs typeface="Arial" panose="020B0604020202020204" pitchFamily="34" charset="0"/>
-              </a:rPr>
-              <a:t> </a:t>
-            </a:r>
-            <a:r>
-              <a:rPr lang="en-US" sz="3600" b="1" err="1">
-                <a:solidFill>
-                  <a:srgbClr val="0070C0"/>
-                </a:solidFill>
-                <a:latin typeface="Arial" panose="020B0604020202020204" pitchFamily="34" charset="0"/>
-                <a:cs typeface="Arial" panose="020B0604020202020204" pitchFamily="34" charset="0"/>
-              </a:rPr>
-              <a:t>quả</a:t>
-            </a:r>
-            <a:r>
-              <a:rPr lang="vi-VN" sz="3600" b="1">
-                <a:solidFill>
-                  <a:srgbClr val="0070C0"/>
-                </a:solidFill>
-                <a:latin typeface="Arial" panose="020B0604020202020204" pitchFamily="34" charset="0"/>
-                <a:cs typeface="Arial" panose="020B0604020202020204" pitchFamily="34" charset="0"/>
-              </a:rPr>
-              <a:t>n</a:t>
-            </a:r>
-            <a:r>
-              <a:rPr lang="en-US" sz="3600" b="1">
-                <a:solidFill>
-                  <a:srgbClr val="0070C0"/>
-                </a:solidFill>
-                <a:latin typeface="Arial" panose="020B0604020202020204" pitchFamily="34" charset="0"/>
-                <a:cs typeface="Arial" panose="020B0604020202020204" pitchFamily="34" charset="0"/>
-              </a:rPr>
-              <a:t> </a:t>
-            </a:r>
-            <a:r>
-              <a:rPr lang="en-US" sz="3600" b="1" err="1">
-                <a:solidFill>
-                  <a:srgbClr val="0070C0"/>
-                </a:solidFill>
-                <a:latin typeface="Arial" panose="020B0604020202020204" pitchFamily="34" charset="0"/>
-                <a:cs typeface="Arial" panose="020B0604020202020204" pitchFamily="34" charset="0"/>
-              </a:rPr>
-              <a:t>lý</a:t>
-            </a:r>
-            <a:r>
-              <a:rPr lang="en-US" sz="3600" b="1">
-                <a:solidFill>
-                  <a:srgbClr val="0070C0"/>
-                </a:solidFill>
-                <a:latin typeface="Arial" panose="020B0604020202020204" pitchFamily="34" charset="0"/>
-                <a:cs typeface="Arial" panose="020B0604020202020204" pitchFamily="34" charset="0"/>
-              </a:rPr>
-              <a:t> </a:t>
-            </a:r>
-            <a:r>
-              <a:rPr lang="en-US" sz="3600" b="1" err="1">
-                <a:solidFill>
-                  <a:srgbClr val="0070C0"/>
-                </a:solidFill>
-                <a:latin typeface="Arial" panose="020B0604020202020204" pitchFamily="34" charset="0"/>
-                <a:cs typeface="Arial" panose="020B0604020202020204" pitchFamily="34" charset="0"/>
-              </a:rPr>
-              <a:t>kỹ</a:t>
-            </a:r>
-            <a:r>
-              <a:rPr lang="en-US" sz="3600" b="1">
-                <a:solidFill>
-                  <a:srgbClr val="0070C0"/>
-                </a:solidFill>
-                <a:latin typeface="Arial" panose="020B0604020202020204" pitchFamily="34" charset="0"/>
-                <a:cs typeface="Arial" panose="020B0604020202020204" pitchFamily="34" charset="0"/>
-              </a:rPr>
-              <a:t> </a:t>
-            </a:r>
-            <a:r>
-              <a:rPr lang="en-US" sz="3600" b="1" err="1">
-                <a:solidFill>
-                  <a:srgbClr val="0070C0"/>
-                </a:solidFill>
-                <a:latin typeface="Arial" panose="020B0604020202020204" pitchFamily="34" charset="0"/>
-                <a:cs typeface="Arial" panose="020B0604020202020204" pitchFamily="34" charset="0"/>
-              </a:rPr>
-              <a:t>năng</a:t>
-            </a:r>
-            <a:endParaRPr lang="en-US" sz="3600" b="1">
-              <a:solidFill>
-                <a:srgbClr val="0070C0"/>
-              </a:solidFill>
-              <a:latin typeface="Arial" panose="020B0604020202020204" pitchFamily="34" charset="0"/>
-              <a:cs typeface="Arial" panose="020B0604020202020204" pitchFamily="34" charset="0"/>
-            </a:endParaRPr>
-          </a:p>
-          <a:p>
-            <a:pPr algn="ctr"/>
-            <a:r>
-              <a:rPr lang="en-US" sz="3600" b="1" err="1">
-                <a:solidFill>
-                  <a:srgbClr val="0070C0"/>
-                </a:solidFill>
-                <a:latin typeface="Arial" panose="020B0604020202020204" pitchFamily="34" charset="0"/>
-                <a:cs typeface="Arial" panose="020B0604020202020204" pitchFamily="34" charset="0"/>
-              </a:rPr>
-              <a:t>của</a:t>
-            </a:r>
-            <a:r>
-              <a:rPr lang="en-US" sz="3600" b="1">
-                <a:solidFill>
-                  <a:srgbClr val="0070C0"/>
-                </a:solidFill>
-                <a:latin typeface="Arial" panose="020B0604020202020204" pitchFamily="34" charset="0"/>
-                <a:cs typeface="Arial" panose="020B0604020202020204" pitchFamily="34" charset="0"/>
-              </a:rPr>
-              <a:t> </a:t>
-            </a:r>
-            <a:r>
-              <a:rPr lang="en-US" sz="3600" b="1" err="1">
-                <a:solidFill>
-                  <a:srgbClr val="0070C0"/>
-                </a:solidFill>
-                <a:latin typeface="Arial" panose="020B0604020202020204" pitchFamily="34" charset="0"/>
-                <a:cs typeface="Arial" panose="020B0604020202020204" pitchFamily="34" charset="0"/>
-              </a:rPr>
-              <a:t>nhân</a:t>
-            </a:r>
-            <a:r>
-              <a:rPr lang="en-US" sz="3600" b="1">
-                <a:solidFill>
-                  <a:srgbClr val="0070C0"/>
-                </a:solidFill>
-                <a:latin typeface="Arial" panose="020B0604020202020204" pitchFamily="34" charset="0"/>
-                <a:cs typeface="Arial" panose="020B0604020202020204" pitchFamily="34" charset="0"/>
-              </a:rPr>
-              <a:t> </a:t>
-            </a:r>
-            <a:r>
-              <a:rPr lang="en-US" sz="3600" b="1" err="1">
-                <a:solidFill>
-                  <a:srgbClr val="0070C0"/>
-                </a:solidFill>
-                <a:latin typeface="Arial" panose="020B0604020202020204" pitchFamily="34" charset="0"/>
-                <a:cs typeface="Arial" panose="020B0604020202020204" pitchFamily="34" charset="0"/>
-              </a:rPr>
-              <a:t>viên</a:t>
-            </a:r>
-            <a:endParaRPr lang="en-US" sz="3600" b="1">
-              <a:solidFill>
-                <a:srgbClr val="0070C0"/>
-              </a:solidFill>
-              <a:latin typeface="Arial" panose="020B0604020202020204" pitchFamily="34" charset="0"/>
-              <a:cs typeface="Arial" panose="020B0604020202020204" pitchFamily="34" charset="0"/>
-            </a:endParaRPr>
-          </a:p>
-          <a:p>
-            <a:pPr algn="l"/>
-            <a:r>
-              <a:rPr lang="en-US" sz="1400" b="1">
-                <a:solidFill>
-                  <a:srgbClr val="00B0F0"/>
-                </a:solidFill>
-                <a:latin typeface="Arial" panose="020B0604020202020204" pitchFamily="34" charset="0"/>
-                <a:cs typeface="Arial" panose="020B0604020202020204" pitchFamily="34" charset="0"/>
-              </a:rPr>
-              <a:t>			</a:t>
-            </a:r>
-          </a:p>
-          <a:p>
-            <a:pPr algn="l"/>
-            <a:endParaRPr lang="en-US" sz="1400" b="1">
-              <a:solidFill>
-                <a:srgbClr val="00B0F0"/>
-              </a:solidFill>
-              <a:latin typeface="Arial" panose="020B0604020202020204" pitchFamily="34" charset="0"/>
-              <a:cs typeface="Arial" panose="020B0604020202020204" pitchFamily="34" charset="0"/>
-            </a:endParaRPr>
-          </a:p>
-          <a:p>
-            <a:pPr algn="l"/>
-            <a:endParaRPr lang="en-US" sz="1400" b="1">
-              <a:solidFill>
-                <a:srgbClr val="00B0F0"/>
-              </a:solidFill>
-              <a:latin typeface="Arial" panose="020B0604020202020204" pitchFamily="34" charset="0"/>
-              <a:cs typeface="Arial" panose="020B0604020202020204" pitchFamily="34" charset="0"/>
-            </a:endParaRPr>
-          </a:p>
-          <a:p>
-            <a:pPr algn="l"/>
-            <a:r>
-              <a:rPr lang="en-US" sz="1400" b="1">
-                <a:solidFill>
-                  <a:srgbClr val="00B0F0"/>
-                </a:solidFill>
-                <a:latin typeface="Arial" panose="020B0604020202020204" pitchFamily="34" charset="0"/>
-                <a:cs typeface="Arial" panose="020B0604020202020204" pitchFamily="34" charset="0"/>
-              </a:rPr>
-              <a:t>		</a:t>
-            </a:r>
-            <a:r>
-              <a:rPr lang="en-US" sz="1900" b="1">
-                <a:solidFill>
-                  <a:schemeClr val="tx1"/>
-                </a:solidFill>
-                <a:latin typeface="Arial" panose="020B0604020202020204" pitchFamily="34" charset="0"/>
-                <a:cs typeface="Arial" panose="020B0604020202020204" pitchFamily="34" charset="0"/>
-              </a:rPr>
-              <a:t>Sinh viên thực hiện:</a:t>
-            </a:r>
-          </a:p>
-          <a:p>
-            <a:pPr algn="l"/>
-            <a:r>
-              <a:rPr lang="en-US" sz="1400" b="1">
-                <a:solidFill>
-                  <a:schemeClr val="tx1"/>
-                </a:solidFill>
-                <a:latin typeface="Arial" panose="020B0604020202020204" pitchFamily="34" charset="0"/>
-                <a:cs typeface="Arial" panose="020B0604020202020204" pitchFamily="34" charset="0"/>
-              </a:rPr>
-              <a:t>			</a:t>
-            </a:r>
-            <a:r>
-              <a:rPr lang="en-US" sz="1900" b="1">
-                <a:solidFill>
-                  <a:schemeClr val="tx1"/>
-                </a:solidFill>
-                <a:latin typeface="Arial" panose="020B0604020202020204" pitchFamily="34" charset="0"/>
-                <a:cs typeface="Arial" panose="020B0604020202020204" pitchFamily="34" charset="0"/>
-              </a:rPr>
-              <a:t>Nguyễn </a:t>
-            </a:r>
-            <a:r>
-              <a:rPr lang="en-US" sz="1900" b="1" err="1">
-                <a:solidFill>
-                  <a:schemeClr val="tx1"/>
-                </a:solidFill>
-                <a:latin typeface="Arial" panose="020B0604020202020204" pitchFamily="34" charset="0"/>
-                <a:cs typeface="Arial" panose="020B0604020202020204" pitchFamily="34" charset="0"/>
-              </a:rPr>
-              <a:t>Hiếu</a:t>
-            </a:r>
-            <a:r>
-              <a:rPr lang="en-US" sz="1900" b="1">
-                <a:solidFill>
-                  <a:schemeClr val="tx1"/>
-                </a:solidFill>
-                <a:latin typeface="Arial" panose="020B0604020202020204" pitchFamily="34" charset="0"/>
-                <a:cs typeface="Arial" panose="020B0604020202020204" pitchFamily="34" charset="0"/>
-              </a:rPr>
-              <a:t> </a:t>
-            </a:r>
-            <a:r>
-              <a:rPr lang="en-US" sz="1900" b="1" err="1">
-                <a:solidFill>
-                  <a:schemeClr val="tx1"/>
-                </a:solidFill>
-                <a:latin typeface="Arial" panose="020B0604020202020204" pitchFamily="34" charset="0"/>
-                <a:cs typeface="Arial" panose="020B0604020202020204" pitchFamily="34" charset="0"/>
-              </a:rPr>
-              <a:t>Đức</a:t>
-            </a:r>
-            <a:r>
-              <a:rPr lang="en-US" sz="1900" b="1">
-                <a:solidFill>
-                  <a:schemeClr val="tx1"/>
-                </a:solidFill>
-                <a:latin typeface="Arial" panose="020B0604020202020204" pitchFamily="34" charset="0"/>
-                <a:cs typeface="Arial" panose="020B0604020202020204" pitchFamily="34" charset="0"/>
-              </a:rPr>
-              <a:t> </a:t>
-            </a:r>
-            <a:r>
-              <a:rPr lang="en-US" sz="1900" b="1" smtClean="0">
-                <a:solidFill>
-                  <a:schemeClr val="tx1"/>
-                </a:solidFill>
-                <a:latin typeface="Arial" panose="020B0604020202020204" pitchFamily="34" charset="0"/>
-                <a:cs typeface="Arial" panose="020B0604020202020204" pitchFamily="34" charset="0"/>
-              </a:rPr>
-              <a:t>Ân     15071971</a:t>
-            </a:r>
-            <a:endParaRPr lang="en-US" sz="1900" b="1">
+            <a:endParaRPr lang="en-US" sz="4300" b="1">
               <a:solidFill>
                 <a:schemeClr val="tx1"/>
               </a:solidFill>
@@ -4748,58 +4787,128 @@
             </a:endParaRPr>
           </a:p>
           <a:p>
-            <a:pPr algn="l"/>
-            <a:r>
-              <a:rPr lang="en-US" sz="1900" b="1">
+            <a:pPr algn="ctr"/>
+            <a:r>
+              <a:rPr lang="en-US" sz="4300" b="1" err="1">
                 <a:solidFill>
                   <a:schemeClr val="tx1"/>
                 </a:solidFill>
                 <a:latin typeface="Arial" panose="020B0604020202020204" pitchFamily="34" charset="0"/>
                 <a:cs typeface="Arial" panose="020B0604020202020204" pitchFamily="34" charset="0"/>
               </a:rPr>
-              <a:t>			</a:t>
-            </a:r>
-            <a:r>
-              <a:rPr lang="vi-VN" sz="1900" b="1">
+              <a:t>H</a:t>
+            </a:r>
+            <a:r>
+              <a:rPr lang="en-US" sz="4300" b="1" smtClean="0">
                 <a:solidFill>
                   <a:schemeClr val="tx1"/>
                 </a:solidFill>
                 <a:latin typeface="Arial" panose="020B0604020202020204" pitchFamily="34" charset="0"/>
                 <a:cs typeface="Arial" panose="020B0604020202020204" pitchFamily="34" charset="0"/>
               </a:rPr>
-              <a:t>Nguyễn Việt </a:t>
-            </a:r>
-            <a:r>
-              <a:rPr lang="vi-VN" sz="1900" b="1" smtClean="0">
+              <a:t>ệ </a:t>
+            </a:r>
+            <a:r>
+              <a:rPr lang="en-US" sz="4300" b="1" err="1">
                 <a:solidFill>
                   <a:schemeClr val="tx1"/>
                 </a:solidFill>
                 <a:latin typeface="Arial" panose="020B0604020202020204" pitchFamily="34" charset="0"/>
                 <a:cs typeface="Arial" panose="020B0604020202020204" pitchFamily="34" charset="0"/>
               </a:rPr>
-              <a:t>Hoàng</a:t>
-            </a:r>
-            <a:r>
-              <a:rPr lang="en-US" sz="1900" b="1" smtClean="0">
+              <a:t>thống</a:t>
+            </a:r>
+            <a:r>
+              <a:rPr lang="en-US" sz="4300" b="1">
                 <a:solidFill>
                   <a:schemeClr val="tx1"/>
                 </a:solidFill>
                 <a:latin typeface="Arial" panose="020B0604020202020204" pitchFamily="34" charset="0"/>
                 <a:cs typeface="Arial" panose="020B0604020202020204" pitchFamily="34" charset="0"/>
               </a:rPr>
-              <a:t>        </a:t>
-            </a:r>
-            <a:r>
-              <a:rPr lang="vi-VN" sz="1900" b="1" smtClean="0">
+              <a:t> </a:t>
+            </a:r>
+            <a:r>
+              <a:rPr lang="en-US" sz="4300" b="1" err="1">
                 <a:solidFill>
                   <a:schemeClr val="tx1"/>
                 </a:solidFill>
                 <a:latin typeface="Arial" panose="020B0604020202020204" pitchFamily="34" charset="0"/>
                 <a:cs typeface="Arial" panose="020B0604020202020204" pitchFamily="34" charset="0"/>
               </a:rPr>
-              <a:t>15044411</a:t>
-            </a:r>
-            <a:endParaRPr lang="vi-VN" sz="1900" b="1">
+              <a:t>quả</a:t>
+            </a:r>
+            <a:r>
+              <a:rPr lang="vi-VN" sz="4300" b="1">
+                <a:solidFill>
+                  <a:schemeClr val="tx1"/>
+                </a:solidFill>
+                <a:latin typeface="Arial" panose="020B0604020202020204" pitchFamily="34" charset="0"/>
+                <a:cs typeface="Arial" panose="020B0604020202020204" pitchFamily="34" charset="0"/>
+              </a:rPr>
+              <a:t>n</a:t>
+            </a:r>
+            <a:r>
+              <a:rPr lang="en-US" sz="4300" b="1">
+                <a:solidFill>
+                  <a:schemeClr val="tx1"/>
+                </a:solidFill>
+                <a:latin typeface="Arial" panose="020B0604020202020204" pitchFamily="34" charset="0"/>
+                <a:cs typeface="Arial" panose="020B0604020202020204" pitchFamily="34" charset="0"/>
+              </a:rPr>
+              <a:t> </a:t>
+            </a:r>
+            <a:r>
+              <a:rPr lang="en-US" sz="4300" b="1" err="1">
+                <a:solidFill>
+                  <a:schemeClr val="tx1"/>
+                </a:solidFill>
+                <a:latin typeface="Arial" panose="020B0604020202020204" pitchFamily="34" charset="0"/>
+                <a:cs typeface="Arial" panose="020B0604020202020204" pitchFamily="34" charset="0"/>
+              </a:rPr>
+              <a:t>lý</a:t>
+            </a:r>
+            <a:r>
+              <a:rPr lang="en-US" sz="4300" b="1">
+                <a:solidFill>
+                  <a:schemeClr val="tx1"/>
+                </a:solidFill>
+                <a:latin typeface="Arial" panose="020B0604020202020204" pitchFamily="34" charset="0"/>
+                <a:cs typeface="Arial" panose="020B0604020202020204" pitchFamily="34" charset="0"/>
+              </a:rPr>
+              <a:t> </a:t>
+            </a:r>
+            <a:r>
+              <a:rPr lang="en-US" sz="4300" b="1" err="1">
+                <a:solidFill>
+                  <a:schemeClr val="tx1"/>
+                </a:solidFill>
+                <a:latin typeface="Arial" panose="020B0604020202020204" pitchFamily="34" charset="0"/>
+                <a:cs typeface="Arial" panose="020B0604020202020204" pitchFamily="34" charset="0"/>
+              </a:rPr>
+              <a:t>kỹ</a:t>
+            </a:r>
+            <a:r>
+              <a:rPr lang="en-US" sz="4300" b="1">
+                <a:solidFill>
+                  <a:schemeClr val="tx1"/>
+                </a:solidFill>
+                <a:latin typeface="Arial" panose="020B0604020202020204" pitchFamily="34" charset="0"/>
+                <a:cs typeface="Arial" panose="020B0604020202020204" pitchFamily="34" charset="0"/>
+              </a:rPr>
+              <a:t> </a:t>
+            </a:r>
+            <a:r>
+              <a:rPr lang="en-US" sz="4300" b="1" err="1">
+                <a:solidFill>
+                  <a:schemeClr val="tx1"/>
+                </a:solidFill>
+                <a:latin typeface="Arial" panose="020B0604020202020204" pitchFamily="34" charset="0"/>
+                <a:cs typeface="Arial" panose="020B0604020202020204" pitchFamily="34" charset="0"/>
+              </a:rPr>
+              <a:t>năng</a:t>
+            </a:r>
+            <a:endParaRPr lang="en-US" sz="4300" b="1">
               <a:solidFill>
                 <a:schemeClr val="tx1"/>
               </a:solidFill>
@@ -4808,58 +4917,407 @@
             </a:endParaRPr>
           </a:p>
           <a:p>
-            <a:pPr algn="l"/>
-            <a:r>
-              <a:rPr lang="vi-VN" sz="1700" b="1">
-                <a:solidFill>
-                  <a:srgbClr val="00B0F0"/>
+            <a:pPr algn="ctr"/>
+            <a:r>
+              <a:rPr lang="en-US" sz="4300" b="1" err="1">
+                <a:solidFill>
+                  <a:schemeClr val="tx1"/>
                 </a:solidFill>
                 <a:latin typeface="Arial" panose="020B0604020202020204" pitchFamily="34" charset="0"/>
                 <a:cs typeface="Arial" panose="020B0604020202020204" pitchFamily="34" charset="0"/>
               </a:rPr>
-              <a:t>				</a:t>
-            </a:r>
-            <a:r>
-              <a:rPr lang="en-US" sz="1700" b="1">
-                <a:solidFill>
-                  <a:srgbClr val="00B0F0"/>
+              <a:t>của</a:t>
+            </a:r>
+            <a:r>
+              <a:rPr lang="en-US" sz="4300" b="1">
+                <a:solidFill>
+                  <a:schemeClr val="tx1"/>
                 </a:solidFill>
                 <a:latin typeface="Arial" panose="020B0604020202020204" pitchFamily="34" charset="0"/>
                 <a:cs typeface="Arial" panose="020B0604020202020204" pitchFamily="34" charset="0"/>
               </a:rPr>
-              <a:t>	</a:t>
-            </a:r>
-            <a:r>
-              <a:rPr lang="en-US" b="1" smtClean="0">
-                <a:solidFill>
-                  <a:srgbClr val="00B0F0"/>
+              <a:t> </a:t>
+            </a:r>
+            <a:r>
+              <a:rPr lang="en-US" sz="4300" b="1" err="1">
+                <a:solidFill>
+                  <a:schemeClr val="tx1"/>
                 </a:solidFill>
                 <a:latin typeface="Arial" panose="020B0604020202020204" pitchFamily="34" charset="0"/>
                 <a:cs typeface="Arial" panose="020B0604020202020204" pitchFamily="34" charset="0"/>
               </a:rPr>
-              <a:t>	</a:t>
-            </a:r>
-            <a:r>
-              <a:rPr lang="en-US" b="1">
-                <a:solidFill>
-                  <a:srgbClr val="00B0F0"/>
+              <a:t>nhân</a:t>
+            </a:r>
+            <a:r>
+              <a:rPr lang="en-US" sz="4300" b="1">
+                <a:solidFill>
+                  <a:schemeClr val="tx1"/>
                 </a:solidFill>
                 <a:latin typeface="Arial" panose="020B0604020202020204" pitchFamily="34" charset="0"/>
                 <a:cs typeface="Arial" panose="020B0604020202020204" pitchFamily="34" charset="0"/>
               </a:rPr>
-              <a:t>	</a:t>
-            </a:r>
-            <a:r>
-              <a:rPr lang="en-US" b="1" smtClean="0">
-                <a:solidFill>
-                  <a:srgbClr val="00B0F0"/>
+              <a:t> </a:t>
+            </a:r>
+            <a:r>
+              <a:rPr lang="en-US" sz="4300" b="1" err="1">
+                <a:solidFill>
+                  <a:schemeClr val="tx1"/>
                 </a:solidFill>
                 <a:latin typeface="Arial" panose="020B0604020202020204" pitchFamily="34" charset="0"/>
                 <a:cs typeface="Arial" panose="020B0604020202020204" pitchFamily="34" charset="0"/>
               </a:rPr>
+              <a:t>viên</a:t>
+            </a:r>
+            <a:endParaRPr lang="en-US" sz="4300" b="1">
+              <a:solidFill>
+                <a:schemeClr val="tx1"/>
+              </a:solidFill>
+              <a:latin typeface="Arial" panose="020B0604020202020204" pitchFamily="34" charset="0"/>
+              <a:cs typeface="Arial" panose="020B0604020202020204" pitchFamily="34" charset="0"/>
+            </a:endParaRPr>
+          </a:p>
+          <a:p>
+            <a:pPr algn="l"/>
+            <a:r>
+              <a:rPr lang="en-US" sz="1540" b="1">
+                <a:solidFill>
+                  <a:schemeClr val="tx1"/>
+                </a:solidFill>
+                <a:latin typeface="Arial" panose="020B0604020202020204" pitchFamily="34" charset="0"/>
+                <a:cs typeface="Arial" panose="020B0604020202020204" pitchFamily="34" charset="0"/>
+              </a:rPr>
               <a:t>			</a:t>
             </a:r>
+          </a:p>
+          <a:p>
+            <a:pPr algn="l"/>
+            <a:endParaRPr lang="en-US" sz="1540" b="1">
+              <a:solidFill>
+                <a:schemeClr val="tx1"/>
+              </a:solidFill>
+              <a:latin typeface="Arial" panose="020B0604020202020204" pitchFamily="34" charset="0"/>
+              <a:cs typeface="Arial" panose="020B0604020202020204" pitchFamily="34" charset="0"/>
+            </a:endParaRPr>
+          </a:p>
+          <a:p>
+            <a:pPr algn="l"/>
+            <a:endParaRPr lang="en-US" sz="1540" b="1">
+              <a:solidFill>
+                <a:schemeClr val="tx1"/>
+              </a:solidFill>
+              <a:latin typeface="Arial" panose="020B0604020202020204" pitchFamily="34" charset="0"/>
+              <a:cs typeface="Arial" panose="020B0604020202020204" pitchFamily="34" charset="0"/>
+            </a:endParaRPr>
+          </a:p>
+          <a:p>
+            <a:pPr algn="l"/>
+            <a:r>
+              <a:rPr lang="en-US" sz="1540" b="1">
+                <a:solidFill>
+                  <a:schemeClr val="tx1"/>
+                </a:solidFill>
+                <a:latin typeface="Arial" panose="020B0604020202020204" pitchFamily="34" charset="0"/>
+                <a:cs typeface="Arial" panose="020B0604020202020204" pitchFamily="34" charset="0"/>
+              </a:rPr>
+              <a:t>	</a:t>
+            </a:r>
+            <a:r>
+              <a:rPr lang="en-US" sz="1540" b="1">
+                <a:solidFill>
+                  <a:schemeClr val="tx1"/>
+                </a:solidFill>
+                <a:latin typeface="Arial" panose="020B0604020202020204" pitchFamily="34" charset="0"/>
+                <a:cs typeface="Arial" panose="020B0604020202020204" pitchFamily="34" charset="0"/>
+              </a:rPr>
+              <a:t>	</a:t>
+            </a:r>
+            <a:endParaRPr lang="en-US" sz="1540" b="1" smtClean="0">
+              <a:solidFill>
+                <a:schemeClr val="tx1"/>
+              </a:solidFill>
+              <a:latin typeface="Arial" panose="020B0604020202020204" pitchFamily="34" charset="0"/>
+              <a:cs typeface="Arial" panose="020B0604020202020204" pitchFamily="34" charset="0"/>
+            </a:endParaRPr>
+          </a:p>
+          <a:p>
+            <a:pPr algn="l"/>
+            <a:r>
+              <a:rPr lang="en-US" sz="1540" b="1">
+                <a:solidFill>
+                  <a:schemeClr val="tx1"/>
+                </a:solidFill>
+                <a:latin typeface="Arial" panose="020B0604020202020204" pitchFamily="34" charset="0"/>
+                <a:cs typeface="Arial" panose="020B0604020202020204" pitchFamily="34" charset="0"/>
+              </a:rPr>
+              <a:t>	</a:t>
+            </a:r>
+            <a:r>
+              <a:rPr lang="en-US" sz="1540" b="1" smtClean="0">
+                <a:solidFill>
+                  <a:schemeClr val="tx1"/>
+                </a:solidFill>
+                <a:latin typeface="Arial" panose="020B0604020202020204" pitchFamily="34" charset="0"/>
+                <a:cs typeface="Arial" panose="020B0604020202020204" pitchFamily="34" charset="0"/>
+              </a:rPr>
+              <a:t>		</a:t>
+            </a:r>
+            <a:r>
+              <a:rPr lang="en-US" b="1" smtClean="0">
+                <a:solidFill>
+                  <a:schemeClr val="tx1"/>
+                </a:solidFill>
+                <a:latin typeface="Arial" panose="020B0604020202020204" pitchFamily="34" charset="0"/>
+                <a:cs typeface="Arial" panose="020B0604020202020204" pitchFamily="34" charset="0"/>
+              </a:rPr>
+              <a:t>Sinh viên </a:t>
+            </a:r>
+            <a:r>
+              <a:rPr lang="en-US" b="1">
+                <a:solidFill>
+                  <a:schemeClr val="tx1"/>
+                </a:solidFill>
+                <a:latin typeface="Arial" panose="020B0604020202020204" pitchFamily="34" charset="0"/>
+                <a:cs typeface="Arial" panose="020B0604020202020204" pitchFamily="34" charset="0"/>
+              </a:rPr>
+              <a:t>thực hiện:</a:t>
+            </a:r>
+          </a:p>
+          <a:p>
+            <a:pPr algn="l"/>
+            <a:r>
+              <a:rPr lang="en-US" b="1">
+                <a:solidFill>
+                  <a:schemeClr val="tx1"/>
+                </a:solidFill>
+                <a:latin typeface="Arial" panose="020B0604020202020204" pitchFamily="34" charset="0"/>
+                <a:cs typeface="Arial" panose="020B0604020202020204" pitchFamily="34" charset="0"/>
+              </a:rPr>
+              <a:t>		</a:t>
+            </a:r>
+            <a:r>
+              <a:rPr lang="en-US" b="1">
+                <a:solidFill>
+                  <a:schemeClr val="tx1"/>
+                </a:solidFill>
+                <a:latin typeface="Arial" panose="020B0604020202020204" pitchFamily="34" charset="0"/>
+                <a:cs typeface="Arial" panose="020B0604020202020204" pitchFamily="34" charset="0"/>
+              </a:rPr>
+              <a:t>	</a:t>
+            </a:r>
+            <a:r>
+              <a:rPr lang="en-US" b="1" smtClean="0">
+                <a:solidFill>
+                  <a:schemeClr val="tx1"/>
+                </a:solidFill>
+                <a:latin typeface="Arial" panose="020B0604020202020204" pitchFamily="34" charset="0"/>
+                <a:cs typeface="Arial" panose="020B0604020202020204" pitchFamily="34" charset="0"/>
+              </a:rPr>
+              <a:t>	Nguyễn </a:t>
+            </a:r>
+            <a:r>
+              <a:rPr lang="en-US" b="1" err="1">
+                <a:solidFill>
+                  <a:schemeClr val="tx1"/>
+                </a:solidFill>
+                <a:latin typeface="Arial" panose="020B0604020202020204" pitchFamily="34" charset="0"/>
+                <a:cs typeface="Arial" panose="020B0604020202020204" pitchFamily="34" charset="0"/>
+              </a:rPr>
+              <a:t>Hiếu</a:t>
+            </a:r>
+            <a:r>
+              <a:rPr lang="en-US" b="1">
+                <a:solidFill>
+                  <a:schemeClr val="tx1"/>
+                </a:solidFill>
+                <a:latin typeface="Arial" panose="020B0604020202020204" pitchFamily="34" charset="0"/>
+                <a:cs typeface="Arial" panose="020B0604020202020204" pitchFamily="34" charset="0"/>
+              </a:rPr>
+              <a:t> </a:t>
+            </a:r>
+            <a:r>
+              <a:rPr lang="en-US" b="1" err="1">
+                <a:solidFill>
+                  <a:schemeClr val="tx1"/>
+                </a:solidFill>
+                <a:latin typeface="Arial" panose="020B0604020202020204" pitchFamily="34" charset="0"/>
+                <a:cs typeface="Arial" panose="020B0604020202020204" pitchFamily="34" charset="0"/>
+              </a:rPr>
+              <a:t>Đức</a:t>
+            </a:r>
+            <a:r>
+              <a:rPr lang="en-US" b="1">
+                <a:solidFill>
+                  <a:schemeClr val="tx1"/>
+                </a:solidFill>
+                <a:latin typeface="Arial" panose="020B0604020202020204" pitchFamily="34" charset="0"/>
+                <a:cs typeface="Arial" panose="020B0604020202020204" pitchFamily="34" charset="0"/>
+              </a:rPr>
+              <a:t> </a:t>
+            </a:r>
+            <a:r>
+              <a:rPr lang="en-US" b="1">
+                <a:solidFill>
+                  <a:schemeClr val="tx1"/>
+                </a:solidFill>
+                <a:latin typeface="Arial" panose="020B0604020202020204" pitchFamily="34" charset="0"/>
+                <a:cs typeface="Arial" panose="020B0604020202020204" pitchFamily="34" charset="0"/>
+              </a:rPr>
+              <a:t>Ân     15071971</a:t>
+            </a:r>
+            <a:endParaRPr lang="en-US" b="1">
+              <a:solidFill>
+                <a:schemeClr val="tx1"/>
+              </a:solidFill>
+              <a:latin typeface="Arial" panose="020B0604020202020204" pitchFamily="34" charset="0"/>
+              <a:cs typeface="Arial" panose="020B0604020202020204" pitchFamily="34" charset="0"/>
+            </a:endParaRPr>
+          </a:p>
+          <a:p>
+            <a:pPr algn="l"/>
+            <a:r>
+              <a:rPr lang="en-US" b="1">
+                <a:solidFill>
+                  <a:schemeClr val="tx1"/>
+                </a:solidFill>
+                <a:latin typeface="Arial" panose="020B0604020202020204" pitchFamily="34" charset="0"/>
+                <a:cs typeface="Arial" panose="020B0604020202020204" pitchFamily="34" charset="0"/>
+              </a:rPr>
+              <a:t>		</a:t>
+            </a:r>
+            <a:r>
+              <a:rPr lang="en-US" b="1">
+                <a:solidFill>
+                  <a:schemeClr val="tx1"/>
+                </a:solidFill>
+                <a:latin typeface="Arial" panose="020B0604020202020204" pitchFamily="34" charset="0"/>
+                <a:cs typeface="Arial" panose="020B0604020202020204" pitchFamily="34" charset="0"/>
+              </a:rPr>
+              <a:t>	</a:t>
+            </a:r>
+            <a:r>
+              <a:rPr lang="en-US" b="1" smtClean="0">
+                <a:solidFill>
+                  <a:schemeClr val="tx1"/>
+                </a:solidFill>
+                <a:latin typeface="Arial" panose="020B0604020202020204" pitchFamily="34" charset="0"/>
+                <a:cs typeface="Arial" panose="020B0604020202020204" pitchFamily="34" charset="0"/>
+              </a:rPr>
+              <a:t>	</a:t>
+            </a:r>
+            <a:r>
+              <a:rPr lang="vi-VN" b="1" smtClean="0">
+                <a:solidFill>
+                  <a:schemeClr val="tx1"/>
+                </a:solidFill>
+                <a:latin typeface="Arial" panose="020B0604020202020204" pitchFamily="34" charset="0"/>
+                <a:cs typeface="Arial" panose="020B0604020202020204" pitchFamily="34" charset="0"/>
+              </a:rPr>
+              <a:t>Nguyễn </a:t>
+            </a:r>
+            <a:r>
+              <a:rPr lang="vi-VN" b="1">
+                <a:solidFill>
+                  <a:schemeClr val="tx1"/>
+                </a:solidFill>
+                <a:latin typeface="Arial" panose="020B0604020202020204" pitchFamily="34" charset="0"/>
+                <a:cs typeface="Arial" panose="020B0604020202020204" pitchFamily="34" charset="0"/>
+              </a:rPr>
+              <a:t>Việt </a:t>
+            </a:r>
+            <a:r>
+              <a:rPr lang="vi-VN" b="1">
+                <a:solidFill>
+                  <a:schemeClr val="tx1"/>
+                </a:solidFill>
+                <a:latin typeface="Arial" panose="020B0604020202020204" pitchFamily="34" charset="0"/>
+                <a:cs typeface="Arial" panose="020B0604020202020204" pitchFamily="34" charset="0"/>
+              </a:rPr>
+              <a:t>Hoàng</a:t>
+            </a:r>
+            <a:r>
+              <a:rPr lang="en-US" b="1">
+                <a:solidFill>
+                  <a:schemeClr val="tx1"/>
+                </a:solidFill>
+                <a:latin typeface="Arial" panose="020B0604020202020204" pitchFamily="34" charset="0"/>
+                <a:cs typeface="Arial" panose="020B0604020202020204" pitchFamily="34" charset="0"/>
+              </a:rPr>
+              <a:t>        </a:t>
+            </a:r>
+            <a:r>
+              <a:rPr lang="vi-VN" b="1">
+                <a:solidFill>
+                  <a:schemeClr val="tx1"/>
+                </a:solidFill>
+                <a:latin typeface="Arial" panose="020B0604020202020204" pitchFamily="34" charset="0"/>
+                <a:cs typeface="Arial" panose="020B0604020202020204" pitchFamily="34" charset="0"/>
+              </a:rPr>
+              <a:t>15044411</a:t>
+            </a:r>
+            <a:endParaRPr lang="vi-VN" b="1">
+              <a:solidFill>
+                <a:schemeClr val="tx1"/>
+              </a:solidFill>
+              <a:latin typeface="Arial" panose="020B0604020202020204" pitchFamily="34" charset="0"/>
+              <a:cs typeface="Arial" panose="020B0604020202020204" pitchFamily="34" charset="0"/>
+            </a:endParaRPr>
+          </a:p>
+          <a:p>
+            <a:pPr algn="l"/>
+            <a:r>
+              <a:rPr lang="vi-VN" sz="1870" b="1">
+                <a:solidFill>
+                  <a:schemeClr val="tx1"/>
+                </a:solidFill>
+                <a:latin typeface="Arial" panose="020B0604020202020204" pitchFamily="34" charset="0"/>
+                <a:cs typeface="Arial" panose="020B0604020202020204" pitchFamily="34" charset="0"/>
+              </a:rPr>
+              <a:t>				</a:t>
+            </a:r>
+            <a:r>
+              <a:rPr lang="en-US" sz="1870" b="1">
+                <a:solidFill>
+                  <a:schemeClr val="tx1"/>
+                </a:solidFill>
+                <a:latin typeface="Arial" panose="020B0604020202020204" pitchFamily="34" charset="0"/>
+                <a:cs typeface="Arial" panose="020B0604020202020204" pitchFamily="34" charset="0"/>
+              </a:rPr>
+              <a:t>	</a:t>
+            </a:r>
+            <a:r>
+              <a:rPr lang="en-US" b="1" smtClean="0">
+                <a:solidFill>
+                  <a:schemeClr val="tx1"/>
+                </a:solidFill>
+                <a:latin typeface="Arial" panose="020B0604020202020204" pitchFamily="34" charset="0"/>
+                <a:cs typeface="Arial" panose="020B0604020202020204" pitchFamily="34" charset="0"/>
+              </a:rPr>
+              <a:t>	</a:t>
+            </a:r>
+            <a:r>
+              <a:rPr lang="en-US" b="1">
+                <a:solidFill>
+                  <a:schemeClr val="tx1"/>
+                </a:solidFill>
+                <a:latin typeface="Arial" panose="020B0604020202020204" pitchFamily="34" charset="0"/>
+                <a:cs typeface="Arial" panose="020B0604020202020204" pitchFamily="34" charset="0"/>
+              </a:rPr>
+              <a:t>	</a:t>
+            </a:r>
+            <a:r>
+              <a:rPr lang="en-US" b="1" smtClean="0">
+                <a:solidFill>
+                  <a:schemeClr val="tx1"/>
+                </a:solidFill>
+                <a:latin typeface="Arial" panose="020B0604020202020204" pitchFamily="34" charset="0"/>
+                <a:cs typeface="Arial" panose="020B0604020202020204" pitchFamily="34" charset="0"/>
+              </a:rPr>
+              <a:t>			</a:t>
+            </a:r>
             <a:endParaRPr lang="en-US">
+              <a:solidFill>
+                <a:schemeClr val="tx1"/>
+              </a:solidFill>
               <a:latin typeface="Arial" panose="020B0604020202020204" pitchFamily="34" charset="0"/>
               <a:cs typeface="Arial" panose="020B0604020202020204" pitchFamily="34" charset="0"/>
             </a:endParaRPr>
@@ -4875,7 +5333,7 @@
           <p:nvPr/>
         </p:nvPicPr>
         <p:blipFill>
-          <a:blip r:embed="rId2" cstate="print">
+          <a:blip r:embed="rId3" cstate="print">
             <a:extLst>
               <a:ext uri="{28A0092B-C50C-407E-A947-70E740481C1C}">
                 <a14:useLocalDpi xmlns:a14="http://schemas.microsoft.com/office/drawing/2010/main" val="0"/>
@@ -4888,8 +5346,8 @@
         </p:blipFill>
         <p:spPr>
           <a:xfrm>
-            <a:off x="3648191" y="100328"/>
-            <a:ext cx="1579529" cy="889375"/>
+            <a:off x="4013010" y="514493"/>
+            <a:ext cx="1737482" cy="978313"/>
           </a:xfrm>
           <a:prstGeom prst="rect">
             <a:avLst/>
@@ -4908,12 +5366,12 @@
   </p:clrMapOvr>
   <mc:AlternateContent xmlns:mc="http://schemas.openxmlformats.org/markup-compatibility/2006">
     <mc:Choice xmlns:p14="http://schemas.microsoft.com/office/powerpoint/2010/main" Requires="p14">
-      <p:transition spd="med" p14:dur="700">
+      <p:transition p14:dur="250">
         <p:fade/>
       </p:transition>
     </mc:Choice>
     <mc:Fallback>
-      <p:transition spd="med">
+      <p:transition>
         <p:fade/>
       </p:transition>
     </mc:Fallback>
@@ -4957,8 +5415,8 @@
         </p:nvSpPr>
         <p:spPr>
           <a:xfrm>
-            <a:off x="-1841599" y="-480634"/>
-            <a:ext cx="8229600" cy="1200150"/>
+            <a:off x="482310" y="321092"/>
+            <a:ext cx="9052560" cy="816777"/>
           </a:xfrm>
         </p:spPr>
         <p:txBody>
@@ -4967,36 +5425,57 @@
           </a:bodyPr>
           <a:lstStyle/>
           <a:p>
-            <a:r>
-              <a:rPr lang="en-US" sz="3400">
+            <a:pPr algn="l"/>
+            <a:r>
+              <a:rPr lang="en-US" sz="4400">
+                <a:solidFill>
+                  <a:schemeClr val="tx1"/>
+                </a:solidFill>
+                <a:effectLst/>
                 <a:latin typeface="Times New Roman" pitchFamily="18" charset="0"/>
                 <a:cs typeface="Times New Roman" pitchFamily="18" charset="0"/>
               </a:rPr>
               <a:t>4. </a:t>
             </a:r>
             <a:r>
-              <a:rPr lang="en-US" sz="3400" err="1">
+              <a:rPr lang="en-US" sz="4400" err="1">
+                <a:solidFill>
+                  <a:schemeClr val="tx1"/>
+                </a:solidFill>
+                <a:effectLst/>
                 <a:latin typeface="Times New Roman" pitchFamily="18" charset="0"/>
                 <a:cs typeface="Times New Roman" pitchFamily="18" charset="0"/>
               </a:rPr>
               <a:t>Hiện</a:t>
             </a:r>
             <a:r>
-              <a:rPr lang="en-US" sz="3400">
+              <a:rPr lang="en-US" sz="4400">
+                <a:solidFill>
+                  <a:schemeClr val="tx1"/>
+                </a:solidFill>
+                <a:effectLst/>
                 <a:latin typeface="Times New Roman" pitchFamily="18" charset="0"/>
                 <a:cs typeface="Times New Roman" pitchFamily="18" charset="0"/>
               </a:rPr>
               <a:t> </a:t>
             </a:r>
             <a:r>
-              <a:rPr lang="en-US" sz="3400" err="1">
+              <a:rPr lang="en-US" sz="4400" err="1">
+                <a:solidFill>
+                  <a:schemeClr val="tx1"/>
+                </a:solidFill>
+                <a:effectLst/>
                 <a:latin typeface="Times New Roman" pitchFamily="18" charset="0"/>
                 <a:cs typeface="Times New Roman" pitchFamily="18" charset="0"/>
               </a:rPr>
               <a:t>thực</a:t>
             </a:r>
             <a:r>
-              <a:rPr lang="en-US" sz="3400">
+              <a:rPr lang="en-US" sz="4400">
+                <a:solidFill>
+                  <a:schemeClr val="tx1"/>
+                </a:solidFill>
+                <a:effectLst/>
                 <a:latin typeface="Times New Roman" pitchFamily="18" charset="0"/>
                 <a:cs typeface="Times New Roman" pitchFamily="18" charset="0"/>
               </a:rPr>
@@ -5017,8 +5496,8 @@
         </p:nvSpPr>
         <p:spPr>
           <a:xfrm>
-            <a:off x="211118" y="719516"/>
-            <a:ext cx="6447501" cy="2910580"/>
+            <a:off x="482310" y="982244"/>
+            <a:ext cx="7092251" cy="555779"/>
           </a:xfrm>
         </p:spPr>
         <p:txBody>
@@ -5032,20 +5511,29 @@
               <a:buChar char="Ø"/>
             </a:pPr>
             <a:r>
-              <a:rPr lang="en-US" sz="1900">
+              <a:rPr lang="en-US" sz="2400">
+                <a:solidFill>
+                  <a:schemeClr val="tx1"/>
+                </a:solidFill>
                 <a:latin typeface="Times New Roman" pitchFamily="18" charset="0"/>
                 <a:cs typeface="Times New Roman" pitchFamily="18" charset="0"/>
               </a:rPr>
               <a:t>Một số màn hình </a:t>
             </a:r>
             <a:r>
-              <a:rPr lang="en-US" sz="1900" smtClean="0">
+              <a:rPr lang="en-US" sz="2400">
+                <a:solidFill>
+                  <a:schemeClr val="tx1"/>
+                </a:solidFill>
                 <a:latin typeface="Times New Roman" pitchFamily="18" charset="0"/>
                 <a:cs typeface="Times New Roman" pitchFamily="18" charset="0"/>
               </a:rPr>
               <a:t>chức năng:</a:t>
             </a:r>
-            <a:endParaRPr lang="en-US" sz="1900">
+            <a:endParaRPr lang="en-US" sz="2400">
+              <a:solidFill>
+                <a:schemeClr val="tx1"/>
+              </a:solidFill>
               <a:latin typeface="Times New Roman" pitchFamily="18" charset="0"/>
               <a:cs typeface="Times New Roman" pitchFamily="18" charset="0"/>
             </a:endParaRPr>
@@ -5055,7 +5543,11 @@
               <a:buFont typeface="Wingdings" pitchFamily="2" charset="2"/>
               <a:buChar char="Ø"/>
             </a:pPr>
-            <a:endParaRPr lang="en-US" sz="1900"/>
+            <a:endParaRPr lang="en-US" sz="2400">
+              <a:solidFill>
+                <a:schemeClr val="tx1"/>
+              </a:solidFill>
+            </a:endParaRPr>
           </a:p>
         </p:txBody>
       </p:sp>
@@ -5097,8 +5589,8 @@
         </p:blipFill>
         <p:spPr>
           <a:xfrm>
-            <a:off x="6388001" y="1426381"/>
-            <a:ext cx="2717253" cy="1338634"/>
+            <a:off x="7026802" y="2165079"/>
+            <a:ext cx="2988978" cy="1485445"/>
           </a:xfrm>
           <a:prstGeom prst="rect">
             <a:avLst/>
@@ -5119,8 +5611,8 @@
         </p:blipFill>
         <p:spPr>
           <a:xfrm>
-            <a:off x="6388001" y="2966625"/>
-            <a:ext cx="2717253" cy="1145892"/>
+            <a:off x="7069422" y="4050678"/>
+            <a:ext cx="2988978" cy="1678619"/>
           </a:xfrm>
           <a:prstGeom prst="rect">
             <a:avLst/>
@@ -5141,8 +5633,8 @@
         </p:blipFill>
         <p:spPr>
           <a:xfrm>
-            <a:off x="211118" y="1420396"/>
-            <a:ext cx="3521847" cy="1336008"/>
+            <a:off x="1" y="2180915"/>
+            <a:ext cx="3874032" cy="1469609"/>
           </a:xfrm>
           <a:prstGeom prst="rect">
             <a:avLst/>
@@ -5171,8 +5663,8 @@
         </p:blipFill>
         <p:spPr>
           <a:xfrm>
-            <a:off x="3380223" y="711201"/>
-            <a:ext cx="3143087" cy="4432299"/>
+            <a:off x="3791856" y="1538023"/>
+            <a:ext cx="3457396" cy="4875529"/>
           </a:xfrm>
           <a:prstGeom prst="rect">
             <a:avLst/>
@@ -5202,8 +5694,8 @@
         </p:blipFill>
         <p:spPr bwMode="auto">
           <a:xfrm>
-            <a:off x="0" y="3160358"/>
-            <a:ext cx="3447141" cy="1502570"/>
+            <a:off x="1" y="4076469"/>
+            <a:ext cx="3791855" cy="1652827"/>
           </a:xfrm>
           <a:prstGeom prst="rect">
             <a:avLst/>
@@ -5253,9 +5745,18 @@
   <p:clrMapOvr>
     <a:masterClrMapping/>
   </p:clrMapOvr>
-  <p:transition spd="slow">
-    <p:cover/>
-  </p:transition>
+  <mc:AlternateContent xmlns:mc="http://schemas.openxmlformats.org/markup-compatibility/2006">
+    <mc:Choice xmlns:p14="http://schemas.microsoft.com/office/powerpoint/2010/main" Requires="p14">
+      <p:transition p14:dur="250">
+        <p:fade/>
+      </p:transition>
+    </mc:Choice>
+    <mc:Fallback>
+      <p:transition>
+        <p:fade/>
+      </p:transition>
+    </mc:Fallback>
+  </mc:AlternateContent>
   <p:timing>
     <p:tnLst>
       <p:par>
@@ -5302,7 +5803,7 @@
                                     </p:set>
                                     <p:animEffect transition="in" filter="wipe(down)">
                                       <p:cBhvr>
-                                        <p:cTn id="7" dur="500"/>
+                                        <p:cTn id="7" dur="250"/>
                                         <p:tgtEl>
                                           <p:spTgt spid="7"/>
                                         </p:tgtEl>
@@ -5337,7 +5838,7 @@
                                     </p:set>
                                     <p:animEffect transition="in" filter="wipe(down)">
                                       <p:cBhvr>
-                                        <p:cTn id="10" dur="500"/>
+                                        <p:cTn id="10" dur="250"/>
                                         <p:tgtEl>
                                           <p:spTgt spid="9"/>
                                         </p:tgtEl>
@@ -5372,7 +5873,7 @@
                                     </p:set>
                                     <p:animEffect transition="in" filter="wipe(down)">
                                       <p:cBhvr>
-                                        <p:cTn id="13" dur="500"/>
+                                        <p:cTn id="13" dur="250"/>
                                         <p:tgtEl>
                                           <p:spTgt spid="8"/>
                                         </p:tgtEl>
@@ -5407,7 +5908,7 @@
                                     </p:set>
                                     <p:animEffect transition="in" filter="wipe(down)">
                                       <p:cBhvr>
-                                        <p:cTn id="16" dur="500"/>
+                                        <p:cTn id="16" dur="250"/>
                                         <p:tgtEl>
                                           <p:spTgt spid="5"/>
                                         </p:tgtEl>
@@ -5442,7 +5943,7 @@
                                     </p:set>
                                     <p:animEffect transition="in" filter="wipe(down)">
                                       <p:cBhvr>
-                                        <p:cTn id="19" dur="500"/>
+                                        <p:cTn id="19" dur="250"/>
                                         <p:tgtEl>
                                           <p:spTgt spid="6"/>
                                         </p:tgtEl>
@@ -5511,8 +6012,8 @@
         </p:nvSpPr>
         <p:spPr>
           <a:xfrm>
-            <a:off x="-171532" y="-359229"/>
-            <a:ext cx="6447501" cy="990600"/>
+            <a:off x="412206" y="341588"/>
+            <a:ext cx="7092251" cy="837383"/>
           </a:xfrm>
         </p:spPr>
         <p:txBody>
@@ -5521,9 +6022,14 @@
           </a:bodyPr>
           <a:lstStyle/>
           <a:p>
-            <a:r>
-              <a:rPr lang="en-US" sz="3400">
-                <a:latin typeface="Times New Roman" pitchFamily="18" charset="0"/>
+            <a:pPr algn="l"/>
+            <a:r>
+              <a:rPr lang="en-US" sz="4400">
+                <a:solidFill>
+                  <a:schemeClr val="tx1"/>
+                </a:solidFill>
+                <a:effectLst/>
+                <a:latin typeface="Times New Roman" panose="02020603050405020304" pitchFamily="18" charset="0"/>
                 <a:cs typeface="Times New Roman" pitchFamily="18" charset="0"/>
               </a:rPr>
               <a:t>5. Kết luận – Hướng phát triển</a:t>
@@ -5543,8 +6049,8 @@
         </p:nvSpPr>
         <p:spPr>
           <a:xfrm>
-            <a:off x="6739" y="526269"/>
-            <a:ext cx="9087021" cy="4224505"/>
+            <a:off x="412206" y="1178971"/>
+            <a:ext cx="9091748" cy="4646956"/>
           </a:xfrm>
         </p:spPr>
         <p:txBody>
@@ -5558,62 +6064,89 @@
               <a:buChar char="Ø"/>
             </a:pPr>
             <a:r>
-              <a:rPr lang="en-US" sz="1900">
-                <a:latin typeface="Times New Roman" pitchFamily="18" charset="0"/>
+              <a:rPr lang="en-US" sz="2000">
+                <a:solidFill>
+                  <a:schemeClr val="tx1"/>
+                </a:solidFill>
+                <a:latin typeface="Times New Roman" panose="02020603050405020304" pitchFamily="18" charset="0"/>
                 <a:cs typeface="Times New Roman" pitchFamily="18" charset="0"/>
               </a:rPr>
               <a:t>Nhóm </a:t>
             </a:r>
             <a:r>
-              <a:rPr lang="en-US" sz="1900" smtClean="0">
+              <a:rPr lang="en-US" sz="2000">
+                <a:solidFill>
+                  <a:schemeClr val="tx1"/>
+                </a:solidFill>
                 <a:latin typeface="Times New Roman" pitchFamily="18" charset="0"/>
                 <a:cs typeface="Times New Roman" pitchFamily="18" charset="0"/>
               </a:rPr>
               <a:t>đã tìm </a:t>
             </a:r>
             <a:r>
-              <a:rPr lang="en-US" sz="1900">
+              <a:rPr lang="en-US" sz="2000">
+                <a:solidFill>
+                  <a:schemeClr val="tx1"/>
+                </a:solidFill>
                 <a:latin typeface="Times New Roman" pitchFamily="18" charset="0"/>
                 <a:cs typeface="Times New Roman" pitchFamily="18" charset="0"/>
               </a:rPr>
               <a:t>hiểu và tự học hỏi một số kỹ năng như: phương pháp lấy yêu cầu từ khách hàng, phân bố thời gian công việc phù hợp, </a:t>
             </a:r>
             <a:r>
-              <a:rPr lang="en-US" sz="1900" smtClean="0">
+              <a:rPr lang="en-US" sz="2000">
+                <a:solidFill>
+                  <a:schemeClr val="tx1"/>
+                </a:solidFill>
                 <a:latin typeface="Times New Roman" pitchFamily="18" charset="0"/>
                 <a:cs typeface="Times New Roman" pitchFamily="18" charset="0"/>
               </a:rPr>
               <a:t>báo </a:t>
             </a:r>
             <a:r>
-              <a:rPr lang="en-US" sz="1900">
+              <a:rPr lang="en-US" sz="2000">
+                <a:solidFill>
+                  <a:schemeClr val="tx1"/>
+                </a:solidFill>
                 <a:latin typeface="Times New Roman" pitchFamily="18" charset="0"/>
                 <a:cs typeface="Times New Roman" pitchFamily="18" charset="0"/>
               </a:rPr>
               <a:t>cáo công việc làm được hàng ngày, giải quyết tình huống khi gặp vấn đề. Ngoài ra nhóm còn áp dụng được quy tắc khi lập trình trong dự án, quy trình </a:t>
             </a:r>
             <a:r>
-              <a:rPr lang="en-US" sz="1900" smtClean="0">
+              <a:rPr lang="en-US" sz="2000">
+                <a:solidFill>
+                  <a:schemeClr val="tx1"/>
+                </a:solidFill>
                 <a:latin typeface="Times New Roman" pitchFamily="18" charset="0"/>
                 <a:cs typeface="Times New Roman" pitchFamily="18" charset="0"/>
               </a:rPr>
               <a:t>triển khai </a:t>
             </a:r>
             <a:r>
-              <a:rPr lang="en-US" sz="1900">
+              <a:rPr lang="en-US" sz="2000">
+                <a:solidFill>
+                  <a:schemeClr val="tx1"/>
+                </a:solidFill>
                 <a:latin typeface="Times New Roman" pitchFamily="18" charset="0"/>
                 <a:cs typeface="Times New Roman" pitchFamily="18" charset="0"/>
               </a:rPr>
               <a:t>sản phẩm lên máy chủ</a:t>
             </a:r>
             <a:r>
-              <a:rPr lang="en-US" sz="1900" smtClean="0">
+              <a:rPr lang="en-US" sz="2000">
+                <a:solidFill>
+                  <a:schemeClr val="tx1"/>
+                </a:solidFill>
                 <a:latin typeface="Times New Roman" pitchFamily="18" charset="0"/>
                 <a:cs typeface="Times New Roman" pitchFamily="18" charset="0"/>
               </a:rPr>
               <a:t>.</a:t>
             </a:r>
-            <a:endParaRPr lang="en-US" sz="1900">
+            <a:endParaRPr lang="en-US" sz="2000">
+              <a:solidFill>
+                <a:schemeClr val="tx1"/>
+              </a:solidFill>
               <a:latin typeface="Times New Roman" pitchFamily="18" charset="0"/>
               <a:cs typeface="Times New Roman" pitchFamily="18" charset="0"/>
             </a:endParaRPr>
@@ -5624,7 +6157,10 @@
               <a:buChar char="Ø"/>
             </a:pPr>
             <a:r>
-              <a:rPr lang="en-US" sz="1900">
+              <a:rPr lang="en-US" sz="2000">
+                <a:solidFill>
+                  <a:schemeClr val="tx1"/>
+                </a:solidFill>
                 <a:latin typeface="Times New Roman" pitchFamily="18" charset="0"/>
                 <a:cs typeface="Times New Roman" pitchFamily="18" charset="0"/>
               </a:rPr>
@@ -5637,7 +6173,10 @@
               <a:buChar char="ü"/>
             </a:pPr>
             <a:r>
-              <a:rPr lang="en-US" sz="1900">
+              <a:rPr lang="en-US" sz="2000">
+                <a:solidFill>
+                  <a:schemeClr val="tx1"/>
+                </a:solidFill>
                 <a:latin typeface="Times New Roman" pitchFamily="18" charset="0"/>
                 <a:cs typeface="Times New Roman" pitchFamily="18" charset="0"/>
               </a:rPr>
@@ -5650,7 +6189,10 @@
               <a:buChar char="ü"/>
             </a:pPr>
             <a:r>
-              <a:rPr lang="en-US" sz="1900">
+              <a:rPr lang="en-US" sz="2000">
+                <a:solidFill>
+                  <a:schemeClr val="tx1"/>
+                </a:solidFill>
                 <a:latin typeface="Times New Roman" pitchFamily="18" charset="0"/>
                 <a:cs typeface="Times New Roman" pitchFamily="18" charset="0"/>
               </a:rPr>
@@ -5663,7 +6205,10 @@
               <a:buChar char="ü"/>
             </a:pPr>
             <a:r>
-              <a:rPr lang="en-US" sz="1900">
+              <a:rPr lang="en-US" sz="2000">
+                <a:solidFill>
+                  <a:schemeClr val="tx1"/>
+                </a:solidFill>
                 <a:latin typeface="Times New Roman" pitchFamily="18" charset="0"/>
                 <a:cs typeface="Times New Roman" pitchFamily="18" charset="0"/>
               </a:rPr>
@@ -5676,18 +6221,14 @@
               <a:buChar char="ü"/>
             </a:pPr>
             <a:r>
-              <a:rPr lang="en-US" sz="1900">
-                <a:latin typeface="Times New Roman" pitchFamily="18" charset="0"/>
-                <a:cs typeface="Times New Roman" pitchFamily="18" charset="0"/>
-              </a:rPr>
-              <a:t>Ngoài ra, hệ thống còn có dịch vụ tự động kiểm tra ngày kết thúc vị trí trong dự án của công ty với ngày hiện tại, và cập nhật thông tin kinh nghiệm làm việc của nhân viên</a:t>
-            </a:r>
-            <a:r>
-              <a:rPr lang="en-US" sz="1200">
-                <a:latin typeface="Times New Roman" pitchFamily="18" charset="0"/>
-                <a:cs typeface="Times New Roman" pitchFamily="18" charset="0"/>
-              </a:rPr>
-              <a:t>.</a:t>
+              <a:rPr lang="en-US" sz="2000">
+                <a:solidFill>
+                  <a:schemeClr val="tx1"/>
+                </a:solidFill>
+                <a:latin typeface="Times New Roman" pitchFamily="18" charset="0"/>
+                <a:cs typeface="Times New Roman" pitchFamily="18" charset="0"/>
+              </a:rPr>
+              <a:t>Ngoài ra, hệ thống còn có dịch vụ tự động kiểm tra ngày kết thúc vị trí trong dự án của công ty với ngày hiện tại, và cập nhật thông tin kinh nghiệm làm việc của nhân viên.</a:t>
             </a:r>
           </a:p>
         </p:txBody>
@@ -5708,11 +6249,23 @@
           <a:lstStyle/>
           <a:p>
             <a:fld id="{3905339D-DD04-4120-AA77-8BCC40DA1522}" type="slidenum">
-              <a:rPr lang="en-US" smtClean="0"/>
+              <a:rPr lang="en-US" smtClean="0">
+                <a:solidFill>
+                  <a:schemeClr val="tx1"/>
+                </a:solidFill>
+                <a:latin typeface="Times New Roman" panose="02020603050405020304" pitchFamily="18" charset="0"/>
+                <a:cs typeface="Times New Roman" panose="02020603050405020304" pitchFamily="18" charset="0"/>
+              </a:rPr>
               <a:pPr/>
               <a:t>11</a:t>
             </a:fld>
-            <a:endParaRPr lang="en-US"/>
+            <a:endParaRPr lang="en-US">
+              <a:solidFill>
+                <a:schemeClr val="tx1"/>
+              </a:solidFill>
+              <a:latin typeface="Times New Roman" panose="02020603050405020304" pitchFamily="18" charset="0"/>
+              <a:cs typeface="Times New Roman" panose="02020603050405020304" pitchFamily="18" charset="0"/>
+            </a:endParaRPr>
           </a:p>
         </p:txBody>
       </p:sp>
@@ -5726,9 +6279,18 @@
   <p:clrMapOvr>
     <a:masterClrMapping/>
   </p:clrMapOvr>
-  <p:transition spd="slow">
-    <p:cover/>
-  </p:transition>
+  <mc:AlternateContent xmlns:mc="http://schemas.openxmlformats.org/markup-compatibility/2006">
+    <mc:Choice xmlns:p14="http://schemas.microsoft.com/office/powerpoint/2010/main" Requires="p14">
+      <p:transition p14:dur="250">
+        <p:fade/>
+      </p:transition>
+    </mc:Choice>
+    <mc:Fallback>
+      <p:transition>
+        <p:fade/>
+      </p:transition>
+    </mc:Fallback>
+  </mc:AlternateContent>
   <p:timing>
     <p:tnLst>
       <p:par>
@@ -5779,7 +6341,7 @@
                                     </p:set>
                                     <p:animEffect transition="in" filter="wipe(down)">
                                       <p:cBhvr>
-                                        <p:cTn id="7" dur="500"/>
+                                        <p:cTn id="7" dur="250"/>
                                         <p:tgtEl>
                                           <p:spTgt spid="3">
                                             <p:txEl>
@@ -5840,7 +6402,7 @@
                                     </p:set>
                                     <p:animEffect transition="in" filter="wipe(down)">
                                       <p:cBhvr>
-                                        <p:cTn id="12" dur="500"/>
+                                        <p:cTn id="12" dur="250"/>
                                         <p:tgtEl>
                                           <p:spTgt spid="3">
                                             <p:txEl>
@@ -5901,7 +6463,7 @@
                                     </p:set>
                                     <p:animEffect transition="in" filter="wipe(down)">
                                       <p:cBhvr>
-                                        <p:cTn id="17" dur="500"/>
+                                        <p:cTn id="17" dur="250"/>
                                         <p:tgtEl>
                                           <p:spTgt spid="3">
                                             <p:txEl>
@@ -5944,7 +6506,7 @@
                                     </p:set>
                                     <p:animEffect transition="in" filter="wipe(down)">
                                       <p:cBhvr>
-                                        <p:cTn id="20" dur="500"/>
+                                        <p:cTn id="20" dur="250"/>
                                         <p:tgtEl>
                                           <p:spTgt spid="3">
                                             <p:txEl>
@@ -5987,7 +6549,7 @@
                                     </p:set>
                                     <p:animEffect transition="in" filter="wipe(down)">
                                       <p:cBhvr>
-                                        <p:cTn id="23" dur="500"/>
+                                        <p:cTn id="23" dur="250"/>
                                         <p:tgtEl>
                                           <p:spTgt spid="3">
                                             <p:txEl>
@@ -6048,7 +6610,7 @@
                                     </p:set>
                                     <p:animEffect transition="in" filter="wipe(down)">
                                       <p:cBhvr>
-                                        <p:cTn id="28" dur="500"/>
+                                        <p:cTn id="28" dur="250"/>
                                         <p:tgtEl>
                                           <p:spTgt spid="3">
                                             <p:txEl>
@@ -6121,18 +6683,23 @@
         </p:nvSpPr>
         <p:spPr>
           <a:xfrm>
-            <a:off x="0" y="-321128"/>
-            <a:ext cx="6447501" cy="990600"/>
+            <a:off x="309087" y="470265"/>
+            <a:ext cx="9397606" cy="866230"/>
           </a:xfrm>
         </p:spPr>
         <p:txBody>
           <a:bodyPr>
-            <a:normAutofit/>
+            <a:noAutofit/>
           </a:bodyPr>
           <a:lstStyle/>
           <a:p>
-            <a:r>
-              <a:rPr lang="en-US" sz="3400">
+            <a:pPr algn="l"/>
+            <a:r>
+              <a:rPr lang="en-US" sz="4400">
+                <a:solidFill>
+                  <a:schemeClr val="tx1"/>
+                </a:solidFill>
+                <a:effectLst/>
                 <a:latin typeface="Times New Roman" pitchFamily="18" charset="0"/>
                 <a:cs typeface="Times New Roman" pitchFamily="18" charset="0"/>
               </a:rPr>
@@ -6153,8 +6720,8 @@
         </p:nvSpPr>
         <p:spPr>
           <a:xfrm>
-            <a:off x="83134" y="669472"/>
-            <a:ext cx="8271085" cy="4053737"/>
+            <a:off x="458793" y="1366704"/>
+            <a:ext cx="9098194" cy="4459111"/>
           </a:xfrm>
         </p:spPr>
         <p:txBody>
@@ -6168,7 +6735,10 @@
               <a:buChar char="Ø"/>
             </a:pPr>
             <a:r>
-              <a:rPr lang="en-US" sz="1900">
+              <a:rPr lang="en-US" sz="2400">
+                <a:solidFill>
+                  <a:schemeClr val="tx1"/>
+                </a:solidFill>
                 <a:latin typeface="Times New Roman" pitchFamily="18" charset="0"/>
                 <a:cs typeface="Times New Roman" pitchFamily="18" charset="0"/>
               </a:rPr>
@@ -6181,21 +6751,30 @@
               <a:buChar char="ü"/>
             </a:pPr>
             <a:r>
-              <a:rPr lang="en-US" sz="1900">
+              <a:rPr lang="en-US" sz="2400">
+                <a:solidFill>
+                  <a:schemeClr val="tx1"/>
+                </a:solidFill>
                 <a:latin typeface="Times New Roman" pitchFamily="18" charset="0"/>
                 <a:cs typeface="Times New Roman" pitchFamily="18" charset="0"/>
               </a:rPr>
               <a:t>Giải quyết vấn đề </a:t>
             </a:r>
             <a:r>
-              <a:rPr lang="en-US" sz="1900" smtClean="0">
+              <a:rPr lang="en-US" sz="2400">
+                <a:solidFill>
+                  <a:schemeClr val="tx1"/>
+                </a:solidFill>
                 <a:latin typeface="Times New Roman" pitchFamily="18" charset="0"/>
                 <a:cs typeface="Times New Roman" pitchFamily="18" charset="0"/>
               </a:rPr>
               <a:t>tổ chức nhân </a:t>
             </a:r>
             <a:r>
-              <a:rPr lang="en-US" sz="1900">
+              <a:rPr lang="en-US" sz="2400">
+                <a:solidFill>
+                  <a:schemeClr val="tx1"/>
+                </a:solidFill>
                 <a:latin typeface="Times New Roman" pitchFamily="18" charset="0"/>
                 <a:cs typeface="Times New Roman" pitchFamily="18" charset="0"/>
               </a:rPr>
@@ -6208,28 +6787,40 @@
               <a:buChar char="ü"/>
             </a:pPr>
             <a:r>
-              <a:rPr lang="en-US" sz="1900" smtClean="0">
+              <a:rPr lang="en-US" sz="2400">
+                <a:solidFill>
+                  <a:schemeClr val="tx1"/>
+                </a:solidFill>
                 <a:latin typeface="Times New Roman" pitchFamily="18" charset="0"/>
                 <a:cs typeface="Times New Roman" pitchFamily="18" charset="0"/>
               </a:rPr>
               <a:t>Hỗ trợ tìm </a:t>
             </a:r>
             <a:r>
-              <a:rPr lang="en-US" sz="1900">
+              <a:rPr lang="en-US" sz="2400">
+                <a:solidFill>
+                  <a:schemeClr val="tx1"/>
+                </a:solidFill>
                 <a:latin typeface="Times New Roman" pitchFamily="18" charset="0"/>
                 <a:cs typeface="Times New Roman" pitchFamily="18" charset="0"/>
               </a:rPr>
               <a:t>kiếm nhân sự phù hợp cho công </a:t>
             </a:r>
             <a:r>
-              <a:rPr lang="en-US" sz="1900" smtClean="0">
+              <a:rPr lang="en-US" sz="2400">
+                <a:solidFill>
+                  <a:schemeClr val="tx1"/>
+                </a:solidFill>
                 <a:latin typeface="Times New Roman" pitchFamily="18" charset="0"/>
                 <a:cs typeface="Times New Roman" pitchFamily="18" charset="0"/>
               </a:rPr>
               <a:t>ty, doanh nghiệp </a:t>
             </a:r>
             <a:r>
-              <a:rPr lang="en-US" sz="1900">
+              <a:rPr lang="en-US" sz="2400">
+                <a:solidFill>
+                  <a:schemeClr val="tx1"/>
+                </a:solidFill>
                 <a:latin typeface="Times New Roman" pitchFamily="18" charset="0"/>
                 <a:cs typeface="Times New Roman" pitchFamily="18" charset="0"/>
               </a:rPr>
@@ -6242,28 +6833,40 @@
               <a:buChar char="ü"/>
             </a:pPr>
             <a:r>
-              <a:rPr lang="en-US" sz="1900">
+              <a:rPr lang="en-US" sz="2400">
+                <a:solidFill>
+                  <a:schemeClr val="tx1"/>
+                </a:solidFill>
                 <a:latin typeface="Times New Roman" pitchFamily="18" charset="0"/>
                 <a:cs typeface="Times New Roman" pitchFamily="18" charset="0"/>
               </a:rPr>
               <a:t>Hỗ trợ </a:t>
             </a:r>
             <a:r>
-              <a:rPr lang="en-US" sz="1900" smtClean="0">
+              <a:rPr lang="en-US" sz="2400">
+                <a:solidFill>
+                  <a:schemeClr val="tx1"/>
+                </a:solidFill>
                 <a:latin typeface="Times New Roman" pitchFamily="18" charset="0"/>
                 <a:cs typeface="Times New Roman" pitchFamily="18" charset="0"/>
               </a:rPr>
               <a:t>quản </a:t>
             </a:r>
             <a:r>
-              <a:rPr lang="en-US" sz="1900">
+              <a:rPr lang="en-US" sz="2400">
+                <a:solidFill>
+                  <a:schemeClr val="tx1"/>
+                </a:solidFill>
                 <a:latin typeface="Times New Roman" pitchFamily="18" charset="0"/>
                 <a:cs typeface="Times New Roman" pitchFamily="18" charset="0"/>
               </a:rPr>
               <a:t>lý nguồn nhân lực với các kỹ năng hiệu quả </a:t>
             </a:r>
             <a:r>
-              <a:rPr lang="en-US" sz="1900" smtClean="0">
+              <a:rPr lang="en-US" sz="2400">
+                <a:solidFill>
+                  <a:schemeClr val="tx1"/>
+                </a:solidFill>
                 <a:latin typeface="Times New Roman" pitchFamily="18" charset="0"/>
                 <a:cs typeface="Times New Roman" pitchFamily="18" charset="0"/>
               </a:rPr>
@@ -6276,7 +6879,10 @@
               <a:buChar char="ü"/>
             </a:pPr>
             <a:r>
-              <a:rPr lang="en-US" sz="1900" smtClean="0">
+              <a:rPr lang="en-US" sz="2400">
+                <a:solidFill>
+                  <a:schemeClr val="tx1"/>
+                </a:solidFill>
                 <a:latin typeface="Times New Roman" pitchFamily="18" charset="0"/>
                 <a:cs typeface="Times New Roman" pitchFamily="18" charset="0"/>
               </a:rPr>
@@ -6301,11 +6907,19 @@
           <a:lstStyle/>
           <a:p>
             <a:fld id="{3905339D-DD04-4120-AA77-8BCC40DA1522}" type="slidenum">
-              <a:rPr lang="en-US" smtClean="0"/>
+              <a:rPr lang="en-US" smtClean="0">
+                <a:solidFill>
+                  <a:schemeClr val="tx1"/>
+                </a:solidFill>
+              </a:rPr>
               <a:pPr/>
               <a:t>12</a:t>
             </a:fld>
-            <a:endParaRPr lang="en-US"/>
+            <a:endParaRPr lang="en-US">
+              <a:solidFill>
+                <a:schemeClr val="tx1"/>
+              </a:solidFill>
+            </a:endParaRPr>
           </a:p>
         </p:txBody>
       </p:sp>
@@ -6319,9 +6933,18 @@
   <p:clrMapOvr>
     <a:masterClrMapping/>
   </p:clrMapOvr>
-  <p:transition spd="slow">
-    <p:cover/>
-  </p:transition>
+  <mc:AlternateContent xmlns:mc="http://schemas.openxmlformats.org/markup-compatibility/2006">
+    <mc:Choice xmlns:p14="http://schemas.microsoft.com/office/powerpoint/2010/main" Requires="p14">
+      <p:transition p14:dur="250">
+        <p:fade/>
+      </p:transition>
+    </mc:Choice>
+    <mc:Fallback>
+      <p:transition>
+        <p:fade/>
+      </p:transition>
+    </mc:Fallback>
+  </mc:AlternateContent>
   <p:timing>
     <p:tnLst>
       <p:par>
@@ -6372,7 +6995,7 @@
                                     </p:set>
                                     <p:animEffect transition="in" filter="wipe(down)">
                                       <p:cBhvr>
-                                        <p:cTn id="7" dur="500"/>
+                                        <p:cTn id="7" dur="250"/>
                                         <p:tgtEl>
                                           <p:spTgt spid="3">
                                             <p:txEl>
@@ -6433,7 +7056,7 @@
                                     </p:set>
                                     <p:animEffect transition="in" filter="wipe(down)">
                                       <p:cBhvr>
-                                        <p:cTn id="12" dur="500"/>
+                                        <p:cTn id="12" dur="250"/>
                                         <p:tgtEl>
                                           <p:spTgt spid="3">
                                             <p:txEl>
@@ -6494,7 +7117,7 @@
                                     </p:set>
                                     <p:animEffect transition="in" filter="wipe(down)">
                                       <p:cBhvr>
-                                        <p:cTn id="17" dur="500"/>
+                                        <p:cTn id="17" dur="250"/>
                                         <p:tgtEl>
                                           <p:spTgt spid="3">
                                             <p:txEl>
@@ -6555,7 +7178,7 @@
                                     </p:set>
                                     <p:animEffect transition="in" filter="wipe(down)">
                                       <p:cBhvr>
-                                        <p:cTn id="22" dur="500"/>
+                                        <p:cTn id="22" dur="250"/>
                                         <p:tgtEl>
                                           <p:spTgt spid="3">
                                             <p:txEl>
@@ -6628,18 +7251,23 @@
         </p:nvSpPr>
         <p:spPr>
           <a:xfrm>
-            <a:off x="0" y="-321128"/>
-            <a:ext cx="6447501" cy="990600"/>
+            <a:off x="338043" y="506000"/>
+            <a:ext cx="7837713" cy="840105"/>
           </a:xfrm>
         </p:spPr>
         <p:txBody>
           <a:bodyPr>
-            <a:normAutofit/>
+            <a:noAutofit/>
           </a:bodyPr>
           <a:lstStyle/>
           <a:p>
-            <a:r>
-              <a:rPr lang="en-US" sz="3400">
+            <a:pPr algn="l"/>
+            <a:r>
+              <a:rPr lang="en-US" sz="4400">
+                <a:solidFill>
+                  <a:schemeClr val="tx1"/>
+                </a:solidFill>
+                <a:effectLst/>
                 <a:latin typeface="Times New Roman" pitchFamily="18" charset="0"/>
                 <a:cs typeface="Times New Roman" pitchFamily="18" charset="0"/>
               </a:rPr>
@@ -6660,8 +7288,8 @@
         </p:nvSpPr>
         <p:spPr>
           <a:xfrm>
-            <a:off x="452785" y="701960"/>
-            <a:ext cx="6857999" cy="4053737"/>
+            <a:off x="498064" y="1372231"/>
+            <a:ext cx="9037822" cy="4459111"/>
           </a:xfrm>
         </p:spPr>
         <p:txBody>
@@ -6675,7 +7303,10 @@
               <a:buChar char="Ø"/>
             </a:pPr>
             <a:r>
-              <a:rPr lang="en-US" sz="1900">
+              <a:rPr lang="en-US" sz="2400">
+                <a:solidFill>
+                  <a:schemeClr val="tx1"/>
+                </a:solidFill>
                 <a:latin typeface="Times New Roman" pitchFamily="18" charset="0"/>
                 <a:cs typeface="Times New Roman" pitchFamily="18" charset="0"/>
               </a:rPr>
@@ -6688,7 +7319,10 @@
               <a:buChar char="ü"/>
             </a:pPr>
             <a:r>
-              <a:rPr lang="en-US" sz="1900">
+              <a:rPr lang="en-US" sz="2400">
+                <a:solidFill>
+                  <a:schemeClr val="tx1"/>
+                </a:solidFill>
                 <a:latin typeface="Times New Roman" pitchFamily="18" charset="0"/>
                 <a:cs typeface="Times New Roman" pitchFamily="18" charset="0"/>
               </a:rPr>
@@ -6701,21 +7335,30 @@
               <a:buChar char="ü"/>
             </a:pPr>
             <a:r>
-              <a:rPr lang="en-US" sz="1900">
+              <a:rPr lang="en-US" sz="2400">
+                <a:solidFill>
+                  <a:schemeClr val="tx1"/>
+                </a:solidFill>
                 <a:latin typeface="Times New Roman" pitchFamily="18" charset="0"/>
                 <a:cs typeface="Times New Roman" pitchFamily="18" charset="0"/>
               </a:rPr>
               <a:t>Phát triển chức năng </a:t>
             </a:r>
             <a:r>
-              <a:rPr lang="en-US" sz="1900" smtClean="0">
+              <a:rPr lang="en-US" sz="2400">
+                <a:solidFill>
+                  <a:schemeClr val="tx1"/>
+                </a:solidFill>
                 <a:latin typeface="Times New Roman" pitchFamily="18" charset="0"/>
                 <a:cs typeface="Times New Roman" pitchFamily="18" charset="0"/>
               </a:rPr>
               <a:t>cập nhật hồ </a:t>
             </a:r>
             <a:r>
-              <a:rPr lang="en-US" sz="1900">
+              <a:rPr lang="en-US" sz="2400">
+                <a:solidFill>
+                  <a:schemeClr val="tx1"/>
+                </a:solidFill>
                 <a:latin typeface="Times New Roman" pitchFamily="18" charset="0"/>
                 <a:cs typeface="Times New Roman" pitchFamily="18" charset="0"/>
               </a:rPr>
@@ -6728,20 +7371,29 @@
               <a:buChar char="ü"/>
             </a:pPr>
             <a:r>
-              <a:rPr lang="en-US" sz="1900">
+              <a:rPr lang="en-US" sz="2400">
+                <a:solidFill>
+                  <a:schemeClr val="tx1"/>
+                </a:solidFill>
                 <a:latin typeface="Times New Roman" pitchFamily="18" charset="0"/>
                 <a:cs typeface="Times New Roman" pitchFamily="18" charset="0"/>
               </a:rPr>
               <a:t>Phát triển hệ thống tự động gửi mail nhắc </a:t>
             </a:r>
             <a:r>
-              <a:rPr lang="en-US" sz="1900" smtClean="0">
+              <a:rPr lang="en-US" sz="2400">
+                <a:solidFill>
+                  <a:schemeClr val="tx1"/>
+                </a:solidFill>
                 <a:latin typeface="Times New Roman" pitchFamily="18" charset="0"/>
                 <a:cs typeface="Times New Roman" pitchFamily="18" charset="0"/>
               </a:rPr>
               <a:t>nhở cập nhật hồ sơ khi hoàn tất một dự án hay tham gia các khóa học.</a:t>
             </a:r>
-            <a:endParaRPr lang="en-US" sz="1900">
+            <a:endParaRPr lang="en-US" sz="2400">
+              <a:solidFill>
+                <a:schemeClr val="tx1"/>
+              </a:solidFill>
               <a:latin typeface="Times New Roman" pitchFamily="18" charset="0"/>
               <a:cs typeface="Times New Roman" pitchFamily="18" charset="0"/>
             </a:endParaRPr>
@@ -6752,7 +7404,10 @@
               <a:buChar char="ü"/>
             </a:pPr>
             <a:r>
-              <a:rPr lang="en-US" sz="1900">
+              <a:rPr lang="en-US" sz="2400">
+                <a:solidFill>
+                  <a:schemeClr val="tx1"/>
+                </a:solidFill>
                 <a:latin typeface="Times New Roman" pitchFamily="18" charset="0"/>
                 <a:cs typeface="Times New Roman" pitchFamily="18" charset="0"/>
               </a:rPr>
@@ -6765,7 +7420,10 @@
               <a:buChar char="ü"/>
             </a:pPr>
             <a:r>
-              <a:rPr lang="en-US" sz="1900">
+              <a:rPr lang="en-US" sz="2400">
+                <a:solidFill>
+                  <a:schemeClr val="tx1"/>
+                </a:solidFill>
                 <a:latin typeface="Times New Roman" pitchFamily="18" charset="0"/>
                 <a:cs typeface="Times New Roman" pitchFamily="18" charset="0"/>
               </a:rPr>
@@ -6790,11 +7448,19 @@
           <a:lstStyle/>
           <a:p>
             <a:fld id="{3905339D-DD04-4120-AA77-8BCC40DA1522}" type="slidenum">
-              <a:rPr lang="en-US" smtClean="0"/>
+              <a:rPr lang="en-US" smtClean="0">
+                <a:solidFill>
+                  <a:schemeClr val="tx1"/>
+                </a:solidFill>
+              </a:rPr>
               <a:pPr/>
               <a:t>13</a:t>
             </a:fld>
-            <a:endParaRPr lang="en-US"/>
+            <a:endParaRPr lang="en-US">
+              <a:solidFill>
+                <a:schemeClr val="tx1"/>
+              </a:solidFill>
+            </a:endParaRPr>
           </a:p>
         </p:txBody>
       </p:sp>
@@ -6808,9 +7474,18 @@
   <p:clrMapOvr>
     <a:masterClrMapping/>
   </p:clrMapOvr>
-  <p:transition spd="slow">
-    <p:cover/>
-  </p:transition>
+  <mc:AlternateContent xmlns:mc="http://schemas.openxmlformats.org/markup-compatibility/2006">
+    <mc:Choice xmlns:p14="http://schemas.microsoft.com/office/powerpoint/2010/main" Requires="p14">
+      <p:transition p14:dur="250">
+        <p:fade/>
+      </p:transition>
+    </mc:Choice>
+    <mc:Fallback>
+      <p:transition>
+        <p:fade/>
+      </p:transition>
+    </mc:Fallback>
+  </mc:AlternateContent>
   <p:timing>
     <p:tnLst>
       <p:par>
@@ -6861,7 +7536,7 @@
                                     </p:set>
                                     <p:animEffect transition="in" filter="wipe(down)">
                                       <p:cBhvr>
-                                        <p:cTn id="7" dur="500"/>
+                                        <p:cTn id="7" dur="250"/>
                                         <p:tgtEl>
                                           <p:spTgt spid="3">
                                             <p:txEl>
@@ -6922,7 +7597,7 @@
                                     </p:set>
                                     <p:animEffect transition="in" filter="wipe(down)">
                                       <p:cBhvr>
-                                        <p:cTn id="12" dur="500"/>
+                                        <p:cTn id="12" dur="250"/>
                                         <p:tgtEl>
                                           <p:spTgt spid="3">
                                             <p:txEl>
@@ -6983,7 +7658,7 @@
                                     </p:set>
                                     <p:animEffect transition="in" filter="wipe(down)">
                                       <p:cBhvr>
-                                        <p:cTn id="17" dur="500"/>
+                                        <p:cTn id="17" dur="250"/>
                                         <p:tgtEl>
                                           <p:spTgt spid="3">
                                             <p:txEl>
@@ -7044,7 +7719,7 @@
                                     </p:set>
                                     <p:animEffect transition="in" filter="wipe(down)">
                                       <p:cBhvr>
-                                        <p:cTn id="22" dur="500"/>
+                                        <p:cTn id="22" dur="250"/>
                                         <p:tgtEl>
                                           <p:spTgt spid="3">
                                             <p:txEl>
@@ -7105,7 +7780,7 @@
                                     </p:set>
                                     <p:animEffect transition="in" filter="wipe(down)">
                                       <p:cBhvr>
-                                        <p:cTn id="27" dur="500"/>
+                                        <p:cTn id="27" dur="250"/>
                                         <p:tgtEl>
                                           <p:spTgt spid="3">
                                             <p:txEl>
@@ -7178,8 +7853,8 @@
         </p:nvSpPr>
         <p:spPr>
           <a:xfrm>
-            <a:off x="508002" y="2"/>
-            <a:ext cx="6447501" cy="990600"/>
+            <a:off x="574766" y="496387"/>
+            <a:ext cx="9026434" cy="892903"/>
           </a:xfrm>
         </p:spPr>
         <p:txBody>
@@ -7189,7 +7864,11 @@
           <a:lstStyle/>
           <a:p>
             <a:r>
-              <a:rPr lang="en-US" sz="3400">
+              <a:rPr lang="en-US" sz="4400">
+                <a:solidFill>
+                  <a:schemeClr val="tx1"/>
+                </a:solidFill>
+                <a:effectLst/>
                 <a:latin typeface="Times New Roman" pitchFamily="18" charset="0"/>
                 <a:cs typeface="Times New Roman" pitchFamily="18" charset="0"/>
               </a:rPr>
@@ -7210,8 +7889,8 @@
         </p:nvSpPr>
         <p:spPr>
           <a:xfrm>
-            <a:off x="607678" y="892781"/>
-            <a:ext cx="6809004" cy="4370464"/>
+            <a:off x="574766" y="1389290"/>
+            <a:ext cx="9026434" cy="4967062"/>
           </a:xfrm>
         </p:spPr>
         <p:txBody>
@@ -7224,7 +7903,7 @@
               <a:buNone/>
             </a:pPr>
             <a:r>
-              <a:rPr lang="en-US" sz="1500">
+              <a:rPr lang="en-US" sz="2000">
                 <a:solidFill>
                   <a:schemeClr val="tx1"/>
                 </a:solidFill>
@@ -7234,7 +7913,7 @@
               <a:t>[1]. </a:t>
             </a:r>
             <a:r>
-              <a:rPr lang="en-US" sz="1500">
+              <a:rPr lang="en-US" sz="2000">
                 <a:solidFill>
                   <a:schemeClr val="tx1"/>
                 </a:solidFill>
@@ -7244,7 +7923,7 @@
               </a:rPr>
               <a:t>https://www.strategy-business.com/blog/Why-Companies-Need-to-Build-a-Skills-Inventory</a:t>
             </a:r>
-            <a:endParaRPr lang="en-US" sz="1500">
+            <a:endParaRPr lang="en-US" sz="2000">
               <a:solidFill>
                 <a:schemeClr val="tx1"/>
               </a:solidFill>
@@ -7257,7 +7936,7 @@
               <a:buNone/>
             </a:pPr>
             <a:r>
-              <a:rPr lang="en-US" sz="1500">
+              <a:rPr lang="en-US" sz="2000">
                 <a:solidFill>
                   <a:schemeClr val="tx1"/>
                 </a:solidFill>
@@ -7267,7 +7946,7 @@
               <a:t>[2]. </a:t>
             </a:r>
             <a:r>
-              <a:rPr lang="en-US" sz="1500">
+              <a:rPr lang="en-US" sz="2000">
                 <a:solidFill>
                   <a:schemeClr val="tx1"/>
                 </a:solidFill>
@@ -7277,7 +7956,7 @@
               </a:rPr>
               <a:t>https://www.vogella.com/tutorials/DependencyInjection/article.html</a:t>
             </a:r>
-            <a:endParaRPr lang="en-US" sz="1500">
+            <a:endParaRPr lang="en-US" sz="2000">
               <a:solidFill>
                 <a:schemeClr val="tx1"/>
               </a:solidFill>
@@ -7290,7 +7969,7 @@
               <a:buNone/>
             </a:pPr>
             <a:r>
-              <a:rPr lang="en-US" sz="1500">
+              <a:rPr lang="en-US" sz="2000">
                 <a:solidFill>
                   <a:schemeClr val="tx1"/>
                 </a:solidFill>
@@ -7300,7 +7979,7 @@
               <a:t>[3]. </a:t>
             </a:r>
             <a:r>
-              <a:rPr lang="en-US" sz="1500">
+              <a:rPr lang="en-US" sz="2000">
                 <a:solidFill>
                   <a:schemeClr val="tx1"/>
                 </a:solidFill>
@@ -7310,7 +7989,7 @@
               </a:rPr>
               <a:t>https://docs.spring.io/spring/docs/5.1.7.RELEASE/spring-framework-reference/</a:t>
             </a:r>
-            <a:endParaRPr lang="en-US" sz="1500">
+            <a:endParaRPr lang="en-US" sz="2000">
               <a:solidFill>
                 <a:schemeClr val="tx1"/>
               </a:solidFill>
@@ -7323,7 +8002,7 @@
               <a:buNone/>
             </a:pPr>
             <a:r>
-              <a:rPr lang="en-US" sz="1500">
+              <a:rPr lang="en-US" sz="2000">
                 <a:solidFill>
                   <a:schemeClr val="tx1"/>
                 </a:solidFill>
@@ -7333,7 +8012,7 @@
               <a:t>[4]. </a:t>
             </a:r>
             <a:r>
-              <a:rPr lang="en-US" sz="1500">
+              <a:rPr lang="en-US" sz="2000">
                 <a:solidFill>
                   <a:schemeClr val="tx1"/>
                 </a:solidFill>
@@ -7343,7 +8022,7 @@
               </a:rPr>
               <a:t>https://docs.spring.io/spring-boot/docs/2.1.3.RELEASE/reference/htmlsingle/</a:t>
             </a:r>
-            <a:endParaRPr lang="en-US" sz="1500">
+            <a:endParaRPr lang="en-US" sz="2000">
               <a:solidFill>
                 <a:schemeClr val="tx1"/>
               </a:solidFill>
@@ -7356,7 +8035,7 @@
               <a:buNone/>
             </a:pPr>
             <a:r>
-              <a:rPr lang="en-US" sz="1500">
+              <a:rPr lang="en-US" sz="2000">
                 <a:solidFill>
                   <a:schemeClr val="tx1"/>
                 </a:solidFill>
@@ -7366,7 +8045,7 @@
               <a:t>[5]. Felipe Gutierrez. Pro Spring Boot. Apress, </a:t>
             </a:r>
             <a:r>
-              <a:rPr lang="en-US" sz="1500" smtClean="0">
+              <a:rPr lang="en-US" sz="2000">
                 <a:solidFill>
                   <a:schemeClr val="tx1"/>
                 </a:solidFill>
@@ -7375,7 +8054,7 @@
               </a:rPr>
               <a:t>2016.</a:t>
             </a:r>
-            <a:endParaRPr lang="en-US" sz="1500">
+            <a:endParaRPr lang="en-US" sz="2000">
               <a:solidFill>
                 <a:schemeClr val="tx1"/>
               </a:solidFill>
@@ -7388,7 +8067,7 @@
               <a:buNone/>
             </a:pPr>
             <a:r>
-              <a:rPr lang="en-US" sz="1500">
+              <a:rPr lang="en-US" sz="2000">
                 <a:solidFill>
                   <a:schemeClr val="tx1"/>
                 </a:solidFill>
@@ -7398,7 +8077,7 @@
               <a:t>[6]. </a:t>
             </a:r>
             <a:r>
-              <a:rPr lang="en-US" sz="1500">
+              <a:rPr lang="en-US" sz="2000">
                 <a:solidFill>
                   <a:schemeClr val="tx1"/>
                 </a:solidFill>
@@ -7408,7 +8087,7 @@
               </a:rPr>
               <a:t>https://angular.io/docs</a:t>
             </a:r>
-            <a:endParaRPr lang="en-US" sz="1500">
+            <a:endParaRPr lang="en-US" sz="2000">
               <a:solidFill>
                 <a:schemeClr val="tx1"/>
               </a:solidFill>
@@ -7421,7 +8100,7 @@
               <a:buNone/>
             </a:pPr>
             <a:r>
-              <a:rPr lang="en-US" sz="1500">
+              <a:rPr lang="en-US" sz="2000">
                 <a:solidFill>
                   <a:schemeClr val="tx1"/>
                 </a:solidFill>
@@ -7431,7 +8110,7 @@
               <a:t>[7]. </a:t>
             </a:r>
             <a:r>
-              <a:rPr lang="en-US" sz="1500">
+              <a:rPr lang="en-US" sz="2000">
                 <a:solidFill>
                   <a:schemeClr val="tx1"/>
                 </a:solidFill>
@@ -7441,7 +8120,7 @@
               </a:rPr>
               <a:t>https://reactjs.org/docs/thinking-in-react.html</a:t>
             </a:r>
-            <a:endParaRPr lang="en-US" sz="1500">
+            <a:endParaRPr lang="en-US" sz="2000">
               <a:solidFill>
                 <a:schemeClr val="tx1"/>
               </a:solidFill>
@@ -7454,7 +8133,7 @@
               <a:buNone/>
             </a:pPr>
             <a:r>
-              <a:rPr lang="en-US" sz="1500">
+              <a:rPr lang="en-US" sz="2000">
                 <a:solidFill>
                   <a:schemeClr val="tx1"/>
                 </a:solidFill>
@@ -7464,7 +8143,7 @@
               <a:t>[8]. </a:t>
             </a:r>
             <a:r>
-              <a:rPr lang="en-US" sz="1500">
+              <a:rPr lang="en-US" sz="2000">
                 <a:solidFill>
                   <a:schemeClr val="tx1"/>
                 </a:solidFill>
@@ -7474,7 +8153,7 @@
               </a:rPr>
               <a:t>https://reactjs.org/docs/components-and-props.html</a:t>
             </a:r>
-            <a:endParaRPr lang="en-US" sz="1500">
+            <a:endParaRPr lang="en-US" sz="2000">
               <a:solidFill>
                 <a:schemeClr val="tx1"/>
               </a:solidFill>
@@ -7487,7 +8166,7 @@
               <a:buNone/>
             </a:pPr>
             <a:r>
-              <a:rPr lang="en-US" sz="1500">
+              <a:rPr lang="en-US" sz="2000">
                 <a:solidFill>
                   <a:schemeClr val="tx1"/>
                 </a:solidFill>
@@ -7497,7 +8176,7 @@
               <a:t>[9]. </a:t>
             </a:r>
             <a:r>
-              <a:rPr lang="en-US" sz="1500">
+              <a:rPr lang="en-US" sz="2000">
                 <a:solidFill>
                   <a:schemeClr val="tx1"/>
                 </a:solidFill>
@@ -7508,7 +8187,7 @@
               <a:t>https://api.jquery.com/category/core/</a:t>
             </a:r>
             <a:r>
-              <a:rPr lang="en-US" sz="1500">
+              <a:rPr lang="en-US" sz="2000">
                 <a:solidFill>
                   <a:schemeClr val="tx1"/>
                 </a:solidFill>
@@ -7523,7 +8202,7 @@
               <a:buNone/>
             </a:pPr>
             <a:r>
-              <a:rPr lang="en-US" sz="1500">
+              <a:rPr lang="en-US" sz="2000">
                 <a:solidFill>
                   <a:schemeClr val="tx1"/>
                 </a:solidFill>
@@ -7533,7 +8212,7 @@
               <a:t>[10]. </a:t>
             </a:r>
             <a:r>
-              <a:rPr lang="en-US" sz="1500">
+              <a:rPr lang="en-US" sz="2000">
                 <a:solidFill>
                   <a:schemeClr val="tx1"/>
                 </a:solidFill>
@@ -7543,7 +8222,7 @@
               </a:rPr>
               <a:t>https://dev.mysql.com/doc/workbench/en/</a:t>
             </a:r>
-            <a:endParaRPr lang="en-US" sz="1500">
+            <a:endParaRPr lang="en-US" sz="2000">
               <a:solidFill>
                 <a:schemeClr val="tx1"/>
               </a:solidFill>
@@ -7556,7 +8235,7 @@
               <a:buNone/>
             </a:pPr>
             <a:r>
-              <a:rPr lang="en-US" sz="1500">
+              <a:rPr lang="en-US" sz="2000">
                 <a:solidFill>
                   <a:schemeClr val="tx1"/>
                 </a:solidFill>
@@ -7566,7 +8245,7 @@
               <a:t>[11]. </a:t>
             </a:r>
             <a:r>
-              <a:rPr lang="en-US" sz="1500">
+              <a:rPr lang="en-US" sz="2000">
                 <a:solidFill>
                   <a:schemeClr val="tx1"/>
                 </a:solidFill>
@@ -7577,7 +8256,7 @@
               <a:t>http://maven.apache.org/index.html</a:t>
             </a:r>
             <a:r>
-              <a:rPr lang="en-US" sz="1500">
+              <a:rPr lang="en-US" sz="2000">
                 <a:solidFill>
                   <a:schemeClr val="tx1"/>
                 </a:solidFill>
@@ -7592,7 +8271,7 @@
               <a:buNone/>
             </a:pPr>
             <a:r>
-              <a:rPr lang="en-US" sz="1500">
+              <a:rPr lang="en-US" sz="2000">
                 <a:solidFill>
                   <a:schemeClr val="tx1"/>
                 </a:solidFill>
@@ -7602,7 +8281,7 @@
               <a:t>[12]. </a:t>
             </a:r>
             <a:r>
-              <a:rPr lang="en-US" sz="1500">
+              <a:rPr lang="en-US" sz="2000">
                 <a:solidFill>
                   <a:schemeClr val="tx1"/>
                 </a:solidFill>
@@ -7612,7 +8291,7 @@
               </a:rPr>
               <a:t>https://docs.gradle.org/current/userguide/migrating_from_maven.html</a:t>
             </a:r>
-            <a:endParaRPr lang="vi-VN" sz="1500">
+            <a:endParaRPr lang="vi-VN" sz="2000">
               <a:solidFill>
                 <a:schemeClr val="tx1"/>
               </a:solidFill>
@@ -7638,11 +8317,19 @@
           <a:lstStyle/>
           <a:p>
             <a:fld id="{3905339D-DD04-4120-AA77-8BCC40DA1522}" type="slidenum">
-              <a:rPr lang="en-US" smtClean="0"/>
+              <a:rPr lang="en-US" smtClean="0">
+                <a:solidFill>
+                  <a:schemeClr val="tx1"/>
+                </a:solidFill>
+              </a:rPr>
               <a:pPr/>
               <a:t>14</a:t>
             </a:fld>
-            <a:endParaRPr lang="en-US"/>
+            <a:endParaRPr lang="en-US">
+              <a:solidFill>
+                <a:schemeClr val="tx1"/>
+              </a:solidFill>
+            </a:endParaRPr>
           </a:p>
         </p:txBody>
       </p:sp>
@@ -7656,9 +8343,18 @@
   <p:clrMapOvr>
     <a:masterClrMapping/>
   </p:clrMapOvr>
-  <p:transition spd="slow">
-    <p:cover/>
-  </p:transition>
+  <mc:AlternateContent xmlns:mc="http://schemas.openxmlformats.org/markup-compatibility/2006">
+    <mc:Choice xmlns:p14="http://schemas.microsoft.com/office/powerpoint/2010/main" Requires="p14">
+      <p:transition p14:dur="250">
+        <p:fade/>
+      </p:transition>
+    </mc:Choice>
+    <mc:Fallback>
+      <p:transition>
+        <p:fade/>
+      </p:transition>
+    </mc:Fallback>
+  </mc:AlternateContent>
   <p:timing>
     <p:tnLst>
       <p:par>
@@ -7688,25 +8384,6 @@
       </p:grpSpPr>
       <p:sp>
         <p:nvSpPr>
-          <p:cNvPr id="2" name="Title 1"/>
-          <p:cNvSpPr>
-            <a:spLocks noGrp="1"/>
-          </p:cNvSpPr>
-          <p:nvPr>
-            <p:ph type="title"/>
-          </p:nvPr>
-        </p:nvSpPr>
-        <p:spPr/>
-        <p:txBody>
-          <a:bodyPr/>
-          <a:lstStyle/>
-          <a:p>
-            <a:endParaRPr lang="en-US"/>
-          </a:p>
-        </p:txBody>
-      </p:sp>
-      <p:sp>
-        <p:nvSpPr>
           <p:cNvPr id="3" name="Content Placeholder 2"/>
           <p:cNvSpPr>
             <a:spLocks noGrp="1"/>
@@ -7715,7 +8392,12 @@
             <p:ph idx="1"/>
           </p:nvPr>
         </p:nvSpPr>
-        <p:spPr/>
+        <p:spPr>
+          <a:xfrm>
+            <a:off x="502920" y="1737360"/>
+            <a:ext cx="9052560" cy="3330713"/>
+          </a:xfrm>
+        </p:spPr>
         <p:txBody>
           <a:bodyPr>
             <a:noAutofit/>
@@ -7725,7 +8407,10 @@
             <a:pPr marL="0" indent="0">
               <a:buNone/>
             </a:pPr>
-            <a:endParaRPr lang="en-US" sz="3400">
+            <a:endParaRPr lang="en-US" sz="4400">
+              <a:solidFill>
+                <a:schemeClr val="tx1"/>
+              </a:solidFill>
               <a:latin typeface="Arial" pitchFamily="34" charset="0"/>
               <a:cs typeface="Arial" pitchFamily="34" charset="0"/>
             </a:endParaRPr>
@@ -7735,89 +8420,154 @@
               <a:buNone/>
             </a:pPr>
             <a:r>
-              <a:rPr lang="en-US" sz="3400" i="1" err="1">
+              <a:rPr lang="en-US" sz="4400" i="1" err="1">
+                <a:solidFill>
+                  <a:schemeClr val="tx1"/>
+                </a:solidFill>
                 <a:latin typeface="Arial" pitchFamily="34" charset="0"/>
                 <a:cs typeface="Arial" pitchFamily="34" charset="0"/>
               </a:rPr>
               <a:t>Cảm</a:t>
             </a:r>
             <a:r>
-              <a:rPr lang="en-US" sz="3400" i="1">
+              <a:rPr lang="en-US" sz="4400" i="1">
+                <a:solidFill>
+                  <a:schemeClr val="tx1"/>
+                </a:solidFill>
                 <a:latin typeface="Arial" pitchFamily="34" charset="0"/>
                 <a:cs typeface="Arial" pitchFamily="34" charset="0"/>
               </a:rPr>
               <a:t> </a:t>
             </a:r>
             <a:r>
-              <a:rPr lang="en-US" sz="3400" i="1" err="1">
+              <a:rPr lang="en-US" sz="4400" i="1" err="1">
+                <a:solidFill>
+                  <a:schemeClr val="tx1"/>
+                </a:solidFill>
                 <a:latin typeface="Arial" pitchFamily="34" charset="0"/>
                 <a:cs typeface="Arial" pitchFamily="34" charset="0"/>
               </a:rPr>
               <a:t>ơn</a:t>
             </a:r>
             <a:r>
-              <a:rPr lang="en-US" sz="3400" i="1">
+              <a:rPr lang="en-US" sz="4400" i="1">
+                <a:solidFill>
+                  <a:schemeClr val="tx1"/>
+                </a:solidFill>
                 <a:latin typeface="Arial" pitchFamily="34" charset="0"/>
                 <a:cs typeface="Arial" pitchFamily="34" charset="0"/>
               </a:rPr>
               <a:t> </a:t>
             </a:r>
             <a:r>
-              <a:rPr lang="en-US" sz="3400" i="1" smtClean="0">
+              <a:rPr lang="en-US" sz="4400" i="1">
+                <a:solidFill>
+                  <a:schemeClr val="tx1"/>
+                </a:solidFill>
                 <a:latin typeface="Arial" pitchFamily="34" charset="0"/>
                 <a:cs typeface="Arial" pitchFamily="34" charset="0"/>
               </a:rPr>
-              <a:t>Thầy, Cô, các Anh Chị và </a:t>
-            </a:r>
-            <a:r>
-              <a:rPr lang="en-US" sz="3400" i="1" err="1">
+              <a:t>Thầy, Cô, các Anh </a:t>
+            </a:r>
+            <a:r>
+              <a:rPr lang="en-US" sz="4400" i="1">
+                <a:solidFill>
+                  <a:schemeClr val="tx1"/>
+                </a:solidFill>
                 <a:latin typeface="Arial" pitchFamily="34" charset="0"/>
                 <a:cs typeface="Arial" pitchFamily="34" charset="0"/>
               </a:rPr>
-              <a:t>các</a:t>
-            </a:r>
-            <a:r>
-              <a:rPr lang="en-US" sz="3400" i="1">
+              <a:t>Chị </a:t>
+            </a:r>
+            <a:endParaRPr lang="en-US" sz="4400" i="1" smtClean="0">
+              <a:solidFill>
+                <a:schemeClr val="tx1"/>
+              </a:solidFill>
+              <a:latin typeface="Arial" pitchFamily="34" charset="0"/>
+              <a:cs typeface="Arial" pitchFamily="34" charset="0"/>
+            </a:endParaRPr>
+          </a:p>
+          <a:p>
+            <a:pPr marL="0" indent="0" algn="ctr">
+              <a:buNone/>
+            </a:pPr>
+            <a:r>
+              <a:rPr lang="en-US" sz="4400" i="1" smtClean="0">
+                <a:solidFill>
+                  <a:schemeClr val="tx1"/>
+                </a:solidFill>
                 <a:latin typeface="Arial" pitchFamily="34" charset="0"/>
                 <a:cs typeface="Arial" pitchFamily="34" charset="0"/>
               </a:rPr>
-              <a:t> </a:t>
-            </a:r>
-            <a:r>
-              <a:rPr lang="en-US" sz="3400" i="1" smtClean="0">
+              <a:t>và </a:t>
+            </a:r>
+            <a:r>
+              <a:rPr lang="en-US" sz="4400" i="1" err="1">
+                <a:solidFill>
+                  <a:schemeClr val="tx1"/>
+                </a:solidFill>
                 <a:latin typeface="Arial" pitchFamily="34" charset="0"/>
                 <a:cs typeface="Arial" pitchFamily="34" charset="0"/>
               </a:rPr>
-              <a:t>bạn đã quan tâm </a:t>
-            </a:r>
-            <a:r>
-              <a:rPr lang="en-US" sz="3400" i="1" err="1">
+              <a:t>các</a:t>
+            </a:r>
+            <a:r>
+              <a:rPr lang="en-US" sz="4400" i="1">
+                <a:solidFill>
+                  <a:schemeClr val="tx1"/>
+                </a:solidFill>
                 <a:latin typeface="Arial" pitchFamily="34" charset="0"/>
                 <a:cs typeface="Arial" pitchFamily="34" charset="0"/>
               </a:rPr>
-              <a:t>theo</a:t>
-            </a:r>
-            <a:r>
-              <a:rPr lang="en-US" sz="3400" i="1">
+              <a:t> </a:t>
+            </a:r>
+            <a:r>
+              <a:rPr lang="en-US" sz="4400" i="1">
+                <a:solidFill>
+                  <a:schemeClr val="tx1"/>
+                </a:solidFill>
                 <a:latin typeface="Arial" pitchFamily="34" charset="0"/>
                 <a:cs typeface="Arial" pitchFamily="34" charset="0"/>
               </a:rPr>
-              <a:t> </a:t>
-            </a:r>
-            <a:r>
-              <a:rPr lang="en-US" sz="3400" i="1" err="1">
+              <a:t>bạn đã quan tâm </a:t>
+            </a:r>
+            <a:r>
+              <a:rPr lang="en-US" sz="4400" i="1" err="1">
+                <a:solidFill>
+                  <a:schemeClr val="tx1"/>
+                </a:solidFill>
                 <a:latin typeface="Arial" pitchFamily="34" charset="0"/>
                 <a:cs typeface="Arial" pitchFamily="34" charset="0"/>
               </a:rPr>
-              <a:t>dõi</a:t>
-            </a:r>
-            <a:r>
-              <a:rPr lang="en-US" sz="3400" i="1">
+              <a:t>theo</a:t>
+            </a:r>
+            <a:r>
+              <a:rPr lang="en-US" sz="4400" i="1">
+                <a:solidFill>
+                  <a:schemeClr val="tx1"/>
+                </a:solidFill>
                 <a:latin typeface="Arial" pitchFamily="34" charset="0"/>
                 <a:cs typeface="Arial" pitchFamily="34" charset="0"/>
               </a:rPr>
-              <a:t>!</a:t>
-            </a:r>
+              <a:t> </a:t>
+            </a:r>
+            <a:r>
+              <a:rPr lang="en-US" sz="4400" i="1" smtClean="0">
+                <a:solidFill>
+                  <a:schemeClr val="tx1"/>
+                </a:solidFill>
+                <a:latin typeface="Arial" pitchFamily="34" charset="0"/>
+                <a:cs typeface="Arial" pitchFamily="34" charset="0"/>
+              </a:rPr>
+              <a:t>dõi!</a:t>
+            </a:r>
+            <a:endParaRPr lang="en-US" sz="4400" i="1">
+              <a:solidFill>
+                <a:schemeClr val="tx1"/>
+              </a:solidFill>
+              <a:latin typeface="Arial" pitchFamily="34" charset="0"/>
+              <a:cs typeface="Arial" pitchFamily="34" charset="0"/>
+            </a:endParaRPr>
           </a:p>
         </p:txBody>
       </p:sp>
@@ -7855,9 +8605,18 @@
   <p:clrMapOvr>
     <a:masterClrMapping/>
   </p:clrMapOvr>
-  <p:transition spd="slow">
-    <p:cover/>
-  </p:transition>
+  <mc:AlternateContent xmlns:mc="http://schemas.openxmlformats.org/markup-compatibility/2006">
+    <mc:Choice xmlns:p14="http://schemas.microsoft.com/office/powerpoint/2010/main" Requires="p14">
+      <p:transition p14:dur="250">
+        <p:fade/>
+      </p:transition>
+    </mc:Choice>
+    <mc:Fallback>
+      <p:transition>
+        <p:fade/>
+      </p:transition>
+    </mc:Fallback>
+  </mc:AlternateContent>
   <p:timing>
     <p:tnLst>
       <p:par>
@@ -7895,7 +8654,12 @@
             <p:ph type="title"/>
           </p:nvPr>
         </p:nvSpPr>
-        <p:spPr/>
+        <p:spPr>
+          <a:xfrm>
+            <a:off x="502920" y="443503"/>
+            <a:ext cx="9052560" cy="803366"/>
+          </a:xfrm>
+        </p:spPr>
         <p:txBody>
           <a:bodyPr>
             <a:normAutofit/>
@@ -7903,14 +8667,22 @@
           <a:lstStyle/>
           <a:p>
             <a:r>
-              <a:rPr lang="en-US" sz="3400" err="1">
-                <a:latin typeface="Times New Roman" pitchFamily="18" charset="0"/>
+              <a:rPr lang="en-US" sz="4400" err="1">
+                <a:solidFill>
+                  <a:schemeClr val="tx1"/>
+                </a:solidFill>
+                <a:effectLst/>
+                <a:latin typeface="Times New Roman" panose="02020603050405020304" pitchFamily="18" charset="0"/>
                 <a:cs typeface="Times New Roman" pitchFamily="18" charset="0"/>
               </a:rPr>
               <a:t>Nội</a:t>
             </a:r>
             <a:r>
-              <a:rPr lang="en-US" sz="3400">
+              <a:rPr lang="en-US" sz="4400">
+                <a:solidFill>
+                  <a:schemeClr val="tx1"/>
+                </a:solidFill>
+                <a:effectLst/>
                 <a:latin typeface="Times New Roman" pitchFamily="18" charset="0"/>
                 <a:cs typeface="Times New Roman" pitchFamily="18" charset="0"/>
               </a:rPr>
@@ -7931,8 +8703,8 @@
         </p:nvSpPr>
         <p:spPr>
           <a:xfrm>
-            <a:off x="640858" y="1238147"/>
-            <a:ext cx="8779111" cy="4003272"/>
+            <a:off x="502920" y="1730830"/>
+            <a:ext cx="9052560" cy="2854234"/>
           </a:xfrm>
         </p:spPr>
         <p:txBody>
@@ -7941,137 +8713,182 @@
           </a:bodyPr>
           <a:lstStyle/>
           <a:p>
-            <a:pPr marL="386105" indent="-386105">
+            <a:pPr marL="424716" indent="-424716">
               <a:buFont typeface="+mj-lt"/>
               <a:buAutoNum type="arabicPeriod"/>
             </a:pPr>
             <a:r>
-              <a:rPr lang="en-US" sz="1900" err="1">
-                <a:latin typeface="Arial" panose="020B0604020202020204" pitchFamily="34" charset="0"/>
-                <a:cs typeface="Arial" panose="020B0604020202020204" pitchFamily="34" charset="0"/>
+              <a:rPr lang="en-US" sz="2800" err="1">
+                <a:solidFill>
+                  <a:schemeClr val="tx1"/>
+                </a:solidFill>
+                <a:latin typeface="Times New Roman" panose="02020603050405020304" pitchFamily="18" charset="0"/>
+                <a:cs typeface="Times New Roman" panose="02020603050405020304" pitchFamily="18" charset="0"/>
               </a:rPr>
               <a:t>Giới</a:t>
             </a:r>
             <a:r>
-              <a:rPr lang="en-US" sz="1900">
-                <a:latin typeface="Arial" panose="020B0604020202020204" pitchFamily="34" charset="0"/>
-                <a:cs typeface="Arial" panose="020B0604020202020204" pitchFamily="34" charset="0"/>
+              <a:rPr lang="en-US" sz="2800">
+                <a:solidFill>
+                  <a:schemeClr val="tx1"/>
+                </a:solidFill>
+                <a:latin typeface="Times New Roman" panose="02020603050405020304" pitchFamily="18" charset="0"/>
+                <a:cs typeface="Times New Roman" panose="02020603050405020304" pitchFamily="18" charset="0"/>
               </a:rPr>
               <a:t> thiệu đề tài</a:t>
             </a:r>
           </a:p>
           <a:p>
-            <a:pPr marL="386105" indent="-386105">
+            <a:pPr marL="424716" indent="-424716">
               <a:buFont typeface="+mj-lt"/>
               <a:buAutoNum type="arabicPeriod"/>
             </a:pPr>
             <a:r>
-              <a:rPr lang="en-US" sz="1900">
-                <a:latin typeface="Arial" panose="020B0604020202020204" pitchFamily="34" charset="0"/>
-                <a:cs typeface="Arial" panose="020B0604020202020204" pitchFamily="34" charset="0"/>
+              <a:rPr lang="en-US" sz="2800">
+                <a:solidFill>
+                  <a:schemeClr val="tx1"/>
+                </a:solidFill>
+                <a:latin typeface="Times New Roman" panose="02020603050405020304" pitchFamily="18" charset="0"/>
+                <a:cs typeface="Times New Roman" panose="02020603050405020304" pitchFamily="18" charset="0"/>
               </a:rPr>
               <a:t>Mục </a:t>
             </a:r>
             <a:r>
-              <a:rPr lang="en-US" sz="1900" smtClean="0">
-                <a:latin typeface="Arial" panose="020B0604020202020204" pitchFamily="34" charset="0"/>
-                <a:cs typeface="Arial" panose="020B0604020202020204" pitchFamily="34" charset="0"/>
+              <a:rPr lang="en-US" sz="2800">
+                <a:solidFill>
+                  <a:schemeClr val="tx1"/>
+                </a:solidFill>
+                <a:latin typeface="Times New Roman" panose="02020603050405020304" pitchFamily="18" charset="0"/>
+                <a:cs typeface="Times New Roman" panose="02020603050405020304" pitchFamily="18" charset="0"/>
               </a:rPr>
               <a:t>tiêu, phạm vi </a:t>
             </a:r>
             <a:r>
-              <a:rPr lang="en-US" sz="1900">
-                <a:latin typeface="Arial" panose="020B0604020202020204" pitchFamily="34" charset="0"/>
-                <a:cs typeface="Arial" panose="020B0604020202020204" pitchFamily="34" charset="0"/>
+              <a:rPr lang="en-US" sz="2800">
+                <a:solidFill>
+                  <a:schemeClr val="tx1"/>
+                </a:solidFill>
+                <a:latin typeface="Times New Roman" panose="02020603050405020304" pitchFamily="18" charset="0"/>
+                <a:cs typeface="Times New Roman" panose="02020603050405020304" pitchFamily="18" charset="0"/>
               </a:rPr>
               <a:t>đề tài</a:t>
             </a:r>
           </a:p>
           <a:p>
-            <a:pPr marL="386105" indent="-386105">
+            <a:pPr marL="424716" indent="-424716">
               <a:buFont typeface="+mj-lt"/>
               <a:buAutoNum type="arabicPeriod"/>
             </a:pPr>
             <a:r>
-              <a:rPr lang="en-US" sz="1900">
-                <a:latin typeface="Arial" panose="020B0604020202020204" pitchFamily="34" charset="0"/>
-                <a:cs typeface="Arial" panose="020B0604020202020204" pitchFamily="34" charset="0"/>
+              <a:rPr lang="en-US" sz="2800">
+                <a:solidFill>
+                  <a:schemeClr val="tx1"/>
+                </a:solidFill>
+                <a:latin typeface="Times New Roman" panose="02020603050405020304" pitchFamily="18" charset="0"/>
+                <a:cs typeface="Times New Roman" panose="02020603050405020304" pitchFamily="18" charset="0"/>
               </a:rPr>
               <a:t>Phân tích, thiết </a:t>
             </a:r>
             <a:r>
-              <a:rPr lang="en-US" sz="1900" err="1">
-                <a:latin typeface="Arial" panose="020B0604020202020204" pitchFamily="34" charset="0"/>
-                <a:cs typeface="Arial" panose="020B0604020202020204" pitchFamily="34" charset="0"/>
+              <a:rPr lang="en-US" sz="2800" err="1">
+                <a:solidFill>
+                  <a:schemeClr val="tx1"/>
+                </a:solidFill>
+                <a:latin typeface="Times New Roman" panose="02020603050405020304" pitchFamily="18" charset="0"/>
+                <a:cs typeface="Times New Roman" panose="02020603050405020304" pitchFamily="18" charset="0"/>
               </a:rPr>
               <a:t>kế</a:t>
             </a:r>
             <a:r>
-              <a:rPr lang="en-US" sz="1900">
-                <a:latin typeface="Arial" panose="020B0604020202020204" pitchFamily="34" charset="0"/>
-                <a:cs typeface="Arial" panose="020B0604020202020204" pitchFamily="34" charset="0"/>
+              <a:rPr lang="en-US" sz="2800">
+                <a:solidFill>
+                  <a:schemeClr val="tx1"/>
+                </a:solidFill>
+                <a:latin typeface="Times New Roman" panose="02020603050405020304" pitchFamily="18" charset="0"/>
+                <a:cs typeface="Times New Roman" panose="02020603050405020304" pitchFamily="18" charset="0"/>
               </a:rPr>
               <a:t> </a:t>
             </a:r>
           </a:p>
           <a:p>
-            <a:pPr marL="386105" indent="-386105">
+            <a:pPr marL="424716" indent="-424716">
               <a:buFont typeface="+mj-lt"/>
               <a:buAutoNum type="arabicPeriod"/>
             </a:pPr>
             <a:r>
-              <a:rPr lang="en-US" sz="1900" err="1">
-                <a:latin typeface="Arial" panose="020B0604020202020204" pitchFamily="34" charset="0"/>
-                <a:cs typeface="Arial" panose="020B0604020202020204" pitchFamily="34" charset="0"/>
+              <a:rPr lang="en-US" sz="2800" err="1">
+                <a:solidFill>
+                  <a:schemeClr val="tx1"/>
+                </a:solidFill>
+                <a:latin typeface="Times New Roman" panose="02020603050405020304" pitchFamily="18" charset="0"/>
+                <a:cs typeface="Times New Roman" panose="02020603050405020304" pitchFamily="18" charset="0"/>
               </a:rPr>
               <a:t>Hiện</a:t>
             </a:r>
             <a:r>
-              <a:rPr lang="en-US" sz="1900">
-                <a:latin typeface="Arial" panose="020B0604020202020204" pitchFamily="34" charset="0"/>
-                <a:cs typeface="Arial" panose="020B0604020202020204" pitchFamily="34" charset="0"/>
+              <a:rPr lang="en-US" sz="2800">
+                <a:solidFill>
+                  <a:schemeClr val="tx1"/>
+                </a:solidFill>
+                <a:latin typeface="Times New Roman" panose="02020603050405020304" pitchFamily="18" charset="0"/>
+                <a:cs typeface="Times New Roman" panose="02020603050405020304" pitchFamily="18" charset="0"/>
               </a:rPr>
               <a:t> </a:t>
             </a:r>
             <a:r>
-              <a:rPr lang="en-US" sz="1900" err="1">
-                <a:latin typeface="Arial" panose="020B0604020202020204" pitchFamily="34" charset="0"/>
-                <a:cs typeface="Arial" panose="020B0604020202020204" pitchFamily="34" charset="0"/>
+              <a:rPr lang="en-US" sz="2800" err="1">
+                <a:solidFill>
+                  <a:schemeClr val="tx1"/>
+                </a:solidFill>
+                <a:latin typeface="Times New Roman" panose="02020603050405020304" pitchFamily="18" charset="0"/>
+                <a:cs typeface="Times New Roman" panose="02020603050405020304" pitchFamily="18" charset="0"/>
               </a:rPr>
               <a:t>thực</a:t>
             </a:r>
             <a:r>
-              <a:rPr lang="en-US" sz="1900">
-                <a:latin typeface="Arial" panose="020B0604020202020204" pitchFamily="34" charset="0"/>
-                <a:cs typeface="Arial" panose="020B0604020202020204" pitchFamily="34" charset="0"/>
+              <a:rPr lang="en-US" sz="2800">
+                <a:solidFill>
+                  <a:schemeClr val="tx1"/>
+                </a:solidFill>
+                <a:latin typeface="Times New Roman" panose="02020603050405020304" pitchFamily="18" charset="0"/>
+                <a:cs typeface="Times New Roman" panose="02020603050405020304" pitchFamily="18" charset="0"/>
               </a:rPr>
               <a:t> – Demo</a:t>
             </a:r>
           </a:p>
           <a:p>
-            <a:pPr marL="386105" indent="-386105">
+            <a:pPr marL="424716" indent="-424716">
               <a:buFont typeface="+mj-lt"/>
               <a:buAutoNum type="arabicPeriod"/>
             </a:pPr>
             <a:r>
-              <a:rPr lang="en-US" sz="1900">
-                <a:latin typeface="Arial" panose="020B0604020202020204" pitchFamily="34" charset="0"/>
-                <a:cs typeface="Arial" panose="020B0604020202020204" pitchFamily="34" charset="0"/>
+              <a:rPr lang="en-US" sz="2800">
+                <a:solidFill>
+                  <a:schemeClr val="tx1"/>
+                </a:solidFill>
+                <a:latin typeface="Times New Roman" panose="02020603050405020304" pitchFamily="18" charset="0"/>
+                <a:cs typeface="Times New Roman" panose="02020603050405020304" pitchFamily="18" charset="0"/>
               </a:rPr>
               <a:t>Kết luận – Hướng phát triển</a:t>
             </a:r>
           </a:p>
           <a:p>
             <a:pPr lvl="1"/>
-            <a:endParaRPr lang="en-US" sz="1900">
-              <a:latin typeface="Arial" panose="020B0604020202020204" pitchFamily="34" charset="0"/>
-              <a:cs typeface="Arial" panose="020B0604020202020204" pitchFamily="34" charset="0"/>
+            <a:endParaRPr lang="en-US" sz="2800">
+              <a:solidFill>
+                <a:schemeClr val="tx1"/>
+              </a:solidFill>
+              <a:latin typeface="Times New Roman" panose="02020603050405020304" pitchFamily="18" charset="0"/>
+              <a:cs typeface="Times New Roman" panose="02020603050405020304" pitchFamily="18" charset="0"/>
             </a:endParaRPr>
           </a:p>
           <a:p>
-            <a:endParaRPr lang="en-US" sz="1900">
-              <a:latin typeface="Arial" panose="020B0604020202020204" pitchFamily="34" charset="0"/>
-              <a:cs typeface="Arial" panose="020B0604020202020204" pitchFamily="34" charset="0"/>
+            <a:endParaRPr lang="en-US" sz="2800">
+              <a:solidFill>
+                <a:schemeClr val="tx1"/>
+              </a:solidFill>
+              <a:latin typeface="Times New Roman" panose="02020603050405020304" pitchFamily="18" charset="0"/>
+              <a:cs typeface="Times New Roman" panose="02020603050405020304" pitchFamily="18" charset="0"/>
             </a:endParaRPr>
           </a:p>
         </p:txBody>
@@ -8092,10 +8909,16 @@
           <a:lstStyle/>
           <a:p>
             <a:fld id="{3905339D-DD04-4120-AA77-8BCC40DA1522}" type="slidenum">
-              <a:rPr lang="en-US" smtClean="0"/>
+              <a:rPr lang="en-US" smtClean="0">
+                <a:latin typeface="Times New Roman" panose="02020603050405020304" pitchFamily="18" charset="0"/>
+                <a:cs typeface="Times New Roman" panose="02020603050405020304" pitchFamily="18" charset="0"/>
+              </a:rPr>
               <a:t>2</a:t>
             </a:fld>
-            <a:endParaRPr lang="en-US"/>
+            <a:endParaRPr lang="en-US">
+              <a:latin typeface="Times New Roman" panose="02020603050405020304" pitchFamily="18" charset="0"/>
+              <a:cs typeface="Times New Roman" panose="02020603050405020304" pitchFamily="18" charset="0"/>
+            </a:endParaRPr>
           </a:p>
         </p:txBody>
       </p:sp>
@@ -8109,9 +8932,18 @@
   <p:clrMapOvr>
     <a:masterClrMapping/>
   </p:clrMapOvr>
-  <p:transition spd="slow">
-    <p:wipe/>
-  </p:transition>
+  <mc:AlternateContent xmlns:mc="http://schemas.openxmlformats.org/markup-compatibility/2006">
+    <mc:Choice xmlns:p14="http://schemas.microsoft.com/office/powerpoint/2010/main" Requires="p14">
+      <p:transition p14:dur="250">
+        <p:fade/>
+      </p:transition>
+    </mc:Choice>
+    <mc:Fallback>
+      <p:transition>
+        <p:fade/>
+      </p:transition>
+    </mc:Fallback>
+  </mc:AlternateContent>
   <p:timing>
     <p:tnLst>
       <p:par>
@@ -8151,8 +8983,8 @@
         </p:nvSpPr>
         <p:spPr>
           <a:xfrm>
-            <a:off x="-1263701" y="-353786"/>
-            <a:ext cx="6447501" cy="990600"/>
+            <a:off x="300446" y="378004"/>
+            <a:ext cx="5591342" cy="830307"/>
           </a:xfrm>
         </p:spPr>
         <p:txBody>
@@ -8161,22 +8993,35 @@
           </a:bodyPr>
           <a:lstStyle/>
           <a:p>
-            <a:r>
-              <a:rPr lang="en-US" sz="3400">
+            <a:pPr algn="l"/>
+            <a:r>
+              <a:rPr lang="en-US" sz="4400">
+                <a:solidFill>
+                  <a:schemeClr val="tx1"/>
+                </a:solidFill>
+                <a:effectLst/>
                 <a:latin typeface="Times New Roman" pitchFamily="18" charset="0"/>
                 <a:cs typeface="Times New Roman" pitchFamily="18" charset="0"/>
               </a:rPr>
               <a:t>1. </a:t>
             </a:r>
             <a:r>
-              <a:rPr lang="en-US" sz="3400" err="1">
+              <a:rPr lang="en-US" sz="4400" err="1">
+                <a:solidFill>
+                  <a:schemeClr val="tx1"/>
+                </a:solidFill>
+                <a:effectLst/>
                 <a:latin typeface="Times New Roman" pitchFamily="18" charset="0"/>
                 <a:cs typeface="Times New Roman" pitchFamily="18" charset="0"/>
               </a:rPr>
               <a:t>Giới</a:t>
             </a:r>
             <a:r>
-              <a:rPr lang="en-US" sz="3400">
+              <a:rPr lang="en-US" sz="4400">
+                <a:solidFill>
+                  <a:schemeClr val="tx1"/>
+                </a:solidFill>
+                <a:effectLst/>
                 <a:latin typeface="Times New Roman" pitchFamily="18" charset="0"/>
                 <a:cs typeface="Times New Roman" pitchFamily="18" charset="0"/>
               </a:rPr>
@@ -8197,8 +9042,8 @@
         </p:nvSpPr>
         <p:spPr>
           <a:xfrm>
-            <a:off x="100761" y="922317"/>
-            <a:ext cx="8740959" cy="4436918"/>
+            <a:off x="300446" y="1474152"/>
+            <a:ext cx="9425447" cy="4616359"/>
           </a:xfrm>
         </p:spPr>
         <p:txBody>
@@ -8212,11 +9057,9 @@
               <a:buChar char="Ø"/>
             </a:pPr>
             <a:r>
-              <a:rPr lang="en-US" sz="1900">
-                <a:solidFill>
-                  <a:schemeClr val="bg1">
-                    <a:lumMod val="50000"/>
-                  </a:schemeClr>
+              <a:rPr lang="en-US">
+                <a:solidFill>
+                  <a:schemeClr val="tx1"/>
                 </a:solidFill>
                 <a:latin typeface="Times New Roman" pitchFamily="18" charset="0"/>
                 <a:cs typeface="Times New Roman" pitchFamily="18" charset="0"/>
@@ -8224,22 +9067,60 @@
               <a:t>Hiện nay, việc quản lý ứng dụng công nghệ thông tin có ảnh hưởng tới nhiều ngành nghề khác nhau của xã hội, nhất là trong xã hội phát triển có sử dụng lượng tri thức </a:t>
             </a:r>
             <a:r>
-              <a:rPr lang="en-US" sz="1900" smtClean="0">
-                <a:solidFill>
-                  <a:schemeClr val="bg1">
-                    <a:lumMod val="50000"/>
-                  </a:schemeClr>
+              <a:rPr lang="en-US">
+                <a:solidFill>
+                  <a:schemeClr val="tx1"/>
                 </a:solidFill>
                 <a:latin typeface="Times New Roman" pitchFamily="18" charset="0"/>
                 <a:cs typeface="Times New Roman" pitchFamily="18" charset="0"/>
               </a:rPr>
               <a:t>cao [1]. </a:t>
             </a:r>
-            <a:endParaRPr lang="en-US" sz="1900" smtClean="0">
+          </a:p>
+          <a:p>
+            <a:pPr algn="just">
+              <a:buFont typeface="Wingdings" pitchFamily="2" charset="2"/>
+              <a:buChar char="Ø"/>
+            </a:pPr>
+            <a:r>
+              <a:rPr lang="en-US">
+                <a:solidFill>
+                  <a:schemeClr val="tx1"/>
+                </a:solidFill>
+                <a:latin typeface="Times New Roman" pitchFamily="18" charset="0"/>
+                <a:cs typeface="Times New Roman" pitchFamily="18" charset="0"/>
+              </a:rPr>
+              <a:t>Áp </a:t>
+            </a:r>
+            <a:r>
+              <a:rPr lang="en-US">
+                <a:solidFill>
+                  <a:schemeClr val="tx1"/>
+                </a:solidFill>
+                <a:latin typeface="Times New Roman" pitchFamily="18" charset="0"/>
+                <a:cs typeface="Times New Roman" pitchFamily="18" charset="0"/>
+              </a:rPr>
+              <a:t>dụng công nghệ thông tin thay thế cho các hình thức truyền thống mang lại nhiều lợi ích trong nhiều lĩnh vực của đời sống từ thương mại, giáo dục cho đến quản lý hành chính.</a:t>
+            </a:r>
+          </a:p>
+          <a:p>
+            <a:pPr algn="just">
+              <a:buFont typeface="Wingdings" pitchFamily="2" charset="2"/>
+              <a:buChar char="Ø"/>
+            </a:pPr>
+            <a:r>
+              <a:rPr lang="en-US">
+                <a:solidFill>
+                  <a:schemeClr val="tx1"/>
+                </a:solidFill>
+                <a:latin typeface="Times New Roman" pitchFamily="18" charset="0"/>
+                <a:cs typeface="Times New Roman" pitchFamily="18" charset="0"/>
+              </a:rPr>
+              <a:t>Quản lý nhân sự có ý nghĩa quan trọng và không thể thiếu trong việc quản lý các hoạt động của một tổ chức hay doanh nghiệp thương mại. </a:t>
+            </a:r>
+            <a:endParaRPr lang="en-US">
               <a:solidFill>
-                <a:schemeClr val="bg1">
-                  <a:lumMod val="50000"/>
-                </a:schemeClr>
+                <a:schemeClr val="tx1"/>
               </a:solidFill>
               <a:latin typeface="Times New Roman" pitchFamily="18" charset="0"/>
               <a:cs typeface="Times New Roman" pitchFamily="18" charset="0"/>
@@ -8251,28 +9132,64 @@
               <a:buChar char="Ø"/>
             </a:pPr>
             <a:r>
-              <a:rPr lang="en-US" sz="1900" smtClean="0">
-                <a:solidFill>
-                  <a:schemeClr val="bg1">
-                    <a:lumMod val="50000"/>
-                  </a:schemeClr>
-                </a:solidFill>
-                <a:latin typeface="Times New Roman" pitchFamily="18" charset="0"/>
-                <a:cs typeface="Times New Roman" pitchFamily="18" charset="0"/>
-              </a:rPr>
-              <a:t>Áp </a:t>
-            </a:r>
-            <a:r>
-              <a:rPr lang="en-US" sz="1900">
-                <a:solidFill>
-                  <a:schemeClr val="bg1">
-                    <a:lumMod val="50000"/>
-                  </a:schemeClr>
-                </a:solidFill>
-                <a:latin typeface="Times New Roman" pitchFamily="18" charset="0"/>
-                <a:cs typeface="Times New Roman" pitchFamily="18" charset="0"/>
-              </a:rPr>
-              <a:t>dụng công nghệ thông tin thay thế cho các hình thức truyền thống mang lại nhiều lợi ích trong nhiều lĩnh vực của đời sống từ thương mại, giáo dục cho đến quản lý hành chính.</a:t>
+              <a:rPr lang="en-US">
+                <a:solidFill>
+                  <a:schemeClr val="tx1"/>
+                </a:solidFill>
+                <a:latin typeface="Times New Roman" pitchFamily="18" charset="0"/>
+                <a:cs typeface="Times New Roman" pitchFamily="18" charset="0"/>
+              </a:rPr>
+              <a:t>Một </a:t>
+            </a:r>
+            <a:r>
+              <a:rPr lang="en-US">
+                <a:solidFill>
+                  <a:schemeClr val="tx1"/>
+                </a:solidFill>
+                <a:latin typeface="Times New Roman" pitchFamily="18" charset="0"/>
+                <a:cs typeface="Times New Roman" pitchFamily="18" charset="0"/>
+              </a:rPr>
+              <a:t>trong những khía cạnh của quản lý nhân sự, quản lý kỹ năng nhân sự là một yếu tố giúp việc tuyển dụng, sắp </a:t>
+            </a:r>
+            <a:r>
+              <a:rPr lang="en-US">
+                <a:solidFill>
+                  <a:schemeClr val="tx1"/>
+                </a:solidFill>
+                <a:latin typeface="Times New Roman" pitchFamily="18" charset="0"/>
+                <a:cs typeface="Times New Roman" pitchFamily="18" charset="0"/>
+              </a:rPr>
+              <a:t>xếp </a:t>
+            </a:r>
+            <a:r>
+              <a:rPr lang="en-US" smtClean="0">
+                <a:solidFill>
+                  <a:schemeClr val="tx1"/>
+                </a:solidFill>
+                <a:latin typeface="Times New Roman" pitchFamily="18" charset="0"/>
+                <a:cs typeface="Times New Roman" pitchFamily="18" charset="0"/>
+              </a:rPr>
+              <a:t>nhân sự vào </a:t>
+            </a:r>
+            <a:r>
+              <a:rPr lang="en-US">
+                <a:solidFill>
+                  <a:schemeClr val="tx1"/>
+                </a:solidFill>
+                <a:latin typeface="Times New Roman" pitchFamily="18" charset="0"/>
+                <a:cs typeface="Times New Roman" pitchFamily="18" charset="0"/>
+              </a:rPr>
+              <a:t>các dự án hiệu quả</a:t>
+            </a:r>
+            <a:r>
+              <a:rPr lang="en-US">
+                <a:solidFill>
+                  <a:schemeClr val="tx1"/>
+                </a:solidFill>
+                <a:latin typeface="Times New Roman" pitchFamily="18" charset="0"/>
+                <a:cs typeface="Times New Roman" pitchFamily="18" charset="0"/>
+              </a:rPr>
+              <a:t>.</a:t>
             </a:r>
           </a:p>
           <a:p>
@@ -8280,132 +9197,42 @@
               <a:buFont typeface="Wingdings" pitchFamily="2" charset="2"/>
               <a:buChar char="Ø"/>
             </a:pPr>
-            <a:r>
-              <a:rPr lang="en-US" sz="1900">
-                <a:solidFill>
-                  <a:schemeClr val="bg1">
-                    <a:lumMod val="50000"/>
-                  </a:schemeClr>
-                </a:solidFill>
-                <a:latin typeface="Times New Roman" pitchFamily="18" charset="0"/>
-                <a:cs typeface="Times New Roman" pitchFamily="18" charset="0"/>
-              </a:rPr>
-              <a:t>Quản lý nhân sự có ý nghĩa quan trọng và không thể thiếu trong việc quản lý các hoạt động của một tổ chức hay doanh nghiệp thương mại. </a:t>
-            </a:r>
-            <a:endParaRPr lang="en-US" sz="1900" smtClean="0">
+            <a:endParaRPr lang="en-US">
               <a:solidFill>
-                <a:schemeClr val="bg1">
-                  <a:lumMod val="50000"/>
-                </a:schemeClr>
+                <a:schemeClr val="tx1"/>
               </a:solidFill>
               <a:latin typeface="Times New Roman" pitchFamily="18" charset="0"/>
               <a:cs typeface="Times New Roman" pitchFamily="18" charset="0"/>
             </a:endParaRPr>
           </a:p>
           <a:p>
-            <a:pPr algn="just">
-              <a:buFont typeface="Wingdings" pitchFamily="2" charset="2"/>
-              <a:buChar char="Ø"/>
-            </a:pPr>
-            <a:r>
-              <a:rPr lang="en-US" sz="1900" smtClean="0">
-                <a:solidFill>
-                  <a:schemeClr val="bg1">
-                    <a:lumMod val="50000"/>
-                  </a:schemeClr>
-                </a:solidFill>
-                <a:latin typeface="Times New Roman" pitchFamily="18" charset="0"/>
-                <a:cs typeface="Times New Roman" pitchFamily="18" charset="0"/>
-              </a:rPr>
-              <a:t>Một </a:t>
-            </a:r>
-            <a:r>
-              <a:rPr lang="en-US" sz="1900">
-                <a:solidFill>
-                  <a:schemeClr val="bg1">
-                    <a:lumMod val="50000"/>
-                  </a:schemeClr>
-                </a:solidFill>
-                <a:latin typeface="Times New Roman" pitchFamily="18" charset="0"/>
-                <a:cs typeface="Times New Roman" pitchFamily="18" charset="0"/>
-              </a:rPr>
-              <a:t>trong những khía cạnh của quản lý nhân sự, quản lý kỹ năng nhân sự là một yếu tố giúp việc tuyển dụng, sắp xếp vào các dự án hiệu quả</a:t>
-            </a:r>
-            <a:r>
-              <a:rPr lang="en-US" sz="1900" smtClean="0">
-                <a:solidFill>
-                  <a:schemeClr val="bg1">
-                    <a:lumMod val="50000"/>
-                  </a:schemeClr>
-                </a:solidFill>
-                <a:latin typeface="Times New Roman" pitchFamily="18" charset="0"/>
-                <a:cs typeface="Times New Roman" pitchFamily="18" charset="0"/>
-              </a:rPr>
-              <a:t>.</a:t>
-            </a:r>
-          </a:p>
-          <a:p>
-            <a:pPr algn="just">
-              <a:buFont typeface="Wingdings" pitchFamily="2" charset="2"/>
-              <a:buChar char="Ø"/>
-            </a:pPr>
-            <a:endParaRPr lang="en-US" sz="1900">
-              <a:solidFill>
-                <a:schemeClr val="bg1">
-                  <a:lumMod val="50000"/>
-                </a:schemeClr>
-              </a:solidFill>
-              <a:latin typeface="Times New Roman" pitchFamily="18" charset="0"/>
-              <a:cs typeface="Times New Roman" pitchFamily="18" charset="0"/>
-            </a:endParaRPr>
-          </a:p>
-          <a:p>
             <a:pPr marL="0" indent="0" algn="just">
               <a:buNone/>
             </a:pPr>
             <a:r>
-              <a:rPr lang="en-US" sz="1900" smtClean="0">
-                <a:solidFill>
-                  <a:schemeClr val="bg1">
-                    <a:lumMod val="50000"/>
-                  </a:schemeClr>
+              <a:rPr lang="en-US">
+                <a:solidFill>
+                  <a:schemeClr val="tx1"/>
                 </a:solidFill>
                 <a:latin typeface="Times New Roman" pitchFamily="18" charset="0"/>
                 <a:cs typeface="Times New Roman" pitchFamily="18" charset="0"/>
                 <a:sym typeface="Wingdings" pitchFamily="2" charset="2"/>
               </a:rPr>
-              <a:t> </a:t>
-            </a:r>
-            <a:r>
-              <a:rPr lang="en-US" sz="1900" smtClean="0">
-                <a:solidFill>
-                  <a:schemeClr val="bg1">
-                    <a:lumMod val="50000"/>
-                  </a:schemeClr>
-                </a:solidFill>
-                <a:latin typeface="Times New Roman" pitchFamily="18" charset="0"/>
-                <a:cs typeface="Times New Roman" pitchFamily="18" charset="0"/>
-                <a:sym typeface="Wingdings" pitchFamily="2" charset="2"/>
-              </a:rPr>
-              <a:t>Nhóm thực hiện đề tài </a:t>
-            </a:r>
-            <a:r>
-              <a:rPr lang="en-US" sz="1900" smtClean="0">
-                <a:solidFill>
-                  <a:schemeClr val="bg1">
-                    <a:lumMod val="50000"/>
-                  </a:schemeClr>
+              <a:t> Nhóm thực hiện đề tài </a:t>
+            </a:r>
+            <a:r>
+              <a:rPr lang="en-US">
+                <a:solidFill>
+                  <a:schemeClr val="tx1"/>
                 </a:solidFill>
                 <a:latin typeface="Times New Roman" pitchFamily="18" charset="0"/>
                 <a:cs typeface="Times New Roman" pitchFamily="18" charset="0"/>
               </a:rPr>
               <a:t>tìm hiểu và xây dựng hệ thống quản lý kỹ năng của nhân viên. </a:t>
             </a:r>
-            <a:endParaRPr lang="en-US" sz="1900">
+            <a:endParaRPr lang="en-US">
               <a:solidFill>
-                <a:schemeClr val="bg1">
-                  <a:lumMod val="50000"/>
-                </a:schemeClr>
+                <a:schemeClr val="tx1"/>
               </a:solidFill>
               <a:latin typeface="Times New Roman" pitchFamily="18" charset="0"/>
               <a:cs typeface="Times New Roman" pitchFamily="18" charset="0"/>
@@ -8460,8 +9287,8 @@
         </p:blipFill>
         <p:spPr bwMode="auto">
           <a:xfrm>
-            <a:off x="6590160" y="0"/>
-            <a:ext cx="1204309" cy="939114"/>
+            <a:off x="8401153" y="175287"/>
+            <a:ext cx="1324740" cy="1033025"/>
           </a:xfrm>
           <a:prstGeom prst="rect">
             <a:avLst/>
@@ -8488,9 +9315,18 @@
   <p:clrMapOvr>
     <a:masterClrMapping/>
   </p:clrMapOvr>
-  <p:transition spd="slow">
-    <p:cover/>
-  </p:transition>
+  <mc:AlternateContent xmlns:mc="http://schemas.openxmlformats.org/markup-compatibility/2006">
+    <mc:Choice xmlns:p14="http://schemas.microsoft.com/office/powerpoint/2010/main" Requires="p14">
+      <p:transition p14:dur="250">
+        <p:fade/>
+      </p:transition>
+    </mc:Choice>
+    <mc:Fallback>
+      <p:transition>
+        <p:fade/>
+      </p:transition>
+    </mc:Fallback>
+  </mc:AlternateContent>
   <p:timing>
     <p:tnLst>
       <p:par>
@@ -8512,7 +9348,7 @@
                             </p:stCondLst>
                             <p:childTnLst>
                               <p:par>
-                                <p:cTn id="5" presetID="22" presetClass="entr" presetSubtype="4" fill="hold" nodeType="clickEffect">
+                                <p:cTn id="5" presetID="1" presetClass="entr" presetSubtype="0" fill="hold" nodeType="clickEffect">
                                   <p:stCondLst>
                                     <p:cond delay="0"/>
                                   </p:stCondLst>
@@ -8539,48 +9375,18 @@
                                         <p:strVal val="visible"/>
                                       </p:to>
                                     </p:set>
-                                    <p:animEffect transition="in" filter="wipe(down)">
-                                      <p:cBhvr>
-                                        <p:cTn id="7" dur="500"/>
-                                        <p:tgtEl>
-                                          <p:spTgt spid="3">
-                                            <p:txEl>
-                                              <p:pRg st="0" end="0"/>
-                                            </p:txEl>
-                                          </p:spTgt>
-                                        </p:tgtEl>
-                                      </p:cBhvr>
-                                    </p:animEffect>
                                   </p:childTnLst>
                                 </p:cTn>
                               </p:par>
-                            </p:childTnLst>
-                          </p:cTn>
-                        </p:par>
-                      </p:childTnLst>
-                    </p:cTn>
-                  </p:par>
-                  <p:par>
-                    <p:cTn id="8" fill="hold">
-                      <p:stCondLst>
-                        <p:cond delay="indefinite"/>
-                      </p:stCondLst>
-                      <p:childTnLst>
-                        <p:par>
-                          <p:cTn id="9" fill="hold">
-                            <p:stCondLst>
-                              <p:cond delay="0"/>
-                            </p:stCondLst>
-                            <p:childTnLst>
                               <p:par>
-                                <p:cTn id="10" presetID="22" presetClass="entr" presetSubtype="4" fill="hold" nodeType="clickEffect">
+                                <p:cTn id="7" presetID="1" presetClass="entr" presetSubtype="0" fill="hold" nodeType="withEffect">
                                   <p:stCondLst>
                                     <p:cond delay="0"/>
                                   </p:stCondLst>
                                   <p:childTnLst>
                                     <p:set>
                                       <p:cBhvr>
-                                        <p:cTn id="11" dur="1" fill="hold">
+                                        <p:cTn id="8" dur="1" fill="hold">
                                           <p:stCondLst>
                                             <p:cond delay="0"/>
                                           </p:stCondLst>
@@ -8600,18 +9406,68 @@
                                         <p:strVal val="visible"/>
                                       </p:to>
                                     </p:set>
-                                    <p:animEffect transition="in" filter="wipe(down)">
+                                  </p:childTnLst>
+                                </p:cTn>
+                              </p:par>
+                              <p:par>
+                                <p:cTn id="9" presetID="1" presetClass="entr" presetSubtype="0" fill="hold" nodeType="withEffect">
+                                  <p:stCondLst>
+                                    <p:cond delay="0"/>
+                                  </p:stCondLst>
+                                  <p:childTnLst>
+                                    <p:set>
                                       <p:cBhvr>
-                                        <p:cTn id="12" dur="500"/>
+                                        <p:cTn id="10" dur="1" fill="hold">
+                                          <p:stCondLst>
+                                            <p:cond delay="0"/>
+                                          </p:stCondLst>
+                                        </p:cTn>
                                         <p:tgtEl>
                                           <p:spTgt spid="3">
                                             <p:txEl>
-                                              <p:pRg st="1" end="1"/>
+                                              <p:pRg st="2" end="2"/>
                                             </p:txEl>
                                           </p:spTgt>
                                         </p:tgtEl>
+                                        <p:attrNameLst>
+                                          <p:attrName>style.visibility</p:attrName>
+                                        </p:attrNameLst>
                                       </p:cBhvr>
-                                    </p:animEffect>
+                                      <p:to>
+                                        <p:strVal val="visible"/>
+                                      </p:to>
+                                    </p:set>
+                                  </p:childTnLst>
+                                </p:cTn>
+                              </p:par>
+                              <p:par>
+                                <p:cTn id="11" presetID="1" presetClass="entr" presetSubtype="0" fill="hold" nodeType="withEffect">
+                                  <p:stCondLst>
+                                    <p:cond delay="0"/>
+                                  </p:stCondLst>
+                                  <p:childTnLst>
+                                    <p:set>
+                                      <p:cBhvr>
+                                        <p:cTn id="12" dur="1" fill="hold">
+                                          <p:stCondLst>
+                                            <p:cond delay="0"/>
+                                          </p:stCondLst>
+                                        </p:cTn>
+                                        <p:tgtEl>
+                                          <p:spTgt spid="3">
+                                            <p:txEl>
+                                              <p:pRg st="3" end="3"/>
+                                            </p:txEl>
+                                          </p:spTgt>
+                                        </p:tgtEl>
+                                        <p:attrNameLst>
+                                          <p:attrName>style.visibility</p:attrName>
+                                        </p:attrNameLst>
+                                      </p:cBhvr>
+                                      <p:to>
+                                        <p:strVal val="visible"/>
+                                      </p:to>
+                                    </p:set>
                                   </p:childTnLst>
                                 </p:cTn>
                               </p:par>
@@ -8634,7 +9490,7 @@
                             </p:stCondLst>
                             <p:childTnLst>
                               <p:par>
-                                <p:cTn id="15" presetID="22" presetClass="entr" presetSubtype="4" fill="hold" nodeType="clickEffect">
+                                <p:cTn id="15" presetID="1" presetClass="entr" presetSubtype="0" fill="hold" nodeType="clickEffect">
                                   <p:stCondLst>
                                     <p:cond delay="0"/>
                                   </p:stCondLst>
@@ -8642,128 +9498,6 @@
                                     <p:set>
                                       <p:cBhvr>
                                         <p:cTn id="16" dur="1" fill="hold">
-                                          <p:stCondLst>
-                                            <p:cond delay="0"/>
-                                          </p:stCondLst>
-                                        </p:cTn>
-                                        <p:tgtEl>
-                                          <p:spTgt spid="3">
-                                            <p:txEl>
-                                              <p:pRg st="2" end="2"/>
-                                            </p:txEl>
-                                          </p:spTgt>
-                                        </p:tgtEl>
-                                        <p:attrNameLst>
-                                          <p:attrName>style.visibility</p:attrName>
-                                        </p:attrNameLst>
-                                      </p:cBhvr>
-                                      <p:to>
-                                        <p:strVal val="visible"/>
-                                      </p:to>
-                                    </p:set>
-                                    <p:animEffect transition="in" filter="wipe(down)">
-                                      <p:cBhvr>
-                                        <p:cTn id="17" dur="500"/>
-                                        <p:tgtEl>
-                                          <p:spTgt spid="3">
-                                            <p:txEl>
-                                              <p:pRg st="2" end="2"/>
-                                            </p:txEl>
-                                          </p:spTgt>
-                                        </p:tgtEl>
-                                      </p:cBhvr>
-                                    </p:animEffect>
-                                  </p:childTnLst>
-                                </p:cTn>
-                              </p:par>
-                            </p:childTnLst>
-                          </p:cTn>
-                        </p:par>
-                      </p:childTnLst>
-                    </p:cTn>
-                  </p:par>
-                  <p:par>
-                    <p:cTn id="18" fill="hold">
-                      <p:stCondLst>
-                        <p:cond delay="indefinite"/>
-                      </p:stCondLst>
-                      <p:childTnLst>
-                        <p:par>
-                          <p:cTn id="19" fill="hold">
-                            <p:stCondLst>
-                              <p:cond delay="0"/>
-                            </p:stCondLst>
-                            <p:childTnLst>
-                              <p:par>
-                                <p:cTn id="20" presetID="22" presetClass="entr" presetSubtype="4" fill="hold" nodeType="clickEffect">
-                                  <p:stCondLst>
-                                    <p:cond delay="0"/>
-                                  </p:stCondLst>
-                                  <p:childTnLst>
-                                    <p:set>
-                                      <p:cBhvr>
-                                        <p:cTn id="21" dur="1" fill="hold">
-                                          <p:stCondLst>
-                                            <p:cond delay="0"/>
-                                          </p:stCondLst>
-                                        </p:cTn>
-                                        <p:tgtEl>
-                                          <p:spTgt spid="3">
-                                            <p:txEl>
-                                              <p:pRg st="3" end="3"/>
-                                            </p:txEl>
-                                          </p:spTgt>
-                                        </p:tgtEl>
-                                        <p:attrNameLst>
-                                          <p:attrName>style.visibility</p:attrName>
-                                        </p:attrNameLst>
-                                      </p:cBhvr>
-                                      <p:to>
-                                        <p:strVal val="visible"/>
-                                      </p:to>
-                                    </p:set>
-                                    <p:animEffect transition="in" filter="wipe(down)">
-                                      <p:cBhvr>
-                                        <p:cTn id="22" dur="500"/>
-                                        <p:tgtEl>
-                                          <p:spTgt spid="3">
-                                            <p:txEl>
-                                              <p:pRg st="3" end="3"/>
-                                            </p:txEl>
-                                          </p:spTgt>
-                                        </p:tgtEl>
-                                      </p:cBhvr>
-                                    </p:animEffect>
-                                  </p:childTnLst>
-                                </p:cTn>
-                              </p:par>
-                            </p:childTnLst>
-                          </p:cTn>
-                        </p:par>
-                      </p:childTnLst>
-                    </p:cTn>
-                  </p:par>
-                  <p:par>
-                    <p:cTn id="23" fill="hold">
-                      <p:stCondLst>
-                        <p:cond delay="indefinite"/>
-                      </p:stCondLst>
-                      <p:childTnLst>
-                        <p:par>
-                          <p:cTn id="24" fill="hold">
-                            <p:stCondLst>
-                              <p:cond delay="0"/>
-                            </p:stCondLst>
-                            <p:childTnLst>
-                              <p:par>
-                                <p:cTn id="25" presetID="22" presetClass="entr" presetSubtype="4" fill="hold" nodeType="clickEffect">
-                                  <p:stCondLst>
-                                    <p:cond delay="0"/>
-                                  </p:stCondLst>
-                                  <p:childTnLst>
-                                    <p:set>
-                                      <p:cBhvr>
-                                        <p:cTn id="26" dur="1" fill="hold">
                                           <p:stCondLst>
                                             <p:cond delay="0"/>
                                           </p:stCondLst>
@@ -8783,18 +9517,6 @@
                                         <p:strVal val="visible"/>
                                       </p:to>
                                     </p:set>
-                                    <p:animEffect transition="in" filter="wipe(down)">
-                                      <p:cBhvr>
-                                        <p:cTn id="27" dur="500"/>
-                                        <p:tgtEl>
-                                          <p:spTgt spid="3">
-                                            <p:txEl>
-                                              <p:pRg st="5" end="5"/>
-                                            </p:txEl>
-                                          </p:spTgt>
-                                        </p:tgtEl>
-                                      </p:cBhvr>
-                                    </p:animEffect>
                                   </p:childTnLst>
                                 </p:cTn>
                               </p:par>
@@ -8858,8 +9580,8 @@
         </p:nvSpPr>
         <p:spPr>
           <a:xfrm>
-            <a:off x="-1615907" y="-600075"/>
-            <a:ext cx="8229600" cy="1200150"/>
+            <a:off x="418010" y="352697"/>
+            <a:ext cx="6310309" cy="881334"/>
           </a:xfrm>
         </p:spPr>
         <p:txBody>
@@ -8868,21 +9590,34 @@
           </a:bodyPr>
           <a:lstStyle/>
           <a:p>
-            <a:r>
-              <a:rPr lang="en-US" sz="3400">
-                <a:latin typeface="Times New Roman" pitchFamily="18" charset="0"/>
+            <a:pPr algn="l"/>
+            <a:r>
+              <a:rPr lang="en-US" sz="4400">
+                <a:solidFill>
+                  <a:schemeClr val="tx1"/>
+                </a:solidFill>
+                <a:effectLst/>
+                <a:latin typeface="Times New Roman" panose="02020603050405020304" pitchFamily="18" charset="0"/>
                 <a:cs typeface="Times New Roman" pitchFamily="18" charset="0"/>
               </a:rPr>
               <a:t>2. Mục </a:t>
             </a:r>
             <a:r>
-              <a:rPr lang="en-US" sz="3400" smtClean="0">
+              <a:rPr lang="en-US" sz="4400">
+                <a:solidFill>
+                  <a:schemeClr val="tx1"/>
+                </a:solidFill>
+                <a:effectLst/>
                 <a:latin typeface="Times New Roman" pitchFamily="18" charset="0"/>
                 <a:cs typeface="Times New Roman" pitchFamily="18" charset="0"/>
               </a:rPr>
               <a:t>tiêu, phạm vi đề tài</a:t>
             </a:r>
-            <a:endParaRPr lang="en-US" sz="3400">
+            <a:endParaRPr lang="en-US" sz="4400">
+              <a:solidFill>
+                <a:schemeClr val="tx1"/>
+              </a:solidFill>
+              <a:effectLst/>
               <a:latin typeface="Times New Roman" pitchFamily="18" charset="0"/>
               <a:cs typeface="Times New Roman" pitchFamily="18" charset="0"/>
             </a:endParaRPr>
@@ -8901,8 +9636,8 @@
         </p:nvSpPr>
         <p:spPr>
           <a:xfrm>
-            <a:off x="336898" y="725210"/>
-            <a:ext cx="8630771" cy="4102607"/>
+            <a:off x="418010" y="1397806"/>
+            <a:ext cx="9196253" cy="4958546"/>
           </a:xfrm>
         </p:spPr>
         <p:txBody>
@@ -8916,7 +9651,10 @@
               <a:buChar char="Ø"/>
             </a:pPr>
             <a:r>
-              <a:rPr lang="en-US" sz="1900">
+              <a:rPr lang="en-US">
+                <a:solidFill>
+                  <a:schemeClr val="tx1"/>
+                </a:solidFill>
                 <a:latin typeface="Times New Roman" pitchFamily="18" charset="0"/>
                 <a:cs typeface="Times New Roman" pitchFamily="18" charset="0"/>
               </a:rPr>
@@ -8929,7 +9667,10 @@
               <a:buChar char="Ø"/>
             </a:pPr>
             <a:r>
-              <a:rPr lang="en-US" sz="1900">
+              <a:rPr lang="en-US">
+                <a:solidFill>
+                  <a:schemeClr val="tx1"/>
+                </a:solidFill>
                 <a:latin typeface="Times New Roman" pitchFamily="18" charset="0"/>
                 <a:cs typeface="Times New Roman" pitchFamily="18" charset="0"/>
               </a:rPr>
@@ -8942,7 +9683,10 @@
               <a:buChar char="ü"/>
             </a:pPr>
             <a:r>
-              <a:rPr lang="en-US" sz="1900">
+              <a:rPr lang="en-US" sz="2200">
+                <a:solidFill>
+                  <a:schemeClr val="tx1"/>
+                </a:solidFill>
                 <a:latin typeface="Times New Roman" pitchFamily="18" charset="0"/>
                 <a:cs typeface="Times New Roman" pitchFamily="18" charset="0"/>
               </a:rPr>
@@ -8955,39 +9699,114 @@
               <a:buChar char="ü"/>
             </a:pPr>
             <a:r>
-              <a:rPr lang="en-US" sz="1900">
+              <a:rPr lang="en-US" sz="2200">
+                <a:solidFill>
+                  <a:schemeClr val="tx1"/>
+                </a:solidFill>
                 <a:latin typeface="Times New Roman" pitchFamily="18" charset="0"/>
                 <a:cs typeface="Times New Roman" pitchFamily="18" charset="0"/>
               </a:rPr>
               <a:t>Chức năng dành cho nhân viên </a:t>
             </a:r>
             <a:r>
-              <a:rPr lang="en-US" sz="1900" smtClean="0">
+              <a:rPr lang="en-US" sz="2200">
+                <a:solidFill>
+                  <a:schemeClr val="tx1"/>
+                </a:solidFill>
                 <a:latin typeface="Times New Roman" pitchFamily="18" charset="0"/>
                 <a:cs typeface="Times New Roman" pitchFamily="18" charset="0"/>
               </a:rPr>
               <a:t>nhân sự: </a:t>
             </a:r>
             <a:r>
-              <a:rPr lang="en-US" sz="1900">
-                <a:latin typeface="Times New Roman" pitchFamily="18" charset="0"/>
-                <a:cs typeface="Times New Roman" pitchFamily="18" charset="0"/>
-              </a:rPr>
-              <a:t>quản lý, cập nhật, xác thực thông tin hồ sơ của toàn bộ của nhân viên. Thống kê kỹ năng. </a:t>
-            </a:r>
-            <a:r>
-              <a:rPr lang="en-US" sz="1900" smtClean="0">
+              <a:rPr lang="en-US" sz="2200">
+                <a:solidFill>
+                  <a:schemeClr val="tx1"/>
+                </a:solidFill>
+                <a:latin typeface="Times New Roman" pitchFamily="18" charset="0"/>
+                <a:cs typeface="Times New Roman" pitchFamily="18" charset="0"/>
+              </a:rPr>
+              <a:t>quản lý, cập nhật, xác thực thông tin hồ sơ của toàn </a:t>
+            </a:r>
+            <a:r>
+              <a:rPr lang="en-US" sz="2200">
+                <a:solidFill>
+                  <a:schemeClr val="tx1"/>
+                </a:solidFill>
+                <a:latin typeface="Times New Roman" pitchFamily="18" charset="0"/>
+                <a:cs typeface="Times New Roman" pitchFamily="18" charset="0"/>
+              </a:rPr>
+              <a:t>bộ </a:t>
+            </a:r>
+            <a:r>
+              <a:rPr lang="en-US" sz="2200" smtClean="0">
+                <a:solidFill>
+                  <a:schemeClr val="tx1"/>
+                </a:solidFill>
+                <a:latin typeface="Times New Roman" pitchFamily="18" charset="0"/>
+                <a:cs typeface="Times New Roman" pitchFamily="18" charset="0"/>
+              </a:rPr>
+              <a:t>nhân </a:t>
+            </a:r>
+            <a:r>
+              <a:rPr lang="en-US" sz="2200">
+                <a:solidFill>
+                  <a:schemeClr val="tx1"/>
+                </a:solidFill>
+                <a:latin typeface="Times New Roman" pitchFamily="18" charset="0"/>
+                <a:cs typeface="Times New Roman" pitchFamily="18" charset="0"/>
+              </a:rPr>
+              <a:t>viên. Thống kê kỹ năng. </a:t>
+            </a:r>
+            <a:r>
+              <a:rPr lang="en-US" sz="2200">
+                <a:solidFill>
+                  <a:schemeClr val="tx1"/>
+                </a:solidFill>
                 <a:latin typeface="Times New Roman" pitchFamily="18" charset="0"/>
                 <a:cs typeface="Times New Roman" pitchFamily="18" charset="0"/>
               </a:rPr>
               <a:t>Xem </a:t>
             </a:r>
             <a:r>
-              <a:rPr lang="en-US" sz="1900">
-                <a:latin typeface="Times New Roman" pitchFamily="18" charset="0"/>
-                <a:cs typeface="Times New Roman" pitchFamily="18" charset="0"/>
-              </a:rPr>
-              <a:t>nhật ký thay đổi hồ sơ của nhân viên. Quản lý dữ liệu hiển thị động của hệ thống.</a:t>
+              <a:rPr lang="en-US" sz="2200">
+                <a:solidFill>
+                  <a:schemeClr val="tx1"/>
+                </a:solidFill>
+                <a:latin typeface="Times New Roman" pitchFamily="18" charset="0"/>
+                <a:cs typeface="Times New Roman" pitchFamily="18" charset="0"/>
+              </a:rPr>
+              <a:t>nhật ký thay đổi hồ sơ của nhân viên. Quản lý dữ liệu hiển </a:t>
+            </a:r>
+            <a:r>
+              <a:rPr lang="en-US" sz="2200">
+                <a:solidFill>
+                  <a:schemeClr val="tx1"/>
+                </a:solidFill>
+                <a:latin typeface="Times New Roman" pitchFamily="18" charset="0"/>
+                <a:cs typeface="Times New Roman" pitchFamily="18" charset="0"/>
+              </a:rPr>
+              <a:t>thị </a:t>
+            </a:r>
+            <a:r>
+              <a:rPr lang="en-US" sz="2200" smtClean="0">
+                <a:solidFill>
+                  <a:schemeClr val="tx1"/>
+                </a:solidFill>
+                <a:latin typeface="Times New Roman" pitchFamily="18" charset="0"/>
+                <a:cs typeface="Times New Roman" pitchFamily="18" charset="0"/>
+              </a:rPr>
+              <a:t>của </a:t>
+            </a:r>
+            <a:r>
+              <a:rPr lang="en-US" sz="2200">
+                <a:solidFill>
+                  <a:schemeClr val="tx1"/>
+                </a:solidFill>
+                <a:latin typeface="Times New Roman" pitchFamily="18" charset="0"/>
+                <a:cs typeface="Times New Roman" pitchFamily="18" charset="0"/>
+              </a:rPr>
+              <a:t>hệ thống.</a:t>
             </a:r>
           </a:p>
           <a:p>
@@ -8996,33 +9815,132 @@
               <a:buChar char="ü"/>
             </a:pPr>
             <a:r>
-              <a:rPr lang="en-US" sz="1900">
+              <a:rPr lang="en-US" sz="2200">
+                <a:solidFill>
+                  <a:schemeClr val="tx1"/>
+                </a:solidFill>
                 <a:latin typeface="Times New Roman" pitchFamily="18" charset="0"/>
                 <a:cs typeface="Times New Roman" pitchFamily="18" charset="0"/>
               </a:rPr>
               <a:t>Chức năng dành cho nhân viên quản lý dự án của công ty: thêm, chỉnh </a:t>
             </a:r>
             <a:r>
-              <a:rPr lang="en-US" sz="1900" smtClean="0">
+              <a:rPr lang="en-US" sz="2200">
+                <a:solidFill>
+                  <a:schemeClr val="tx1"/>
+                </a:solidFill>
                 <a:latin typeface="Times New Roman" pitchFamily="18" charset="0"/>
                 <a:cs typeface="Times New Roman" pitchFamily="18" charset="0"/>
               </a:rPr>
               <a:t>sửa thông </a:t>
             </a:r>
             <a:r>
-              <a:rPr lang="en-US" sz="1900">
-                <a:latin typeface="Times New Roman" pitchFamily="18" charset="0"/>
-                <a:cs typeface="Times New Roman" pitchFamily="18" charset="0"/>
-              </a:rPr>
-              <a:t>tin các dự án của công ty mà mình đang phụ trách; tìm kiếm nhân viên trong hệ thống phù hợp với dự án đang cần tuyển thêm nhân lực phục vụ quá trình phỏng vấn ứng viên nhanh chóng.</a:t>
-            </a:r>
+              <a:rPr lang="en-US" sz="2200">
+                <a:solidFill>
+                  <a:schemeClr val="tx1"/>
+                </a:solidFill>
+                <a:latin typeface="Times New Roman" pitchFamily="18" charset="0"/>
+                <a:cs typeface="Times New Roman" pitchFamily="18" charset="0"/>
+              </a:rPr>
+              <a:t>tin các dự </a:t>
+            </a:r>
+            <a:r>
+              <a:rPr lang="en-US" sz="2200">
+                <a:solidFill>
+                  <a:schemeClr val="tx1"/>
+                </a:solidFill>
+                <a:latin typeface="Times New Roman" pitchFamily="18" charset="0"/>
+                <a:cs typeface="Times New Roman" pitchFamily="18" charset="0"/>
+              </a:rPr>
+              <a:t>án </a:t>
+            </a:r>
+            <a:r>
+              <a:rPr lang="en-US" sz="2200" smtClean="0">
+                <a:solidFill>
+                  <a:schemeClr val="tx1"/>
+                </a:solidFill>
+                <a:latin typeface="Times New Roman" pitchFamily="18" charset="0"/>
+                <a:cs typeface="Times New Roman" pitchFamily="18" charset="0"/>
+              </a:rPr>
+              <a:t>mà </a:t>
+            </a:r>
+            <a:r>
+              <a:rPr lang="en-US" sz="2200">
+                <a:solidFill>
+                  <a:schemeClr val="tx1"/>
+                </a:solidFill>
+                <a:latin typeface="Times New Roman" pitchFamily="18" charset="0"/>
+                <a:cs typeface="Times New Roman" pitchFamily="18" charset="0"/>
+              </a:rPr>
+              <a:t>mình đang phụ trách; tìm kiếm </a:t>
+            </a:r>
+            <a:r>
+              <a:rPr lang="en-US" sz="2200">
+                <a:solidFill>
+                  <a:schemeClr val="tx1"/>
+                </a:solidFill>
+                <a:latin typeface="Times New Roman" pitchFamily="18" charset="0"/>
+                <a:cs typeface="Times New Roman" pitchFamily="18" charset="0"/>
+              </a:rPr>
+              <a:t>nhân </a:t>
+            </a:r>
+            <a:r>
+              <a:rPr lang="en-US" sz="2200" smtClean="0">
+                <a:solidFill>
+                  <a:schemeClr val="tx1"/>
+                </a:solidFill>
+                <a:latin typeface="Times New Roman" pitchFamily="18" charset="0"/>
+                <a:cs typeface="Times New Roman" pitchFamily="18" charset="0"/>
+              </a:rPr>
+              <a:t>viên phù </a:t>
+            </a:r>
+            <a:r>
+              <a:rPr lang="en-US" sz="2200">
+                <a:solidFill>
+                  <a:schemeClr val="tx1"/>
+                </a:solidFill>
+                <a:latin typeface="Times New Roman" pitchFamily="18" charset="0"/>
+                <a:cs typeface="Times New Roman" pitchFamily="18" charset="0"/>
+              </a:rPr>
+              <a:t>hợp với dự án đang cần tuyển thêm </a:t>
+            </a:r>
+            <a:r>
+              <a:rPr lang="en-US" sz="2200">
+                <a:solidFill>
+                  <a:schemeClr val="tx1"/>
+                </a:solidFill>
+                <a:latin typeface="Times New Roman" pitchFamily="18" charset="0"/>
+                <a:cs typeface="Times New Roman" pitchFamily="18" charset="0"/>
+              </a:rPr>
+              <a:t>nhân </a:t>
+            </a:r>
+            <a:r>
+              <a:rPr lang="en-US" sz="2200" smtClean="0">
+                <a:solidFill>
+                  <a:schemeClr val="tx1"/>
+                </a:solidFill>
+                <a:latin typeface="Times New Roman" pitchFamily="18" charset="0"/>
+                <a:cs typeface="Times New Roman" pitchFamily="18" charset="0"/>
+              </a:rPr>
+              <a:t>lực, tiết kiệm, giảm bớt thời gian tìm kiếm, sàng lọc ứng viên.</a:t>
+            </a:r>
+            <a:endParaRPr lang="en-US" sz="2200">
+              <a:solidFill>
+                <a:schemeClr val="tx1"/>
+              </a:solidFill>
+              <a:latin typeface="Times New Roman" pitchFamily="18" charset="0"/>
+              <a:cs typeface="Times New Roman" pitchFamily="18" charset="0"/>
+            </a:endParaRPr>
           </a:p>
           <a:p>
             <a:pPr lvl="1" algn="just">
               <a:buFont typeface="Wingdings" pitchFamily="2" charset="2"/>
               <a:buChar char="ü"/>
             </a:pPr>
-            <a:endParaRPr lang="en-US" sz="1900">
+            <a:endParaRPr lang="en-US" sz="2200">
+              <a:solidFill>
+                <a:schemeClr val="tx1"/>
+              </a:solidFill>
               <a:latin typeface="Times New Roman" pitchFamily="18" charset="0"/>
               <a:cs typeface="Times New Roman" pitchFamily="18" charset="0"/>
             </a:endParaRPr>
@@ -9045,11 +9963,17 @@
           <a:lstStyle/>
           <a:p>
             <a:fld id="{3905339D-DD04-4120-AA77-8BCC40DA1522}" type="slidenum">
-              <a:rPr lang="en-US" smtClean="0"/>
+              <a:rPr lang="en-US" smtClean="0">
+                <a:latin typeface="Times New Roman" panose="02020603050405020304" pitchFamily="18" charset="0"/>
+                <a:cs typeface="Times New Roman" panose="02020603050405020304" pitchFamily="18" charset="0"/>
+              </a:rPr>
               <a:pPr/>
               <a:t>4</a:t>
             </a:fld>
-            <a:endParaRPr lang="en-US"/>
+            <a:endParaRPr lang="en-US">
+              <a:latin typeface="Times New Roman" panose="02020603050405020304" pitchFamily="18" charset="0"/>
+              <a:cs typeface="Times New Roman" panose="02020603050405020304" pitchFamily="18" charset="0"/>
+            </a:endParaRPr>
           </a:p>
         </p:txBody>
       </p:sp>
@@ -9063,9 +9987,18 @@
   <p:clrMapOvr>
     <a:masterClrMapping/>
   </p:clrMapOvr>
-  <p:transition spd="slow">
-    <p:cover/>
-  </p:transition>
+  <mc:AlternateContent xmlns:mc="http://schemas.openxmlformats.org/markup-compatibility/2006">
+    <mc:Choice xmlns:p14="http://schemas.microsoft.com/office/powerpoint/2010/main" Requires="p14">
+      <p:transition p14:dur="250">
+        <p:fade/>
+      </p:transition>
+    </mc:Choice>
+    <mc:Fallback>
+      <p:transition>
+        <p:fade/>
+      </p:transition>
+    </mc:Fallback>
+  </mc:AlternateContent>
   <p:timing>
     <p:tnLst>
       <p:par>
@@ -9087,7 +10020,7 @@
                             </p:stCondLst>
                             <p:childTnLst>
                               <p:par>
-                                <p:cTn id="5" presetID="22" presetClass="entr" presetSubtype="4" fill="hold" nodeType="clickEffect">
+                                <p:cTn id="5" presetID="1" presetClass="entr" presetSubtype="0" fill="hold" nodeType="clickEffect">
                                   <p:stCondLst>
                                     <p:cond delay="0"/>
                                   </p:stCondLst>
@@ -9114,18 +10047,6 @@
                                         <p:strVal val="visible"/>
                                       </p:to>
                                     </p:set>
-                                    <p:animEffect transition="in" filter="wipe(down)">
-                                      <p:cBhvr>
-                                        <p:cTn id="7" dur="500"/>
-                                        <p:tgtEl>
-                                          <p:spTgt spid="3">
-                                            <p:txEl>
-                                              <p:pRg st="0" end="0"/>
-                                            </p:txEl>
-                                          </p:spTgt>
-                                        </p:tgtEl>
-                                      </p:cBhvr>
-                                    </p:animEffect>
                                   </p:childTnLst>
                                 </p:cTn>
                               </p:par>
@@ -9136,26 +10057,26 @@
                     </p:cTn>
                   </p:par>
                   <p:par>
-                    <p:cTn id="8" fill="hold">
+                    <p:cTn id="7" fill="hold">
                       <p:stCondLst>
                         <p:cond delay="indefinite"/>
                       </p:stCondLst>
                       <p:childTnLst>
                         <p:par>
-                          <p:cTn id="9" fill="hold">
+                          <p:cTn id="8" fill="hold">
                             <p:stCondLst>
                               <p:cond delay="0"/>
                             </p:stCondLst>
                             <p:childTnLst>
                               <p:par>
-                                <p:cTn id="10" presetID="22" presetClass="entr" presetSubtype="4" fill="hold" nodeType="clickEffect">
+                                <p:cTn id="9" presetID="1" presetClass="entr" presetSubtype="0" fill="hold" nodeType="clickEffect">
                                   <p:stCondLst>
                                     <p:cond delay="0"/>
                                   </p:stCondLst>
                                   <p:childTnLst>
                                     <p:set>
                                       <p:cBhvr>
-                                        <p:cTn id="11" dur="1" fill="hold">
+                                        <p:cTn id="10" dur="1" fill="hold">
                                           <p:stCondLst>
                                             <p:cond delay="0"/>
                                           </p:stCondLst>
@@ -9175,30 +10096,18 @@
                                         <p:strVal val="visible"/>
                                       </p:to>
                                     </p:set>
-                                    <p:animEffect transition="in" filter="wipe(down)">
-                                      <p:cBhvr>
-                                        <p:cTn id="12" dur="500"/>
-                                        <p:tgtEl>
-                                          <p:spTgt spid="3">
-                                            <p:txEl>
-                                              <p:pRg st="1" end="1"/>
-                                            </p:txEl>
-                                          </p:spTgt>
-                                        </p:tgtEl>
-                                      </p:cBhvr>
-                                    </p:animEffect>
                                   </p:childTnLst>
                                 </p:cTn>
                               </p:par>
                               <p:par>
-                                <p:cTn id="13" presetID="22" presetClass="entr" presetSubtype="4" fill="hold" nodeType="withEffect">
+                                <p:cTn id="11" presetID="1" presetClass="entr" presetSubtype="0" fill="hold" nodeType="withEffect">
                                   <p:stCondLst>
                                     <p:cond delay="0"/>
                                   </p:stCondLst>
                                   <p:childTnLst>
                                     <p:set>
                                       <p:cBhvr>
-                                        <p:cTn id="14" dur="1" fill="hold">
+                                        <p:cTn id="12" dur="1" fill="hold">
                                           <p:stCondLst>
                                             <p:cond delay="0"/>
                                           </p:stCondLst>
@@ -9218,30 +10127,18 @@
                                         <p:strVal val="visible"/>
                                       </p:to>
                                     </p:set>
-                                    <p:animEffect transition="in" filter="wipe(down)">
-                                      <p:cBhvr>
-                                        <p:cTn id="15" dur="500"/>
-                                        <p:tgtEl>
-                                          <p:spTgt spid="3">
-                                            <p:txEl>
-                                              <p:pRg st="2" end="2"/>
-                                            </p:txEl>
-                                          </p:spTgt>
-                                        </p:tgtEl>
-                                      </p:cBhvr>
-                                    </p:animEffect>
                                   </p:childTnLst>
                                 </p:cTn>
                               </p:par>
                               <p:par>
-                                <p:cTn id="16" presetID="22" presetClass="entr" presetSubtype="4" fill="hold" nodeType="withEffect">
+                                <p:cTn id="13" presetID="1" presetClass="entr" presetSubtype="0" fill="hold" nodeType="withEffect">
                                   <p:stCondLst>
                                     <p:cond delay="0"/>
                                   </p:stCondLst>
                                   <p:childTnLst>
                                     <p:set>
                                       <p:cBhvr>
-                                        <p:cTn id="17" dur="1" fill="hold">
+                                        <p:cTn id="14" dur="1" fill="hold">
                                           <p:stCondLst>
                                             <p:cond delay="0"/>
                                           </p:stCondLst>
@@ -9261,30 +10158,18 @@
                                         <p:strVal val="visible"/>
                                       </p:to>
                                     </p:set>
-                                    <p:animEffect transition="in" filter="wipe(down)">
-                                      <p:cBhvr>
-                                        <p:cTn id="18" dur="500"/>
-                                        <p:tgtEl>
-                                          <p:spTgt spid="3">
-                                            <p:txEl>
-                                              <p:pRg st="3" end="3"/>
-                                            </p:txEl>
-                                          </p:spTgt>
-                                        </p:tgtEl>
-                                      </p:cBhvr>
-                                    </p:animEffect>
                                   </p:childTnLst>
                                 </p:cTn>
                               </p:par>
                               <p:par>
-                                <p:cTn id="19" presetID="22" presetClass="entr" presetSubtype="4" fill="hold" nodeType="withEffect">
+                                <p:cTn id="15" presetID="1" presetClass="entr" presetSubtype="0" fill="hold" nodeType="withEffect">
                                   <p:stCondLst>
                                     <p:cond delay="0"/>
                                   </p:stCondLst>
                                   <p:childTnLst>
                                     <p:set>
                                       <p:cBhvr>
-                                        <p:cTn id="20" dur="1" fill="hold">
+                                        <p:cTn id="16" dur="1" fill="hold">
                                           <p:stCondLst>
                                             <p:cond delay="0"/>
                                           </p:stCondLst>
@@ -9304,18 +10189,6 @@
                                         <p:strVal val="visible"/>
                                       </p:to>
                                     </p:set>
-                                    <p:animEffect transition="in" filter="wipe(down)">
-                                      <p:cBhvr>
-                                        <p:cTn id="21" dur="500"/>
-                                        <p:tgtEl>
-                                          <p:spTgt spid="3">
-                                            <p:txEl>
-                                              <p:pRg st="4" end="4"/>
-                                            </p:txEl>
-                                          </p:spTgt>
-                                        </p:tgtEl>
-                                      </p:cBhvr>
-                                    </p:animEffect>
                                   </p:childTnLst>
                                 </p:cTn>
                               </p:par>
@@ -9379,8 +10252,8 @@
         </p:nvSpPr>
         <p:spPr>
           <a:xfrm>
-            <a:off x="-1399817" y="-600075"/>
-            <a:ext cx="8229600" cy="1200150"/>
+            <a:off x="421316" y="404949"/>
+            <a:ext cx="7143765" cy="829083"/>
           </a:xfrm>
         </p:spPr>
         <p:txBody>
@@ -9389,28 +10262,45 @@
           </a:bodyPr>
           <a:lstStyle/>
           <a:p>
-            <a:r>
-              <a:rPr lang="en-US" sz="3400">
+            <a:pPr algn="l"/>
+            <a:r>
+              <a:rPr lang="en-US" sz="4400">
+                <a:solidFill>
+                  <a:schemeClr val="tx1"/>
+                </a:solidFill>
+                <a:effectLst/>
                 <a:latin typeface="Times New Roman" pitchFamily="18" charset="0"/>
                 <a:cs typeface="Times New Roman" pitchFamily="18" charset="0"/>
               </a:rPr>
               <a:t>2. Mục </a:t>
             </a:r>
             <a:r>
-              <a:rPr lang="en-US" sz="3400" smtClean="0">
+              <a:rPr lang="en-US" sz="4400">
+                <a:solidFill>
+                  <a:schemeClr val="tx1"/>
+                </a:solidFill>
+                <a:effectLst/>
                 <a:latin typeface="Times New Roman" pitchFamily="18" charset="0"/>
                 <a:cs typeface="Times New Roman" pitchFamily="18" charset="0"/>
               </a:rPr>
               <a:t>tiêu, phạm vi </a:t>
             </a:r>
             <a:r>
-              <a:rPr lang="en-US" sz="3400">
+              <a:rPr lang="en-US" sz="4400">
+                <a:solidFill>
+                  <a:schemeClr val="tx1"/>
+                </a:solidFill>
+                <a:effectLst/>
                 <a:latin typeface="Times New Roman" pitchFamily="18" charset="0"/>
                 <a:cs typeface="Times New Roman" pitchFamily="18" charset="0"/>
               </a:rPr>
               <a:t>đề tài(tt)</a:t>
             </a:r>
-            <a:endParaRPr lang="en-US" sz="3400">
+            <a:endParaRPr lang="en-US" sz="4400">
+              <a:solidFill>
+                <a:schemeClr val="tx1"/>
+              </a:solidFill>
+              <a:effectLst/>
               <a:latin typeface="Arial" panose="020B0604020202020204" pitchFamily="34" charset="0"/>
               <a:cs typeface="Arial" panose="020B0604020202020204" pitchFamily="34" charset="0"/>
             </a:endParaRPr>
@@ -9429,8 +10319,8 @@
         </p:nvSpPr>
         <p:spPr>
           <a:xfrm>
-            <a:off x="-165351" y="744225"/>
-            <a:ext cx="8950987" cy="3902161"/>
+            <a:off x="421316" y="1418722"/>
+            <a:ext cx="9285377" cy="4812261"/>
           </a:xfrm>
         </p:spPr>
         <p:txBody>
@@ -9439,16 +10329,334 @@
           </a:bodyPr>
           <a:lstStyle/>
           <a:p>
-            <a:pPr lvl="1" algn="just">
+            <a:pPr algn="just">
               <a:buFont typeface="Wingdings" pitchFamily="2" charset="2"/>
               <a:buChar char="Ø"/>
             </a:pPr>
             <a:r>
-              <a:rPr lang="en-US" sz="1900">
-                <a:latin typeface="Times New Roman" pitchFamily="18" charset="0"/>
-                <a:cs typeface="Times New Roman" pitchFamily="18" charset="0"/>
-              </a:rPr>
-              <a:t>Phạm vi đề tài:</a:t>
+              <a:rPr lang="en-US" sz="2400" smtClean="0">
+                <a:solidFill>
+                  <a:schemeClr val="tx1"/>
+                </a:solidFill>
+                <a:latin typeface="Times New Roman" pitchFamily="18" charset="0"/>
+                <a:cs typeface="Times New Roman" pitchFamily="18" charset="0"/>
+              </a:rPr>
+              <a:t>Phạm </a:t>
+            </a:r>
+            <a:r>
+              <a:rPr lang="en-US" sz="2400">
+                <a:solidFill>
+                  <a:schemeClr val="tx1"/>
+                </a:solidFill>
+                <a:latin typeface="Times New Roman" pitchFamily="18" charset="0"/>
+                <a:cs typeface="Times New Roman" pitchFamily="18" charset="0"/>
+              </a:rPr>
+              <a:t>vi đề tài:</a:t>
+            </a:r>
+          </a:p>
+          <a:p>
+            <a:pPr lvl="1" algn="just">
+              <a:buFont typeface="Wingdings" pitchFamily="2" charset="2"/>
+              <a:buChar char="ü"/>
+            </a:pPr>
+            <a:r>
+              <a:rPr lang="en-US" sz="2200">
+                <a:solidFill>
+                  <a:schemeClr val="tx1"/>
+                </a:solidFill>
+                <a:latin typeface="Times New Roman" pitchFamily="18" charset="0"/>
+                <a:cs typeface="Times New Roman" pitchFamily="18" charset="0"/>
+              </a:rPr>
+              <a:t>Đề tài thực hiện quản lý kỹ năng cho nhân viên công ty phần mềm FPT Software.</a:t>
+            </a:r>
+          </a:p>
+          <a:p>
+            <a:pPr lvl="1" algn="just">
+              <a:buFont typeface="Wingdings" pitchFamily="2" charset="2"/>
+              <a:buChar char="ü"/>
+            </a:pPr>
+            <a:r>
+              <a:rPr lang="en-US" sz="2200">
+                <a:solidFill>
+                  <a:schemeClr val="tx1"/>
+                </a:solidFill>
+                <a:latin typeface="Times New Roman" pitchFamily="18" charset="0"/>
+                <a:cs typeface="Times New Roman" pitchFamily="18" charset="0"/>
+              </a:rPr>
+              <a:t>Hệ </a:t>
+            </a:r>
+            <a:r>
+              <a:rPr lang="en-US" sz="2200" smtClean="0">
+                <a:solidFill>
+                  <a:schemeClr val="tx1"/>
+                </a:solidFill>
+                <a:latin typeface="Times New Roman" pitchFamily="18" charset="0"/>
+                <a:cs typeface="Times New Roman" pitchFamily="18" charset="0"/>
+              </a:rPr>
+              <a:t>thống về phía máy chủ sử </a:t>
+            </a:r>
+            <a:r>
+              <a:rPr lang="en-US" sz="2200">
+                <a:solidFill>
+                  <a:schemeClr val="tx1"/>
+                </a:solidFill>
+                <a:latin typeface="Times New Roman" pitchFamily="18" charset="0"/>
+                <a:cs typeface="Times New Roman" pitchFamily="18" charset="0"/>
+              </a:rPr>
+              <a:t>dụng Spring </a:t>
+            </a:r>
+            <a:r>
+              <a:rPr lang="en-US" sz="2200">
+                <a:solidFill>
+                  <a:schemeClr val="tx1"/>
+                </a:solidFill>
+                <a:latin typeface="Times New Roman" pitchFamily="18" charset="0"/>
+                <a:cs typeface="Times New Roman" pitchFamily="18" charset="0"/>
+              </a:rPr>
+              <a:t>Boot 2.1.3 [4</a:t>
+            </a:r>
+            <a:r>
+              <a:rPr lang="en-US" sz="2200">
+                <a:solidFill>
+                  <a:schemeClr val="tx1"/>
+                </a:solidFill>
+                <a:latin typeface="Times New Roman" pitchFamily="18" charset="0"/>
+                <a:cs typeface="Times New Roman" pitchFamily="18" charset="0"/>
+              </a:rPr>
+              <a:t>], </a:t>
+            </a:r>
+            <a:r>
+              <a:rPr lang="en-US" sz="2200" smtClean="0">
+                <a:solidFill>
+                  <a:schemeClr val="tx1"/>
+                </a:solidFill>
+                <a:latin typeface="Times New Roman" pitchFamily="18" charset="0"/>
+                <a:cs typeface="Times New Roman" pitchFamily="18" charset="0"/>
+              </a:rPr>
+              <a:t>Maven 3.6.0 và hệ </a:t>
+            </a:r>
+            <a:r>
+              <a:rPr lang="en-US" sz="2200">
+                <a:solidFill>
+                  <a:schemeClr val="tx1"/>
+                </a:solidFill>
+                <a:latin typeface="Times New Roman" pitchFamily="18" charset="0"/>
+                <a:cs typeface="Times New Roman" pitchFamily="18" charset="0"/>
+              </a:rPr>
+              <a:t>quản trị cơ sở dữ liệu MySQL </a:t>
+            </a:r>
+            <a:r>
+              <a:rPr lang="en-US" sz="2200">
+                <a:solidFill>
+                  <a:schemeClr val="tx1"/>
+                </a:solidFill>
+                <a:latin typeface="Times New Roman" pitchFamily="18" charset="0"/>
+                <a:cs typeface="Times New Roman" pitchFamily="18" charset="0"/>
+              </a:rPr>
+              <a:t>5 [10] </a:t>
+            </a:r>
+            <a:r>
+              <a:rPr lang="en-US" sz="2200">
+                <a:solidFill>
+                  <a:schemeClr val="tx1"/>
+                </a:solidFill>
+                <a:latin typeface="Times New Roman" pitchFamily="18" charset="0"/>
+                <a:cs typeface="Times New Roman" pitchFamily="18" charset="0"/>
+              </a:rPr>
+              <a:t>để  lưu trữ </a:t>
+            </a:r>
+            <a:r>
+              <a:rPr lang="en-US" sz="2200">
+                <a:solidFill>
+                  <a:schemeClr val="tx1"/>
+                </a:solidFill>
+                <a:latin typeface="Times New Roman" pitchFamily="18" charset="0"/>
+                <a:cs typeface="Times New Roman" pitchFamily="18" charset="0"/>
+              </a:rPr>
+              <a:t>dữ </a:t>
+            </a:r>
+            <a:r>
+              <a:rPr lang="en-US" sz="2200" smtClean="0">
+                <a:solidFill>
+                  <a:schemeClr val="tx1"/>
+                </a:solidFill>
+                <a:latin typeface="Times New Roman" pitchFamily="18" charset="0"/>
+                <a:cs typeface="Times New Roman" pitchFamily="18" charset="0"/>
+              </a:rPr>
+              <a:t>liệu, nhằm cung </a:t>
+            </a:r>
+            <a:r>
+              <a:rPr lang="en-US" sz="2200">
+                <a:solidFill>
+                  <a:schemeClr val="tx1"/>
+                </a:solidFill>
+                <a:latin typeface="Times New Roman" pitchFamily="18" charset="0"/>
+                <a:cs typeface="Times New Roman" pitchFamily="18" charset="0"/>
+              </a:rPr>
+              <a:t>cấp RESTful API </a:t>
+            </a:r>
+            <a:r>
+              <a:rPr lang="en-US" sz="2200">
+                <a:solidFill>
+                  <a:schemeClr val="tx1"/>
+                </a:solidFill>
+                <a:latin typeface="Times New Roman" pitchFamily="18" charset="0"/>
+                <a:cs typeface="Times New Roman" pitchFamily="18" charset="0"/>
+              </a:rPr>
+              <a:t>cho </a:t>
+            </a:r>
+            <a:r>
+              <a:rPr lang="en-US" sz="2200" smtClean="0">
+                <a:solidFill>
+                  <a:schemeClr val="tx1"/>
+                </a:solidFill>
+                <a:latin typeface="Times New Roman" pitchFamily="18" charset="0"/>
+                <a:cs typeface="Times New Roman" pitchFamily="18" charset="0"/>
+              </a:rPr>
+              <a:t>ứng dụng phía khách được thực hiện bằng Angular </a:t>
+            </a:r>
+            <a:r>
+              <a:rPr lang="en-US" sz="2200">
+                <a:solidFill>
+                  <a:schemeClr val="tx1"/>
+                </a:solidFill>
+                <a:latin typeface="Times New Roman" pitchFamily="18" charset="0"/>
+                <a:cs typeface="Times New Roman" pitchFamily="18" charset="0"/>
+              </a:rPr>
+              <a:t>7 [</a:t>
+            </a:r>
+            <a:r>
+              <a:rPr lang="en-US" sz="2200">
+                <a:solidFill>
+                  <a:schemeClr val="tx1"/>
+                </a:solidFill>
+                <a:latin typeface="Times New Roman" pitchFamily="18" charset="0"/>
+                <a:cs typeface="Times New Roman" pitchFamily="18" charset="0"/>
+              </a:rPr>
+              <a:t>6</a:t>
+            </a:r>
+            <a:r>
+              <a:rPr lang="en-US" sz="2200" smtClean="0">
+                <a:solidFill>
+                  <a:schemeClr val="tx1"/>
+                </a:solidFill>
+                <a:latin typeface="Times New Roman" pitchFamily="18" charset="0"/>
+                <a:cs typeface="Times New Roman" pitchFamily="18" charset="0"/>
+              </a:rPr>
+              <a:t>], cũng như các </a:t>
+            </a:r>
+            <a:r>
+              <a:rPr lang="en-US" sz="2200">
+                <a:solidFill>
+                  <a:schemeClr val="tx1"/>
+                </a:solidFill>
+                <a:latin typeface="Times New Roman" pitchFamily="18" charset="0"/>
+                <a:cs typeface="Times New Roman" pitchFamily="18" charset="0"/>
+              </a:rPr>
+              <a:t>hệ thống khác truy cập và </a:t>
+            </a:r>
+            <a:r>
+              <a:rPr lang="en-US" sz="2200">
+                <a:solidFill>
+                  <a:schemeClr val="tx1"/>
+                </a:solidFill>
+                <a:latin typeface="Times New Roman" pitchFamily="18" charset="0"/>
+                <a:cs typeface="Times New Roman" pitchFamily="18" charset="0"/>
+              </a:rPr>
+              <a:t>sử </a:t>
+            </a:r>
+            <a:r>
+              <a:rPr lang="en-US" sz="2200" smtClean="0">
+                <a:solidFill>
+                  <a:schemeClr val="tx1"/>
+                </a:solidFill>
+                <a:latin typeface="Times New Roman" pitchFamily="18" charset="0"/>
+                <a:cs typeface="Times New Roman" pitchFamily="18" charset="0"/>
+              </a:rPr>
+              <a:t>dụng dữ liệu nhân viên.</a:t>
+            </a:r>
+            <a:endParaRPr lang="en-US" sz="2200">
+              <a:solidFill>
+                <a:schemeClr val="tx1"/>
+              </a:solidFill>
+              <a:latin typeface="Times New Roman" pitchFamily="18" charset="0"/>
+              <a:cs typeface="Times New Roman" pitchFamily="18" charset="0"/>
+            </a:endParaRPr>
+          </a:p>
+          <a:p>
+            <a:pPr lvl="1" algn="just">
+              <a:buFont typeface="Wingdings" pitchFamily="2" charset="2"/>
+              <a:buChar char="ü"/>
+            </a:pPr>
+            <a:r>
+              <a:rPr lang="en-US" sz="2200">
+                <a:solidFill>
+                  <a:schemeClr val="tx1"/>
+                </a:solidFill>
+                <a:latin typeface="Times New Roman" pitchFamily="18" charset="0"/>
+                <a:cs typeface="Times New Roman" pitchFamily="18" charset="0"/>
+              </a:rPr>
+              <a:t>Hệ thống chỉ quản lý hồ sơ của nhân viên trong công ty, không quản lý các hồ sơ của </a:t>
+            </a:r>
+            <a:r>
+              <a:rPr lang="en-US" sz="2200">
+                <a:solidFill>
+                  <a:schemeClr val="tx1"/>
+                </a:solidFill>
+                <a:latin typeface="Times New Roman" pitchFamily="18" charset="0"/>
+                <a:cs typeface="Times New Roman" pitchFamily="18" charset="0"/>
+              </a:rPr>
+              <a:t>ứng </a:t>
+            </a:r>
+            <a:r>
+              <a:rPr lang="en-US" sz="2200" smtClean="0">
+                <a:solidFill>
+                  <a:schemeClr val="tx1"/>
+                </a:solidFill>
+                <a:latin typeface="Times New Roman" pitchFamily="18" charset="0"/>
+                <a:cs typeface="Times New Roman" pitchFamily="18" charset="0"/>
+              </a:rPr>
+              <a:t>viên ngoài công ty. </a:t>
+            </a:r>
+            <a:r>
+              <a:rPr lang="en-US" sz="2200">
+                <a:solidFill>
+                  <a:schemeClr val="tx1"/>
+                </a:solidFill>
+                <a:latin typeface="Times New Roman" pitchFamily="18" charset="0"/>
+                <a:cs typeface="Times New Roman" pitchFamily="18" charset="0"/>
+              </a:rPr>
+              <a:t>Mọi thông tin kỹ năng của một </a:t>
+            </a:r>
+            <a:r>
+              <a:rPr lang="en-US" sz="2200">
+                <a:solidFill>
+                  <a:schemeClr val="tx1"/>
+                </a:solidFill>
+                <a:latin typeface="Times New Roman" pitchFamily="18" charset="0"/>
+                <a:cs typeface="Times New Roman" pitchFamily="18" charset="0"/>
+              </a:rPr>
+              <a:t>nhân </a:t>
+            </a:r>
+            <a:r>
+              <a:rPr lang="en-US" sz="2200" smtClean="0">
+                <a:solidFill>
+                  <a:schemeClr val="tx1"/>
+                </a:solidFill>
+                <a:latin typeface="Times New Roman" pitchFamily="18" charset="0"/>
+                <a:cs typeface="Times New Roman" pitchFamily="18" charset="0"/>
+              </a:rPr>
+              <a:t>viên đã </a:t>
+            </a:r>
+            <a:r>
+              <a:rPr lang="en-US" sz="2200">
+                <a:solidFill>
+                  <a:schemeClr val="tx1"/>
+                </a:solidFill>
+                <a:latin typeface="Times New Roman" pitchFamily="18" charset="0"/>
+                <a:cs typeface="Times New Roman" pitchFamily="18" charset="0"/>
+              </a:rPr>
+              <a:t>được xác nhận bởi nhân viên nhân sự, hệ thống này không hỗ trợ quy trình, nghiệp vụ kiểm tra, xét duyệt hồ sơ của nhân viên. Để đăng nhập, người dùng của hệ thống này dùng chung tài khoản của công ty FPT Software.</a:t>
             </a:r>
           </a:p>
           <a:p>
@@ -9456,88 +10664,10 @@
               <a:buFont typeface="Wingdings" pitchFamily="2" charset="2"/>
               <a:buChar char="ü"/>
             </a:pPr>
-            <a:r>
-              <a:rPr lang="en-US" sz="1900">
-                <a:latin typeface="Times New Roman" pitchFamily="18" charset="0"/>
-                <a:cs typeface="Times New Roman" pitchFamily="18" charset="0"/>
-              </a:rPr>
-              <a:t>Đề tài thực hiện quản lý kỹ năng cho nhân viên công ty phần mềm FPT Software.</a:t>
-            </a:r>
-          </a:p>
-          <a:p>
-            <a:pPr lvl="2" algn="just">
-              <a:buFont typeface="Wingdings" pitchFamily="2" charset="2"/>
-              <a:buChar char="ü"/>
-            </a:pPr>
-            <a:r>
-              <a:rPr lang="en-US" sz="1900">
-                <a:latin typeface="Times New Roman" pitchFamily="18" charset="0"/>
-                <a:cs typeface="Times New Roman" pitchFamily="18" charset="0"/>
-              </a:rPr>
-              <a:t>Hệ thống cung cấp RESTful API cho các hệ thống khác truy cập và sử dụng, sử dụng Spring </a:t>
-            </a:r>
-            <a:r>
-              <a:rPr lang="en-US" sz="1900" smtClean="0">
-                <a:latin typeface="Times New Roman" pitchFamily="18" charset="0"/>
-                <a:cs typeface="Times New Roman" pitchFamily="18" charset="0"/>
-              </a:rPr>
-              <a:t>Boot 2.1.3 [4], </a:t>
-            </a:r>
-            <a:r>
-              <a:rPr lang="en-US" sz="1900">
-                <a:latin typeface="Times New Roman" pitchFamily="18" charset="0"/>
-                <a:cs typeface="Times New Roman" pitchFamily="18" charset="0"/>
-              </a:rPr>
-              <a:t>giao diện sử dụng Angular </a:t>
-            </a:r>
-            <a:r>
-              <a:rPr lang="en-US" sz="1900" smtClean="0">
-                <a:latin typeface="Times New Roman" pitchFamily="18" charset="0"/>
-                <a:cs typeface="Times New Roman" pitchFamily="18" charset="0"/>
-              </a:rPr>
-              <a:t>7 [6], </a:t>
-            </a:r>
-            <a:r>
-              <a:rPr lang="en-US" sz="1900">
-                <a:latin typeface="Times New Roman" pitchFamily="18" charset="0"/>
-                <a:cs typeface="Times New Roman" pitchFamily="18" charset="0"/>
-              </a:rPr>
-              <a:t>Maven 3.6.0, chạy trên server công ty FPT Software, sử dụng hệ quản trị cơ sở dữ liệu MySQL </a:t>
-            </a:r>
-            <a:r>
-              <a:rPr lang="en-US" sz="1900" smtClean="0">
-                <a:latin typeface="Times New Roman" pitchFamily="18" charset="0"/>
-                <a:cs typeface="Times New Roman" pitchFamily="18" charset="0"/>
-              </a:rPr>
-              <a:t>5 [10] </a:t>
-            </a:r>
-            <a:r>
-              <a:rPr lang="en-US" sz="1900">
-                <a:latin typeface="Times New Roman" pitchFamily="18" charset="0"/>
-                <a:cs typeface="Times New Roman" pitchFamily="18" charset="0"/>
-              </a:rPr>
-              <a:t>để  lưu trữ dữ liệu.</a:t>
-            </a:r>
-          </a:p>
-          <a:p>
-            <a:pPr lvl="2" algn="just">
-              <a:buFont typeface="Wingdings" pitchFamily="2" charset="2"/>
-              <a:buChar char="ü"/>
-            </a:pPr>
-            <a:r>
-              <a:rPr lang="en-US" sz="1900">
-                <a:latin typeface="Times New Roman" pitchFamily="18" charset="0"/>
-                <a:cs typeface="Times New Roman" pitchFamily="18" charset="0"/>
-              </a:rPr>
-              <a:t>Hệ thống chỉ quản lý hồ sơ của nhân viên trong công ty, không quản lý các hồ sơ của ứng viên. Mọi thông tin kỹ năng của một nhân sự đã được xác nhận bởi nhân viên nhân sự, hệ thống này không hỗ trợ quy trình, nghiệp vụ kiểm tra, xét duyệt hồ sơ của nhân viên. Để đăng nhập, người dùng của hệ thống này dùng chung tài khoản của công ty FPT Software.</a:t>
-            </a:r>
-          </a:p>
-          <a:p>
-            <a:pPr lvl="2" algn="just">
-              <a:buFont typeface="Wingdings" pitchFamily="2" charset="2"/>
-              <a:buChar char="ü"/>
-            </a:pPr>
-            <a:endParaRPr lang="en-US" sz="1900">
+            <a:endParaRPr lang="en-US" sz="2200">
+              <a:solidFill>
+                <a:schemeClr val="tx1"/>
+              </a:solidFill>
               <a:latin typeface="Times New Roman" pitchFamily="18" charset="0"/>
               <a:cs typeface="Times New Roman" pitchFamily="18" charset="0"/>
             </a:endParaRPr>
@@ -9578,9 +10708,18 @@
   <p:clrMapOvr>
     <a:masterClrMapping/>
   </p:clrMapOvr>
-  <p:transition spd="slow">
-    <p:cover/>
-  </p:transition>
+  <mc:AlternateContent xmlns:mc="http://schemas.openxmlformats.org/markup-compatibility/2006">
+    <mc:Choice xmlns:p14="http://schemas.microsoft.com/office/powerpoint/2010/main" Requires="p14">
+      <p:transition p14:dur="250">
+        <p:fade/>
+      </p:transition>
+    </mc:Choice>
+    <mc:Fallback>
+      <p:transition>
+        <p:fade/>
+      </p:transition>
+    </mc:Fallback>
+  </mc:AlternateContent>
   <p:timing>
     <p:tnLst>
       <p:par>
@@ -9602,7 +10741,7 @@
                             </p:stCondLst>
                             <p:childTnLst>
                               <p:par>
-                                <p:cTn id="5" presetID="22" presetClass="entr" presetSubtype="4" fill="hold" nodeType="clickEffect">
+                                <p:cTn id="5" presetID="1" presetClass="entr" presetSubtype="0" fill="hold" nodeType="clickEffect">
                                   <p:stCondLst>
                                     <p:cond delay="0"/>
                                   </p:stCondLst>
@@ -9610,6 +10749,68 @@
                                     <p:set>
                                       <p:cBhvr>
                                         <p:cTn id="6" dur="1" fill="hold">
+                                          <p:stCondLst>
+                                            <p:cond delay="0"/>
+                                          </p:stCondLst>
+                                        </p:cTn>
+                                        <p:tgtEl>
+                                          <p:spTgt spid="3">
+                                            <p:txEl>
+                                              <p:pRg st="0" end="0"/>
+                                            </p:txEl>
+                                          </p:spTgt>
+                                        </p:tgtEl>
+                                        <p:attrNameLst>
+                                          <p:attrName>style.visibility</p:attrName>
+                                        </p:attrNameLst>
+                                      </p:cBhvr>
+                                      <p:to>
+                                        <p:strVal val="visible"/>
+                                      </p:to>
+                                    </p:set>
+                                  </p:childTnLst>
+                                </p:cTn>
+                              </p:par>
+                              <p:par>
+                                <p:cTn id="7" presetID="1" presetClass="entr" presetSubtype="0" fill="hold" nodeType="withEffect">
+                                  <p:stCondLst>
+                                    <p:cond delay="0"/>
+                                  </p:stCondLst>
+                                  <p:childTnLst>
+                                    <p:set>
+                                      <p:cBhvr>
+                                        <p:cTn id="8" dur="1" fill="hold">
+                                          <p:stCondLst>
+                                            <p:cond delay="0"/>
+                                          </p:stCondLst>
+                                        </p:cTn>
+                                        <p:tgtEl>
+                                          <p:spTgt spid="3">
+                                            <p:txEl>
+                                              <p:pRg st="2" end="2"/>
+                                            </p:txEl>
+                                          </p:spTgt>
+                                        </p:tgtEl>
+                                        <p:attrNameLst>
+                                          <p:attrName>style.visibility</p:attrName>
+                                        </p:attrNameLst>
+                                      </p:cBhvr>
+                                      <p:to>
+                                        <p:strVal val="visible"/>
+                                      </p:to>
+                                    </p:set>
+                                  </p:childTnLst>
+                                </p:cTn>
+                              </p:par>
+                              <p:par>
+                                <p:cTn id="9" presetID="1" presetClass="entr" presetSubtype="0" fill="hold" nodeType="withEffect">
+                                  <p:stCondLst>
+                                    <p:cond delay="0"/>
+                                  </p:stCondLst>
+                                  <p:childTnLst>
+                                    <p:set>
+                                      <p:cBhvr>
+                                        <p:cTn id="10" dur="1" fill="hold">
                                           <p:stCondLst>
                                             <p:cond delay="0"/>
                                           </p:stCondLst>
@@ -9629,109 +10830,18 @@
                                         <p:strVal val="visible"/>
                                       </p:to>
                                     </p:set>
-                                    <p:animEffect transition="in" filter="wipe(down)">
-                                      <p:cBhvr>
-                                        <p:cTn id="7" dur="500"/>
-                                        <p:tgtEl>
-                                          <p:spTgt spid="3">
-                                            <p:txEl>
-                                              <p:pRg st="1" end="1"/>
-                                            </p:txEl>
-                                          </p:spTgt>
-                                        </p:tgtEl>
-                                      </p:cBhvr>
-                                    </p:animEffect>
                                   </p:childTnLst>
                                 </p:cTn>
                               </p:par>
-                            </p:childTnLst>
-                          </p:cTn>
-                        </p:par>
-                      </p:childTnLst>
-                    </p:cTn>
-                  </p:par>
-                  <p:par>
-                    <p:cTn id="8" fill="hold">
-                      <p:stCondLst>
-                        <p:cond delay="indefinite"/>
-                      </p:stCondLst>
-                      <p:childTnLst>
-                        <p:par>
-                          <p:cTn id="9" fill="hold">
-                            <p:stCondLst>
-                              <p:cond delay="0"/>
-                            </p:stCondLst>
-                            <p:childTnLst>
                               <p:par>
-                                <p:cTn id="10" presetID="22" presetClass="entr" presetSubtype="4" fill="hold" nodeType="clickEffect">
+                                <p:cTn id="11" presetID="1" presetClass="entr" presetSubtype="0" fill="hold" nodeType="withEffect">
                                   <p:stCondLst>
                                     <p:cond delay="0"/>
                                   </p:stCondLst>
                                   <p:childTnLst>
                                     <p:set>
                                       <p:cBhvr>
-                                        <p:cTn id="11" dur="1" fill="hold">
-                                          <p:stCondLst>
-                                            <p:cond delay="0"/>
-                                          </p:stCondLst>
-                                        </p:cTn>
-                                        <p:tgtEl>
-                                          <p:spTgt spid="3">
-                                            <p:txEl>
-                                              <p:pRg st="2" end="2"/>
-                                            </p:txEl>
-                                          </p:spTgt>
-                                        </p:tgtEl>
-                                        <p:attrNameLst>
-                                          <p:attrName>style.visibility</p:attrName>
-                                        </p:attrNameLst>
-                                      </p:cBhvr>
-                                      <p:to>
-                                        <p:strVal val="visible"/>
-                                      </p:to>
-                                    </p:set>
-                                    <p:animEffect transition="in" filter="wipe(down)">
-                                      <p:cBhvr>
-                                        <p:cTn id="12" dur="500"/>
-                                        <p:tgtEl>
-                                          <p:spTgt spid="3">
-                                            <p:txEl>
-                                              <p:pRg st="2" end="2"/>
-                                            </p:txEl>
-                                          </p:spTgt>
-                                        </p:tgtEl>
-                                      </p:cBhvr>
-                                    </p:animEffect>
-                                  </p:childTnLst>
-                                </p:cTn>
-                              </p:par>
-                            </p:childTnLst>
-                          </p:cTn>
-                        </p:par>
-                      </p:childTnLst>
-                    </p:cTn>
-                  </p:par>
-                  <p:par>
-                    <p:cTn id="13" fill="hold">
-                      <p:stCondLst>
-                        <p:cond delay="indefinite"/>
-                      </p:stCondLst>
-                      <p:childTnLst>
-                        <p:par>
-                          <p:cTn id="14" fill="hold">
-                            <p:stCondLst>
-                              <p:cond delay="0"/>
-                            </p:stCondLst>
-                            <p:childTnLst>
-                              <p:par>
-                                <p:cTn id="15" presetID="22" presetClass="entr" presetSubtype="4" fill="hold" nodeType="clickEffect">
-                                  <p:stCondLst>
-                                    <p:cond delay="0"/>
-                                  </p:stCondLst>
-                                  <p:childTnLst>
-                                    <p:set>
-                                      <p:cBhvr>
-                                        <p:cTn id="16" dur="1" fill="hold">
+                                        <p:cTn id="12" dur="1" fill="hold">
                                           <p:stCondLst>
                                             <p:cond delay="0"/>
                                           </p:stCondLst>
@@ -9751,18 +10861,6 @@
                                         <p:strVal val="visible"/>
                                       </p:to>
                                     </p:set>
-                                    <p:animEffect transition="in" filter="wipe(down)">
-                                      <p:cBhvr>
-                                        <p:cTn id="17" dur="500"/>
-                                        <p:tgtEl>
-                                          <p:spTgt spid="3">
-                                            <p:txEl>
-                                              <p:pRg st="3" end="3"/>
-                                            </p:txEl>
-                                          </p:spTgt>
-                                        </p:tgtEl>
-                                      </p:cBhvr>
-                                    </p:animEffect>
                                   </p:childTnLst>
                                 </p:cTn>
                               </p:par>
@@ -9826,32 +10924,45 @@
         </p:nvSpPr>
         <p:spPr>
           <a:xfrm>
-            <a:off x="-2188040" y="-542370"/>
-            <a:ext cx="8229600" cy="1200150"/>
+            <a:off x="444477" y="398669"/>
+            <a:ext cx="4901850" cy="761930"/>
           </a:xfrm>
         </p:spPr>
         <p:txBody>
           <a:bodyPr>
-            <a:normAutofit/>
+            <a:noAutofit/>
           </a:bodyPr>
           <a:lstStyle/>
           <a:p>
-            <a:r>
-              <a:rPr lang="en-US" sz="3400">
+            <a:pPr algn="l"/>
+            <a:r>
+              <a:rPr lang="en-US" sz="4400">
+                <a:solidFill>
+                  <a:schemeClr val="tx1"/>
+                </a:solidFill>
+                <a:effectLst/>
                 <a:latin typeface="Times New Roman" pitchFamily="18" charset="0"/>
                 <a:cs typeface="Times New Roman" pitchFamily="18" charset="0"/>
               </a:rPr>
               <a:t>3. </a:t>
             </a:r>
             <a:r>
-              <a:rPr lang="en-US" sz="3400" err="1">
+              <a:rPr lang="en-US" sz="4400" err="1">
+                <a:solidFill>
+                  <a:schemeClr val="tx1"/>
+                </a:solidFill>
+                <a:effectLst/>
                 <a:latin typeface="Times New Roman" pitchFamily="18" charset="0"/>
                 <a:cs typeface="Times New Roman" pitchFamily="18" charset="0"/>
               </a:rPr>
               <a:t>Phân</a:t>
             </a:r>
             <a:r>
-              <a:rPr lang="en-US" sz="3400">
+              <a:rPr lang="en-US" sz="4400">
+                <a:solidFill>
+                  <a:schemeClr val="tx1"/>
+                </a:solidFill>
+                <a:effectLst/>
                 <a:latin typeface="Times New Roman" pitchFamily="18" charset="0"/>
                 <a:cs typeface="Times New Roman" pitchFamily="18" charset="0"/>
               </a:rPr>
@@ -9872,8 +10983,8 @@
         </p:nvSpPr>
         <p:spPr>
           <a:xfrm>
-            <a:off x="582200" y="657780"/>
-            <a:ext cx="6116197" cy="522627"/>
+            <a:off x="444477" y="1160599"/>
+            <a:ext cx="6727817" cy="574890"/>
           </a:xfrm>
         </p:spPr>
         <p:txBody>
@@ -9887,23 +10998,25 @@
               <a:buChar char="Ø"/>
             </a:pPr>
             <a:r>
-              <a:rPr lang="en-US" sz="1900">
+              <a:rPr lang="en-US" sz="2400">
+                <a:solidFill>
+                  <a:schemeClr val="tx1"/>
+                </a:solidFill>
                 <a:latin typeface="Times New Roman" pitchFamily="18" charset="0"/>
                 <a:cs typeface="Times New Roman" pitchFamily="18" charset="0"/>
               </a:rPr>
               <a:t>Usecase tổng quát</a:t>
             </a:r>
             <a:r>
-              <a:rPr lang="en-US" sz="1900" smtClean="0">
+              <a:rPr lang="en-US" sz="2400">
+                <a:solidFill>
+                  <a:schemeClr val="tx1"/>
+                </a:solidFill>
                 <a:latin typeface="Times New Roman" pitchFamily="18" charset="0"/>
                 <a:cs typeface="Times New Roman" pitchFamily="18" charset="0"/>
               </a:rPr>
               <a:t>:</a:t>
             </a:r>
-            <a:endParaRPr lang="en-US" sz="1900" smtClean="0">
-              <a:latin typeface="Times New Roman" pitchFamily="18" charset="0"/>
-              <a:cs typeface="Times New Roman" pitchFamily="18" charset="0"/>
-            </a:endParaRPr>
           </a:p>
         </p:txBody>
       </p:sp>
@@ -9950,8 +11063,8 @@
         </p:blipFill>
         <p:spPr bwMode="auto">
           <a:xfrm>
-            <a:off x="1926760" y="509567"/>
-            <a:ext cx="5086989" cy="4633933"/>
+            <a:off x="1074761" y="99244"/>
+            <a:ext cx="7625102" cy="6753497"/>
           </a:xfrm>
           <a:prstGeom prst="rect">
             <a:avLst/>
@@ -9977,9 +11090,18 @@
   <p:clrMapOvr>
     <a:masterClrMapping/>
   </p:clrMapOvr>
-  <p:transition spd="slow">
-    <p:cover/>
-  </p:transition>
+  <mc:AlternateContent xmlns:mc="http://schemas.openxmlformats.org/markup-compatibility/2006">
+    <mc:Choice xmlns:p14="http://schemas.microsoft.com/office/powerpoint/2010/main" Requires="p14">
+      <p:transition p14:dur="250">
+        <p:fade/>
+      </p:transition>
+    </mc:Choice>
+    <mc:Fallback>
+      <p:transition>
+        <p:fade/>
+      </p:transition>
+    </mc:Fallback>
+  </mc:AlternateContent>
   <p:timing>
     <p:tnLst>
       <p:par>
@@ -10001,7 +11123,7 @@
                             </p:stCondLst>
                             <p:childTnLst>
                               <p:par>
-                                <p:cTn id="5" presetID="22" presetClass="entr" presetSubtype="4" fill="hold" nodeType="clickEffect">
+                                <p:cTn id="5" presetID="1" presetClass="exit" presetSubtype="0" fill="hold" grpId="0" nodeType="clickEffect">
                                   <p:stCondLst>
                                     <p:cond delay="0"/>
                                   </p:stCondLst>
@@ -10009,6 +11131,64 @@
                                     <p:set>
                                       <p:cBhvr>
                                         <p:cTn id="6" dur="1" fill="hold">
+                                          <p:stCondLst>
+                                            <p:cond delay="0"/>
+                                          </p:stCondLst>
+                                        </p:cTn>
+                                        <p:tgtEl>
+                                          <p:spTgt spid="3">
+                                            <p:txEl>
+                                              <p:pRg st="0" end="0"/>
+                                            </p:txEl>
+                                          </p:spTgt>
+                                        </p:tgtEl>
+                                        <p:attrNameLst>
+                                          <p:attrName>style.visibility</p:attrName>
+                                        </p:attrNameLst>
+                                      </p:cBhvr>
+                                      <p:to>
+                                        <p:strVal val="hidden"/>
+                                      </p:to>
+                                    </p:set>
+                                  </p:childTnLst>
+                                </p:cTn>
+                              </p:par>
+                              <p:par>
+                                <p:cTn id="7" presetID="1" presetClass="exit" presetSubtype="0" fill="hold" grpId="0" nodeType="withEffect">
+                                  <p:stCondLst>
+                                    <p:cond delay="0"/>
+                                  </p:stCondLst>
+                                  <p:childTnLst>
+                                    <p:set>
+                                      <p:cBhvr>
+                                        <p:cTn id="8" dur="1" fill="hold">
+                                          <p:stCondLst>
+                                            <p:cond delay="0"/>
+                                          </p:stCondLst>
+                                        </p:cTn>
+                                        <p:tgtEl>
+                                          <p:spTgt spid="2"/>
+                                        </p:tgtEl>
+                                        <p:attrNameLst>
+                                          <p:attrName>style.visibility</p:attrName>
+                                        </p:attrNameLst>
+                                      </p:cBhvr>
+                                      <p:to>
+                                        <p:strVal val="hidden"/>
+                                      </p:to>
+                                    </p:set>
+                                  </p:childTnLst>
+                                </p:cTn>
+                              </p:par>
+                              <p:par>
+                                <p:cTn id="9" presetID="22" presetClass="entr" presetSubtype="4" fill="hold" nodeType="withEffect">
+                                  <p:stCondLst>
+                                    <p:cond delay="0"/>
+                                  </p:stCondLst>
+                                  <p:childTnLst>
+                                    <p:set>
+                                      <p:cBhvr>
+                                        <p:cTn id="10" dur="1" fill="hold">
                                           <p:stCondLst>
                                             <p:cond delay="0"/>
                                           </p:stCondLst>
@@ -10026,7 +11206,7 @@
                                     </p:set>
                                     <p:animEffect transition="in" filter="wipe(down)">
                                       <p:cBhvr>
-                                        <p:cTn id="7" dur="500"/>
+                                        <p:cTn id="11" dur="250"/>
                                         <p:tgtEl>
                                           <p:spTgt spid="7"/>
                                         </p:tgtEl>
@@ -10062,6 +11242,10 @@
         </p:cTn>
       </p:par>
     </p:tnLst>
+    <p:bldLst>
+      <p:bldP spid="2" grpId="0"/>
+      <p:bldP spid="3" grpId="0" build="p"/>
+    </p:bldLst>
   </p:timing>
 </p:sld>
 </file>
@@ -10093,14 +11277,14 @@
             <p:ph idx="1"/>
             <p:extLst>
               <p:ext uri="{D42A27DB-BD31-4B8C-83A1-F6EECF244321}">
-                <p14:modId xmlns:p14="http://schemas.microsoft.com/office/powerpoint/2010/main" val="2134394357"/>
+                <p14:modId xmlns:p14="http://schemas.microsoft.com/office/powerpoint/2010/main" val="3880510730"/>
               </p:ext>
             </p:extLst>
           </p:nvPr>
         </p:nvGraphicFramePr>
         <p:xfrm>
-          <a:off x="197922" y="868136"/>
-          <a:ext cx="8734962" cy="3747407"/>
+          <a:off x="401379" y="1555025"/>
+          <a:ext cx="9382701" cy="4873752"/>
         </p:xfrm>
         <a:graphic>
           <a:graphicData uri="http://schemas.openxmlformats.org/drawingml/2006/table">
@@ -10109,10 +11293,10 @@
                 <a:tableStyleId>{5C22544A-7EE6-4342-B048-85BDC9FD1C3A}</a:tableStyleId>
               </a:tblPr>
               <a:tblGrid>
-                <a:gridCol w="2361870"/>
-                <a:gridCol w="6373092"/>
+                <a:gridCol w="2799021"/>
+                <a:gridCol w="6583680"/>
               </a:tblGrid>
-              <a:tr h="274320">
+              <a:tr h="310134">
                 <a:tc>
                   <a:txBody>
                     <a:bodyPr/>
@@ -10120,17 +11304,26 @@
                     <a:p>
                       <a:pPr algn="ctr"/>
                       <a:r>
-                        <a:rPr lang="en-US" sz="1400" smtClean="0"/>
+                        <a:rPr lang="en-US" sz="2000" smtClean="0">
+                          <a:latin typeface="Times New Roman" panose="02020603050405020304" pitchFamily="18" charset="0"/>
+                          <a:cs typeface="Times New Roman" panose="02020603050405020304" pitchFamily="18" charset="0"/>
+                        </a:rPr>
                         <a:t>Tác</a:t>
                       </a:r>
                       <a:r>
-                        <a:rPr lang="en-US" sz="1400" baseline="0" smtClean="0"/>
+                        <a:rPr lang="en-US" sz="2000" baseline="0" smtClean="0">
+                          <a:latin typeface="Times New Roman" panose="02020603050405020304" pitchFamily="18" charset="0"/>
+                          <a:cs typeface="Times New Roman" panose="02020603050405020304" pitchFamily="18" charset="0"/>
+                        </a:rPr>
                         <a:t> nhân của hệ thống</a:t>
                       </a:r>
-                      <a:endParaRPr lang="en-US" sz="1400"/>
+                      <a:endParaRPr lang="en-US" sz="2000">
+                        <a:latin typeface="Times New Roman" panose="02020603050405020304" pitchFamily="18" charset="0"/>
+                        <a:cs typeface="Times New Roman" panose="02020603050405020304" pitchFamily="18" charset="0"/>
+                      </a:endParaRPr>
                     </a:p>
                   </a:txBody>
-                  <a:tcPr marL="83127" marR="83127" marT="34290" marB="34290"/>
+                  <a:tcPr marT="37719" marB="37719"/>
                 </a:tc>
                 <a:tc>
                   <a:txBody>
@@ -10139,20 +11332,29 @@
                     <a:p>
                       <a:pPr algn="ctr"/>
                       <a:r>
-                        <a:rPr lang="en-US" sz="1400" smtClean="0"/>
+                        <a:rPr lang="en-US" sz="2000" smtClean="0">
+                          <a:latin typeface="Times New Roman" panose="02020603050405020304" pitchFamily="18" charset="0"/>
+                          <a:cs typeface="Times New Roman" panose="02020603050405020304" pitchFamily="18" charset="0"/>
+                        </a:rPr>
                         <a:t>Chức</a:t>
                       </a:r>
                       <a:r>
-                        <a:rPr lang="en-US" sz="1400" baseline="0" smtClean="0"/>
+                        <a:rPr lang="en-US" sz="2000" baseline="0" smtClean="0">
+                          <a:latin typeface="Times New Roman" panose="02020603050405020304" pitchFamily="18" charset="0"/>
+                          <a:cs typeface="Times New Roman" panose="02020603050405020304" pitchFamily="18" charset="0"/>
+                        </a:rPr>
                         <a:t> năng</a:t>
                       </a:r>
-                      <a:endParaRPr lang="en-US" sz="1400"/>
+                      <a:endParaRPr lang="en-US" sz="2000">
+                        <a:latin typeface="Times New Roman" panose="02020603050405020304" pitchFamily="18" charset="0"/>
+                        <a:cs typeface="Times New Roman" panose="02020603050405020304" pitchFamily="18" charset="0"/>
+                      </a:endParaRPr>
                     </a:p>
                   </a:txBody>
-                  <a:tcPr marL="83127" marR="83127" marT="34290" marB="34290"/>
+                  <a:tcPr marT="37719" marB="37719"/>
                 </a:tc>
               </a:tr>
-              <a:tr h="852895">
+              <a:tr h="938185">
                 <a:tc>
                   <a:txBody>
                     <a:bodyPr/>
@@ -10160,26 +11362,26 @@
                     <a:p>
                       <a:pPr algn="l"/>
                       <a:r>
-                        <a:rPr lang="en-US" sz="1700" smtClean="0">
+                        <a:rPr lang="en-US" sz="2000" smtClean="0">
                           <a:latin typeface="Times New Roman" pitchFamily="18" charset="0"/>
                           <a:cs typeface="Times New Roman" pitchFamily="18" charset="0"/>
                         </a:rPr>
                         <a:t>Nhân</a:t>
                       </a:r>
                       <a:r>
-                        <a:rPr lang="en-US" sz="1700" baseline="0" smtClean="0">
+                        <a:rPr lang="en-US" sz="2000" baseline="0" smtClean="0">
                           <a:latin typeface="Times New Roman" pitchFamily="18" charset="0"/>
                           <a:cs typeface="Times New Roman" pitchFamily="18" charset="0"/>
                         </a:rPr>
                         <a:t> viên</a:t>
                       </a:r>
-                      <a:endParaRPr lang="en-US" sz="1700">
+                      <a:endParaRPr lang="en-US" sz="2000">
                         <a:latin typeface="Times New Roman" pitchFamily="18" charset="0"/>
                         <a:cs typeface="Times New Roman" pitchFamily="18" charset="0"/>
                       </a:endParaRPr>
                     </a:p>
                   </a:txBody>
-                  <a:tcPr marL="83127" marR="83127" marT="34290" marB="34290"/>
+                  <a:tcPr marT="37719" marB="37719"/>
                 </a:tc>
                 <a:tc>
                   <a:txBody>
@@ -10204,7 +11406,7 @@
                         <a:defRPr/>
                       </a:pPr>
                       <a:r>
-                        <a:rPr lang="en-US" sz="1700" smtClean="0">
+                        <a:rPr lang="en-US" sz="2000" smtClean="0">
                           <a:latin typeface="Times New Roman" pitchFamily="18" charset="0"/>
                           <a:cs typeface="Times New Roman" pitchFamily="18" charset="0"/>
                         </a:rPr>
@@ -10230,7 +11432,7 @@
                         <a:defRPr/>
                       </a:pPr>
                       <a:r>
-                        <a:rPr lang="en-US" sz="1700" smtClean="0">
+                        <a:rPr lang="en-US" sz="2000" smtClean="0">
                           <a:latin typeface="Times New Roman" pitchFamily="18" charset="0"/>
                           <a:cs typeface="Times New Roman" pitchFamily="18" charset="0"/>
                         </a:rPr>
@@ -10255,16 +11457,16 @@
                         <a:tabLst/>
                         <a:defRPr/>
                       </a:pPr>
-                      <a:endParaRPr lang="en-US" sz="1700" smtClean="0">
+                      <a:endParaRPr lang="en-US" sz="2000" smtClean="0">
                         <a:latin typeface="Times New Roman" pitchFamily="18" charset="0"/>
                         <a:cs typeface="Times New Roman" pitchFamily="18" charset="0"/>
                       </a:endParaRPr>
                     </a:p>
                   </a:txBody>
-                  <a:tcPr marL="83127" marR="83127" marT="34290" marB="34290"/>
+                  <a:tcPr marT="37719" marB="37719"/>
                 </a:tc>
               </a:tr>
-              <a:tr h="1325880">
+              <a:tr h="1458468">
                 <a:tc>
                   <a:txBody>
                     <a:bodyPr/>
@@ -10272,26 +11474,26 @@
                     <a:p>
                       <a:pPr algn="l"/>
                       <a:r>
-                        <a:rPr lang="en-US" sz="1700" smtClean="0">
+                        <a:rPr lang="en-US" sz="2000" smtClean="0">
                           <a:latin typeface="Times New Roman" pitchFamily="18" charset="0"/>
                           <a:cs typeface="Times New Roman" pitchFamily="18" charset="0"/>
                         </a:rPr>
                         <a:t>Nhân</a:t>
                       </a:r>
                       <a:r>
-                        <a:rPr lang="en-US" sz="1700" baseline="0" smtClean="0">
+                        <a:rPr lang="en-US" sz="2000" baseline="0" smtClean="0">
                           <a:latin typeface="Times New Roman" pitchFamily="18" charset="0"/>
                           <a:cs typeface="Times New Roman" pitchFamily="18" charset="0"/>
                         </a:rPr>
                         <a:t> viên nhân sự</a:t>
                       </a:r>
-                      <a:endParaRPr lang="en-US" sz="1700">
+                      <a:endParaRPr lang="en-US" sz="2000">
                         <a:latin typeface="Times New Roman" pitchFamily="18" charset="0"/>
                         <a:cs typeface="Times New Roman" pitchFamily="18" charset="0"/>
                       </a:endParaRPr>
                     </a:p>
                   </a:txBody>
-                  <a:tcPr marL="83127" marR="83127" marT="34290" marB="34290"/>
+                  <a:tcPr marT="37719" marB="37719"/>
                 </a:tc>
                 <a:tc>
                   <a:txBody>
@@ -10316,7 +11518,7 @@
                         <a:defRPr/>
                       </a:pPr>
                       <a:r>
-                        <a:rPr lang="en-US" sz="1700" smtClean="0">
+                        <a:rPr lang="en-US" sz="2000" smtClean="0">
                           <a:latin typeface="Times New Roman" pitchFamily="18" charset="0"/>
                           <a:cs typeface="Times New Roman" pitchFamily="18" charset="0"/>
                         </a:rPr>
@@ -10342,7 +11544,7 @@
                         <a:defRPr/>
                       </a:pPr>
                       <a:r>
-                        <a:rPr lang="en-US" sz="1700" smtClean="0">
+                        <a:rPr lang="en-US" sz="2000" smtClean="0">
                           <a:latin typeface="Times New Roman" pitchFamily="18" charset="0"/>
                           <a:cs typeface="Times New Roman" pitchFamily="18" charset="0"/>
                         </a:rPr>
@@ -10368,7 +11570,7 @@
                         <a:defRPr/>
                       </a:pPr>
                       <a:r>
-                        <a:rPr lang="en-US" sz="1700" smtClean="0">
+                        <a:rPr lang="en-US" sz="2000" smtClean="0">
                           <a:latin typeface="Times New Roman" pitchFamily="18" charset="0"/>
                           <a:cs typeface="Times New Roman" pitchFamily="18" charset="0"/>
                         </a:rPr>
@@ -10394,7 +11596,7 @@
                         <a:defRPr/>
                       </a:pPr>
                       <a:r>
-                        <a:rPr lang="en-US" sz="1700" smtClean="0">
+                        <a:rPr lang="en-US" sz="2000" smtClean="0">
                           <a:latin typeface="Times New Roman" pitchFamily="18" charset="0"/>
                           <a:cs typeface="Times New Roman" pitchFamily="18" charset="0"/>
                         </a:rPr>
@@ -10402,10 +11604,10 @@
                       </a:r>
                     </a:p>
                   </a:txBody>
-                  <a:tcPr marL="83127" marR="83127" marT="34290" marB="34290"/>
+                  <a:tcPr marT="37719" marB="37719"/>
                 </a:tc>
               </a:tr>
-              <a:tr h="1286692">
+              <a:tr h="1415361">
                 <a:tc>
                   <a:txBody>
                     <a:bodyPr/>
@@ -10413,26 +11615,26 @@
                     <a:p>
                       <a:pPr algn="l"/>
                       <a:r>
-                        <a:rPr lang="en-US" sz="1700" smtClean="0">
+                        <a:rPr lang="en-US" sz="2000" smtClean="0">
                           <a:latin typeface="Times New Roman" pitchFamily="18" charset="0"/>
                           <a:cs typeface="Times New Roman" pitchFamily="18" charset="0"/>
                         </a:rPr>
                         <a:t>Nhân</a:t>
                       </a:r>
                       <a:r>
-                        <a:rPr lang="en-US" sz="1700" baseline="0" smtClean="0">
+                        <a:rPr lang="en-US" sz="2000" baseline="0" smtClean="0">
                           <a:latin typeface="Times New Roman" pitchFamily="18" charset="0"/>
                           <a:cs typeface="Times New Roman" pitchFamily="18" charset="0"/>
                         </a:rPr>
                         <a:t> viên quản lý dự án</a:t>
                       </a:r>
-                      <a:endParaRPr lang="en-US" sz="1700">
+                      <a:endParaRPr lang="en-US" sz="2000">
                         <a:latin typeface="Times New Roman" pitchFamily="18" charset="0"/>
                         <a:cs typeface="Times New Roman" pitchFamily="18" charset="0"/>
                       </a:endParaRPr>
                     </a:p>
                   </a:txBody>
-                  <a:tcPr marL="83127" marR="83127" marT="34290" marB="34290"/>
+                  <a:tcPr marT="37719" marB="37719"/>
                 </a:tc>
                 <a:tc>
                   <a:txBody>
@@ -10444,7 +11646,7 @@
                         <a:buNone/>
                       </a:pPr>
                       <a:r>
-                        <a:rPr lang="en-US" sz="1700" smtClean="0">
+                        <a:rPr lang="en-US" sz="2000" smtClean="0">
                           <a:latin typeface="Times New Roman" pitchFamily="18" charset="0"/>
                           <a:cs typeface="Times New Roman" pitchFamily="18" charset="0"/>
                         </a:rPr>
@@ -10457,19 +11659,19 @@
                         <a:buNone/>
                       </a:pPr>
                       <a:r>
-                        <a:rPr lang="en-US" sz="1700" smtClean="0">
+                        <a:rPr lang="en-US" sz="2000" smtClean="0">
                           <a:latin typeface="Times New Roman" pitchFamily="18" charset="0"/>
                           <a:cs typeface="Times New Roman" pitchFamily="18" charset="0"/>
                         </a:rPr>
                         <a:t>- Tìm kiếm nhân viên trong hệ thống phù hợp với dự án đang cần tuyển thêm nhân lực phục vụ quá trình phỏng vấn ứng viên nhanh chóng.</a:t>
                       </a:r>
-                      <a:endParaRPr lang="en-US" sz="1700">
+                      <a:endParaRPr lang="en-US" sz="2000">
                         <a:latin typeface="Times New Roman" pitchFamily="18" charset="0"/>
                         <a:cs typeface="Times New Roman" pitchFamily="18" charset="0"/>
                       </a:endParaRPr>
                     </a:p>
                   </a:txBody>
-                  <a:tcPr marL="83127" marR="83127" marT="34290" marB="34290"/>
+                  <a:tcPr marT="37719" marB="37719"/>
                 </a:tc>
               </a:tr>
             </a:tbl>
@@ -10510,15 +11712,15 @@
         </p:nvSpPr>
         <p:spPr>
           <a:xfrm>
-            <a:off x="364889" y="305140"/>
-            <a:ext cx="8779111" cy="4192701"/>
+            <a:off x="401379" y="1079421"/>
+            <a:ext cx="9382701" cy="475059"/>
           </a:xfrm>
           <a:prstGeom prst="rect">
             <a:avLst/>
           </a:prstGeom>
         </p:spPr>
         <p:txBody>
-          <a:bodyPr vert="horz" lIns="77221" tIns="38611" rIns="77221" bIns="38611" rtlCol="0">
+          <a:bodyPr vert="horz" lIns="84943" tIns="42472" rIns="84943" bIns="42472" rtlCol="0">
             <a:noAutofit/>
           </a:bodyPr>
           <a:lstStyle>
@@ -10754,11 +11956,9 @@
               <a:buChar char="Ø"/>
             </a:pPr>
             <a:r>
-              <a:rPr lang="en-US" sz="1900">
-                <a:solidFill>
-                  <a:schemeClr val="bg1">
-                    <a:lumMod val="50000"/>
-                  </a:schemeClr>
+              <a:rPr lang="en-US" sz="2400">
+                <a:solidFill>
+                  <a:schemeClr val="tx1"/>
                 </a:solidFill>
                 <a:latin typeface="Times New Roman" pitchFamily="18" charset="0"/>
                 <a:cs typeface="Times New Roman" pitchFamily="18" charset="0"/>
@@ -10767,15 +11967,72 @@
             </a:r>
           </a:p>
           <a:p>
-            <a:endParaRPr lang="en-US" sz="1900">
+            <a:endParaRPr lang="en-US" sz="2400">
               <a:solidFill>
-                <a:schemeClr val="bg1">
-                  <a:lumMod val="50000"/>
-                </a:schemeClr>
+                <a:schemeClr val="tx1"/>
               </a:solidFill>
               <a:latin typeface="Times New Roman" pitchFamily="18" charset="0"/>
               <a:cs typeface="Times New Roman" pitchFamily="18" charset="0"/>
             </a:endParaRPr>
+          </a:p>
+        </p:txBody>
+      </p:sp>
+      <p:sp>
+        <p:nvSpPr>
+          <p:cNvPr id="5" name="Title 1"/>
+          <p:cNvSpPr>
+            <a:spLocks noGrp="1"/>
+          </p:cNvSpPr>
+          <p:nvPr>
+            <p:ph type="title"/>
+          </p:nvPr>
+        </p:nvSpPr>
+        <p:spPr>
+          <a:xfrm>
+            <a:off x="440568" y="398264"/>
+            <a:ext cx="4901850" cy="761930"/>
+          </a:xfrm>
+        </p:spPr>
+        <p:txBody>
+          <a:bodyPr>
+            <a:noAutofit/>
+          </a:bodyPr>
+          <a:lstStyle/>
+          <a:p>
+            <a:pPr algn="l"/>
+            <a:r>
+              <a:rPr lang="en-US" sz="4400">
+                <a:solidFill>
+                  <a:schemeClr val="tx1"/>
+                </a:solidFill>
+                <a:effectLst/>
+                <a:latin typeface="Times New Roman" pitchFamily="18" charset="0"/>
+                <a:cs typeface="Times New Roman" pitchFamily="18" charset="0"/>
+              </a:rPr>
+              <a:t>3. </a:t>
+            </a:r>
+            <a:r>
+              <a:rPr lang="en-US" sz="4400" err="1">
+                <a:solidFill>
+                  <a:schemeClr val="tx1"/>
+                </a:solidFill>
+                <a:effectLst/>
+                <a:latin typeface="Times New Roman" pitchFamily="18" charset="0"/>
+                <a:cs typeface="Times New Roman" pitchFamily="18" charset="0"/>
+              </a:rPr>
+              <a:t>Phân</a:t>
+            </a:r>
+            <a:r>
+              <a:rPr lang="en-US" sz="4400">
+                <a:solidFill>
+                  <a:schemeClr val="tx1"/>
+                </a:solidFill>
+                <a:effectLst/>
+                <a:latin typeface="Times New Roman" pitchFamily="18" charset="0"/>
+                <a:cs typeface="Times New Roman" pitchFamily="18" charset="0"/>
+              </a:rPr>
+              <a:t> tích, thiết kế</a:t>
+            </a:r>
           </a:p>
         </p:txBody>
       </p:sp>
@@ -10789,9 +12046,18 @@
   <p:clrMapOvr>
     <a:masterClrMapping/>
   </p:clrMapOvr>
-  <p:transition spd="slow">
-    <p:cover/>
-  </p:transition>
+  <mc:AlternateContent xmlns:mc="http://schemas.openxmlformats.org/markup-compatibility/2006">
+    <mc:Choice xmlns:p14="http://schemas.microsoft.com/office/powerpoint/2010/main" Requires="p14">
+      <p:transition p14:dur="250">
+        <p:fade/>
+      </p:transition>
+    </mc:Choice>
+    <mc:Fallback>
+      <p:transition>
+        <p:fade/>
+      </p:transition>
+    </mc:Fallback>
+  </mc:AlternateContent>
   <p:timing>
     <p:tnLst>
       <p:par>
@@ -10838,7 +12104,7 @@
                                     </p:set>
                                     <p:animEffect transition="in" filter="wipe(down)">
                                       <p:cBhvr>
-                                        <p:cTn id="7" dur="500"/>
+                                        <p:cTn id="7" dur="250"/>
                                         <p:tgtEl>
                                           <p:spTgt spid="9"/>
                                         </p:tgtEl>
@@ -10897,7 +12163,95 @@
       </p:grpSpPr>
       <p:sp>
         <p:nvSpPr>
-          <p:cNvPr id="3" name="Content Placeholder 2"/>
+          <p:cNvPr id="4" name="Slide Number Placeholder 3"/>
+          <p:cNvSpPr>
+            <a:spLocks noGrp="1"/>
+          </p:cNvSpPr>
+          <p:nvPr>
+            <p:ph type="sldNum" sz="quarter" idx="12"/>
+          </p:nvPr>
+        </p:nvSpPr>
+        <p:spPr>
+          <a:xfrm>
+            <a:off x="9440227" y="6356350"/>
+            <a:ext cx="618173" cy="365125"/>
+          </a:xfrm>
+        </p:spPr>
+        <p:txBody>
+          <a:bodyPr/>
+          <a:lstStyle/>
+          <a:p>
+            <a:fld id="{3905339D-DD04-4120-AA77-8BCC40DA1522}" type="slidenum">
+              <a:rPr lang="en-US" smtClean="0"/>
+              <a:pPr/>
+              <a:t>8</a:t>
+            </a:fld>
+            <a:endParaRPr lang="en-US"/>
+          </a:p>
+        </p:txBody>
+      </p:sp>
+      <p:sp>
+        <p:nvSpPr>
+          <p:cNvPr id="5" name="Title 1"/>
+          <p:cNvSpPr>
+            <a:spLocks noGrp="1"/>
+          </p:cNvSpPr>
+          <p:nvPr>
+            <p:ph type="title"/>
+          </p:nvPr>
+        </p:nvSpPr>
+        <p:spPr>
+          <a:xfrm>
+            <a:off x="440568" y="398264"/>
+            <a:ext cx="4901850" cy="761930"/>
+          </a:xfrm>
+        </p:spPr>
+        <p:txBody>
+          <a:bodyPr>
+            <a:noAutofit/>
+          </a:bodyPr>
+          <a:lstStyle/>
+          <a:p>
+            <a:pPr algn="l"/>
+            <a:r>
+              <a:rPr lang="en-US" sz="4400">
+                <a:solidFill>
+                  <a:schemeClr val="tx1"/>
+                </a:solidFill>
+                <a:effectLst/>
+                <a:latin typeface="Times New Roman" pitchFamily="18" charset="0"/>
+                <a:cs typeface="Times New Roman" pitchFamily="18" charset="0"/>
+              </a:rPr>
+              <a:t>3. </a:t>
+            </a:r>
+            <a:r>
+              <a:rPr lang="en-US" sz="4400" err="1">
+                <a:solidFill>
+                  <a:schemeClr val="tx1"/>
+                </a:solidFill>
+                <a:effectLst/>
+                <a:latin typeface="Times New Roman" pitchFamily="18" charset="0"/>
+                <a:cs typeface="Times New Roman" pitchFamily="18" charset="0"/>
+              </a:rPr>
+              <a:t>Phân</a:t>
+            </a:r>
+            <a:r>
+              <a:rPr lang="en-US" sz="4400">
+                <a:solidFill>
+                  <a:schemeClr val="tx1"/>
+                </a:solidFill>
+                <a:effectLst/>
+                <a:latin typeface="Times New Roman" pitchFamily="18" charset="0"/>
+                <a:cs typeface="Times New Roman" pitchFamily="18" charset="0"/>
+              </a:rPr>
+              <a:t> tích, thiết kế</a:t>
+            </a:r>
+          </a:p>
+        </p:txBody>
+      </p:sp>
+      <p:sp>
+        <p:nvSpPr>
+          <p:cNvPr id="7" name="Content Placeholder 2"/>
           <p:cNvSpPr>
             <a:spLocks noGrp="1"/>
           </p:cNvSpPr>
@@ -10907,8 +12261,8 @@
         </p:nvSpPr>
         <p:spPr>
           <a:xfrm>
-            <a:off x="239122" y="129666"/>
-            <a:ext cx="8779111" cy="629091"/>
+            <a:off x="440568" y="1104491"/>
+            <a:ext cx="9266125" cy="692000"/>
           </a:xfrm>
         </p:spPr>
         <p:txBody>
@@ -10922,11 +12276,9 @@
               <a:buChar char="Ø"/>
             </a:pPr>
             <a:r>
-              <a:rPr lang="en-US" sz="1900">
-                <a:solidFill>
-                  <a:schemeClr val="bg1">
-                    <a:lumMod val="50000"/>
-                  </a:schemeClr>
+              <a:rPr lang="en-US" sz="2090">
+                <a:solidFill>
+                  <a:schemeClr val="tx1"/>
                 </a:solidFill>
                 <a:latin typeface="Times New Roman" pitchFamily="18" charset="0"/>
                 <a:cs typeface="Times New Roman" pitchFamily="18" charset="0"/>
@@ -10934,11 +12286,9 @@
               <a:t>Mô hình lớp chỉ bao gồm các </a:t>
             </a:r>
             <a:r>
-              <a:rPr lang="en-US" sz="1900" smtClean="0">
-                <a:solidFill>
-                  <a:schemeClr val="bg1">
-                    <a:lumMod val="50000"/>
-                  </a:schemeClr>
+              <a:rPr lang="en-US" sz="2090">
+                <a:solidFill>
+                  <a:schemeClr val="tx1"/>
                 </a:solidFill>
                 <a:latin typeface="Times New Roman" pitchFamily="18" charset="0"/>
                 <a:cs typeface="Times New Roman" pitchFamily="18" charset="0"/>
@@ -10946,63 +12296,28 @@
               <a:t>Entity</a:t>
             </a:r>
             <a:r>
-              <a:rPr lang="en-US" sz="1900">
-                <a:solidFill>
-                  <a:schemeClr val="bg1">
-                    <a:lumMod val="50000"/>
-                  </a:schemeClr>
+              <a:rPr lang="en-US" sz="2090">
+                <a:solidFill>
+                  <a:schemeClr val="tx1"/>
                 </a:solidFill>
                 <a:latin typeface="Times New Roman" pitchFamily="18" charset="0"/>
                 <a:cs typeface="Times New Roman" pitchFamily="18" charset="0"/>
               </a:rPr>
               <a:t>:</a:t>
             </a:r>
-            <a:endParaRPr lang="en-US" sz="1900">
-              <a:solidFill>
-                <a:schemeClr val="bg1">
-                  <a:lumMod val="50000"/>
-                </a:schemeClr>
-              </a:solidFill>
-              <a:latin typeface="Times New Roman" pitchFamily="18" charset="0"/>
-              <a:cs typeface="Times New Roman" pitchFamily="18" charset="0"/>
-            </a:endParaRPr>
-          </a:p>
-        </p:txBody>
-      </p:sp>
-      <p:sp>
-        <p:nvSpPr>
-          <p:cNvPr id="4" name="Slide Number Placeholder 3"/>
-          <p:cNvSpPr>
-            <a:spLocks noGrp="1"/>
-          </p:cNvSpPr>
-          <p:nvPr>
-            <p:ph type="sldNum" sz="quarter" idx="12"/>
-          </p:nvPr>
-        </p:nvSpPr>
-        <p:spPr/>
-        <p:txBody>
-          <a:bodyPr/>
-          <a:lstStyle/>
-          <a:p>
-            <a:fld id="{3905339D-DD04-4120-AA77-8BCC40DA1522}" type="slidenum">
-              <a:rPr lang="en-US" smtClean="0"/>
-              <a:pPr/>
-              <a:t>8</a:t>
-            </a:fld>
-            <a:endParaRPr lang="en-US"/>
           </a:p>
         </p:txBody>
       </p:sp>
       <p:pic>
         <p:nvPicPr>
-          <p:cNvPr id="1026" name="Picture 2"/>
+          <p:cNvPr id="11" name="Picture 2"/>
           <p:cNvPicPr>
             <a:picLocks noChangeAspect="1" noChangeArrowheads="1"/>
           </p:cNvPicPr>
           <p:nvPr/>
         </p:nvPicPr>
         <p:blipFill rotWithShape="1">
-          <a:blip r:embed="rId2">
+          <a:blip r:embed="rId3">
             <a:extLst>
               <a:ext uri="{28A0092B-C50C-407E-A947-70E740481C1C}">
                 <a14:useLocalDpi xmlns:a14="http://schemas.microsoft.com/office/drawing/2010/main" val="0"/>
@@ -11014,8 +12329,8 @@
         </p:blipFill>
         <p:spPr bwMode="auto">
           <a:xfrm>
-            <a:off x="248850" y="536467"/>
-            <a:ext cx="8583865" cy="4377447"/>
+            <a:off x="0" y="-2"/>
+            <a:ext cx="10055581" cy="6721477"/>
           </a:xfrm>
           <a:prstGeom prst="rect">
             <a:avLst/>
@@ -11058,16 +12373,415 @@
     </p:spTree>
     <p:extLst>
       <p:ext uri="{BB962C8B-B14F-4D97-AF65-F5344CB8AC3E}">
-        <p14:creationId xmlns:p14="http://schemas.microsoft.com/office/powerpoint/2010/main" val="4263596024"/>
+        <p14:creationId xmlns:p14="http://schemas.microsoft.com/office/powerpoint/2010/main" val="2801689485"/>
       </p:ext>
     </p:extLst>
   </p:cSld>
   <p:clrMapOvr>
     <a:masterClrMapping/>
   </p:clrMapOvr>
-  <p:transition spd="slow">
-    <p:cover/>
-  </p:transition>
+  <mc:AlternateContent xmlns:mc="http://schemas.openxmlformats.org/markup-compatibility/2006">
+    <mc:Choice xmlns:p14="http://schemas.microsoft.com/office/powerpoint/2010/main" Requires="p14">
+      <p:transition p14:dur="250">
+        <p:fade/>
+      </p:transition>
+    </mc:Choice>
+    <mc:Fallback>
+      <p:transition>
+        <p:fade/>
+      </p:transition>
+    </mc:Fallback>
+  </mc:AlternateContent>
+  <p:timing>
+    <p:tnLst>
+      <p:par>
+        <p:cTn id="1" dur="indefinite" restart="never" nodeType="tmRoot">
+          <p:childTnLst>
+            <p:seq concurrent="1" nextAc="seek">
+              <p:cTn id="2" dur="indefinite" nodeType="mainSeq">
+                <p:childTnLst>
+                  <p:par>
+                    <p:cTn id="3" fill="hold">
+                      <p:stCondLst>
+                        <p:cond delay="indefinite"/>
+                      </p:stCondLst>
+                      <p:childTnLst>
+                        <p:par>
+                          <p:cTn id="4" fill="hold">
+                            <p:stCondLst>
+                              <p:cond delay="0"/>
+                            </p:stCondLst>
+                            <p:childTnLst>
+                              <p:par>
+                                <p:cTn id="5" presetID="1" presetClass="exit" presetSubtype="0" fill="hold" grpId="0" nodeType="clickEffect">
+                                  <p:stCondLst>
+                                    <p:cond delay="0"/>
+                                  </p:stCondLst>
+                                  <p:childTnLst>
+                                    <p:set>
+                                      <p:cBhvr>
+                                        <p:cTn id="6" dur="1" fill="hold">
+                                          <p:stCondLst>
+                                            <p:cond delay="0"/>
+                                          </p:stCondLst>
+                                        </p:cTn>
+                                        <p:tgtEl>
+                                          <p:spTgt spid="7">
+                                            <p:txEl>
+                                              <p:pRg st="0" end="0"/>
+                                            </p:txEl>
+                                          </p:spTgt>
+                                        </p:tgtEl>
+                                        <p:attrNameLst>
+                                          <p:attrName>style.visibility</p:attrName>
+                                        </p:attrNameLst>
+                                      </p:cBhvr>
+                                      <p:to>
+                                        <p:strVal val="hidden"/>
+                                      </p:to>
+                                    </p:set>
+                                  </p:childTnLst>
+                                </p:cTn>
+                              </p:par>
+                              <p:par>
+                                <p:cTn id="7" presetID="1" presetClass="exit" presetSubtype="0" fill="hold" grpId="0" nodeType="withEffect">
+                                  <p:stCondLst>
+                                    <p:cond delay="0"/>
+                                  </p:stCondLst>
+                                  <p:childTnLst>
+                                    <p:set>
+                                      <p:cBhvr>
+                                        <p:cTn id="8" dur="1" fill="hold">
+                                          <p:stCondLst>
+                                            <p:cond delay="0"/>
+                                          </p:stCondLst>
+                                        </p:cTn>
+                                        <p:tgtEl>
+                                          <p:spTgt spid="5"/>
+                                        </p:tgtEl>
+                                        <p:attrNameLst>
+                                          <p:attrName>style.visibility</p:attrName>
+                                        </p:attrNameLst>
+                                      </p:cBhvr>
+                                      <p:to>
+                                        <p:strVal val="hidden"/>
+                                      </p:to>
+                                    </p:set>
+                                  </p:childTnLst>
+                                </p:cTn>
+                              </p:par>
+                              <p:par>
+                                <p:cTn id="9" presetID="22" presetClass="entr" presetSubtype="4" fill="hold" nodeType="withEffect">
+                                  <p:stCondLst>
+                                    <p:cond delay="0"/>
+                                  </p:stCondLst>
+                                  <p:childTnLst>
+                                    <p:set>
+                                      <p:cBhvr>
+                                        <p:cTn id="10" dur="1" fill="hold">
+                                          <p:stCondLst>
+                                            <p:cond delay="0"/>
+                                          </p:stCondLst>
+                                        </p:cTn>
+                                        <p:tgtEl>
+                                          <p:spTgt spid="11"/>
+                                        </p:tgtEl>
+                                        <p:attrNameLst>
+                                          <p:attrName>style.visibility</p:attrName>
+                                        </p:attrNameLst>
+                                      </p:cBhvr>
+                                      <p:to>
+                                        <p:strVal val="visible"/>
+                                      </p:to>
+                                    </p:set>
+                                    <p:animEffect transition="in" filter="wipe(down)">
+                                      <p:cBhvr>
+                                        <p:cTn id="11" dur="250"/>
+                                        <p:tgtEl>
+                                          <p:spTgt spid="11"/>
+                                        </p:tgtEl>
+                                      </p:cBhvr>
+                                    </p:animEffect>
+                                  </p:childTnLst>
+                                </p:cTn>
+                              </p:par>
+                            </p:childTnLst>
+                          </p:cTn>
+                        </p:par>
+                      </p:childTnLst>
+                    </p:cTn>
+                  </p:par>
+                </p:childTnLst>
+              </p:cTn>
+              <p:prevCondLst>
+                <p:cond evt="onPrev" delay="0">
+                  <p:tgtEl>
+                    <p:sldTgt/>
+                  </p:tgtEl>
+                </p:cond>
+              </p:prevCondLst>
+              <p:nextCondLst>
+                <p:cond evt="onNext" delay="0">
+                  <p:tgtEl>
+                    <p:sldTgt/>
+                  </p:tgtEl>
+                </p:cond>
+              </p:nextCondLst>
+            </p:seq>
+          </p:childTnLst>
+        </p:cTn>
+      </p:par>
+    </p:tnLst>
+    <p:bldLst>
+      <p:bldP spid="5" grpId="0"/>
+      <p:bldP spid="7" grpId="0" build="p"/>
+    </p:bldLst>
+  </p:timing>
+</p:sld>
+</file>
+
+<file path=ppt/slides/slide9.xml><?xml version="1.0" encoding="utf-8"?>
+<p:sld xmlns:a="http://schemas.openxmlformats.org/drawingml/2006/main" xmlns:r="http://schemas.openxmlformats.org/officeDocument/2006/relationships" xmlns:p="http://schemas.openxmlformats.org/presentationml/2006/main">
+  <p:cSld>
+    <p:spTree>
+      <p:nvGrpSpPr>
+        <p:cNvPr id="1" name=""/>
+        <p:cNvGrpSpPr/>
+        <p:nvPr/>
+      </p:nvGrpSpPr>
+      <p:grpSpPr>
+        <a:xfrm>
+          <a:off x="0" y="0"/>
+          <a:ext cx="0" cy="0"/>
+          <a:chOff x="0" y="0"/>
+          <a:chExt cx="0" cy="0"/>
+        </a:xfrm>
+      </p:grpSpPr>
+      <p:sp>
+        <p:nvSpPr>
+          <p:cNvPr id="2" name="Title 1"/>
+          <p:cNvSpPr>
+            <a:spLocks noGrp="1"/>
+          </p:cNvSpPr>
+          <p:nvPr>
+            <p:ph type="title"/>
+          </p:nvPr>
+        </p:nvSpPr>
+        <p:spPr>
+          <a:xfrm>
+            <a:off x="342803" y="190383"/>
+            <a:ext cx="4856215" cy="831397"/>
+          </a:xfrm>
+        </p:spPr>
+        <p:txBody>
+          <a:bodyPr>
+            <a:normAutofit/>
+          </a:bodyPr>
+          <a:lstStyle/>
+          <a:p>
+            <a:pPr algn="l"/>
+            <a:r>
+              <a:rPr lang="en-US" sz="4400">
+                <a:solidFill>
+                  <a:schemeClr val="tx1"/>
+                </a:solidFill>
+                <a:latin typeface="Times New Roman" pitchFamily="18" charset="0"/>
+                <a:cs typeface="Times New Roman" pitchFamily="18" charset="0"/>
+              </a:rPr>
+              <a:t>4. </a:t>
+            </a:r>
+            <a:r>
+              <a:rPr lang="en-US" sz="4400" err="1">
+                <a:solidFill>
+                  <a:schemeClr val="tx1"/>
+                </a:solidFill>
+                <a:latin typeface="Times New Roman" pitchFamily="18" charset="0"/>
+                <a:cs typeface="Times New Roman" pitchFamily="18" charset="0"/>
+              </a:rPr>
+              <a:t>Hiện</a:t>
+            </a:r>
+            <a:r>
+              <a:rPr lang="en-US" sz="4400">
+                <a:solidFill>
+                  <a:schemeClr val="tx1"/>
+                </a:solidFill>
+                <a:latin typeface="Times New Roman" pitchFamily="18" charset="0"/>
+                <a:cs typeface="Times New Roman" pitchFamily="18" charset="0"/>
+              </a:rPr>
+              <a:t> </a:t>
+            </a:r>
+            <a:r>
+              <a:rPr lang="en-US" sz="4400" err="1">
+                <a:solidFill>
+                  <a:schemeClr val="tx1"/>
+                </a:solidFill>
+                <a:latin typeface="Times New Roman" pitchFamily="18" charset="0"/>
+                <a:cs typeface="Times New Roman" pitchFamily="18" charset="0"/>
+              </a:rPr>
+              <a:t>thực</a:t>
+            </a:r>
+            <a:r>
+              <a:rPr lang="en-US" sz="4400">
+                <a:solidFill>
+                  <a:schemeClr val="tx1"/>
+                </a:solidFill>
+                <a:latin typeface="Times New Roman" pitchFamily="18" charset="0"/>
+                <a:cs typeface="Times New Roman" pitchFamily="18" charset="0"/>
+              </a:rPr>
+              <a:t> – Demo</a:t>
+            </a:r>
+          </a:p>
+        </p:txBody>
+      </p:sp>
+      <p:sp>
+        <p:nvSpPr>
+          <p:cNvPr id="3" name="Content Placeholder 2"/>
+          <p:cNvSpPr>
+            <a:spLocks noGrp="1"/>
+          </p:cNvSpPr>
+          <p:nvPr>
+            <p:ph idx="1"/>
+          </p:nvPr>
+        </p:nvSpPr>
+        <p:spPr>
+          <a:xfrm>
+            <a:off x="342803" y="965874"/>
+            <a:ext cx="9375963" cy="424733"/>
+          </a:xfrm>
+        </p:spPr>
+        <p:txBody>
+          <a:bodyPr>
+            <a:noAutofit/>
+          </a:bodyPr>
+          <a:lstStyle/>
+          <a:p>
+            <a:pPr>
+              <a:buFont typeface="Wingdings" pitchFamily="2" charset="2"/>
+              <a:buChar char="Ø"/>
+            </a:pPr>
+            <a:r>
+              <a:rPr lang="en-US" sz="2400">
+                <a:solidFill>
+                  <a:schemeClr val="tx1"/>
+                </a:solidFill>
+                <a:latin typeface="Times New Roman" pitchFamily="18" charset="0"/>
+                <a:cs typeface="Times New Roman" pitchFamily="18" charset="0"/>
+              </a:rPr>
+              <a:t>Mô tả cách hệ thống tìm kiếm và sắp xếp các ứng viên phù hợp dự án:</a:t>
+            </a:r>
+          </a:p>
+        </p:txBody>
+      </p:sp>
+      <p:sp>
+        <p:nvSpPr>
+          <p:cNvPr id="4" name="Slide Number Placeholder 3"/>
+          <p:cNvSpPr>
+            <a:spLocks noGrp="1"/>
+          </p:cNvSpPr>
+          <p:nvPr>
+            <p:ph type="sldNum" sz="quarter" idx="12"/>
+          </p:nvPr>
+        </p:nvSpPr>
+        <p:spPr/>
+        <p:txBody>
+          <a:bodyPr/>
+          <a:lstStyle/>
+          <a:p>
+            <a:fld id="{3905339D-DD04-4120-AA77-8BCC40DA1522}" type="slidenum">
+              <a:rPr lang="en-US" smtClean="0"/>
+              <a:pPr/>
+              <a:t>9</a:t>
+            </a:fld>
+            <a:endParaRPr lang="en-US"/>
+          </a:p>
+        </p:txBody>
+      </p:sp>
+      <p:pic>
+        <p:nvPicPr>
+          <p:cNvPr id="1026" name="Picture 2"/>
+          <p:cNvPicPr>
+            <a:picLocks noChangeAspect="1" noChangeArrowheads="1"/>
+          </p:cNvPicPr>
+          <p:nvPr/>
+        </p:nvPicPr>
+        <p:blipFill>
+          <a:blip r:embed="rId3" cstate="print">
+            <a:extLst>
+              <a:ext uri="{28A0092B-C50C-407E-A947-70E740481C1C}">
+                <a14:useLocalDpi xmlns:a14="http://schemas.microsoft.com/office/drawing/2010/main" val="0"/>
+              </a:ext>
+            </a:extLst>
+          </a:blip>
+          <a:srcRect/>
+          <a:stretch>
+            <a:fillRect/>
+          </a:stretch>
+        </p:blipFill>
+        <p:spPr bwMode="auto">
+          <a:xfrm>
+            <a:off x="801066" y="1390607"/>
+            <a:ext cx="8459436" cy="5330870"/>
+          </a:xfrm>
+          <a:prstGeom prst="rect">
+            <a:avLst/>
+          </a:prstGeom>
+          <a:noFill/>
+          <a:ln>
+            <a:noFill/>
+          </a:ln>
+          <a:effectLst/>
+          <a:extLst>
+            <a:ext uri="{909E8E84-426E-40DD-AFC4-6F175D3DCCD1}">
+              <a14:hiddenFill xmlns:a14="http://schemas.microsoft.com/office/drawing/2010/main">
+                <a:solidFill>
+                  <a:schemeClr val="accent1"/>
+                </a:solidFill>
+              </a14:hiddenFill>
+            </a:ext>
+            <a:ext uri="{91240B29-F687-4F45-9708-019B960494DF}">
+              <a14:hiddenLine xmlns:a14="http://schemas.microsoft.com/office/drawing/2010/main" w="9525">
+                <a:solidFill>
+                  <a:schemeClr val="tx1"/>
+                </a:solidFill>
+                <a:miter lim="800000"/>
+                <a:headEnd/>
+                <a:tailEnd/>
+              </a14:hiddenLine>
+            </a:ext>
+            <a:ext uri="{AF507438-7753-43E0-B8FC-AC1667EBCBE1}">
+              <a14:hiddenEffects xmlns:a14="http://schemas.microsoft.com/office/drawing/2010/main">
+                <a:effectLst>
+                  <a:outerShdw dist="35921" dir="2700000" algn="ctr" rotWithShape="0">
+                    <a:schemeClr val="bg2"/>
+                  </a:outerShdw>
+                </a:effectLst>
+              </a14:hiddenEffects>
+            </a:ext>
+          </a:extLst>
+        </p:spPr>
+      </p:pic>
+    </p:spTree>
+    <p:extLst>
+      <p:ext uri="{BB962C8B-B14F-4D97-AF65-F5344CB8AC3E}">
+        <p14:creationId xmlns:p14="http://schemas.microsoft.com/office/powerpoint/2010/main" val="400240856"/>
+      </p:ext>
+    </p:extLst>
+  </p:cSld>
+  <p:clrMapOvr>
+    <a:masterClrMapping/>
+  </p:clrMapOvr>
+  <mc:AlternateContent xmlns:mc="http://schemas.openxmlformats.org/markup-compatibility/2006">
+    <mc:Choice xmlns:p14="http://schemas.microsoft.com/office/powerpoint/2010/main" Requires="p14">
+      <p:transition p14:dur="250">
+        <p:fade/>
+      </p:transition>
+    </mc:Choice>
+    <mc:Fallback>
+      <p:transition>
+        <p:fade/>
+      </p:transition>
+    </mc:Fallback>
+  </mc:AlternateContent>
   <p:timing>
     <p:tnLst>
       <p:par>
@@ -11114,307 +12828,7 @@
                                     </p:set>
                                     <p:animEffect transition="in" filter="wipe(down)">
                                       <p:cBhvr>
-                                        <p:cTn id="7" dur="500"/>
-                                        <p:tgtEl>
-                                          <p:spTgt spid="1026"/>
-                                        </p:tgtEl>
-                                      </p:cBhvr>
-                                    </p:animEffect>
-                                  </p:childTnLst>
-                                </p:cTn>
-                              </p:par>
-                            </p:childTnLst>
-                          </p:cTn>
-                        </p:par>
-                      </p:childTnLst>
-                    </p:cTn>
-                  </p:par>
-                </p:childTnLst>
-              </p:cTn>
-              <p:prevCondLst>
-                <p:cond evt="onPrev" delay="0">
-                  <p:tgtEl>
-                    <p:sldTgt/>
-                  </p:tgtEl>
-                </p:cond>
-              </p:prevCondLst>
-              <p:nextCondLst>
-                <p:cond evt="onNext" delay="0">
-                  <p:tgtEl>
-                    <p:sldTgt/>
-                  </p:tgtEl>
-                </p:cond>
-              </p:nextCondLst>
-            </p:seq>
-          </p:childTnLst>
-        </p:cTn>
-      </p:par>
-    </p:tnLst>
-  </p:timing>
-</p:sld>
-</file>
-
-<file path=ppt/slides/slide9.xml><?xml version="1.0" encoding="utf-8"?>
-<p:sld xmlns:a="http://schemas.openxmlformats.org/drawingml/2006/main" xmlns:r="http://schemas.openxmlformats.org/officeDocument/2006/relationships" xmlns:p="http://schemas.openxmlformats.org/presentationml/2006/main">
-  <p:cSld>
-    <p:spTree>
-      <p:nvGrpSpPr>
-        <p:cNvPr id="1" name=""/>
-        <p:cNvGrpSpPr/>
-        <p:nvPr/>
-      </p:nvGrpSpPr>
-      <p:grpSpPr>
-        <a:xfrm>
-          <a:off x="0" y="0"/>
-          <a:ext cx="0" cy="0"/>
-          <a:chOff x="0" y="0"/>
-          <a:chExt cx="0" cy="0"/>
-        </a:xfrm>
-      </p:grpSpPr>
-      <p:sp>
-        <p:nvSpPr>
-          <p:cNvPr id="2" name="Title 1"/>
-          <p:cNvSpPr>
-            <a:spLocks noGrp="1"/>
-          </p:cNvSpPr>
-          <p:nvPr>
-            <p:ph type="title"/>
-          </p:nvPr>
-        </p:nvSpPr>
-        <p:spPr>
-          <a:xfrm>
-            <a:off x="-1137151" y="-364671"/>
-            <a:ext cx="6447501" cy="990600"/>
-          </a:xfrm>
-        </p:spPr>
-        <p:txBody>
-          <a:bodyPr>
-            <a:normAutofit/>
-          </a:bodyPr>
-          <a:lstStyle/>
-          <a:p>
-            <a:r>
-              <a:rPr lang="en-US" sz="3400">
-                <a:latin typeface="Times New Roman" pitchFamily="18" charset="0"/>
-                <a:cs typeface="Times New Roman" pitchFamily="18" charset="0"/>
-              </a:rPr>
-              <a:t>4. </a:t>
-            </a:r>
-            <a:r>
-              <a:rPr lang="en-US" sz="3400" err="1">
-                <a:latin typeface="Times New Roman" pitchFamily="18" charset="0"/>
-                <a:cs typeface="Times New Roman" pitchFamily="18" charset="0"/>
-              </a:rPr>
-              <a:t>Hiện</a:t>
-            </a:r>
-            <a:r>
-              <a:rPr lang="en-US" sz="3400">
-                <a:latin typeface="Times New Roman" pitchFamily="18" charset="0"/>
-                <a:cs typeface="Times New Roman" pitchFamily="18" charset="0"/>
-              </a:rPr>
-              <a:t> </a:t>
-            </a:r>
-            <a:r>
-              <a:rPr lang="en-US" sz="3400" err="1">
-                <a:latin typeface="Times New Roman" pitchFamily="18" charset="0"/>
-                <a:cs typeface="Times New Roman" pitchFamily="18" charset="0"/>
-              </a:rPr>
-              <a:t>thực</a:t>
-            </a:r>
-            <a:r>
-              <a:rPr lang="en-US" sz="3400">
-                <a:latin typeface="Times New Roman" pitchFamily="18" charset="0"/>
-                <a:cs typeface="Times New Roman" pitchFamily="18" charset="0"/>
-              </a:rPr>
-              <a:t> – Demo</a:t>
-            </a:r>
-          </a:p>
-        </p:txBody>
-      </p:sp>
-      <p:sp>
-        <p:nvSpPr>
-          <p:cNvPr id="3" name="Content Placeholder 2"/>
-          <p:cNvSpPr>
-            <a:spLocks noGrp="1"/>
-          </p:cNvSpPr>
-          <p:nvPr>
-            <p:ph idx="1"/>
-          </p:nvPr>
-        </p:nvSpPr>
-        <p:spPr>
-          <a:xfrm>
-            <a:off x="125950" y="466495"/>
-            <a:ext cx="8892100" cy="4438014"/>
-          </a:xfrm>
-        </p:spPr>
-        <p:txBody>
-          <a:bodyPr>
-            <a:noAutofit/>
-          </a:bodyPr>
-          <a:lstStyle/>
-          <a:p>
-            <a:pPr>
-              <a:buFont typeface="Wingdings" pitchFamily="2" charset="2"/>
-              <a:buChar char="Ø"/>
-            </a:pPr>
-            <a:r>
-              <a:rPr lang="en-US" sz="1900">
-                <a:latin typeface="Times New Roman" pitchFamily="18" charset="0"/>
-                <a:cs typeface="Times New Roman" pitchFamily="18" charset="0"/>
-              </a:rPr>
-              <a:t>Mô tả cách hệ thống tìm kiếm và sắp xếp các ứng viên phù hợp dự án:</a:t>
-            </a:r>
-          </a:p>
-        </p:txBody>
-      </p:sp>
-      <p:sp>
-        <p:nvSpPr>
-          <p:cNvPr id="4" name="Slide Number Placeholder 3"/>
-          <p:cNvSpPr>
-            <a:spLocks noGrp="1"/>
-          </p:cNvSpPr>
-          <p:nvPr>
-            <p:ph type="sldNum" sz="quarter" idx="12"/>
-          </p:nvPr>
-        </p:nvSpPr>
-        <p:spPr/>
-        <p:txBody>
-          <a:bodyPr/>
-          <a:lstStyle/>
-          <a:p>
-            <a:fld id="{3905339D-DD04-4120-AA77-8BCC40DA1522}" type="slidenum">
-              <a:rPr lang="en-US" smtClean="0"/>
-              <a:pPr/>
-              <a:t>9</a:t>
-            </a:fld>
-            <a:endParaRPr lang="en-US"/>
-          </a:p>
-        </p:txBody>
-      </p:sp>
-      <p:pic>
-        <p:nvPicPr>
-          <p:cNvPr id="1026" name="Picture 2"/>
-          <p:cNvPicPr>
-            <a:picLocks noChangeAspect="1" noChangeArrowheads="1"/>
-          </p:cNvPicPr>
-          <p:nvPr/>
-        </p:nvPicPr>
-        <p:blipFill>
-          <a:blip r:embed="rId2" cstate="print">
-            <a:extLst>
-              <a:ext uri="{28A0092B-C50C-407E-A947-70E740481C1C}">
-                <a14:useLocalDpi xmlns:a14="http://schemas.microsoft.com/office/drawing/2010/main" val="0"/>
-              </a:ext>
-            </a:extLst>
-          </a:blip>
-          <a:srcRect/>
-          <a:stretch>
-            <a:fillRect/>
-          </a:stretch>
-        </p:blipFill>
-        <p:spPr bwMode="auto">
-          <a:xfrm>
-            <a:off x="2137719" y="852616"/>
-            <a:ext cx="5968313" cy="4188941"/>
-          </a:xfrm>
-          <a:prstGeom prst="rect">
-            <a:avLst/>
-          </a:prstGeom>
-          <a:noFill/>
-          <a:ln>
-            <a:noFill/>
-          </a:ln>
-          <a:effectLst/>
-          <a:extLst>
-            <a:ext uri="{909E8E84-426E-40DD-AFC4-6F175D3DCCD1}">
-              <a14:hiddenFill xmlns:a14="http://schemas.microsoft.com/office/drawing/2010/main">
-                <a:solidFill>
-                  <a:schemeClr val="accent1"/>
-                </a:solidFill>
-              </a14:hiddenFill>
-            </a:ext>
-            <a:ext uri="{91240B29-F687-4F45-9708-019B960494DF}">
-              <a14:hiddenLine xmlns:a14="http://schemas.microsoft.com/office/drawing/2010/main" w="9525">
-                <a:solidFill>
-                  <a:schemeClr val="tx1"/>
-                </a:solidFill>
-                <a:miter lim="800000"/>
-                <a:headEnd/>
-                <a:tailEnd/>
-              </a14:hiddenLine>
-            </a:ext>
-            <a:ext uri="{AF507438-7753-43E0-B8FC-AC1667EBCBE1}">
-              <a14:hiddenEffects xmlns:a14="http://schemas.microsoft.com/office/drawing/2010/main">
-                <a:effectLst>
-                  <a:outerShdw dist="35921" dir="2700000" algn="ctr" rotWithShape="0">
-                    <a:schemeClr val="bg2"/>
-                  </a:outerShdw>
-                </a:effectLst>
-              </a14:hiddenEffects>
-            </a:ext>
-          </a:extLst>
-        </p:spPr>
-      </p:pic>
-    </p:spTree>
-    <p:extLst>
-      <p:ext uri="{BB962C8B-B14F-4D97-AF65-F5344CB8AC3E}">
-        <p14:creationId xmlns:p14="http://schemas.microsoft.com/office/powerpoint/2010/main" val="400240856"/>
-      </p:ext>
-    </p:extLst>
-  </p:cSld>
-  <p:clrMapOvr>
-    <a:masterClrMapping/>
-  </p:clrMapOvr>
-  <p:transition spd="slow">
-    <p:cover/>
-  </p:transition>
-  <p:timing>
-    <p:tnLst>
-      <p:par>
-        <p:cTn id="1" dur="indefinite" restart="never" nodeType="tmRoot">
-          <p:childTnLst>
-            <p:seq concurrent="1" nextAc="seek">
-              <p:cTn id="2" dur="indefinite" nodeType="mainSeq">
-                <p:childTnLst>
-                  <p:par>
-                    <p:cTn id="3" fill="hold">
-                      <p:stCondLst>
-                        <p:cond delay="indefinite"/>
-                      </p:stCondLst>
-                      <p:childTnLst>
-                        <p:par>
-                          <p:cTn id="4" fill="hold">
-                            <p:stCondLst>
-                              <p:cond delay="0"/>
-                            </p:stCondLst>
-                            <p:childTnLst>
-                              <p:par>
-                                <p:cTn id="5" presetID="22" presetClass="entr" presetSubtype="4" fill="hold" nodeType="clickEffect">
-                                  <p:stCondLst>
-                                    <p:cond delay="0"/>
-                                  </p:stCondLst>
-                                  <p:childTnLst>
-                                    <p:set>
-                                      <p:cBhvr>
-                                        <p:cTn id="6" dur="1" fill="hold">
-                                          <p:stCondLst>
-                                            <p:cond delay="0"/>
-                                          </p:stCondLst>
-                                        </p:cTn>
-                                        <p:tgtEl>
-                                          <p:spTgt spid="1026"/>
-                                        </p:tgtEl>
-                                        <p:attrNameLst>
-                                          <p:attrName>style.visibility</p:attrName>
-                                        </p:attrNameLst>
-                                      </p:cBhvr>
-                                      <p:to>
-                                        <p:strVal val="visible"/>
-                                      </p:to>
-                                    </p:set>
-                                    <p:animEffect transition="in" filter="wipe(down)">
-                                      <p:cBhvr>
-                                        <p:cTn id="7" dur="500"/>
+                                        <p:cTn id="7" dur="250"/>
                                         <p:tgtEl>
                                           <p:spTgt spid="1026"/>
                                         </p:tgtEl>
